--- a/anth2151-ancientpeoplesandplaces/TheCollapseOfTheMayaCivilization.pptx
+++ b/anth2151-ancientpeoplesandplaces/TheCollapseOfTheMayaCivilization.pptx
@@ -6,6 +6,7 @@
   </p:sldMasterIdLst>
   <p:sldIdLst>
     <p:sldId id="256" r:id="rId2"/>
+    <p:sldId id="257" r:id="rId3"/>
   </p:sldIdLst>
   <p:sldSz cx="12192000" cy="6858000"/>
   <p:notesSz cx="6858000" cy="9144000"/>
@@ -104,6 +105,11 @@
       </a:defRPr>
     </a:lvl9pPr>
   </p:defaultTextStyle>
+  <p:extLst>
+    <p:ext uri="{EFAFB233-063F-42B5-8137-9DF3F51BA10A}">
+      <p15:sldGuideLst xmlns:p15="http://schemas.microsoft.com/office/powerpoint/2012/main"/>
+    </p:ext>
+  </p:extLst>
 </p:presentation>
 </file>
 
@@ -256,7 +262,7 @@
           <a:p>
             <a:fld id="{E70B44F4-EB80-4661-B4DA-9317950D61AC}" type="datetimeFigureOut">
               <a:rPr lang="en-CA" smtClean="0"/>
-              <a:t>2023-03-02</a:t>
+              <a:t>2023-03-09</a:t>
             </a:fld>
             <a:endParaRPr lang="en-CA"/>
           </a:p>
@@ -456,7 +462,7 @@
           <a:p>
             <a:fld id="{E70B44F4-EB80-4661-B4DA-9317950D61AC}" type="datetimeFigureOut">
               <a:rPr lang="en-CA" smtClean="0"/>
-              <a:t>2023-03-02</a:t>
+              <a:t>2023-03-09</a:t>
             </a:fld>
             <a:endParaRPr lang="en-CA"/>
           </a:p>
@@ -666,7 +672,7 @@
           <a:p>
             <a:fld id="{E70B44F4-EB80-4661-B4DA-9317950D61AC}" type="datetimeFigureOut">
               <a:rPr lang="en-CA" smtClean="0"/>
-              <a:t>2023-03-02</a:t>
+              <a:t>2023-03-09</a:t>
             </a:fld>
             <a:endParaRPr lang="en-CA"/>
           </a:p>
@@ -866,7 +872,7 @@
           <a:p>
             <a:fld id="{E70B44F4-EB80-4661-B4DA-9317950D61AC}" type="datetimeFigureOut">
               <a:rPr lang="en-CA" smtClean="0"/>
-              <a:t>2023-03-02</a:t>
+              <a:t>2023-03-09</a:t>
             </a:fld>
             <a:endParaRPr lang="en-CA"/>
           </a:p>
@@ -1142,7 +1148,7 @@
           <a:p>
             <a:fld id="{E70B44F4-EB80-4661-B4DA-9317950D61AC}" type="datetimeFigureOut">
               <a:rPr lang="en-CA" smtClean="0"/>
-              <a:t>2023-03-02</a:t>
+              <a:t>2023-03-09</a:t>
             </a:fld>
             <a:endParaRPr lang="en-CA"/>
           </a:p>
@@ -1410,7 +1416,7 @@
           <a:p>
             <a:fld id="{E70B44F4-EB80-4661-B4DA-9317950D61AC}" type="datetimeFigureOut">
               <a:rPr lang="en-CA" smtClean="0"/>
-              <a:t>2023-03-02</a:t>
+              <a:t>2023-03-09</a:t>
             </a:fld>
             <a:endParaRPr lang="en-CA"/>
           </a:p>
@@ -1825,7 +1831,7 @@
           <a:p>
             <a:fld id="{E70B44F4-EB80-4661-B4DA-9317950D61AC}" type="datetimeFigureOut">
               <a:rPr lang="en-CA" smtClean="0"/>
-              <a:t>2023-03-02</a:t>
+              <a:t>2023-03-09</a:t>
             </a:fld>
             <a:endParaRPr lang="en-CA"/>
           </a:p>
@@ -1967,7 +1973,7 @@
           <a:p>
             <a:fld id="{E70B44F4-EB80-4661-B4DA-9317950D61AC}" type="datetimeFigureOut">
               <a:rPr lang="en-CA" smtClean="0"/>
-              <a:t>2023-03-02</a:t>
+              <a:t>2023-03-09</a:t>
             </a:fld>
             <a:endParaRPr lang="en-CA"/>
           </a:p>
@@ -2080,7 +2086,7 @@
           <a:p>
             <a:fld id="{E70B44F4-EB80-4661-B4DA-9317950D61AC}" type="datetimeFigureOut">
               <a:rPr lang="en-CA" smtClean="0"/>
-              <a:t>2023-03-02</a:t>
+              <a:t>2023-03-09</a:t>
             </a:fld>
             <a:endParaRPr lang="en-CA"/>
           </a:p>
@@ -2393,7 +2399,7 @@
           <a:p>
             <a:fld id="{E70B44F4-EB80-4661-B4DA-9317950D61AC}" type="datetimeFigureOut">
               <a:rPr lang="en-CA" smtClean="0"/>
-              <a:t>2023-03-02</a:t>
+              <a:t>2023-03-09</a:t>
             </a:fld>
             <a:endParaRPr lang="en-CA"/>
           </a:p>
@@ -2682,7 +2688,7 @@
           <a:p>
             <a:fld id="{E70B44F4-EB80-4661-B4DA-9317950D61AC}" type="datetimeFigureOut">
               <a:rPr lang="en-CA" smtClean="0"/>
-              <a:t>2023-03-02</a:t>
+              <a:t>2023-03-09</a:t>
             </a:fld>
             <a:endParaRPr lang="en-CA"/>
           </a:p>
@@ -2925,7 +2931,7 @@
           <a:p>
             <a:fld id="{E70B44F4-EB80-4661-B4DA-9317950D61AC}" type="datetimeFigureOut">
               <a:rPr lang="en-CA" smtClean="0"/>
-              <a:t>2023-03-02</a:t>
+              <a:t>2023-03-09</a:t>
             </a:fld>
             <a:endParaRPr lang="en-CA"/>
           </a:p>
@@ -3344,10 +3350,10 @@
       </p:grpSpPr>
       <p:sp>
         <p:nvSpPr>
-          <p:cNvPr id="2" name="Title 1">
-            <a:extLst>
-              <a:ext uri="{FF2B5EF4-FFF2-40B4-BE49-F238E27FC236}">
-                <a16:creationId xmlns:a16="http://schemas.microsoft.com/office/drawing/2014/main" id="{B5F9F5CA-A69E-886B-6C73-790DBC125B49}"/>
+          <p:cNvPr id="7" name="Title 6">
+            <a:extLst>
+              <a:ext uri="{FF2B5EF4-FFF2-40B4-BE49-F238E27FC236}">
+                <a16:creationId xmlns:a16="http://schemas.microsoft.com/office/drawing/2014/main" id="{33729F96-A268-E4FB-9464-A2C3E87506C4}"/>
               </a:ext>
             </a:extLst>
           </p:cNvPr>
@@ -3358,44 +3364,185 @@
             <p:ph type="ctrTitle"/>
           </p:nvPr>
         </p:nvSpPr>
-        <p:spPr/>
-        <p:txBody>
-          <a:bodyPr/>
-          <a:lstStyle/>
-          <a:p>
-            <a:endParaRPr lang="en-CA"/>
-          </a:p>
-        </p:txBody>
-      </p:sp>
-      <p:sp>
-        <p:nvSpPr>
-          <p:cNvPr id="3" name="Subtitle 2">
-            <a:extLst>
-              <a:ext uri="{FF2B5EF4-FFF2-40B4-BE49-F238E27FC236}">
-                <a16:creationId xmlns:a16="http://schemas.microsoft.com/office/drawing/2014/main" id="{6970C01B-847E-883B-10E6-7A1C64A7263A}"/>
-              </a:ext>
-            </a:extLst>
-          </p:cNvPr>
-          <p:cNvSpPr>
-            <a:spLocks noGrp="1"/>
-          </p:cNvSpPr>
-          <p:nvPr>
-            <p:ph type="subTitle" idx="1"/>
-          </p:nvPr>
-        </p:nvSpPr>
-        <p:spPr/>
-        <p:txBody>
-          <a:bodyPr/>
-          <a:lstStyle/>
-          <a:p>
-            <a:endParaRPr lang="en-CA"/>
-          </a:p>
-        </p:txBody>
-      </p:sp>
+        <p:spPr>
+          <a:xfrm>
+            <a:off x="1455532" y="0"/>
+            <a:ext cx="9144000" cy="816429"/>
+          </a:xfrm>
+        </p:spPr>
+        <p:txBody>
+          <a:bodyPr anchor="ctr">
+            <a:noAutofit/>
+          </a:bodyPr>
+          <a:lstStyle/>
+          <a:p>
+            <a:r>
+              <a:rPr lang="en-US" sz="3200" b="1" dirty="0">
+                <a:latin typeface="Arial" panose="020B0604020202020204" pitchFamily="34" charset="0"/>
+                <a:cs typeface="Arial" panose="020B0604020202020204" pitchFamily="34" charset="0"/>
+              </a:rPr>
+              <a:t>The collapse of the ancient Maya civilization</a:t>
+            </a:r>
+            <a:endParaRPr lang="en-CA" sz="3200" b="1" dirty="0">
+              <a:latin typeface="Arial" panose="020B0604020202020204" pitchFamily="34" charset="0"/>
+              <a:cs typeface="Arial" panose="020B0604020202020204" pitchFamily="34" charset="0"/>
+            </a:endParaRPr>
+          </a:p>
+        </p:txBody>
+      </p:sp>
+      <p:pic>
+        <p:nvPicPr>
+          <p:cNvPr id="10" name="Picture 9" descr="A picture containing grass, rock, building, outdoor&#10;&#10;Description automatically generated">
+            <a:extLst>
+              <a:ext uri="{FF2B5EF4-FFF2-40B4-BE49-F238E27FC236}">
+                <a16:creationId xmlns:a16="http://schemas.microsoft.com/office/drawing/2014/main" id="{9009B968-D377-726F-7249-F127F0F1C65C}"/>
+              </a:ext>
+            </a:extLst>
+          </p:cNvPr>
+          <p:cNvPicPr>
+            <a:picLocks noChangeAspect="1"/>
+          </p:cNvPicPr>
+          <p:nvPr/>
+        </p:nvPicPr>
+        <p:blipFill>
+          <a:blip r:embed="rId2">
+            <a:extLst>
+              <a:ext uri="{28A0092B-C50C-407E-A947-70E740481C1C}">
+                <a14:useLocalDpi xmlns:a14="http://schemas.microsoft.com/office/drawing/2010/main" val="0"/>
+              </a:ext>
+            </a:extLst>
+          </a:blip>
+          <a:stretch>
+            <a:fillRect/>
+          </a:stretch>
+        </p:blipFill>
+        <p:spPr>
+          <a:xfrm>
+            <a:off x="2006016" y="816429"/>
+            <a:ext cx="8043031" cy="6036436"/>
+          </a:xfrm>
+          <a:prstGeom prst="rect">
+            <a:avLst/>
+          </a:prstGeom>
+        </p:spPr>
+      </p:pic>
     </p:spTree>
     <p:extLst>
       <p:ext uri="{BB962C8B-B14F-4D97-AF65-F5344CB8AC3E}">
         <p14:creationId xmlns:p14="http://schemas.microsoft.com/office/powerpoint/2010/main" val="3318353791"/>
+      </p:ext>
+    </p:extLst>
+  </p:cSld>
+  <p:clrMapOvr>
+    <a:masterClrMapping/>
+  </p:clrMapOvr>
+</p:sld>
+</file>
+
+<file path=ppt/slides/slide2.xml><?xml version="1.0" encoding="utf-8"?>
+<p:sld xmlns:a="http://schemas.openxmlformats.org/drawingml/2006/main" xmlns:r="http://schemas.openxmlformats.org/officeDocument/2006/relationships" xmlns:p="http://schemas.openxmlformats.org/presentationml/2006/main">
+  <p:cSld>
+    <p:spTree>
+      <p:nvGrpSpPr>
+        <p:cNvPr id="1" name=""/>
+        <p:cNvGrpSpPr/>
+        <p:nvPr/>
+      </p:nvGrpSpPr>
+      <p:grpSpPr>
+        <a:xfrm>
+          <a:off x="0" y="0"/>
+          <a:ext cx="0" cy="0"/>
+          <a:chOff x="0" y="0"/>
+          <a:chExt cx="0" cy="0"/>
+        </a:xfrm>
+      </p:grpSpPr>
+      <p:sp>
+        <p:nvSpPr>
+          <p:cNvPr id="2" name="Title 1">
+            <a:extLst>
+              <a:ext uri="{FF2B5EF4-FFF2-40B4-BE49-F238E27FC236}">
+                <a16:creationId xmlns:a16="http://schemas.microsoft.com/office/drawing/2014/main" id="{4C27BB16-499C-1AE7-D396-5CE4B4DF0FDB}"/>
+              </a:ext>
+            </a:extLst>
+          </p:cNvPr>
+          <p:cNvSpPr>
+            <a:spLocks noGrp="1"/>
+          </p:cNvSpPr>
+          <p:nvPr>
+            <p:ph type="title"/>
+          </p:nvPr>
+        </p:nvSpPr>
+        <p:spPr>
+          <a:xfrm>
+            <a:off x="838200" y="0"/>
+            <a:ext cx="10515600" cy="503339"/>
+          </a:xfrm>
+        </p:spPr>
+        <p:txBody>
+          <a:bodyPr>
+            <a:noAutofit/>
+          </a:bodyPr>
+          <a:lstStyle/>
+          <a:p>
+            <a:pPr algn="ctr"/>
+            <a:endParaRPr lang="en-CA" sz="2000" dirty="0"/>
+          </a:p>
+        </p:txBody>
+      </p:sp>
+      <p:sp>
+        <p:nvSpPr>
+          <p:cNvPr id="3" name="Content Placeholder 2">
+            <a:extLst>
+              <a:ext uri="{FF2B5EF4-FFF2-40B4-BE49-F238E27FC236}">
+                <a16:creationId xmlns:a16="http://schemas.microsoft.com/office/drawing/2014/main" id="{924FD93C-4EFC-6AB0-FCB9-F76054827F44}"/>
+              </a:ext>
+            </a:extLst>
+          </p:cNvPr>
+          <p:cNvSpPr>
+            <a:spLocks noGrp="1"/>
+          </p:cNvSpPr>
+          <p:nvPr>
+            <p:ph sz="half" idx="1"/>
+          </p:nvPr>
+        </p:nvSpPr>
+        <p:spPr/>
+        <p:txBody>
+          <a:bodyPr/>
+          <a:lstStyle/>
+          <a:p>
+            <a:endParaRPr lang="en-CA"/>
+          </a:p>
+        </p:txBody>
+      </p:sp>
+      <p:sp>
+        <p:nvSpPr>
+          <p:cNvPr id="4" name="Content Placeholder 3">
+            <a:extLst>
+              <a:ext uri="{FF2B5EF4-FFF2-40B4-BE49-F238E27FC236}">
+                <a16:creationId xmlns:a16="http://schemas.microsoft.com/office/drawing/2014/main" id="{ADA678AB-B2F3-074B-5291-E72657E585F2}"/>
+              </a:ext>
+            </a:extLst>
+          </p:cNvPr>
+          <p:cNvSpPr>
+            <a:spLocks noGrp="1"/>
+          </p:cNvSpPr>
+          <p:nvPr>
+            <p:ph sz="half" idx="2"/>
+          </p:nvPr>
+        </p:nvSpPr>
+        <p:spPr/>
+        <p:txBody>
+          <a:bodyPr/>
+          <a:lstStyle/>
+          <a:p>
+            <a:endParaRPr lang="en-CA"/>
+          </a:p>
+        </p:txBody>
+      </p:sp>
+    </p:spTree>
+    <p:extLst>
+      <p:ext uri="{BB962C8B-B14F-4D97-AF65-F5344CB8AC3E}">
+        <p14:creationId xmlns:p14="http://schemas.microsoft.com/office/powerpoint/2010/main" val="2492479861"/>
       </p:ext>
     </p:extLst>
   </p:cSld>

--- a/anth2151-ancientpeoplesandplaces/TheCollapseOfTheMayaCivilization.pptx
+++ b/anth2151-ancientpeoplesandplaces/TheCollapseOfTheMayaCivilization.pptx
@@ -7,6 +7,9 @@
   <p:sldIdLst>
     <p:sldId id="256" r:id="rId2"/>
     <p:sldId id="257" r:id="rId3"/>
+    <p:sldId id="258" r:id="rId4"/>
+    <p:sldId id="259" r:id="rId5"/>
+    <p:sldId id="260" r:id="rId6"/>
   </p:sldIdLst>
   <p:sldSz cx="12192000" cy="6858000"/>
   <p:notesSz cx="6858000" cy="9144000"/>
@@ -113,6 +116,90 @@
 </p:presentation>
 </file>
 
+<file path=ppt/ink/ink1.xml><?xml version="1.0" encoding="utf-8"?>
+<inkml:ink xmlns:inkml="http://www.w3.org/2003/InkML">
+  <inkml:definitions>
+    <inkml:context xml:id="ctx0">
+      <inkml:inkSource xml:id="inkSrc0">
+        <inkml:traceFormat>
+          <inkml:channel name="X" type="integer" min="-2.14748E9" max="2.14748E9" units="cm"/>
+          <inkml:channel name="Y" type="integer" min="-2.14748E9" max="2.14748E9" units="cm"/>
+          <inkml:channel name="F" type="integer" max="32767" units="dev"/>
+        </inkml:traceFormat>
+        <inkml:channelProperties>
+          <inkml:channelProperty channel="X" name="resolution" value="1000" units="1/cm"/>
+          <inkml:channelProperty channel="Y" name="resolution" value="1000" units="1/cm"/>
+          <inkml:channelProperty channel="F" name="resolution" value="0" units="1/dev"/>
+        </inkml:channelProperties>
+      </inkml:inkSource>
+      <inkml:timestamp xml:id="ts0" timeString="2023-03-10T18:43:42.314"/>
+    </inkml:context>
+    <inkml:brush xml:id="br0">
+      <inkml:brushProperty name="width" value="0.05" units="cm"/>
+      <inkml:brushProperty name="height" value="0.05" units="cm"/>
+      <inkml:brushProperty name="color" value="#CC0066"/>
+    </inkml:brush>
+  </inkml:definitions>
+  <inkml:trace contextRef="#ctx0" brushRef="#br0">1 1 24575,'0'0'-8191</inkml:trace>
+</inkml:ink>
+</file>
+
+<file path=ppt/ink/ink2.xml><?xml version="1.0" encoding="utf-8"?>
+<inkml:ink xmlns:inkml="http://www.w3.org/2003/InkML">
+  <inkml:definitions>
+    <inkml:context xml:id="ctx0">
+      <inkml:inkSource xml:id="inkSrc0">
+        <inkml:traceFormat>
+          <inkml:channel name="X" type="integer" min="-2.14748E9" max="2.14748E9" units="cm"/>
+          <inkml:channel name="Y" type="integer" min="-2.14748E9" max="2.14748E9" units="cm"/>
+          <inkml:channel name="F" type="integer" max="32767" units="dev"/>
+        </inkml:traceFormat>
+        <inkml:channelProperties>
+          <inkml:channelProperty channel="X" name="resolution" value="1000" units="1/cm"/>
+          <inkml:channelProperty channel="Y" name="resolution" value="1000" units="1/cm"/>
+          <inkml:channelProperty channel="F" name="resolution" value="0" units="1/dev"/>
+        </inkml:channelProperties>
+      </inkml:inkSource>
+      <inkml:timestamp xml:id="ts0" timeString="2023-03-10T18:43:42.314"/>
+    </inkml:context>
+    <inkml:brush xml:id="br0">
+      <inkml:brushProperty name="width" value="0.05" units="cm"/>
+      <inkml:brushProperty name="height" value="0.05" units="cm"/>
+      <inkml:brushProperty name="color" value="#CC0066"/>
+    </inkml:brush>
+  </inkml:definitions>
+  <inkml:trace contextRef="#ctx0" brushRef="#br0">1 1 24575,'0'0'-8191</inkml:trace>
+</inkml:ink>
+</file>
+
+<file path=ppt/ink/ink3.xml><?xml version="1.0" encoding="utf-8"?>
+<inkml:ink xmlns:inkml="http://www.w3.org/2003/InkML">
+  <inkml:definitions>
+    <inkml:context xml:id="ctx0">
+      <inkml:inkSource xml:id="inkSrc0">
+        <inkml:traceFormat>
+          <inkml:channel name="X" type="integer" min="-2.14748E9" max="2.14748E9" units="cm"/>
+          <inkml:channel name="Y" type="integer" min="-2.14748E9" max="2.14748E9" units="cm"/>
+          <inkml:channel name="F" type="integer" max="32767" units="dev"/>
+        </inkml:traceFormat>
+        <inkml:channelProperties>
+          <inkml:channelProperty channel="X" name="resolution" value="1000" units="1/cm"/>
+          <inkml:channelProperty channel="Y" name="resolution" value="1000" units="1/cm"/>
+          <inkml:channelProperty channel="F" name="resolution" value="0" units="1/dev"/>
+        </inkml:channelProperties>
+      </inkml:inkSource>
+      <inkml:timestamp xml:id="ts0" timeString="2023-03-10T18:43:42.314"/>
+    </inkml:context>
+    <inkml:brush xml:id="br0">
+      <inkml:brushProperty name="width" value="0.05" units="cm"/>
+      <inkml:brushProperty name="height" value="0.05" units="cm"/>
+      <inkml:brushProperty name="color" value="#CC0066"/>
+    </inkml:brush>
+  </inkml:definitions>
+  <inkml:trace contextRef="#ctx0" brushRef="#br0">1 1 24575,'0'0'-8191</inkml:trace>
+</inkml:ink>
+</file>
+
 <file path=ppt/slideLayouts/slideLayout1.xml><?xml version="1.0" encoding="utf-8"?>
 <p:sldLayout xmlns:a="http://schemas.openxmlformats.org/drawingml/2006/main" xmlns:r="http://schemas.openxmlformats.org/officeDocument/2006/relationships" xmlns:p="http://schemas.openxmlformats.org/presentationml/2006/main" type="title" preserve="1">
   <p:cSld name="Title Slide">
@@ -262,7 +349,7 @@
           <a:p>
             <a:fld id="{E70B44F4-EB80-4661-B4DA-9317950D61AC}" type="datetimeFigureOut">
               <a:rPr lang="en-CA" smtClean="0"/>
-              <a:t>2023-03-09</a:t>
+              <a:t>2023-03-10</a:t>
             </a:fld>
             <a:endParaRPr lang="en-CA"/>
           </a:p>
@@ -462,7 +549,7 @@
           <a:p>
             <a:fld id="{E70B44F4-EB80-4661-B4DA-9317950D61AC}" type="datetimeFigureOut">
               <a:rPr lang="en-CA" smtClean="0"/>
-              <a:t>2023-03-09</a:t>
+              <a:t>2023-03-10</a:t>
             </a:fld>
             <a:endParaRPr lang="en-CA"/>
           </a:p>
@@ -672,7 +759,7 @@
           <a:p>
             <a:fld id="{E70B44F4-EB80-4661-B4DA-9317950D61AC}" type="datetimeFigureOut">
               <a:rPr lang="en-CA" smtClean="0"/>
-              <a:t>2023-03-09</a:t>
+              <a:t>2023-03-10</a:t>
             </a:fld>
             <a:endParaRPr lang="en-CA"/>
           </a:p>
@@ -872,7 +959,7 @@
           <a:p>
             <a:fld id="{E70B44F4-EB80-4661-B4DA-9317950D61AC}" type="datetimeFigureOut">
               <a:rPr lang="en-CA" smtClean="0"/>
-              <a:t>2023-03-09</a:t>
+              <a:t>2023-03-10</a:t>
             </a:fld>
             <a:endParaRPr lang="en-CA"/>
           </a:p>
@@ -1148,7 +1235,7 @@
           <a:p>
             <a:fld id="{E70B44F4-EB80-4661-B4DA-9317950D61AC}" type="datetimeFigureOut">
               <a:rPr lang="en-CA" smtClean="0"/>
-              <a:t>2023-03-09</a:t>
+              <a:t>2023-03-10</a:t>
             </a:fld>
             <a:endParaRPr lang="en-CA"/>
           </a:p>
@@ -1416,7 +1503,7 @@
           <a:p>
             <a:fld id="{E70B44F4-EB80-4661-B4DA-9317950D61AC}" type="datetimeFigureOut">
               <a:rPr lang="en-CA" smtClean="0"/>
-              <a:t>2023-03-09</a:t>
+              <a:t>2023-03-10</a:t>
             </a:fld>
             <a:endParaRPr lang="en-CA"/>
           </a:p>
@@ -1831,7 +1918,7 @@
           <a:p>
             <a:fld id="{E70B44F4-EB80-4661-B4DA-9317950D61AC}" type="datetimeFigureOut">
               <a:rPr lang="en-CA" smtClean="0"/>
-              <a:t>2023-03-09</a:t>
+              <a:t>2023-03-10</a:t>
             </a:fld>
             <a:endParaRPr lang="en-CA"/>
           </a:p>
@@ -1973,7 +2060,7 @@
           <a:p>
             <a:fld id="{E70B44F4-EB80-4661-B4DA-9317950D61AC}" type="datetimeFigureOut">
               <a:rPr lang="en-CA" smtClean="0"/>
-              <a:t>2023-03-09</a:t>
+              <a:t>2023-03-10</a:t>
             </a:fld>
             <a:endParaRPr lang="en-CA"/>
           </a:p>
@@ -2086,7 +2173,7 @@
           <a:p>
             <a:fld id="{E70B44F4-EB80-4661-B4DA-9317950D61AC}" type="datetimeFigureOut">
               <a:rPr lang="en-CA" smtClean="0"/>
-              <a:t>2023-03-09</a:t>
+              <a:t>2023-03-10</a:t>
             </a:fld>
             <a:endParaRPr lang="en-CA"/>
           </a:p>
@@ -2399,7 +2486,7 @@
           <a:p>
             <a:fld id="{E70B44F4-EB80-4661-B4DA-9317950D61AC}" type="datetimeFigureOut">
               <a:rPr lang="en-CA" smtClean="0"/>
-              <a:t>2023-03-09</a:t>
+              <a:t>2023-03-10</a:t>
             </a:fld>
             <a:endParaRPr lang="en-CA"/>
           </a:p>
@@ -2688,7 +2775,7 @@
           <a:p>
             <a:fld id="{E70B44F4-EB80-4661-B4DA-9317950D61AC}" type="datetimeFigureOut">
               <a:rPr lang="en-CA" smtClean="0"/>
-              <a:t>2023-03-09</a:t>
+              <a:t>2023-03-10</a:t>
             </a:fld>
             <a:endParaRPr lang="en-CA"/>
           </a:p>
@@ -2931,7 +3018,7 @@
           <a:p>
             <a:fld id="{E70B44F4-EB80-4661-B4DA-9317950D61AC}" type="datetimeFigureOut">
               <a:rPr lang="en-CA" smtClean="0"/>
-              <a:t>2023-03-09</a:t>
+              <a:t>2023-03-10</a:t>
             </a:fld>
             <a:endParaRPr lang="en-CA"/>
           </a:p>
@@ -3456,86 +3543,88 @@
           <a:chExt cx="0" cy="0"/>
         </a:xfrm>
       </p:grpSpPr>
-      <p:sp>
-        <p:nvSpPr>
-          <p:cNvPr id="2" name="Title 1">
-            <a:extLst>
-              <a:ext uri="{FF2B5EF4-FFF2-40B4-BE49-F238E27FC236}">
-                <a16:creationId xmlns:a16="http://schemas.microsoft.com/office/drawing/2014/main" id="{4C27BB16-499C-1AE7-D396-5CE4B4DF0FDB}"/>
-              </a:ext>
-            </a:extLst>
-          </p:cNvPr>
-          <p:cNvSpPr>
-            <a:spLocks noGrp="1"/>
-          </p:cNvSpPr>
-          <p:nvPr>
-            <p:ph type="title"/>
-          </p:nvPr>
-        </p:nvSpPr>
+      <p:pic>
+        <p:nvPicPr>
+          <p:cNvPr id="6" name="Content Placeholder 5" descr="Map&#10;&#10;Description automatically generated">
+            <a:extLst>
+              <a:ext uri="{FF2B5EF4-FFF2-40B4-BE49-F238E27FC236}">
+                <a16:creationId xmlns:a16="http://schemas.microsoft.com/office/drawing/2014/main" id="{81E9E291-3C57-DEE8-79CA-50E80D624D94}"/>
+              </a:ext>
+            </a:extLst>
+          </p:cNvPr>
+          <p:cNvPicPr>
+            <a:picLocks noGrp="1" noChangeAspect="1"/>
+          </p:cNvPicPr>
+          <p:nvPr>
+            <p:ph sz="half" idx="1"/>
+          </p:nvPr>
+        </p:nvPicPr>
+        <p:blipFill>
+          <a:blip r:embed="rId2">
+            <a:extLst>
+              <a:ext uri="{28A0092B-C50C-407E-A947-70E740481C1C}">
+                <a14:useLocalDpi xmlns:a14="http://schemas.microsoft.com/office/drawing/2010/main" val="0"/>
+              </a:ext>
+            </a:extLst>
+          </a:blip>
+          <a:stretch>
+            <a:fillRect/>
+          </a:stretch>
+        </p:blipFill>
         <p:spPr>
           <a:xfrm>
-            <a:off x="838200" y="0"/>
-            <a:ext cx="10515600" cy="503339"/>
+            <a:off x="-14269" y="826316"/>
+            <a:ext cx="6186469" cy="5000636"/>
           </a:xfrm>
         </p:spPr>
+      </p:pic>
+      <p:sp>
+        <p:nvSpPr>
+          <p:cNvPr id="4" name="Content Placeholder 3">
+            <a:extLst>
+              <a:ext uri="{FF2B5EF4-FFF2-40B4-BE49-F238E27FC236}">
+                <a16:creationId xmlns:a16="http://schemas.microsoft.com/office/drawing/2014/main" id="{ADA678AB-B2F3-074B-5291-E72657E585F2}"/>
+              </a:ext>
+            </a:extLst>
+          </p:cNvPr>
+          <p:cNvSpPr>
+            <a:spLocks noGrp="1"/>
+          </p:cNvSpPr>
+          <p:nvPr>
+            <p:ph sz="half" idx="2"/>
+          </p:nvPr>
+        </p:nvSpPr>
+        <p:spPr>
+          <a:xfrm>
+            <a:off x="6172200" y="823690"/>
+            <a:ext cx="5181600" cy="5413565"/>
+          </a:xfrm>
+        </p:spPr>
         <p:txBody>
           <a:bodyPr>
-            <a:noAutofit/>
+            <a:normAutofit/>
           </a:bodyPr>
           <a:lstStyle/>
           <a:p>
-            <a:pPr algn="ctr"/>
-            <a:endParaRPr lang="en-CA" sz="2000" dirty="0"/>
-          </a:p>
-        </p:txBody>
-      </p:sp>
-      <p:sp>
-        <p:nvSpPr>
-          <p:cNvPr id="3" name="Content Placeholder 2">
-            <a:extLst>
-              <a:ext uri="{FF2B5EF4-FFF2-40B4-BE49-F238E27FC236}">
-                <a16:creationId xmlns:a16="http://schemas.microsoft.com/office/drawing/2014/main" id="{924FD93C-4EFC-6AB0-FCB9-F76054827F44}"/>
-              </a:ext>
-            </a:extLst>
-          </p:cNvPr>
-          <p:cNvSpPr>
-            <a:spLocks noGrp="1"/>
-          </p:cNvSpPr>
-          <p:nvPr>
-            <p:ph sz="half" idx="1"/>
-          </p:nvPr>
-        </p:nvSpPr>
-        <p:spPr/>
-        <p:txBody>
-          <a:bodyPr/>
-          <a:lstStyle/>
-          <a:p>
-            <a:endParaRPr lang="en-CA"/>
-          </a:p>
-        </p:txBody>
-      </p:sp>
-      <p:sp>
-        <p:nvSpPr>
-          <p:cNvPr id="4" name="Content Placeholder 3">
-            <a:extLst>
-              <a:ext uri="{FF2B5EF4-FFF2-40B4-BE49-F238E27FC236}">
-                <a16:creationId xmlns:a16="http://schemas.microsoft.com/office/drawing/2014/main" id="{ADA678AB-B2F3-074B-5291-E72657E585F2}"/>
-              </a:ext>
-            </a:extLst>
-          </p:cNvPr>
-          <p:cNvSpPr>
-            <a:spLocks noGrp="1"/>
-          </p:cNvSpPr>
-          <p:nvPr>
-            <p:ph sz="half" idx="2"/>
-          </p:nvPr>
-        </p:nvSpPr>
-        <p:spPr/>
-        <p:txBody>
-          <a:bodyPr/>
-          <a:lstStyle/>
-          <a:p>
-            <a:endParaRPr lang="en-CA"/>
+            <a:pPr marL="0" indent="0">
+              <a:buNone/>
+            </a:pPr>
+            <a:endParaRPr lang="en-US" sz="1600" dirty="0"/>
+          </a:p>
+          <a:p>
+            <a:pPr marL="0" indent="0" defTabSz="360000">
+              <a:lnSpc>
+                <a:spcPct val="200000"/>
+              </a:lnSpc>
+              <a:spcBef>
+                <a:spcPts val="600"/>
+              </a:spcBef>
+              <a:buNone/>
+            </a:pPr>
+            <a:r>
+              <a:rPr lang="en-CA" sz="1600" dirty="0"/>
+              <a:t>	From approximately 1800 B.C. to 1050 A.D., the Maya civilization was one of the most dominant indigenous societies of Mesoamerica. Located south of modern-day Mexico and north of modern-day South America, the Maya utilized both agricultural techniques and hunter-gatherer techniques and were centred around the Gulf of Mexico and the Caribbean Sea. </a:t>
+            </a:r>
           </a:p>
         </p:txBody>
       </p:sp>
@@ -3543,6 +3632,708 @@
     <p:extLst>
       <p:ext uri="{BB962C8B-B14F-4D97-AF65-F5344CB8AC3E}">
         <p14:creationId xmlns:p14="http://schemas.microsoft.com/office/powerpoint/2010/main" val="2492479861"/>
+      </p:ext>
+    </p:extLst>
+  </p:cSld>
+  <p:clrMapOvr>
+    <a:masterClrMapping/>
+  </p:clrMapOvr>
+</p:sld>
+</file>
+
+<file path=ppt/slides/slide3.xml><?xml version="1.0" encoding="utf-8"?>
+<p:sld xmlns:a="http://schemas.openxmlformats.org/drawingml/2006/main" xmlns:r="http://schemas.openxmlformats.org/officeDocument/2006/relationships" xmlns:p="http://schemas.openxmlformats.org/presentationml/2006/main">
+  <p:cSld>
+    <p:spTree>
+      <p:nvGrpSpPr>
+        <p:cNvPr id="1" name=""/>
+        <p:cNvGrpSpPr/>
+        <p:nvPr/>
+      </p:nvGrpSpPr>
+      <p:grpSpPr>
+        <a:xfrm>
+          <a:off x="0" y="0"/>
+          <a:ext cx="0" cy="0"/>
+          <a:chOff x="0" y="0"/>
+          <a:chExt cx="0" cy="0"/>
+        </a:xfrm>
+      </p:grpSpPr>
+      <p:pic>
+        <p:nvPicPr>
+          <p:cNvPr id="6" name="Content Placeholder 5" descr="Map&#10;&#10;Description automatically generated">
+            <a:extLst>
+              <a:ext uri="{FF2B5EF4-FFF2-40B4-BE49-F238E27FC236}">
+                <a16:creationId xmlns:a16="http://schemas.microsoft.com/office/drawing/2014/main" id="{81E9E291-3C57-DEE8-79CA-50E80D624D94}"/>
+              </a:ext>
+            </a:extLst>
+          </p:cNvPr>
+          <p:cNvPicPr>
+            <a:picLocks noGrp="1" noChangeAspect="1"/>
+          </p:cNvPicPr>
+          <p:nvPr>
+            <p:ph sz="half" idx="1"/>
+          </p:nvPr>
+        </p:nvPicPr>
+        <p:blipFill>
+          <a:blip r:embed="rId2">
+            <a:extLst>
+              <a:ext uri="{28A0092B-C50C-407E-A947-70E740481C1C}">
+                <a14:useLocalDpi xmlns:a14="http://schemas.microsoft.com/office/drawing/2010/main" val="0"/>
+              </a:ext>
+            </a:extLst>
+          </a:blip>
+          <a:stretch>
+            <a:fillRect/>
+          </a:stretch>
+        </p:blipFill>
+        <p:spPr>
+          <a:xfrm>
+            <a:off x="-14269" y="823690"/>
+            <a:ext cx="6186469" cy="5000636"/>
+          </a:xfrm>
+        </p:spPr>
+      </p:pic>
+      <p:sp>
+        <p:nvSpPr>
+          <p:cNvPr id="4" name="Content Placeholder 3">
+            <a:extLst>
+              <a:ext uri="{FF2B5EF4-FFF2-40B4-BE49-F238E27FC236}">
+                <a16:creationId xmlns:a16="http://schemas.microsoft.com/office/drawing/2014/main" id="{ADA678AB-B2F3-074B-5291-E72657E585F2}"/>
+              </a:ext>
+            </a:extLst>
+          </p:cNvPr>
+          <p:cNvSpPr>
+            <a:spLocks noGrp="1"/>
+          </p:cNvSpPr>
+          <p:nvPr>
+            <p:ph sz="half" idx="2"/>
+          </p:nvPr>
+        </p:nvSpPr>
+        <p:spPr>
+          <a:xfrm>
+            <a:off x="6172200" y="823690"/>
+            <a:ext cx="5181600" cy="5413565"/>
+          </a:xfrm>
+        </p:spPr>
+        <p:txBody>
+          <a:bodyPr>
+            <a:normAutofit/>
+          </a:bodyPr>
+          <a:lstStyle/>
+          <a:p>
+            <a:pPr marL="0" indent="0">
+              <a:buNone/>
+            </a:pPr>
+            <a:endParaRPr lang="en-US" sz="1600" dirty="0"/>
+          </a:p>
+          <a:p>
+            <a:pPr marL="0" indent="0" defTabSz="360000">
+              <a:lnSpc>
+                <a:spcPct val="200000"/>
+              </a:lnSpc>
+              <a:spcBef>
+                <a:spcPts val="600"/>
+              </a:spcBef>
+              <a:buNone/>
+            </a:pPr>
+            <a:r>
+              <a:rPr lang="en-CA" sz="1600" dirty="0"/>
+              <a:t>	The Maya lived in three areas with distinct cultural and environmental differences, the first of which was The Northern Maya Lowlands. They were located primarily in the Yucatán Peninsula, near the Yucatán Maya, marked on the map in a red circle. </a:t>
+            </a:r>
+          </a:p>
+        </p:txBody>
+      </p:sp>
+      <mc:AlternateContent xmlns:mc="http://schemas.openxmlformats.org/markup-compatibility/2006">
+        <mc:Choice xmlns:p14="http://schemas.microsoft.com/office/powerpoint/2010/main" Requires="p14">
+          <p:contentPart p14:bwMode="auto" r:id="rId3">
+            <p14:nvContentPartPr>
+              <p14:cNvPr id="2" name="Ink 1">
+                <a:extLst>
+                  <a:ext uri="{FF2B5EF4-FFF2-40B4-BE49-F238E27FC236}">
+                    <a16:creationId xmlns:a16="http://schemas.microsoft.com/office/drawing/2014/main" id="{DFA62668-2D1A-B432-CDA9-712BEDF34741}"/>
+                  </a:ext>
+                </a:extLst>
+              </p14:cNvPr>
+              <p14:cNvContentPartPr/>
+              <p14:nvPr/>
+            </p14:nvContentPartPr>
+            <p14:xfrm>
+              <a:off x="3388720" y="150427"/>
+              <a:ext cx="360" cy="360"/>
+            </p14:xfrm>
+          </p:contentPart>
+        </mc:Choice>
+        <mc:Fallback>
+          <p:pic>
+            <p:nvPicPr>
+              <p:cNvPr id="2" name="Ink 1">
+                <a:extLst>
+                  <a:ext uri="{FF2B5EF4-FFF2-40B4-BE49-F238E27FC236}">
+                    <a16:creationId xmlns:a16="http://schemas.microsoft.com/office/drawing/2014/main" id="{DFA62668-2D1A-B432-CDA9-712BEDF34741}"/>
+                  </a:ext>
+                </a:extLst>
+              </p:cNvPr>
+              <p:cNvPicPr/>
+              <p:nvPr/>
+            </p:nvPicPr>
+            <p:blipFill>
+              <a:blip r:embed="rId4"/>
+              <a:stretch>
+                <a:fillRect/>
+              </a:stretch>
+            </p:blipFill>
+            <p:spPr>
+              <a:xfrm>
+                <a:off x="3380080" y="141787"/>
+                <a:ext cx="18000" cy="18000"/>
+              </a:xfrm>
+              <a:prstGeom prst="rect">
+                <a:avLst/>
+              </a:prstGeom>
+            </p:spPr>
+          </p:pic>
+        </mc:Fallback>
+      </mc:AlternateContent>
+      <p:sp>
+        <p:nvSpPr>
+          <p:cNvPr id="3" name="Oval 2">
+            <a:extLst>
+              <a:ext uri="{FF2B5EF4-FFF2-40B4-BE49-F238E27FC236}">
+                <a16:creationId xmlns:a16="http://schemas.microsoft.com/office/drawing/2014/main" id="{B99EF775-5AD9-699B-41E5-B28AD0DEB17A}"/>
+              </a:ext>
+            </a:extLst>
+          </p:cNvPr>
+          <p:cNvSpPr/>
+          <p:nvPr/>
+        </p:nvSpPr>
+        <p:spPr>
+          <a:xfrm>
+            <a:off x="2508309" y="899450"/>
+            <a:ext cx="2416030" cy="2147581"/>
+          </a:xfrm>
+          <a:prstGeom prst="ellipse">
+            <a:avLst/>
+          </a:prstGeom>
+          <a:noFill/>
+          <a:ln w="38100">
+            <a:solidFill>
+              <a:srgbClr val="FF0000"/>
+            </a:solidFill>
+          </a:ln>
+        </p:spPr>
+        <p:style>
+          <a:lnRef idx="2">
+            <a:schemeClr val="accent1">
+              <a:shade val="50000"/>
+            </a:schemeClr>
+          </a:lnRef>
+          <a:fillRef idx="1">
+            <a:schemeClr val="accent1"/>
+          </a:fillRef>
+          <a:effectRef idx="0">
+            <a:schemeClr val="accent1"/>
+          </a:effectRef>
+          <a:fontRef idx="minor">
+            <a:schemeClr val="lt1"/>
+          </a:fontRef>
+        </p:style>
+        <p:txBody>
+          <a:bodyPr rtlCol="0" anchor="ctr"/>
+          <a:lstStyle/>
+          <a:p>
+            <a:pPr algn="ctr"/>
+            <a:endParaRPr lang="en-CA" dirty="0">
+              <a:solidFill>
+                <a:srgbClr val="FF0000"/>
+              </a:solidFill>
+            </a:endParaRPr>
+          </a:p>
+        </p:txBody>
+      </p:sp>
+    </p:spTree>
+    <p:extLst>
+      <p:ext uri="{BB962C8B-B14F-4D97-AF65-F5344CB8AC3E}">
+        <p14:creationId xmlns:p14="http://schemas.microsoft.com/office/powerpoint/2010/main" val="4008001658"/>
+      </p:ext>
+    </p:extLst>
+  </p:cSld>
+  <p:clrMapOvr>
+    <a:masterClrMapping/>
+  </p:clrMapOvr>
+</p:sld>
+</file>
+
+<file path=ppt/slides/slide4.xml><?xml version="1.0" encoding="utf-8"?>
+<p:sld xmlns:a="http://schemas.openxmlformats.org/drawingml/2006/main" xmlns:r="http://schemas.openxmlformats.org/officeDocument/2006/relationships" xmlns:p="http://schemas.openxmlformats.org/presentationml/2006/main">
+  <p:cSld>
+    <p:spTree>
+      <p:nvGrpSpPr>
+        <p:cNvPr id="1" name=""/>
+        <p:cNvGrpSpPr/>
+        <p:nvPr/>
+      </p:nvGrpSpPr>
+      <p:grpSpPr>
+        <a:xfrm>
+          <a:off x="0" y="0"/>
+          <a:ext cx="0" cy="0"/>
+          <a:chOff x="0" y="0"/>
+          <a:chExt cx="0" cy="0"/>
+        </a:xfrm>
+      </p:grpSpPr>
+      <p:pic>
+        <p:nvPicPr>
+          <p:cNvPr id="6" name="Content Placeholder 5" descr="Map&#10;&#10;Description automatically generated">
+            <a:extLst>
+              <a:ext uri="{FF2B5EF4-FFF2-40B4-BE49-F238E27FC236}">
+                <a16:creationId xmlns:a16="http://schemas.microsoft.com/office/drawing/2014/main" id="{81E9E291-3C57-DEE8-79CA-50E80D624D94}"/>
+              </a:ext>
+            </a:extLst>
+          </p:cNvPr>
+          <p:cNvPicPr>
+            <a:picLocks noGrp="1" noChangeAspect="1"/>
+          </p:cNvPicPr>
+          <p:nvPr>
+            <p:ph sz="half" idx="1"/>
+          </p:nvPr>
+        </p:nvPicPr>
+        <p:blipFill>
+          <a:blip r:embed="rId2">
+            <a:extLst>
+              <a:ext uri="{28A0092B-C50C-407E-A947-70E740481C1C}">
+                <a14:useLocalDpi xmlns:a14="http://schemas.microsoft.com/office/drawing/2010/main" val="0"/>
+              </a:ext>
+            </a:extLst>
+          </a:blip>
+          <a:stretch>
+            <a:fillRect/>
+          </a:stretch>
+        </p:blipFill>
+        <p:spPr>
+          <a:xfrm>
+            <a:off x="0" y="928682"/>
+            <a:ext cx="6186469" cy="5000636"/>
+          </a:xfrm>
+        </p:spPr>
+      </p:pic>
+      <p:sp>
+        <p:nvSpPr>
+          <p:cNvPr id="4" name="Content Placeholder 3">
+            <a:extLst>
+              <a:ext uri="{FF2B5EF4-FFF2-40B4-BE49-F238E27FC236}">
+                <a16:creationId xmlns:a16="http://schemas.microsoft.com/office/drawing/2014/main" id="{ADA678AB-B2F3-074B-5291-E72657E585F2}"/>
+              </a:ext>
+            </a:extLst>
+          </p:cNvPr>
+          <p:cNvSpPr>
+            <a:spLocks noGrp="1"/>
+          </p:cNvSpPr>
+          <p:nvPr>
+            <p:ph sz="half" idx="2"/>
+          </p:nvPr>
+        </p:nvSpPr>
+        <p:spPr>
+          <a:xfrm>
+            <a:off x="6172200" y="823690"/>
+            <a:ext cx="5181600" cy="5413565"/>
+          </a:xfrm>
+        </p:spPr>
+        <p:txBody>
+          <a:bodyPr>
+            <a:normAutofit/>
+          </a:bodyPr>
+          <a:lstStyle/>
+          <a:p>
+            <a:pPr marL="0" indent="0">
+              <a:buNone/>
+            </a:pPr>
+            <a:endParaRPr lang="en-US" sz="1600" dirty="0"/>
+          </a:p>
+          <a:p>
+            <a:pPr marL="0" indent="0" defTabSz="360000">
+              <a:lnSpc>
+                <a:spcPct val="200000"/>
+              </a:lnSpc>
+              <a:spcBef>
+                <a:spcPts val="600"/>
+              </a:spcBef>
+              <a:buNone/>
+            </a:pPr>
+            <a:r>
+              <a:rPr lang="en-CA" sz="1600" dirty="0"/>
+              <a:t>	The next area is known as the Southern Lowlands, mainly in the Peten district of northern Guatemala and adjacent portions of Mexico, Belize and western Honduras, marked on the map in a blue circle. </a:t>
+            </a:r>
+          </a:p>
+        </p:txBody>
+      </p:sp>
+      <mc:AlternateContent xmlns:mc="http://schemas.openxmlformats.org/markup-compatibility/2006">
+        <mc:Choice xmlns:p14="http://schemas.microsoft.com/office/powerpoint/2010/main" Requires="p14">
+          <p:contentPart p14:bwMode="auto" r:id="rId3">
+            <p14:nvContentPartPr>
+              <p14:cNvPr id="2" name="Ink 1">
+                <a:extLst>
+                  <a:ext uri="{FF2B5EF4-FFF2-40B4-BE49-F238E27FC236}">
+                    <a16:creationId xmlns:a16="http://schemas.microsoft.com/office/drawing/2014/main" id="{DFA62668-2D1A-B432-CDA9-712BEDF34741}"/>
+                  </a:ext>
+                </a:extLst>
+              </p14:cNvPr>
+              <p14:cNvContentPartPr/>
+              <p14:nvPr/>
+            </p14:nvContentPartPr>
+            <p14:xfrm>
+              <a:off x="3388720" y="150427"/>
+              <a:ext cx="360" cy="360"/>
+            </p14:xfrm>
+          </p:contentPart>
+        </mc:Choice>
+        <mc:Fallback>
+          <p:pic>
+            <p:nvPicPr>
+              <p:cNvPr id="2" name="Ink 1">
+                <a:extLst>
+                  <a:ext uri="{FF2B5EF4-FFF2-40B4-BE49-F238E27FC236}">
+                    <a16:creationId xmlns:a16="http://schemas.microsoft.com/office/drawing/2014/main" id="{DFA62668-2D1A-B432-CDA9-712BEDF34741}"/>
+                  </a:ext>
+                </a:extLst>
+              </p:cNvPr>
+              <p:cNvPicPr/>
+              <p:nvPr/>
+            </p:nvPicPr>
+            <p:blipFill>
+              <a:blip r:embed="rId4"/>
+              <a:stretch>
+                <a:fillRect/>
+              </a:stretch>
+            </p:blipFill>
+            <p:spPr>
+              <a:xfrm>
+                <a:off x="3379720" y="141427"/>
+                <a:ext cx="18000" cy="18000"/>
+              </a:xfrm>
+              <a:prstGeom prst="rect">
+                <a:avLst/>
+              </a:prstGeom>
+            </p:spPr>
+          </p:pic>
+        </mc:Fallback>
+      </mc:AlternateContent>
+      <p:sp>
+        <p:nvSpPr>
+          <p:cNvPr id="5" name="Oval 4">
+            <a:extLst>
+              <a:ext uri="{FF2B5EF4-FFF2-40B4-BE49-F238E27FC236}">
+                <a16:creationId xmlns:a16="http://schemas.microsoft.com/office/drawing/2014/main" id="{AC25B447-826D-6A22-9B3D-3DA233CA3EF6}"/>
+              </a:ext>
+            </a:extLst>
+          </p:cNvPr>
+          <p:cNvSpPr/>
+          <p:nvPr/>
+        </p:nvSpPr>
+        <p:spPr>
+          <a:xfrm>
+            <a:off x="1488408" y="2835479"/>
+            <a:ext cx="1758132" cy="1486302"/>
+          </a:xfrm>
+          <a:prstGeom prst="ellipse">
+            <a:avLst/>
+          </a:prstGeom>
+          <a:noFill/>
+          <a:ln w="38100"/>
+        </p:spPr>
+        <p:style>
+          <a:lnRef idx="2">
+            <a:schemeClr val="accent1">
+              <a:shade val="50000"/>
+            </a:schemeClr>
+          </a:lnRef>
+          <a:fillRef idx="1">
+            <a:schemeClr val="accent1"/>
+          </a:fillRef>
+          <a:effectRef idx="0">
+            <a:schemeClr val="accent1"/>
+          </a:effectRef>
+          <a:fontRef idx="minor">
+            <a:schemeClr val="lt1"/>
+          </a:fontRef>
+        </p:style>
+        <p:txBody>
+          <a:bodyPr rtlCol="0" anchor="ctr"/>
+          <a:lstStyle/>
+          <a:p>
+            <a:pPr algn="ctr"/>
+            <a:endParaRPr lang="en-CA" dirty="0"/>
+          </a:p>
+        </p:txBody>
+      </p:sp>
+      <p:sp>
+        <p:nvSpPr>
+          <p:cNvPr id="7" name="Oval 6">
+            <a:extLst>
+              <a:ext uri="{FF2B5EF4-FFF2-40B4-BE49-F238E27FC236}">
+                <a16:creationId xmlns:a16="http://schemas.microsoft.com/office/drawing/2014/main" id="{3D440B8E-0857-77E7-954A-C5CF053BE608}"/>
+              </a:ext>
+            </a:extLst>
+          </p:cNvPr>
+          <p:cNvSpPr/>
+          <p:nvPr/>
+        </p:nvSpPr>
+        <p:spPr>
+          <a:xfrm>
+            <a:off x="2986481" y="3947878"/>
+            <a:ext cx="1300293" cy="1396610"/>
+          </a:xfrm>
+          <a:prstGeom prst="ellipse">
+            <a:avLst/>
+          </a:prstGeom>
+          <a:noFill/>
+          <a:ln w="38100"/>
+        </p:spPr>
+        <p:style>
+          <a:lnRef idx="2">
+            <a:schemeClr val="accent1">
+              <a:shade val="50000"/>
+            </a:schemeClr>
+          </a:lnRef>
+          <a:fillRef idx="1">
+            <a:schemeClr val="accent1"/>
+          </a:fillRef>
+          <a:effectRef idx="0">
+            <a:schemeClr val="accent1"/>
+          </a:effectRef>
+          <a:fontRef idx="minor">
+            <a:schemeClr val="lt1"/>
+          </a:fontRef>
+        </p:style>
+        <p:txBody>
+          <a:bodyPr rtlCol="0" anchor="ctr"/>
+          <a:lstStyle/>
+          <a:p>
+            <a:pPr algn="ctr"/>
+            <a:endParaRPr lang="en-CA" dirty="0"/>
+          </a:p>
+        </p:txBody>
+      </p:sp>
+    </p:spTree>
+    <p:extLst>
+      <p:ext uri="{BB962C8B-B14F-4D97-AF65-F5344CB8AC3E}">
+        <p14:creationId xmlns:p14="http://schemas.microsoft.com/office/powerpoint/2010/main" val="3724584351"/>
+      </p:ext>
+    </p:extLst>
+  </p:cSld>
+  <p:clrMapOvr>
+    <a:masterClrMapping/>
+  </p:clrMapOvr>
+</p:sld>
+</file>
+
+<file path=ppt/slides/slide5.xml><?xml version="1.0" encoding="utf-8"?>
+<p:sld xmlns:a="http://schemas.openxmlformats.org/drawingml/2006/main" xmlns:r="http://schemas.openxmlformats.org/officeDocument/2006/relationships" xmlns:p="http://schemas.openxmlformats.org/presentationml/2006/main">
+  <p:cSld>
+    <p:spTree>
+      <p:nvGrpSpPr>
+        <p:cNvPr id="1" name=""/>
+        <p:cNvGrpSpPr/>
+        <p:nvPr/>
+      </p:nvGrpSpPr>
+      <p:grpSpPr>
+        <a:xfrm>
+          <a:off x="0" y="0"/>
+          <a:ext cx="0" cy="0"/>
+          <a:chOff x="0" y="0"/>
+          <a:chExt cx="0" cy="0"/>
+        </a:xfrm>
+      </p:grpSpPr>
+      <p:pic>
+        <p:nvPicPr>
+          <p:cNvPr id="6" name="Content Placeholder 5" descr="Map&#10;&#10;Description automatically generated">
+            <a:extLst>
+              <a:ext uri="{FF2B5EF4-FFF2-40B4-BE49-F238E27FC236}">
+                <a16:creationId xmlns:a16="http://schemas.microsoft.com/office/drawing/2014/main" id="{81E9E291-3C57-DEE8-79CA-50E80D624D94}"/>
+              </a:ext>
+            </a:extLst>
+          </p:cNvPr>
+          <p:cNvPicPr>
+            <a:picLocks noGrp="1" noChangeAspect="1"/>
+          </p:cNvPicPr>
+          <p:nvPr>
+            <p:ph sz="half" idx="1"/>
+          </p:nvPr>
+        </p:nvPicPr>
+        <p:blipFill>
+          <a:blip r:embed="rId2">
+            <a:extLst>
+              <a:ext uri="{28A0092B-C50C-407E-A947-70E740481C1C}">
+                <a14:useLocalDpi xmlns:a14="http://schemas.microsoft.com/office/drawing/2010/main" val="0"/>
+              </a:ext>
+            </a:extLst>
+          </a:blip>
+          <a:stretch>
+            <a:fillRect/>
+          </a:stretch>
+        </p:blipFill>
+        <p:spPr>
+          <a:xfrm>
+            <a:off x="90182" y="721413"/>
+            <a:ext cx="6186469" cy="5000636"/>
+          </a:xfrm>
+        </p:spPr>
+      </p:pic>
+      <p:sp>
+        <p:nvSpPr>
+          <p:cNvPr id="4" name="Content Placeholder 3">
+            <a:extLst>
+              <a:ext uri="{FF2B5EF4-FFF2-40B4-BE49-F238E27FC236}">
+                <a16:creationId xmlns:a16="http://schemas.microsoft.com/office/drawing/2014/main" id="{ADA678AB-B2F3-074B-5291-E72657E585F2}"/>
+              </a:ext>
+            </a:extLst>
+          </p:cNvPr>
+          <p:cNvSpPr>
+            <a:spLocks noGrp="1"/>
+          </p:cNvSpPr>
+          <p:nvPr>
+            <p:ph sz="half" idx="2"/>
+          </p:nvPr>
+        </p:nvSpPr>
+        <p:spPr>
+          <a:xfrm>
+            <a:off x="6172200" y="823690"/>
+            <a:ext cx="5181600" cy="5413565"/>
+          </a:xfrm>
+        </p:spPr>
+        <p:txBody>
+          <a:bodyPr>
+            <a:normAutofit/>
+          </a:bodyPr>
+          <a:lstStyle/>
+          <a:p>
+            <a:pPr marL="0" indent="0">
+              <a:buNone/>
+            </a:pPr>
+            <a:endParaRPr lang="en-US" sz="1600" dirty="0"/>
+          </a:p>
+          <a:p>
+            <a:pPr marL="0" indent="0" defTabSz="360000">
+              <a:lnSpc>
+                <a:spcPct val="200000"/>
+              </a:lnSpc>
+              <a:spcBef>
+                <a:spcPts val="600"/>
+              </a:spcBef>
+              <a:buNone/>
+            </a:pPr>
+            <a:r>
+              <a:rPr lang="en-CA" sz="1600" dirty="0"/>
+              <a:t>	The third and final area, the Southern Highlands, was in the mountainous region of southern Guatemala,  seen here in the black circle. </a:t>
+            </a:r>
+          </a:p>
+        </p:txBody>
+      </p:sp>
+      <mc:AlternateContent xmlns:mc="http://schemas.openxmlformats.org/markup-compatibility/2006">
+        <mc:Choice xmlns:p14="http://schemas.microsoft.com/office/powerpoint/2010/main" Requires="p14">
+          <p:contentPart p14:bwMode="auto" r:id="rId3">
+            <p14:nvContentPartPr>
+              <p14:cNvPr id="2" name="Ink 1">
+                <a:extLst>
+                  <a:ext uri="{FF2B5EF4-FFF2-40B4-BE49-F238E27FC236}">
+                    <a16:creationId xmlns:a16="http://schemas.microsoft.com/office/drawing/2014/main" id="{DFA62668-2D1A-B432-CDA9-712BEDF34741}"/>
+                  </a:ext>
+                </a:extLst>
+              </p14:cNvPr>
+              <p14:cNvContentPartPr/>
+              <p14:nvPr/>
+            </p14:nvContentPartPr>
+            <p14:xfrm>
+              <a:off x="3388720" y="150427"/>
+              <a:ext cx="360" cy="360"/>
+            </p14:xfrm>
+          </p:contentPart>
+        </mc:Choice>
+        <mc:Fallback>
+          <p:pic>
+            <p:nvPicPr>
+              <p:cNvPr id="2" name="Ink 1">
+                <a:extLst>
+                  <a:ext uri="{FF2B5EF4-FFF2-40B4-BE49-F238E27FC236}">
+                    <a16:creationId xmlns:a16="http://schemas.microsoft.com/office/drawing/2014/main" id="{DFA62668-2D1A-B432-CDA9-712BEDF34741}"/>
+                  </a:ext>
+                </a:extLst>
+              </p:cNvPr>
+              <p:cNvPicPr/>
+              <p:nvPr/>
+            </p:nvPicPr>
+            <p:blipFill>
+              <a:blip r:embed="rId4"/>
+              <a:stretch>
+                <a:fillRect/>
+              </a:stretch>
+            </p:blipFill>
+            <p:spPr>
+              <a:xfrm>
+                <a:off x="3379720" y="141427"/>
+                <a:ext cx="18000" cy="18000"/>
+              </a:xfrm>
+              <a:prstGeom prst="rect">
+                <a:avLst/>
+              </a:prstGeom>
+            </p:spPr>
+          </p:pic>
+        </mc:Fallback>
+      </mc:AlternateContent>
+      <p:sp>
+        <p:nvSpPr>
+          <p:cNvPr id="7" name="Oval 6">
+            <a:extLst>
+              <a:ext uri="{FF2B5EF4-FFF2-40B4-BE49-F238E27FC236}">
+                <a16:creationId xmlns:a16="http://schemas.microsoft.com/office/drawing/2014/main" id="{DB5E267D-D6B5-6933-451F-214694C95AAC}"/>
+              </a:ext>
+            </a:extLst>
+          </p:cNvPr>
+          <p:cNvSpPr/>
+          <p:nvPr/>
+        </p:nvSpPr>
+        <p:spPr>
+          <a:xfrm>
+            <a:off x="1426128" y="4152551"/>
+            <a:ext cx="1367405" cy="1332555"/>
+          </a:xfrm>
+          <a:prstGeom prst="ellipse">
+            <a:avLst/>
+          </a:prstGeom>
+          <a:noFill/>
+          <a:ln w="38100">
+            <a:solidFill>
+              <a:schemeClr val="tx1"/>
+            </a:solidFill>
+          </a:ln>
+        </p:spPr>
+        <p:style>
+          <a:lnRef idx="2">
+            <a:schemeClr val="accent1">
+              <a:shade val="50000"/>
+            </a:schemeClr>
+          </a:lnRef>
+          <a:fillRef idx="1">
+            <a:schemeClr val="accent1"/>
+          </a:fillRef>
+          <a:effectRef idx="0">
+            <a:schemeClr val="accent1"/>
+          </a:effectRef>
+          <a:fontRef idx="minor">
+            <a:schemeClr val="lt1"/>
+          </a:fontRef>
+        </p:style>
+        <p:txBody>
+          <a:bodyPr rtlCol="0" anchor="ctr"/>
+          <a:lstStyle/>
+          <a:p>
+            <a:pPr algn="ctr"/>
+            <a:endParaRPr lang="en-CA" dirty="0"/>
+          </a:p>
+        </p:txBody>
+      </p:sp>
+    </p:spTree>
+    <p:extLst>
+      <p:ext uri="{BB962C8B-B14F-4D97-AF65-F5344CB8AC3E}">
+        <p14:creationId xmlns:p14="http://schemas.microsoft.com/office/powerpoint/2010/main" val="3868633426"/>
       </p:ext>
     </p:extLst>
   </p:cSld>

--- a/anth2151-ancientpeoplesandplaces/TheCollapseOfTheMayaCivilization.pptx
+++ b/anth2151-ancientpeoplesandplaces/TheCollapseOfTheMayaCivilization.pptx
@@ -10,6 +10,9 @@
     <p:sldId id="258" r:id="rId4"/>
     <p:sldId id="259" r:id="rId5"/>
     <p:sldId id="260" r:id="rId6"/>
+    <p:sldId id="261" r:id="rId7"/>
+    <p:sldId id="262" r:id="rId8"/>
+    <p:sldId id="263" r:id="rId9"/>
   </p:sldIdLst>
   <p:sldSz cx="12192000" cy="6858000"/>
   <p:notesSz cx="6858000" cy="9144000"/>
@@ -200,6 +203,90 @@
 </inkml:ink>
 </file>
 
+<file path=ppt/ink/ink4.xml><?xml version="1.0" encoding="utf-8"?>
+<inkml:ink xmlns:inkml="http://www.w3.org/2003/InkML">
+  <inkml:definitions>
+    <inkml:context xml:id="ctx0">
+      <inkml:inkSource xml:id="inkSrc0">
+        <inkml:traceFormat>
+          <inkml:channel name="X" type="integer" min="-2.14748E9" max="2.14748E9" units="cm"/>
+          <inkml:channel name="Y" type="integer" min="-2.14748E9" max="2.14748E9" units="cm"/>
+          <inkml:channel name="F" type="integer" max="32767" units="dev"/>
+        </inkml:traceFormat>
+        <inkml:channelProperties>
+          <inkml:channelProperty channel="X" name="resolution" value="1000" units="1/cm"/>
+          <inkml:channelProperty channel="Y" name="resolution" value="1000" units="1/cm"/>
+          <inkml:channelProperty channel="F" name="resolution" value="0" units="1/dev"/>
+        </inkml:channelProperties>
+      </inkml:inkSource>
+      <inkml:timestamp xml:id="ts0" timeString="2023-03-10T18:43:42.314"/>
+    </inkml:context>
+    <inkml:brush xml:id="br0">
+      <inkml:brushProperty name="width" value="0.05" units="cm"/>
+      <inkml:brushProperty name="height" value="0.05" units="cm"/>
+      <inkml:brushProperty name="color" value="#CC0066"/>
+    </inkml:brush>
+  </inkml:definitions>
+  <inkml:trace contextRef="#ctx0" brushRef="#br0">1 1 24575,'0'0'-8191</inkml:trace>
+</inkml:ink>
+</file>
+
+<file path=ppt/ink/ink5.xml><?xml version="1.0" encoding="utf-8"?>
+<inkml:ink xmlns:inkml="http://www.w3.org/2003/InkML">
+  <inkml:definitions>
+    <inkml:context xml:id="ctx0">
+      <inkml:inkSource xml:id="inkSrc0">
+        <inkml:traceFormat>
+          <inkml:channel name="X" type="integer" min="-2.14748E9" max="2.14748E9" units="cm"/>
+          <inkml:channel name="Y" type="integer" min="-2.14748E9" max="2.14748E9" units="cm"/>
+          <inkml:channel name="F" type="integer" max="32767" units="dev"/>
+        </inkml:traceFormat>
+        <inkml:channelProperties>
+          <inkml:channelProperty channel="X" name="resolution" value="1000" units="1/cm"/>
+          <inkml:channelProperty channel="Y" name="resolution" value="1000" units="1/cm"/>
+          <inkml:channelProperty channel="F" name="resolution" value="0" units="1/dev"/>
+        </inkml:channelProperties>
+      </inkml:inkSource>
+      <inkml:timestamp xml:id="ts0" timeString="2023-03-10T18:43:42.314"/>
+    </inkml:context>
+    <inkml:brush xml:id="br0">
+      <inkml:brushProperty name="width" value="0.05" units="cm"/>
+      <inkml:brushProperty name="height" value="0.05" units="cm"/>
+      <inkml:brushProperty name="color" value="#CC0066"/>
+    </inkml:brush>
+  </inkml:definitions>
+  <inkml:trace contextRef="#ctx0" brushRef="#br0">1 1 24575,'0'0'-8191</inkml:trace>
+</inkml:ink>
+</file>
+
+<file path=ppt/ink/ink6.xml><?xml version="1.0" encoding="utf-8"?>
+<inkml:ink xmlns:inkml="http://www.w3.org/2003/InkML">
+  <inkml:definitions>
+    <inkml:context xml:id="ctx0">
+      <inkml:inkSource xml:id="inkSrc0">
+        <inkml:traceFormat>
+          <inkml:channel name="X" type="integer" min="-2.14748E9" max="2.14748E9" units="cm"/>
+          <inkml:channel name="Y" type="integer" min="-2.14748E9" max="2.14748E9" units="cm"/>
+          <inkml:channel name="F" type="integer" max="32767" units="dev"/>
+        </inkml:traceFormat>
+        <inkml:channelProperties>
+          <inkml:channelProperty channel="X" name="resolution" value="1000" units="1/cm"/>
+          <inkml:channelProperty channel="Y" name="resolution" value="1000" units="1/cm"/>
+          <inkml:channelProperty channel="F" name="resolution" value="0" units="1/dev"/>
+        </inkml:channelProperties>
+      </inkml:inkSource>
+      <inkml:timestamp xml:id="ts0" timeString="2023-03-10T18:43:42.314"/>
+    </inkml:context>
+    <inkml:brush xml:id="br0">
+      <inkml:brushProperty name="width" value="0.05" units="cm"/>
+      <inkml:brushProperty name="height" value="0.05" units="cm"/>
+      <inkml:brushProperty name="color" value="#CC0066"/>
+    </inkml:brush>
+  </inkml:definitions>
+  <inkml:trace contextRef="#ctx0" brushRef="#br0">1 1 24575,'0'0'-8191</inkml:trace>
+</inkml:ink>
+</file>
+
 <file path=ppt/slideLayouts/slideLayout1.xml><?xml version="1.0" encoding="utf-8"?>
 <p:sldLayout xmlns:a="http://schemas.openxmlformats.org/drawingml/2006/main" xmlns:r="http://schemas.openxmlformats.org/officeDocument/2006/relationships" xmlns:p="http://schemas.openxmlformats.org/presentationml/2006/main" type="title" preserve="1">
   <p:cSld name="Title Slide">
@@ -349,7 +436,7 @@
           <a:p>
             <a:fld id="{E70B44F4-EB80-4661-B4DA-9317950D61AC}" type="datetimeFigureOut">
               <a:rPr lang="en-CA" smtClean="0"/>
-              <a:t>2023-03-10</a:t>
+              <a:t>2023-03-16</a:t>
             </a:fld>
             <a:endParaRPr lang="en-CA"/>
           </a:p>
@@ -549,7 +636,7 @@
           <a:p>
             <a:fld id="{E70B44F4-EB80-4661-B4DA-9317950D61AC}" type="datetimeFigureOut">
               <a:rPr lang="en-CA" smtClean="0"/>
-              <a:t>2023-03-10</a:t>
+              <a:t>2023-03-16</a:t>
             </a:fld>
             <a:endParaRPr lang="en-CA"/>
           </a:p>
@@ -759,7 +846,7 @@
           <a:p>
             <a:fld id="{E70B44F4-EB80-4661-B4DA-9317950D61AC}" type="datetimeFigureOut">
               <a:rPr lang="en-CA" smtClean="0"/>
-              <a:t>2023-03-10</a:t>
+              <a:t>2023-03-16</a:t>
             </a:fld>
             <a:endParaRPr lang="en-CA"/>
           </a:p>
@@ -959,7 +1046,7 @@
           <a:p>
             <a:fld id="{E70B44F4-EB80-4661-B4DA-9317950D61AC}" type="datetimeFigureOut">
               <a:rPr lang="en-CA" smtClean="0"/>
-              <a:t>2023-03-10</a:t>
+              <a:t>2023-03-16</a:t>
             </a:fld>
             <a:endParaRPr lang="en-CA"/>
           </a:p>
@@ -1235,7 +1322,7 @@
           <a:p>
             <a:fld id="{E70B44F4-EB80-4661-B4DA-9317950D61AC}" type="datetimeFigureOut">
               <a:rPr lang="en-CA" smtClean="0"/>
-              <a:t>2023-03-10</a:t>
+              <a:t>2023-03-16</a:t>
             </a:fld>
             <a:endParaRPr lang="en-CA"/>
           </a:p>
@@ -1503,7 +1590,7 @@
           <a:p>
             <a:fld id="{E70B44F4-EB80-4661-B4DA-9317950D61AC}" type="datetimeFigureOut">
               <a:rPr lang="en-CA" smtClean="0"/>
-              <a:t>2023-03-10</a:t>
+              <a:t>2023-03-16</a:t>
             </a:fld>
             <a:endParaRPr lang="en-CA"/>
           </a:p>
@@ -1918,7 +2005,7 @@
           <a:p>
             <a:fld id="{E70B44F4-EB80-4661-B4DA-9317950D61AC}" type="datetimeFigureOut">
               <a:rPr lang="en-CA" smtClean="0"/>
-              <a:t>2023-03-10</a:t>
+              <a:t>2023-03-16</a:t>
             </a:fld>
             <a:endParaRPr lang="en-CA"/>
           </a:p>
@@ -2060,7 +2147,7 @@
           <a:p>
             <a:fld id="{E70B44F4-EB80-4661-B4DA-9317950D61AC}" type="datetimeFigureOut">
               <a:rPr lang="en-CA" smtClean="0"/>
-              <a:t>2023-03-10</a:t>
+              <a:t>2023-03-16</a:t>
             </a:fld>
             <a:endParaRPr lang="en-CA"/>
           </a:p>
@@ -2173,7 +2260,7 @@
           <a:p>
             <a:fld id="{E70B44F4-EB80-4661-B4DA-9317950D61AC}" type="datetimeFigureOut">
               <a:rPr lang="en-CA" smtClean="0"/>
-              <a:t>2023-03-10</a:t>
+              <a:t>2023-03-16</a:t>
             </a:fld>
             <a:endParaRPr lang="en-CA"/>
           </a:p>
@@ -2486,7 +2573,7 @@
           <a:p>
             <a:fld id="{E70B44F4-EB80-4661-B4DA-9317950D61AC}" type="datetimeFigureOut">
               <a:rPr lang="en-CA" smtClean="0"/>
-              <a:t>2023-03-10</a:t>
+              <a:t>2023-03-16</a:t>
             </a:fld>
             <a:endParaRPr lang="en-CA"/>
           </a:p>
@@ -2775,7 +2862,7 @@
           <a:p>
             <a:fld id="{E70B44F4-EB80-4661-B4DA-9317950D61AC}" type="datetimeFigureOut">
               <a:rPr lang="en-CA" smtClean="0"/>
-              <a:t>2023-03-10</a:t>
+              <a:t>2023-03-16</a:t>
             </a:fld>
             <a:endParaRPr lang="en-CA"/>
           </a:p>
@@ -3018,7 +3105,7 @@
           <a:p>
             <a:fld id="{E70B44F4-EB80-4661-B4DA-9317950D61AC}" type="datetimeFigureOut">
               <a:rPr lang="en-CA" smtClean="0"/>
-              <a:t>2023-03-10</a:t>
+              <a:t>2023-03-16</a:t>
             </a:fld>
             <a:endParaRPr lang="en-CA"/>
           </a:p>
@@ -3688,7 +3775,7 @@
         </p:blipFill>
         <p:spPr>
           <a:xfrm>
-            <a:off x="-14269" y="823690"/>
+            <a:off x="0" y="823690"/>
             <a:ext cx="6186469" cy="5000636"/>
           </a:xfrm>
         </p:spPr>
@@ -3743,8 +3830,8 @@
           </a:p>
         </p:txBody>
       </p:sp>
-      <mc:AlternateContent xmlns:mc="http://schemas.openxmlformats.org/markup-compatibility/2006">
-        <mc:Choice xmlns:p14="http://schemas.microsoft.com/office/powerpoint/2010/main" Requires="p14">
+      <mc:AlternateContent xmlns:mc="http://schemas.openxmlformats.org/markup-compatibility/2006" xmlns:p14="http://schemas.microsoft.com/office/powerpoint/2010/main">
+        <mc:Choice Requires="p14">
           <p:contentPart p14:bwMode="auto" r:id="rId3">
             <p14:nvContentPartPr>
               <p14:cNvPr id="2" name="Ink 1">
@@ -3763,7 +3850,7 @@
             </p14:xfrm>
           </p:contentPart>
         </mc:Choice>
-        <mc:Fallback>
+        <mc:Fallback xmlns="">
           <p:pic>
             <p:nvPicPr>
               <p:cNvPr id="2" name="Ink 1">
@@ -3910,7 +3997,7 @@
         </p:blipFill>
         <p:spPr>
           <a:xfrm>
-            <a:off x="0" y="928682"/>
+            <a:off x="0" y="823690"/>
             <a:ext cx="6186469" cy="5000636"/>
           </a:xfrm>
         </p:spPr>
@@ -3965,8 +4052,8 @@
           </a:p>
         </p:txBody>
       </p:sp>
-      <mc:AlternateContent xmlns:mc="http://schemas.openxmlformats.org/markup-compatibility/2006">
-        <mc:Choice xmlns:p14="http://schemas.microsoft.com/office/powerpoint/2010/main" Requires="p14">
+      <mc:AlternateContent xmlns:mc="http://schemas.openxmlformats.org/markup-compatibility/2006" xmlns:p14="http://schemas.microsoft.com/office/powerpoint/2010/main">
+        <mc:Choice Requires="p14">
           <p:contentPart p14:bwMode="auto" r:id="rId3">
             <p14:nvContentPartPr>
               <p14:cNvPr id="2" name="Ink 1">
@@ -3985,7 +4072,7 @@
             </p14:xfrm>
           </p:contentPart>
         </mc:Choice>
-        <mc:Fallback>
+        <mc:Fallback xmlns="">
           <p:pic>
             <p:nvPicPr>
               <p:cNvPr id="2" name="Ink 1">
@@ -4172,7 +4259,7 @@
         </p:blipFill>
         <p:spPr>
           <a:xfrm>
-            <a:off x="90182" y="721413"/>
+            <a:off x="0" y="823690"/>
             <a:ext cx="6186469" cy="5000636"/>
           </a:xfrm>
         </p:spPr>
@@ -4227,9 +4314,142 @@
           </a:p>
         </p:txBody>
       </p:sp>
+      <mc:AlternateContent xmlns:mc="http://schemas.openxmlformats.org/markup-compatibility/2006" xmlns:p14="http://schemas.microsoft.com/office/powerpoint/2010/main">
+        <mc:Choice Requires="p14">
+          <p:contentPart p14:bwMode="auto" r:id="rId3">
+            <p14:nvContentPartPr>
+              <p14:cNvPr id="2" name="Ink 1">
+                <a:extLst>
+                  <a:ext uri="{FF2B5EF4-FFF2-40B4-BE49-F238E27FC236}">
+                    <a16:creationId xmlns:a16="http://schemas.microsoft.com/office/drawing/2014/main" id="{DFA62668-2D1A-B432-CDA9-712BEDF34741}"/>
+                  </a:ext>
+                </a:extLst>
+              </p14:cNvPr>
+              <p14:cNvContentPartPr/>
+              <p14:nvPr/>
+            </p14:nvContentPartPr>
+            <p14:xfrm>
+              <a:off x="3388720" y="150427"/>
+              <a:ext cx="360" cy="360"/>
+            </p14:xfrm>
+          </p:contentPart>
+        </mc:Choice>
+        <mc:Fallback xmlns="">
+          <p:pic>
+            <p:nvPicPr>
+              <p:cNvPr id="2" name="Ink 1">
+                <a:extLst>
+                  <a:ext uri="{FF2B5EF4-FFF2-40B4-BE49-F238E27FC236}">
+                    <a16:creationId xmlns:a16="http://schemas.microsoft.com/office/drawing/2014/main" id="{DFA62668-2D1A-B432-CDA9-712BEDF34741}"/>
+                  </a:ext>
+                </a:extLst>
+              </p:cNvPr>
+              <p:cNvPicPr/>
+              <p:nvPr/>
+            </p:nvPicPr>
+            <p:blipFill>
+              <a:blip r:embed="rId4"/>
+              <a:stretch>
+                <a:fillRect/>
+              </a:stretch>
+            </p:blipFill>
+            <p:spPr>
+              <a:xfrm>
+                <a:off x="3379720" y="141427"/>
+                <a:ext cx="18000" cy="18000"/>
+              </a:xfrm>
+              <a:prstGeom prst="rect">
+                <a:avLst/>
+              </a:prstGeom>
+            </p:spPr>
+          </p:pic>
+        </mc:Fallback>
+      </mc:AlternateContent>
+      <p:sp>
+        <p:nvSpPr>
+          <p:cNvPr id="7" name="Oval 6">
+            <a:extLst>
+              <a:ext uri="{FF2B5EF4-FFF2-40B4-BE49-F238E27FC236}">
+                <a16:creationId xmlns:a16="http://schemas.microsoft.com/office/drawing/2014/main" id="{DB5E267D-D6B5-6933-451F-214694C95AAC}"/>
+              </a:ext>
+            </a:extLst>
+          </p:cNvPr>
+          <p:cNvSpPr/>
+          <p:nvPr/>
+        </p:nvSpPr>
+        <p:spPr>
+          <a:xfrm>
+            <a:off x="1426128" y="4152551"/>
+            <a:ext cx="1367405" cy="1332555"/>
+          </a:xfrm>
+          <a:prstGeom prst="ellipse">
+            <a:avLst/>
+          </a:prstGeom>
+          <a:noFill/>
+          <a:ln w="38100">
+            <a:solidFill>
+              <a:schemeClr val="tx1"/>
+            </a:solidFill>
+          </a:ln>
+        </p:spPr>
+        <p:style>
+          <a:lnRef idx="2">
+            <a:schemeClr val="accent1">
+              <a:shade val="50000"/>
+            </a:schemeClr>
+          </a:lnRef>
+          <a:fillRef idx="1">
+            <a:schemeClr val="accent1"/>
+          </a:fillRef>
+          <a:effectRef idx="0">
+            <a:schemeClr val="accent1"/>
+          </a:effectRef>
+          <a:fontRef idx="minor">
+            <a:schemeClr val="lt1"/>
+          </a:fontRef>
+        </p:style>
+        <p:txBody>
+          <a:bodyPr rtlCol="0" anchor="ctr"/>
+          <a:lstStyle/>
+          <a:p>
+            <a:pPr algn="ctr"/>
+            <a:endParaRPr lang="en-CA" dirty="0"/>
+          </a:p>
+        </p:txBody>
+      </p:sp>
+    </p:spTree>
+    <p:extLst>
+      <p:ext uri="{BB962C8B-B14F-4D97-AF65-F5344CB8AC3E}">
+        <p14:creationId xmlns:p14="http://schemas.microsoft.com/office/powerpoint/2010/main" val="3868633426"/>
+      </p:ext>
+    </p:extLst>
+  </p:cSld>
+  <p:clrMapOvr>
+    <a:masterClrMapping/>
+  </p:clrMapOvr>
+</p:sld>
+</file>
+
+<file path=ppt/slides/slide6.xml><?xml version="1.0" encoding="utf-8"?>
+<p:sld xmlns:a="http://schemas.openxmlformats.org/drawingml/2006/main" xmlns:r="http://schemas.openxmlformats.org/officeDocument/2006/relationships" xmlns:p="http://schemas.openxmlformats.org/presentationml/2006/main">
+  <p:cSld>
+    <p:spTree>
+      <p:nvGrpSpPr>
+        <p:cNvPr id="1" name=""/>
+        <p:cNvGrpSpPr/>
+        <p:nvPr/>
+      </p:nvGrpSpPr>
+      <p:grpSpPr>
+        <a:xfrm>
+          <a:off x="0" y="0"/>
+          <a:ext cx="0" cy="0"/>
+          <a:chOff x="0" y="0"/>
+          <a:chExt cx="0" cy="0"/>
+        </a:xfrm>
+      </p:grpSpPr>
       <mc:AlternateContent xmlns:mc="http://schemas.openxmlformats.org/markup-compatibility/2006">
         <mc:Choice xmlns:p14="http://schemas.microsoft.com/office/powerpoint/2010/main" Requires="p14">
-          <p:contentPart p14:bwMode="auto" r:id="rId3">
+          <p:contentPart p14:bwMode="auto" r:id="rId2">
             <p14:nvContentPartPr>
               <p14:cNvPr id="2" name="Ink 1">
                 <a:extLst>
@@ -4261,7 +4481,7 @@
               <p:nvPr/>
             </p:nvPicPr>
             <p:blipFill>
-              <a:blip r:embed="rId4"/>
+              <a:blip r:embed="rId3"/>
               <a:stretch>
                 <a:fillRect/>
               </a:stretch>
@@ -4280,28 +4500,337 @@
       </mc:AlternateContent>
       <p:sp>
         <p:nvSpPr>
-          <p:cNvPr id="7" name="Oval 6">
-            <a:extLst>
-              <a:ext uri="{FF2B5EF4-FFF2-40B4-BE49-F238E27FC236}">
-                <a16:creationId xmlns:a16="http://schemas.microsoft.com/office/drawing/2014/main" id="{DB5E267D-D6B5-6933-451F-214694C95AAC}"/>
-              </a:ext>
-            </a:extLst>
-          </p:cNvPr>
-          <p:cNvSpPr/>
+          <p:cNvPr id="19" name="TextBox 18">
+            <a:extLst>
+              <a:ext uri="{FF2B5EF4-FFF2-40B4-BE49-F238E27FC236}">
+                <a16:creationId xmlns:a16="http://schemas.microsoft.com/office/drawing/2014/main" id="{6FEA0CBB-FF36-6E81-A766-04570F5D400B}"/>
+              </a:ext>
+            </a:extLst>
+          </p:cNvPr>
+          <p:cNvSpPr txBox="1"/>
           <p:nvPr/>
         </p:nvSpPr>
         <p:spPr>
           <a:xfrm>
-            <a:off x="1426128" y="4152551"/>
-            <a:ext cx="1367405" cy="1332555"/>
+            <a:off x="0" y="0"/>
+            <a:ext cx="12192000" cy="1384995"/>
           </a:xfrm>
-          <a:prstGeom prst="ellipse">
+          <a:prstGeom prst="rect">
             <a:avLst/>
           </a:prstGeom>
           <a:noFill/>
-          <a:ln w="38100">
+        </p:spPr>
+        <p:txBody>
+          <a:bodyPr wrap="square" rtlCol="0">
+            <a:spAutoFit/>
+          </a:bodyPr>
+          <a:lstStyle/>
+          <a:p>
+            <a:r>
+              <a:rPr lang="en-US" sz="2400" dirty="0"/>
+              <a:t>The Maya civilization occupied Mesoamerica in the three previously-mentioned areas in 3 distinct time periods:</a:t>
+            </a:r>
+          </a:p>
+          <a:p>
+            <a:endParaRPr lang="en-US" dirty="0"/>
+          </a:p>
+          <a:p>
+            <a:endParaRPr lang="en-CA" dirty="0"/>
+          </a:p>
+        </p:txBody>
+      </p:sp>
+      <p:sp>
+        <p:nvSpPr>
+          <p:cNvPr id="23" name="Rectangle: Rounded Corners 22">
+            <a:extLst>
+              <a:ext uri="{FF2B5EF4-FFF2-40B4-BE49-F238E27FC236}">
+                <a16:creationId xmlns:a16="http://schemas.microsoft.com/office/drawing/2014/main" id="{DD314855-DA69-7EB2-3E5F-C1277BA70B3F}"/>
+              </a:ext>
+            </a:extLst>
+          </p:cNvPr>
+          <p:cNvSpPr/>
+          <p:nvPr/>
+        </p:nvSpPr>
+        <p:spPr>
+          <a:xfrm>
+            <a:off x="75500" y="1217215"/>
+            <a:ext cx="6744749" cy="1383195"/>
+          </a:xfrm>
+          <a:prstGeom prst="roundRect">
+            <a:avLst/>
+          </a:prstGeom>
+        </p:spPr>
+        <p:style>
+          <a:lnRef idx="2">
+            <a:schemeClr val="accent1">
+              <a:shade val="50000"/>
+            </a:schemeClr>
+          </a:lnRef>
+          <a:fillRef idx="1">
+            <a:schemeClr val="accent1"/>
+          </a:fillRef>
+          <a:effectRef idx="0">
+            <a:schemeClr val="accent1"/>
+          </a:effectRef>
+          <a:fontRef idx="minor">
+            <a:schemeClr val="lt1"/>
+          </a:fontRef>
+        </p:style>
+        <p:txBody>
+          <a:bodyPr rtlCol="0" anchor="ctr"/>
+          <a:lstStyle/>
+          <a:p>
+            <a:pPr algn="ctr"/>
+            <a:r>
+              <a:rPr lang="en-US" sz="2400" b="1" dirty="0"/>
+              <a:t>The Preclassic Period (1800 BC – 1000 BC). </a:t>
+            </a:r>
+            <a:endParaRPr lang="en-CA" sz="2400" b="1" dirty="0"/>
+          </a:p>
+        </p:txBody>
+      </p:sp>
+      <p:sp>
+        <p:nvSpPr>
+          <p:cNvPr id="24" name="TextBox 23">
+            <a:extLst>
+              <a:ext uri="{FF2B5EF4-FFF2-40B4-BE49-F238E27FC236}">
+                <a16:creationId xmlns:a16="http://schemas.microsoft.com/office/drawing/2014/main" id="{0A8E9643-E02A-7D89-F787-5A3FE84FA99A}"/>
+              </a:ext>
+            </a:extLst>
+          </p:cNvPr>
+          <p:cNvSpPr txBox="1"/>
+          <p:nvPr/>
+        </p:nvSpPr>
+        <p:spPr>
+          <a:xfrm>
+            <a:off x="6895749" y="1384995"/>
+            <a:ext cx="5296251" cy="3338735"/>
+          </a:xfrm>
+          <a:prstGeom prst="rect">
+            <a:avLst/>
+          </a:prstGeom>
+          <a:noFill/>
+        </p:spPr>
+        <p:txBody>
+          <a:bodyPr wrap="square" rtlCol="0">
+            <a:spAutoFit/>
+          </a:bodyPr>
+          <a:lstStyle/>
+          <a:p>
+            <a:pPr>
+              <a:lnSpc>
+                <a:spcPct val="200000"/>
+              </a:lnSpc>
+            </a:pPr>
+            <a:r>
+              <a:rPr lang="en-US" dirty="0"/>
+              <a:t>	During the Preclassic Period, the Maya civilization’s citizens</a:t>
+            </a:r>
+            <a:r>
+              <a:rPr lang="en-CA" dirty="0"/>
+              <a:t> began establishing themselves in Mesoamerica as a hybrid agricultural hunter-gatherer society. Additionally, the construction of cities, sites, and architectural works such as the Mayan pyramids began. </a:t>
+            </a:r>
+          </a:p>
+        </p:txBody>
+      </p:sp>
+    </p:spTree>
+    <p:extLst>
+      <p:ext uri="{BB962C8B-B14F-4D97-AF65-F5344CB8AC3E}">
+        <p14:creationId xmlns:p14="http://schemas.microsoft.com/office/powerpoint/2010/main" val="2269944644"/>
+      </p:ext>
+    </p:extLst>
+  </p:cSld>
+  <p:clrMapOvr>
+    <a:masterClrMapping/>
+  </p:clrMapOvr>
+</p:sld>
+</file>
+
+<file path=ppt/slides/slide7.xml><?xml version="1.0" encoding="utf-8"?>
+<p:sld xmlns:a="http://schemas.openxmlformats.org/drawingml/2006/main" xmlns:r="http://schemas.openxmlformats.org/officeDocument/2006/relationships" xmlns:p="http://schemas.openxmlformats.org/presentationml/2006/main">
+  <p:cSld>
+    <p:spTree>
+      <p:nvGrpSpPr>
+        <p:cNvPr id="1" name=""/>
+        <p:cNvGrpSpPr/>
+        <p:nvPr/>
+      </p:nvGrpSpPr>
+      <p:grpSpPr>
+        <a:xfrm>
+          <a:off x="0" y="0"/>
+          <a:ext cx="0" cy="0"/>
+          <a:chOff x="0" y="0"/>
+          <a:chExt cx="0" cy="0"/>
+        </a:xfrm>
+      </p:grpSpPr>
+      <mc:AlternateContent xmlns:mc="http://schemas.openxmlformats.org/markup-compatibility/2006">
+        <mc:Choice xmlns:p14="http://schemas.microsoft.com/office/powerpoint/2010/main" Requires="p14">
+          <p:contentPart p14:bwMode="auto" r:id="rId2">
+            <p14:nvContentPartPr>
+              <p14:cNvPr id="2" name="Ink 1">
+                <a:extLst>
+                  <a:ext uri="{FF2B5EF4-FFF2-40B4-BE49-F238E27FC236}">
+                    <a16:creationId xmlns:a16="http://schemas.microsoft.com/office/drawing/2014/main" id="{DFA62668-2D1A-B432-CDA9-712BEDF34741}"/>
+                  </a:ext>
+                </a:extLst>
+              </p14:cNvPr>
+              <p14:cNvContentPartPr/>
+              <p14:nvPr/>
+            </p14:nvContentPartPr>
+            <p14:xfrm>
+              <a:off x="3388720" y="150427"/>
+              <a:ext cx="360" cy="360"/>
+            </p14:xfrm>
+          </p:contentPart>
+        </mc:Choice>
+        <mc:Fallback>
+          <p:pic>
+            <p:nvPicPr>
+              <p:cNvPr id="2" name="Ink 1">
+                <a:extLst>
+                  <a:ext uri="{FF2B5EF4-FFF2-40B4-BE49-F238E27FC236}">
+                    <a16:creationId xmlns:a16="http://schemas.microsoft.com/office/drawing/2014/main" id="{DFA62668-2D1A-B432-CDA9-712BEDF34741}"/>
+                  </a:ext>
+                </a:extLst>
+              </p:cNvPr>
+              <p:cNvPicPr/>
+              <p:nvPr/>
+            </p:nvPicPr>
+            <p:blipFill>
+              <a:blip r:embed="rId3"/>
+              <a:stretch>
+                <a:fillRect/>
+              </a:stretch>
+            </p:blipFill>
+            <p:spPr>
+              <a:xfrm>
+                <a:off x="3379720" y="141427"/>
+                <a:ext cx="18000" cy="18000"/>
+              </a:xfrm>
+              <a:prstGeom prst="rect">
+                <a:avLst/>
+              </a:prstGeom>
+            </p:spPr>
+          </p:pic>
+        </mc:Fallback>
+      </mc:AlternateContent>
+      <p:sp>
+        <p:nvSpPr>
+          <p:cNvPr id="23" name="Rectangle: Rounded Corners 22">
+            <a:extLst>
+              <a:ext uri="{FF2B5EF4-FFF2-40B4-BE49-F238E27FC236}">
+                <a16:creationId xmlns:a16="http://schemas.microsoft.com/office/drawing/2014/main" id="{DD314855-DA69-7EB2-3E5F-C1277BA70B3F}"/>
+              </a:ext>
+            </a:extLst>
+          </p:cNvPr>
+          <p:cNvSpPr/>
+          <p:nvPr/>
+        </p:nvSpPr>
+        <p:spPr>
+          <a:xfrm>
+            <a:off x="75500" y="1217215"/>
+            <a:ext cx="6744749" cy="1383195"/>
+          </a:xfrm>
+          <a:prstGeom prst="roundRect">
+            <a:avLst/>
+          </a:prstGeom>
+        </p:spPr>
+        <p:style>
+          <a:lnRef idx="2">
+            <a:schemeClr val="accent1">
+              <a:shade val="50000"/>
+            </a:schemeClr>
+          </a:lnRef>
+          <a:fillRef idx="1">
+            <a:schemeClr val="accent1"/>
+          </a:fillRef>
+          <a:effectRef idx="0">
+            <a:schemeClr val="accent1"/>
+          </a:effectRef>
+          <a:fontRef idx="minor">
+            <a:schemeClr val="lt1"/>
+          </a:fontRef>
+        </p:style>
+        <p:txBody>
+          <a:bodyPr rtlCol="0" anchor="ctr"/>
+          <a:lstStyle/>
+          <a:p>
+            <a:pPr algn="ctr"/>
+            <a:r>
+              <a:rPr lang="en-US" sz="2400" b="1" dirty="0"/>
+              <a:t>The Preclassic Period (1800 B.C. – 250 A.D.). </a:t>
+            </a:r>
+            <a:endParaRPr lang="en-CA" sz="2400" b="1" dirty="0"/>
+          </a:p>
+        </p:txBody>
+      </p:sp>
+      <p:sp>
+        <p:nvSpPr>
+          <p:cNvPr id="24" name="TextBox 23">
+            <a:extLst>
+              <a:ext uri="{FF2B5EF4-FFF2-40B4-BE49-F238E27FC236}">
+                <a16:creationId xmlns:a16="http://schemas.microsoft.com/office/drawing/2014/main" id="{0A8E9643-E02A-7D89-F787-5A3FE84FA99A}"/>
+              </a:ext>
+            </a:extLst>
+          </p:cNvPr>
+          <p:cNvSpPr txBox="1"/>
+          <p:nvPr/>
+        </p:nvSpPr>
+        <p:spPr>
+          <a:xfrm>
+            <a:off x="6895748" y="258530"/>
+            <a:ext cx="5296251" cy="6662721"/>
+          </a:xfrm>
+          <a:prstGeom prst="rect">
+            <a:avLst/>
+          </a:prstGeom>
+          <a:noFill/>
+        </p:spPr>
+        <p:txBody>
+          <a:bodyPr wrap="square" rtlCol="0">
+            <a:spAutoFit/>
+          </a:bodyPr>
+          <a:lstStyle/>
+          <a:p>
+            <a:pPr>
+              <a:lnSpc>
+                <a:spcPct val="200000"/>
+              </a:lnSpc>
+            </a:pPr>
+            <a:r>
+              <a:rPr lang="en-US" dirty="0"/>
+              <a:t>	The Classic Period is when the Maya civilization was at its ‘prime’: ideal climate conditions and surplus resources led to population booms and the establishment of trading networks, alliances and military victories led to territorial expansion, and developments in cultural and religious beliefs. Additionally, because of the large population boom, the population of skilled workers increased dramatically, leading to the completion of many architectural and technological marvels in the fields of architecture, mathematics, linguistics, language, and astronomy. </a:t>
+            </a:r>
+            <a:endParaRPr lang="en-CA" dirty="0"/>
+          </a:p>
+        </p:txBody>
+      </p:sp>
+      <p:sp>
+        <p:nvSpPr>
+          <p:cNvPr id="3" name="Rectangle: Rounded Corners 2">
+            <a:extLst>
+              <a:ext uri="{FF2B5EF4-FFF2-40B4-BE49-F238E27FC236}">
+                <a16:creationId xmlns:a16="http://schemas.microsoft.com/office/drawing/2014/main" id="{012A8BD9-65A0-7B56-460C-65A4E40CEE73}"/>
+              </a:ext>
+            </a:extLst>
+          </p:cNvPr>
+          <p:cNvSpPr/>
+          <p:nvPr/>
+        </p:nvSpPr>
+        <p:spPr>
+          <a:xfrm>
+            <a:off x="75499" y="2737402"/>
+            <a:ext cx="6744749" cy="1383195"/>
+          </a:xfrm>
+          <a:prstGeom prst="roundRect">
+            <a:avLst/>
+          </a:prstGeom>
+          <a:solidFill>
+            <a:srgbClr val="00B050"/>
+          </a:solidFill>
+          <a:ln>
             <a:solidFill>
-              <a:schemeClr val="tx1"/>
+              <a:srgbClr val="00B050"/>
             </a:solidFill>
           </a:ln>
         </p:spPr>
@@ -4326,20 +4855,484 @@
           <a:lstStyle/>
           <a:p>
             <a:pPr algn="ctr"/>
-            <a:endParaRPr lang="en-CA" dirty="0"/>
+            <a:r>
+              <a:rPr lang="en-US" sz="2400" b="1" dirty="0"/>
+              <a:t>The Classic Period (250 A.D. – 800 A.D.).</a:t>
+            </a:r>
+            <a:endParaRPr lang="en-CA" sz="2400" b="1" dirty="0"/>
           </a:p>
         </p:txBody>
       </p:sp>
     </p:spTree>
     <p:extLst>
       <p:ext uri="{BB962C8B-B14F-4D97-AF65-F5344CB8AC3E}">
-        <p14:creationId xmlns:p14="http://schemas.microsoft.com/office/powerpoint/2010/main" val="3868633426"/>
+        <p14:creationId xmlns:p14="http://schemas.microsoft.com/office/powerpoint/2010/main" val="4155481590"/>
       </p:ext>
     </p:extLst>
   </p:cSld>
   <p:clrMapOvr>
     <a:masterClrMapping/>
   </p:clrMapOvr>
+</p:sld>
+</file>
+
+<file path=ppt/slides/slide8.xml><?xml version="1.0" encoding="utf-8"?>
+<p:sld xmlns:a="http://schemas.openxmlformats.org/drawingml/2006/main" xmlns:r="http://schemas.openxmlformats.org/officeDocument/2006/relationships" xmlns:p="http://schemas.openxmlformats.org/presentationml/2006/main">
+  <p:cSld>
+    <p:spTree>
+      <p:nvGrpSpPr>
+        <p:cNvPr id="1" name=""/>
+        <p:cNvGrpSpPr/>
+        <p:nvPr/>
+      </p:nvGrpSpPr>
+      <p:grpSpPr>
+        <a:xfrm>
+          <a:off x="0" y="0"/>
+          <a:ext cx="0" cy="0"/>
+          <a:chOff x="0" y="0"/>
+          <a:chExt cx="0" cy="0"/>
+        </a:xfrm>
+      </p:grpSpPr>
+      <mc:AlternateContent xmlns:mc="http://schemas.openxmlformats.org/markup-compatibility/2006">
+        <mc:Choice xmlns:p14="http://schemas.microsoft.com/office/powerpoint/2010/main" Requires="p14">
+          <p:contentPart p14:bwMode="auto" r:id="rId2">
+            <p14:nvContentPartPr>
+              <p14:cNvPr id="2" name="Ink 1">
+                <a:extLst>
+                  <a:ext uri="{FF2B5EF4-FFF2-40B4-BE49-F238E27FC236}">
+                    <a16:creationId xmlns:a16="http://schemas.microsoft.com/office/drawing/2014/main" id="{DFA62668-2D1A-B432-CDA9-712BEDF34741}"/>
+                  </a:ext>
+                </a:extLst>
+              </p14:cNvPr>
+              <p14:cNvContentPartPr/>
+              <p14:nvPr/>
+            </p14:nvContentPartPr>
+            <p14:xfrm>
+              <a:off x="3388720" y="150427"/>
+              <a:ext cx="360" cy="360"/>
+            </p14:xfrm>
+          </p:contentPart>
+        </mc:Choice>
+        <mc:Fallback>
+          <p:pic>
+            <p:nvPicPr>
+              <p:cNvPr id="2" name="Ink 1">
+                <a:extLst>
+                  <a:ext uri="{FF2B5EF4-FFF2-40B4-BE49-F238E27FC236}">
+                    <a16:creationId xmlns:a16="http://schemas.microsoft.com/office/drawing/2014/main" id="{DFA62668-2D1A-B432-CDA9-712BEDF34741}"/>
+                  </a:ext>
+                </a:extLst>
+              </p:cNvPr>
+              <p:cNvPicPr/>
+              <p:nvPr/>
+            </p:nvPicPr>
+            <p:blipFill>
+              <a:blip r:embed="rId3"/>
+              <a:stretch>
+                <a:fillRect/>
+              </a:stretch>
+            </p:blipFill>
+            <p:spPr>
+              <a:xfrm>
+                <a:off x="3379720" y="141427"/>
+                <a:ext cx="18000" cy="18000"/>
+              </a:xfrm>
+              <a:prstGeom prst="rect">
+                <a:avLst/>
+              </a:prstGeom>
+            </p:spPr>
+          </p:pic>
+        </mc:Fallback>
+      </mc:AlternateContent>
+      <p:sp>
+        <p:nvSpPr>
+          <p:cNvPr id="23" name="Rectangle: Rounded Corners 22">
+            <a:extLst>
+              <a:ext uri="{FF2B5EF4-FFF2-40B4-BE49-F238E27FC236}">
+                <a16:creationId xmlns:a16="http://schemas.microsoft.com/office/drawing/2014/main" id="{DD314855-DA69-7EB2-3E5F-C1277BA70B3F}"/>
+              </a:ext>
+            </a:extLst>
+          </p:cNvPr>
+          <p:cNvSpPr/>
+          <p:nvPr/>
+        </p:nvSpPr>
+        <p:spPr>
+          <a:xfrm>
+            <a:off x="75500" y="1217215"/>
+            <a:ext cx="6744749" cy="1383195"/>
+          </a:xfrm>
+          <a:prstGeom prst="roundRect">
+            <a:avLst/>
+          </a:prstGeom>
+        </p:spPr>
+        <p:style>
+          <a:lnRef idx="2">
+            <a:schemeClr val="accent1">
+              <a:shade val="50000"/>
+            </a:schemeClr>
+          </a:lnRef>
+          <a:fillRef idx="1">
+            <a:schemeClr val="accent1"/>
+          </a:fillRef>
+          <a:effectRef idx="0">
+            <a:schemeClr val="accent1"/>
+          </a:effectRef>
+          <a:fontRef idx="minor">
+            <a:schemeClr val="lt1"/>
+          </a:fontRef>
+        </p:style>
+        <p:txBody>
+          <a:bodyPr rtlCol="0" anchor="ctr"/>
+          <a:lstStyle/>
+          <a:p>
+            <a:pPr algn="ctr"/>
+            <a:r>
+              <a:rPr lang="en-US" sz="2400" b="1" dirty="0"/>
+              <a:t>The Preclassic Period (1800 B.C. – 250 A.D.). </a:t>
+            </a:r>
+            <a:endParaRPr lang="en-CA" sz="2400" b="1" dirty="0"/>
+          </a:p>
+        </p:txBody>
+      </p:sp>
+      <p:sp>
+        <p:nvSpPr>
+          <p:cNvPr id="24" name="TextBox 23">
+            <a:extLst>
+              <a:ext uri="{FF2B5EF4-FFF2-40B4-BE49-F238E27FC236}">
+                <a16:creationId xmlns:a16="http://schemas.microsoft.com/office/drawing/2014/main" id="{0A8E9643-E02A-7D89-F787-5A3FE84FA99A}"/>
+              </a:ext>
+            </a:extLst>
+          </p:cNvPr>
+          <p:cNvSpPr txBox="1"/>
+          <p:nvPr/>
+        </p:nvSpPr>
+        <p:spPr>
+          <a:xfrm>
+            <a:off x="6820248" y="150427"/>
+            <a:ext cx="5296251" cy="6108724"/>
+          </a:xfrm>
+          <a:prstGeom prst="rect">
+            <a:avLst/>
+          </a:prstGeom>
+          <a:noFill/>
+        </p:spPr>
+        <p:txBody>
+          <a:bodyPr wrap="square" rtlCol="0">
+            <a:spAutoFit/>
+          </a:bodyPr>
+          <a:lstStyle/>
+          <a:p>
+            <a:pPr>
+              <a:lnSpc>
+                <a:spcPct val="200000"/>
+              </a:lnSpc>
+            </a:pPr>
+            <a:r>
+              <a:rPr lang="en-US" dirty="0"/>
+              <a:t>	And lastly is the period on which this presentation will be mainly focusing: The Terminal Classic Period. Directly contrasting The Classic Period, The Terminal Classic Period was a period of sharp decline and eventual collapse of the Maya civilization. Many cities and sites were abandoned because of volcanic activity, poor climate conditions, military losses, or simple abandonment. Large-scale droughts devastated agriculture, local vegetation, and water reserves, and the loss of able workers straining the already waning </a:t>
+            </a:r>
+            <a:r>
+              <a:rPr lang="en-US"/>
+              <a:t>available resources. </a:t>
+            </a:r>
+            <a:endParaRPr lang="en-US" dirty="0"/>
+          </a:p>
+        </p:txBody>
+      </p:sp>
+      <p:sp>
+        <p:nvSpPr>
+          <p:cNvPr id="3" name="Rectangle: Rounded Corners 2">
+            <a:extLst>
+              <a:ext uri="{FF2B5EF4-FFF2-40B4-BE49-F238E27FC236}">
+                <a16:creationId xmlns:a16="http://schemas.microsoft.com/office/drawing/2014/main" id="{012A8BD9-65A0-7B56-460C-65A4E40CEE73}"/>
+              </a:ext>
+            </a:extLst>
+          </p:cNvPr>
+          <p:cNvSpPr/>
+          <p:nvPr/>
+        </p:nvSpPr>
+        <p:spPr>
+          <a:xfrm>
+            <a:off x="75499" y="2737402"/>
+            <a:ext cx="6744749" cy="1383195"/>
+          </a:xfrm>
+          <a:prstGeom prst="roundRect">
+            <a:avLst/>
+          </a:prstGeom>
+          <a:solidFill>
+            <a:srgbClr val="00B050"/>
+          </a:solidFill>
+          <a:ln>
+            <a:solidFill>
+              <a:srgbClr val="00B050"/>
+            </a:solidFill>
+          </a:ln>
+        </p:spPr>
+        <p:style>
+          <a:lnRef idx="2">
+            <a:schemeClr val="accent1">
+              <a:shade val="50000"/>
+            </a:schemeClr>
+          </a:lnRef>
+          <a:fillRef idx="1">
+            <a:schemeClr val="accent1"/>
+          </a:fillRef>
+          <a:effectRef idx="0">
+            <a:schemeClr val="accent1"/>
+          </a:effectRef>
+          <a:fontRef idx="minor">
+            <a:schemeClr val="lt1"/>
+          </a:fontRef>
+        </p:style>
+        <p:txBody>
+          <a:bodyPr rtlCol="0" anchor="ctr"/>
+          <a:lstStyle/>
+          <a:p>
+            <a:pPr algn="ctr"/>
+            <a:r>
+              <a:rPr lang="en-US" sz="2400" b="1" dirty="0"/>
+              <a:t>The Classic Period (250 A.D. – 800 A.D.).</a:t>
+            </a:r>
+            <a:endParaRPr lang="en-CA" sz="2400" b="1" dirty="0"/>
+          </a:p>
+        </p:txBody>
+      </p:sp>
+      <p:sp>
+        <p:nvSpPr>
+          <p:cNvPr id="4" name="Rectangle: Rounded Corners 3">
+            <a:extLst>
+              <a:ext uri="{FF2B5EF4-FFF2-40B4-BE49-F238E27FC236}">
+                <a16:creationId xmlns:a16="http://schemas.microsoft.com/office/drawing/2014/main" id="{AC3346CF-8565-AE08-76BC-35A7A44BCC75}"/>
+              </a:ext>
+            </a:extLst>
+          </p:cNvPr>
+          <p:cNvSpPr/>
+          <p:nvPr/>
+        </p:nvSpPr>
+        <p:spPr>
+          <a:xfrm>
+            <a:off x="75499" y="4257590"/>
+            <a:ext cx="6744749" cy="1383195"/>
+          </a:xfrm>
+          <a:prstGeom prst="roundRect">
+            <a:avLst/>
+          </a:prstGeom>
+          <a:solidFill>
+            <a:srgbClr val="C00000"/>
+          </a:solidFill>
+          <a:ln>
+            <a:solidFill>
+              <a:srgbClr val="C00000"/>
+            </a:solidFill>
+          </a:ln>
+        </p:spPr>
+        <p:style>
+          <a:lnRef idx="2">
+            <a:schemeClr val="accent1">
+              <a:shade val="50000"/>
+            </a:schemeClr>
+          </a:lnRef>
+          <a:fillRef idx="1">
+            <a:schemeClr val="accent1"/>
+          </a:fillRef>
+          <a:effectRef idx="0">
+            <a:schemeClr val="accent1"/>
+          </a:effectRef>
+          <a:fontRef idx="minor">
+            <a:schemeClr val="lt1"/>
+          </a:fontRef>
+        </p:style>
+        <p:txBody>
+          <a:bodyPr rtlCol="0" anchor="ctr"/>
+          <a:lstStyle/>
+          <a:p>
+            <a:pPr algn="ctr"/>
+            <a:r>
+              <a:rPr lang="en-US" sz="2400" b="1" dirty="0">
+                <a:solidFill>
+                  <a:srgbClr val="FFFF00"/>
+                </a:solidFill>
+              </a:rPr>
+              <a:t>The Terminal Classic Period (800 A.D. – 1050 A.D.). </a:t>
+            </a:r>
+            <a:endParaRPr lang="en-CA" sz="2400" b="1" dirty="0">
+              <a:solidFill>
+                <a:srgbClr val="FFFF00"/>
+              </a:solidFill>
+            </a:endParaRPr>
+          </a:p>
+        </p:txBody>
+      </p:sp>
+      <p:sp>
+        <p:nvSpPr>
+          <p:cNvPr id="5" name="TextBox 4">
+            <a:extLst>
+              <a:ext uri="{FF2B5EF4-FFF2-40B4-BE49-F238E27FC236}">
+                <a16:creationId xmlns:a16="http://schemas.microsoft.com/office/drawing/2014/main" id="{315B9284-D82C-FCFF-893D-44AC75676F07}"/>
+              </a:ext>
+            </a:extLst>
+          </p:cNvPr>
+          <p:cNvSpPr txBox="1"/>
+          <p:nvPr/>
+        </p:nvSpPr>
+        <p:spPr>
+          <a:xfrm>
+            <a:off x="75499" y="5777778"/>
+            <a:ext cx="5384807" cy="369332"/>
+          </a:xfrm>
+          <a:prstGeom prst="rect">
+            <a:avLst/>
+          </a:prstGeom>
+          <a:noFill/>
+        </p:spPr>
+        <p:txBody>
+          <a:bodyPr wrap="none" rtlCol="0">
+            <a:spAutoFit/>
+          </a:bodyPr>
+          <a:lstStyle/>
+          <a:p>
+            <a:r>
+              <a:rPr lang="en-US" dirty="0"/>
+              <a:t>The period I am focusing on is in bright red to stand out</a:t>
+            </a:r>
+            <a:endParaRPr lang="en-CA" dirty="0"/>
+          </a:p>
+        </p:txBody>
+      </p:sp>
+    </p:spTree>
+    <p:extLst>
+      <p:ext uri="{BB962C8B-B14F-4D97-AF65-F5344CB8AC3E}">
+        <p14:creationId xmlns:p14="http://schemas.microsoft.com/office/powerpoint/2010/main" val="1422064221"/>
+      </p:ext>
+    </p:extLst>
+  </p:cSld>
+  <p:clrMapOvr>
+    <a:masterClrMapping/>
+  </p:clrMapOvr>
+  <p:timing>
+    <p:tnLst>
+      <p:par>
+        <p:cTn id="1" dur="indefinite" restart="never" nodeType="tmRoot">
+          <p:childTnLst>
+            <p:seq concurrent="1" nextAc="seek">
+              <p:cTn id="2" dur="indefinite" nodeType="mainSeq">
+                <p:childTnLst>
+                  <p:par>
+                    <p:cTn id="3" fill="hold">
+                      <p:stCondLst>
+                        <p:cond delay="indefinite"/>
+                      </p:stCondLst>
+                      <p:childTnLst>
+                        <p:par>
+                          <p:cTn id="4" fill="hold">
+                            <p:stCondLst>
+                              <p:cond delay="0"/>
+                            </p:stCondLst>
+                            <p:childTnLst>
+                              <p:par>
+                                <p:cTn id="5" presetID="2" presetClass="entr" presetSubtype="4" fill="hold" grpId="0" nodeType="clickEffect">
+                                  <p:stCondLst>
+                                    <p:cond delay="0"/>
+                                  </p:stCondLst>
+                                  <p:childTnLst>
+                                    <p:set>
+                                      <p:cBhvr>
+                                        <p:cTn id="6" dur="1" fill="hold">
+                                          <p:stCondLst>
+                                            <p:cond delay="0"/>
+                                          </p:stCondLst>
+                                        </p:cTn>
+                                        <p:tgtEl>
+                                          <p:spTgt spid="4"/>
+                                        </p:tgtEl>
+                                        <p:attrNameLst>
+                                          <p:attrName>style.visibility</p:attrName>
+                                        </p:attrNameLst>
+                                      </p:cBhvr>
+                                      <p:to>
+                                        <p:strVal val="visible"/>
+                                      </p:to>
+                                    </p:set>
+                                    <p:anim calcmode="lin" valueType="num">
+                                      <p:cBhvr additive="base">
+                                        <p:cTn id="7" dur="500" fill="hold"/>
+                                        <p:tgtEl>
+                                          <p:spTgt spid="4"/>
+                                        </p:tgtEl>
+                                        <p:attrNameLst>
+                                          <p:attrName>ppt_x</p:attrName>
+                                        </p:attrNameLst>
+                                      </p:cBhvr>
+                                      <p:tavLst>
+                                        <p:tav tm="0">
+                                          <p:val>
+                                            <p:strVal val="#ppt_x"/>
+                                          </p:val>
+                                        </p:tav>
+                                        <p:tav tm="100000">
+                                          <p:val>
+                                            <p:strVal val="#ppt_x"/>
+                                          </p:val>
+                                        </p:tav>
+                                      </p:tavLst>
+                                    </p:anim>
+                                    <p:anim calcmode="lin" valueType="num">
+                                      <p:cBhvr additive="base">
+                                        <p:cTn id="8" dur="500" fill="hold"/>
+                                        <p:tgtEl>
+                                          <p:spTgt spid="4"/>
+                                        </p:tgtEl>
+                                        <p:attrNameLst>
+                                          <p:attrName>ppt_y</p:attrName>
+                                        </p:attrNameLst>
+                                      </p:cBhvr>
+                                      <p:tavLst>
+                                        <p:tav tm="0">
+                                          <p:val>
+                                            <p:strVal val="1+#ppt_h/2"/>
+                                          </p:val>
+                                        </p:tav>
+                                        <p:tav tm="100000">
+                                          <p:val>
+                                            <p:strVal val="#ppt_y"/>
+                                          </p:val>
+                                        </p:tav>
+                                      </p:tavLst>
+                                    </p:anim>
+                                  </p:childTnLst>
+                                </p:cTn>
+                              </p:par>
+                            </p:childTnLst>
+                          </p:cTn>
+                        </p:par>
+                      </p:childTnLst>
+                    </p:cTn>
+                  </p:par>
+                </p:childTnLst>
+              </p:cTn>
+              <p:prevCondLst>
+                <p:cond evt="onPrev" delay="0">
+                  <p:tgtEl>
+                    <p:sldTgt/>
+                  </p:tgtEl>
+                </p:cond>
+              </p:prevCondLst>
+              <p:nextCondLst>
+                <p:cond evt="onNext" delay="0">
+                  <p:tgtEl>
+                    <p:sldTgt/>
+                  </p:tgtEl>
+                </p:cond>
+              </p:nextCondLst>
+            </p:seq>
+          </p:childTnLst>
+        </p:cTn>
+      </p:par>
+    </p:tnLst>
+    <p:bldLst>
+      <p:bldP spid="4" grpId="0" animBg="1"/>
+    </p:bldLst>
+  </p:timing>
 </p:sld>
 </file>
 

--- a/anth2151-ancientpeoplesandplaces/TheCollapseOfTheMayaCivilization.pptx
+++ b/anth2151-ancientpeoplesandplaces/TheCollapseOfTheMayaCivilization.pptx
@@ -5,7 +5,7 @@
     <p:sldMasterId id="2147483648" r:id="rId1"/>
   </p:sldMasterIdLst>
   <p:notesMasterIdLst>
-    <p:notesMasterId r:id="rId17"/>
+    <p:notesMasterId r:id="rId20"/>
   </p:notesMasterIdLst>
   <p:sldIdLst>
     <p:sldId id="256" r:id="rId2"/>
@@ -17,12 +17,15 @@
     <p:sldId id="262" r:id="rId8"/>
     <p:sldId id="263" r:id="rId9"/>
     <p:sldId id="264" r:id="rId10"/>
-    <p:sldId id="265" r:id="rId11"/>
-    <p:sldId id="266" r:id="rId12"/>
-    <p:sldId id="268" r:id="rId13"/>
-    <p:sldId id="269" r:id="rId14"/>
-    <p:sldId id="270" r:id="rId15"/>
-    <p:sldId id="267" r:id="rId16"/>
+    <p:sldId id="267" r:id="rId11"/>
+    <p:sldId id="265" r:id="rId12"/>
+    <p:sldId id="266" r:id="rId13"/>
+    <p:sldId id="268" r:id="rId14"/>
+    <p:sldId id="269" r:id="rId15"/>
+    <p:sldId id="270" r:id="rId16"/>
+    <p:sldId id="271" r:id="rId17"/>
+    <p:sldId id="272" r:id="rId18"/>
+    <p:sldId id="273" r:id="rId19"/>
   </p:sldIdLst>
   <p:sldSz cx="12192000" cy="6858000"/>
   <p:notesSz cx="6858000" cy="9144000"/>
@@ -242,6 +245,90 @@
 </file>
 
 <file path=ppt/ink/ink13.xml><?xml version="1.0" encoding="utf-8"?>
+<inkml:ink xmlns:inkml="http://www.w3.org/2003/InkML">
+  <inkml:definitions>
+    <inkml:context xml:id="ctx0">
+      <inkml:inkSource xml:id="inkSrc0">
+        <inkml:traceFormat>
+          <inkml:channel name="X" type="integer" min="-2.14748E9" max="2.14748E9" units="cm"/>
+          <inkml:channel name="Y" type="integer" min="-2.14748E9" max="2.14748E9" units="cm"/>
+          <inkml:channel name="F" type="integer" max="32767" units="dev"/>
+        </inkml:traceFormat>
+        <inkml:channelProperties>
+          <inkml:channelProperty channel="X" name="resolution" value="1000" units="1/cm"/>
+          <inkml:channelProperty channel="Y" name="resolution" value="1000" units="1/cm"/>
+          <inkml:channelProperty channel="F" name="resolution" value="0" units="1/dev"/>
+        </inkml:channelProperties>
+      </inkml:inkSource>
+      <inkml:timestamp xml:id="ts0" timeString="2023-03-10T18:43:42.314"/>
+    </inkml:context>
+    <inkml:brush xml:id="br0">
+      <inkml:brushProperty name="width" value="0.05" units="cm"/>
+      <inkml:brushProperty name="height" value="0.05" units="cm"/>
+      <inkml:brushProperty name="color" value="#CC0066"/>
+    </inkml:brush>
+  </inkml:definitions>
+  <inkml:trace contextRef="#ctx0" brushRef="#br0">1 1 24575,'0'0'-8191</inkml:trace>
+</inkml:ink>
+</file>
+
+<file path=ppt/ink/ink14.xml><?xml version="1.0" encoding="utf-8"?>
+<inkml:ink xmlns:inkml="http://www.w3.org/2003/InkML">
+  <inkml:definitions>
+    <inkml:context xml:id="ctx0">
+      <inkml:inkSource xml:id="inkSrc0">
+        <inkml:traceFormat>
+          <inkml:channel name="X" type="integer" min="-2.14748E9" max="2.14748E9" units="cm"/>
+          <inkml:channel name="Y" type="integer" min="-2.14748E9" max="2.14748E9" units="cm"/>
+          <inkml:channel name="F" type="integer" max="32767" units="dev"/>
+        </inkml:traceFormat>
+        <inkml:channelProperties>
+          <inkml:channelProperty channel="X" name="resolution" value="1000" units="1/cm"/>
+          <inkml:channelProperty channel="Y" name="resolution" value="1000" units="1/cm"/>
+          <inkml:channelProperty channel="F" name="resolution" value="0" units="1/dev"/>
+        </inkml:channelProperties>
+      </inkml:inkSource>
+      <inkml:timestamp xml:id="ts0" timeString="2023-03-10T18:43:42.314"/>
+    </inkml:context>
+    <inkml:brush xml:id="br0">
+      <inkml:brushProperty name="width" value="0.05" units="cm"/>
+      <inkml:brushProperty name="height" value="0.05" units="cm"/>
+      <inkml:brushProperty name="color" value="#CC0066"/>
+    </inkml:brush>
+  </inkml:definitions>
+  <inkml:trace contextRef="#ctx0" brushRef="#br0">1 1 24575,'0'0'-8191</inkml:trace>
+</inkml:ink>
+</file>
+
+<file path=ppt/ink/ink15.xml><?xml version="1.0" encoding="utf-8"?>
+<inkml:ink xmlns:inkml="http://www.w3.org/2003/InkML">
+  <inkml:definitions>
+    <inkml:context xml:id="ctx0">
+      <inkml:inkSource xml:id="inkSrc0">
+        <inkml:traceFormat>
+          <inkml:channel name="X" type="integer" min="-2.14748E9" max="2.14748E9" units="cm"/>
+          <inkml:channel name="Y" type="integer" min="-2.14748E9" max="2.14748E9" units="cm"/>
+          <inkml:channel name="F" type="integer" max="32767" units="dev"/>
+        </inkml:traceFormat>
+        <inkml:channelProperties>
+          <inkml:channelProperty channel="X" name="resolution" value="1000" units="1/cm"/>
+          <inkml:channelProperty channel="Y" name="resolution" value="1000" units="1/cm"/>
+          <inkml:channelProperty channel="F" name="resolution" value="0" units="1/dev"/>
+        </inkml:channelProperties>
+      </inkml:inkSource>
+      <inkml:timestamp xml:id="ts0" timeString="2023-03-10T18:43:42.314"/>
+    </inkml:context>
+    <inkml:brush xml:id="br0">
+      <inkml:brushProperty name="width" value="0.05" units="cm"/>
+      <inkml:brushProperty name="height" value="0.05" units="cm"/>
+      <inkml:brushProperty name="color" value="#CC0066"/>
+    </inkml:brush>
+  </inkml:definitions>
+  <inkml:trace contextRef="#ctx0" brushRef="#br0">1 1 24575,'0'0'-8191</inkml:trace>
+</inkml:ink>
+</file>
+
+<file path=ppt/ink/ink16.xml><?xml version="1.0" encoding="utf-8"?>
 <inkml:ink xmlns:inkml="http://www.w3.org/2003/InkML">
   <inkml:definitions>
     <inkml:context xml:id="ctx0">
@@ -575,7 +662,7 @@
           <a:p>
             <a:fld id="{64A4FC2C-52CE-46E3-9ED6-C780E35FA722}" type="datetimeFigureOut">
               <a:rPr lang="en-CA" smtClean="0"/>
-              <a:t>2023-03-21</a:t>
+              <a:t>2023-03-24</a:t>
             </a:fld>
             <a:endParaRPr lang="en-CA"/>
           </a:p>
@@ -887,6 +974,85 @@
           <a:bodyPr/>
           <a:lstStyle/>
           <a:p>
+            <a:pPr marL="0" marR="0" lvl="0" indent="0" algn="l" defTabSz="914400" rtl="0" eaLnBrk="1" fontAlgn="auto" latinLnBrk="0" hangingPunct="1">
+              <a:lnSpc>
+                <a:spcPct val="100000"/>
+              </a:lnSpc>
+              <a:spcBef>
+                <a:spcPts val="0"/>
+              </a:spcBef>
+              <a:spcAft>
+                <a:spcPts val="0"/>
+              </a:spcAft>
+              <a:buClrTx/>
+              <a:buSzTx/>
+              <a:buFontTx/>
+              <a:buNone/>
+              <a:tabLst/>
+              <a:defRPr/>
+            </a:pPr>
+            <a:r>
+              <a:rPr lang="en-US" dirty="0"/>
+              <a:t>References:</a:t>
+            </a:r>
+          </a:p>
+          <a:p>
+            <a:pPr marL="0" marR="0" lvl="0" indent="0" algn="l" defTabSz="914400" rtl="0" eaLnBrk="1" fontAlgn="auto" latinLnBrk="0" hangingPunct="1">
+              <a:lnSpc>
+                <a:spcPct val="100000"/>
+              </a:lnSpc>
+              <a:spcBef>
+                <a:spcPts val="0"/>
+              </a:spcBef>
+              <a:spcAft>
+                <a:spcPts val="0"/>
+              </a:spcAft>
+              <a:buClrTx/>
+              <a:buSzTx/>
+              <a:buFontTx/>
+              <a:buNone/>
+              <a:tabLst/>
+              <a:defRPr/>
+            </a:pPr>
+            <a:r>
+              <a:rPr lang="en-US" dirty="0"/>
+              <a:t>	</a:t>
+            </a:r>
+          </a:p>
+          <a:p>
+            <a:pPr marL="0" marR="0" lvl="0" indent="0" algn="l" defTabSz="914400" rtl="0" eaLnBrk="1" fontAlgn="auto" latinLnBrk="0" hangingPunct="1">
+              <a:lnSpc>
+                <a:spcPct val="100000"/>
+              </a:lnSpc>
+              <a:spcBef>
+                <a:spcPts val="0"/>
+              </a:spcBef>
+              <a:spcAft>
+                <a:spcPts val="0"/>
+              </a:spcAft>
+              <a:buClrTx/>
+              <a:buSzTx/>
+              <a:buFontTx/>
+              <a:buNone/>
+              <a:tabLst/>
+              <a:defRPr/>
+            </a:pPr>
+            <a:r>
+              <a:rPr lang="en-US" dirty="0"/>
+              <a:t>	Image source: Walled city of </a:t>
+            </a:r>
+            <a:r>
+              <a:rPr lang="en-US" dirty="0" err="1"/>
+              <a:t>Mayap</a:t>
+            </a:r>
+            <a:r>
+              <a:rPr lang="en-CA" b="0" dirty="0"/>
+              <a:t>á</a:t>
+            </a:r>
+            <a:r>
+              <a:rPr lang="en-US" dirty="0"/>
+              <a:t>n, digital photograph, Yucatan, accessed March 22, 2023 &lt;https://yucatan.travel/en/archeological-area/mayapan/&gt;</a:t>
+            </a:r>
             <a:endParaRPr lang="en-CA" dirty="0"/>
           </a:p>
         </p:txBody>
@@ -918,6 +1084,1542 @@
     <p:extLst>
       <p:ext uri="{BB962C8B-B14F-4D97-AF65-F5344CB8AC3E}">
         <p14:creationId xmlns:p14="http://schemas.microsoft.com/office/powerpoint/2010/main" val="270246085"/>
+      </p:ext>
+    </p:extLst>
+  </p:cSld>
+  <p:clrMapOvr>
+    <a:masterClrMapping/>
+  </p:clrMapOvr>
+</p:notes>
+</file>
+
+<file path=ppt/notesSlides/notesSlide10.xml><?xml version="1.0" encoding="utf-8"?>
+<p:notes xmlns:a="http://schemas.openxmlformats.org/drawingml/2006/main" xmlns:r="http://schemas.openxmlformats.org/officeDocument/2006/relationships" xmlns:p="http://schemas.openxmlformats.org/presentationml/2006/main">
+  <p:cSld>
+    <p:spTree>
+      <p:nvGrpSpPr>
+        <p:cNvPr id="1" name=""/>
+        <p:cNvGrpSpPr/>
+        <p:nvPr/>
+      </p:nvGrpSpPr>
+      <p:grpSpPr>
+        <a:xfrm>
+          <a:off x="0" y="0"/>
+          <a:ext cx="0" cy="0"/>
+          <a:chOff x="0" y="0"/>
+          <a:chExt cx="0" cy="0"/>
+        </a:xfrm>
+      </p:grpSpPr>
+      <p:sp>
+        <p:nvSpPr>
+          <p:cNvPr id="2" name="Slide Image Placeholder 1"/>
+          <p:cNvSpPr>
+            <a:spLocks noGrp="1" noRot="1" noChangeAspect="1"/>
+          </p:cNvSpPr>
+          <p:nvPr>
+            <p:ph type="sldImg"/>
+          </p:nvPr>
+        </p:nvSpPr>
+        <p:spPr/>
+      </p:sp>
+      <p:sp>
+        <p:nvSpPr>
+          <p:cNvPr id="3" name="Notes Placeholder 2"/>
+          <p:cNvSpPr>
+            <a:spLocks noGrp="1"/>
+          </p:cNvSpPr>
+          <p:nvPr>
+            <p:ph type="body" idx="1"/>
+          </p:nvPr>
+        </p:nvSpPr>
+        <p:spPr/>
+        <p:txBody>
+          <a:bodyPr/>
+          <a:lstStyle/>
+          <a:p>
+            <a:pPr marL="0" marR="0" lvl="0" indent="0" algn="l" defTabSz="914400" rtl="0" eaLnBrk="1" fontAlgn="auto" latinLnBrk="0" hangingPunct="1">
+              <a:lnSpc>
+                <a:spcPct val="100000"/>
+              </a:lnSpc>
+              <a:spcBef>
+                <a:spcPts val="0"/>
+              </a:spcBef>
+              <a:spcAft>
+                <a:spcPts val="0"/>
+              </a:spcAft>
+              <a:buClrTx/>
+              <a:buSzTx/>
+              <a:buFontTx/>
+              <a:buNone/>
+              <a:tabLst/>
+              <a:defRPr/>
+            </a:pPr>
+            <a:r>
+              <a:rPr lang="en-US" dirty="0"/>
+              <a:t>References:</a:t>
+            </a:r>
+          </a:p>
+          <a:p>
+            <a:pPr marL="0" marR="0" lvl="0" indent="0" algn="l" defTabSz="914400" rtl="0" eaLnBrk="1" fontAlgn="auto" latinLnBrk="0" hangingPunct="1">
+              <a:lnSpc>
+                <a:spcPct val="100000"/>
+              </a:lnSpc>
+              <a:spcBef>
+                <a:spcPts val="0"/>
+              </a:spcBef>
+              <a:spcAft>
+                <a:spcPts val="0"/>
+              </a:spcAft>
+              <a:buClrTx/>
+              <a:buSzTx/>
+              <a:buFontTx/>
+              <a:buNone/>
+              <a:tabLst/>
+              <a:defRPr/>
+            </a:pPr>
+            <a:endParaRPr lang="en-CA" dirty="0"/>
+          </a:p>
+          <a:p>
+            <a:pPr marL="0" marR="0" lvl="0" indent="0" algn="l" defTabSz="914400" rtl="0" eaLnBrk="1" fontAlgn="auto" latinLnBrk="0" hangingPunct="1">
+              <a:lnSpc>
+                <a:spcPct val="100000"/>
+              </a:lnSpc>
+              <a:spcBef>
+                <a:spcPts val="0"/>
+              </a:spcBef>
+              <a:spcAft>
+                <a:spcPts val="0"/>
+              </a:spcAft>
+              <a:buClrTx/>
+              <a:buSzTx/>
+              <a:buFontTx/>
+              <a:buNone/>
+              <a:tabLst/>
+              <a:defRPr/>
+            </a:pPr>
+            <a:endParaRPr lang="en-CA" dirty="0"/>
+          </a:p>
+          <a:p>
+            <a:pPr marL="457200" marR="0" lvl="1" indent="0" algn="l" defTabSz="914400" rtl="0" eaLnBrk="1" fontAlgn="auto" latinLnBrk="0" hangingPunct="1">
+              <a:lnSpc>
+                <a:spcPct val="100000"/>
+              </a:lnSpc>
+              <a:spcBef>
+                <a:spcPts val="0"/>
+              </a:spcBef>
+              <a:spcAft>
+                <a:spcPts val="0"/>
+              </a:spcAft>
+              <a:buClrTx/>
+              <a:buSzTx/>
+              <a:buFontTx/>
+              <a:buNone/>
+              <a:tabLst/>
+              <a:defRPr/>
+            </a:pPr>
+            <a:r>
+              <a:rPr lang="en-CA" dirty="0"/>
+              <a:t>Maya social structure information: http://www.historyshistories.com/maya-society.html</a:t>
+            </a:r>
+          </a:p>
+          <a:p>
+            <a:pPr lvl="1"/>
+            <a:endParaRPr lang="en-US" dirty="0"/>
+          </a:p>
+          <a:p>
+            <a:pPr lvl="1"/>
+            <a:r>
+              <a:rPr lang="en-US" dirty="0"/>
+              <a:t>Jacob, G. (2023). </a:t>
+            </a:r>
+            <a:r>
+              <a:rPr lang="en-US" i="1" dirty="0"/>
+              <a:t>Annotated bibliography. </a:t>
+            </a:r>
+            <a:r>
+              <a:rPr lang="en-US" i="0" dirty="0"/>
+              <a:t>https://www.dropbox.com/s/lqleovu77hsa0zd/AnnotatedBibliography.pdf?dl=0</a:t>
+            </a:r>
+            <a:endParaRPr lang="en-CA" i="0" dirty="0"/>
+          </a:p>
+          <a:p>
+            <a:pPr lvl="1"/>
+            <a:endParaRPr lang="en-CA" dirty="0"/>
+          </a:p>
+          <a:p>
+            <a:endParaRPr lang="en-CA" dirty="0"/>
+          </a:p>
+        </p:txBody>
+      </p:sp>
+      <p:sp>
+        <p:nvSpPr>
+          <p:cNvPr id="4" name="Slide Number Placeholder 3"/>
+          <p:cNvSpPr>
+            <a:spLocks noGrp="1"/>
+          </p:cNvSpPr>
+          <p:nvPr>
+            <p:ph type="sldNum" sz="quarter" idx="5"/>
+          </p:nvPr>
+        </p:nvSpPr>
+        <p:spPr/>
+        <p:txBody>
+          <a:bodyPr/>
+          <a:lstStyle/>
+          <a:p>
+            <a:fld id="{17DECE01-BA26-4AB4-9BFD-0DED85B459F8}" type="slidenum">
+              <a:rPr lang="en-CA" smtClean="0"/>
+              <a:t>10</a:t>
+            </a:fld>
+            <a:endParaRPr lang="en-CA"/>
+          </a:p>
+        </p:txBody>
+      </p:sp>
+    </p:spTree>
+    <p:extLst>
+      <p:ext uri="{BB962C8B-B14F-4D97-AF65-F5344CB8AC3E}">
+        <p14:creationId xmlns:p14="http://schemas.microsoft.com/office/powerpoint/2010/main" val="3245924154"/>
+      </p:ext>
+    </p:extLst>
+  </p:cSld>
+  <p:clrMapOvr>
+    <a:masterClrMapping/>
+  </p:clrMapOvr>
+</p:notes>
+</file>
+
+<file path=ppt/notesSlides/notesSlide11.xml><?xml version="1.0" encoding="utf-8"?>
+<p:notes xmlns:a="http://schemas.openxmlformats.org/drawingml/2006/main" xmlns:r="http://schemas.openxmlformats.org/officeDocument/2006/relationships" xmlns:p="http://schemas.openxmlformats.org/presentationml/2006/main">
+  <p:cSld>
+    <p:spTree>
+      <p:nvGrpSpPr>
+        <p:cNvPr id="1" name=""/>
+        <p:cNvGrpSpPr/>
+        <p:nvPr/>
+      </p:nvGrpSpPr>
+      <p:grpSpPr>
+        <a:xfrm>
+          <a:off x="0" y="0"/>
+          <a:ext cx="0" cy="0"/>
+          <a:chOff x="0" y="0"/>
+          <a:chExt cx="0" cy="0"/>
+        </a:xfrm>
+      </p:grpSpPr>
+      <p:sp>
+        <p:nvSpPr>
+          <p:cNvPr id="2" name="Slide Image Placeholder 1"/>
+          <p:cNvSpPr>
+            <a:spLocks noGrp="1" noRot="1" noChangeAspect="1"/>
+          </p:cNvSpPr>
+          <p:nvPr>
+            <p:ph type="sldImg"/>
+          </p:nvPr>
+        </p:nvSpPr>
+        <p:spPr/>
+      </p:sp>
+      <p:sp>
+        <p:nvSpPr>
+          <p:cNvPr id="3" name="Notes Placeholder 2"/>
+          <p:cNvSpPr>
+            <a:spLocks noGrp="1"/>
+          </p:cNvSpPr>
+          <p:nvPr>
+            <p:ph type="body" idx="1"/>
+          </p:nvPr>
+        </p:nvSpPr>
+        <p:spPr/>
+        <p:txBody>
+          <a:bodyPr/>
+          <a:lstStyle/>
+          <a:p>
+            <a:r>
+              <a:rPr lang="en-CA" dirty="0"/>
+              <a:t>References: </a:t>
+            </a:r>
+          </a:p>
+          <a:p>
+            <a:r>
+              <a:rPr lang="en-CA" dirty="0"/>
+              <a:t>	Picture of crops: https://www.wallpaperflare.com/maine-potato-field-agriculture-crop-landscape-plant-food-and-drink-wallpaper-wbzzc</a:t>
+            </a:r>
+          </a:p>
+          <a:p>
+            <a:endParaRPr lang="en-CA" dirty="0"/>
+          </a:p>
+          <a:p>
+            <a:r>
+              <a:rPr lang="en-CA"/>
+              <a:t>Maya </a:t>
+            </a:r>
+            <a:r>
+              <a:rPr lang="en-CA" dirty="0"/>
+              <a:t>social structure picture: http://www.historyshistories.com/the-maya.html</a:t>
+            </a:r>
+          </a:p>
+          <a:p>
+            <a:endParaRPr lang="en-CA" dirty="0"/>
+          </a:p>
+          <a:p>
+            <a:endParaRPr lang="en-CA" dirty="0"/>
+          </a:p>
+          <a:p>
+            <a:endParaRPr lang="en-CA" dirty="0"/>
+          </a:p>
+          <a:p>
+            <a:endParaRPr lang="en-CA" dirty="0"/>
+          </a:p>
+          <a:p>
+            <a:endParaRPr lang="en-CA" dirty="0"/>
+          </a:p>
+        </p:txBody>
+      </p:sp>
+      <p:sp>
+        <p:nvSpPr>
+          <p:cNvPr id="4" name="Slide Number Placeholder 3"/>
+          <p:cNvSpPr>
+            <a:spLocks noGrp="1"/>
+          </p:cNvSpPr>
+          <p:nvPr>
+            <p:ph type="sldNum" sz="quarter" idx="5"/>
+          </p:nvPr>
+        </p:nvSpPr>
+        <p:spPr/>
+        <p:txBody>
+          <a:bodyPr/>
+          <a:lstStyle/>
+          <a:p>
+            <a:fld id="{17DECE01-BA26-4AB4-9BFD-0DED85B459F8}" type="slidenum">
+              <a:rPr lang="en-CA" smtClean="0"/>
+              <a:t>11</a:t>
+            </a:fld>
+            <a:endParaRPr lang="en-CA"/>
+          </a:p>
+        </p:txBody>
+      </p:sp>
+    </p:spTree>
+    <p:extLst>
+      <p:ext uri="{BB962C8B-B14F-4D97-AF65-F5344CB8AC3E}">
+        <p14:creationId xmlns:p14="http://schemas.microsoft.com/office/powerpoint/2010/main" val="212872341"/>
+      </p:ext>
+    </p:extLst>
+  </p:cSld>
+  <p:clrMapOvr>
+    <a:masterClrMapping/>
+  </p:clrMapOvr>
+</p:notes>
+</file>
+
+<file path=ppt/notesSlides/notesSlide12.xml><?xml version="1.0" encoding="utf-8"?>
+<p:notes xmlns:a="http://schemas.openxmlformats.org/drawingml/2006/main" xmlns:r="http://schemas.openxmlformats.org/officeDocument/2006/relationships" xmlns:p="http://schemas.openxmlformats.org/presentationml/2006/main">
+  <p:cSld>
+    <p:spTree>
+      <p:nvGrpSpPr>
+        <p:cNvPr id="1" name=""/>
+        <p:cNvGrpSpPr/>
+        <p:nvPr/>
+      </p:nvGrpSpPr>
+      <p:grpSpPr>
+        <a:xfrm>
+          <a:off x="0" y="0"/>
+          <a:ext cx="0" cy="0"/>
+          <a:chOff x="0" y="0"/>
+          <a:chExt cx="0" cy="0"/>
+        </a:xfrm>
+      </p:grpSpPr>
+      <p:sp>
+        <p:nvSpPr>
+          <p:cNvPr id="2" name="Slide Image Placeholder 1"/>
+          <p:cNvSpPr>
+            <a:spLocks noGrp="1" noRot="1" noChangeAspect="1"/>
+          </p:cNvSpPr>
+          <p:nvPr>
+            <p:ph type="sldImg"/>
+          </p:nvPr>
+        </p:nvSpPr>
+        <p:spPr/>
+      </p:sp>
+      <p:sp>
+        <p:nvSpPr>
+          <p:cNvPr id="3" name="Notes Placeholder 2"/>
+          <p:cNvSpPr>
+            <a:spLocks noGrp="1"/>
+          </p:cNvSpPr>
+          <p:nvPr>
+            <p:ph type="body" idx="1"/>
+          </p:nvPr>
+        </p:nvSpPr>
+        <p:spPr/>
+        <p:txBody>
+          <a:bodyPr/>
+          <a:lstStyle/>
+          <a:p>
+            <a:pPr marL="0" marR="0" lvl="0" indent="0" algn="l" defTabSz="914400" rtl="0" eaLnBrk="1" fontAlgn="auto" latinLnBrk="0" hangingPunct="1">
+              <a:lnSpc>
+                <a:spcPct val="100000"/>
+              </a:lnSpc>
+              <a:spcBef>
+                <a:spcPts val="0"/>
+              </a:spcBef>
+              <a:spcAft>
+                <a:spcPts val="0"/>
+              </a:spcAft>
+              <a:buClrTx/>
+              <a:buSzTx/>
+              <a:buFontTx/>
+              <a:buNone/>
+              <a:tabLst/>
+              <a:defRPr/>
+            </a:pPr>
+            <a:r>
+              <a:rPr lang="en-CA" dirty="0"/>
+              <a:t>References:</a:t>
+            </a:r>
+          </a:p>
+          <a:p>
+            <a:pPr marL="0" marR="0" lvl="0" indent="0" algn="l" defTabSz="914400" rtl="0" eaLnBrk="1" fontAlgn="auto" latinLnBrk="0" hangingPunct="1">
+              <a:lnSpc>
+                <a:spcPct val="100000"/>
+              </a:lnSpc>
+              <a:spcBef>
+                <a:spcPts val="0"/>
+              </a:spcBef>
+              <a:spcAft>
+                <a:spcPts val="0"/>
+              </a:spcAft>
+              <a:buClrTx/>
+              <a:buSzTx/>
+              <a:buFontTx/>
+              <a:buNone/>
+              <a:tabLst/>
+              <a:defRPr/>
+            </a:pPr>
+            <a:endParaRPr lang="en-CA" dirty="0"/>
+          </a:p>
+          <a:p>
+            <a:pPr marL="457200" marR="0" lvl="1" indent="0" algn="l" defTabSz="914400" rtl="0" eaLnBrk="1" fontAlgn="auto" latinLnBrk="0" hangingPunct="1">
+              <a:lnSpc>
+                <a:spcPct val="100000"/>
+              </a:lnSpc>
+              <a:spcBef>
+                <a:spcPts val="0"/>
+              </a:spcBef>
+              <a:spcAft>
+                <a:spcPts val="0"/>
+              </a:spcAft>
+              <a:buClrTx/>
+              <a:buSzTx/>
+              <a:buFontTx/>
+              <a:buNone/>
+              <a:tabLst/>
+              <a:defRPr/>
+            </a:pPr>
+            <a:r>
+              <a:rPr lang="en-CA" dirty="0"/>
+              <a:t>Maya social structure picture: http://www.historyshistories.com/the-maya.html</a:t>
+            </a:r>
+          </a:p>
+          <a:p>
+            <a:pPr marL="457200" marR="0" lvl="1" indent="0" algn="l" defTabSz="914400" rtl="0" eaLnBrk="1" fontAlgn="auto" latinLnBrk="0" hangingPunct="1">
+              <a:lnSpc>
+                <a:spcPct val="100000"/>
+              </a:lnSpc>
+              <a:spcBef>
+                <a:spcPts val="0"/>
+              </a:spcBef>
+              <a:spcAft>
+                <a:spcPts val="0"/>
+              </a:spcAft>
+              <a:buClrTx/>
+              <a:buSzTx/>
+              <a:buFontTx/>
+              <a:buNone/>
+              <a:tabLst/>
+              <a:defRPr/>
+            </a:pPr>
+            <a:endParaRPr lang="en-CA" dirty="0"/>
+          </a:p>
+          <a:p>
+            <a:pPr marL="457200" marR="0" lvl="1" indent="0" algn="l" defTabSz="914400" rtl="0" eaLnBrk="1" fontAlgn="auto" latinLnBrk="0" hangingPunct="1">
+              <a:lnSpc>
+                <a:spcPct val="100000"/>
+              </a:lnSpc>
+              <a:spcBef>
+                <a:spcPts val="0"/>
+              </a:spcBef>
+              <a:spcAft>
+                <a:spcPts val="0"/>
+              </a:spcAft>
+              <a:buClrTx/>
+              <a:buSzTx/>
+              <a:buFontTx/>
+              <a:buNone/>
+              <a:tabLst/>
+              <a:defRPr/>
+            </a:pPr>
+            <a:r>
+              <a:rPr lang="en-CA" dirty="0"/>
+              <a:t>Maya social structure information: http://www.historyshistories.com/maya-society.html</a:t>
+            </a:r>
+          </a:p>
+          <a:p>
+            <a:endParaRPr lang="en-CA" dirty="0"/>
+          </a:p>
+          <a:p>
+            <a:endParaRPr lang="en-CA" dirty="0"/>
+          </a:p>
+          <a:p>
+            <a:endParaRPr lang="en-CA" dirty="0"/>
+          </a:p>
+        </p:txBody>
+      </p:sp>
+      <p:sp>
+        <p:nvSpPr>
+          <p:cNvPr id="4" name="Slide Number Placeholder 3"/>
+          <p:cNvSpPr>
+            <a:spLocks noGrp="1"/>
+          </p:cNvSpPr>
+          <p:nvPr>
+            <p:ph type="sldNum" sz="quarter" idx="5"/>
+          </p:nvPr>
+        </p:nvSpPr>
+        <p:spPr/>
+        <p:txBody>
+          <a:bodyPr/>
+          <a:lstStyle/>
+          <a:p>
+            <a:fld id="{17DECE01-BA26-4AB4-9BFD-0DED85B459F8}" type="slidenum">
+              <a:rPr lang="en-CA" smtClean="0"/>
+              <a:t>12</a:t>
+            </a:fld>
+            <a:endParaRPr lang="en-CA"/>
+          </a:p>
+        </p:txBody>
+      </p:sp>
+    </p:spTree>
+    <p:extLst>
+      <p:ext uri="{BB962C8B-B14F-4D97-AF65-F5344CB8AC3E}">
+        <p14:creationId xmlns:p14="http://schemas.microsoft.com/office/powerpoint/2010/main" val="3192722476"/>
+      </p:ext>
+    </p:extLst>
+  </p:cSld>
+  <p:clrMapOvr>
+    <a:masterClrMapping/>
+  </p:clrMapOvr>
+</p:notes>
+</file>
+
+<file path=ppt/notesSlides/notesSlide13.xml><?xml version="1.0" encoding="utf-8"?>
+<p:notes xmlns:a="http://schemas.openxmlformats.org/drawingml/2006/main" xmlns:r="http://schemas.openxmlformats.org/officeDocument/2006/relationships" xmlns:p="http://schemas.openxmlformats.org/presentationml/2006/main">
+  <p:cSld>
+    <p:spTree>
+      <p:nvGrpSpPr>
+        <p:cNvPr id="1" name=""/>
+        <p:cNvGrpSpPr/>
+        <p:nvPr/>
+      </p:nvGrpSpPr>
+      <p:grpSpPr>
+        <a:xfrm>
+          <a:off x="0" y="0"/>
+          <a:ext cx="0" cy="0"/>
+          <a:chOff x="0" y="0"/>
+          <a:chExt cx="0" cy="0"/>
+        </a:xfrm>
+      </p:grpSpPr>
+      <p:sp>
+        <p:nvSpPr>
+          <p:cNvPr id="2" name="Slide Image Placeholder 1"/>
+          <p:cNvSpPr>
+            <a:spLocks noGrp="1" noRot="1" noChangeAspect="1"/>
+          </p:cNvSpPr>
+          <p:nvPr>
+            <p:ph type="sldImg"/>
+          </p:nvPr>
+        </p:nvSpPr>
+        <p:spPr/>
+      </p:sp>
+      <p:sp>
+        <p:nvSpPr>
+          <p:cNvPr id="3" name="Notes Placeholder 2"/>
+          <p:cNvSpPr>
+            <a:spLocks noGrp="1"/>
+          </p:cNvSpPr>
+          <p:nvPr>
+            <p:ph type="body" idx="1"/>
+          </p:nvPr>
+        </p:nvSpPr>
+        <p:spPr/>
+        <p:txBody>
+          <a:bodyPr/>
+          <a:lstStyle/>
+          <a:p>
+            <a:pPr marL="0" marR="0" lvl="0" indent="0" algn="l" defTabSz="914400" rtl="0" eaLnBrk="1" fontAlgn="auto" latinLnBrk="0" hangingPunct="1">
+              <a:lnSpc>
+                <a:spcPct val="100000"/>
+              </a:lnSpc>
+              <a:spcBef>
+                <a:spcPts val="0"/>
+              </a:spcBef>
+              <a:spcAft>
+                <a:spcPts val="0"/>
+              </a:spcAft>
+              <a:buClrTx/>
+              <a:buSzTx/>
+              <a:buFontTx/>
+              <a:buNone/>
+              <a:tabLst/>
+              <a:defRPr/>
+            </a:pPr>
+            <a:r>
+              <a:rPr lang="en-CA" dirty="0"/>
+              <a:t>References:</a:t>
+            </a:r>
+          </a:p>
+          <a:p>
+            <a:pPr marL="0" marR="0" lvl="0" indent="0" algn="l" defTabSz="914400" rtl="0" eaLnBrk="1" fontAlgn="auto" latinLnBrk="0" hangingPunct="1">
+              <a:lnSpc>
+                <a:spcPct val="100000"/>
+              </a:lnSpc>
+              <a:spcBef>
+                <a:spcPts val="0"/>
+              </a:spcBef>
+              <a:spcAft>
+                <a:spcPts val="0"/>
+              </a:spcAft>
+              <a:buClrTx/>
+              <a:buSzTx/>
+              <a:buFontTx/>
+              <a:buNone/>
+              <a:tabLst/>
+              <a:defRPr/>
+            </a:pPr>
+            <a:endParaRPr lang="en-CA" dirty="0"/>
+          </a:p>
+          <a:p>
+            <a:pPr marL="457200" marR="0" lvl="1" indent="0" algn="l" defTabSz="914400" rtl="0" eaLnBrk="1" fontAlgn="auto" latinLnBrk="0" hangingPunct="1">
+              <a:lnSpc>
+                <a:spcPct val="100000"/>
+              </a:lnSpc>
+              <a:spcBef>
+                <a:spcPts val="0"/>
+              </a:spcBef>
+              <a:spcAft>
+                <a:spcPts val="0"/>
+              </a:spcAft>
+              <a:buClrTx/>
+              <a:buSzTx/>
+              <a:buFontTx/>
+              <a:buNone/>
+              <a:tabLst/>
+              <a:defRPr/>
+            </a:pPr>
+            <a:r>
+              <a:rPr lang="en-CA" dirty="0"/>
+              <a:t>Maya social structure picture: http://www.historyshistories.com/the-maya.html</a:t>
+            </a:r>
+          </a:p>
+          <a:p>
+            <a:pPr marL="457200" marR="0" lvl="1" indent="0" algn="l" defTabSz="914400" rtl="0" eaLnBrk="1" fontAlgn="auto" latinLnBrk="0" hangingPunct="1">
+              <a:lnSpc>
+                <a:spcPct val="100000"/>
+              </a:lnSpc>
+              <a:spcBef>
+                <a:spcPts val="0"/>
+              </a:spcBef>
+              <a:spcAft>
+                <a:spcPts val="0"/>
+              </a:spcAft>
+              <a:buClrTx/>
+              <a:buSzTx/>
+              <a:buFontTx/>
+              <a:buNone/>
+              <a:tabLst/>
+              <a:defRPr/>
+            </a:pPr>
+            <a:endParaRPr lang="en-CA" dirty="0"/>
+          </a:p>
+          <a:p>
+            <a:pPr marL="457200" marR="0" lvl="1" indent="0" algn="l" defTabSz="914400" rtl="0" eaLnBrk="1" fontAlgn="auto" latinLnBrk="0" hangingPunct="1">
+              <a:lnSpc>
+                <a:spcPct val="100000"/>
+              </a:lnSpc>
+              <a:spcBef>
+                <a:spcPts val="0"/>
+              </a:spcBef>
+              <a:spcAft>
+                <a:spcPts val="0"/>
+              </a:spcAft>
+              <a:buClrTx/>
+              <a:buSzTx/>
+              <a:buFontTx/>
+              <a:buNone/>
+              <a:tabLst/>
+              <a:defRPr/>
+            </a:pPr>
+            <a:r>
+              <a:rPr lang="en-CA" dirty="0"/>
+              <a:t>Maya social structure information: http://www.historyshistories.com/maya-society.html</a:t>
+            </a:r>
+          </a:p>
+          <a:p>
+            <a:pPr lvl="1"/>
+            <a:endParaRPr lang="en-CA" dirty="0"/>
+          </a:p>
+          <a:p>
+            <a:pPr lvl="1"/>
+            <a:endParaRPr lang="en-CA" dirty="0"/>
+          </a:p>
+          <a:p>
+            <a:endParaRPr lang="en-CA" dirty="0"/>
+          </a:p>
+        </p:txBody>
+      </p:sp>
+      <p:sp>
+        <p:nvSpPr>
+          <p:cNvPr id="4" name="Slide Number Placeholder 3"/>
+          <p:cNvSpPr>
+            <a:spLocks noGrp="1"/>
+          </p:cNvSpPr>
+          <p:nvPr>
+            <p:ph type="sldNum" sz="quarter" idx="5"/>
+          </p:nvPr>
+        </p:nvSpPr>
+        <p:spPr/>
+        <p:txBody>
+          <a:bodyPr/>
+          <a:lstStyle/>
+          <a:p>
+            <a:fld id="{17DECE01-BA26-4AB4-9BFD-0DED85B459F8}" type="slidenum">
+              <a:rPr lang="en-CA" smtClean="0"/>
+              <a:t>13</a:t>
+            </a:fld>
+            <a:endParaRPr lang="en-CA"/>
+          </a:p>
+        </p:txBody>
+      </p:sp>
+    </p:spTree>
+    <p:extLst>
+      <p:ext uri="{BB962C8B-B14F-4D97-AF65-F5344CB8AC3E}">
+        <p14:creationId xmlns:p14="http://schemas.microsoft.com/office/powerpoint/2010/main" val="1310936481"/>
+      </p:ext>
+    </p:extLst>
+  </p:cSld>
+  <p:clrMapOvr>
+    <a:masterClrMapping/>
+  </p:clrMapOvr>
+</p:notes>
+</file>
+
+<file path=ppt/notesSlides/notesSlide14.xml><?xml version="1.0" encoding="utf-8"?>
+<p:notes xmlns:a="http://schemas.openxmlformats.org/drawingml/2006/main" xmlns:r="http://schemas.openxmlformats.org/officeDocument/2006/relationships" xmlns:p="http://schemas.openxmlformats.org/presentationml/2006/main">
+  <p:cSld>
+    <p:spTree>
+      <p:nvGrpSpPr>
+        <p:cNvPr id="1" name=""/>
+        <p:cNvGrpSpPr/>
+        <p:nvPr/>
+      </p:nvGrpSpPr>
+      <p:grpSpPr>
+        <a:xfrm>
+          <a:off x="0" y="0"/>
+          <a:ext cx="0" cy="0"/>
+          <a:chOff x="0" y="0"/>
+          <a:chExt cx="0" cy="0"/>
+        </a:xfrm>
+      </p:grpSpPr>
+      <p:sp>
+        <p:nvSpPr>
+          <p:cNvPr id="2" name="Slide Image Placeholder 1"/>
+          <p:cNvSpPr>
+            <a:spLocks noGrp="1" noRot="1" noChangeAspect="1"/>
+          </p:cNvSpPr>
+          <p:nvPr>
+            <p:ph type="sldImg"/>
+          </p:nvPr>
+        </p:nvSpPr>
+        <p:spPr/>
+      </p:sp>
+      <p:sp>
+        <p:nvSpPr>
+          <p:cNvPr id="3" name="Notes Placeholder 2"/>
+          <p:cNvSpPr>
+            <a:spLocks noGrp="1"/>
+          </p:cNvSpPr>
+          <p:nvPr>
+            <p:ph type="body" idx="1"/>
+          </p:nvPr>
+        </p:nvSpPr>
+        <p:spPr/>
+        <p:txBody>
+          <a:bodyPr/>
+          <a:lstStyle/>
+          <a:p>
+            <a:pPr marL="0" marR="0" lvl="0" indent="0" algn="l" defTabSz="914400" rtl="0" eaLnBrk="1" fontAlgn="auto" latinLnBrk="0" hangingPunct="1">
+              <a:lnSpc>
+                <a:spcPct val="100000"/>
+              </a:lnSpc>
+              <a:spcBef>
+                <a:spcPts val="0"/>
+              </a:spcBef>
+              <a:spcAft>
+                <a:spcPts val="0"/>
+              </a:spcAft>
+              <a:buClrTx/>
+              <a:buSzTx/>
+              <a:buFontTx/>
+              <a:buNone/>
+              <a:tabLst/>
+              <a:defRPr/>
+            </a:pPr>
+            <a:r>
+              <a:rPr lang="en-CA" dirty="0"/>
+              <a:t>References:</a:t>
+            </a:r>
+          </a:p>
+          <a:p>
+            <a:pPr marL="0" marR="0" lvl="0" indent="0" algn="l" defTabSz="914400" rtl="0" eaLnBrk="1" fontAlgn="auto" latinLnBrk="0" hangingPunct="1">
+              <a:lnSpc>
+                <a:spcPct val="100000"/>
+              </a:lnSpc>
+              <a:spcBef>
+                <a:spcPts val="0"/>
+              </a:spcBef>
+              <a:spcAft>
+                <a:spcPts val="0"/>
+              </a:spcAft>
+              <a:buClrTx/>
+              <a:buSzTx/>
+              <a:buFontTx/>
+              <a:buNone/>
+              <a:tabLst/>
+              <a:defRPr/>
+            </a:pPr>
+            <a:endParaRPr lang="en-CA" dirty="0"/>
+          </a:p>
+          <a:p>
+            <a:pPr marL="457200" marR="0" lvl="1" indent="0" algn="l" defTabSz="914400" rtl="0" eaLnBrk="1" fontAlgn="auto" latinLnBrk="0" hangingPunct="1">
+              <a:lnSpc>
+                <a:spcPct val="100000"/>
+              </a:lnSpc>
+              <a:spcBef>
+                <a:spcPts val="0"/>
+              </a:spcBef>
+              <a:spcAft>
+                <a:spcPts val="0"/>
+              </a:spcAft>
+              <a:buClrTx/>
+              <a:buSzTx/>
+              <a:buFontTx/>
+              <a:buNone/>
+              <a:tabLst/>
+              <a:defRPr/>
+            </a:pPr>
+            <a:r>
+              <a:rPr lang="en-CA" dirty="0"/>
+              <a:t>Maya social structure picture: http://www.historyshistories.com/the-maya.html</a:t>
+            </a:r>
+          </a:p>
+          <a:p>
+            <a:pPr marL="457200" marR="0" lvl="1" indent="0" algn="l" defTabSz="914400" rtl="0" eaLnBrk="1" fontAlgn="auto" latinLnBrk="0" hangingPunct="1">
+              <a:lnSpc>
+                <a:spcPct val="100000"/>
+              </a:lnSpc>
+              <a:spcBef>
+                <a:spcPts val="0"/>
+              </a:spcBef>
+              <a:spcAft>
+                <a:spcPts val="0"/>
+              </a:spcAft>
+              <a:buClrTx/>
+              <a:buSzTx/>
+              <a:buFontTx/>
+              <a:buNone/>
+              <a:tabLst/>
+              <a:defRPr/>
+            </a:pPr>
+            <a:endParaRPr lang="en-CA" dirty="0"/>
+          </a:p>
+          <a:p>
+            <a:pPr marL="457200" marR="0" lvl="1" indent="0" algn="l" defTabSz="914400" rtl="0" eaLnBrk="1" fontAlgn="auto" latinLnBrk="0" hangingPunct="1">
+              <a:lnSpc>
+                <a:spcPct val="100000"/>
+              </a:lnSpc>
+              <a:spcBef>
+                <a:spcPts val="0"/>
+              </a:spcBef>
+              <a:spcAft>
+                <a:spcPts val="0"/>
+              </a:spcAft>
+              <a:buClrTx/>
+              <a:buSzTx/>
+              <a:buFontTx/>
+              <a:buNone/>
+              <a:tabLst/>
+              <a:defRPr/>
+            </a:pPr>
+            <a:r>
+              <a:rPr lang="en-CA" dirty="0"/>
+              <a:t>Maya social structure information: http://www.historyshistories.com/maya-society.html</a:t>
+            </a:r>
+          </a:p>
+          <a:p>
+            <a:pPr lvl="1"/>
+            <a:endParaRPr lang="en-CA" dirty="0"/>
+          </a:p>
+          <a:p>
+            <a:pPr lvl="1"/>
+            <a:endParaRPr lang="en-CA" dirty="0"/>
+          </a:p>
+          <a:p>
+            <a:endParaRPr lang="en-CA" dirty="0"/>
+          </a:p>
+        </p:txBody>
+      </p:sp>
+      <p:sp>
+        <p:nvSpPr>
+          <p:cNvPr id="4" name="Slide Number Placeholder 3"/>
+          <p:cNvSpPr>
+            <a:spLocks noGrp="1"/>
+          </p:cNvSpPr>
+          <p:nvPr>
+            <p:ph type="sldNum" sz="quarter" idx="5"/>
+          </p:nvPr>
+        </p:nvSpPr>
+        <p:spPr/>
+        <p:txBody>
+          <a:bodyPr/>
+          <a:lstStyle/>
+          <a:p>
+            <a:fld id="{17DECE01-BA26-4AB4-9BFD-0DED85B459F8}" type="slidenum">
+              <a:rPr lang="en-CA" smtClean="0"/>
+              <a:t>14</a:t>
+            </a:fld>
+            <a:endParaRPr lang="en-CA"/>
+          </a:p>
+        </p:txBody>
+      </p:sp>
+    </p:spTree>
+    <p:extLst>
+      <p:ext uri="{BB962C8B-B14F-4D97-AF65-F5344CB8AC3E}">
+        <p14:creationId xmlns:p14="http://schemas.microsoft.com/office/powerpoint/2010/main" val="505551078"/>
+      </p:ext>
+    </p:extLst>
+  </p:cSld>
+  <p:clrMapOvr>
+    <a:masterClrMapping/>
+  </p:clrMapOvr>
+</p:notes>
+</file>
+
+<file path=ppt/notesSlides/notesSlide15.xml><?xml version="1.0" encoding="utf-8"?>
+<p:notes xmlns:a="http://schemas.openxmlformats.org/drawingml/2006/main" xmlns:r="http://schemas.openxmlformats.org/officeDocument/2006/relationships" xmlns:p="http://schemas.openxmlformats.org/presentationml/2006/main">
+  <p:cSld>
+    <p:spTree>
+      <p:nvGrpSpPr>
+        <p:cNvPr id="1" name=""/>
+        <p:cNvGrpSpPr/>
+        <p:nvPr/>
+      </p:nvGrpSpPr>
+      <p:grpSpPr>
+        <a:xfrm>
+          <a:off x="0" y="0"/>
+          <a:ext cx="0" cy="0"/>
+          <a:chOff x="0" y="0"/>
+          <a:chExt cx="0" cy="0"/>
+        </a:xfrm>
+      </p:grpSpPr>
+      <p:sp>
+        <p:nvSpPr>
+          <p:cNvPr id="2" name="Slide Image Placeholder 1"/>
+          <p:cNvSpPr>
+            <a:spLocks noGrp="1" noRot="1" noChangeAspect="1"/>
+          </p:cNvSpPr>
+          <p:nvPr>
+            <p:ph type="sldImg"/>
+          </p:nvPr>
+        </p:nvSpPr>
+        <p:spPr/>
+      </p:sp>
+      <p:sp>
+        <p:nvSpPr>
+          <p:cNvPr id="3" name="Notes Placeholder 2"/>
+          <p:cNvSpPr>
+            <a:spLocks noGrp="1"/>
+          </p:cNvSpPr>
+          <p:nvPr>
+            <p:ph type="body" idx="1"/>
+          </p:nvPr>
+        </p:nvSpPr>
+        <p:spPr/>
+        <p:txBody>
+          <a:bodyPr/>
+          <a:lstStyle/>
+          <a:p>
+            <a:pPr marL="0" marR="0" lvl="0" indent="0" algn="l" defTabSz="914400" rtl="0" eaLnBrk="1" fontAlgn="auto" latinLnBrk="0" hangingPunct="1">
+              <a:lnSpc>
+                <a:spcPct val="100000"/>
+              </a:lnSpc>
+              <a:spcBef>
+                <a:spcPts val="0"/>
+              </a:spcBef>
+              <a:spcAft>
+                <a:spcPts val="0"/>
+              </a:spcAft>
+              <a:buClrTx/>
+              <a:buSzTx/>
+              <a:buFontTx/>
+              <a:buNone/>
+              <a:tabLst/>
+              <a:defRPr/>
+            </a:pPr>
+            <a:r>
+              <a:rPr lang="en-CA" dirty="0"/>
+              <a:t>References:</a:t>
+            </a:r>
+          </a:p>
+          <a:p>
+            <a:pPr marL="0" marR="0" lvl="0" indent="0" algn="l" defTabSz="914400" rtl="0" eaLnBrk="1" fontAlgn="auto" latinLnBrk="0" hangingPunct="1">
+              <a:lnSpc>
+                <a:spcPct val="100000"/>
+              </a:lnSpc>
+              <a:spcBef>
+                <a:spcPts val="0"/>
+              </a:spcBef>
+              <a:spcAft>
+                <a:spcPts val="0"/>
+              </a:spcAft>
+              <a:buClrTx/>
+              <a:buSzTx/>
+              <a:buFontTx/>
+              <a:buNone/>
+              <a:tabLst/>
+              <a:defRPr/>
+            </a:pPr>
+            <a:endParaRPr lang="en-CA" dirty="0"/>
+          </a:p>
+          <a:p>
+            <a:pPr marL="457200" marR="0" lvl="1" indent="0" algn="l" defTabSz="914400" rtl="0" eaLnBrk="1" fontAlgn="auto" latinLnBrk="0" hangingPunct="1">
+              <a:lnSpc>
+                <a:spcPct val="100000"/>
+              </a:lnSpc>
+              <a:spcBef>
+                <a:spcPts val="0"/>
+              </a:spcBef>
+              <a:spcAft>
+                <a:spcPts val="0"/>
+              </a:spcAft>
+              <a:buClrTx/>
+              <a:buSzTx/>
+              <a:buFontTx/>
+              <a:buNone/>
+              <a:tabLst/>
+              <a:defRPr/>
+            </a:pPr>
+            <a:r>
+              <a:rPr lang="en-CA" dirty="0"/>
+              <a:t>Maya social structure picture: http://www.historyshistories.com/the-maya.html</a:t>
+            </a:r>
+          </a:p>
+          <a:p>
+            <a:pPr marL="457200" marR="0" lvl="1" indent="0" algn="l" defTabSz="914400" rtl="0" eaLnBrk="1" fontAlgn="auto" latinLnBrk="0" hangingPunct="1">
+              <a:lnSpc>
+                <a:spcPct val="100000"/>
+              </a:lnSpc>
+              <a:spcBef>
+                <a:spcPts val="0"/>
+              </a:spcBef>
+              <a:spcAft>
+                <a:spcPts val="0"/>
+              </a:spcAft>
+              <a:buClrTx/>
+              <a:buSzTx/>
+              <a:buFontTx/>
+              <a:buNone/>
+              <a:tabLst/>
+              <a:defRPr/>
+            </a:pPr>
+            <a:endParaRPr lang="en-CA" dirty="0"/>
+          </a:p>
+          <a:p>
+            <a:pPr marL="457200" marR="0" lvl="1" indent="0" algn="l" defTabSz="914400" rtl="0" eaLnBrk="1" fontAlgn="auto" latinLnBrk="0" hangingPunct="1">
+              <a:lnSpc>
+                <a:spcPct val="100000"/>
+              </a:lnSpc>
+              <a:spcBef>
+                <a:spcPts val="0"/>
+              </a:spcBef>
+              <a:spcAft>
+                <a:spcPts val="0"/>
+              </a:spcAft>
+              <a:buClrTx/>
+              <a:buSzTx/>
+              <a:buFontTx/>
+              <a:buNone/>
+              <a:tabLst/>
+              <a:defRPr/>
+            </a:pPr>
+            <a:r>
+              <a:rPr lang="en-CA" dirty="0"/>
+              <a:t>Maya social structure information: http://www.historyshistories.com/maya-society.html</a:t>
+            </a:r>
+          </a:p>
+          <a:p>
+            <a:endParaRPr lang="en-CA" dirty="0"/>
+          </a:p>
+          <a:p>
+            <a:endParaRPr lang="en-CA" dirty="0"/>
+          </a:p>
+          <a:p>
+            <a:endParaRPr lang="en-CA" dirty="0"/>
+          </a:p>
+        </p:txBody>
+      </p:sp>
+      <p:sp>
+        <p:nvSpPr>
+          <p:cNvPr id="4" name="Slide Number Placeholder 3"/>
+          <p:cNvSpPr>
+            <a:spLocks noGrp="1"/>
+          </p:cNvSpPr>
+          <p:nvPr>
+            <p:ph type="sldNum" sz="quarter" idx="5"/>
+          </p:nvPr>
+        </p:nvSpPr>
+        <p:spPr/>
+        <p:txBody>
+          <a:bodyPr/>
+          <a:lstStyle/>
+          <a:p>
+            <a:fld id="{17DECE01-BA26-4AB4-9BFD-0DED85B459F8}" type="slidenum">
+              <a:rPr lang="en-CA" smtClean="0"/>
+              <a:t>15</a:t>
+            </a:fld>
+            <a:endParaRPr lang="en-CA"/>
+          </a:p>
+        </p:txBody>
+      </p:sp>
+    </p:spTree>
+    <p:extLst>
+      <p:ext uri="{BB962C8B-B14F-4D97-AF65-F5344CB8AC3E}">
+        <p14:creationId xmlns:p14="http://schemas.microsoft.com/office/powerpoint/2010/main" val="2533443384"/>
+      </p:ext>
+    </p:extLst>
+  </p:cSld>
+  <p:clrMapOvr>
+    <a:masterClrMapping/>
+  </p:clrMapOvr>
+</p:notes>
+</file>
+
+<file path=ppt/notesSlides/notesSlide16.xml><?xml version="1.0" encoding="utf-8"?>
+<p:notes xmlns:a="http://schemas.openxmlformats.org/drawingml/2006/main" xmlns:r="http://schemas.openxmlformats.org/officeDocument/2006/relationships" xmlns:p="http://schemas.openxmlformats.org/presentationml/2006/main">
+  <p:cSld>
+    <p:spTree>
+      <p:nvGrpSpPr>
+        <p:cNvPr id="1" name=""/>
+        <p:cNvGrpSpPr/>
+        <p:nvPr/>
+      </p:nvGrpSpPr>
+      <p:grpSpPr>
+        <a:xfrm>
+          <a:off x="0" y="0"/>
+          <a:ext cx="0" cy="0"/>
+          <a:chOff x="0" y="0"/>
+          <a:chExt cx="0" cy="0"/>
+        </a:xfrm>
+      </p:grpSpPr>
+      <p:sp>
+        <p:nvSpPr>
+          <p:cNvPr id="2" name="Slide Image Placeholder 1"/>
+          <p:cNvSpPr>
+            <a:spLocks noGrp="1" noRot="1" noChangeAspect="1"/>
+          </p:cNvSpPr>
+          <p:nvPr>
+            <p:ph type="sldImg"/>
+          </p:nvPr>
+        </p:nvSpPr>
+        <p:spPr/>
+      </p:sp>
+      <p:sp>
+        <p:nvSpPr>
+          <p:cNvPr id="3" name="Notes Placeholder 2"/>
+          <p:cNvSpPr>
+            <a:spLocks noGrp="1"/>
+          </p:cNvSpPr>
+          <p:nvPr>
+            <p:ph type="body" idx="1"/>
+          </p:nvPr>
+        </p:nvSpPr>
+        <p:spPr/>
+        <p:txBody>
+          <a:bodyPr/>
+          <a:lstStyle/>
+          <a:p>
+            <a:pPr marL="0" marR="0" lvl="0" indent="0" algn="l" defTabSz="914400" rtl="0" eaLnBrk="1" fontAlgn="auto" latinLnBrk="0" hangingPunct="1">
+              <a:lnSpc>
+                <a:spcPct val="100000"/>
+              </a:lnSpc>
+              <a:spcBef>
+                <a:spcPts val="0"/>
+              </a:spcBef>
+              <a:spcAft>
+                <a:spcPts val="0"/>
+              </a:spcAft>
+              <a:buClrTx/>
+              <a:buSzTx/>
+              <a:buFontTx/>
+              <a:buNone/>
+              <a:tabLst/>
+              <a:defRPr/>
+            </a:pPr>
+            <a:r>
+              <a:rPr lang="en-CA" dirty="0"/>
+              <a:t>References:</a:t>
+            </a:r>
+          </a:p>
+          <a:p>
+            <a:pPr marL="0" marR="0" lvl="0" indent="0" algn="l" defTabSz="914400" rtl="0" eaLnBrk="1" fontAlgn="auto" latinLnBrk="0" hangingPunct="1">
+              <a:lnSpc>
+                <a:spcPct val="100000"/>
+              </a:lnSpc>
+              <a:spcBef>
+                <a:spcPts val="0"/>
+              </a:spcBef>
+              <a:spcAft>
+                <a:spcPts val="0"/>
+              </a:spcAft>
+              <a:buClrTx/>
+              <a:buSzTx/>
+              <a:buFontTx/>
+              <a:buNone/>
+              <a:tabLst/>
+              <a:defRPr/>
+            </a:pPr>
+            <a:endParaRPr lang="en-CA" dirty="0"/>
+          </a:p>
+          <a:p>
+            <a:pPr marL="457200" marR="0" lvl="1" indent="0" algn="l" defTabSz="914400" rtl="0" eaLnBrk="1" fontAlgn="auto" latinLnBrk="0" hangingPunct="1">
+              <a:lnSpc>
+                <a:spcPct val="100000"/>
+              </a:lnSpc>
+              <a:spcBef>
+                <a:spcPts val="0"/>
+              </a:spcBef>
+              <a:spcAft>
+                <a:spcPts val="0"/>
+              </a:spcAft>
+              <a:buClrTx/>
+              <a:buSzTx/>
+              <a:buFontTx/>
+              <a:buNone/>
+              <a:tabLst/>
+              <a:defRPr/>
+            </a:pPr>
+            <a:r>
+              <a:rPr lang="en-CA" dirty="0"/>
+              <a:t>Image source: Image source: Dry section of desert, digital image, accessed March 23, 2023 &lt;</a:t>
+            </a:r>
+            <a:r>
+              <a:rPr lang="en-US" dirty="0"/>
+              <a:t>https://www.insider.com/maya-civilization-fall-droughts-climate-change-mexico-2016-6</a:t>
+            </a:r>
+            <a:r>
+              <a:rPr lang="en-CA" dirty="0"/>
+              <a:t>&gt;</a:t>
+            </a:r>
+          </a:p>
+          <a:p>
+            <a:endParaRPr lang="en-CA" dirty="0"/>
+          </a:p>
+          <a:p>
+            <a:endParaRPr lang="en-CA" dirty="0"/>
+          </a:p>
+        </p:txBody>
+      </p:sp>
+      <p:sp>
+        <p:nvSpPr>
+          <p:cNvPr id="4" name="Slide Number Placeholder 3"/>
+          <p:cNvSpPr>
+            <a:spLocks noGrp="1"/>
+          </p:cNvSpPr>
+          <p:nvPr>
+            <p:ph type="sldNum" sz="quarter" idx="5"/>
+          </p:nvPr>
+        </p:nvSpPr>
+        <p:spPr/>
+        <p:txBody>
+          <a:bodyPr/>
+          <a:lstStyle/>
+          <a:p>
+            <a:fld id="{17DECE01-BA26-4AB4-9BFD-0DED85B459F8}" type="slidenum">
+              <a:rPr lang="en-CA" smtClean="0"/>
+              <a:t>16</a:t>
+            </a:fld>
+            <a:endParaRPr lang="en-CA"/>
+          </a:p>
+        </p:txBody>
+      </p:sp>
+    </p:spTree>
+    <p:extLst>
+      <p:ext uri="{BB962C8B-B14F-4D97-AF65-F5344CB8AC3E}">
+        <p14:creationId xmlns:p14="http://schemas.microsoft.com/office/powerpoint/2010/main" val="1727782873"/>
+      </p:ext>
+    </p:extLst>
+  </p:cSld>
+  <p:clrMapOvr>
+    <a:masterClrMapping/>
+  </p:clrMapOvr>
+</p:notes>
+</file>
+
+<file path=ppt/notesSlides/notesSlide17.xml><?xml version="1.0" encoding="utf-8"?>
+<p:notes xmlns:a="http://schemas.openxmlformats.org/drawingml/2006/main" xmlns:r="http://schemas.openxmlformats.org/officeDocument/2006/relationships" xmlns:p="http://schemas.openxmlformats.org/presentationml/2006/main">
+  <p:cSld>
+    <p:spTree>
+      <p:nvGrpSpPr>
+        <p:cNvPr id="1" name=""/>
+        <p:cNvGrpSpPr/>
+        <p:nvPr/>
+      </p:nvGrpSpPr>
+      <p:grpSpPr>
+        <a:xfrm>
+          <a:off x="0" y="0"/>
+          <a:ext cx="0" cy="0"/>
+          <a:chOff x="0" y="0"/>
+          <a:chExt cx="0" cy="0"/>
+        </a:xfrm>
+      </p:grpSpPr>
+      <p:sp>
+        <p:nvSpPr>
+          <p:cNvPr id="2" name="Slide Image Placeholder 1"/>
+          <p:cNvSpPr>
+            <a:spLocks noGrp="1" noRot="1" noChangeAspect="1"/>
+          </p:cNvSpPr>
+          <p:nvPr>
+            <p:ph type="sldImg"/>
+          </p:nvPr>
+        </p:nvSpPr>
+        <p:spPr/>
+      </p:sp>
+      <p:sp>
+        <p:nvSpPr>
+          <p:cNvPr id="3" name="Notes Placeholder 2"/>
+          <p:cNvSpPr>
+            <a:spLocks noGrp="1"/>
+          </p:cNvSpPr>
+          <p:nvPr>
+            <p:ph type="body" idx="1"/>
+          </p:nvPr>
+        </p:nvSpPr>
+        <p:spPr/>
+        <p:txBody>
+          <a:bodyPr/>
+          <a:lstStyle/>
+          <a:p>
+            <a:pPr marL="0" marR="0" lvl="0" indent="0" algn="l" defTabSz="914400" rtl="0" eaLnBrk="1" fontAlgn="auto" latinLnBrk="0" hangingPunct="1">
+              <a:lnSpc>
+                <a:spcPct val="100000"/>
+              </a:lnSpc>
+              <a:spcBef>
+                <a:spcPts val="0"/>
+              </a:spcBef>
+              <a:spcAft>
+                <a:spcPts val="0"/>
+              </a:spcAft>
+              <a:buClrTx/>
+              <a:buSzTx/>
+              <a:buFontTx/>
+              <a:buNone/>
+              <a:tabLst/>
+              <a:defRPr/>
+            </a:pPr>
+            <a:r>
+              <a:rPr lang="en-CA" dirty="0"/>
+              <a:t>References:</a:t>
+            </a:r>
+          </a:p>
+          <a:p>
+            <a:pPr marL="0" marR="0" lvl="0" indent="0" algn="l" defTabSz="914400" rtl="0" eaLnBrk="1" fontAlgn="auto" latinLnBrk="0" hangingPunct="1">
+              <a:lnSpc>
+                <a:spcPct val="100000"/>
+              </a:lnSpc>
+              <a:spcBef>
+                <a:spcPts val="0"/>
+              </a:spcBef>
+              <a:spcAft>
+                <a:spcPts val="0"/>
+              </a:spcAft>
+              <a:buClrTx/>
+              <a:buSzTx/>
+              <a:buFontTx/>
+              <a:buNone/>
+              <a:tabLst/>
+              <a:defRPr/>
+            </a:pPr>
+            <a:endParaRPr lang="en-CA" dirty="0"/>
+          </a:p>
+          <a:p>
+            <a:endParaRPr lang="en-CA" dirty="0"/>
+          </a:p>
+          <a:p>
+            <a:endParaRPr lang="en-CA" dirty="0"/>
+          </a:p>
+        </p:txBody>
+      </p:sp>
+      <p:sp>
+        <p:nvSpPr>
+          <p:cNvPr id="4" name="Slide Number Placeholder 3"/>
+          <p:cNvSpPr>
+            <a:spLocks noGrp="1"/>
+          </p:cNvSpPr>
+          <p:nvPr>
+            <p:ph type="sldNum" sz="quarter" idx="5"/>
+          </p:nvPr>
+        </p:nvSpPr>
+        <p:spPr/>
+        <p:txBody>
+          <a:bodyPr/>
+          <a:lstStyle/>
+          <a:p>
+            <a:fld id="{17DECE01-BA26-4AB4-9BFD-0DED85B459F8}" type="slidenum">
+              <a:rPr lang="en-CA" smtClean="0"/>
+              <a:t>17</a:t>
+            </a:fld>
+            <a:endParaRPr lang="en-CA"/>
+          </a:p>
+        </p:txBody>
+      </p:sp>
+    </p:spTree>
+    <p:extLst>
+      <p:ext uri="{BB962C8B-B14F-4D97-AF65-F5344CB8AC3E}">
+        <p14:creationId xmlns:p14="http://schemas.microsoft.com/office/powerpoint/2010/main" val="3319042363"/>
+      </p:ext>
+    </p:extLst>
+  </p:cSld>
+  <p:clrMapOvr>
+    <a:masterClrMapping/>
+  </p:clrMapOvr>
+</p:notes>
+</file>
+
+<file path=ppt/notesSlides/notesSlide18.xml><?xml version="1.0" encoding="utf-8"?>
+<p:notes xmlns:a="http://schemas.openxmlformats.org/drawingml/2006/main" xmlns:r="http://schemas.openxmlformats.org/officeDocument/2006/relationships" xmlns:p="http://schemas.openxmlformats.org/presentationml/2006/main">
+  <p:cSld>
+    <p:spTree>
+      <p:nvGrpSpPr>
+        <p:cNvPr id="1" name=""/>
+        <p:cNvGrpSpPr/>
+        <p:nvPr/>
+      </p:nvGrpSpPr>
+      <p:grpSpPr>
+        <a:xfrm>
+          <a:off x="0" y="0"/>
+          <a:ext cx="0" cy="0"/>
+          <a:chOff x="0" y="0"/>
+          <a:chExt cx="0" cy="0"/>
+        </a:xfrm>
+      </p:grpSpPr>
+      <p:sp>
+        <p:nvSpPr>
+          <p:cNvPr id="2" name="Slide Image Placeholder 1"/>
+          <p:cNvSpPr>
+            <a:spLocks noGrp="1" noRot="1" noChangeAspect="1"/>
+          </p:cNvSpPr>
+          <p:nvPr>
+            <p:ph type="sldImg"/>
+          </p:nvPr>
+        </p:nvSpPr>
+        <p:spPr/>
+      </p:sp>
+      <p:sp>
+        <p:nvSpPr>
+          <p:cNvPr id="3" name="Notes Placeholder 2"/>
+          <p:cNvSpPr>
+            <a:spLocks noGrp="1"/>
+          </p:cNvSpPr>
+          <p:nvPr>
+            <p:ph type="body" idx="1"/>
+          </p:nvPr>
+        </p:nvSpPr>
+        <p:spPr/>
+        <p:txBody>
+          <a:bodyPr/>
+          <a:lstStyle/>
+          <a:p>
+            <a:pPr marL="0" marR="0" lvl="0" indent="0" algn="l" defTabSz="914400" rtl="0" eaLnBrk="1" fontAlgn="auto" latinLnBrk="0" hangingPunct="1">
+              <a:lnSpc>
+                <a:spcPct val="100000"/>
+              </a:lnSpc>
+              <a:spcBef>
+                <a:spcPts val="0"/>
+              </a:spcBef>
+              <a:spcAft>
+                <a:spcPts val="0"/>
+              </a:spcAft>
+              <a:buClrTx/>
+              <a:buSzTx/>
+              <a:buFontTx/>
+              <a:buNone/>
+              <a:tabLst/>
+              <a:defRPr/>
+            </a:pPr>
+            <a:r>
+              <a:rPr lang="en-CA" dirty="0"/>
+              <a:t>References:</a:t>
+            </a:r>
+          </a:p>
+          <a:p>
+            <a:pPr marL="0" marR="0" lvl="0" indent="0" algn="l" defTabSz="914400" rtl="0" eaLnBrk="1" fontAlgn="auto" latinLnBrk="0" hangingPunct="1">
+              <a:lnSpc>
+                <a:spcPct val="100000"/>
+              </a:lnSpc>
+              <a:spcBef>
+                <a:spcPts val="0"/>
+              </a:spcBef>
+              <a:spcAft>
+                <a:spcPts val="0"/>
+              </a:spcAft>
+              <a:buClrTx/>
+              <a:buSzTx/>
+              <a:buFontTx/>
+              <a:buNone/>
+              <a:tabLst/>
+              <a:defRPr/>
+            </a:pPr>
+            <a:endParaRPr lang="en-CA" dirty="0"/>
+          </a:p>
+          <a:p>
+            <a:endParaRPr lang="en-CA" dirty="0"/>
+          </a:p>
+          <a:p>
+            <a:endParaRPr lang="en-CA" dirty="0"/>
+          </a:p>
+        </p:txBody>
+      </p:sp>
+      <p:sp>
+        <p:nvSpPr>
+          <p:cNvPr id="4" name="Slide Number Placeholder 3"/>
+          <p:cNvSpPr>
+            <a:spLocks noGrp="1"/>
+          </p:cNvSpPr>
+          <p:nvPr>
+            <p:ph type="sldNum" sz="quarter" idx="5"/>
+          </p:nvPr>
+        </p:nvSpPr>
+        <p:spPr/>
+        <p:txBody>
+          <a:bodyPr/>
+          <a:lstStyle/>
+          <a:p>
+            <a:fld id="{17DECE01-BA26-4AB4-9BFD-0DED85B459F8}" type="slidenum">
+              <a:rPr lang="en-CA" smtClean="0"/>
+              <a:t>18</a:t>
+            </a:fld>
+            <a:endParaRPr lang="en-CA"/>
+          </a:p>
+        </p:txBody>
+      </p:sp>
+    </p:spTree>
+    <p:extLst>
+      <p:ext uri="{BB962C8B-B14F-4D97-AF65-F5344CB8AC3E}">
+        <p14:creationId xmlns:p14="http://schemas.microsoft.com/office/powerpoint/2010/main" val="2885337203"/>
       </p:ext>
     </p:extLst>
   </p:cSld>
@@ -971,7 +2673,10 @@
           <a:bodyPr/>
           <a:lstStyle/>
           <a:p>
-            <a:endParaRPr lang="en-CA" sz="1200" dirty="0"/>
+            <a:r>
+              <a:rPr lang="en-CA" sz="1200" dirty="0"/>
+              <a:t>Image source: Classical Mayan Period 2016, digital image, Human History In Brief, accessed March 22, 2023, &lt;http://www.humanhistoryinbrief.net/2016/11/&gt; </a:t>
+            </a:r>
           </a:p>
           <a:p>
             <a:r>
@@ -1062,31 +2767,27 @@
           <a:bodyPr/>
           <a:lstStyle/>
           <a:p>
+            <a:pPr marL="0" marR="0" lvl="0" indent="0" algn="l" defTabSz="914400" rtl="0" eaLnBrk="1" fontAlgn="auto" latinLnBrk="0" hangingPunct="1">
+              <a:lnSpc>
+                <a:spcPct val="100000"/>
+              </a:lnSpc>
+              <a:spcBef>
+                <a:spcPts val="0"/>
+              </a:spcBef>
+              <a:spcAft>
+                <a:spcPts val="0"/>
+              </a:spcAft>
+              <a:buClrTx/>
+              <a:buSzTx/>
+              <a:buFontTx/>
+              <a:buNone/>
+              <a:tabLst/>
+              <a:defRPr/>
+            </a:pPr>
             <a:r>
-              <a:rPr lang="en-CA" dirty="0"/>
-              <a:t>Picture of crops: https://www.wallpaperflare.com/maine-potato-field-agriculture-crop-landscape-plant-food-and-drink-wallpaper-wbzzc</a:t>
+              <a:rPr lang="en-CA" sz="1200" dirty="0"/>
+              <a:t>Image source: Classical Mayan Period 2016, digital image, Human History In Brief, accessed March 22, 2023, &lt;http://www.humanhistoryinbrief.net/2016/11/&gt; </a:t>
             </a:r>
-          </a:p>
-          <a:p>
-            <a:endParaRPr lang="en-CA" dirty="0"/>
-          </a:p>
-          <a:p>
-            <a:r>
-              <a:rPr lang="en-CA" dirty="0"/>
-              <a:t>Maya social structure picture: http://www.historyshistories.com/the-maya.html</a:t>
-            </a:r>
-          </a:p>
-          <a:p>
-            <a:endParaRPr lang="en-CA" dirty="0"/>
-          </a:p>
-          <a:p>
-            <a:endParaRPr lang="en-CA" dirty="0"/>
-          </a:p>
-          <a:p>
-            <a:endParaRPr lang="en-CA" dirty="0"/>
-          </a:p>
-          <a:p>
-            <a:endParaRPr lang="en-CA" dirty="0"/>
           </a:p>
           <a:p>
             <a:endParaRPr lang="en-CA" dirty="0"/>
@@ -1110,7 +2811,7 @@
           <a:p>
             <a:fld id="{17DECE01-BA26-4AB4-9BFD-0DED85B459F8}" type="slidenum">
               <a:rPr lang="en-CA" smtClean="0"/>
-              <a:t>10</a:t>
+              <a:t>3</a:t>
             </a:fld>
             <a:endParaRPr lang="en-CA"/>
           </a:p>
@@ -1119,7 +2820,7 @@
     </p:spTree>
     <p:extLst>
       <p:ext uri="{BB962C8B-B14F-4D97-AF65-F5344CB8AC3E}">
-        <p14:creationId xmlns:p14="http://schemas.microsoft.com/office/powerpoint/2010/main" val="212872341"/>
+        <p14:creationId xmlns:p14="http://schemas.microsoft.com/office/powerpoint/2010/main" val="2269357682"/>
       </p:ext>
     </p:extLst>
   </p:cSld>
@@ -1191,58 +2892,9 @@
               <a:defRPr/>
             </a:pPr>
             <a:r>
-              <a:rPr lang="en-CA" dirty="0"/>
-              <a:t>Maya social structure picture: http://www.historyshistories.com/the-maya.html</a:t>
+              <a:rPr lang="en-CA" sz="1200" dirty="0"/>
+              <a:t>Image source: Classical Mayan Period 2016, digital image, Human History In Brief, accessed March 22, 2023, &lt;http://www.humanhistoryinbrief.net/2016/11/&gt; </a:t>
             </a:r>
-          </a:p>
-          <a:p>
-            <a:pPr marL="0" marR="0" lvl="0" indent="0" algn="l" defTabSz="914400" rtl="0" eaLnBrk="1" fontAlgn="auto" latinLnBrk="0" hangingPunct="1">
-              <a:lnSpc>
-                <a:spcPct val="100000"/>
-              </a:lnSpc>
-              <a:spcBef>
-                <a:spcPts val="0"/>
-              </a:spcBef>
-              <a:spcAft>
-                <a:spcPts val="0"/>
-              </a:spcAft>
-              <a:buClrTx/>
-              <a:buSzTx/>
-              <a:buFontTx/>
-              <a:buNone/>
-              <a:tabLst/>
-              <a:defRPr/>
-            </a:pPr>
-            <a:endParaRPr lang="en-CA" dirty="0"/>
-          </a:p>
-          <a:p>
-            <a:pPr marL="0" marR="0" lvl="0" indent="0" algn="l" defTabSz="914400" rtl="0" eaLnBrk="1" fontAlgn="auto" latinLnBrk="0" hangingPunct="1">
-              <a:lnSpc>
-                <a:spcPct val="100000"/>
-              </a:lnSpc>
-              <a:spcBef>
-                <a:spcPts val="0"/>
-              </a:spcBef>
-              <a:spcAft>
-                <a:spcPts val="0"/>
-              </a:spcAft>
-              <a:buClrTx/>
-              <a:buSzTx/>
-              <a:buFontTx/>
-              <a:buNone/>
-              <a:tabLst/>
-              <a:defRPr/>
-            </a:pPr>
-            <a:r>
-              <a:rPr lang="en-CA" dirty="0"/>
-              <a:t>Maya social structure information: http://www.historyshistories.com/maya-society.html</a:t>
-            </a:r>
-          </a:p>
-          <a:p>
-            <a:endParaRPr lang="en-CA" dirty="0"/>
-          </a:p>
-          <a:p>
-            <a:endParaRPr lang="en-CA" dirty="0"/>
           </a:p>
           <a:p>
             <a:endParaRPr lang="en-CA" dirty="0"/>
@@ -1266,7 +2918,7 @@
           <a:p>
             <a:fld id="{17DECE01-BA26-4AB4-9BFD-0DED85B459F8}" type="slidenum">
               <a:rPr lang="en-CA" smtClean="0"/>
-              <a:t>11</a:t>
+              <a:t>4</a:t>
             </a:fld>
             <a:endParaRPr lang="en-CA"/>
           </a:p>
@@ -1275,7 +2927,7 @@
     </p:spTree>
     <p:extLst>
       <p:ext uri="{BB962C8B-B14F-4D97-AF65-F5344CB8AC3E}">
-        <p14:creationId xmlns:p14="http://schemas.microsoft.com/office/powerpoint/2010/main" val="3192722476"/>
+        <p14:creationId xmlns:p14="http://schemas.microsoft.com/office/powerpoint/2010/main" val="1721698346"/>
       </p:ext>
     </p:extLst>
   </p:cSld>
@@ -1347,58 +2999,9 @@
               <a:defRPr/>
             </a:pPr>
             <a:r>
-              <a:rPr lang="en-CA" dirty="0"/>
-              <a:t>Maya social structure picture: http://www.historyshistories.com/the-maya.html</a:t>
+              <a:rPr lang="en-CA" sz="1200" dirty="0"/>
+              <a:t>Image source: Classical Mayan Period 2016, digital image, Human History In Brief, accessed March 22, 2023, &lt;http://www.humanhistoryinbrief.net/2016/11/&gt; </a:t>
             </a:r>
-          </a:p>
-          <a:p>
-            <a:pPr marL="0" marR="0" lvl="0" indent="0" algn="l" defTabSz="914400" rtl="0" eaLnBrk="1" fontAlgn="auto" latinLnBrk="0" hangingPunct="1">
-              <a:lnSpc>
-                <a:spcPct val="100000"/>
-              </a:lnSpc>
-              <a:spcBef>
-                <a:spcPts val="0"/>
-              </a:spcBef>
-              <a:spcAft>
-                <a:spcPts val="0"/>
-              </a:spcAft>
-              <a:buClrTx/>
-              <a:buSzTx/>
-              <a:buFontTx/>
-              <a:buNone/>
-              <a:tabLst/>
-              <a:defRPr/>
-            </a:pPr>
-            <a:endParaRPr lang="en-CA" dirty="0"/>
-          </a:p>
-          <a:p>
-            <a:pPr marL="0" marR="0" lvl="0" indent="0" algn="l" defTabSz="914400" rtl="0" eaLnBrk="1" fontAlgn="auto" latinLnBrk="0" hangingPunct="1">
-              <a:lnSpc>
-                <a:spcPct val="100000"/>
-              </a:lnSpc>
-              <a:spcBef>
-                <a:spcPts val="0"/>
-              </a:spcBef>
-              <a:spcAft>
-                <a:spcPts val="0"/>
-              </a:spcAft>
-              <a:buClrTx/>
-              <a:buSzTx/>
-              <a:buFontTx/>
-              <a:buNone/>
-              <a:tabLst/>
-              <a:defRPr/>
-            </a:pPr>
-            <a:r>
-              <a:rPr lang="en-CA" dirty="0"/>
-              <a:t>Maya social structure information: http://www.historyshistories.com/maya-society.html</a:t>
-            </a:r>
-          </a:p>
-          <a:p>
-            <a:endParaRPr lang="en-CA" dirty="0"/>
-          </a:p>
-          <a:p>
-            <a:endParaRPr lang="en-CA" dirty="0"/>
           </a:p>
           <a:p>
             <a:endParaRPr lang="en-CA" dirty="0"/>
@@ -1422,7 +3025,7 @@
           <a:p>
             <a:fld id="{17DECE01-BA26-4AB4-9BFD-0DED85B459F8}" type="slidenum">
               <a:rPr lang="en-CA" smtClean="0"/>
-              <a:t>12</a:t>
+              <a:t>5</a:t>
             </a:fld>
             <a:endParaRPr lang="en-CA"/>
           </a:p>
@@ -1431,7 +3034,7 @@
     </p:spTree>
     <p:extLst>
       <p:ext uri="{BB962C8B-B14F-4D97-AF65-F5344CB8AC3E}">
-        <p14:creationId xmlns:p14="http://schemas.microsoft.com/office/powerpoint/2010/main" val="1310936481"/>
+        <p14:creationId xmlns:p14="http://schemas.microsoft.com/office/powerpoint/2010/main" val="4199785121"/>
       </p:ext>
     </p:extLst>
   </p:cSld>
@@ -1485,79 +3088,28 @@
           <a:bodyPr/>
           <a:lstStyle/>
           <a:p>
-            <a:pPr marL="0" marR="0" lvl="0" indent="0" algn="l" defTabSz="914400" rtl="0" eaLnBrk="1" fontAlgn="auto" latinLnBrk="0" hangingPunct="1">
-              <a:lnSpc>
-                <a:spcPct val="100000"/>
-              </a:lnSpc>
-              <a:spcBef>
-                <a:spcPts val="0"/>
-              </a:spcBef>
-              <a:spcAft>
-                <a:spcPts val="0"/>
-              </a:spcAft>
-              <a:buClrTx/>
-              <a:buSzTx/>
-              <a:buFontTx/>
-              <a:buNone/>
-              <a:tabLst/>
-              <a:defRPr/>
-            </a:pPr>
             <a:r>
-              <a:rPr lang="en-CA" dirty="0"/>
-              <a:t>Maya social structure picture: http://www.historyshistories.com/the-maya.html</a:t>
+              <a:rPr lang="en-US" dirty="0"/>
+              <a:t>References:</a:t>
             </a:r>
           </a:p>
           <a:p>
-            <a:pPr marL="0" marR="0" lvl="0" indent="0" algn="l" defTabSz="914400" rtl="0" eaLnBrk="1" fontAlgn="auto" latinLnBrk="0" hangingPunct="1">
-              <a:lnSpc>
-                <a:spcPct val="100000"/>
-              </a:lnSpc>
-              <a:spcBef>
-                <a:spcPts val="0"/>
-              </a:spcBef>
-              <a:spcAft>
-                <a:spcPts val="0"/>
-              </a:spcAft>
-              <a:buClrTx/>
-              <a:buSzTx/>
-              <a:buFontTx/>
-              <a:buNone/>
-              <a:tabLst/>
-              <a:defRPr/>
-            </a:pPr>
-            <a:endParaRPr lang="en-CA" dirty="0"/>
-          </a:p>
-          <a:p>
-            <a:pPr marL="0" marR="0" lvl="0" indent="0" algn="l" defTabSz="914400" rtl="0" eaLnBrk="1" fontAlgn="auto" latinLnBrk="0" hangingPunct="1">
-              <a:lnSpc>
-                <a:spcPct val="100000"/>
-              </a:lnSpc>
-              <a:spcBef>
-                <a:spcPts val="0"/>
-              </a:spcBef>
-              <a:spcAft>
-                <a:spcPts val="0"/>
-              </a:spcAft>
-              <a:buClrTx/>
-              <a:buSzTx/>
-              <a:buFontTx/>
-              <a:buNone/>
-              <a:tabLst/>
-              <a:defRPr/>
-            </a:pPr>
+            <a:endParaRPr lang="en-US" dirty="0"/>
+          </a:p>
+          <a:p>
             <a:r>
-              <a:rPr lang="en-CA" dirty="0"/>
-              <a:t>Maya social structure information: http://www.historyshistories.com/maya-society.html</a:t>
+              <a:rPr lang="en-US" dirty="0"/>
+              <a:t>	Jacob, G. (2023). </a:t>
             </a:r>
-          </a:p>
-          <a:p>
-            <a:endParaRPr lang="en-CA" dirty="0"/>
-          </a:p>
-          <a:p>
-            <a:endParaRPr lang="en-CA" dirty="0"/>
-          </a:p>
-          <a:p>
-            <a:endParaRPr lang="en-CA" dirty="0"/>
+            <a:r>
+              <a:rPr lang="en-US" i="1" dirty="0"/>
+              <a:t>Annotated bibliography. </a:t>
+            </a:r>
+            <a:r>
+              <a:rPr lang="en-US" i="0" dirty="0"/>
+              <a:t>https://www.dropbox.com/s/lqleovu77hsa0zd/AnnotatedBibliography.pdf?dl=0</a:t>
+            </a:r>
+            <a:endParaRPr lang="en-CA" i="0" dirty="0"/>
           </a:p>
         </p:txBody>
       </p:sp>
@@ -1578,7 +3130,7 @@
           <a:p>
             <a:fld id="{17DECE01-BA26-4AB4-9BFD-0DED85B459F8}" type="slidenum">
               <a:rPr lang="en-CA" smtClean="0"/>
-              <a:t>13</a:t>
+              <a:t>6</a:t>
             </a:fld>
             <a:endParaRPr lang="en-CA"/>
           </a:p>
@@ -1587,7 +3139,7 @@
     </p:spTree>
     <p:extLst>
       <p:ext uri="{BB962C8B-B14F-4D97-AF65-F5344CB8AC3E}">
-        <p14:creationId xmlns:p14="http://schemas.microsoft.com/office/powerpoint/2010/main" val="505551078"/>
+        <p14:creationId xmlns:p14="http://schemas.microsoft.com/office/powerpoint/2010/main" val="265707140"/>
       </p:ext>
     </p:extLst>
   </p:cSld>
@@ -1641,76 +3193,28 @@
           <a:bodyPr/>
           <a:lstStyle/>
           <a:p>
-            <a:pPr marL="0" marR="0" lvl="0" indent="0" algn="l" defTabSz="914400" rtl="0" eaLnBrk="1" fontAlgn="auto" latinLnBrk="0" hangingPunct="1">
-              <a:lnSpc>
-                <a:spcPct val="100000"/>
-              </a:lnSpc>
-              <a:spcBef>
-                <a:spcPts val="0"/>
-              </a:spcBef>
-              <a:spcAft>
-                <a:spcPts val="0"/>
-              </a:spcAft>
-              <a:buClrTx/>
-              <a:buSzTx/>
-              <a:buFontTx/>
-              <a:buNone/>
-              <a:tabLst/>
-              <a:defRPr/>
-            </a:pPr>
             <a:r>
-              <a:rPr lang="en-CA" dirty="0"/>
-              <a:t>Maya social structure picture: http://www.historyshistories.com/the-maya.html</a:t>
+              <a:rPr lang="en-US" dirty="0"/>
+              <a:t>References:</a:t>
             </a:r>
           </a:p>
           <a:p>
-            <a:pPr marL="0" marR="0" lvl="0" indent="0" algn="l" defTabSz="914400" rtl="0" eaLnBrk="1" fontAlgn="auto" latinLnBrk="0" hangingPunct="1">
-              <a:lnSpc>
-                <a:spcPct val="100000"/>
-              </a:lnSpc>
-              <a:spcBef>
-                <a:spcPts val="0"/>
-              </a:spcBef>
-              <a:spcAft>
-                <a:spcPts val="0"/>
-              </a:spcAft>
-              <a:buClrTx/>
-              <a:buSzTx/>
-              <a:buFontTx/>
-              <a:buNone/>
-              <a:tabLst/>
-              <a:defRPr/>
-            </a:pPr>
-            <a:endParaRPr lang="en-CA" dirty="0"/>
-          </a:p>
-          <a:p>
-            <a:pPr marL="0" marR="0" lvl="0" indent="0" algn="l" defTabSz="914400" rtl="0" eaLnBrk="1" fontAlgn="auto" latinLnBrk="0" hangingPunct="1">
-              <a:lnSpc>
-                <a:spcPct val="100000"/>
-              </a:lnSpc>
-              <a:spcBef>
-                <a:spcPts val="0"/>
-              </a:spcBef>
-              <a:spcAft>
-                <a:spcPts val="0"/>
-              </a:spcAft>
-              <a:buClrTx/>
-              <a:buSzTx/>
-              <a:buFontTx/>
-              <a:buNone/>
-              <a:tabLst/>
-              <a:defRPr/>
-            </a:pPr>
+            <a:endParaRPr lang="en-US" dirty="0"/>
+          </a:p>
+          <a:p>
             <a:r>
-              <a:rPr lang="en-CA" dirty="0"/>
-              <a:t>Maya social structure information: http://www.historyshistories.com/maya-society.html</a:t>
+              <a:rPr lang="en-US" dirty="0"/>
+              <a:t>	Jacob, G. (2023). </a:t>
             </a:r>
-          </a:p>
-          <a:p>
-            <a:endParaRPr lang="en-CA" dirty="0"/>
-          </a:p>
-          <a:p>
-            <a:endParaRPr lang="en-CA" dirty="0"/>
+            <a:r>
+              <a:rPr lang="en-US" i="1" dirty="0"/>
+              <a:t>Annotated bibliography. </a:t>
+            </a:r>
+            <a:r>
+              <a:rPr lang="en-US" i="0" dirty="0"/>
+              <a:t>https://www.dropbox.com/s/lqleovu77hsa0zd/AnnotatedBibliography.pdf?dl=0</a:t>
+            </a:r>
+            <a:endParaRPr lang="en-CA" i="0" dirty="0"/>
           </a:p>
           <a:p>
             <a:endParaRPr lang="en-CA" dirty="0"/>
@@ -1734,7 +3238,7 @@
           <a:p>
             <a:fld id="{17DECE01-BA26-4AB4-9BFD-0DED85B459F8}" type="slidenum">
               <a:rPr lang="en-CA" smtClean="0"/>
-              <a:t>14</a:t>
+              <a:t>7</a:t>
             </a:fld>
             <a:endParaRPr lang="en-CA"/>
           </a:p>
@@ -1743,7 +3247,7 @@
     </p:spTree>
     <p:extLst>
       <p:ext uri="{BB962C8B-B14F-4D97-AF65-F5344CB8AC3E}">
-        <p14:creationId xmlns:p14="http://schemas.microsoft.com/office/powerpoint/2010/main" val="2533443384"/>
+        <p14:creationId xmlns:p14="http://schemas.microsoft.com/office/powerpoint/2010/main" val="3430894208"/>
       </p:ext>
     </p:extLst>
   </p:cSld>
@@ -1797,33 +3301,28 @@
           <a:bodyPr/>
           <a:lstStyle/>
           <a:p>
-            <a:pPr marL="0" marR="0" lvl="0" indent="0" algn="l" defTabSz="914400" rtl="0" eaLnBrk="1" fontAlgn="auto" latinLnBrk="0" hangingPunct="1">
-              <a:lnSpc>
-                <a:spcPct val="100000"/>
-              </a:lnSpc>
-              <a:spcBef>
-                <a:spcPts val="0"/>
-              </a:spcBef>
-              <a:spcAft>
-                <a:spcPts val="0"/>
-              </a:spcAft>
-              <a:buClrTx/>
-              <a:buSzTx/>
-              <a:buFontTx/>
-              <a:buNone/>
-              <a:tabLst/>
-              <a:defRPr/>
-            </a:pPr>
             <a:r>
-              <a:rPr lang="en-CA" dirty="0"/>
-              <a:t>Maya social structure information: http://www.historyshistories.com/maya-society.html</a:t>
+              <a:rPr lang="en-US" dirty="0"/>
+              <a:t>References:</a:t>
             </a:r>
           </a:p>
           <a:p>
-            <a:endParaRPr lang="en-CA" dirty="0"/>
-          </a:p>
-          <a:p>
-            <a:endParaRPr lang="en-CA" dirty="0"/>
+            <a:endParaRPr lang="en-US" dirty="0"/>
+          </a:p>
+          <a:p>
+            <a:r>
+              <a:rPr lang="en-US" dirty="0"/>
+              <a:t>	Jacob, G. (2023). </a:t>
+            </a:r>
+            <a:r>
+              <a:rPr lang="en-US" i="1" dirty="0"/>
+              <a:t>Annotated bibliography. </a:t>
+            </a:r>
+            <a:r>
+              <a:rPr lang="en-US" i="0" dirty="0"/>
+              <a:t>https://www.dropbox.com/s/lqleovu77hsa0zd/AnnotatedBibliography.pdf?dl=0</a:t>
+            </a:r>
+            <a:endParaRPr lang="en-CA" i="0" dirty="0"/>
           </a:p>
           <a:p>
             <a:endParaRPr lang="en-CA" dirty="0"/>
@@ -1847,7 +3346,7 @@
           <a:p>
             <a:fld id="{17DECE01-BA26-4AB4-9BFD-0DED85B459F8}" type="slidenum">
               <a:rPr lang="en-CA" smtClean="0"/>
-              <a:t>15</a:t>
+              <a:t>8</a:t>
             </a:fld>
             <a:endParaRPr lang="en-CA"/>
           </a:p>
@@ -1856,7 +3355,115 @@
     </p:spTree>
     <p:extLst>
       <p:ext uri="{BB962C8B-B14F-4D97-AF65-F5344CB8AC3E}">
-        <p14:creationId xmlns:p14="http://schemas.microsoft.com/office/powerpoint/2010/main" val="3245924154"/>
+        <p14:creationId xmlns:p14="http://schemas.microsoft.com/office/powerpoint/2010/main" val="2712608622"/>
+      </p:ext>
+    </p:extLst>
+  </p:cSld>
+  <p:clrMapOvr>
+    <a:masterClrMapping/>
+  </p:clrMapOvr>
+</p:notes>
+</file>
+
+<file path=ppt/notesSlides/notesSlide9.xml><?xml version="1.0" encoding="utf-8"?>
+<p:notes xmlns:a="http://schemas.openxmlformats.org/drawingml/2006/main" xmlns:r="http://schemas.openxmlformats.org/officeDocument/2006/relationships" xmlns:p="http://schemas.openxmlformats.org/presentationml/2006/main">
+  <p:cSld>
+    <p:spTree>
+      <p:nvGrpSpPr>
+        <p:cNvPr id="1" name=""/>
+        <p:cNvGrpSpPr/>
+        <p:nvPr/>
+      </p:nvGrpSpPr>
+      <p:grpSpPr>
+        <a:xfrm>
+          <a:off x="0" y="0"/>
+          <a:ext cx="0" cy="0"/>
+          <a:chOff x="0" y="0"/>
+          <a:chExt cx="0" cy="0"/>
+        </a:xfrm>
+      </p:grpSpPr>
+      <p:sp>
+        <p:nvSpPr>
+          <p:cNvPr id="2" name="Slide Image Placeholder 1"/>
+          <p:cNvSpPr>
+            <a:spLocks noGrp="1" noRot="1" noChangeAspect="1"/>
+          </p:cNvSpPr>
+          <p:nvPr>
+            <p:ph type="sldImg"/>
+          </p:nvPr>
+        </p:nvSpPr>
+        <p:spPr/>
+      </p:sp>
+      <p:sp>
+        <p:nvSpPr>
+          <p:cNvPr id="3" name="Notes Placeholder 2"/>
+          <p:cNvSpPr>
+            <a:spLocks noGrp="1"/>
+          </p:cNvSpPr>
+          <p:nvPr>
+            <p:ph type="body" idx="1"/>
+          </p:nvPr>
+        </p:nvSpPr>
+        <p:spPr/>
+        <p:txBody>
+          <a:bodyPr/>
+          <a:lstStyle/>
+          <a:p>
+            <a:r>
+              <a:rPr lang="en-US" dirty="0"/>
+              <a:t>References:</a:t>
+            </a:r>
+          </a:p>
+          <a:p>
+            <a:endParaRPr lang="en-US" dirty="0"/>
+          </a:p>
+          <a:p>
+            <a:r>
+              <a:rPr lang="en-US" dirty="0"/>
+              <a:t>	Jacob, G. (2023). </a:t>
+            </a:r>
+            <a:r>
+              <a:rPr lang="en-US" i="1" dirty="0"/>
+              <a:t>Annotated bibliography. </a:t>
+            </a:r>
+            <a:r>
+              <a:rPr lang="en-US" i="0" dirty="0"/>
+              <a:t>https://www.dropbox.com/s/lqleovu77hsa0zd/AnnotatedBibliography.pdf?dl=0</a:t>
+            </a:r>
+            <a:endParaRPr lang="en-CA" i="0" dirty="0"/>
+          </a:p>
+          <a:p>
+            <a:endParaRPr lang="en-CA" dirty="0"/>
+          </a:p>
+        </p:txBody>
+      </p:sp>
+      <p:sp>
+        <p:nvSpPr>
+          <p:cNvPr id="4" name="Slide Number Placeholder 3"/>
+          <p:cNvSpPr>
+            <a:spLocks noGrp="1"/>
+          </p:cNvSpPr>
+          <p:nvPr>
+            <p:ph type="sldNum" sz="quarter" idx="5"/>
+          </p:nvPr>
+        </p:nvSpPr>
+        <p:spPr/>
+        <p:txBody>
+          <a:bodyPr/>
+          <a:lstStyle/>
+          <a:p>
+            <a:fld id="{17DECE01-BA26-4AB4-9BFD-0DED85B459F8}" type="slidenum">
+              <a:rPr lang="en-CA" smtClean="0"/>
+              <a:t>9</a:t>
+            </a:fld>
+            <a:endParaRPr lang="en-CA"/>
+          </a:p>
+        </p:txBody>
+      </p:sp>
+    </p:spTree>
+    <p:extLst>
+      <p:ext uri="{BB962C8B-B14F-4D97-AF65-F5344CB8AC3E}">
+        <p14:creationId xmlns:p14="http://schemas.microsoft.com/office/powerpoint/2010/main" val="3663761248"/>
       </p:ext>
     </p:extLst>
   </p:cSld>
@@ -2015,7 +3622,7 @@
           <a:p>
             <a:fld id="{E70B44F4-EB80-4661-B4DA-9317950D61AC}" type="datetimeFigureOut">
               <a:rPr lang="en-CA" smtClean="0"/>
-              <a:t>2023-03-21</a:t>
+              <a:t>2023-03-24</a:t>
             </a:fld>
             <a:endParaRPr lang="en-CA"/>
           </a:p>
@@ -2215,7 +3822,7 @@
           <a:p>
             <a:fld id="{E70B44F4-EB80-4661-B4DA-9317950D61AC}" type="datetimeFigureOut">
               <a:rPr lang="en-CA" smtClean="0"/>
-              <a:t>2023-03-21</a:t>
+              <a:t>2023-03-24</a:t>
             </a:fld>
             <a:endParaRPr lang="en-CA"/>
           </a:p>
@@ -2425,7 +4032,7 @@
           <a:p>
             <a:fld id="{E70B44F4-EB80-4661-B4DA-9317950D61AC}" type="datetimeFigureOut">
               <a:rPr lang="en-CA" smtClean="0"/>
-              <a:t>2023-03-21</a:t>
+              <a:t>2023-03-24</a:t>
             </a:fld>
             <a:endParaRPr lang="en-CA"/>
           </a:p>
@@ -2625,7 +4232,7 @@
           <a:p>
             <a:fld id="{E70B44F4-EB80-4661-B4DA-9317950D61AC}" type="datetimeFigureOut">
               <a:rPr lang="en-CA" smtClean="0"/>
-              <a:t>2023-03-21</a:t>
+              <a:t>2023-03-24</a:t>
             </a:fld>
             <a:endParaRPr lang="en-CA"/>
           </a:p>
@@ -2901,7 +4508,7 @@
           <a:p>
             <a:fld id="{E70B44F4-EB80-4661-B4DA-9317950D61AC}" type="datetimeFigureOut">
               <a:rPr lang="en-CA" smtClean="0"/>
-              <a:t>2023-03-21</a:t>
+              <a:t>2023-03-24</a:t>
             </a:fld>
             <a:endParaRPr lang="en-CA"/>
           </a:p>
@@ -3169,7 +4776,7 @@
           <a:p>
             <a:fld id="{E70B44F4-EB80-4661-B4DA-9317950D61AC}" type="datetimeFigureOut">
               <a:rPr lang="en-CA" smtClean="0"/>
-              <a:t>2023-03-21</a:t>
+              <a:t>2023-03-24</a:t>
             </a:fld>
             <a:endParaRPr lang="en-CA"/>
           </a:p>
@@ -3584,7 +5191,7 @@
           <a:p>
             <a:fld id="{E70B44F4-EB80-4661-B4DA-9317950D61AC}" type="datetimeFigureOut">
               <a:rPr lang="en-CA" smtClean="0"/>
-              <a:t>2023-03-21</a:t>
+              <a:t>2023-03-24</a:t>
             </a:fld>
             <a:endParaRPr lang="en-CA"/>
           </a:p>
@@ -3726,7 +5333,7 @@
           <a:p>
             <a:fld id="{E70B44F4-EB80-4661-B4DA-9317950D61AC}" type="datetimeFigureOut">
               <a:rPr lang="en-CA" smtClean="0"/>
-              <a:t>2023-03-21</a:t>
+              <a:t>2023-03-24</a:t>
             </a:fld>
             <a:endParaRPr lang="en-CA"/>
           </a:p>
@@ -3839,7 +5446,7 @@
           <a:p>
             <a:fld id="{E70B44F4-EB80-4661-B4DA-9317950D61AC}" type="datetimeFigureOut">
               <a:rPr lang="en-CA" smtClean="0"/>
-              <a:t>2023-03-21</a:t>
+              <a:t>2023-03-24</a:t>
             </a:fld>
             <a:endParaRPr lang="en-CA"/>
           </a:p>
@@ -4152,7 +5759,7 @@
           <a:p>
             <a:fld id="{E70B44F4-EB80-4661-B4DA-9317950D61AC}" type="datetimeFigureOut">
               <a:rPr lang="en-CA" smtClean="0"/>
-              <a:t>2023-03-21</a:t>
+              <a:t>2023-03-24</a:t>
             </a:fld>
             <a:endParaRPr lang="en-CA"/>
           </a:p>
@@ -4441,7 +6048,7 @@
           <a:p>
             <a:fld id="{E70B44F4-EB80-4661-B4DA-9317950D61AC}" type="datetimeFigureOut">
               <a:rPr lang="en-CA" smtClean="0"/>
-              <a:t>2023-03-21</a:t>
+              <a:t>2023-03-24</a:t>
             </a:fld>
             <a:endParaRPr lang="en-CA"/>
           </a:p>
@@ -4684,7 +6291,7 @@
           <a:p>
             <a:fld id="{E70B44F4-EB80-4661-B4DA-9317950D61AC}" type="datetimeFigureOut">
               <a:rPr lang="en-CA" smtClean="0"/>
-              <a:t>2023-03-21</a:t>
+              <a:t>2023-03-24</a:t>
             </a:fld>
             <a:endParaRPr lang="en-CA"/>
           </a:p>
@@ -5109,41 +6716,6 @@
           <a:chExt cx="0" cy="0"/>
         </a:xfrm>
       </p:grpSpPr>
-      <p:pic>
-        <p:nvPicPr>
-          <p:cNvPr id="10" name="Picture 9" descr="A picture containing grass, rock, building, outdoor&#10;&#10;Description automatically generated">
-            <a:extLst>
-              <a:ext uri="{FF2B5EF4-FFF2-40B4-BE49-F238E27FC236}">
-                <a16:creationId xmlns:a16="http://schemas.microsoft.com/office/drawing/2014/main" id="{9009B968-D377-726F-7249-F127F0F1C65C}"/>
-              </a:ext>
-            </a:extLst>
-          </p:cNvPr>
-          <p:cNvPicPr>
-            <a:picLocks noChangeAspect="1"/>
-          </p:cNvPicPr>
-          <p:nvPr/>
-        </p:nvPicPr>
-        <p:blipFill rotWithShape="1">
-          <a:blip r:embed="rId3">
-            <a:extLst>
-              <a:ext uri="{28A0092B-C50C-407E-A947-70E740481C1C}">
-                <a14:useLocalDpi xmlns:a14="http://schemas.microsoft.com/office/drawing/2010/main" val="0"/>
-              </a:ext>
-            </a:extLst>
-          </a:blip>
-          <a:srcRect t="14329" b="10671"/>
-          <a:stretch/>
-        </p:blipFill>
-        <p:spPr>
-          <a:xfrm>
-            <a:off x="20" y="10"/>
-            <a:ext cx="12191980" cy="6857990"/>
-          </a:xfrm>
-          <a:prstGeom prst="rect">
-            <a:avLst/>
-          </a:prstGeom>
-        </p:spPr>
-      </p:pic>
       <p:sp>
         <p:nvSpPr>
           <p:cNvPr id="18" name="Rectangle 14">
@@ -5206,48 +6778,6 @@
           <a:p>
             <a:pPr algn="ctr"/>
             <a:endParaRPr lang="en-US"/>
-          </a:p>
-        </p:txBody>
-      </p:sp>
-      <p:sp>
-        <p:nvSpPr>
-          <p:cNvPr id="7" name="Title 6">
-            <a:extLst>
-              <a:ext uri="{FF2B5EF4-FFF2-40B4-BE49-F238E27FC236}">
-                <a16:creationId xmlns:a16="http://schemas.microsoft.com/office/drawing/2014/main" id="{33729F96-A268-E4FB-9464-A2C3E87506C4}"/>
-              </a:ext>
-            </a:extLst>
-          </p:cNvPr>
-          <p:cNvSpPr>
-            <a:spLocks noGrp="1"/>
-          </p:cNvSpPr>
-          <p:nvPr>
-            <p:ph type="ctrTitle"/>
-          </p:nvPr>
-        </p:nvSpPr>
-        <p:spPr>
-          <a:xfrm>
-            <a:off x="523875" y="5317240"/>
-            <a:ext cx="11210925" cy="744836"/>
-          </a:xfrm>
-        </p:spPr>
-        <p:txBody>
-          <a:bodyPr vert="horz" lIns="91440" tIns="45720" rIns="91440" bIns="45720" rtlCol="0" anchor="ctr">
-            <a:normAutofit/>
-          </a:bodyPr>
-          <a:lstStyle/>
-          <a:p>
-            <a:r>
-              <a:rPr lang="en-US" sz="3600" b="1">
-                <a:solidFill>
-                  <a:schemeClr val="tx1">
-                    <a:lumMod val="85000"/>
-                    <a:lumOff val="15000"/>
-                  </a:schemeClr>
-                </a:solidFill>
-              </a:rPr>
-              <a:t>The collapse of the ancient Maya civilization</a:t>
-            </a:r>
           </a:p>
         </p:txBody>
       </p:sp>
@@ -5359,6 +6889,87 @@
           </a:fontRef>
         </p:style>
       </p:cxnSp>
+      <p:pic>
+        <p:nvPicPr>
+          <p:cNvPr id="13" name="Picture 12" descr="A picture containing tree, rock, plant&#10;&#10;Description automatically generated">
+            <a:extLst>
+              <a:ext uri="{FF2B5EF4-FFF2-40B4-BE49-F238E27FC236}">
+                <a16:creationId xmlns:a16="http://schemas.microsoft.com/office/drawing/2014/main" id="{3578A6AF-D4DA-4367-F28C-885043A3CD56}"/>
+              </a:ext>
+            </a:extLst>
+          </p:cNvPr>
+          <p:cNvPicPr>
+            <a:picLocks noChangeAspect="1"/>
+          </p:cNvPicPr>
+          <p:nvPr/>
+        </p:nvPicPr>
+        <p:blipFill>
+          <a:blip r:embed="rId3">
+            <a:extLst>
+              <a:ext uri="{28A0092B-C50C-407E-A947-70E740481C1C}">
+                <a14:useLocalDpi xmlns:a14="http://schemas.microsoft.com/office/drawing/2010/main" val="0"/>
+              </a:ext>
+            </a:extLst>
+          </a:blip>
+          <a:stretch>
+            <a:fillRect/>
+          </a:stretch>
+        </p:blipFill>
+        <p:spPr>
+          <a:xfrm>
+            <a:off x="0" y="0"/>
+            <a:ext cx="12192000" cy="6858000"/>
+          </a:xfrm>
+          <a:prstGeom prst="rect">
+            <a:avLst/>
+          </a:prstGeom>
+        </p:spPr>
+      </p:pic>
+      <p:sp>
+        <p:nvSpPr>
+          <p:cNvPr id="2" name="TextBox 1">
+            <a:extLst>
+              <a:ext uri="{FF2B5EF4-FFF2-40B4-BE49-F238E27FC236}">
+                <a16:creationId xmlns:a16="http://schemas.microsoft.com/office/drawing/2014/main" id="{DBBB0177-90E1-6BA7-772F-D7E718AD4689}"/>
+              </a:ext>
+            </a:extLst>
+          </p:cNvPr>
+          <p:cNvSpPr txBox="1"/>
+          <p:nvPr/>
+        </p:nvSpPr>
+        <p:spPr>
+          <a:xfrm>
+            <a:off x="536027" y="0"/>
+            <a:ext cx="11119946" cy="584775"/>
+          </a:xfrm>
+          <a:prstGeom prst="rect">
+            <a:avLst/>
+          </a:prstGeom>
+          <a:noFill/>
+        </p:spPr>
+        <p:txBody>
+          <a:bodyPr wrap="square" rtlCol="0">
+            <a:spAutoFit/>
+          </a:bodyPr>
+          <a:lstStyle/>
+          <a:p>
+            <a:pPr algn="ctr"/>
+            <a:r>
+              <a:rPr lang="en-US" sz="3200" b="1" dirty="0">
+                <a:solidFill>
+                  <a:schemeClr val="bg1"/>
+                </a:solidFill>
+              </a:rPr>
+              <a:t>The Ancient Maya Civilization</a:t>
+            </a:r>
+            <a:endParaRPr lang="en-CA" sz="3200" b="1" dirty="0">
+              <a:solidFill>
+                <a:schemeClr val="bg1"/>
+              </a:solidFill>
+            </a:endParaRPr>
+          </a:p>
+        </p:txBody>
+      </p:sp>
     </p:spTree>
     <p:extLst>
       <p:ext uri="{BB962C8B-B14F-4D97-AF65-F5344CB8AC3E}">
@@ -5373,199 +6984,6 @@
 </file>
 
 <file path=ppt/slides/slide10.xml><?xml version="1.0" encoding="utf-8"?>
-<p:sld xmlns:a="http://schemas.openxmlformats.org/drawingml/2006/main" xmlns:r="http://schemas.openxmlformats.org/officeDocument/2006/relationships" xmlns:p="http://schemas.openxmlformats.org/presentationml/2006/main">
-  <p:cSld>
-    <p:spTree>
-      <p:nvGrpSpPr>
-        <p:cNvPr id="1" name=""/>
-        <p:cNvGrpSpPr/>
-        <p:nvPr/>
-      </p:nvGrpSpPr>
-      <p:grpSpPr>
-        <a:xfrm>
-          <a:off x="0" y="0"/>
-          <a:ext cx="0" cy="0"/>
-          <a:chOff x="0" y="0"/>
-          <a:chExt cx="0" cy="0"/>
-        </a:xfrm>
-      </p:grpSpPr>
-      <mc:AlternateContent xmlns:mc="http://schemas.openxmlformats.org/markup-compatibility/2006" xmlns:p14="http://schemas.microsoft.com/office/powerpoint/2010/main">
-        <mc:Choice Requires="p14">
-          <p:contentPart p14:bwMode="auto" r:id="rId3">
-            <p14:nvContentPartPr>
-              <p14:cNvPr id="2" name="Ink 1">
-                <a:extLst>
-                  <a:ext uri="{FF2B5EF4-FFF2-40B4-BE49-F238E27FC236}">
-                    <a16:creationId xmlns:a16="http://schemas.microsoft.com/office/drawing/2014/main" id="{DFA62668-2D1A-B432-CDA9-712BEDF34741}"/>
-                  </a:ext>
-                </a:extLst>
-              </p14:cNvPr>
-              <p14:cNvContentPartPr/>
-              <p14:nvPr/>
-            </p14:nvContentPartPr>
-            <p14:xfrm>
-              <a:off x="3388720" y="150427"/>
-              <a:ext cx="360" cy="360"/>
-            </p14:xfrm>
-          </p:contentPart>
-        </mc:Choice>
-        <mc:Fallback xmlns="">
-          <p:pic>
-            <p:nvPicPr>
-              <p:cNvPr id="2" name="Ink 1">
-                <a:extLst>
-                  <a:ext uri="{FF2B5EF4-FFF2-40B4-BE49-F238E27FC236}">
-                    <a16:creationId xmlns:a16="http://schemas.microsoft.com/office/drawing/2014/main" id="{DFA62668-2D1A-B432-CDA9-712BEDF34741}"/>
-                  </a:ext>
-                </a:extLst>
-              </p:cNvPr>
-              <p:cNvPicPr/>
-              <p:nvPr/>
-            </p:nvPicPr>
-            <p:blipFill>
-              <a:blip r:embed="rId4"/>
-              <a:stretch>
-                <a:fillRect/>
-              </a:stretch>
-            </p:blipFill>
-            <p:spPr>
-              <a:xfrm>
-                <a:off x="3379720" y="141427"/>
-                <a:ext cx="18000" cy="18000"/>
-              </a:xfrm>
-              <a:prstGeom prst="rect">
-                <a:avLst/>
-              </a:prstGeom>
-            </p:spPr>
-          </p:pic>
-        </mc:Fallback>
-      </mc:AlternateContent>
-      <p:sp>
-        <p:nvSpPr>
-          <p:cNvPr id="24" name="TextBox 23">
-            <a:extLst>
-              <a:ext uri="{FF2B5EF4-FFF2-40B4-BE49-F238E27FC236}">
-                <a16:creationId xmlns:a16="http://schemas.microsoft.com/office/drawing/2014/main" id="{0A8E9643-E02A-7D89-F787-5A3FE84FA99A}"/>
-              </a:ext>
-            </a:extLst>
-          </p:cNvPr>
-          <p:cNvSpPr txBox="1"/>
-          <p:nvPr/>
-        </p:nvSpPr>
-        <p:spPr>
-          <a:xfrm>
-            <a:off x="6767697" y="0"/>
-            <a:ext cx="5296251" cy="3338735"/>
-          </a:xfrm>
-          <a:prstGeom prst="rect">
-            <a:avLst/>
-          </a:prstGeom>
-          <a:noFill/>
-        </p:spPr>
-        <p:txBody>
-          <a:bodyPr wrap="square" rtlCol="0">
-            <a:spAutoFit/>
-          </a:bodyPr>
-          <a:lstStyle/>
-          <a:p>
-            <a:pPr>
-              <a:lnSpc>
-                <a:spcPct val="200000"/>
-              </a:lnSpc>
-            </a:pPr>
-            <a:r>
-              <a:rPr lang="en-US" dirty="0"/>
-              <a:t>	Before we elaborate more on what factors led to the collapse of the Mayan civilization, we must first discuss the characteristics of the Maya civilization. More specifically, we will discuss their social structure, agricultural practices, and resource reclamation and storage methods. </a:t>
-            </a:r>
-          </a:p>
-        </p:txBody>
-      </p:sp>
-      <p:pic>
-        <p:nvPicPr>
-          <p:cNvPr id="4" name="Picture 3" descr="Rows of green plants">
-            <a:extLst>
-              <a:ext uri="{FF2B5EF4-FFF2-40B4-BE49-F238E27FC236}">
-                <a16:creationId xmlns:a16="http://schemas.microsoft.com/office/drawing/2014/main" id="{428858C7-ACB3-D2E4-FB7E-E76325632436}"/>
-              </a:ext>
-            </a:extLst>
-          </p:cNvPr>
-          <p:cNvPicPr>
-            <a:picLocks noChangeAspect="1"/>
-          </p:cNvPicPr>
-          <p:nvPr/>
-        </p:nvPicPr>
-        <p:blipFill>
-          <a:blip r:embed="rId5">
-            <a:extLst>
-              <a:ext uri="{28A0092B-C50C-407E-A947-70E740481C1C}">
-                <a14:useLocalDpi xmlns:a14="http://schemas.microsoft.com/office/drawing/2010/main" val="0"/>
-              </a:ext>
-            </a:extLst>
-          </a:blip>
-          <a:stretch>
-            <a:fillRect/>
-          </a:stretch>
-        </p:blipFill>
-        <p:spPr>
-          <a:xfrm>
-            <a:off x="0" y="0"/>
-            <a:ext cx="5934081" cy="3338735"/>
-          </a:xfrm>
-          <a:prstGeom prst="rect">
-            <a:avLst/>
-          </a:prstGeom>
-        </p:spPr>
-      </p:pic>
-      <p:pic>
-        <p:nvPicPr>
-          <p:cNvPr id="6" name="Picture 5" descr="Diagram&#10;&#10;Description automatically generated with medium confidence">
-            <a:extLst>
-              <a:ext uri="{FF2B5EF4-FFF2-40B4-BE49-F238E27FC236}">
-                <a16:creationId xmlns:a16="http://schemas.microsoft.com/office/drawing/2014/main" id="{811EE9C7-EDDA-DEDE-18BD-A161D76D4DB5}"/>
-              </a:ext>
-            </a:extLst>
-          </p:cNvPr>
-          <p:cNvPicPr>
-            <a:picLocks noChangeAspect="1"/>
-          </p:cNvPicPr>
-          <p:nvPr/>
-        </p:nvPicPr>
-        <p:blipFill>
-          <a:blip r:embed="rId6">
-            <a:extLst>
-              <a:ext uri="{28A0092B-C50C-407E-A947-70E740481C1C}">
-                <a14:useLocalDpi xmlns:a14="http://schemas.microsoft.com/office/drawing/2010/main" val="0"/>
-              </a:ext>
-            </a:extLst>
-          </a:blip>
-          <a:stretch>
-            <a:fillRect/>
-          </a:stretch>
-        </p:blipFill>
-        <p:spPr>
-          <a:xfrm>
-            <a:off x="0" y="3338735"/>
-            <a:ext cx="5615007" cy="3519265"/>
-          </a:xfrm>
-          <a:prstGeom prst="rect">
-            <a:avLst/>
-          </a:prstGeom>
-        </p:spPr>
-      </p:pic>
-    </p:spTree>
-    <p:extLst>
-      <p:ext uri="{BB962C8B-B14F-4D97-AF65-F5344CB8AC3E}">
-        <p14:creationId xmlns:p14="http://schemas.microsoft.com/office/powerpoint/2010/main" val="3188445920"/>
-      </p:ext>
-    </p:extLst>
-  </p:cSld>
-  <p:clrMapOvr>
-    <a:masterClrMapping/>
-  </p:clrMapOvr>
-</p:sld>
-</file>
-
-<file path=ppt/slides/slide11.xml><?xml version="1.0" encoding="utf-8"?>
 <p:sld xmlns:a="http://schemas.openxmlformats.org/drawingml/2006/main" xmlns:r="http://schemas.openxmlformats.org/officeDocument/2006/relationships" xmlns:p="http://schemas.openxmlformats.org/presentationml/2006/main">
   <p:cSld>
     <p:bg>
@@ -6885,45 +8303,9 @@
           </a:p>
         </p:txBody>
       </p:sp>
-      <p:pic>
-        <p:nvPicPr>
-          <p:cNvPr id="9" name="Picture 8" descr="Diagram&#10;&#10;Description automatically generated with medium confidence">
-            <a:extLst>
-              <a:ext uri="{FF2B5EF4-FFF2-40B4-BE49-F238E27FC236}">
-                <a16:creationId xmlns:a16="http://schemas.microsoft.com/office/drawing/2014/main" id="{7683D94E-DA30-4B57-B4DE-B8D7DE76AAA1}"/>
-              </a:ext>
-            </a:extLst>
-          </p:cNvPr>
-          <p:cNvPicPr>
-            <a:picLocks noChangeAspect="1"/>
-          </p:cNvPicPr>
-          <p:nvPr/>
-        </p:nvPicPr>
-        <p:blipFill>
-          <a:blip r:embed="rId3">
-            <a:extLst>
-              <a:ext uri="{28A0092B-C50C-407E-A947-70E740481C1C}">
-                <a14:useLocalDpi xmlns:a14="http://schemas.microsoft.com/office/drawing/2010/main" val="0"/>
-              </a:ext>
-            </a:extLst>
-          </a:blip>
-          <a:stretch>
-            <a:fillRect/>
-          </a:stretch>
-        </p:blipFill>
-        <p:spPr>
-          <a:xfrm>
-            <a:off x="493120" y="1291076"/>
-            <a:ext cx="5791199" cy="3629695"/>
-          </a:xfrm>
-          <a:prstGeom prst="rect">
-            <a:avLst/>
-          </a:prstGeom>
-        </p:spPr>
-      </p:pic>
-      <mc:AlternateContent xmlns:mc="http://schemas.openxmlformats.org/markup-compatibility/2006">
-        <mc:Choice xmlns:p14="http://schemas.microsoft.com/office/powerpoint/2010/main" Requires="p14">
-          <p:contentPart p14:bwMode="auto" r:id="rId4">
+      <mc:AlternateContent xmlns:mc="http://schemas.openxmlformats.org/markup-compatibility/2006" xmlns:p14="http://schemas.microsoft.com/office/powerpoint/2010/main">
+        <mc:Choice Requires="p14">
+          <p:contentPart p14:bwMode="auto" r:id="rId3">
             <p14:nvContentPartPr>
               <p14:cNvPr id="2" name="Ink 1">
                 <a:extLst>
@@ -6941,7 +8323,7 @@
             </p14:xfrm>
           </p:contentPart>
         </mc:Choice>
-        <mc:Fallback>
+        <mc:Fallback xmlns="">
           <p:pic>
             <p:nvPicPr>
               <p:cNvPr id="2" name="Ink 1">
@@ -6955,7 +8337,7 @@
               <p:nvPr/>
             </p:nvPicPr>
             <p:blipFill>
-              <a:blip r:embed="rId5"/>
+              <a:blip r:embed="rId4"/>
               <a:stretch>
                 <a:fillRect/>
               </a:stretch>
@@ -7030,7 +8412,7 @@
         <p:spPr>
           <a:xfrm>
             <a:off x="6284319" y="702387"/>
-            <a:ext cx="5907681" cy="2777940"/>
+            <a:ext cx="5907681" cy="4993931"/>
           </a:xfrm>
           <a:prstGeom prst="rect">
             <a:avLst/>
@@ -7053,7 +8435,21 @@
                 <a:latin typeface="Times New Roman" panose="02020603050405020304" pitchFamily="18" charset="0"/>
                 <a:cs typeface="Times New Roman" panose="02020603050405020304" pitchFamily="18" charset="0"/>
               </a:rPr>
-              <a:t>	Like many civilizations in Mesoamerica at that time, the Mayans had a monarchy system to hierarchically organize society into six distinct groups: Kings, council members and priests, nobles and elite warriors, merchants and craftsmen, commoners and workers, and lastly, slaves. </a:t>
+              <a:t>	Like many civilizations in Mesoamerica, the Mayans had a monarchy system to hierarchically organize society into six distinct groups: Kings and queens, council members and priests, nobles and elite warriors, merchants and craftsmen, commoners and workers, and lastly, slaves. </a:t>
+            </a:r>
+          </a:p>
+          <a:p>
+            <a:pPr>
+              <a:lnSpc>
+                <a:spcPct val="200000"/>
+              </a:lnSpc>
+            </a:pPr>
+            <a:r>
+              <a:rPr lang="en-CA" dirty="0">
+                <a:latin typeface="Times New Roman" panose="02020603050405020304" pitchFamily="18" charset="0"/>
+                <a:cs typeface="Times New Roman" panose="02020603050405020304" pitchFamily="18" charset="0"/>
+              </a:rPr>
+              <a:t>	For our purposes, our discussion will mainly include only the highest and lowest levels of the monarchy. Specifically, only kings, priests, warriors, and commoners are relevant to our discussion. </a:t>
             </a:r>
           </a:p>
         </p:txBody>
@@ -7061,7 +8457,200 @@
     </p:spTree>
     <p:extLst>
       <p:ext uri="{BB962C8B-B14F-4D97-AF65-F5344CB8AC3E}">
-        <p14:creationId xmlns:p14="http://schemas.microsoft.com/office/powerpoint/2010/main" val="1216030913"/>
+        <p14:creationId xmlns:p14="http://schemas.microsoft.com/office/powerpoint/2010/main" val="2343951715"/>
+      </p:ext>
+    </p:extLst>
+  </p:cSld>
+  <p:clrMapOvr>
+    <a:masterClrMapping/>
+  </p:clrMapOvr>
+</p:sld>
+</file>
+
+<file path=ppt/slides/slide11.xml><?xml version="1.0" encoding="utf-8"?>
+<p:sld xmlns:a="http://schemas.openxmlformats.org/drawingml/2006/main" xmlns:r="http://schemas.openxmlformats.org/officeDocument/2006/relationships" xmlns:p="http://schemas.openxmlformats.org/presentationml/2006/main">
+  <p:cSld>
+    <p:spTree>
+      <p:nvGrpSpPr>
+        <p:cNvPr id="1" name=""/>
+        <p:cNvGrpSpPr/>
+        <p:nvPr/>
+      </p:nvGrpSpPr>
+      <p:grpSpPr>
+        <a:xfrm>
+          <a:off x="0" y="0"/>
+          <a:ext cx="0" cy="0"/>
+          <a:chOff x="0" y="0"/>
+          <a:chExt cx="0" cy="0"/>
+        </a:xfrm>
+      </p:grpSpPr>
+      <mc:AlternateContent xmlns:mc="http://schemas.openxmlformats.org/markup-compatibility/2006" xmlns:p14="http://schemas.microsoft.com/office/powerpoint/2010/main">
+        <mc:Choice Requires="p14">
+          <p:contentPart p14:bwMode="auto" r:id="rId3">
+            <p14:nvContentPartPr>
+              <p14:cNvPr id="2" name="Ink 1">
+                <a:extLst>
+                  <a:ext uri="{FF2B5EF4-FFF2-40B4-BE49-F238E27FC236}">
+                    <a16:creationId xmlns:a16="http://schemas.microsoft.com/office/drawing/2014/main" id="{DFA62668-2D1A-B432-CDA9-712BEDF34741}"/>
+                  </a:ext>
+                </a:extLst>
+              </p14:cNvPr>
+              <p14:cNvContentPartPr/>
+              <p14:nvPr/>
+            </p14:nvContentPartPr>
+            <p14:xfrm>
+              <a:off x="3388720" y="150427"/>
+              <a:ext cx="360" cy="360"/>
+            </p14:xfrm>
+          </p:contentPart>
+        </mc:Choice>
+        <mc:Fallback xmlns="">
+          <p:pic>
+            <p:nvPicPr>
+              <p:cNvPr id="2" name="Ink 1">
+                <a:extLst>
+                  <a:ext uri="{FF2B5EF4-FFF2-40B4-BE49-F238E27FC236}">
+                    <a16:creationId xmlns:a16="http://schemas.microsoft.com/office/drawing/2014/main" id="{DFA62668-2D1A-B432-CDA9-712BEDF34741}"/>
+                  </a:ext>
+                </a:extLst>
+              </p:cNvPr>
+              <p:cNvPicPr/>
+              <p:nvPr/>
+            </p:nvPicPr>
+            <p:blipFill>
+              <a:blip r:embed="rId4"/>
+              <a:stretch>
+                <a:fillRect/>
+              </a:stretch>
+            </p:blipFill>
+            <p:spPr>
+              <a:xfrm>
+                <a:off x="3379720" y="141427"/>
+                <a:ext cx="18000" cy="18000"/>
+              </a:xfrm>
+              <a:prstGeom prst="rect">
+                <a:avLst/>
+              </a:prstGeom>
+            </p:spPr>
+          </p:pic>
+        </mc:Fallback>
+      </mc:AlternateContent>
+      <p:sp>
+        <p:nvSpPr>
+          <p:cNvPr id="24" name="TextBox 23">
+            <a:extLst>
+              <a:ext uri="{FF2B5EF4-FFF2-40B4-BE49-F238E27FC236}">
+                <a16:creationId xmlns:a16="http://schemas.microsoft.com/office/drawing/2014/main" id="{0A8E9643-E02A-7D89-F787-5A3FE84FA99A}"/>
+              </a:ext>
+            </a:extLst>
+          </p:cNvPr>
+          <p:cNvSpPr txBox="1"/>
+          <p:nvPr/>
+        </p:nvSpPr>
+        <p:spPr>
+          <a:xfrm>
+            <a:off x="6767697" y="0"/>
+            <a:ext cx="5296251" cy="3338735"/>
+          </a:xfrm>
+          <a:prstGeom prst="rect">
+            <a:avLst/>
+          </a:prstGeom>
+          <a:noFill/>
+        </p:spPr>
+        <p:txBody>
+          <a:bodyPr wrap="square" rtlCol="0">
+            <a:spAutoFit/>
+          </a:bodyPr>
+          <a:lstStyle/>
+          <a:p>
+            <a:pPr>
+              <a:lnSpc>
+                <a:spcPct val="200000"/>
+              </a:lnSpc>
+            </a:pPr>
+            <a:r>
+              <a:rPr lang="en-US" dirty="0"/>
+              <a:t>	Before we elaborate more on what factors led to the collapse of the Mayan civilization, we must first discuss the characteristics of the Maya civilization. More specifically, we will discuss their social structure, agricultural practices, and resource reclamation and storage methods. </a:t>
+            </a:r>
+          </a:p>
+        </p:txBody>
+      </p:sp>
+      <p:pic>
+        <p:nvPicPr>
+          <p:cNvPr id="4" name="Picture 3" descr="Rows of green plants">
+            <a:extLst>
+              <a:ext uri="{FF2B5EF4-FFF2-40B4-BE49-F238E27FC236}">
+                <a16:creationId xmlns:a16="http://schemas.microsoft.com/office/drawing/2014/main" id="{428858C7-ACB3-D2E4-FB7E-E76325632436}"/>
+              </a:ext>
+            </a:extLst>
+          </p:cNvPr>
+          <p:cNvPicPr>
+            <a:picLocks noChangeAspect="1"/>
+          </p:cNvPicPr>
+          <p:nvPr/>
+        </p:nvPicPr>
+        <p:blipFill>
+          <a:blip r:embed="rId5">
+            <a:extLst>
+              <a:ext uri="{28A0092B-C50C-407E-A947-70E740481C1C}">
+                <a14:useLocalDpi xmlns:a14="http://schemas.microsoft.com/office/drawing/2010/main" val="0"/>
+              </a:ext>
+            </a:extLst>
+          </a:blip>
+          <a:stretch>
+            <a:fillRect/>
+          </a:stretch>
+        </p:blipFill>
+        <p:spPr>
+          <a:xfrm>
+            <a:off x="0" y="0"/>
+            <a:ext cx="5934081" cy="3338735"/>
+          </a:xfrm>
+          <a:prstGeom prst="rect">
+            <a:avLst/>
+          </a:prstGeom>
+        </p:spPr>
+      </p:pic>
+      <p:pic>
+        <p:nvPicPr>
+          <p:cNvPr id="6" name="Picture 5" descr="Diagram&#10;&#10;Description automatically generated with medium confidence">
+            <a:extLst>
+              <a:ext uri="{FF2B5EF4-FFF2-40B4-BE49-F238E27FC236}">
+                <a16:creationId xmlns:a16="http://schemas.microsoft.com/office/drawing/2014/main" id="{811EE9C7-EDDA-DEDE-18BD-A161D76D4DB5}"/>
+              </a:ext>
+            </a:extLst>
+          </p:cNvPr>
+          <p:cNvPicPr>
+            <a:picLocks noChangeAspect="1"/>
+          </p:cNvPicPr>
+          <p:nvPr/>
+        </p:nvPicPr>
+        <p:blipFill>
+          <a:blip r:embed="rId6">
+            <a:extLst>
+              <a:ext uri="{28A0092B-C50C-407E-A947-70E740481C1C}">
+                <a14:useLocalDpi xmlns:a14="http://schemas.microsoft.com/office/drawing/2010/main" val="0"/>
+              </a:ext>
+            </a:extLst>
+          </a:blip>
+          <a:stretch>
+            <a:fillRect/>
+          </a:stretch>
+        </p:blipFill>
+        <p:spPr>
+          <a:xfrm>
+            <a:off x="0" y="3338735"/>
+            <a:ext cx="5615007" cy="3519265"/>
+          </a:xfrm>
+          <a:prstGeom prst="rect">
+            <a:avLst/>
+          </a:prstGeom>
+        </p:spPr>
+      </p:pic>
+    </p:spTree>
+    <p:extLst>
+      <p:ext uri="{BB962C8B-B14F-4D97-AF65-F5344CB8AC3E}">
+        <p14:creationId xmlns:p14="http://schemas.microsoft.com/office/powerpoint/2010/main" val="3188445920"/>
       </p:ext>
     </p:extLst>
   </p:cSld>
@@ -8427,8 +10016,8 @@
           </a:prstGeom>
         </p:spPr>
       </p:pic>
-      <mc:AlternateContent xmlns:mc="http://schemas.openxmlformats.org/markup-compatibility/2006">
-        <mc:Choice xmlns:p14="http://schemas.microsoft.com/office/powerpoint/2010/main" Requires="p14">
+      <mc:AlternateContent xmlns:mc="http://schemas.openxmlformats.org/markup-compatibility/2006" xmlns:p14="http://schemas.microsoft.com/office/powerpoint/2010/main">
+        <mc:Choice Requires="p14">
           <p:contentPart p14:bwMode="auto" r:id="rId4">
             <p14:nvContentPartPr>
               <p14:cNvPr id="2" name="Ink 1">
@@ -8447,7 +10036,7 @@
             </p14:xfrm>
           </p:contentPart>
         </mc:Choice>
-        <mc:Fallback>
+        <mc:Fallback xmlns="">
           <p:pic>
             <p:nvPicPr>
               <p:cNvPr id="2" name="Ink 1">
@@ -8535,8 +10124,8 @@
         </p:nvSpPr>
         <p:spPr>
           <a:xfrm>
-            <a:off x="6096000" y="150427"/>
-            <a:ext cx="5963342" cy="5547929"/>
+            <a:off x="6284319" y="702387"/>
+            <a:ext cx="5907681" cy="2777940"/>
           </a:xfrm>
           <a:prstGeom prst="rect">
             <a:avLst/>
@@ -8549,7 +10138,7 @@
           </a:bodyPr>
           <a:lstStyle/>
           <a:p>
-            <a:pPr lvl="1">
+            <a:pPr>
               <a:lnSpc>
                 <a:spcPct val="200000"/>
               </a:lnSpc>
@@ -8559,7 +10148,7 @@
                 <a:latin typeface="Times New Roman" panose="02020603050405020304" pitchFamily="18" charset="0"/>
                 <a:cs typeface="Times New Roman" panose="02020603050405020304" pitchFamily="18" charset="0"/>
               </a:rPr>
-              <a:t>	Although a monarchy system at its core, the Maya civilization had one noble family ruling over each city. The position of king was completely hereditary, meaning the son of a king could be the only individual appointed king. Larger cities often had kings which controlled smaller ones immediately around them. Because of their absolute power, kings were considered sacred ruler who was believed to a descendant of a god. Eventually, the king was replaced if there was evidence that they lost favour with the gods.</a:t>
+              <a:t>	Like many civilizations in Mesoamerica at that time, the Mayans had a monarchy system to hierarchically organize society into six distinct groups: Kings, council members and priests, nobles and elite warriors, merchants and craftsmen, commoners and workers, and lastly, slaves. </a:t>
             </a:r>
           </a:p>
         </p:txBody>
@@ -8567,7 +10156,7 @@
     </p:spTree>
     <p:extLst>
       <p:ext uri="{BB962C8B-B14F-4D97-AF65-F5344CB8AC3E}">
-        <p14:creationId xmlns:p14="http://schemas.microsoft.com/office/powerpoint/2010/main" val="3786732017"/>
+        <p14:creationId xmlns:p14="http://schemas.microsoft.com/office/powerpoint/2010/main" val="1216030913"/>
       </p:ext>
     </p:extLst>
   </p:cSld>
@@ -9933,8 +11522,8 @@
           </a:prstGeom>
         </p:spPr>
       </p:pic>
-      <mc:AlternateContent xmlns:mc="http://schemas.openxmlformats.org/markup-compatibility/2006">
-        <mc:Choice xmlns:p14="http://schemas.microsoft.com/office/powerpoint/2010/main" Requires="p14">
+      <mc:AlternateContent xmlns:mc="http://schemas.openxmlformats.org/markup-compatibility/2006" xmlns:p14="http://schemas.microsoft.com/office/powerpoint/2010/main">
+        <mc:Choice Requires="p14">
           <p:contentPart p14:bwMode="auto" r:id="rId4">
             <p14:nvContentPartPr>
               <p14:cNvPr id="2" name="Ink 1">
@@ -9953,7 +11542,7 @@
             </p14:xfrm>
           </p:contentPart>
         </mc:Choice>
-        <mc:Fallback>
+        <mc:Fallback xmlns="">
           <p:pic>
             <p:nvPicPr>
               <p:cNvPr id="2" name="Ink 1">
@@ -10065,26 +11654,15 @@
                 <a:latin typeface="Times New Roman" panose="02020603050405020304" pitchFamily="18" charset="0"/>
                 <a:cs typeface="Times New Roman" panose="02020603050405020304" pitchFamily="18" charset="0"/>
               </a:rPr>
-              <a:t>	At the bottom of the hierarchy were the commoners, equivalent to lower- or working-class people of today. Because the Maya civilization depended so heavily on agriculture for food and trade, commoners were farmers for the entirety of the growing season, and builders of pyramids and other city structures otherwise. *Continue talk about commoners, warriors, regardless of social rank, what diet mainly consisted of, and how droughts and unfavourable climate conditions lead to </a:t>
+              <a:t>	Although a monarchy system at its core, the Maya civilization had one noble family ruling over each city. The position of king was completely hereditary, meaning the son of a king could be the only individual appointed king. Larger cities often had kings which controlled smaller ones immediately around them. Because of their absolute power, kings were considered sacred ruler who was believed to a descendant of a god. Eventually, the king was replaced if there was evidence that they lost favour with the gods.</a:t>
             </a:r>
-            <a:r>
-              <a:rPr lang="en-CA">
-                <a:latin typeface="Times New Roman" panose="02020603050405020304" pitchFamily="18" charset="0"/>
-                <a:cs typeface="Times New Roman" panose="02020603050405020304" pitchFamily="18" charset="0"/>
-              </a:rPr>
-              <a:t>the death of many commoners and farms* </a:t>
-            </a:r>
-            <a:endParaRPr lang="en-CA" dirty="0">
-              <a:latin typeface="Times New Roman" panose="02020603050405020304" pitchFamily="18" charset="0"/>
-              <a:cs typeface="Times New Roman" panose="02020603050405020304" pitchFamily="18" charset="0"/>
-            </a:endParaRPr>
           </a:p>
         </p:txBody>
       </p:sp>
     </p:spTree>
     <p:extLst>
       <p:ext uri="{BB962C8B-B14F-4D97-AF65-F5344CB8AC3E}">
-        <p14:creationId xmlns:p14="http://schemas.microsoft.com/office/powerpoint/2010/main" val="2446533789"/>
+        <p14:creationId xmlns:p14="http://schemas.microsoft.com/office/powerpoint/2010/main" val="3786732017"/>
       </p:ext>
     </p:extLst>
   </p:cSld>
@@ -11450,8 +13028,8 @@
           </a:prstGeom>
         </p:spPr>
       </p:pic>
-      <mc:AlternateContent xmlns:mc="http://schemas.openxmlformats.org/markup-compatibility/2006">
-        <mc:Choice xmlns:p14="http://schemas.microsoft.com/office/powerpoint/2010/main" Requires="p14">
+      <mc:AlternateContent xmlns:mc="http://schemas.openxmlformats.org/markup-compatibility/2006" xmlns:p14="http://schemas.microsoft.com/office/powerpoint/2010/main">
+        <mc:Choice Requires="p14">
           <p:contentPart p14:bwMode="auto" r:id="rId4">
             <p14:nvContentPartPr>
               <p14:cNvPr id="2" name="Ink 1">
@@ -11470,7 +13048,7 @@
             </p14:xfrm>
           </p:contentPart>
         </mc:Choice>
-        <mc:Fallback>
+        <mc:Fallback xmlns="">
           <p:pic>
             <p:nvPicPr>
               <p:cNvPr id="2" name="Ink 1">
@@ -11559,7 +13137,7 @@
         <p:spPr>
           <a:xfrm>
             <a:off x="6096000" y="150427"/>
-            <a:ext cx="5963342" cy="6101927"/>
+            <a:ext cx="5963342" cy="5547929"/>
           </a:xfrm>
           <a:prstGeom prst="rect">
             <a:avLst/>
@@ -11582,35 +13160,35 @@
                 <a:latin typeface="Times New Roman" panose="02020603050405020304" pitchFamily="18" charset="0"/>
                 <a:cs typeface="Times New Roman" panose="02020603050405020304" pitchFamily="18" charset="0"/>
               </a:rPr>
-              <a:t>	Immediately below kings were council members and priests. Because religion was well-grounded in Maya activities, priests were behind only kings in their social rankings, and considered the </a:t>
+              <a:t>	At the bottom of the hierarchy were the commoners, equivalent to lower- or working-class people of today. Because the Maya civilization depended so heavily on agriculture for food and trade, commoners were farmers for the entirety of the growing season, and builders of pyramids and other city structures otherwise. *Continue talk about commoners, warriors, regardless of social rank, what diet mainly consisted of, and how droughts and unfavourable climate conditions lead to </a:t>
             </a:r>
             <a:r>
-              <a:rPr lang="en-CA" i="1" dirty="0">
+              <a:rPr lang="en-CA">
                 <a:latin typeface="Times New Roman" panose="02020603050405020304" pitchFamily="18" charset="0"/>
                 <a:cs typeface="Times New Roman" panose="02020603050405020304" pitchFamily="18" charset="0"/>
               </a:rPr>
-              <a:t>keepers of knowledge</a:t>
+              <a:t>the death of many commoners and farms* </a:t>
             </a:r>
-            <a:r>
-              <a:rPr lang="en-CA" dirty="0">
-                <a:latin typeface="Times New Roman" panose="02020603050405020304" pitchFamily="18" charset="0"/>
-                <a:cs typeface="Times New Roman" panose="02020603050405020304" pitchFamily="18" charset="0"/>
-              </a:rPr>
-              <a:t>, those who were highly educated in religion, linguistics, mathematics, astronomy, astrology, and history. More importantly, they studied the complex Maya calendar and advised on when to plant crops for optimal harvest. Priests hosted regular religious ceremonies, with offerings or even a sacrifice, to communicate with the gods and interpret the gods’ will. </a:t>
-            </a:r>
+            <a:endParaRPr lang="en-CA" dirty="0">
+              <a:latin typeface="Times New Roman" panose="02020603050405020304" pitchFamily="18" charset="0"/>
+              <a:cs typeface="Times New Roman" panose="02020603050405020304" pitchFamily="18" charset="0"/>
+            </a:endParaRPr>
           </a:p>
         </p:txBody>
       </p:sp>
     </p:spTree>
     <p:extLst>
       <p:ext uri="{BB962C8B-B14F-4D97-AF65-F5344CB8AC3E}">
-        <p14:creationId xmlns:p14="http://schemas.microsoft.com/office/powerpoint/2010/main" val="1880494711"/>
+        <p14:creationId xmlns:p14="http://schemas.microsoft.com/office/powerpoint/2010/main" val="2446533789"/>
       </p:ext>
     </p:extLst>
   </p:cSld>
   <p:clrMapOvr>
     <a:masterClrMapping/>
   </p:clrMapOvr>
+  <p:transition spd="slow">
+    <p:push dir="u"/>
+  </p:transition>
 </p:sld>
 </file>
 
@@ -12934,6 +14512,4594 @@
           </a:p>
         </p:txBody>
       </p:sp>
+      <p:pic>
+        <p:nvPicPr>
+          <p:cNvPr id="9" name="Picture 8" descr="Diagram&#10;&#10;Description automatically generated with medium confidence">
+            <a:extLst>
+              <a:ext uri="{FF2B5EF4-FFF2-40B4-BE49-F238E27FC236}">
+                <a16:creationId xmlns:a16="http://schemas.microsoft.com/office/drawing/2014/main" id="{7683D94E-DA30-4B57-B4DE-B8D7DE76AAA1}"/>
+              </a:ext>
+            </a:extLst>
+          </p:cNvPr>
+          <p:cNvPicPr>
+            <a:picLocks noChangeAspect="1"/>
+          </p:cNvPicPr>
+          <p:nvPr/>
+        </p:nvPicPr>
+        <p:blipFill>
+          <a:blip r:embed="rId3">
+            <a:extLst>
+              <a:ext uri="{28A0092B-C50C-407E-A947-70E740481C1C}">
+                <a14:useLocalDpi xmlns:a14="http://schemas.microsoft.com/office/drawing/2010/main" val="0"/>
+              </a:ext>
+            </a:extLst>
+          </a:blip>
+          <a:stretch>
+            <a:fillRect/>
+          </a:stretch>
+        </p:blipFill>
+        <p:spPr>
+          <a:xfrm>
+            <a:off x="493120" y="1291076"/>
+            <a:ext cx="5791199" cy="3629695"/>
+          </a:xfrm>
+          <a:prstGeom prst="rect">
+            <a:avLst/>
+          </a:prstGeom>
+        </p:spPr>
+      </p:pic>
+      <mc:AlternateContent xmlns:mc="http://schemas.openxmlformats.org/markup-compatibility/2006" xmlns:p14="http://schemas.microsoft.com/office/powerpoint/2010/main">
+        <mc:Choice Requires="p14">
+          <p:contentPart p14:bwMode="auto" r:id="rId4">
+            <p14:nvContentPartPr>
+              <p14:cNvPr id="2" name="Ink 1">
+                <a:extLst>
+                  <a:ext uri="{FF2B5EF4-FFF2-40B4-BE49-F238E27FC236}">
+                    <a16:creationId xmlns:a16="http://schemas.microsoft.com/office/drawing/2014/main" id="{DFA62668-2D1A-B432-CDA9-712BEDF34741}"/>
+                  </a:ext>
+                </a:extLst>
+              </p14:cNvPr>
+              <p14:cNvContentPartPr/>
+              <p14:nvPr/>
+            </p14:nvContentPartPr>
+            <p14:xfrm>
+              <a:off x="3388720" y="150427"/>
+              <a:ext cx="360" cy="360"/>
+            </p14:xfrm>
+          </p:contentPart>
+        </mc:Choice>
+        <mc:Fallback xmlns="">
+          <p:pic>
+            <p:nvPicPr>
+              <p:cNvPr id="2" name="Ink 1">
+                <a:extLst>
+                  <a:ext uri="{FF2B5EF4-FFF2-40B4-BE49-F238E27FC236}">
+                    <a16:creationId xmlns:a16="http://schemas.microsoft.com/office/drawing/2014/main" id="{DFA62668-2D1A-B432-CDA9-712BEDF34741}"/>
+                  </a:ext>
+                </a:extLst>
+              </p:cNvPr>
+              <p:cNvPicPr/>
+              <p:nvPr/>
+            </p:nvPicPr>
+            <p:blipFill>
+              <a:blip r:embed="rId5"/>
+              <a:stretch>
+                <a:fillRect/>
+              </a:stretch>
+            </p:blipFill>
+            <p:spPr>
+              <a:xfrm>
+                <a:off x="3379720" y="141427"/>
+                <a:ext cx="18000" cy="18000"/>
+              </a:xfrm>
+              <a:prstGeom prst="rect">
+                <a:avLst/>
+              </a:prstGeom>
+            </p:spPr>
+          </p:pic>
+        </mc:Fallback>
+      </mc:AlternateContent>
+      <p:sp>
+        <p:nvSpPr>
+          <p:cNvPr id="24" name="TextBox 23">
+            <a:extLst>
+              <a:ext uri="{FF2B5EF4-FFF2-40B4-BE49-F238E27FC236}">
+                <a16:creationId xmlns:a16="http://schemas.microsoft.com/office/drawing/2014/main" id="{0A8E9643-E02A-7D89-F787-5A3FE84FA99A}"/>
+              </a:ext>
+            </a:extLst>
+          </p:cNvPr>
+          <p:cNvSpPr txBox="1"/>
+          <p:nvPr/>
+        </p:nvSpPr>
+        <p:spPr>
+          <a:xfrm>
+            <a:off x="6763091" y="0"/>
+            <a:ext cx="5296251" cy="568745"/>
+          </a:xfrm>
+          <a:prstGeom prst="rect">
+            <a:avLst/>
+          </a:prstGeom>
+          <a:noFill/>
+        </p:spPr>
+        <p:txBody>
+          <a:bodyPr wrap="square" rtlCol="0">
+            <a:spAutoFit/>
+          </a:bodyPr>
+          <a:lstStyle/>
+          <a:p>
+            <a:pPr>
+              <a:lnSpc>
+                <a:spcPct val="200000"/>
+              </a:lnSpc>
+              <a:spcAft>
+                <a:spcPts val="600"/>
+              </a:spcAft>
+            </a:pPr>
+            <a:r>
+              <a:rPr lang="en-US"/>
+              <a:t>	</a:t>
+            </a:r>
+          </a:p>
+        </p:txBody>
+      </p:sp>
+      <p:sp>
+        <p:nvSpPr>
+          <p:cNvPr id="10" name="TextBox 9">
+            <a:extLst>
+              <a:ext uri="{FF2B5EF4-FFF2-40B4-BE49-F238E27FC236}">
+                <a16:creationId xmlns:a16="http://schemas.microsoft.com/office/drawing/2014/main" id="{0D2F4D0D-036B-E583-8CA9-D2714B6761EF}"/>
+              </a:ext>
+            </a:extLst>
+          </p:cNvPr>
+          <p:cNvSpPr txBox="1"/>
+          <p:nvPr/>
+        </p:nvSpPr>
+        <p:spPr>
+          <a:xfrm>
+            <a:off x="6096000" y="150427"/>
+            <a:ext cx="5963342" cy="6101927"/>
+          </a:xfrm>
+          <a:prstGeom prst="rect">
+            <a:avLst/>
+          </a:prstGeom>
+          <a:noFill/>
+        </p:spPr>
+        <p:txBody>
+          <a:bodyPr wrap="square" rtlCol="0">
+            <a:spAutoFit/>
+          </a:bodyPr>
+          <a:lstStyle/>
+          <a:p>
+            <a:pPr lvl="1">
+              <a:lnSpc>
+                <a:spcPct val="200000"/>
+              </a:lnSpc>
+            </a:pPr>
+            <a:r>
+              <a:rPr lang="en-CA" dirty="0">
+                <a:latin typeface="Times New Roman" panose="02020603050405020304" pitchFamily="18" charset="0"/>
+                <a:cs typeface="Times New Roman" panose="02020603050405020304" pitchFamily="18" charset="0"/>
+              </a:rPr>
+              <a:t>	Immediately below kings were council members and priests. Because religion was well-grounded in Maya activities, priests were behind only kings in their social rankings, and considered the </a:t>
+            </a:r>
+            <a:r>
+              <a:rPr lang="en-CA" i="1" dirty="0">
+                <a:latin typeface="Times New Roman" panose="02020603050405020304" pitchFamily="18" charset="0"/>
+                <a:cs typeface="Times New Roman" panose="02020603050405020304" pitchFamily="18" charset="0"/>
+              </a:rPr>
+              <a:t>keepers of knowledge</a:t>
+            </a:r>
+            <a:r>
+              <a:rPr lang="en-CA" dirty="0">
+                <a:latin typeface="Times New Roman" panose="02020603050405020304" pitchFamily="18" charset="0"/>
+                <a:cs typeface="Times New Roman" panose="02020603050405020304" pitchFamily="18" charset="0"/>
+              </a:rPr>
+              <a:t>, those who were highly educated in religion, linguistics, mathematics, astronomy, astrology, and history. More importantly, they studied the complex Maya calendar and advised on when to plant crops for optimal harvest. Priests hosted regular religious ceremonies, with offerings or even a sacrifice, to communicate with the gods and interpret the gods’ will. </a:t>
+            </a:r>
+          </a:p>
+        </p:txBody>
+      </p:sp>
+    </p:spTree>
+    <p:extLst>
+      <p:ext uri="{BB962C8B-B14F-4D97-AF65-F5344CB8AC3E}">
+        <p14:creationId xmlns:p14="http://schemas.microsoft.com/office/powerpoint/2010/main" val="1880494711"/>
+      </p:ext>
+    </p:extLst>
+  </p:cSld>
+  <p:clrMapOvr>
+    <a:masterClrMapping/>
+  </p:clrMapOvr>
+</p:sld>
+</file>
+
+<file path=ppt/slides/slide16.xml><?xml version="1.0" encoding="utf-8"?>
+<p:sld xmlns:a="http://schemas.openxmlformats.org/drawingml/2006/main" xmlns:r="http://schemas.openxmlformats.org/officeDocument/2006/relationships" xmlns:p="http://schemas.openxmlformats.org/presentationml/2006/main">
+  <p:cSld>
+    <p:bg>
+      <p:bgPr>
+        <a:solidFill>
+          <a:schemeClr val="bg1"/>
+        </a:solidFill>
+        <a:effectLst/>
+      </p:bgPr>
+    </p:bg>
+    <p:spTree>
+      <p:nvGrpSpPr>
+        <p:cNvPr id="1" name=""/>
+        <p:cNvGrpSpPr/>
+        <p:nvPr/>
+      </p:nvGrpSpPr>
+      <p:grpSpPr>
+        <a:xfrm>
+          <a:off x="0" y="0"/>
+          <a:ext cx="0" cy="0"/>
+          <a:chOff x="0" y="0"/>
+          <a:chExt cx="0" cy="0"/>
+        </a:xfrm>
+      </p:grpSpPr>
+      <p:sp useBgFill="1">
+        <p:nvSpPr>
+          <p:cNvPr id="32" name="Rectangle 28">
+            <a:extLst>
+              <a:ext uri="{FF2B5EF4-FFF2-40B4-BE49-F238E27FC236}">
+                <a16:creationId xmlns:a16="http://schemas.microsoft.com/office/drawing/2014/main" id="{C7F55EAC-550A-4BDD-9099-3F20B8FA0EBC}"/>
+              </a:ext>
+              <a:ext uri="{C183D7F6-B498-43B3-948B-1728B52AA6E4}">
+                <adec:decorative xmlns:adec="http://schemas.microsoft.com/office/drawing/2017/decorative" val="1"/>
+              </a:ext>
+            </a:extLst>
+          </p:cNvPr>
+          <p:cNvSpPr>
+            <a:spLocks noGrp="1" noRot="1" noChangeAspect="1" noMove="1" noResize="1" noEditPoints="1" noAdjustHandles="1" noChangeArrowheads="1" noChangeShapeType="1" noTextEdit="1"/>
+          </p:cNvSpPr>
+          <p:nvPr>
+            <p:extLst>
+              <p:ext uri="{386F3935-93C4-4BCD-93E2-E3B085C9AB24}">
+                <p16:designElem xmlns:p16="http://schemas.microsoft.com/office/powerpoint/2015/main" val="1"/>
+              </p:ext>
+            </p:extLst>
+          </p:nvPr>
+        </p:nvSpPr>
+        <p:spPr>
+          <a:xfrm>
+            <a:off x="0" y="0"/>
+            <a:ext cx="12192000" cy="6858000"/>
+          </a:xfrm>
+          <a:prstGeom prst="rect">
+            <a:avLst/>
+          </a:prstGeom>
+          <a:ln>
+            <a:noFill/>
+          </a:ln>
+        </p:spPr>
+        <p:style>
+          <a:lnRef idx="2">
+            <a:schemeClr val="accent1">
+              <a:shade val="50000"/>
+            </a:schemeClr>
+          </a:lnRef>
+          <a:fillRef idx="1">
+            <a:schemeClr val="accent1"/>
+          </a:fillRef>
+          <a:effectRef idx="0">
+            <a:schemeClr val="accent1"/>
+          </a:effectRef>
+          <a:fontRef idx="minor">
+            <a:schemeClr val="lt1"/>
+          </a:fontRef>
+        </p:style>
+        <p:txBody>
+          <a:bodyPr rtlCol="0" anchor="ctr"/>
+          <a:lstStyle/>
+          <a:p>
+            <a:pPr algn="ctr"/>
+            <a:endParaRPr lang="en-US"/>
+          </a:p>
+        </p:txBody>
+      </p:sp>
+      <p:sp>
+        <p:nvSpPr>
+          <p:cNvPr id="31" name="Freeform: Shape 30">
+            <a:extLst>
+              <a:ext uri="{FF2B5EF4-FFF2-40B4-BE49-F238E27FC236}">
+                <a16:creationId xmlns:a16="http://schemas.microsoft.com/office/drawing/2014/main" id="{DC4F5A5F-493F-49AE-89B6-D5AF5EBC8B0E}"/>
+              </a:ext>
+              <a:ext uri="{C183D7F6-B498-43B3-948B-1728B52AA6E4}">
+                <adec:decorative xmlns:adec="http://schemas.microsoft.com/office/drawing/2017/decorative" val="1"/>
+              </a:ext>
+            </a:extLst>
+          </p:cNvPr>
+          <p:cNvSpPr>
+            <a:spLocks noGrp="1" noRot="1" noChangeAspect="1" noMove="1" noResize="1" noEditPoints="1" noAdjustHandles="1" noChangeArrowheads="1" noChangeShapeType="1" noTextEdit="1"/>
+          </p:cNvSpPr>
+          <p:nvPr>
+            <p:extLst>
+              <p:ext uri="{386F3935-93C4-4BCD-93E2-E3B085C9AB24}">
+                <p16:designElem xmlns:p16="http://schemas.microsoft.com/office/powerpoint/2015/main" val="1"/>
+              </p:ext>
+            </p:extLst>
+          </p:nvPr>
+        </p:nvSpPr>
+        <p:spPr>
+          <a:xfrm>
+            <a:off x="0" y="0"/>
+            <a:ext cx="12192000" cy="6858000"/>
+          </a:xfrm>
+          <a:custGeom>
+            <a:avLst/>
+            <a:gdLst>
+              <a:gd name="connsiteX0" fmla="*/ 6724001 w 12192000"/>
+              <a:gd name="connsiteY0" fmla="*/ 434021 h 6858000"/>
+              <a:gd name="connsiteX1" fmla="*/ 6471155 w 12192000"/>
+              <a:gd name="connsiteY1" fmla="*/ 434599 h 6858000"/>
+              <a:gd name="connsiteX2" fmla="*/ 5384913 w 12192000"/>
+              <a:gd name="connsiteY2" fmla="*/ 497971 h 6858000"/>
+              <a:gd name="connsiteX3" fmla="*/ 4818280 w 12192000"/>
+              <a:gd name="connsiteY3" fmla="*/ 541802 h 6858000"/>
+              <a:gd name="connsiteX4" fmla="*/ 3965428 w 12192000"/>
+              <a:gd name="connsiteY4" fmla="*/ 675942 h 6858000"/>
+              <a:gd name="connsiteX5" fmla="*/ 3699528 w 12192000"/>
+              <a:gd name="connsiteY5" fmla="*/ 770472 h 6858000"/>
+              <a:gd name="connsiteX6" fmla="*/ 3438854 w 12192000"/>
+              <a:gd name="connsiteY6" fmla="*/ 834899 h 6858000"/>
+              <a:gd name="connsiteX7" fmla="*/ 3367443 w 12192000"/>
+              <a:gd name="connsiteY7" fmla="*/ 893518 h 6858000"/>
+              <a:gd name="connsiteX8" fmla="*/ 3467301 w 12192000"/>
+              <a:gd name="connsiteY8" fmla="*/ 953722 h 6858000"/>
+              <a:gd name="connsiteX9" fmla="*/ 3889955 w 12192000"/>
+              <a:gd name="connsiteY9" fmla="*/ 977486 h 6858000"/>
+              <a:gd name="connsiteX10" fmla="*/ 3502135 w 12192000"/>
+              <a:gd name="connsiteY10" fmla="*/ 1054062 h 6858000"/>
+              <a:gd name="connsiteX11" fmla="*/ 4072832 w 12192000"/>
+              <a:gd name="connsiteY11" fmla="*/ 1017622 h 6858000"/>
+              <a:gd name="connsiteX12" fmla="*/ 4244099 w 12192000"/>
+              <a:gd name="connsiteY12" fmla="*/ 1030825 h 6858000"/>
+              <a:gd name="connsiteX13" fmla="*/ 4095475 w 12192000"/>
+              <a:gd name="connsiteY13" fmla="*/ 1092084 h 6858000"/>
+              <a:gd name="connsiteX14" fmla="*/ 3327386 w 12192000"/>
+              <a:gd name="connsiteY14" fmla="*/ 1215660 h 6858000"/>
+              <a:gd name="connsiteX15" fmla="*/ 3254813 w 12192000"/>
+              <a:gd name="connsiteY15" fmla="*/ 1226749 h 6858000"/>
+              <a:gd name="connsiteX16" fmla="*/ 2776427 w 12192000"/>
+              <a:gd name="connsiteY16" fmla="*/ 1401552 h 6858000"/>
+              <a:gd name="connsiteX17" fmla="*/ 3063226 w 12192000"/>
+              <a:gd name="connsiteY17" fmla="*/ 1384124 h 6858000"/>
+              <a:gd name="connsiteX18" fmla="*/ 2754945 w 12192000"/>
+              <a:gd name="connsiteY18" fmla="*/ 1495025 h 6858000"/>
+              <a:gd name="connsiteX19" fmla="*/ 2381061 w 12192000"/>
+              <a:gd name="connsiteY19" fmla="*/ 1619658 h 6858000"/>
+              <a:gd name="connsiteX20" fmla="*/ 2008336 w 12192000"/>
+              <a:gd name="connsiteY20" fmla="*/ 1814527 h 6858000"/>
+              <a:gd name="connsiteX21" fmla="*/ 1740695 w 12192000"/>
+              <a:gd name="connsiteY21" fmla="*/ 1914337 h 6858000"/>
+              <a:gd name="connsiteX22" fmla="*/ 1787720 w 12192000"/>
+              <a:gd name="connsiteY22" fmla="*/ 1991970 h 6858000"/>
+              <a:gd name="connsiteX23" fmla="*/ 1754048 w 12192000"/>
+              <a:gd name="connsiteY23" fmla="*/ 2078049 h 6858000"/>
+              <a:gd name="connsiteX24" fmla="*/ 2228951 w 12192000"/>
+              <a:gd name="connsiteY24" fmla="*/ 1996721 h 6858000"/>
+              <a:gd name="connsiteX25" fmla="*/ 2054781 w 12192000"/>
+              <a:gd name="connsiteY25" fmla="*/ 2053228 h 6858000"/>
+              <a:gd name="connsiteX26" fmla="*/ 1985693 w 12192000"/>
+              <a:gd name="connsiteY26" fmla="*/ 2109207 h 6858000"/>
+              <a:gd name="connsiteX27" fmla="*/ 2061168 w 12192000"/>
+              <a:gd name="connsiteY27" fmla="*/ 2130859 h 6858000"/>
+              <a:gd name="connsiteX28" fmla="*/ 2388026 w 12192000"/>
+              <a:gd name="connsiteY28" fmla="*/ 2184726 h 6858000"/>
+              <a:gd name="connsiteX29" fmla="*/ 1560719 w 12192000"/>
+              <a:gd name="connsiteY29" fmla="*/ 2384876 h 6858000"/>
+              <a:gd name="connsiteX30" fmla="*/ 1679734 w 12192000"/>
+              <a:gd name="connsiteY30" fmla="*/ 2400191 h 6858000"/>
+              <a:gd name="connsiteX31" fmla="*/ 2882089 w 12192000"/>
+              <a:gd name="connsiteY31" fmla="*/ 2383292 h 6858000"/>
+              <a:gd name="connsiteX32" fmla="*/ 3116638 w 12192000"/>
+              <a:gd name="connsiteY32" fmla="*/ 2359528 h 6858000"/>
+              <a:gd name="connsiteX33" fmla="*/ 2897765 w 12192000"/>
+              <a:gd name="connsiteY33" fmla="*/ 2758243 h 6858000"/>
+              <a:gd name="connsiteX34" fmla="*/ 2981367 w 12192000"/>
+              <a:gd name="connsiteY34" fmla="*/ 2829008 h 6858000"/>
+              <a:gd name="connsiteX35" fmla="*/ 2682955 w 12192000"/>
+              <a:gd name="connsiteY35" fmla="*/ 2846436 h 6858000"/>
+              <a:gd name="connsiteX36" fmla="*/ 2099485 w 12192000"/>
+              <a:gd name="connsiteY36" fmla="*/ 3066653 h 6858000"/>
+              <a:gd name="connsiteX37" fmla="*/ 1807460 w 12192000"/>
+              <a:gd name="connsiteY37" fmla="*/ 3454808 h 6858000"/>
+              <a:gd name="connsiteX38" fmla="*/ 1921251 w 12192000"/>
+              <a:gd name="connsiteY38" fmla="*/ 3540889 h 6858000"/>
+              <a:gd name="connsiteX39" fmla="*/ 1453313 w 12192000"/>
+              <a:gd name="connsiteY39" fmla="*/ 3637002 h 6858000"/>
+              <a:gd name="connsiteX40" fmla="*/ 1686122 w 12192000"/>
+              <a:gd name="connsiteY40" fmla="*/ 3667634 h 6858000"/>
+              <a:gd name="connsiteX41" fmla="*/ 1513692 w 12192000"/>
+              <a:gd name="connsiteY41" fmla="*/ 3725196 h 6858000"/>
+              <a:gd name="connsiteX42" fmla="*/ 1369711 w 12192000"/>
+              <a:gd name="connsiteY42" fmla="*/ 3826063 h 6858000"/>
+              <a:gd name="connsiteX43" fmla="*/ 2051298 w 12192000"/>
+              <a:gd name="connsiteY43" fmla="*/ 3754242 h 6858000"/>
+              <a:gd name="connsiteX44" fmla="*/ 2245207 w 12192000"/>
+              <a:gd name="connsiteY44" fmla="*/ 3797018 h 6858000"/>
+              <a:gd name="connsiteX45" fmla="*/ 2353192 w 12192000"/>
+              <a:gd name="connsiteY45" fmla="*/ 3796489 h 6858000"/>
+              <a:gd name="connsiteX46" fmla="*/ 2490207 w 12192000"/>
+              <a:gd name="connsiteY46" fmla="*/ 3801242 h 6858000"/>
+              <a:gd name="connsiteX47" fmla="*/ 2375835 w 12192000"/>
+              <a:gd name="connsiteY47" fmla="*/ 3839794 h 6858000"/>
+              <a:gd name="connsiteX48" fmla="*/ 2522138 w 12192000"/>
+              <a:gd name="connsiteY48" fmla="*/ 4009841 h 6858000"/>
+              <a:gd name="connsiteX49" fmla="*/ 1998466 w 12192000"/>
+              <a:gd name="connsiteY49" fmla="*/ 4130778 h 6858000"/>
+              <a:gd name="connsiteX50" fmla="*/ 2114580 w 12192000"/>
+              <a:gd name="connsiteY50" fmla="*/ 4154543 h 6858000"/>
+              <a:gd name="connsiteX51" fmla="*/ 2177862 w 12192000"/>
+              <a:gd name="connsiteY51" fmla="*/ 4189925 h 6858000"/>
+              <a:gd name="connsiteX52" fmla="*/ 1868419 w 12192000"/>
+              <a:gd name="connsiteY52" fmla="*/ 4382153 h 6858000"/>
+              <a:gd name="connsiteX53" fmla="*/ 2279460 w 12192000"/>
+              <a:gd name="connsiteY53" fmla="*/ 4356805 h 6858000"/>
+              <a:gd name="connsiteX54" fmla="*/ 2029817 w 12192000"/>
+              <a:gd name="connsiteY54" fmla="*/ 4468235 h 6858000"/>
+              <a:gd name="connsiteX55" fmla="*/ 1560137 w 12192000"/>
+              <a:gd name="connsiteY55" fmla="*/ 4730172 h 6858000"/>
+              <a:gd name="connsiteX56" fmla="*/ 1956664 w 12192000"/>
+              <a:gd name="connsiteY56" fmla="*/ 4820477 h 6858000"/>
+              <a:gd name="connsiteX57" fmla="*/ 3268168 w 12192000"/>
+              <a:gd name="connsiteY57" fmla="*/ 4852692 h 6858000"/>
+              <a:gd name="connsiteX58" fmla="*/ 2807197 w 12192000"/>
+              <a:gd name="connsiteY58" fmla="*/ 4939300 h 6858000"/>
+              <a:gd name="connsiteX59" fmla="*/ 2721272 w 12192000"/>
+              <a:gd name="connsiteY59" fmla="*/ 4970458 h 6858000"/>
+              <a:gd name="connsiteX60" fmla="*/ 2802552 w 12192000"/>
+              <a:gd name="connsiteY60" fmla="*/ 5014291 h 6858000"/>
+              <a:gd name="connsiteX61" fmla="*/ 2537812 w 12192000"/>
+              <a:gd name="connsiteY61" fmla="*/ 5053898 h 6858000"/>
+              <a:gd name="connsiteX62" fmla="*/ 2569744 w 12192000"/>
+              <a:gd name="connsiteY62" fmla="*/ 5153182 h 6858000"/>
+              <a:gd name="connsiteX63" fmla="*/ 1987436 w 12192000"/>
+              <a:gd name="connsiteY63" fmla="*/ 5334320 h 6858000"/>
+              <a:gd name="connsiteX64" fmla="*/ 1972921 w 12192000"/>
+              <a:gd name="connsiteY64" fmla="*/ 5382376 h 6858000"/>
+              <a:gd name="connsiteX65" fmla="*/ 2341001 w 12192000"/>
+              <a:gd name="connsiteY65" fmla="*/ 5360725 h 6858000"/>
+              <a:gd name="connsiteX66" fmla="*/ 2710822 w 12192000"/>
+              <a:gd name="connsiteY66" fmla="*/ 5418816 h 6858000"/>
+              <a:gd name="connsiteX67" fmla="*/ 2833903 w 12192000"/>
+              <a:gd name="connsiteY67" fmla="*/ 5413007 h 6858000"/>
+              <a:gd name="connsiteX68" fmla="*/ 3011556 w 12192000"/>
+              <a:gd name="connsiteY68" fmla="*/ 5399276 h 6858000"/>
+              <a:gd name="connsiteX69" fmla="*/ 3254233 w 12192000"/>
+              <a:gd name="connsiteY69" fmla="*/ 5439412 h 6858000"/>
+              <a:gd name="connsiteX70" fmla="*/ 2792101 w 12192000"/>
+              <a:gd name="connsiteY70" fmla="*/ 5471625 h 6858000"/>
+              <a:gd name="connsiteX71" fmla="*/ 2977303 w 12192000"/>
+              <a:gd name="connsiteY71" fmla="*/ 5539751 h 6858000"/>
+              <a:gd name="connsiteX72" fmla="*/ 3656566 w 12192000"/>
+              <a:gd name="connsiteY72" fmla="*/ 5678642 h 6858000"/>
+              <a:gd name="connsiteX73" fmla="*/ 4858340 w 12192000"/>
+              <a:gd name="connsiteY73" fmla="*/ 5969625 h 6858000"/>
+              <a:gd name="connsiteX74" fmla="*/ 5296668 w 12192000"/>
+              <a:gd name="connsiteY74" fmla="*/ 6043559 h 6858000"/>
+              <a:gd name="connsiteX75" fmla="*/ 5456323 w 12192000"/>
+              <a:gd name="connsiteY75" fmla="*/ 6042502 h 6858000"/>
+              <a:gd name="connsiteX76" fmla="*/ 5267058 w 12192000"/>
+              <a:gd name="connsiteY76" fmla="*/ 6100066 h 6858000"/>
+              <a:gd name="connsiteX77" fmla="*/ 7095266 w 12192000"/>
+              <a:gd name="connsiteY77" fmla="*/ 6287541 h 6858000"/>
+              <a:gd name="connsiteX78" fmla="*/ 9707235 w 12192000"/>
+              <a:gd name="connsiteY78" fmla="*/ 5994446 h 6858000"/>
+              <a:gd name="connsiteX79" fmla="*/ 10083442 w 12192000"/>
+              <a:gd name="connsiteY79" fmla="*/ 5678642 h 6858000"/>
+              <a:gd name="connsiteX80" fmla="*/ 10338892 w 12192000"/>
+              <a:gd name="connsiteY80" fmla="*/ 4650957 h 6858000"/>
+              <a:gd name="connsiteX81" fmla="*/ 10628013 w 12192000"/>
+              <a:gd name="connsiteY81" fmla="*/ 4411198 h 6858000"/>
+              <a:gd name="connsiteX82" fmla="*/ 10802766 w 12192000"/>
+              <a:gd name="connsiteY82" fmla="*/ 4258050 h 6858000"/>
+              <a:gd name="connsiteX83" fmla="*/ 10614662 w 12192000"/>
+              <a:gd name="connsiteY83" fmla="*/ 4150318 h 6858000"/>
+              <a:gd name="connsiteX84" fmla="*/ 10681427 w 12192000"/>
+              <a:gd name="connsiteY84" fmla="*/ 4054203 h 6858000"/>
+              <a:gd name="connsiteX85" fmla="*/ 10520029 w 12192000"/>
+              <a:gd name="connsiteY85" fmla="*/ 3804411 h 6858000"/>
+              <a:gd name="connsiteX86" fmla="*/ 10568798 w 12192000"/>
+              <a:gd name="connsiteY86" fmla="*/ 3466426 h 6858000"/>
+              <a:gd name="connsiteX87" fmla="*/ 10499709 w 12192000"/>
+              <a:gd name="connsiteY87" fmla="*/ 3166465 h 6858000"/>
+              <a:gd name="connsiteX88" fmla="*/ 10489840 w 12192000"/>
+              <a:gd name="connsiteY88" fmla="*/ 2546475 h 6858000"/>
+              <a:gd name="connsiteX89" fmla="*/ 10584471 w 12192000"/>
+              <a:gd name="connsiteY89" fmla="*/ 2512148 h 6858000"/>
+              <a:gd name="connsiteX90" fmla="*/ 10695942 w 12192000"/>
+              <a:gd name="connsiteY90" fmla="*/ 2358471 h 6858000"/>
+              <a:gd name="connsiteX91" fmla="*/ 10732516 w 12192000"/>
+              <a:gd name="connsiteY91" fmla="*/ 2287706 h 6858000"/>
+              <a:gd name="connsiteX92" fmla="*/ 10731357 w 12192000"/>
+              <a:gd name="connsiteY92" fmla="*/ 2137725 h 6858000"/>
+              <a:gd name="connsiteX93" fmla="*/ 10678525 w 12192000"/>
+              <a:gd name="connsiteY93" fmla="*/ 2070656 h 6858000"/>
+              <a:gd name="connsiteX94" fmla="*/ 10735999 w 12192000"/>
+              <a:gd name="connsiteY94" fmla="*/ 1956587 h 6858000"/>
+              <a:gd name="connsiteX95" fmla="*/ 10824246 w 12192000"/>
+              <a:gd name="connsiteY95" fmla="*/ 1862584 h 6858000"/>
+              <a:gd name="connsiteX96" fmla="*/ 10773156 w 12192000"/>
+              <a:gd name="connsiteY96" fmla="*/ 1768054 h 6858000"/>
+              <a:gd name="connsiteX97" fmla="*/ 10716261 w 12192000"/>
+              <a:gd name="connsiteY97" fmla="*/ 1678278 h 6858000"/>
+              <a:gd name="connsiteX98" fmla="*/ 10554864 w 12192000"/>
+              <a:gd name="connsiteY98" fmla="*/ 1477599 h 6858000"/>
+              <a:gd name="connsiteX99" fmla="*/ 10267483 w 12192000"/>
+              <a:gd name="connsiteY99" fmla="*/ 1324977 h 6858000"/>
+              <a:gd name="connsiteX100" fmla="*/ 9913337 w 12192000"/>
+              <a:gd name="connsiteY100" fmla="*/ 1202458 h 6858000"/>
+              <a:gd name="connsiteX101" fmla="*/ 10024805 w 12192000"/>
+              <a:gd name="connsiteY101" fmla="*/ 1124827 h 6858000"/>
+              <a:gd name="connsiteX102" fmla="*/ 9411726 w 12192000"/>
+              <a:gd name="connsiteY102" fmla="*/ 980655 h 6858000"/>
+              <a:gd name="connsiteX103" fmla="*/ 9930753 w 12192000"/>
+              <a:gd name="connsiteY103" fmla="*/ 901968 h 6858000"/>
+              <a:gd name="connsiteX104" fmla="*/ 9894178 w 12192000"/>
+              <a:gd name="connsiteY104" fmla="*/ 871339 h 6858000"/>
+              <a:gd name="connsiteX105" fmla="*/ 9858182 w 12192000"/>
+              <a:gd name="connsiteY105" fmla="*/ 839125 h 6858000"/>
+              <a:gd name="connsiteX106" fmla="*/ 10131050 w 12192000"/>
+              <a:gd name="connsiteY106" fmla="*/ 792652 h 6858000"/>
+              <a:gd name="connsiteX107" fmla="*/ 10006808 w 12192000"/>
+              <a:gd name="connsiteY107" fmla="*/ 731920 h 6858000"/>
+              <a:gd name="connsiteX108" fmla="*/ 10233809 w 12192000"/>
+              <a:gd name="connsiteY108" fmla="*/ 710268 h 6858000"/>
+              <a:gd name="connsiteX109" fmla="*/ 10267483 w 12192000"/>
+              <a:gd name="connsiteY109" fmla="*/ 628940 h 6858000"/>
+              <a:gd name="connsiteX110" fmla="*/ 10136275 w 12192000"/>
+              <a:gd name="connsiteY110" fmla="*/ 589333 h 6858000"/>
+              <a:gd name="connsiteX111" fmla="*/ 9131312 w 12192000"/>
+              <a:gd name="connsiteY111" fmla="*/ 480544 h 6858000"/>
+              <a:gd name="connsiteX112" fmla="*/ 7479600 w 12192000"/>
+              <a:gd name="connsiteY112" fmla="*/ 454667 h 6858000"/>
+              <a:gd name="connsiteX113" fmla="*/ 6724001 w 12192000"/>
+              <a:gd name="connsiteY113" fmla="*/ 434021 h 6858000"/>
+              <a:gd name="connsiteX114" fmla="*/ 0 w 12192000"/>
+              <a:gd name="connsiteY114" fmla="*/ 0 h 6858000"/>
+              <a:gd name="connsiteX115" fmla="*/ 12192000 w 12192000"/>
+              <a:gd name="connsiteY115" fmla="*/ 0 h 6858000"/>
+              <a:gd name="connsiteX116" fmla="*/ 12192000 w 12192000"/>
+              <a:gd name="connsiteY116" fmla="*/ 6858000 h 6858000"/>
+              <a:gd name="connsiteX117" fmla="*/ 0 w 12192000"/>
+              <a:gd name="connsiteY117" fmla="*/ 6858000 h 6858000"/>
+            </a:gdLst>
+            <a:ahLst/>
+            <a:cxnLst>
+              <a:cxn ang="0">
+                <a:pos x="connsiteX0" y="connsiteY0"/>
+              </a:cxn>
+              <a:cxn ang="0">
+                <a:pos x="connsiteX1" y="connsiteY1"/>
+              </a:cxn>
+              <a:cxn ang="0">
+                <a:pos x="connsiteX2" y="connsiteY2"/>
+              </a:cxn>
+              <a:cxn ang="0">
+                <a:pos x="connsiteX3" y="connsiteY3"/>
+              </a:cxn>
+              <a:cxn ang="0">
+                <a:pos x="connsiteX4" y="connsiteY4"/>
+              </a:cxn>
+              <a:cxn ang="0">
+                <a:pos x="connsiteX5" y="connsiteY5"/>
+              </a:cxn>
+              <a:cxn ang="0">
+                <a:pos x="connsiteX6" y="connsiteY6"/>
+              </a:cxn>
+              <a:cxn ang="0">
+                <a:pos x="connsiteX7" y="connsiteY7"/>
+              </a:cxn>
+              <a:cxn ang="0">
+                <a:pos x="connsiteX8" y="connsiteY8"/>
+              </a:cxn>
+              <a:cxn ang="0">
+                <a:pos x="connsiteX9" y="connsiteY9"/>
+              </a:cxn>
+              <a:cxn ang="0">
+                <a:pos x="connsiteX10" y="connsiteY10"/>
+              </a:cxn>
+              <a:cxn ang="0">
+                <a:pos x="connsiteX11" y="connsiteY11"/>
+              </a:cxn>
+              <a:cxn ang="0">
+                <a:pos x="connsiteX12" y="connsiteY12"/>
+              </a:cxn>
+              <a:cxn ang="0">
+                <a:pos x="connsiteX13" y="connsiteY13"/>
+              </a:cxn>
+              <a:cxn ang="0">
+                <a:pos x="connsiteX14" y="connsiteY14"/>
+              </a:cxn>
+              <a:cxn ang="0">
+                <a:pos x="connsiteX15" y="connsiteY15"/>
+              </a:cxn>
+              <a:cxn ang="0">
+                <a:pos x="connsiteX16" y="connsiteY16"/>
+              </a:cxn>
+              <a:cxn ang="0">
+                <a:pos x="connsiteX17" y="connsiteY17"/>
+              </a:cxn>
+              <a:cxn ang="0">
+                <a:pos x="connsiteX18" y="connsiteY18"/>
+              </a:cxn>
+              <a:cxn ang="0">
+                <a:pos x="connsiteX19" y="connsiteY19"/>
+              </a:cxn>
+              <a:cxn ang="0">
+                <a:pos x="connsiteX20" y="connsiteY20"/>
+              </a:cxn>
+              <a:cxn ang="0">
+                <a:pos x="connsiteX21" y="connsiteY21"/>
+              </a:cxn>
+              <a:cxn ang="0">
+                <a:pos x="connsiteX22" y="connsiteY22"/>
+              </a:cxn>
+              <a:cxn ang="0">
+                <a:pos x="connsiteX23" y="connsiteY23"/>
+              </a:cxn>
+              <a:cxn ang="0">
+                <a:pos x="connsiteX24" y="connsiteY24"/>
+              </a:cxn>
+              <a:cxn ang="0">
+                <a:pos x="connsiteX25" y="connsiteY25"/>
+              </a:cxn>
+              <a:cxn ang="0">
+                <a:pos x="connsiteX26" y="connsiteY26"/>
+              </a:cxn>
+              <a:cxn ang="0">
+                <a:pos x="connsiteX27" y="connsiteY27"/>
+              </a:cxn>
+              <a:cxn ang="0">
+                <a:pos x="connsiteX28" y="connsiteY28"/>
+              </a:cxn>
+              <a:cxn ang="0">
+                <a:pos x="connsiteX29" y="connsiteY29"/>
+              </a:cxn>
+              <a:cxn ang="0">
+                <a:pos x="connsiteX30" y="connsiteY30"/>
+              </a:cxn>
+              <a:cxn ang="0">
+                <a:pos x="connsiteX31" y="connsiteY31"/>
+              </a:cxn>
+              <a:cxn ang="0">
+                <a:pos x="connsiteX32" y="connsiteY32"/>
+              </a:cxn>
+              <a:cxn ang="0">
+                <a:pos x="connsiteX33" y="connsiteY33"/>
+              </a:cxn>
+              <a:cxn ang="0">
+                <a:pos x="connsiteX34" y="connsiteY34"/>
+              </a:cxn>
+              <a:cxn ang="0">
+                <a:pos x="connsiteX35" y="connsiteY35"/>
+              </a:cxn>
+              <a:cxn ang="0">
+                <a:pos x="connsiteX36" y="connsiteY36"/>
+              </a:cxn>
+              <a:cxn ang="0">
+                <a:pos x="connsiteX37" y="connsiteY37"/>
+              </a:cxn>
+              <a:cxn ang="0">
+                <a:pos x="connsiteX38" y="connsiteY38"/>
+              </a:cxn>
+              <a:cxn ang="0">
+                <a:pos x="connsiteX39" y="connsiteY39"/>
+              </a:cxn>
+              <a:cxn ang="0">
+                <a:pos x="connsiteX40" y="connsiteY40"/>
+              </a:cxn>
+              <a:cxn ang="0">
+                <a:pos x="connsiteX41" y="connsiteY41"/>
+              </a:cxn>
+              <a:cxn ang="0">
+                <a:pos x="connsiteX42" y="connsiteY42"/>
+              </a:cxn>
+              <a:cxn ang="0">
+                <a:pos x="connsiteX43" y="connsiteY43"/>
+              </a:cxn>
+              <a:cxn ang="0">
+                <a:pos x="connsiteX44" y="connsiteY44"/>
+              </a:cxn>
+              <a:cxn ang="0">
+                <a:pos x="connsiteX45" y="connsiteY45"/>
+              </a:cxn>
+              <a:cxn ang="0">
+                <a:pos x="connsiteX46" y="connsiteY46"/>
+              </a:cxn>
+              <a:cxn ang="0">
+                <a:pos x="connsiteX47" y="connsiteY47"/>
+              </a:cxn>
+              <a:cxn ang="0">
+                <a:pos x="connsiteX48" y="connsiteY48"/>
+              </a:cxn>
+              <a:cxn ang="0">
+                <a:pos x="connsiteX49" y="connsiteY49"/>
+              </a:cxn>
+              <a:cxn ang="0">
+                <a:pos x="connsiteX50" y="connsiteY50"/>
+              </a:cxn>
+              <a:cxn ang="0">
+                <a:pos x="connsiteX51" y="connsiteY51"/>
+              </a:cxn>
+              <a:cxn ang="0">
+                <a:pos x="connsiteX52" y="connsiteY52"/>
+              </a:cxn>
+              <a:cxn ang="0">
+                <a:pos x="connsiteX53" y="connsiteY53"/>
+              </a:cxn>
+              <a:cxn ang="0">
+                <a:pos x="connsiteX54" y="connsiteY54"/>
+              </a:cxn>
+              <a:cxn ang="0">
+                <a:pos x="connsiteX55" y="connsiteY55"/>
+              </a:cxn>
+              <a:cxn ang="0">
+                <a:pos x="connsiteX56" y="connsiteY56"/>
+              </a:cxn>
+              <a:cxn ang="0">
+                <a:pos x="connsiteX57" y="connsiteY57"/>
+              </a:cxn>
+              <a:cxn ang="0">
+                <a:pos x="connsiteX58" y="connsiteY58"/>
+              </a:cxn>
+              <a:cxn ang="0">
+                <a:pos x="connsiteX59" y="connsiteY59"/>
+              </a:cxn>
+              <a:cxn ang="0">
+                <a:pos x="connsiteX60" y="connsiteY60"/>
+              </a:cxn>
+              <a:cxn ang="0">
+                <a:pos x="connsiteX61" y="connsiteY61"/>
+              </a:cxn>
+              <a:cxn ang="0">
+                <a:pos x="connsiteX62" y="connsiteY62"/>
+              </a:cxn>
+              <a:cxn ang="0">
+                <a:pos x="connsiteX63" y="connsiteY63"/>
+              </a:cxn>
+              <a:cxn ang="0">
+                <a:pos x="connsiteX64" y="connsiteY64"/>
+              </a:cxn>
+              <a:cxn ang="0">
+                <a:pos x="connsiteX65" y="connsiteY65"/>
+              </a:cxn>
+              <a:cxn ang="0">
+                <a:pos x="connsiteX66" y="connsiteY66"/>
+              </a:cxn>
+              <a:cxn ang="0">
+                <a:pos x="connsiteX67" y="connsiteY67"/>
+              </a:cxn>
+              <a:cxn ang="0">
+                <a:pos x="connsiteX68" y="connsiteY68"/>
+              </a:cxn>
+              <a:cxn ang="0">
+                <a:pos x="connsiteX69" y="connsiteY69"/>
+              </a:cxn>
+              <a:cxn ang="0">
+                <a:pos x="connsiteX70" y="connsiteY70"/>
+              </a:cxn>
+              <a:cxn ang="0">
+                <a:pos x="connsiteX71" y="connsiteY71"/>
+              </a:cxn>
+              <a:cxn ang="0">
+                <a:pos x="connsiteX72" y="connsiteY72"/>
+              </a:cxn>
+              <a:cxn ang="0">
+                <a:pos x="connsiteX73" y="connsiteY73"/>
+              </a:cxn>
+              <a:cxn ang="0">
+                <a:pos x="connsiteX74" y="connsiteY74"/>
+              </a:cxn>
+              <a:cxn ang="0">
+                <a:pos x="connsiteX75" y="connsiteY75"/>
+              </a:cxn>
+              <a:cxn ang="0">
+                <a:pos x="connsiteX76" y="connsiteY76"/>
+              </a:cxn>
+              <a:cxn ang="0">
+                <a:pos x="connsiteX77" y="connsiteY77"/>
+              </a:cxn>
+              <a:cxn ang="0">
+                <a:pos x="connsiteX78" y="connsiteY78"/>
+              </a:cxn>
+              <a:cxn ang="0">
+                <a:pos x="connsiteX79" y="connsiteY79"/>
+              </a:cxn>
+              <a:cxn ang="0">
+                <a:pos x="connsiteX80" y="connsiteY80"/>
+              </a:cxn>
+              <a:cxn ang="0">
+                <a:pos x="connsiteX81" y="connsiteY81"/>
+              </a:cxn>
+              <a:cxn ang="0">
+                <a:pos x="connsiteX82" y="connsiteY82"/>
+              </a:cxn>
+              <a:cxn ang="0">
+                <a:pos x="connsiteX83" y="connsiteY83"/>
+              </a:cxn>
+              <a:cxn ang="0">
+                <a:pos x="connsiteX84" y="connsiteY84"/>
+              </a:cxn>
+              <a:cxn ang="0">
+                <a:pos x="connsiteX85" y="connsiteY85"/>
+              </a:cxn>
+              <a:cxn ang="0">
+                <a:pos x="connsiteX86" y="connsiteY86"/>
+              </a:cxn>
+              <a:cxn ang="0">
+                <a:pos x="connsiteX87" y="connsiteY87"/>
+              </a:cxn>
+              <a:cxn ang="0">
+                <a:pos x="connsiteX88" y="connsiteY88"/>
+              </a:cxn>
+              <a:cxn ang="0">
+                <a:pos x="connsiteX89" y="connsiteY89"/>
+              </a:cxn>
+              <a:cxn ang="0">
+                <a:pos x="connsiteX90" y="connsiteY90"/>
+              </a:cxn>
+              <a:cxn ang="0">
+                <a:pos x="connsiteX91" y="connsiteY91"/>
+              </a:cxn>
+              <a:cxn ang="0">
+                <a:pos x="connsiteX92" y="connsiteY92"/>
+              </a:cxn>
+              <a:cxn ang="0">
+                <a:pos x="connsiteX93" y="connsiteY93"/>
+              </a:cxn>
+              <a:cxn ang="0">
+                <a:pos x="connsiteX94" y="connsiteY94"/>
+              </a:cxn>
+              <a:cxn ang="0">
+                <a:pos x="connsiteX95" y="connsiteY95"/>
+              </a:cxn>
+              <a:cxn ang="0">
+                <a:pos x="connsiteX96" y="connsiteY96"/>
+              </a:cxn>
+              <a:cxn ang="0">
+                <a:pos x="connsiteX97" y="connsiteY97"/>
+              </a:cxn>
+              <a:cxn ang="0">
+                <a:pos x="connsiteX98" y="connsiteY98"/>
+              </a:cxn>
+              <a:cxn ang="0">
+                <a:pos x="connsiteX99" y="connsiteY99"/>
+              </a:cxn>
+              <a:cxn ang="0">
+                <a:pos x="connsiteX100" y="connsiteY100"/>
+              </a:cxn>
+              <a:cxn ang="0">
+                <a:pos x="connsiteX101" y="connsiteY101"/>
+              </a:cxn>
+              <a:cxn ang="0">
+                <a:pos x="connsiteX102" y="connsiteY102"/>
+              </a:cxn>
+              <a:cxn ang="0">
+                <a:pos x="connsiteX103" y="connsiteY103"/>
+              </a:cxn>
+              <a:cxn ang="0">
+                <a:pos x="connsiteX104" y="connsiteY104"/>
+              </a:cxn>
+              <a:cxn ang="0">
+                <a:pos x="connsiteX105" y="connsiteY105"/>
+              </a:cxn>
+              <a:cxn ang="0">
+                <a:pos x="connsiteX106" y="connsiteY106"/>
+              </a:cxn>
+              <a:cxn ang="0">
+                <a:pos x="connsiteX107" y="connsiteY107"/>
+              </a:cxn>
+              <a:cxn ang="0">
+                <a:pos x="connsiteX108" y="connsiteY108"/>
+              </a:cxn>
+              <a:cxn ang="0">
+                <a:pos x="connsiteX109" y="connsiteY109"/>
+              </a:cxn>
+              <a:cxn ang="0">
+                <a:pos x="connsiteX110" y="connsiteY110"/>
+              </a:cxn>
+              <a:cxn ang="0">
+                <a:pos x="connsiteX111" y="connsiteY111"/>
+              </a:cxn>
+              <a:cxn ang="0">
+                <a:pos x="connsiteX112" y="connsiteY112"/>
+              </a:cxn>
+              <a:cxn ang="0">
+                <a:pos x="connsiteX113" y="connsiteY113"/>
+              </a:cxn>
+              <a:cxn ang="0">
+                <a:pos x="connsiteX114" y="connsiteY114"/>
+              </a:cxn>
+              <a:cxn ang="0">
+                <a:pos x="connsiteX115" y="connsiteY115"/>
+              </a:cxn>
+              <a:cxn ang="0">
+                <a:pos x="connsiteX116" y="connsiteY116"/>
+              </a:cxn>
+              <a:cxn ang="0">
+                <a:pos x="connsiteX117" y="connsiteY117"/>
+              </a:cxn>
+            </a:cxnLst>
+            <a:rect l="l" t="t" r="r" b="b"/>
+            <a:pathLst>
+              <a:path w="12192000" h="6858000">
+                <a:moveTo>
+                  <a:pt x="6724001" y="434021"/>
+                </a:moveTo>
+                <a:cubicBezTo>
+                  <a:pt x="6639882" y="433113"/>
+                  <a:pt x="6555627" y="433147"/>
+                  <a:pt x="6471155" y="434599"/>
+                </a:cubicBezTo>
+                <a:cubicBezTo>
+                  <a:pt x="6109461" y="440937"/>
+                  <a:pt x="5748349" y="439351"/>
+                  <a:pt x="5384913" y="497971"/>
+                </a:cubicBezTo>
+                <a:cubicBezTo>
+                  <a:pt x="5199132" y="528072"/>
+                  <a:pt x="5005803" y="518038"/>
+                  <a:pt x="4818280" y="541802"/>
+                </a:cubicBezTo>
+                <a:cubicBezTo>
+                  <a:pt x="4532641" y="578242"/>
+                  <a:pt x="4247003" y="621019"/>
+                  <a:pt x="3965428" y="675942"/>
+                </a:cubicBezTo>
+                <a:cubicBezTo>
+                  <a:pt x="3877181" y="693369"/>
+                  <a:pt x="3768034" y="703930"/>
+                  <a:pt x="3699528" y="770472"/>
+                </a:cubicBezTo>
+                <a:cubicBezTo>
+                  <a:pt x="3590961" y="728224"/>
+                  <a:pt x="3523617" y="807966"/>
+                  <a:pt x="3438854" y="834899"/>
+                </a:cubicBezTo>
+                <a:cubicBezTo>
+                  <a:pt x="3405761" y="845462"/>
+                  <a:pt x="3362218" y="860248"/>
+                  <a:pt x="3367443" y="893518"/>
+                </a:cubicBezTo>
+                <a:cubicBezTo>
+                  <a:pt x="3372089" y="935238"/>
+                  <a:pt x="3420855" y="962172"/>
+                  <a:pt x="3467301" y="953722"/>
+                </a:cubicBezTo>
+                <a:cubicBezTo>
+                  <a:pt x="3611863" y="927317"/>
+                  <a:pt x="3741328" y="986464"/>
+                  <a:pt x="3889955" y="977486"/>
+                </a:cubicBezTo>
+                <a:cubicBezTo>
+                  <a:pt x="3760488" y="1002836"/>
+                  <a:pt x="3631601" y="1028713"/>
+                  <a:pt x="3502135" y="1054062"/>
+                </a:cubicBezTo>
+                <a:cubicBezTo>
+                  <a:pt x="3694303" y="1074129"/>
+                  <a:pt x="3883568" y="1038218"/>
+                  <a:pt x="4072832" y="1017622"/>
+                </a:cubicBezTo>
+                <a:cubicBezTo>
+                  <a:pt x="4133792" y="1011285"/>
+                  <a:pt x="4228424" y="962699"/>
+                  <a:pt x="4244099" y="1030825"/>
+                </a:cubicBezTo>
+                <a:cubicBezTo>
+                  <a:pt x="4254550" y="1076242"/>
+                  <a:pt x="4152951" y="1079410"/>
+                  <a:pt x="4095475" y="1092084"/>
+                </a:cubicBezTo>
+                <a:cubicBezTo>
+                  <a:pt x="3841766" y="1146479"/>
+                  <a:pt x="3583994" y="1178165"/>
+                  <a:pt x="3327386" y="1215660"/>
+                </a:cubicBezTo>
+                <a:cubicBezTo>
+                  <a:pt x="3303001" y="1219357"/>
+                  <a:pt x="3271070" y="1216188"/>
+                  <a:pt x="3254813" y="1226749"/>
+                </a:cubicBezTo>
+                <a:cubicBezTo>
+                  <a:pt x="3123605" y="1311774"/>
+                  <a:pt x="2957563" y="1339765"/>
+                  <a:pt x="2776427" y="1401552"/>
+                </a:cubicBezTo>
+                <a:cubicBezTo>
+                  <a:pt x="2890798" y="1430598"/>
+                  <a:pt x="2968012" y="1370921"/>
+                  <a:pt x="3063226" y="1384124"/>
+                </a:cubicBezTo>
+                <a:cubicBezTo>
+                  <a:pt x="2966272" y="1448024"/>
+                  <a:pt x="2853641" y="1460171"/>
+                  <a:pt x="2754945" y="1495025"/>
+                </a:cubicBezTo>
+                <a:cubicBezTo>
+                  <a:pt x="2684117" y="1519846"/>
+                  <a:pt x="2421119" y="1597477"/>
+                  <a:pt x="2381061" y="1619658"/>
+                </a:cubicBezTo>
+                <a:cubicBezTo>
+                  <a:pt x="2260302" y="1688311"/>
+                  <a:pt x="2107033" y="1720525"/>
+                  <a:pt x="2008336" y="1814527"/>
+                </a:cubicBezTo>
+                <a:cubicBezTo>
+                  <a:pt x="1938668" y="1880540"/>
+                  <a:pt x="1822554" y="1868393"/>
+                  <a:pt x="1740695" y="1914337"/>
+                </a:cubicBezTo>
+                <a:cubicBezTo>
+                  <a:pt x="1711667" y="1957642"/>
+                  <a:pt x="1767982" y="1968733"/>
+                  <a:pt x="1787720" y="1991970"/>
+                </a:cubicBezTo>
+                <a:cubicBezTo>
+                  <a:pt x="1813846" y="2023126"/>
+                  <a:pt x="1767401" y="2040555"/>
+                  <a:pt x="1754048" y="2078049"/>
+                </a:cubicBezTo>
+                <a:cubicBezTo>
+                  <a:pt x="1907898" y="2035802"/>
+                  <a:pt x="2054781" y="2010981"/>
+                  <a:pt x="2228951" y="1996721"/>
+                </a:cubicBezTo>
+                <a:cubicBezTo>
+                  <a:pt x="2171475" y="2057452"/>
+                  <a:pt x="2101807" y="2031048"/>
+                  <a:pt x="2054781" y="2053228"/>
+                </a:cubicBezTo>
+                <a:cubicBezTo>
+                  <a:pt x="2024011" y="2067487"/>
+                  <a:pt x="1976984" y="2073824"/>
+                  <a:pt x="1985693" y="2109207"/>
+                </a:cubicBezTo>
+                <a:cubicBezTo>
+                  <a:pt x="1992660" y="2137196"/>
+                  <a:pt x="2032140" y="2133500"/>
+                  <a:pt x="2061168" y="2130859"/>
+                </a:cubicBezTo>
+                <a:cubicBezTo>
+                  <a:pt x="2172636" y="2120825"/>
+                  <a:pt x="2281202" y="2117656"/>
+                  <a:pt x="2388026" y="2184726"/>
+                </a:cubicBezTo>
+                <a:cubicBezTo>
+                  <a:pt x="2116321" y="2282425"/>
+                  <a:pt x="1803977" y="2241233"/>
+                  <a:pt x="1560719" y="2384876"/>
+                </a:cubicBezTo>
+                <a:cubicBezTo>
+                  <a:pt x="1594973" y="2429237"/>
+                  <a:pt x="1643739" y="2405472"/>
+                  <a:pt x="1679734" y="2400191"/>
+                </a:cubicBezTo>
+                <a:cubicBezTo>
+                  <a:pt x="1916026" y="2364279"/>
+                  <a:pt x="2760170" y="2428180"/>
+                  <a:pt x="2882089" y="2383292"/>
+                </a:cubicBezTo>
+                <a:cubicBezTo>
+                  <a:pt x="2956983" y="2355830"/>
+                  <a:pt x="3035941" y="2342628"/>
+                  <a:pt x="3116638" y="2359528"/>
+                </a:cubicBezTo>
+                <a:cubicBezTo>
+                  <a:pt x="3194434" y="2375898"/>
+                  <a:pt x="3174696" y="2605622"/>
+                  <a:pt x="2897765" y="2758243"/>
+                </a:cubicBezTo>
+                <a:cubicBezTo>
+                  <a:pt x="2858286" y="2779895"/>
+                  <a:pt x="3034779" y="2811053"/>
+                  <a:pt x="2981367" y="2829008"/>
+                </a:cubicBezTo>
+                <a:cubicBezTo>
+                  <a:pt x="2939566" y="2843267"/>
+                  <a:pt x="2734626" y="2835346"/>
+                  <a:pt x="2682955" y="2846436"/>
+                </a:cubicBezTo>
+                <a:cubicBezTo>
+                  <a:pt x="2662635" y="2851188"/>
+                  <a:pt x="2040267" y="3029159"/>
+                  <a:pt x="2099485" y="3066653"/>
+                </a:cubicBezTo>
+                <a:cubicBezTo>
+                  <a:pt x="2276558" y="3179139"/>
+                  <a:pt x="2869897" y="3385098"/>
+                  <a:pt x="1807460" y="3454808"/>
+                </a:cubicBezTo>
+                <a:cubicBezTo>
+                  <a:pt x="1841132" y="3495472"/>
+                  <a:pt x="1934024" y="3469596"/>
+                  <a:pt x="1921251" y="3540889"/>
+                </a:cubicBezTo>
+                <a:cubicBezTo>
+                  <a:pt x="1780173" y="3579440"/>
+                  <a:pt x="1617035" y="3577328"/>
+                  <a:pt x="1453313" y="3637002"/>
+                </a:cubicBezTo>
+                <a:cubicBezTo>
+                  <a:pt x="1527047" y="3680307"/>
+                  <a:pt x="1611808" y="3653902"/>
+                  <a:pt x="1686122" y="3667634"/>
+                </a:cubicBezTo>
+                <a:cubicBezTo>
+                  <a:pt x="1644320" y="3722027"/>
+                  <a:pt x="1572330" y="3713578"/>
+                  <a:pt x="1513692" y="3725196"/>
+                </a:cubicBezTo>
+                <a:cubicBezTo>
+                  <a:pt x="1459700" y="3736286"/>
+                  <a:pt x="1345329" y="3830816"/>
+                  <a:pt x="1369711" y="3826063"/>
+                </a:cubicBezTo>
+                <a:cubicBezTo>
+                  <a:pt x="1595553" y="3783815"/>
+                  <a:pt x="1824877" y="3795434"/>
+                  <a:pt x="2051298" y="3754242"/>
+                </a:cubicBezTo>
+                <a:cubicBezTo>
+                  <a:pt x="2126192" y="3740511"/>
+                  <a:pt x="2210955" y="3714106"/>
+                  <a:pt x="2245207" y="3797018"/>
+                </a:cubicBezTo>
+                <a:cubicBezTo>
+                  <a:pt x="2255659" y="3821310"/>
+                  <a:pt x="2248109" y="3829232"/>
+                  <a:pt x="2353192" y="3796489"/>
+                </a:cubicBezTo>
+                <a:cubicBezTo>
+                  <a:pt x="2394414" y="3783815"/>
+                  <a:pt x="2448988" y="3770085"/>
+                  <a:pt x="2490207" y="3801242"/>
+                </a:cubicBezTo>
+                <a:cubicBezTo>
+                  <a:pt x="2464082" y="3840321"/>
+                  <a:pt x="2413572" y="3828703"/>
+                  <a:pt x="2375835" y="3839794"/>
+                </a:cubicBezTo>
+                <a:cubicBezTo>
+                  <a:pt x="2275978" y="3868311"/>
+                  <a:pt x="2619094" y="3977100"/>
+                  <a:pt x="2522138" y="4009841"/>
+                </a:cubicBezTo>
+                <a:cubicBezTo>
+                  <a:pt x="2323584" y="4076912"/>
+                  <a:pt x="2199343" y="4057372"/>
+                  <a:pt x="1998466" y="4130778"/>
+                </a:cubicBezTo>
+                <a:cubicBezTo>
+                  <a:pt x="2066973" y="4129192"/>
+                  <a:pt x="2046072" y="4154543"/>
+                  <a:pt x="2114580" y="4154543"/>
+                </a:cubicBezTo>
+                <a:cubicBezTo>
+                  <a:pt x="2145350" y="4154543"/>
+                  <a:pt x="2177862" y="4160878"/>
+                  <a:pt x="2177862" y="4189925"/>
+                </a:cubicBezTo>
+                <a:cubicBezTo>
+                  <a:pt x="2177862" y="4217385"/>
+                  <a:pt x="1817330" y="4367895"/>
+                  <a:pt x="1868419" y="4382153"/>
+                </a:cubicBezTo>
+                <a:cubicBezTo>
+                  <a:pt x="2007755" y="4420704"/>
+                  <a:pt x="2365385" y="4302410"/>
+                  <a:pt x="2279460" y="4356805"/>
+                </a:cubicBezTo>
+                <a:cubicBezTo>
+                  <a:pt x="2148834" y="4439716"/>
+                  <a:pt x="2129094" y="4456088"/>
+                  <a:pt x="2029817" y="4468235"/>
+                </a:cubicBezTo>
+                <a:cubicBezTo>
+                  <a:pt x="1944474" y="4478796"/>
+                  <a:pt x="1644320" y="4710633"/>
+                  <a:pt x="1560137" y="4730172"/>
+                </a:cubicBezTo>
+                <a:cubicBezTo>
+                  <a:pt x="1485825" y="4747072"/>
+                  <a:pt x="1774947" y="4800410"/>
+                  <a:pt x="1956664" y="4820477"/>
+                </a:cubicBezTo>
+                <a:cubicBezTo>
+                  <a:pt x="2130256" y="4840017"/>
+                  <a:pt x="3101544" y="4789319"/>
+                  <a:pt x="3268168" y="4852692"/>
+                </a:cubicBezTo>
+                <a:cubicBezTo>
+                  <a:pt x="3111993" y="4878041"/>
+                  <a:pt x="2970336" y="4953030"/>
+                  <a:pt x="2807197" y="4939300"/>
+                </a:cubicBezTo>
+                <a:cubicBezTo>
+                  <a:pt x="2773524" y="4936660"/>
+                  <a:pt x="2724756" y="4930323"/>
+                  <a:pt x="2721272" y="4970458"/>
+                </a:cubicBezTo>
+                <a:cubicBezTo>
+                  <a:pt x="2718369" y="5005313"/>
+                  <a:pt x="2788038" y="4981548"/>
+                  <a:pt x="2802552" y="5014291"/>
+                </a:cubicBezTo>
+                <a:cubicBezTo>
+                  <a:pt x="2719531" y="5060235"/>
+                  <a:pt x="2621415" y="5018515"/>
+                  <a:pt x="2537812" y="5053898"/>
+                </a:cubicBezTo>
+                <a:cubicBezTo>
+                  <a:pt x="2491948" y="5099314"/>
+                  <a:pt x="2589483" y="5107236"/>
+                  <a:pt x="2569744" y="5153182"/>
+                </a:cubicBezTo>
+                <a:cubicBezTo>
+                  <a:pt x="2301522" y="5193845"/>
+                  <a:pt x="2252174" y="5268836"/>
+                  <a:pt x="1987436" y="5334320"/>
+                </a:cubicBezTo>
+                <a:cubicBezTo>
+                  <a:pt x="1971179" y="5338545"/>
+                  <a:pt x="1958407" y="5352274"/>
+                  <a:pt x="1972921" y="5382376"/>
+                </a:cubicBezTo>
+                <a:cubicBezTo>
+                  <a:pt x="2087874" y="5396107"/>
+                  <a:pt x="2215599" y="5373399"/>
+                  <a:pt x="2341001" y="5360725"/>
+                </a:cubicBezTo>
+                <a:cubicBezTo>
+                  <a:pt x="2537812" y="5340129"/>
+                  <a:pt x="2533748" y="5339072"/>
+                  <a:pt x="2710822" y="5418816"/>
+                </a:cubicBezTo>
+                <a:cubicBezTo>
+                  <a:pt x="2743914" y="5433602"/>
+                  <a:pt x="2801390" y="5438355"/>
+                  <a:pt x="2833903" y="5413007"/>
+                </a:cubicBezTo>
+                <a:cubicBezTo>
+                  <a:pt x="2896604" y="5364422"/>
+                  <a:pt x="2950016" y="5368646"/>
+                  <a:pt x="3011556" y="5399276"/>
+                </a:cubicBezTo>
+                <a:cubicBezTo>
+                  <a:pt x="3077160" y="5432547"/>
+                  <a:pt x="3171793" y="5391882"/>
+                  <a:pt x="3254233" y="5439412"/>
+                </a:cubicBezTo>
+                <a:cubicBezTo>
+                  <a:pt x="3099802" y="5473739"/>
+                  <a:pt x="2957563" y="5473739"/>
+                  <a:pt x="2792101" y="5471625"/>
+                </a:cubicBezTo>
+                <a:cubicBezTo>
+                  <a:pt x="2846095" y="5537639"/>
+                  <a:pt x="2914601" y="5536582"/>
+                  <a:pt x="2977303" y="5539751"/>
+                </a:cubicBezTo>
+                <a:cubicBezTo>
+                  <a:pt x="3214174" y="5551898"/>
+                  <a:pt x="3601411" y="5660686"/>
+                  <a:pt x="3656566" y="5678642"/>
+                </a:cubicBezTo>
+                <a:cubicBezTo>
+                  <a:pt x="4280675" y="5879847"/>
+                  <a:pt x="4178497" y="5898332"/>
+                  <a:pt x="4858340" y="5969625"/>
+                </a:cubicBezTo>
+                <a:cubicBezTo>
+                  <a:pt x="5261253" y="6011873"/>
+                  <a:pt x="4887368" y="6032469"/>
+                  <a:pt x="5296668" y="6043559"/>
+                </a:cubicBezTo>
+                <a:cubicBezTo>
+                  <a:pt x="5349500" y="6045143"/>
+                  <a:pt x="5402911" y="6044087"/>
+                  <a:pt x="5456323" y="6042502"/>
+                </a:cubicBezTo>
+                <a:cubicBezTo>
+                  <a:pt x="5368077" y="6073134"/>
+                  <a:pt x="5267058" y="6100066"/>
+                  <a:pt x="5267058" y="6100066"/>
+                </a:cubicBezTo>
+                <a:cubicBezTo>
+                  <a:pt x="5267058" y="6100066"/>
+                  <a:pt x="5318728" y="6208854"/>
+                  <a:pt x="7095266" y="6287541"/>
+                </a:cubicBezTo>
+                <a:cubicBezTo>
+                  <a:pt x="7422124" y="6302329"/>
+                  <a:pt x="9563254" y="6024548"/>
+                  <a:pt x="9707235" y="5994446"/>
+                </a:cubicBezTo>
+                <a:cubicBezTo>
+                  <a:pt x="9844249" y="5966984"/>
+                  <a:pt x="10002164" y="5671247"/>
+                  <a:pt x="10083442" y="5678642"/>
+                </a:cubicBezTo>
+                <a:cubicBezTo>
+                  <a:pt x="10103183" y="5653293"/>
+                  <a:pt x="10283158" y="5139979"/>
+                  <a:pt x="10338892" y="4650957"/>
+                </a:cubicBezTo>
+                <a:cubicBezTo>
+                  <a:pt x="10448618" y="4580718"/>
+                  <a:pt x="10551960" y="4503088"/>
+                  <a:pt x="10628013" y="4411198"/>
+                </a:cubicBezTo>
+                <a:cubicBezTo>
+                  <a:pt x="10675040" y="4354692"/>
+                  <a:pt x="10718003" y="4298185"/>
+                  <a:pt x="10802766" y="4258050"/>
+                </a:cubicBezTo>
+                <a:cubicBezTo>
+                  <a:pt x="10755739" y="4203128"/>
+                  <a:pt x="10675040" y="4190453"/>
+                  <a:pt x="10614662" y="4150318"/>
+                </a:cubicBezTo>
+                <a:cubicBezTo>
+                  <a:pt x="10610017" y="4117046"/>
+                  <a:pt x="10705811" y="4127081"/>
+                  <a:pt x="10681427" y="4054203"/>
+                </a:cubicBezTo>
+                <a:cubicBezTo>
+                  <a:pt x="10648335" y="3957032"/>
+                  <a:pt x="10684328" y="3846131"/>
+                  <a:pt x="10520029" y="3804411"/>
+                </a:cubicBezTo>
+                <a:cubicBezTo>
+                  <a:pt x="10476485" y="3709881"/>
+                  <a:pt x="10464294" y="3558845"/>
+                  <a:pt x="10568798" y="3466426"/>
+                </a:cubicBezTo>
+                <a:cubicBezTo>
+                  <a:pt x="10724388" y="3328592"/>
+                  <a:pt x="10699424" y="3240927"/>
+                  <a:pt x="10499709" y="3166465"/>
+                </a:cubicBezTo>
+                <a:cubicBezTo>
+                  <a:pt x="10474164" y="3156958"/>
+                  <a:pt x="10501452" y="2570768"/>
+                  <a:pt x="10489840" y="2546475"/>
+                </a:cubicBezTo>
+                <a:cubicBezTo>
+                  <a:pt x="10508418" y="2513205"/>
+                  <a:pt x="10551960" y="2521126"/>
+                  <a:pt x="10584471" y="2512148"/>
+                </a:cubicBezTo>
+                <a:cubicBezTo>
+                  <a:pt x="10726711" y="2474125"/>
+                  <a:pt x="10731357" y="2474125"/>
+                  <a:pt x="10695942" y="2358471"/>
+                </a:cubicBezTo>
+                <a:cubicBezTo>
+                  <a:pt x="10685490" y="2323616"/>
+                  <a:pt x="10709874" y="2309357"/>
+                  <a:pt x="10732516" y="2287706"/>
+                </a:cubicBezTo>
+                <a:cubicBezTo>
+                  <a:pt x="10817280" y="2206905"/>
+                  <a:pt x="10817860" y="2205850"/>
+                  <a:pt x="10731357" y="2137725"/>
+                </a:cubicBezTo>
+                <a:cubicBezTo>
+                  <a:pt x="10706391" y="2118185"/>
+                  <a:pt x="10689555" y="2097061"/>
+                  <a:pt x="10678525" y="2070656"/>
+                </a:cubicBezTo>
+                <a:cubicBezTo>
+                  <a:pt x="10658203" y="2022599"/>
+                  <a:pt x="10658784" y="1982463"/>
+                  <a:pt x="10735999" y="1956587"/>
+                </a:cubicBezTo>
+                <a:cubicBezTo>
+                  <a:pt x="10789993" y="1938104"/>
+                  <a:pt x="10820762" y="1916978"/>
+                  <a:pt x="10824246" y="1862584"/>
+                </a:cubicBezTo>
+                <a:cubicBezTo>
+                  <a:pt x="10826570" y="1817166"/>
+                  <a:pt x="10832955" y="1787594"/>
+                  <a:pt x="10773156" y="1768054"/>
+                </a:cubicBezTo>
+                <a:cubicBezTo>
+                  <a:pt x="10724969" y="1752211"/>
+                  <a:pt x="10711036" y="1718412"/>
+                  <a:pt x="10716261" y="1678278"/>
+                </a:cubicBezTo>
+                <a:cubicBezTo>
+                  <a:pt x="10728452" y="1580050"/>
+                  <a:pt x="10662849" y="1522487"/>
+                  <a:pt x="10554864" y="1477599"/>
+                </a:cubicBezTo>
+                <a:cubicBezTo>
+                  <a:pt x="10452101" y="1434822"/>
+                  <a:pt x="10362116" y="1377259"/>
+                  <a:pt x="10267483" y="1324977"/>
+                </a:cubicBezTo>
+                <a:cubicBezTo>
+                  <a:pt x="10162399" y="1266887"/>
+                  <a:pt x="10040481" y="1232031"/>
+                  <a:pt x="9913337" y="1202458"/>
+                </a:cubicBezTo>
+                <a:cubicBezTo>
+                  <a:pt x="9936561" y="1160210"/>
+                  <a:pt x="10016678" y="1183974"/>
+                  <a:pt x="10024805" y="1124827"/>
+                </a:cubicBezTo>
+                <a:cubicBezTo>
+                  <a:pt x="9826251" y="1074658"/>
+                  <a:pt x="9636408" y="999139"/>
+                  <a:pt x="9411726" y="980655"/>
+                </a:cubicBezTo>
+                <a:cubicBezTo>
+                  <a:pt x="9593444" y="990161"/>
+                  <a:pt x="9758326" y="922036"/>
+                  <a:pt x="9930753" y="901968"/>
+                </a:cubicBezTo>
+                <a:cubicBezTo>
+                  <a:pt x="9947008" y="868698"/>
+                  <a:pt x="9909273" y="877147"/>
+                  <a:pt x="9894178" y="871339"/>
+                </a:cubicBezTo>
+                <a:cubicBezTo>
+                  <a:pt x="9879083" y="865001"/>
+                  <a:pt x="9860506" y="862889"/>
+                  <a:pt x="9858182" y="839125"/>
+                </a:cubicBezTo>
+                <a:cubicBezTo>
+                  <a:pt x="9941205" y="804798"/>
+                  <a:pt x="10045126" y="827506"/>
+                  <a:pt x="10131050" y="792652"/>
+                </a:cubicBezTo>
+                <a:cubicBezTo>
+                  <a:pt x="10111891" y="741954"/>
+                  <a:pt x="10037578" y="772583"/>
+                  <a:pt x="10006808" y="731920"/>
+                </a:cubicBezTo>
+                <a:cubicBezTo>
+                  <a:pt x="10086927" y="724526"/>
+                  <a:pt x="10161239" y="721357"/>
+                  <a:pt x="10233809" y="710268"/>
+                </a:cubicBezTo>
+                <a:cubicBezTo>
+                  <a:pt x="10290705" y="701818"/>
+                  <a:pt x="10306380" y="658513"/>
+                  <a:pt x="10267483" y="628940"/>
+                </a:cubicBezTo>
+                <a:cubicBezTo>
+                  <a:pt x="10232648" y="602536"/>
+                  <a:pt x="10181559" y="600422"/>
+                  <a:pt x="10136275" y="589333"/>
+                </a:cubicBezTo>
+                <a:cubicBezTo>
+                  <a:pt x="9813479" y="512230"/>
+                  <a:pt x="9474428" y="487409"/>
+                  <a:pt x="9131312" y="480544"/>
+                </a:cubicBezTo>
+                <a:cubicBezTo>
+                  <a:pt x="8580936" y="469453"/>
+                  <a:pt x="8028817" y="469982"/>
+                  <a:pt x="7479600" y="454667"/>
+                </a:cubicBezTo>
+                <a:cubicBezTo>
+                  <a:pt x="7227489" y="447934"/>
+                  <a:pt x="6976357" y="436744"/>
+                  <a:pt x="6724001" y="434021"/>
+                </a:cubicBezTo>
+                <a:close/>
+                <a:moveTo>
+                  <a:pt x="0" y="0"/>
+                </a:moveTo>
+                <a:lnTo>
+                  <a:pt x="12192000" y="0"/>
+                </a:lnTo>
+                <a:lnTo>
+                  <a:pt x="12192000" y="6858000"/>
+                </a:lnTo>
+                <a:lnTo>
+                  <a:pt x="0" y="6858000"/>
+                </a:lnTo>
+                <a:close/>
+              </a:path>
+            </a:pathLst>
+          </a:custGeom>
+          <a:solidFill>
+            <a:schemeClr val="bg2">
+              <a:alpha val="50000"/>
+            </a:schemeClr>
+          </a:solidFill>
+          <a:ln w="32707" cap="flat">
+            <a:noFill/>
+            <a:prstDash val="solid"/>
+            <a:miter/>
+          </a:ln>
+        </p:spPr>
+        <p:txBody>
+          <a:bodyPr wrap="square" rtlCol="0" anchor="ctr">
+            <a:noAutofit/>
+          </a:bodyPr>
+          <a:lstStyle/>
+          <a:p>
+            <a:pPr algn="ctr"/>
+            <a:endParaRPr lang="en-US"/>
+          </a:p>
+        </p:txBody>
+      </p:sp>
+      <mc:AlternateContent xmlns:mc="http://schemas.openxmlformats.org/markup-compatibility/2006" xmlns:p14="http://schemas.microsoft.com/office/powerpoint/2010/main">
+        <mc:Choice Requires="p14">
+          <p:contentPart p14:bwMode="auto" r:id="rId3">
+            <p14:nvContentPartPr>
+              <p14:cNvPr id="2" name="Ink 1">
+                <a:extLst>
+                  <a:ext uri="{FF2B5EF4-FFF2-40B4-BE49-F238E27FC236}">
+                    <a16:creationId xmlns:a16="http://schemas.microsoft.com/office/drawing/2014/main" id="{DFA62668-2D1A-B432-CDA9-712BEDF34741}"/>
+                  </a:ext>
+                </a:extLst>
+              </p14:cNvPr>
+              <p14:cNvContentPartPr/>
+              <p14:nvPr/>
+            </p14:nvContentPartPr>
+            <p14:xfrm>
+              <a:off x="3388720" y="150427"/>
+              <a:ext cx="360" cy="360"/>
+            </p14:xfrm>
+          </p:contentPart>
+        </mc:Choice>
+        <mc:Fallback xmlns="">
+          <p:pic>
+            <p:nvPicPr>
+              <p:cNvPr id="2" name="Ink 1">
+                <a:extLst>
+                  <a:ext uri="{FF2B5EF4-FFF2-40B4-BE49-F238E27FC236}">
+                    <a16:creationId xmlns:a16="http://schemas.microsoft.com/office/drawing/2014/main" id="{DFA62668-2D1A-B432-CDA9-712BEDF34741}"/>
+                  </a:ext>
+                </a:extLst>
+              </p:cNvPr>
+              <p:cNvPicPr/>
+              <p:nvPr/>
+            </p:nvPicPr>
+            <p:blipFill>
+              <a:blip r:embed="rId4"/>
+              <a:stretch>
+                <a:fillRect/>
+              </a:stretch>
+            </p:blipFill>
+            <p:spPr>
+              <a:xfrm>
+                <a:off x="3379720" y="141427"/>
+                <a:ext cx="18000" cy="18000"/>
+              </a:xfrm>
+              <a:prstGeom prst="rect">
+                <a:avLst/>
+              </a:prstGeom>
+            </p:spPr>
+          </p:pic>
+        </mc:Fallback>
+      </mc:AlternateContent>
+      <p:sp>
+        <p:nvSpPr>
+          <p:cNvPr id="24" name="TextBox 23">
+            <a:extLst>
+              <a:ext uri="{FF2B5EF4-FFF2-40B4-BE49-F238E27FC236}">
+                <a16:creationId xmlns:a16="http://schemas.microsoft.com/office/drawing/2014/main" id="{0A8E9643-E02A-7D89-F787-5A3FE84FA99A}"/>
+              </a:ext>
+            </a:extLst>
+          </p:cNvPr>
+          <p:cNvSpPr txBox="1"/>
+          <p:nvPr/>
+        </p:nvSpPr>
+        <p:spPr>
+          <a:xfrm>
+            <a:off x="6763091" y="0"/>
+            <a:ext cx="5296251" cy="568745"/>
+          </a:xfrm>
+          <a:prstGeom prst="rect">
+            <a:avLst/>
+          </a:prstGeom>
+          <a:noFill/>
+        </p:spPr>
+        <p:txBody>
+          <a:bodyPr wrap="square" rtlCol="0">
+            <a:spAutoFit/>
+          </a:bodyPr>
+          <a:lstStyle/>
+          <a:p>
+            <a:pPr>
+              <a:lnSpc>
+                <a:spcPct val="200000"/>
+              </a:lnSpc>
+              <a:spcAft>
+                <a:spcPts val="600"/>
+              </a:spcAft>
+            </a:pPr>
+            <a:r>
+              <a:rPr lang="en-US"/>
+              <a:t>	</a:t>
+            </a:r>
+          </a:p>
+        </p:txBody>
+      </p:sp>
+      <p:sp>
+        <p:nvSpPr>
+          <p:cNvPr id="10" name="TextBox 9">
+            <a:extLst>
+              <a:ext uri="{FF2B5EF4-FFF2-40B4-BE49-F238E27FC236}">
+                <a16:creationId xmlns:a16="http://schemas.microsoft.com/office/drawing/2014/main" id="{0D2F4D0D-036B-E583-8CA9-D2714B6761EF}"/>
+              </a:ext>
+            </a:extLst>
+          </p:cNvPr>
+          <p:cNvSpPr txBox="1"/>
+          <p:nvPr/>
+        </p:nvSpPr>
+        <p:spPr>
+          <a:xfrm>
+            <a:off x="6228658" y="861848"/>
+            <a:ext cx="5963342" cy="5547929"/>
+          </a:xfrm>
+          <a:prstGeom prst="rect">
+            <a:avLst/>
+          </a:prstGeom>
+          <a:noFill/>
+        </p:spPr>
+        <p:txBody>
+          <a:bodyPr wrap="square" rtlCol="0">
+            <a:spAutoFit/>
+          </a:bodyPr>
+          <a:lstStyle/>
+          <a:p>
+            <a:pPr lvl="1">
+              <a:lnSpc>
+                <a:spcPct val="200000"/>
+              </a:lnSpc>
+            </a:pPr>
+            <a:r>
+              <a:rPr lang="en-US" dirty="0">
+                <a:latin typeface="Times New Roman" panose="02020603050405020304" pitchFamily="18" charset="0"/>
+                <a:cs typeface="Times New Roman" panose="02020603050405020304" pitchFamily="18" charset="0"/>
+              </a:rPr>
+              <a:t>	Now that we are finished with the relevant knowledge of the ancient Maya civilization, our focus will pivot back to The Terminal Classic Period. As mentioned earlier, a multitude of factors contributed to the downfall of the Maya civilization. Our focus will be on the 9</a:t>
+            </a:r>
+            <a:r>
+              <a:rPr lang="en-US" baseline="30000" dirty="0">
+                <a:latin typeface="Times New Roman" panose="02020603050405020304" pitchFamily="18" charset="0"/>
+                <a:cs typeface="Times New Roman" panose="02020603050405020304" pitchFamily="18" charset="0"/>
+              </a:rPr>
+              <a:t>th</a:t>
+            </a:r>
+            <a:r>
+              <a:rPr lang="en-US" dirty="0">
+                <a:latin typeface="Times New Roman" panose="02020603050405020304" pitchFamily="18" charset="0"/>
+                <a:cs typeface="Times New Roman" panose="02020603050405020304" pitchFamily="18" charset="0"/>
+              </a:rPr>
+              <a:t> and 10</a:t>
+            </a:r>
+            <a:r>
+              <a:rPr lang="en-US" baseline="30000" dirty="0">
+                <a:latin typeface="Times New Roman" panose="02020603050405020304" pitchFamily="18" charset="0"/>
+                <a:cs typeface="Times New Roman" panose="02020603050405020304" pitchFamily="18" charset="0"/>
+              </a:rPr>
+              <a:t>th</a:t>
+            </a:r>
+            <a:r>
+              <a:rPr lang="en-US" dirty="0">
+                <a:latin typeface="Times New Roman" panose="02020603050405020304" pitchFamily="18" charset="0"/>
+                <a:cs typeface="Times New Roman" panose="02020603050405020304" pitchFamily="18" charset="0"/>
+              </a:rPr>
+              <a:t> centuries, as that is when the main contributing factor – long and intense droughts - occurred most often. Additionally, our discussion will involve the contributions of military losses, volcanic activity, and generally poor climate conditions. </a:t>
+            </a:r>
+            <a:endParaRPr lang="en-CA" dirty="0">
+              <a:latin typeface="Times New Roman" panose="02020603050405020304" pitchFamily="18" charset="0"/>
+              <a:cs typeface="Times New Roman" panose="02020603050405020304" pitchFamily="18" charset="0"/>
+            </a:endParaRPr>
+          </a:p>
+        </p:txBody>
+      </p:sp>
+      <p:pic>
+        <p:nvPicPr>
+          <p:cNvPr id="4" name="Picture 3" descr="A picture containing outdoor, sky&#10;&#10;Description automatically generated">
+            <a:extLst>
+              <a:ext uri="{FF2B5EF4-FFF2-40B4-BE49-F238E27FC236}">
+                <a16:creationId xmlns:a16="http://schemas.microsoft.com/office/drawing/2014/main" id="{A6829D32-CE77-B066-773F-2FF010FB6128}"/>
+              </a:ext>
+            </a:extLst>
+          </p:cNvPr>
+          <p:cNvPicPr>
+            <a:picLocks noChangeAspect="1"/>
+          </p:cNvPicPr>
+          <p:nvPr/>
+        </p:nvPicPr>
+        <p:blipFill>
+          <a:blip r:embed="rId5">
+            <a:extLst>
+              <a:ext uri="{28A0092B-C50C-407E-A947-70E740481C1C}">
+                <a14:useLocalDpi xmlns:a14="http://schemas.microsoft.com/office/drawing/2010/main" val="0"/>
+              </a:ext>
+            </a:extLst>
+          </a:blip>
+          <a:stretch>
+            <a:fillRect/>
+          </a:stretch>
+        </p:blipFill>
+        <p:spPr>
+          <a:xfrm>
+            <a:off x="0" y="568745"/>
+            <a:ext cx="6326508" cy="5702088"/>
+          </a:xfrm>
+          <a:prstGeom prst="rect">
+            <a:avLst/>
+          </a:prstGeom>
+        </p:spPr>
+      </p:pic>
+    </p:spTree>
+    <p:extLst>
+      <p:ext uri="{BB962C8B-B14F-4D97-AF65-F5344CB8AC3E}">
+        <p14:creationId xmlns:p14="http://schemas.microsoft.com/office/powerpoint/2010/main" val="3793246548"/>
+      </p:ext>
+    </p:extLst>
+  </p:cSld>
+  <p:clrMapOvr>
+    <a:masterClrMapping/>
+  </p:clrMapOvr>
+</p:sld>
+</file>
+
+<file path=ppt/slides/slide17.xml><?xml version="1.0" encoding="utf-8"?>
+<p:sld xmlns:a="http://schemas.openxmlformats.org/drawingml/2006/main" xmlns:r="http://schemas.openxmlformats.org/officeDocument/2006/relationships" xmlns:p="http://schemas.openxmlformats.org/presentationml/2006/main">
+  <p:cSld>
+    <p:bg>
+      <p:bgPr>
+        <a:solidFill>
+          <a:schemeClr val="bg1"/>
+        </a:solidFill>
+        <a:effectLst/>
+      </p:bgPr>
+    </p:bg>
+    <p:spTree>
+      <p:nvGrpSpPr>
+        <p:cNvPr id="1" name=""/>
+        <p:cNvGrpSpPr/>
+        <p:nvPr/>
+      </p:nvGrpSpPr>
+      <p:grpSpPr>
+        <a:xfrm>
+          <a:off x="0" y="0"/>
+          <a:ext cx="0" cy="0"/>
+          <a:chOff x="0" y="0"/>
+          <a:chExt cx="0" cy="0"/>
+        </a:xfrm>
+      </p:grpSpPr>
+      <p:sp useBgFill="1">
+        <p:nvSpPr>
+          <p:cNvPr id="32" name="Rectangle 28">
+            <a:extLst>
+              <a:ext uri="{FF2B5EF4-FFF2-40B4-BE49-F238E27FC236}">
+                <a16:creationId xmlns:a16="http://schemas.microsoft.com/office/drawing/2014/main" id="{C7F55EAC-550A-4BDD-9099-3F20B8FA0EBC}"/>
+              </a:ext>
+              <a:ext uri="{C183D7F6-B498-43B3-948B-1728B52AA6E4}">
+                <adec:decorative xmlns:adec="http://schemas.microsoft.com/office/drawing/2017/decorative" val="1"/>
+              </a:ext>
+            </a:extLst>
+          </p:cNvPr>
+          <p:cNvSpPr>
+            <a:spLocks noGrp="1" noRot="1" noChangeAspect="1" noMove="1" noResize="1" noEditPoints="1" noAdjustHandles="1" noChangeArrowheads="1" noChangeShapeType="1" noTextEdit="1"/>
+          </p:cNvSpPr>
+          <p:nvPr>
+            <p:extLst>
+              <p:ext uri="{386F3935-93C4-4BCD-93E2-E3B085C9AB24}">
+                <p16:designElem xmlns:p16="http://schemas.microsoft.com/office/powerpoint/2015/main" val="1"/>
+              </p:ext>
+            </p:extLst>
+          </p:nvPr>
+        </p:nvSpPr>
+        <p:spPr>
+          <a:xfrm>
+            <a:off x="0" y="0"/>
+            <a:ext cx="12192000" cy="6858000"/>
+          </a:xfrm>
+          <a:prstGeom prst="rect">
+            <a:avLst/>
+          </a:prstGeom>
+          <a:ln>
+            <a:noFill/>
+          </a:ln>
+        </p:spPr>
+        <p:style>
+          <a:lnRef idx="2">
+            <a:schemeClr val="accent1">
+              <a:shade val="50000"/>
+            </a:schemeClr>
+          </a:lnRef>
+          <a:fillRef idx="1">
+            <a:schemeClr val="accent1"/>
+          </a:fillRef>
+          <a:effectRef idx="0">
+            <a:schemeClr val="accent1"/>
+          </a:effectRef>
+          <a:fontRef idx="minor">
+            <a:schemeClr val="lt1"/>
+          </a:fontRef>
+        </p:style>
+        <p:txBody>
+          <a:bodyPr rtlCol="0" anchor="ctr"/>
+          <a:lstStyle/>
+          <a:p>
+            <a:pPr algn="ctr"/>
+            <a:endParaRPr lang="en-US"/>
+          </a:p>
+        </p:txBody>
+      </p:sp>
+      <p:sp>
+        <p:nvSpPr>
+          <p:cNvPr id="31" name="Freeform: Shape 30">
+            <a:extLst>
+              <a:ext uri="{FF2B5EF4-FFF2-40B4-BE49-F238E27FC236}">
+                <a16:creationId xmlns:a16="http://schemas.microsoft.com/office/drawing/2014/main" id="{DC4F5A5F-493F-49AE-89B6-D5AF5EBC8B0E}"/>
+              </a:ext>
+              <a:ext uri="{C183D7F6-B498-43B3-948B-1728B52AA6E4}">
+                <adec:decorative xmlns:adec="http://schemas.microsoft.com/office/drawing/2017/decorative" val="1"/>
+              </a:ext>
+            </a:extLst>
+          </p:cNvPr>
+          <p:cNvSpPr>
+            <a:spLocks noGrp="1" noRot="1" noChangeAspect="1" noMove="1" noResize="1" noEditPoints="1" noAdjustHandles="1" noChangeArrowheads="1" noChangeShapeType="1" noTextEdit="1"/>
+          </p:cNvSpPr>
+          <p:nvPr>
+            <p:extLst>
+              <p:ext uri="{386F3935-93C4-4BCD-93E2-E3B085C9AB24}">
+                <p16:designElem xmlns:p16="http://schemas.microsoft.com/office/powerpoint/2015/main" val="1"/>
+              </p:ext>
+            </p:extLst>
+          </p:nvPr>
+        </p:nvSpPr>
+        <p:spPr>
+          <a:xfrm>
+            <a:off x="0" y="0"/>
+            <a:ext cx="12192000" cy="6858000"/>
+          </a:xfrm>
+          <a:custGeom>
+            <a:avLst/>
+            <a:gdLst>
+              <a:gd name="connsiteX0" fmla="*/ 6724001 w 12192000"/>
+              <a:gd name="connsiteY0" fmla="*/ 434021 h 6858000"/>
+              <a:gd name="connsiteX1" fmla="*/ 6471155 w 12192000"/>
+              <a:gd name="connsiteY1" fmla="*/ 434599 h 6858000"/>
+              <a:gd name="connsiteX2" fmla="*/ 5384913 w 12192000"/>
+              <a:gd name="connsiteY2" fmla="*/ 497971 h 6858000"/>
+              <a:gd name="connsiteX3" fmla="*/ 4818280 w 12192000"/>
+              <a:gd name="connsiteY3" fmla="*/ 541802 h 6858000"/>
+              <a:gd name="connsiteX4" fmla="*/ 3965428 w 12192000"/>
+              <a:gd name="connsiteY4" fmla="*/ 675942 h 6858000"/>
+              <a:gd name="connsiteX5" fmla="*/ 3699528 w 12192000"/>
+              <a:gd name="connsiteY5" fmla="*/ 770472 h 6858000"/>
+              <a:gd name="connsiteX6" fmla="*/ 3438854 w 12192000"/>
+              <a:gd name="connsiteY6" fmla="*/ 834899 h 6858000"/>
+              <a:gd name="connsiteX7" fmla="*/ 3367443 w 12192000"/>
+              <a:gd name="connsiteY7" fmla="*/ 893518 h 6858000"/>
+              <a:gd name="connsiteX8" fmla="*/ 3467301 w 12192000"/>
+              <a:gd name="connsiteY8" fmla="*/ 953722 h 6858000"/>
+              <a:gd name="connsiteX9" fmla="*/ 3889955 w 12192000"/>
+              <a:gd name="connsiteY9" fmla="*/ 977486 h 6858000"/>
+              <a:gd name="connsiteX10" fmla="*/ 3502135 w 12192000"/>
+              <a:gd name="connsiteY10" fmla="*/ 1054062 h 6858000"/>
+              <a:gd name="connsiteX11" fmla="*/ 4072832 w 12192000"/>
+              <a:gd name="connsiteY11" fmla="*/ 1017622 h 6858000"/>
+              <a:gd name="connsiteX12" fmla="*/ 4244099 w 12192000"/>
+              <a:gd name="connsiteY12" fmla="*/ 1030825 h 6858000"/>
+              <a:gd name="connsiteX13" fmla="*/ 4095475 w 12192000"/>
+              <a:gd name="connsiteY13" fmla="*/ 1092084 h 6858000"/>
+              <a:gd name="connsiteX14" fmla="*/ 3327386 w 12192000"/>
+              <a:gd name="connsiteY14" fmla="*/ 1215660 h 6858000"/>
+              <a:gd name="connsiteX15" fmla="*/ 3254813 w 12192000"/>
+              <a:gd name="connsiteY15" fmla="*/ 1226749 h 6858000"/>
+              <a:gd name="connsiteX16" fmla="*/ 2776427 w 12192000"/>
+              <a:gd name="connsiteY16" fmla="*/ 1401552 h 6858000"/>
+              <a:gd name="connsiteX17" fmla="*/ 3063226 w 12192000"/>
+              <a:gd name="connsiteY17" fmla="*/ 1384124 h 6858000"/>
+              <a:gd name="connsiteX18" fmla="*/ 2754945 w 12192000"/>
+              <a:gd name="connsiteY18" fmla="*/ 1495025 h 6858000"/>
+              <a:gd name="connsiteX19" fmla="*/ 2381061 w 12192000"/>
+              <a:gd name="connsiteY19" fmla="*/ 1619658 h 6858000"/>
+              <a:gd name="connsiteX20" fmla="*/ 2008336 w 12192000"/>
+              <a:gd name="connsiteY20" fmla="*/ 1814527 h 6858000"/>
+              <a:gd name="connsiteX21" fmla="*/ 1740695 w 12192000"/>
+              <a:gd name="connsiteY21" fmla="*/ 1914337 h 6858000"/>
+              <a:gd name="connsiteX22" fmla="*/ 1787720 w 12192000"/>
+              <a:gd name="connsiteY22" fmla="*/ 1991970 h 6858000"/>
+              <a:gd name="connsiteX23" fmla="*/ 1754048 w 12192000"/>
+              <a:gd name="connsiteY23" fmla="*/ 2078049 h 6858000"/>
+              <a:gd name="connsiteX24" fmla="*/ 2228951 w 12192000"/>
+              <a:gd name="connsiteY24" fmla="*/ 1996721 h 6858000"/>
+              <a:gd name="connsiteX25" fmla="*/ 2054781 w 12192000"/>
+              <a:gd name="connsiteY25" fmla="*/ 2053228 h 6858000"/>
+              <a:gd name="connsiteX26" fmla="*/ 1985693 w 12192000"/>
+              <a:gd name="connsiteY26" fmla="*/ 2109207 h 6858000"/>
+              <a:gd name="connsiteX27" fmla="*/ 2061168 w 12192000"/>
+              <a:gd name="connsiteY27" fmla="*/ 2130859 h 6858000"/>
+              <a:gd name="connsiteX28" fmla="*/ 2388026 w 12192000"/>
+              <a:gd name="connsiteY28" fmla="*/ 2184726 h 6858000"/>
+              <a:gd name="connsiteX29" fmla="*/ 1560719 w 12192000"/>
+              <a:gd name="connsiteY29" fmla="*/ 2384876 h 6858000"/>
+              <a:gd name="connsiteX30" fmla="*/ 1679734 w 12192000"/>
+              <a:gd name="connsiteY30" fmla="*/ 2400191 h 6858000"/>
+              <a:gd name="connsiteX31" fmla="*/ 2882089 w 12192000"/>
+              <a:gd name="connsiteY31" fmla="*/ 2383292 h 6858000"/>
+              <a:gd name="connsiteX32" fmla="*/ 3116638 w 12192000"/>
+              <a:gd name="connsiteY32" fmla="*/ 2359528 h 6858000"/>
+              <a:gd name="connsiteX33" fmla="*/ 2897765 w 12192000"/>
+              <a:gd name="connsiteY33" fmla="*/ 2758243 h 6858000"/>
+              <a:gd name="connsiteX34" fmla="*/ 2981367 w 12192000"/>
+              <a:gd name="connsiteY34" fmla="*/ 2829008 h 6858000"/>
+              <a:gd name="connsiteX35" fmla="*/ 2682955 w 12192000"/>
+              <a:gd name="connsiteY35" fmla="*/ 2846436 h 6858000"/>
+              <a:gd name="connsiteX36" fmla="*/ 2099485 w 12192000"/>
+              <a:gd name="connsiteY36" fmla="*/ 3066653 h 6858000"/>
+              <a:gd name="connsiteX37" fmla="*/ 1807460 w 12192000"/>
+              <a:gd name="connsiteY37" fmla="*/ 3454808 h 6858000"/>
+              <a:gd name="connsiteX38" fmla="*/ 1921251 w 12192000"/>
+              <a:gd name="connsiteY38" fmla="*/ 3540889 h 6858000"/>
+              <a:gd name="connsiteX39" fmla="*/ 1453313 w 12192000"/>
+              <a:gd name="connsiteY39" fmla="*/ 3637002 h 6858000"/>
+              <a:gd name="connsiteX40" fmla="*/ 1686122 w 12192000"/>
+              <a:gd name="connsiteY40" fmla="*/ 3667634 h 6858000"/>
+              <a:gd name="connsiteX41" fmla="*/ 1513692 w 12192000"/>
+              <a:gd name="connsiteY41" fmla="*/ 3725196 h 6858000"/>
+              <a:gd name="connsiteX42" fmla="*/ 1369711 w 12192000"/>
+              <a:gd name="connsiteY42" fmla="*/ 3826063 h 6858000"/>
+              <a:gd name="connsiteX43" fmla="*/ 2051298 w 12192000"/>
+              <a:gd name="connsiteY43" fmla="*/ 3754242 h 6858000"/>
+              <a:gd name="connsiteX44" fmla="*/ 2245207 w 12192000"/>
+              <a:gd name="connsiteY44" fmla="*/ 3797018 h 6858000"/>
+              <a:gd name="connsiteX45" fmla="*/ 2353192 w 12192000"/>
+              <a:gd name="connsiteY45" fmla="*/ 3796489 h 6858000"/>
+              <a:gd name="connsiteX46" fmla="*/ 2490207 w 12192000"/>
+              <a:gd name="connsiteY46" fmla="*/ 3801242 h 6858000"/>
+              <a:gd name="connsiteX47" fmla="*/ 2375835 w 12192000"/>
+              <a:gd name="connsiteY47" fmla="*/ 3839794 h 6858000"/>
+              <a:gd name="connsiteX48" fmla="*/ 2522138 w 12192000"/>
+              <a:gd name="connsiteY48" fmla="*/ 4009841 h 6858000"/>
+              <a:gd name="connsiteX49" fmla="*/ 1998466 w 12192000"/>
+              <a:gd name="connsiteY49" fmla="*/ 4130778 h 6858000"/>
+              <a:gd name="connsiteX50" fmla="*/ 2114580 w 12192000"/>
+              <a:gd name="connsiteY50" fmla="*/ 4154543 h 6858000"/>
+              <a:gd name="connsiteX51" fmla="*/ 2177862 w 12192000"/>
+              <a:gd name="connsiteY51" fmla="*/ 4189925 h 6858000"/>
+              <a:gd name="connsiteX52" fmla="*/ 1868419 w 12192000"/>
+              <a:gd name="connsiteY52" fmla="*/ 4382153 h 6858000"/>
+              <a:gd name="connsiteX53" fmla="*/ 2279460 w 12192000"/>
+              <a:gd name="connsiteY53" fmla="*/ 4356805 h 6858000"/>
+              <a:gd name="connsiteX54" fmla="*/ 2029817 w 12192000"/>
+              <a:gd name="connsiteY54" fmla="*/ 4468235 h 6858000"/>
+              <a:gd name="connsiteX55" fmla="*/ 1560137 w 12192000"/>
+              <a:gd name="connsiteY55" fmla="*/ 4730172 h 6858000"/>
+              <a:gd name="connsiteX56" fmla="*/ 1956664 w 12192000"/>
+              <a:gd name="connsiteY56" fmla="*/ 4820477 h 6858000"/>
+              <a:gd name="connsiteX57" fmla="*/ 3268168 w 12192000"/>
+              <a:gd name="connsiteY57" fmla="*/ 4852692 h 6858000"/>
+              <a:gd name="connsiteX58" fmla="*/ 2807197 w 12192000"/>
+              <a:gd name="connsiteY58" fmla="*/ 4939300 h 6858000"/>
+              <a:gd name="connsiteX59" fmla="*/ 2721272 w 12192000"/>
+              <a:gd name="connsiteY59" fmla="*/ 4970458 h 6858000"/>
+              <a:gd name="connsiteX60" fmla="*/ 2802552 w 12192000"/>
+              <a:gd name="connsiteY60" fmla="*/ 5014291 h 6858000"/>
+              <a:gd name="connsiteX61" fmla="*/ 2537812 w 12192000"/>
+              <a:gd name="connsiteY61" fmla="*/ 5053898 h 6858000"/>
+              <a:gd name="connsiteX62" fmla="*/ 2569744 w 12192000"/>
+              <a:gd name="connsiteY62" fmla="*/ 5153182 h 6858000"/>
+              <a:gd name="connsiteX63" fmla="*/ 1987436 w 12192000"/>
+              <a:gd name="connsiteY63" fmla="*/ 5334320 h 6858000"/>
+              <a:gd name="connsiteX64" fmla="*/ 1972921 w 12192000"/>
+              <a:gd name="connsiteY64" fmla="*/ 5382376 h 6858000"/>
+              <a:gd name="connsiteX65" fmla="*/ 2341001 w 12192000"/>
+              <a:gd name="connsiteY65" fmla="*/ 5360725 h 6858000"/>
+              <a:gd name="connsiteX66" fmla="*/ 2710822 w 12192000"/>
+              <a:gd name="connsiteY66" fmla="*/ 5418816 h 6858000"/>
+              <a:gd name="connsiteX67" fmla="*/ 2833903 w 12192000"/>
+              <a:gd name="connsiteY67" fmla="*/ 5413007 h 6858000"/>
+              <a:gd name="connsiteX68" fmla="*/ 3011556 w 12192000"/>
+              <a:gd name="connsiteY68" fmla="*/ 5399276 h 6858000"/>
+              <a:gd name="connsiteX69" fmla="*/ 3254233 w 12192000"/>
+              <a:gd name="connsiteY69" fmla="*/ 5439412 h 6858000"/>
+              <a:gd name="connsiteX70" fmla="*/ 2792101 w 12192000"/>
+              <a:gd name="connsiteY70" fmla="*/ 5471625 h 6858000"/>
+              <a:gd name="connsiteX71" fmla="*/ 2977303 w 12192000"/>
+              <a:gd name="connsiteY71" fmla="*/ 5539751 h 6858000"/>
+              <a:gd name="connsiteX72" fmla="*/ 3656566 w 12192000"/>
+              <a:gd name="connsiteY72" fmla="*/ 5678642 h 6858000"/>
+              <a:gd name="connsiteX73" fmla="*/ 4858340 w 12192000"/>
+              <a:gd name="connsiteY73" fmla="*/ 5969625 h 6858000"/>
+              <a:gd name="connsiteX74" fmla="*/ 5296668 w 12192000"/>
+              <a:gd name="connsiteY74" fmla="*/ 6043559 h 6858000"/>
+              <a:gd name="connsiteX75" fmla="*/ 5456323 w 12192000"/>
+              <a:gd name="connsiteY75" fmla="*/ 6042502 h 6858000"/>
+              <a:gd name="connsiteX76" fmla="*/ 5267058 w 12192000"/>
+              <a:gd name="connsiteY76" fmla="*/ 6100066 h 6858000"/>
+              <a:gd name="connsiteX77" fmla="*/ 7095266 w 12192000"/>
+              <a:gd name="connsiteY77" fmla="*/ 6287541 h 6858000"/>
+              <a:gd name="connsiteX78" fmla="*/ 9707235 w 12192000"/>
+              <a:gd name="connsiteY78" fmla="*/ 5994446 h 6858000"/>
+              <a:gd name="connsiteX79" fmla="*/ 10083442 w 12192000"/>
+              <a:gd name="connsiteY79" fmla="*/ 5678642 h 6858000"/>
+              <a:gd name="connsiteX80" fmla="*/ 10338892 w 12192000"/>
+              <a:gd name="connsiteY80" fmla="*/ 4650957 h 6858000"/>
+              <a:gd name="connsiteX81" fmla="*/ 10628013 w 12192000"/>
+              <a:gd name="connsiteY81" fmla="*/ 4411198 h 6858000"/>
+              <a:gd name="connsiteX82" fmla="*/ 10802766 w 12192000"/>
+              <a:gd name="connsiteY82" fmla="*/ 4258050 h 6858000"/>
+              <a:gd name="connsiteX83" fmla="*/ 10614662 w 12192000"/>
+              <a:gd name="connsiteY83" fmla="*/ 4150318 h 6858000"/>
+              <a:gd name="connsiteX84" fmla="*/ 10681427 w 12192000"/>
+              <a:gd name="connsiteY84" fmla="*/ 4054203 h 6858000"/>
+              <a:gd name="connsiteX85" fmla="*/ 10520029 w 12192000"/>
+              <a:gd name="connsiteY85" fmla="*/ 3804411 h 6858000"/>
+              <a:gd name="connsiteX86" fmla="*/ 10568798 w 12192000"/>
+              <a:gd name="connsiteY86" fmla="*/ 3466426 h 6858000"/>
+              <a:gd name="connsiteX87" fmla="*/ 10499709 w 12192000"/>
+              <a:gd name="connsiteY87" fmla="*/ 3166465 h 6858000"/>
+              <a:gd name="connsiteX88" fmla="*/ 10489840 w 12192000"/>
+              <a:gd name="connsiteY88" fmla="*/ 2546475 h 6858000"/>
+              <a:gd name="connsiteX89" fmla="*/ 10584471 w 12192000"/>
+              <a:gd name="connsiteY89" fmla="*/ 2512148 h 6858000"/>
+              <a:gd name="connsiteX90" fmla="*/ 10695942 w 12192000"/>
+              <a:gd name="connsiteY90" fmla="*/ 2358471 h 6858000"/>
+              <a:gd name="connsiteX91" fmla="*/ 10732516 w 12192000"/>
+              <a:gd name="connsiteY91" fmla="*/ 2287706 h 6858000"/>
+              <a:gd name="connsiteX92" fmla="*/ 10731357 w 12192000"/>
+              <a:gd name="connsiteY92" fmla="*/ 2137725 h 6858000"/>
+              <a:gd name="connsiteX93" fmla="*/ 10678525 w 12192000"/>
+              <a:gd name="connsiteY93" fmla="*/ 2070656 h 6858000"/>
+              <a:gd name="connsiteX94" fmla="*/ 10735999 w 12192000"/>
+              <a:gd name="connsiteY94" fmla="*/ 1956587 h 6858000"/>
+              <a:gd name="connsiteX95" fmla="*/ 10824246 w 12192000"/>
+              <a:gd name="connsiteY95" fmla="*/ 1862584 h 6858000"/>
+              <a:gd name="connsiteX96" fmla="*/ 10773156 w 12192000"/>
+              <a:gd name="connsiteY96" fmla="*/ 1768054 h 6858000"/>
+              <a:gd name="connsiteX97" fmla="*/ 10716261 w 12192000"/>
+              <a:gd name="connsiteY97" fmla="*/ 1678278 h 6858000"/>
+              <a:gd name="connsiteX98" fmla="*/ 10554864 w 12192000"/>
+              <a:gd name="connsiteY98" fmla="*/ 1477599 h 6858000"/>
+              <a:gd name="connsiteX99" fmla="*/ 10267483 w 12192000"/>
+              <a:gd name="connsiteY99" fmla="*/ 1324977 h 6858000"/>
+              <a:gd name="connsiteX100" fmla="*/ 9913337 w 12192000"/>
+              <a:gd name="connsiteY100" fmla="*/ 1202458 h 6858000"/>
+              <a:gd name="connsiteX101" fmla="*/ 10024805 w 12192000"/>
+              <a:gd name="connsiteY101" fmla="*/ 1124827 h 6858000"/>
+              <a:gd name="connsiteX102" fmla="*/ 9411726 w 12192000"/>
+              <a:gd name="connsiteY102" fmla="*/ 980655 h 6858000"/>
+              <a:gd name="connsiteX103" fmla="*/ 9930753 w 12192000"/>
+              <a:gd name="connsiteY103" fmla="*/ 901968 h 6858000"/>
+              <a:gd name="connsiteX104" fmla="*/ 9894178 w 12192000"/>
+              <a:gd name="connsiteY104" fmla="*/ 871339 h 6858000"/>
+              <a:gd name="connsiteX105" fmla="*/ 9858182 w 12192000"/>
+              <a:gd name="connsiteY105" fmla="*/ 839125 h 6858000"/>
+              <a:gd name="connsiteX106" fmla="*/ 10131050 w 12192000"/>
+              <a:gd name="connsiteY106" fmla="*/ 792652 h 6858000"/>
+              <a:gd name="connsiteX107" fmla="*/ 10006808 w 12192000"/>
+              <a:gd name="connsiteY107" fmla="*/ 731920 h 6858000"/>
+              <a:gd name="connsiteX108" fmla="*/ 10233809 w 12192000"/>
+              <a:gd name="connsiteY108" fmla="*/ 710268 h 6858000"/>
+              <a:gd name="connsiteX109" fmla="*/ 10267483 w 12192000"/>
+              <a:gd name="connsiteY109" fmla="*/ 628940 h 6858000"/>
+              <a:gd name="connsiteX110" fmla="*/ 10136275 w 12192000"/>
+              <a:gd name="connsiteY110" fmla="*/ 589333 h 6858000"/>
+              <a:gd name="connsiteX111" fmla="*/ 9131312 w 12192000"/>
+              <a:gd name="connsiteY111" fmla="*/ 480544 h 6858000"/>
+              <a:gd name="connsiteX112" fmla="*/ 7479600 w 12192000"/>
+              <a:gd name="connsiteY112" fmla="*/ 454667 h 6858000"/>
+              <a:gd name="connsiteX113" fmla="*/ 6724001 w 12192000"/>
+              <a:gd name="connsiteY113" fmla="*/ 434021 h 6858000"/>
+              <a:gd name="connsiteX114" fmla="*/ 0 w 12192000"/>
+              <a:gd name="connsiteY114" fmla="*/ 0 h 6858000"/>
+              <a:gd name="connsiteX115" fmla="*/ 12192000 w 12192000"/>
+              <a:gd name="connsiteY115" fmla="*/ 0 h 6858000"/>
+              <a:gd name="connsiteX116" fmla="*/ 12192000 w 12192000"/>
+              <a:gd name="connsiteY116" fmla="*/ 6858000 h 6858000"/>
+              <a:gd name="connsiteX117" fmla="*/ 0 w 12192000"/>
+              <a:gd name="connsiteY117" fmla="*/ 6858000 h 6858000"/>
+            </a:gdLst>
+            <a:ahLst/>
+            <a:cxnLst>
+              <a:cxn ang="0">
+                <a:pos x="connsiteX0" y="connsiteY0"/>
+              </a:cxn>
+              <a:cxn ang="0">
+                <a:pos x="connsiteX1" y="connsiteY1"/>
+              </a:cxn>
+              <a:cxn ang="0">
+                <a:pos x="connsiteX2" y="connsiteY2"/>
+              </a:cxn>
+              <a:cxn ang="0">
+                <a:pos x="connsiteX3" y="connsiteY3"/>
+              </a:cxn>
+              <a:cxn ang="0">
+                <a:pos x="connsiteX4" y="connsiteY4"/>
+              </a:cxn>
+              <a:cxn ang="0">
+                <a:pos x="connsiteX5" y="connsiteY5"/>
+              </a:cxn>
+              <a:cxn ang="0">
+                <a:pos x="connsiteX6" y="connsiteY6"/>
+              </a:cxn>
+              <a:cxn ang="0">
+                <a:pos x="connsiteX7" y="connsiteY7"/>
+              </a:cxn>
+              <a:cxn ang="0">
+                <a:pos x="connsiteX8" y="connsiteY8"/>
+              </a:cxn>
+              <a:cxn ang="0">
+                <a:pos x="connsiteX9" y="connsiteY9"/>
+              </a:cxn>
+              <a:cxn ang="0">
+                <a:pos x="connsiteX10" y="connsiteY10"/>
+              </a:cxn>
+              <a:cxn ang="0">
+                <a:pos x="connsiteX11" y="connsiteY11"/>
+              </a:cxn>
+              <a:cxn ang="0">
+                <a:pos x="connsiteX12" y="connsiteY12"/>
+              </a:cxn>
+              <a:cxn ang="0">
+                <a:pos x="connsiteX13" y="connsiteY13"/>
+              </a:cxn>
+              <a:cxn ang="0">
+                <a:pos x="connsiteX14" y="connsiteY14"/>
+              </a:cxn>
+              <a:cxn ang="0">
+                <a:pos x="connsiteX15" y="connsiteY15"/>
+              </a:cxn>
+              <a:cxn ang="0">
+                <a:pos x="connsiteX16" y="connsiteY16"/>
+              </a:cxn>
+              <a:cxn ang="0">
+                <a:pos x="connsiteX17" y="connsiteY17"/>
+              </a:cxn>
+              <a:cxn ang="0">
+                <a:pos x="connsiteX18" y="connsiteY18"/>
+              </a:cxn>
+              <a:cxn ang="0">
+                <a:pos x="connsiteX19" y="connsiteY19"/>
+              </a:cxn>
+              <a:cxn ang="0">
+                <a:pos x="connsiteX20" y="connsiteY20"/>
+              </a:cxn>
+              <a:cxn ang="0">
+                <a:pos x="connsiteX21" y="connsiteY21"/>
+              </a:cxn>
+              <a:cxn ang="0">
+                <a:pos x="connsiteX22" y="connsiteY22"/>
+              </a:cxn>
+              <a:cxn ang="0">
+                <a:pos x="connsiteX23" y="connsiteY23"/>
+              </a:cxn>
+              <a:cxn ang="0">
+                <a:pos x="connsiteX24" y="connsiteY24"/>
+              </a:cxn>
+              <a:cxn ang="0">
+                <a:pos x="connsiteX25" y="connsiteY25"/>
+              </a:cxn>
+              <a:cxn ang="0">
+                <a:pos x="connsiteX26" y="connsiteY26"/>
+              </a:cxn>
+              <a:cxn ang="0">
+                <a:pos x="connsiteX27" y="connsiteY27"/>
+              </a:cxn>
+              <a:cxn ang="0">
+                <a:pos x="connsiteX28" y="connsiteY28"/>
+              </a:cxn>
+              <a:cxn ang="0">
+                <a:pos x="connsiteX29" y="connsiteY29"/>
+              </a:cxn>
+              <a:cxn ang="0">
+                <a:pos x="connsiteX30" y="connsiteY30"/>
+              </a:cxn>
+              <a:cxn ang="0">
+                <a:pos x="connsiteX31" y="connsiteY31"/>
+              </a:cxn>
+              <a:cxn ang="0">
+                <a:pos x="connsiteX32" y="connsiteY32"/>
+              </a:cxn>
+              <a:cxn ang="0">
+                <a:pos x="connsiteX33" y="connsiteY33"/>
+              </a:cxn>
+              <a:cxn ang="0">
+                <a:pos x="connsiteX34" y="connsiteY34"/>
+              </a:cxn>
+              <a:cxn ang="0">
+                <a:pos x="connsiteX35" y="connsiteY35"/>
+              </a:cxn>
+              <a:cxn ang="0">
+                <a:pos x="connsiteX36" y="connsiteY36"/>
+              </a:cxn>
+              <a:cxn ang="0">
+                <a:pos x="connsiteX37" y="connsiteY37"/>
+              </a:cxn>
+              <a:cxn ang="0">
+                <a:pos x="connsiteX38" y="connsiteY38"/>
+              </a:cxn>
+              <a:cxn ang="0">
+                <a:pos x="connsiteX39" y="connsiteY39"/>
+              </a:cxn>
+              <a:cxn ang="0">
+                <a:pos x="connsiteX40" y="connsiteY40"/>
+              </a:cxn>
+              <a:cxn ang="0">
+                <a:pos x="connsiteX41" y="connsiteY41"/>
+              </a:cxn>
+              <a:cxn ang="0">
+                <a:pos x="connsiteX42" y="connsiteY42"/>
+              </a:cxn>
+              <a:cxn ang="0">
+                <a:pos x="connsiteX43" y="connsiteY43"/>
+              </a:cxn>
+              <a:cxn ang="0">
+                <a:pos x="connsiteX44" y="connsiteY44"/>
+              </a:cxn>
+              <a:cxn ang="0">
+                <a:pos x="connsiteX45" y="connsiteY45"/>
+              </a:cxn>
+              <a:cxn ang="0">
+                <a:pos x="connsiteX46" y="connsiteY46"/>
+              </a:cxn>
+              <a:cxn ang="0">
+                <a:pos x="connsiteX47" y="connsiteY47"/>
+              </a:cxn>
+              <a:cxn ang="0">
+                <a:pos x="connsiteX48" y="connsiteY48"/>
+              </a:cxn>
+              <a:cxn ang="0">
+                <a:pos x="connsiteX49" y="connsiteY49"/>
+              </a:cxn>
+              <a:cxn ang="0">
+                <a:pos x="connsiteX50" y="connsiteY50"/>
+              </a:cxn>
+              <a:cxn ang="0">
+                <a:pos x="connsiteX51" y="connsiteY51"/>
+              </a:cxn>
+              <a:cxn ang="0">
+                <a:pos x="connsiteX52" y="connsiteY52"/>
+              </a:cxn>
+              <a:cxn ang="0">
+                <a:pos x="connsiteX53" y="connsiteY53"/>
+              </a:cxn>
+              <a:cxn ang="0">
+                <a:pos x="connsiteX54" y="connsiteY54"/>
+              </a:cxn>
+              <a:cxn ang="0">
+                <a:pos x="connsiteX55" y="connsiteY55"/>
+              </a:cxn>
+              <a:cxn ang="0">
+                <a:pos x="connsiteX56" y="connsiteY56"/>
+              </a:cxn>
+              <a:cxn ang="0">
+                <a:pos x="connsiteX57" y="connsiteY57"/>
+              </a:cxn>
+              <a:cxn ang="0">
+                <a:pos x="connsiteX58" y="connsiteY58"/>
+              </a:cxn>
+              <a:cxn ang="0">
+                <a:pos x="connsiteX59" y="connsiteY59"/>
+              </a:cxn>
+              <a:cxn ang="0">
+                <a:pos x="connsiteX60" y="connsiteY60"/>
+              </a:cxn>
+              <a:cxn ang="0">
+                <a:pos x="connsiteX61" y="connsiteY61"/>
+              </a:cxn>
+              <a:cxn ang="0">
+                <a:pos x="connsiteX62" y="connsiteY62"/>
+              </a:cxn>
+              <a:cxn ang="0">
+                <a:pos x="connsiteX63" y="connsiteY63"/>
+              </a:cxn>
+              <a:cxn ang="0">
+                <a:pos x="connsiteX64" y="connsiteY64"/>
+              </a:cxn>
+              <a:cxn ang="0">
+                <a:pos x="connsiteX65" y="connsiteY65"/>
+              </a:cxn>
+              <a:cxn ang="0">
+                <a:pos x="connsiteX66" y="connsiteY66"/>
+              </a:cxn>
+              <a:cxn ang="0">
+                <a:pos x="connsiteX67" y="connsiteY67"/>
+              </a:cxn>
+              <a:cxn ang="0">
+                <a:pos x="connsiteX68" y="connsiteY68"/>
+              </a:cxn>
+              <a:cxn ang="0">
+                <a:pos x="connsiteX69" y="connsiteY69"/>
+              </a:cxn>
+              <a:cxn ang="0">
+                <a:pos x="connsiteX70" y="connsiteY70"/>
+              </a:cxn>
+              <a:cxn ang="0">
+                <a:pos x="connsiteX71" y="connsiteY71"/>
+              </a:cxn>
+              <a:cxn ang="0">
+                <a:pos x="connsiteX72" y="connsiteY72"/>
+              </a:cxn>
+              <a:cxn ang="0">
+                <a:pos x="connsiteX73" y="connsiteY73"/>
+              </a:cxn>
+              <a:cxn ang="0">
+                <a:pos x="connsiteX74" y="connsiteY74"/>
+              </a:cxn>
+              <a:cxn ang="0">
+                <a:pos x="connsiteX75" y="connsiteY75"/>
+              </a:cxn>
+              <a:cxn ang="0">
+                <a:pos x="connsiteX76" y="connsiteY76"/>
+              </a:cxn>
+              <a:cxn ang="0">
+                <a:pos x="connsiteX77" y="connsiteY77"/>
+              </a:cxn>
+              <a:cxn ang="0">
+                <a:pos x="connsiteX78" y="connsiteY78"/>
+              </a:cxn>
+              <a:cxn ang="0">
+                <a:pos x="connsiteX79" y="connsiteY79"/>
+              </a:cxn>
+              <a:cxn ang="0">
+                <a:pos x="connsiteX80" y="connsiteY80"/>
+              </a:cxn>
+              <a:cxn ang="0">
+                <a:pos x="connsiteX81" y="connsiteY81"/>
+              </a:cxn>
+              <a:cxn ang="0">
+                <a:pos x="connsiteX82" y="connsiteY82"/>
+              </a:cxn>
+              <a:cxn ang="0">
+                <a:pos x="connsiteX83" y="connsiteY83"/>
+              </a:cxn>
+              <a:cxn ang="0">
+                <a:pos x="connsiteX84" y="connsiteY84"/>
+              </a:cxn>
+              <a:cxn ang="0">
+                <a:pos x="connsiteX85" y="connsiteY85"/>
+              </a:cxn>
+              <a:cxn ang="0">
+                <a:pos x="connsiteX86" y="connsiteY86"/>
+              </a:cxn>
+              <a:cxn ang="0">
+                <a:pos x="connsiteX87" y="connsiteY87"/>
+              </a:cxn>
+              <a:cxn ang="0">
+                <a:pos x="connsiteX88" y="connsiteY88"/>
+              </a:cxn>
+              <a:cxn ang="0">
+                <a:pos x="connsiteX89" y="connsiteY89"/>
+              </a:cxn>
+              <a:cxn ang="0">
+                <a:pos x="connsiteX90" y="connsiteY90"/>
+              </a:cxn>
+              <a:cxn ang="0">
+                <a:pos x="connsiteX91" y="connsiteY91"/>
+              </a:cxn>
+              <a:cxn ang="0">
+                <a:pos x="connsiteX92" y="connsiteY92"/>
+              </a:cxn>
+              <a:cxn ang="0">
+                <a:pos x="connsiteX93" y="connsiteY93"/>
+              </a:cxn>
+              <a:cxn ang="0">
+                <a:pos x="connsiteX94" y="connsiteY94"/>
+              </a:cxn>
+              <a:cxn ang="0">
+                <a:pos x="connsiteX95" y="connsiteY95"/>
+              </a:cxn>
+              <a:cxn ang="0">
+                <a:pos x="connsiteX96" y="connsiteY96"/>
+              </a:cxn>
+              <a:cxn ang="0">
+                <a:pos x="connsiteX97" y="connsiteY97"/>
+              </a:cxn>
+              <a:cxn ang="0">
+                <a:pos x="connsiteX98" y="connsiteY98"/>
+              </a:cxn>
+              <a:cxn ang="0">
+                <a:pos x="connsiteX99" y="connsiteY99"/>
+              </a:cxn>
+              <a:cxn ang="0">
+                <a:pos x="connsiteX100" y="connsiteY100"/>
+              </a:cxn>
+              <a:cxn ang="0">
+                <a:pos x="connsiteX101" y="connsiteY101"/>
+              </a:cxn>
+              <a:cxn ang="0">
+                <a:pos x="connsiteX102" y="connsiteY102"/>
+              </a:cxn>
+              <a:cxn ang="0">
+                <a:pos x="connsiteX103" y="connsiteY103"/>
+              </a:cxn>
+              <a:cxn ang="0">
+                <a:pos x="connsiteX104" y="connsiteY104"/>
+              </a:cxn>
+              <a:cxn ang="0">
+                <a:pos x="connsiteX105" y="connsiteY105"/>
+              </a:cxn>
+              <a:cxn ang="0">
+                <a:pos x="connsiteX106" y="connsiteY106"/>
+              </a:cxn>
+              <a:cxn ang="0">
+                <a:pos x="connsiteX107" y="connsiteY107"/>
+              </a:cxn>
+              <a:cxn ang="0">
+                <a:pos x="connsiteX108" y="connsiteY108"/>
+              </a:cxn>
+              <a:cxn ang="0">
+                <a:pos x="connsiteX109" y="connsiteY109"/>
+              </a:cxn>
+              <a:cxn ang="0">
+                <a:pos x="connsiteX110" y="connsiteY110"/>
+              </a:cxn>
+              <a:cxn ang="0">
+                <a:pos x="connsiteX111" y="connsiteY111"/>
+              </a:cxn>
+              <a:cxn ang="0">
+                <a:pos x="connsiteX112" y="connsiteY112"/>
+              </a:cxn>
+              <a:cxn ang="0">
+                <a:pos x="connsiteX113" y="connsiteY113"/>
+              </a:cxn>
+              <a:cxn ang="0">
+                <a:pos x="connsiteX114" y="connsiteY114"/>
+              </a:cxn>
+              <a:cxn ang="0">
+                <a:pos x="connsiteX115" y="connsiteY115"/>
+              </a:cxn>
+              <a:cxn ang="0">
+                <a:pos x="connsiteX116" y="connsiteY116"/>
+              </a:cxn>
+              <a:cxn ang="0">
+                <a:pos x="connsiteX117" y="connsiteY117"/>
+              </a:cxn>
+            </a:cxnLst>
+            <a:rect l="l" t="t" r="r" b="b"/>
+            <a:pathLst>
+              <a:path w="12192000" h="6858000">
+                <a:moveTo>
+                  <a:pt x="6724001" y="434021"/>
+                </a:moveTo>
+                <a:cubicBezTo>
+                  <a:pt x="6639882" y="433113"/>
+                  <a:pt x="6555627" y="433147"/>
+                  <a:pt x="6471155" y="434599"/>
+                </a:cubicBezTo>
+                <a:cubicBezTo>
+                  <a:pt x="6109461" y="440937"/>
+                  <a:pt x="5748349" y="439351"/>
+                  <a:pt x="5384913" y="497971"/>
+                </a:cubicBezTo>
+                <a:cubicBezTo>
+                  <a:pt x="5199132" y="528072"/>
+                  <a:pt x="5005803" y="518038"/>
+                  <a:pt x="4818280" y="541802"/>
+                </a:cubicBezTo>
+                <a:cubicBezTo>
+                  <a:pt x="4532641" y="578242"/>
+                  <a:pt x="4247003" y="621019"/>
+                  <a:pt x="3965428" y="675942"/>
+                </a:cubicBezTo>
+                <a:cubicBezTo>
+                  <a:pt x="3877181" y="693369"/>
+                  <a:pt x="3768034" y="703930"/>
+                  <a:pt x="3699528" y="770472"/>
+                </a:cubicBezTo>
+                <a:cubicBezTo>
+                  <a:pt x="3590961" y="728224"/>
+                  <a:pt x="3523617" y="807966"/>
+                  <a:pt x="3438854" y="834899"/>
+                </a:cubicBezTo>
+                <a:cubicBezTo>
+                  <a:pt x="3405761" y="845462"/>
+                  <a:pt x="3362218" y="860248"/>
+                  <a:pt x="3367443" y="893518"/>
+                </a:cubicBezTo>
+                <a:cubicBezTo>
+                  <a:pt x="3372089" y="935238"/>
+                  <a:pt x="3420855" y="962172"/>
+                  <a:pt x="3467301" y="953722"/>
+                </a:cubicBezTo>
+                <a:cubicBezTo>
+                  <a:pt x="3611863" y="927317"/>
+                  <a:pt x="3741328" y="986464"/>
+                  <a:pt x="3889955" y="977486"/>
+                </a:cubicBezTo>
+                <a:cubicBezTo>
+                  <a:pt x="3760488" y="1002836"/>
+                  <a:pt x="3631601" y="1028713"/>
+                  <a:pt x="3502135" y="1054062"/>
+                </a:cubicBezTo>
+                <a:cubicBezTo>
+                  <a:pt x="3694303" y="1074129"/>
+                  <a:pt x="3883568" y="1038218"/>
+                  <a:pt x="4072832" y="1017622"/>
+                </a:cubicBezTo>
+                <a:cubicBezTo>
+                  <a:pt x="4133792" y="1011285"/>
+                  <a:pt x="4228424" y="962699"/>
+                  <a:pt x="4244099" y="1030825"/>
+                </a:cubicBezTo>
+                <a:cubicBezTo>
+                  <a:pt x="4254550" y="1076242"/>
+                  <a:pt x="4152951" y="1079410"/>
+                  <a:pt x="4095475" y="1092084"/>
+                </a:cubicBezTo>
+                <a:cubicBezTo>
+                  <a:pt x="3841766" y="1146479"/>
+                  <a:pt x="3583994" y="1178165"/>
+                  <a:pt x="3327386" y="1215660"/>
+                </a:cubicBezTo>
+                <a:cubicBezTo>
+                  <a:pt x="3303001" y="1219357"/>
+                  <a:pt x="3271070" y="1216188"/>
+                  <a:pt x="3254813" y="1226749"/>
+                </a:cubicBezTo>
+                <a:cubicBezTo>
+                  <a:pt x="3123605" y="1311774"/>
+                  <a:pt x="2957563" y="1339765"/>
+                  <a:pt x="2776427" y="1401552"/>
+                </a:cubicBezTo>
+                <a:cubicBezTo>
+                  <a:pt x="2890798" y="1430598"/>
+                  <a:pt x="2968012" y="1370921"/>
+                  <a:pt x="3063226" y="1384124"/>
+                </a:cubicBezTo>
+                <a:cubicBezTo>
+                  <a:pt x="2966272" y="1448024"/>
+                  <a:pt x="2853641" y="1460171"/>
+                  <a:pt x="2754945" y="1495025"/>
+                </a:cubicBezTo>
+                <a:cubicBezTo>
+                  <a:pt x="2684117" y="1519846"/>
+                  <a:pt x="2421119" y="1597477"/>
+                  <a:pt x="2381061" y="1619658"/>
+                </a:cubicBezTo>
+                <a:cubicBezTo>
+                  <a:pt x="2260302" y="1688311"/>
+                  <a:pt x="2107033" y="1720525"/>
+                  <a:pt x="2008336" y="1814527"/>
+                </a:cubicBezTo>
+                <a:cubicBezTo>
+                  <a:pt x="1938668" y="1880540"/>
+                  <a:pt x="1822554" y="1868393"/>
+                  <a:pt x="1740695" y="1914337"/>
+                </a:cubicBezTo>
+                <a:cubicBezTo>
+                  <a:pt x="1711667" y="1957642"/>
+                  <a:pt x="1767982" y="1968733"/>
+                  <a:pt x="1787720" y="1991970"/>
+                </a:cubicBezTo>
+                <a:cubicBezTo>
+                  <a:pt x="1813846" y="2023126"/>
+                  <a:pt x="1767401" y="2040555"/>
+                  <a:pt x="1754048" y="2078049"/>
+                </a:cubicBezTo>
+                <a:cubicBezTo>
+                  <a:pt x="1907898" y="2035802"/>
+                  <a:pt x="2054781" y="2010981"/>
+                  <a:pt x="2228951" y="1996721"/>
+                </a:cubicBezTo>
+                <a:cubicBezTo>
+                  <a:pt x="2171475" y="2057452"/>
+                  <a:pt x="2101807" y="2031048"/>
+                  <a:pt x="2054781" y="2053228"/>
+                </a:cubicBezTo>
+                <a:cubicBezTo>
+                  <a:pt x="2024011" y="2067487"/>
+                  <a:pt x="1976984" y="2073824"/>
+                  <a:pt x="1985693" y="2109207"/>
+                </a:cubicBezTo>
+                <a:cubicBezTo>
+                  <a:pt x="1992660" y="2137196"/>
+                  <a:pt x="2032140" y="2133500"/>
+                  <a:pt x="2061168" y="2130859"/>
+                </a:cubicBezTo>
+                <a:cubicBezTo>
+                  <a:pt x="2172636" y="2120825"/>
+                  <a:pt x="2281202" y="2117656"/>
+                  <a:pt x="2388026" y="2184726"/>
+                </a:cubicBezTo>
+                <a:cubicBezTo>
+                  <a:pt x="2116321" y="2282425"/>
+                  <a:pt x="1803977" y="2241233"/>
+                  <a:pt x="1560719" y="2384876"/>
+                </a:cubicBezTo>
+                <a:cubicBezTo>
+                  <a:pt x="1594973" y="2429237"/>
+                  <a:pt x="1643739" y="2405472"/>
+                  <a:pt x="1679734" y="2400191"/>
+                </a:cubicBezTo>
+                <a:cubicBezTo>
+                  <a:pt x="1916026" y="2364279"/>
+                  <a:pt x="2760170" y="2428180"/>
+                  <a:pt x="2882089" y="2383292"/>
+                </a:cubicBezTo>
+                <a:cubicBezTo>
+                  <a:pt x="2956983" y="2355830"/>
+                  <a:pt x="3035941" y="2342628"/>
+                  <a:pt x="3116638" y="2359528"/>
+                </a:cubicBezTo>
+                <a:cubicBezTo>
+                  <a:pt x="3194434" y="2375898"/>
+                  <a:pt x="3174696" y="2605622"/>
+                  <a:pt x="2897765" y="2758243"/>
+                </a:cubicBezTo>
+                <a:cubicBezTo>
+                  <a:pt x="2858286" y="2779895"/>
+                  <a:pt x="3034779" y="2811053"/>
+                  <a:pt x="2981367" y="2829008"/>
+                </a:cubicBezTo>
+                <a:cubicBezTo>
+                  <a:pt x="2939566" y="2843267"/>
+                  <a:pt x="2734626" y="2835346"/>
+                  <a:pt x="2682955" y="2846436"/>
+                </a:cubicBezTo>
+                <a:cubicBezTo>
+                  <a:pt x="2662635" y="2851188"/>
+                  <a:pt x="2040267" y="3029159"/>
+                  <a:pt x="2099485" y="3066653"/>
+                </a:cubicBezTo>
+                <a:cubicBezTo>
+                  <a:pt x="2276558" y="3179139"/>
+                  <a:pt x="2869897" y="3385098"/>
+                  <a:pt x="1807460" y="3454808"/>
+                </a:cubicBezTo>
+                <a:cubicBezTo>
+                  <a:pt x="1841132" y="3495472"/>
+                  <a:pt x="1934024" y="3469596"/>
+                  <a:pt x="1921251" y="3540889"/>
+                </a:cubicBezTo>
+                <a:cubicBezTo>
+                  <a:pt x="1780173" y="3579440"/>
+                  <a:pt x="1617035" y="3577328"/>
+                  <a:pt x="1453313" y="3637002"/>
+                </a:cubicBezTo>
+                <a:cubicBezTo>
+                  <a:pt x="1527047" y="3680307"/>
+                  <a:pt x="1611808" y="3653902"/>
+                  <a:pt x="1686122" y="3667634"/>
+                </a:cubicBezTo>
+                <a:cubicBezTo>
+                  <a:pt x="1644320" y="3722027"/>
+                  <a:pt x="1572330" y="3713578"/>
+                  <a:pt x="1513692" y="3725196"/>
+                </a:cubicBezTo>
+                <a:cubicBezTo>
+                  <a:pt x="1459700" y="3736286"/>
+                  <a:pt x="1345329" y="3830816"/>
+                  <a:pt x="1369711" y="3826063"/>
+                </a:cubicBezTo>
+                <a:cubicBezTo>
+                  <a:pt x="1595553" y="3783815"/>
+                  <a:pt x="1824877" y="3795434"/>
+                  <a:pt x="2051298" y="3754242"/>
+                </a:cubicBezTo>
+                <a:cubicBezTo>
+                  <a:pt x="2126192" y="3740511"/>
+                  <a:pt x="2210955" y="3714106"/>
+                  <a:pt x="2245207" y="3797018"/>
+                </a:cubicBezTo>
+                <a:cubicBezTo>
+                  <a:pt x="2255659" y="3821310"/>
+                  <a:pt x="2248109" y="3829232"/>
+                  <a:pt x="2353192" y="3796489"/>
+                </a:cubicBezTo>
+                <a:cubicBezTo>
+                  <a:pt x="2394414" y="3783815"/>
+                  <a:pt x="2448988" y="3770085"/>
+                  <a:pt x="2490207" y="3801242"/>
+                </a:cubicBezTo>
+                <a:cubicBezTo>
+                  <a:pt x="2464082" y="3840321"/>
+                  <a:pt x="2413572" y="3828703"/>
+                  <a:pt x="2375835" y="3839794"/>
+                </a:cubicBezTo>
+                <a:cubicBezTo>
+                  <a:pt x="2275978" y="3868311"/>
+                  <a:pt x="2619094" y="3977100"/>
+                  <a:pt x="2522138" y="4009841"/>
+                </a:cubicBezTo>
+                <a:cubicBezTo>
+                  <a:pt x="2323584" y="4076912"/>
+                  <a:pt x="2199343" y="4057372"/>
+                  <a:pt x="1998466" y="4130778"/>
+                </a:cubicBezTo>
+                <a:cubicBezTo>
+                  <a:pt x="2066973" y="4129192"/>
+                  <a:pt x="2046072" y="4154543"/>
+                  <a:pt x="2114580" y="4154543"/>
+                </a:cubicBezTo>
+                <a:cubicBezTo>
+                  <a:pt x="2145350" y="4154543"/>
+                  <a:pt x="2177862" y="4160878"/>
+                  <a:pt x="2177862" y="4189925"/>
+                </a:cubicBezTo>
+                <a:cubicBezTo>
+                  <a:pt x="2177862" y="4217385"/>
+                  <a:pt x="1817330" y="4367895"/>
+                  <a:pt x="1868419" y="4382153"/>
+                </a:cubicBezTo>
+                <a:cubicBezTo>
+                  <a:pt x="2007755" y="4420704"/>
+                  <a:pt x="2365385" y="4302410"/>
+                  <a:pt x="2279460" y="4356805"/>
+                </a:cubicBezTo>
+                <a:cubicBezTo>
+                  <a:pt x="2148834" y="4439716"/>
+                  <a:pt x="2129094" y="4456088"/>
+                  <a:pt x="2029817" y="4468235"/>
+                </a:cubicBezTo>
+                <a:cubicBezTo>
+                  <a:pt x="1944474" y="4478796"/>
+                  <a:pt x="1644320" y="4710633"/>
+                  <a:pt x="1560137" y="4730172"/>
+                </a:cubicBezTo>
+                <a:cubicBezTo>
+                  <a:pt x="1485825" y="4747072"/>
+                  <a:pt x="1774947" y="4800410"/>
+                  <a:pt x="1956664" y="4820477"/>
+                </a:cubicBezTo>
+                <a:cubicBezTo>
+                  <a:pt x="2130256" y="4840017"/>
+                  <a:pt x="3101544" y="4789319"/>
+                  <a:pt x="3268168" y="4852692"/>
+                </a:cubicBezTo>
+                <a:cubicBezTo>
+                  <a:pt x="3111993" y="4878041"/>
+                  <a:pt x="2970336" y="4953030"/>
+                  <a:pt x="2807197" y="4939300"/>
+                </a:cubicBezTo>
+                <a:cubicBezTo>
+                  <a:pt x="2773524" y="4936660"/>
+                  <a:pt x="2724756" y="4930323"/>
+                  <a:pt x="2721272" y="4970458"/>
+                </a:cubicBezTo>
+                <a:cubicBezTo>
+                  <a:pt x="2718369" y="5005313"/>
+                  <a:pt x="2788038" y="4981548"/>
+                  <a:pt x="2802552" y="5014291"/>
+                </a:cubicBezTo>
+                <a:cubicBezTo>
+                  <a:pt x="2719531" y="5060235"/>
+                  <a:pt x="2621415" y="5018515"/>
+                  <a:pt x="2537812" y="5053898"/>
+                </a:cubicBezTo>
+                <a:cubicBezTo>
+                  <a:pt x="2491948" y="5099314"/>
+                  <a:pt x="2589483" y="5107236"/>
+                  <a:pt x="2569744" y="5153182"/>
+                </a:cubicBezTo>
+                <a:cubicBezTo>
+                  <a:pt x="2301522" y="5193845"/>
+                  <a:pt x="2252174" y="5268836"/>
+                  <a:pt x="1987436" y="5334320"/>
+                </a:cubicBezTo>
+                <a:cubicBezTo>
+                  <a:pt x="1971179" y="5338545"/>
+                  <a:pt x="1958407" y="5352274"/>
+                  <a:pt x="1972921" y="5382376"/>
+                </a:cubicBezTo>
+                <a:cubicBezTo>
+                  <a:pt x="2087874" y="5396107"/>
+                  <a:pt x="2215599" y="5373399"/>
+                  <a:pt x="2341001" y="5360725"/>
+                </a:cubicBezTo>
+                <a:cubicBezTo>
+                  <a:pt x="2537812" y="5340129"/>
+                  <a:pt x="2533748" y="5339072"/>
+                  <a:pt x="2710822" y="5418816"/>
+                </a:cubicBezTo>
+                <a:cubicBezTo>
+                  <a:pt x="2743914" y="5433602"/>
+                  <a:pt x="2801390" y="5438355"/>
+                  <a:pt x="2833903" y="5413007"/>
+                </a:cubicBezTo>
+                <a:cubicBezTo>
+                  <a:pt x="2896604" y="5364422"/>
+                  <a:pt x="2950016" y="5368646"/>
+                  <a:pt x="3011556" y="5399276"/>
+                </a:cubicBezTo>
+                <a:cubicBezTo>
+                  <a:pt x="3077160" y="5432547"/>
+                  <a:pt x="3171793" y="5391882"/>
+                  <a:pt x="3254233" y="5439412"/>
+                </a:cubicBezTo>
+                <a:cubicBezTo>
+                  <a:pt x="3099802" y="5473739"/>
+                  <a:pt x="2957563" y="5473739"/>
+                  <a:pt x="2792101" y="5471625"/>
+                </a:cubicBezTo>
+                <a:cubicBezTo>
+                  <a:pt x="2846095" y="5537639"/>
+                  <a:pt x="2914601" y="5536582"/>
+                  <a:pt x="2977303" y="5539751"/>
+                </a:cubicBezTo>
+                <a:cubicBezTo>
+                  <a:pt x="3214174" y="5551898"/>
+                  <a:pt x="3601411" y="5660686"/>
+                  <a:pt x="3656566" y="5678642"/>
+                </a:cubicBezTo>
+                <a:cubicBezTo>
+                  <a:pt x="4280675" y="5879847"/>
+                  <a:pt x="4178497" y="5898332"/>
+                  <a:pt x="4858340" y="5969625"/>
+                </a:cubicBezTo>
+                <a:cubicBezTo>
+                  <a:pt x="5261253" y="6011873"/>
+                  <a:pt x="4887368" y="6032469"/>
+                  <a:pt x="5296668" y="6043559"/>
+                </a:cubicBezTo>
+                <a:cubicBezTo>
+                  <a:pt x="5349500" y="6045143"/>
+                  <a:pt x="5402911" y="6044087"/>
+                  <a:pt x="5456323" y="6042502"/>
+                </a:cubicBezTo>
+                <a:cubicBezTo>
+                  <a:pt x="5368077" y="6073134"/>
+                  <a:pt x="5267058" y="6100066"/>
+                  <a:pt x="5267058" y="6100066"/>
+                </a:cubicBezTo>
+                <a:cubicBezTo>
+                  <a:pt x="5267058" y="6100066"/>
+                  <a:pt x="5318728" y="6208854"/>
+                  <a:pt x="7095266" y="6287541"/>
+                </a:cubicBezTo>
+                <a:cubicBezTo>
+                  <a:pt x="7422124" y="6302329"/>
+                  <a:pt x="9563254" y="6024548"/>
+                  <a:pt x="9707235" y="5994446"/>
+                </a:cubicBezTo>
+                <a:cubicBezTo>
+                  <a:pt x="9844249" y="5966984"/>
+                  <a:pt x="10002164" y="5671247"/>
+                  <a:pt x="10083442" y="5678642"/>
+                </a:cubicBezTo>
+                <a:cubicBezTo>
+                  <a:pt x="10103183" y="5653293"/>
+                  <a:pt x="10283158" y="5139979"/>
+                  <a:pt x="10338892" y="4650957"/>
+                </a:cubicBezTo>
+                <a:cubicBezTo>
+                  <a:pt x="10448618" y="4580718"/>
+                  <a:pt x="10551960" y="4503088"/>
+                  <a:pt x="10628013" y="4411198"/>
+                </a:cubicBezTo>
+                <a:cubicBezTo>
+                  <a:pt x="10675040" y="4354692"/>
+                  <a:pt x="10718003" y="4298185"/>
+                  <a:pt x="10802766" y="4258050"/>
+                </a:cubicBezTo>
+                <a:cubicBezTo>
+                  <a:pt x="10755739" y="4203128"/>
+                  <a:pt x="10675040" y="4190453"/>
+                  <a:pt x="10614662" y="4150318"/>
+                </a:cubicBezTo>
+                <a:cubicBezTo>
+                  <a:pt x="10610017" y="4117046"/>
+                  <a:pt x="10705811" y="4127081"/>
+                  <a:pt x="10681427" y="4054203"/>
+                </a:cubicBezTo>
+                <a:cubicBezTo>
+                  <a:pt x="10648335" y="3957032"/>
+                  <a:pt x="10684328" y="3846131"/>
+                  <a:pt x="10520029" y="3804411"/>
+                </a:cubicBezTo>
+                <a:cubicBezTo>
+                  <a:pt x="10476485" y="3709881"/>
+                  <a:pt x="10464294" y="3558845"/>
+                  <a:pt x="10568798" y="3466426"/>
+                </a:cubicBezTo>
+                <a:cubicBezTo>
+                  <a:pt x="10724388" y="3328592"/>
+                  <a:pt x="10699424" y="3240927"/>
+                  <a:pt x="10499709" y="3166465"/>
+                </a:cubicBezTo>
+                <a:cubicBezTo>
+                  <a:pt x="10474164" y="3156958"/>
+                  <a:pt x="10501452" y="2570768"/>
+                  <a:pt x="10489840" y="2546475"/>
+                </a:cubicBezTo>
+                <a:cubicBezTo>
+                  <a:pt x="10508418" y="2513205"/>
+                  <a:pt x="10551960" y="2521126"/>
+                  <a:pt x="10584471" y="2512148"/>
+                </a:cubicBezTo>
+                <a:cubicBezTo>
+                  <a:pt x="10726711" y="2474125"/>
+                  <a:pt x="10731357" y="2474125"/>
+                  <a:pt x="10695942" y="2358471"/>
+                </a:cubicBezTo>
+                <a:cubicBezTo>
+                  <a:pt x="10685490" y="2323616"/>
+                  <a:pt x="10709874" y="2309357"/>
+                  <a:pt x="10732516" y="2287706"/>
+                </a:cubicBezTo>
+                <a:cubicBezTo>
+                  <a:pt x="10817280" y="2206905"/>
+                  <a:pt x="10817860" y="2205850"/>
+                  <a:pt x="10731357" y="2137725"/>
+                </a:cubicBezTo>
+                <a:cubicBezTo>
+                  <a:pt x="10706391" y="2118185"/>
+                  <a:pt x="10689555" y="2097061"/>
+                  <a:pt x="10678525" y="2070656"/>
+                </a:cubicBezTo>
+                <a:cubicBezTo>
+                  <a:pt x="10658203" y="2022599"/>
+                  <a:pt x="10658784" y="1982463"/>
+                  <a:pt x="10735999" y="1956587"/>
+                </a:cubicBezTo>
+                <a:cubicBezTo>
+                  <a:pt x="10789993" y="1938104"/>
+                  <a:pt x="10820762" y="1916978"/>
+                  <a:pt x="10824246" y="1862584"/>
+                </a:cubicBezTo>
+                <a:cubicBezTo>
+                  <a:pt x="10826570" y="1817166"/>
+                  <a:pt x="10832955" y="1787594"/>
+                  <a:pt x="10773156" y="1768054"/>
+                </a:cubicBezTo>
+                <a:cubicBezTo>
+                  <a:pt x="10724969" y="1752211"/>
+                  <a:pt x="10711036" y="1718412"/>
+                  <a:pt x="10716261" y="1678278"/>
+                </a:cubicBezTo>
+                <a:cubicBezTo>
+                  <a:pt x="10728452" y="1580050"/>
+                  <a:pt x="10662849" y="1522487"/>
+                  <a:pt x="10554864" y="1477599"/>
+                </a:cubicBezTo>
+                <a:cubicBezTo>
+                  <a:pt x="10452101" y="1434822"/>
+                  <a:pt x="10362116" y="1377259"/>
+                  <a:pt x="10267483" y="1324977"/>
+                </a:cubicBezTo>
+                <a:cubicBezTo>
+                  <a:pt x="10162399" y="1266887"/>
+                  <a:pt x="10040481" y="1232031"/>
+                  <a:pt x="9913337" y="1202458"/>
+                </a:cubicBezTo>
+                <a:cubicBezTo>
+                  <a:pt x="9936561" y="1160210"/>
+                  <a:pt x="10016678" y="1183974"/>
+                  <a:pt x="10024805" y="1124827"/>
+                </a:cubicBezTo>
+                <a:cubicBezTo>
+                  <a:pt x="9826251" y="1074658"/>
+                  <a:pt x="9636408" y="999139"/>
+                  <a:pt x="9411726" y="980655"/>
+                </a:cubicBezTo>
+                <a:cubicBezTo>
+                  <a:pt x="9593444" y="990161"/>
+                  <a:pt x="9758326" y="922036"/>
+                  <a:pt x="9930753" y="901968"/>
+                </a:cubicBezTo>
+                <a:cubicBezTo>
+                  <a:pt x="9947008" y="868698"/>
+                  <a:pt x="9909273" y="877147"/>
+                  <a:pt x="9894178" y="871339"/>
+                </a:cubicBezTo>
+                <a:cubicBezTo>
+                  <a:pt x="9879083" y="865001"/>
+                  <a:pt x="9860506" y="862889"/>
+                  <a:pt x="9858182" y="839125"/>
+                </a:cubicBezTo>
+                <a:cubicBezTo>
+                  <a:pt x="9941205" y="804798"/>
+                  <a:pt x="10045126" y="827506"/>
+                  <a:pt x="10131050" y="792652"/>
+                </a:cubicBezTo>
+                <a:cubicBezTo>
+                  <a:pt x="10111891" y="741954"/>
+                  <a:pt x="10037578" y="772583"/>
+                  <a:pt x="10006808" y="731920"/>
+                </a:cubicBezTo>
+                <a:cubicBezTo>
+                  <a:pt x="10086927" y="724526"/>
+                  <a:pt x="10161239" y="721357"/>
+                  <a:pt x="10233809" y="710268"/>
+                </a:cubicBezTo>
+                <a:cubicBezTo>
+                  <a:pt x="10290705" y="701818"/>
+                  <a:pt x="10306380" y="658513"/>
+                  <a:pt x="10267483" y="628940"/>
+                </a:cubicBezTo>
+                <a:cubicBezTo>
+                  <a:pt x="10232648" y="602536"/>
+                  <a:pt x="10181559" y="600422"/>
+                  <a:pt x="10136275" y="589333"/>
+                </a:cubicBezTo>
+                <a:cubicBezTo>
+                  <a:pt x="9813479" y="512230"/>
+                  <a:pt x="9474428" y="487409"/>
+                  <a:pt x="9131312" y="480544"/>
+                </a:cubicBezTo>
+                <a:cubicBezTo>
+                  <a:pt x="8580936" y="469453"/>
+                  <a:pt x="8028817" y="469982"/>
+                  <a:pt x="7479600" y="454667"/>
+                </a:cubicBezTo>
+                <a:cubicBezTo>
+                  <a:pt x="7227489" y="447934"/>
+                  <a:pt x="6976357" y="436744"/>
+                  <a:pt x="6724001" y="434021"/>
+                </a:cubicBezTo>
+                <a:close/>
+                <a:moveTo>
+                  <a:pt x="0" y="0"/>
+                </a:moveTo>
+                <a:lnTo>
+                  <a:pt x="12192000" y="0"/>
+                </a:lnTo>
+                <a:lnTo>
+                  <a:pt x="12192000" y="6858000"/>
+                </a:lnTo>
+                <a:lnTo>
+                  <a:pt x="0" y="6858000"/>
+                </a:lnTo>
+                <a:close/>
+              </a:path>
+            </a:pathLst>
+          </a:custGeom>
+          <a:solidFill>
+            <a:schemeClr val="bg2">
+              <a:alpha val="50000"/>
+            </a:schemeClr>
+          </a:solidFill>
+          <a:ln w="32707" cap="flat">
+            <a:noFill/>
+            <a:prstDash val="solid"/>
+            <a:miter/>
+          </a:ln>
+        </p:spPr>
+        <p:txBody>
+          <a:bodyPr wrap="square" rtlCol="0" anchor="ctr">
+            <a:noAutofit/>
+          </a:bodyPr>
+          <a:lstStyle/>
+          <a:p>
+            <a:pPr algn="ctr"/>
+            <a:endParaRPr lang="en-US"/>
+          </a:p>
+        </p:txBody>
+      </p:sp>
+      <mc:AlternateContent xmlns:mc="http://schemas.openxmlformats.org/markup-compatibility/2006" xmlns:p14="http://schemas.microsoft.com/office/powerpoint/2010/main">
+        <mc:Choice Requires="p14">
+          <p:contentPart p14:bwMode="auto" r:id="rId3">
+            <p14:nvContentPartPr>
+              <p14:cNvPr id="2" name="Ink 1">
+                <a:extLst>
+                  <a:ext uri="{FF2B5EF4-FFF2-40B4-BE49-F238E27FC236}">
+                    <a16:creationId xmlns:a16="http://schemas.microsoft.com/office/drawing/2014/main" id="{DFA62668-2D1A-B432-CDA9-712BEDF34741}"/>
+                  </a:ext>
+                </a:extLst>
+              </p14:cNvPr>
+              <p14:cNvContentPartPr/>
+              <p14:nvPr/>
+            </p14:nvContentPartPr>
+            <p14:xfrm>
+              <a:off x="3388720" y="150427"/>
+              <a:ext cx="360" cy="360"/>
+            </p14:xfrm>
+          </p:contentPart>
+        </mc:Choice>
+        <mc:Fallback xmlns="">
+          <p:pic>
+            <p:nvPicPr>
+              <p:cNvPr id="2" name="Ink 1">
+                <a:extLst>
+                  <a:ext uri="{FF2B5EF4-FFF2-40B4-BE49-F238E27FC236}">
+                    <a16:creationId xmlns:a16="http://schemas.microsoft.com/office/drawing/2014/main" id="{DFA62668-2D1A-B432-CDA9-712BEDF34741}"/>
+                  </a:ext>
+                </a:extLst>
+              </p:cNvPr>
+              <p:cNvPicPr/>
+              <p:nvPr/>
+            </p:nvPicPr>
+            <p:blipFill>
+              <a:blip r:embed="rId4"/>
+              <a:stretch>
+                <a:fillRect/>
+              </a:stretch>
+            </p:blipFill>
+            <p:spPr>
+              <a:xfrm>
+                <a:off x="3379720" y="141427"/>
+                <a:ext cx="18000" cy="18000"/>
+              </a:xfrm>
+              <a:prstGeom prst="rect">
+                <a:avLst/>
+              </a:prstGeom>
+            </p:spPr>
+          </p:pic>
+        </mc:Fallback>
+      </mc:AlternateContent>
+      <p:sp>
+        <p:nvSpPr>
+          <p:cNvPr id="24" name="TextBox 23">
+            <a:extLst>
+              <a:ext uri="{FF2B5EF4-FFF2-40B4-BE49-F238E27FC236}">
+                <a16:creationId xmlns:a16="http://schemas.microsoft.com/office/drawing/2014/main" id="{0A8E9643-E02A-7D89-F787-5A3FE84FA99A}"/>
+              </a:ext>
+            </a:extLst>
+          </p:cNvPr>
+          <p:cNvSpPr txBox="1"/>
+          <p:nvPr/>
+        </p:nvSpPr>
+        <p:spPr>
+          <a:xfrm>
+            <a:off x="6763091" y="0"/>
+            <a:ext cx="5296251" cy="568745"/>
+          </a:xfrm>
+          <a:prstGeom prst="rect">
+            <a:avLst/>
+          </a:prstGeom>
+          <a:noFill/>
+        </p:spPr>
+        <p:txBody>
+          <a:bodyPr wrap="square" rtlCol="0">
+            <a:spAutoFit/>
+          </a:bodyPr>
+          <a:lstStyle/>
+          <a:p>
+            <a:pPr>
+              <a:lnSpc>
+                <a:spcPct val="200000"/>
+              </a:lnSpc>
+              <a:spcAft>
+                <a:spcPts val="600"/>
+              </a:spcAft>
+            </a:pPr>
+            <a:r>
+              <a:rPr lang="en-US"/>
+              <a:t>	</a:t>
+            </a:r>
+          </a:p>
+        </p:txBody>
+      </p:sp>
+      <p:sp>
+        <p:nvSpPr>
+          <p:cNvPr id="4" name="TextBox 3">
+            <a:extLst>
+              <a:ext uri="{FF2B5EF4-FFF2-40B4-BE49-F238E27FC236}">
+                <a16:creationId xmlns:a16="http://schemas.microsoft.com/office/drawing/2014/main" id="{1B79DB45-DAD1-43D7-8495-CDDA1293365E}"/>
+              </a:ext>
+            </a:extLst>
+          </p:cNvPr>
+          <p:cNvSpPr txBox="1"/>
+          <p:nvPr/>
+        </p:nvSpPr>
+        <p:spPr>
+          <a:xfrm>
+            <a:off x="6167063" y="568745"/>
+            <a:ext cx="5892279" cy="3831818"/>
+          </a:xfrm>
+          <a:prstGeom prst="rect">
+            <a:avLst/>
+          </a:prstGeom>
+          <a:noFill/>
+        </p:spPr>
+        <p:txBody>
+          <a:bodyPr wrap="square" rtlCol="0">
+            <a:spAutoFit/>
+          </a:bodyPr>
+          <a:lstStyle/>
+          <a:p>
+            <a:pPr>
+              <a:lnSpc>
+                <a:spcPct val="150000"/>
+              </a:lnSpc>
+            </a:pPr>
+            <a:r>
+              <a:rPr lang="en-US" dirty="0"/>
+              <a:t>	As a starting point, the first factor we will consider is foreign invasions. Building on our earlier discussion about the southern Maya lowlands, archeological evidence in the 20</a:t>
+            </a:r>
+            <a:r>
+              <a:rPr lang="en-US" baseline="30000" dirty="0"/>
+              <a:t>th</a:t>
+            </a:r>
+            <a:r>
+              <a:rPr lang="en-US" dirty="0"/>
+              <a:t> and 21</a:t>
+            </a:r>
+            <a:r>
+              <a:rPr lang="en-US" baseline="30000" dirty="0"/>
+              <a:t>st</a:t>
+            </a:r>
+            <a:r>
+              <a:rPr lang="en-US" dirty="0"/>
+              <a:t> centuries brought forth evidence of a new civilization, the Toltec, invading and conquering large amounts of territory starting in the 9</a:t>
+            </a:r>
+            <a:r>
+              <a:rPr lang="en-US" baseline="30000" dirty="0"/>
+              <a:t>th</a:t>
+            </a:r>
+            <a:r>
+              <a:rPr lang="en-US" dirty="0"/>
+              <a:t> century, when the Terminal Classic Period began. </a:t>
+            </a:r>
+          </a:p>
+          <a:p>
+            <a:endParaRPr lang="en-US" dirty="0"/>
+          </a:p>
+          <a:p>
+            <a:r>
+              <a:rPr lang="en-US" dirty="0"/>
+              <a:t>https://en.wikipedia.org/wiki/Classic_Maya_collapse#Foreign_invasion</a:t>
+            </a:r>
+          </a:p>
+        </p:txBody>
+      </p:sp>
+      <p:pic>
+        <p:nvPicPr>
+          <p:cNvPr id="9" name="Picture 8">
+            <a:extLst>
+              <a:ext uri="{FF2B5EF4-FFF2-40B4-BE49-F238E27FC236}">
+                <a16:creationId xmlns:a16="http://schemas.microsoft.com/office/drawing/2014/main" id="{300CA3E3-4879-1F12-C149-6F69859A1113}"/>
+              </a:ext>
+            </a:extLst>
+          </p:cNvPr>
+          <p:cNvPicPr>
+            <a:picLocks noChangeAspect="1"/>
+          </p:cNvPicPr>
+          <p:nvPr/>
+        </p:nvPicPr>
+        <p:blipFill>
+          <a:blip r:embed="rId5"/>
+          <a:stretch>
+            <a:fillRect/>
+          </a:stretch>
+        </p:blipFill>
+        <p:spPr>
+          <a:xfrm>
+            <a:off x="0" y="979597"/>
+            <a:ext cx="5610225" cy="4562475"/>
+          </a:xfrm>
+          <a:prstGeom prst="rect">
+            <a:avLst/>
+          </a:prstGeom>
+        </p:spPr>
+      </p:pic>
+    </p:spTree>
+    <p:extLst>
+      <p:ext uri="{BB962C8B-B14F-4D97-AF65-F5344CB8AC3E}">
+        <p14:creationId xmlns:p14="http://schemas.microsoft.com/office/powerpoint/2010/main" val="486354501"/>
+      </p:ext>
+    </p:extLst>
+  </p:cSld>
+  <p:clrMapOvr>
+    <a:masterClrMapping/>
+  </p:clrMapOvr>
+</p:sld>
+</file>
+
+<file path=ppt/slides/slide18.xml><?xml version="1.0" encoding="utf-8"?>
+<p:sld xmlns:a="http://schemas.openxmlformats.org/drawingml/2006/main" xmlns:r="http://schemas.openxmlformats.org/officeDocument/2006/relationships" xmlns:p="http://schemas.openxmlformats.org/presentationml/2006/main">
+  <p:cSld>
+    <p:bg>
+      <p:bgPr>
+        <a:solidFill>
+          <a:schemeClr val="bg1"/>
+        </a:solidFill>
+        <a:effectLst/>
+      </p:bgPr>
+    </p:bg>
+    <p:spTree>
+      <p:nvGrpSpPr>
+        <p:cNvPr id="1" name=""/>
+        <p:cNvGrpSpPr/>
+        <p:nvPr/>
+      </p:nvGrpSpPr>
+      <p:grpSpPr>
+        <a:xfrm>
+          <a:off x="0" y="0"/>
+          <a:ext cx="0" cy="0"/>
+          <a:chOff x="0" y="0"/>
+          <a:chExt cx="0" cy="0"/>
+        </a:xfrm>
+      </p:grpSpPr>
+      <p:sp useBgFill="1">
+        <p:nvSpPr>
+          <p:cNvPr id="32" name="Rectangle 28">
+            <a:extLst>
+              <a:ext uri="{FF2B5EF4-FFF2-40B4-BE49-F238E27FC236}">
+                <a16:creationId xmlns:a16="http://schemas.microsoft.com/office/drawing/2014/main" id="{C7F55EAC-550A-4BDD-9099-3F20B8FA0EBC}"/>
+              </a:ext>
+              <a:ext uri="{C183D7F6-B498-43B3-948B-1728B52AA6E4}">
+                <adec:decorative xmlns:adec="http://schemas.microsoft.com/office/drawing/2017/decorative" val="1"/>
+              </a:ext>
+            </a:extLst>
+          </p:cNvPr>
+          <p:cNvSpPr>
+            <a:spLocks noGrp="1" noRot="1" noChangeAspect="1" noMove="1" noResize="1" noEditPoints="1" noAdjustHandles="1" noChangeArrowheads="1" noChangeShapeType="1" noTextEdit="1"/>
+          </p:cNvSpPr>
+          <p:nvPr>
+            <p:extLst>
+              <p:ext uri="{386F3935-93C4-4BCD-93E2-E3B085C9AB24}">
+                <p16:designElem xmlns:p16="http://schemas.microsoft.com/office/powerpoint/2015/main" val="1"/>
+              </p:ext>
+            </p:extLst>
+          </p:nvPr>
+        </p:nvSpPr>
+        <p:spPr>
+          <a:xfrm>
+            <a:off x="0" y="0"/>
+            <a:ext cx="12192000" cy="6858000"/>
+          </a:xfrm>
+          <a:prstGeom prst="rect">
+            <a:avLst/>
+          </a:prstGeom>
+          <a:ln>
+            <a:noFill/>
+          </a:ln>
+        </p:spPr>
+        <p:style>
+          <a:lnRef idx="2">
+            <a:schemeClr val="accent1">
+              <a:shade val="50000"/>
+            </a:schemeClr>
+          </a:lnRef>
+          <a:fillRef idx="1">
+            <a:schemeClr val="accent1"/>
+          </a:fillRef>
+          <a:effectRef idx="0">
+            <a:schemeClr val="accent1"/>
+          </a:effectRef>
+          <a:fontRef idx="minor">
+            <a:schemeClr val="lt1"/>
+          </a:fontRef>
+        </p:style>
+        <p:txBody>
+          <a:bodyPr rtlCol="0" anchor="ctr"/>
+          <a:lstStyle/>
+          <a:p>
+            <a:pPr algn="ctr"/>
+            <a:endParaRPr lang="en-US"/>
+          </a:p>
+        </p:txBody>
+      </p:sp>
+      <p:sp>
+        <p:nvSpPr>
+          <p:cNvPr id="31" name="Freeform: Shape 30">
+            <a:extLst>
+              <a:ext uri="{FF2B5EF4-FFF2-40B4-BE49-F238E27FC236}">
+                <a16:creationId xmlns:a16="http://schemas.microsoft.com/office/drawing/2014/main" id="{DC4F5A5F-493F-49AE-89B6-D5AF5EBC8B0E}"/>
+              </a:ext>
+              <a:ext uri="{C183D7F6-B498-43B3-948B-1728B52AA6E4}">
+                <adec:decorative xmlns:adec="http://schemas.microsoft.com/office/drawing/2017/decorative" val="1"/>
+              </a:ext>
+            </a:extLst>
+          </p:cNvPr>
+          <p:cNvSpPr>
+            <a:spLocks noGrp="1" noRot="1" noChangeAspect="1" noMove="1" noResize="1" noEditPoints="1" noAdjustHandles="1" noChangeArrowheads="1" noChangeShapeType="1" noTextEdit="1"/>
+          </p:cNvSpPr>
+          <p:nvPr>
+            <p:extLst>
+              <p:ext uri="{386F3935-93C4-4BCD-93E2-E3B085C9AB24}">
+                <p16:designElem xmlns:p16="http://schemas.microsoft.com/office/powerpoint/2015/main" val="1"/>
+              </p:ext>
+            </p:extLst>
+          </p:nvPr>
+        </p:nvSpPr>
+        <p:spPr>
+          <a:xfrm>
+            <a:off x="0" y="0"/>
+            <a:ext cx="12192000" cy="6858000"/>
+          </a:xfrm>
+          <a:custGeom>
+            <a:avLst/>
+            <a:gdLst>
+              <a:gd name="connsiteX0" fmla="*/ 6724001 w 12192000"/>
+              <a:gd name="connsiteY0" fmla="*/ 434021 h 6858000"/>
+              <a:gd name="connsiteX1" fmla="*/ 6471155 w 12192000"/>
+              <a:gd name="connsiteY1" fmla="*/ 434599 h 6858000"/>
+              <a:gd name="connsiteX2" fmla="*/ 5384913 w 12192000"/>
+              <a:gd name="connsiteY2" fmla="*/ 497971 h 6858000"/>
+              <a:gd name="connsiteX3" fmla="*/ 4818280 w 12192000"/>
+              <a:gd name="connsiteY3" fmla="*/ 541802 h 6858000"/>
+              <a:gd name="connsiteX4" fmla="*/ 3965428 w 12192000"/>
+              <a:gd name="connsiteY4" fmla="*/ 675942 h 6858000"/>
+              <a:gd name="connsiteX5" fmla="*/ 3699528 w 12192000"/>
+              <a:gd name="connsiteY5" fmla="*/ 770472 h 6858000"/>
+              <a:gd name="connsiteX6" fmla="*/ 3438854 w 12192000"/>
+              <a:gd name="connsiteY6" fmla="*/ 834899 h 6858000"/>
+              <a:gd name="connsiteX7" fmla="*/ 3367443 w 12192000"/>
+              <a:gd name="connsiteY7" fmla="*/ 893518 h 6858000"/>
+              <a:gd name="connsiteX8" fmla="*/ 3467301 w 12192000"/>
+              <a:gd name="connsiteY8" fmla="*/ 953722 h 6858000"/>
+              <a:gd name="connsiteX9" fmla="*/ 3889955 w 12192000"/>
+              <a:gd name="connsiteY9" fmla="*/ 977486 h 6858000"/>
+              <a:gd name="connsiteX10" fmla="*/ 3502135 w 12192000"/>
+              <a:gd name="connsiteY10" fmla="*/ 1054062 h 6858000"/>
+              <a:gd name="connsiteX11" fmla="*/ 4072832 w 12192000"/>
+              <a:gd name="connsiteY11" fmla="*/ 1017622 h 6858000"/>
+              <a:gd name="connsiteX12" fmla="*/ 4244099 w 12192000"/>
+              <a:gd name="connsiteY12" fmla="*/ 1030825 h 6858000"/>
+              <a:gd name="connsiteX13" fmla="*/ 4095475 w 12192000"/>
+              <a:gd name="connsiteY13" fmla="*/ 1092084 h 6858000"/>
+              <a:gd name="connsiteX14" fmla="*/ 3327386 w 12192000"/>
+              <a:gd name="connsiteY14" fmla="*/ 1215660 h 6858000"/>
+              <a:gd name="connsiteX15" fmla="*/ 3254813 w 12192000"/>
+              <a:gd name="connsiteY15" fmla="*/ 1226749 h 6858000"/>
+              <a:gd name="connsiteX16" fmla="*/ 2776427 w 12192000"/>
+              <a:gd name="connsiteY16" fmla="*/ 1401552 h 6858000"/>
+              <a:gd name="connsiteX17" fmla="*/ 3063226 w 12192000"/>
+              <a:gd name="connsiteY17" fmla="*/ 1384124 h 6858000"/>
+              <a:gd name="connsiteX18" fmla="*/ 2754945 w 12192000"/>
+              <a:gd name="connsiteY18" fmla="*/ 1495025 h 6858000"/>
+              <a:gd name="connsiteX19" fmla="*/ 2381061 w 12192000"/>
+              <a:gd name="connsiteY19" fmla="*/ 1619658 h 6858000"/>
+              <a:gd name="connsiteX20" fmla="*/ 2008336 w 12192000"/>
+              <a:gd name="connsiteY20" fmla="*/ 1814527 h 6858000"/>
+              <a:gd name="connsiteX21" fmla="*/ 1740695 w 12192000"/>
+              <a:gd name="connsiteY21" fmla="*/ 1914337 h 6858000"/>
+              <a:gd name="connsiteX22" fmla="*/ 1787720 w 12192000"/>
+              <a:gd name="connsiteY22" fmla="*/ 1991970 h 6858000"/>
+              <a:gd name="connsiteX23" fmla="*/ 1754048 w 12192000"/>
+              <a:gd name="connsiteY23" fmla="*/ 2078049 h 6858000"/>
+              <a:gd name="connsiteX24" fmla="*/ 2228951 w 12192000"/>
+              <a:gd name="connsiteY24" fmla="*/ 1996721 h 6858000"/>
+              <a:gd name="connsiteX25" fmla="*/ 2054781 w 12192000"/>
+              <a:gd name="connsiteY25" fmla="*/ 2053228 h 6858000"/>
+              <a:gd name="connsiteX26" fmla="*/ 1985693 w 12192000"/>
+              <a:gd name="connsiteY26" fmla="*/ 2109207 h 6858000"/>
+              <a:gd name="connsiteX27" fmla="*/ 2061168 w 12192000"/>
+              <a:gd name="connsiteY27" fmla="*/ 2130859 h 6858000"/>
+              <a:gd name="connsiteX28" fmla="*/ 2388026 w 12192000"/>
+              <a:gd name="connsiteY28" fmla="*/ 2184726 h 6858000"/>
+              <a:gd name="connsiteX29" fmla="*/ 1560719 w 12192000"/>
+              <a:gd name="connsiteY29" fmla="*/ 2384876 h 6858000"/>
+              <a:gd name="connsiteX30" fmla="*/ 1679734 w 12192000"/>
+              <a:gd name="connsiteY30" fmla="*/ 2400191 h 6858000"/>
+              <a:gd name="connsiteX31" fmla="*/ 2882089 w 12192000"/>
+              <a:gd name="connsiteY31" fmla="*/ 2383292 h 6858000"/>
+              <a:gd name="connsiteX32" fmla="*/ 3116638 w 12192000"/>
+              <a:gd name="connsiteY32" fmla="*/ 2359528 h 6858000"/>
+              <a:gd name="connsiteX33" fmla="*/ 2897765 w 12192000"/>
+              <a:gd name="connsiteY33" fmla="*/ 2758243 h 6858000"/>
+              <a:gd name="connsiteX34" fmla="*/ 2981367 w 12192000"/>
+              <a:gd name="connsiteY34" fmla="*/ 2829008 h 6858000"/>
+              <a:gd name="connsiteX35" fmla="*/ 2682955 w 12192000"/>
+              <a:gd name="connsiteY35" fmla="*/ 2846436 h 6858000"/>
+              <a:gd name="connsiteX36" fmla="*/ 2099485 w 12192000"/>
+              <a:gd name="connsiteY36" fmla="*/ 3066653 h 6858000"/>
+              <a:gd name="connsiteX37" fmla="*/ 1807460 w 12192000"/>
+              <a:gd name="connsiteY37" fmla="*/ 3454808 h 6858000"/>
+              <a:gd name="connsiteX38" fmla="*/ 1921251 w 12192000"/>
+              <a:gd name="connsiteY38" fmla="*/ 3540889 h 6858000"/>
+              <a:gd name="connsiteX39" fmla="*/ 1453313 w 12192000"/>
+              <a:gd name="connsiteY39" fmla="*/ 3637002 h 6858000"/>
+              <a:gd name="connsiteX40" fmla="*/ 1686122 w 12192000"/>
+              <a:gd name="connsiteY40" fmla="*/ 3667634 h 6858000"/>
+              <a:gd name="connsiteX41" fmla="*/ 1513692 w 12192000"/>
+              <a:gd name="connsiteY41" fmla="*/ 3725196 h 6858000"/>
+              <a:gd name="connsiteX42" fmla="*/ 1369711 w 12192000"/>
+              <a:gd name="connsiteY42" fmla="*/ 3826063 h 6858000"/>
+              <a:gd name="connsiteX43" fmla="*/ 2051298 w 12192000"/>
+              <a:gd name="connsiteY43" fmla="*/ 3754242 h 6858000"/>
+              <a:gd name="connsiteX44" fmla="*/ 2245207 w 12192000"/>
+              <a:gd name="connsiteY44" fmla="*/ 3797018 h 6858000"/>
+              <a:gd name="connsiteX45" fmla="*/ 2353192 w 12192000"/>
+              <a:gd name="connsiteY45" fmla="*/ 3796489 h 6858000"/>
+              <a:gd name="connsiteX46" fmla="*/ 2490207 w 12192000"/>
+              <a:gd name="connsiteY46" fmla="*/ 3801242 h 6858000"/>
+              <a:gd name="connsiteX47" fmla="*/ 2375835 w 12192000"/>
+              <a:gd name="connsiteY47" fmla="*/ 3839794 h 6858000"/>
+              <a:gd name="connsiteX48" fmla="*/ 2522138 w 12192000"/>
+              <a:gd name="connsiteY48" fmla="*/ 4009841 h 6858000"/>
+              <a:gd name="connsiteX49" fmla="*/ 1998466 w 12192000"/>
+              <a:gd name="connsiteY49" fmla="*/ 4130778 h 6858000"/>
+              <a:gd name="connsiteX50" fmla="*/ 2114580 w 12192000"/>
+              <a:gd name="connsiteY50" fmla="*/ 4154543 h 6858000"/>
+              <a:gd name="connsiteX51" fmla="*/ 2177862 w 12192000"/>
+              <a:gd name="connsiteY51" fmla="*/ 4189925 h 6858000"/>
+              <a:gd name="connsiteX52" fmla="*/ 1868419 w 12192000"/>
+              <a:gd name="connsiteY52" fmla="*/ 4382153 h 6858000"/>
+              <a:gd name="connsiteX53" fmla="*/ 2279460 w 12192000"/>
+              <a:gd name="connsiteY53" fmla="*/ 4356805 h 6858000"/>
+              <a:gd name="connsiteX54" fmla="*/ 2029817 w 12192000"/>
+              <a:gd name="connsiteY54" fmla="*/ 4468235 h 6858000"/>
+              <a:gd name="connsiteX55" fmla="*/ 1560137 w 12192000"/>
+              <a:gd name="connsiteY55" fmla="*/ 4730172 h 6858000"/>
+              <a:gd name="connsiteX56" fmla="*/ 1956664 w 12192000"/>
+              <a:gd name="connsiteY56" fmla="*/ 4820477 h 6858000"/>
+              <a:gd name="connsiteX57" fmla="*/ 3268168 w 12192000"/>
+              <a:gd name="connsiteY57" fmla="*/ 4852692 h 6858000"/>
+              <a:gd name="connsiteX58" fmla="*/ 2807197 w 12192000"/>
+              <a:gd name="connsiteY58" fmla="*/ 4939300 h 6858000"/>
+              <a:gd name="connsiteX59" fmla="*/ 2721272 w 12192000"/>
+              <a:gd name="connsiteY59" fmla="*/ 4970458 h 6858000"/>
+              <a:gd name="connsiteX60" fmla="*/ 2802552 w 12192000"/>
+              <a:gd name="connsiteY60" fmla="*/ 5014291 h 6858000"/>
+              <a:gd name="connsiteX61" fmla="*/ 2537812 w 12192000"/>
+              <a:gd name="connsiteY61" fmla="*/ 5053898 h 6858000"/>
+              <a:gd name="connsiteX62" fmla="*/ 2569744 w 12192000"/>
+              <a:gd name="connsiteY62" fmla="*/ 5153182 h 6858000"/>
+              <a:gd name="connsiteX63" fmla="*/ 1987436 w 12192000"/>
+              <a:gd name="connsiteY63" fmla="*/ 5334320 h 6858000"/>
+              <a:gd name="connsiteX64" fmla="*/ 1972921 w 12192000"/>
+              <a:gd name="connsiteY64" fmla="*/ 5382376 h 6858000"/>
+              <a:gd name="connsiteX65" fmla="*/ 2341001 w 12192000"/>
+              <a:gd name="connsiteY65" fmla="*/ 5360725 h 6858000"/>
+              <a:gd name="connsiteX66" fmla="*/ 2710822 w 12192000"/>
+              <a:gd name="connsiteY66" fmla="*/ 5418816 h 6858000"/>
+              <a:gd name="connsiteX67" fmla="*/ 2833903 w 12192000"/>
+              <a:gd name="connsiteY67" fmla="*/ 5413007 h 6858000"/>
+              <a:gd name="connsiteX68" fmla="*/ 3011556 w 12192000"/>
+              <a:gd name="connsiteY68" fmla="*/ 5399276 h 6858000"/>
+              <a:gd name="connsiteX69" fmla="*/ 3254233 w 12192000"/>
+              <a:gd name="connsiteY69" fmla="*/ 5439412 h 6858000"/>
+              <a:gd name="connsiteX70" fmla="*/ 2792101 w 12192000"/>
+              <a:gd name="connsiteY70" fmla="*/ 5471625 h 6858000"/>
+              <a:gd name="connsiteX71" fmla="*/ 2977303 w 12192000"/>
+              <a:gd name="connsiteY71" fmla="*/ 5539751 h 6858000"/>
+              <a:gd name="connsiteX72" fmla="*/ 3656566 w 12192000"/>
+              <a:gd name="connsiteY72" fmla="*/ 5678642 h 6858000"/>
+              <a:gd name="connsiteX73" fmla="*/ 4858340 w 12192000"/>
+              <a:gd name="connsiteY73" fmla="*/ 5969625 h 6858000"/>
+              <a:gd name="connsiteX74" fmla="*/ 5296668 w 12192000"/>
+              <a:gd name="connsiteY74" fmla="*/ 6043559 h 6858000"/>
+              <a:gd name="connsiteX75" fmla="*/ 5456323 w 12192000"/>
+              <a:gd name="connsiteY75" fmla="*/ 6042502 h 6858000"/>
+              <a:gd name="connsiteX76" fmla="*/ 5267058 w 12192000"/>
+              <a:gd name="connsiteY76" fmla="*/ 6100066 h 6858000"/>
+              <a:gd name="connsiteX77" fmla="*/ 7095266 w 12192000"/>
+              <a:gd name="connsiteY77" fmla="*/ 6287541 h 6858000"/>
+              <a:gd name="connsiteX78" fmla="*/ 9707235 w 12192000"/>
+              <a:gd name="connsiteY78" fmla="*/ 5994446 h 6858000"/>
+              <a:gd name="connsiteX79" fmla="*/ 10083442 w 12192000"/>
+              <a:gd name="connsiteY79" fmla="*/ 5678642 h 6858000"/>
+              <a:gd name="connsiteX80" fmla="*/ 10338892 w 12192000"/>
+              <a:gd name="connsiteY80" fmla="*/ 4650957 h 6858000"/>
+              <a:gd name="connsiteX81" fmla="*/ 10628013 w 12192000"/>
+              <a:gd name="connsiteY81" fmla="*/ 4411198 h 6858000"/>
+              <a:gd name="connsiteX82" fmla="*/ 10802766 w 12192000"/>
+              <a:gd name="connsiteY82" fmla="*/ 4258050 h 6858000"/>
+              <a:gd name="connsiteX83" fmla="*/ 10614662 w 12192000"/>
+              <a:gd name="connsiteY83" fmla="*/ 4150318 h 6858000"/>
+              <a:gd name="connsiteX84" fmla="*/ 10681427 w 12192000"/>
+              <a:gd name="connsiteY84" fmla="*/ 4054203 h 6858000"/>
+              <a:gd name="connsiteX85" fmla="*/ 10520029 w 12192000"/>
+              <a:gd name="connsiteY85" fmla="*/ 3804411 h 6858000"/>
+              <a:gd name="connsiteX86" fmla="*/ 10568798 w 12192000"/>
+              <a:gd name="connsiteY86" fmla="*/ 3466426 h 6858000"/>
+              <a:gd name="connsiteX87" fmla="*/ 10499709 w 12192000"/>
+              <a:gd name="connsiteY87" fmla="*/ 3166465 h 6858000"/>
+              <a:gd name="connsiteX88" fmla="*/ 10489840 w 12192000"/>
+              <a:gd name="connsiteY88" fmla="*/ 2546475 h 6858000"/>
+              <a:gd name="connsiteX89" fmla="*/ 10584471 w 12192000"/>
+              <a:gd name="connsiteY89" fmla="*/ 2512148 h 6858000"/>
+              <a:gd name="connsiteX90" fmla="*/ 10695942 w 12192000"/>
+              <a:gd name="connsiteY90" fmla="*/ 2358471 h 6858000"/>
+              <a:gd name="connsiteX91" fmla="*/ 10732516 w 12192000"/>
+              <a:gd name="connsiteY91" fmla="*/ 2287706 h 6858000"/>
+              <a:gd name="connsiteX92" fmla="*/ 10731357 w 12192000"/>
+              <a:gd name="connsiteY92" fmla="*/ 2137725 h 6858000"/>
+              <a:gd name="connsiteX93" fmla="*/ 10678525 w 12192000"/>
+              <a:gd name="connsiteY93" fmla="*/ 2070656 h 6858000"/>
+              <a:gd name="connsiteX94" fmla="*/ 10735999 w 12192000"/>
+              <a:gd name="connsiteY94" fmla="*/ 1956587 h 6858000"/>
+              <a:gd name="connsiteX95" fmla="*/ 10824246 w 12192000"/>
+              <a:gd name="connsiteY95" fmla="*/ 1862584 h 6858000"/>
+              <a:gd name="connsiteX96" fmla="*/ 10773156 w 12192000"/>
+              <a:gd name="connsiteY96" fmla="*/ 1768054 h 6858000"/>
+              <a:gd name="connsiteX97" fmla="*/ 10716261 w 12192000"/>
+              <a:gd name="connsiteY97" fmla="*/ 1678278 h 6858000"/>
+              <a:gd name="connsiteX98" fmla="*/ 10554864 w 12192000"/>
+              <a:gd name="connsiteY98" fmla="*/ 1477599 h 6858000"/>
+              <a:gd name="connsiteX99" fmla="*/ 10267483 w 12192000"/>
+              <a:gd name="connsiteY99" fmla="*/ 1324977 h 6858000"/>
+              <a:gd name="connsiteX100" fmla="*/ 9913337 w 12192000"/>
+              <a:gd name="connsiteY100" fmla="*/ 1202458 h 6858000"/>
+              <a:gd name="connsiteX101" fmla="*/ 10024805 w 12192000"/>
+              <a:gd name="connsiteY101" fmla="*/ 1124827 h 6858000"/>
+              <a:gd name="connsiteX102" fmla="*/ 9411726 w 12192000"/>
+              <a:gd name="connsiteY102" fmla="*/ 980655 h 6858000"/>
+              <a:gd name="connsiteX103" fmla="*/ 9930753 w 12192000"/>
+              <a:gd name="connsiteY103" fmla="*/ 901968 h 6858000"/>
+              <a:gd name="connsiteX104" fmla="*/ 9894178 w 12192000"/>
+              <a:gd name="connsiteY104" fmla="*/ 871339 h 6858000"/>
+              <a:gd name="connsiteX105" fmla="*/ 9858182 w 12192000"/>
+              <a:gd name="connsiteY105" fmla="*/ 839125 h 6858000"/>
+              <a:gd name="connsiteX106" fmla="*/ 10131050 w 12192000"/>
+              <a:gd name="connsiteY106" fmla="*/ 792652 h 6858000"/>
+              <a:gd name="connsiteX107" fmla="*/ 10006808 w 12192000"/>
+              <a:gd name="connsiteY107" fmla="*/ 731920 h 6858000"/>
+              <a:gd name="connsiteX108" fmla="*/ 10233809 w 12192000"/>
+              <a:gd name="connsiteY108" fmla="*/ 710268 h 6858000"/>
+              <a:gd name="connsiteX109" fmla="*/ 10267483 w 12192000"/>
+              <a:gd name="connsiteY109" fmla="*/ 628940 h 6858000"/>
+              <a:gd name="connsiteX110" fmla="*/ 10136275 w 12192000"/>
+              <a:gd name="connsiteY110" fmla="*/ 589333 h 6858000"/>
+              <a:gd name="connsiteX111" fmla="*/ 9131312 w 12192000"/>
+              <a:gd name="connsiteY111" fmla="*/ 480544 h 6858000"/>
+              <a:gd name="connsiteX112" fmla="*/ 7479600 w 12192000"/>
+              <a:gd name="connsiteY112" fmla="*/ 454667 h 6858000"/>
+              <a:gd name="connsiteX113" fmla="*/ 6724001 w 12192000"/>
+              <a:gd name="connsiteY113" fmla="*/ 434021 h 6858000"/>
+              <a:gd name="connsiteX114" fmla="*/ 0 w 12192000"/>
+              <a:gd name="connsiteY114" fmla="*/ 0 h 6858000"/>
+              <a:gd name="connsiteX115" fmla="*/ 12192000 w 12192000"/>
+              <a:gd name="connsiteY115" fmla="*/ 0 h 6858000"/>
+              <a:gd name="connsiteX116" fmla="*/ 12192000 w 12192000"/>
+              <a:gd name="connsiteY116" fmla="*/ 6858000 h 6858000"/>
+              <a:gd name="connsiteX117" fmla="*/ 0 w 12192000"/>
+              <a:gd name="connsiteY117" fmla="*/ 6858000 h 6858000"/>
+            </a:gdLst>
+            <a:ahLst/>
+            <a:cxnLst>
+              <a:cxn ang="0">
+                <a:pos x="connsiteX0" y="connsiteY0"/>
+              </a:cxn>
+              <a:cxn ang="0">
+                <a:pos x="connsiteX1" y="connsiteY1"/>
+              </a:cxn>
+              <a:cxn ang="0">
+                <a:pos x="connsiteX2" y="connsiteY2"/>
+              </a:cxn>
+              <a:cxn ang="0">
+                <a:pos x="connsiteX3" y="connsiteY3"/>
+              </a:cxn>
+              <a:cxn ang="0">
+                <a:pos x="connsiteX4" y="connsiteY4"/>
+              </a:cxn>
+              <a:cxn ang="0">
+                <a:pos x="connsiteX5" y="connsiteY5"/>
+              </a:cxn>
+              <a:cxn ang="0">
+                <a:pos x="connsiteX6" y="connsiteY6"/>
+              </a:cxn>
+              <a:cxn ang="0">
+                <a:pos x="connsiteX7" y="connsiteY7"/>
+              </a:cxn>
+              <a:cxn ang="0">
+                <a:pos x="connsiteX8" y="connsiteY8"/>
+              </a:cxn>
+              <a:cxn ang="0">
+                <a:pos x="connsiteX9" y="connsiteY9"/>
+              </a:cxn>
+              <a:cxn ang="0">
+                <a:pos x="connsiteX10" y="connsiteY10"/>
+              </a:cxn>
+              <a:cxn ang="0">
+                <a:pos x="connsiteX11" y="connsiteY11"/>
+              </a:cxn>
+              <a:cxn ang="0">
+                <a:pos x="connsiteX12" y="connsiteY12"/>
+              </a:cxn>
+              <a:cxn ang="0">
+                <a:pos x="connsiteX13" y="connsiteY13"/>
+              </a:cxn>
+              <a:cxn ang="0">
+                <a:pos x="connsiteX14" y="connsiteY14"/>
+              </a:cxn>
+              <a:cxn ang="0">
+                <a:pos x="connsiteX15" y="connsiteY15"/>
+              </a:cxn>
+              <a:cxn ang="0">
+                <a:pos x="connsiteX16" y="connsiteY16"/>
+              </a:cxn>
+              <a:cxn ang="0">
+                <a:pos x="connsiteX17" y="connsiteY17"/>
+              </a:cxn>
+              <a:cxn ang="0">
+                <a:pos x="connsiteX18" y="connsiteY18"/>
+              </a:cxn>
+              <a:cxn ang="0">
+                <a:pos x="connsiteX19" y="connsiteY19"/>
+              </a:cxn>
+              <a:cxn ang="0">
+                <a:pos x="connsiteX20" y="connsiteY20"/>
+              </a:cxn>
+              <a:cxn ang="0">
+                <a:pos x="connsiteX21" y="connsiteY21"/>
+              </a:cxn>
+              <a:cxn ang="0">
+                <a:pos x="connsiteX22" y="connsiteY22"/>
+              </a:cxn>
+              <a:cxn ang="0">
+                <a:pos x="connsiteX23" y="connsiteY23"/>
+              </a:cxn>
+              <a:cxn ang="0">
+                <a:pos x="connsiteX24" y="connsiteY24"/>
+              </a:cxn>
+              <a:cxn ang="0">
+                <a:pos x="connsiteX25" y="connsiteY25"/>
+              </a:cxn>
+              <a:cxn ang="0">
+                <a:pos x="connsiteX26" y="connsiteY26"/>
+              </a:cxn>
+              <a:cxn ang="0">
+                <a:pos x="connsiteX27" y="connsiteY27"/>
+              </a:cxn>
+              <a:cxn ang="0">
+                <a:pos x="connsiteX28" y="connsiteY28"/>
+              </a:cxn>
+              <a:cxn ang="0">
+                <a:pos x="connsiteX29" y="connsiteY29"/>
+              </a:cxn>
+              <a:cxn ang="0">
+                <a:pos x="connsiteX30" y="connsiteY30"/>
+              </a:cxn>
+              <a:cxn ang="0">
+                <a:pos x="connsiteX31" y="connsiteY31"/>
+              </a:cxn>
+              <a:cxn ang="0">
+                <a:pos x="connsiteX32" y="connsiteY32"/>
+              </a:cxn>
+              <a:cxn ang="0">
+                <a:pos x="connsiteX33" y="connsiteY33"/>
+              </a:cxn>
+              <a:cxn ang="0">
+                <a:pos x="connsiteX34" y="connsiteY34"/>
+              </a:cxn>
+              <a:cxn ang="0">
+                <a:pos x="connsiteX35" y="connsiteY35"/>
+              </a:cxn>
+              <a:cxn ang="0">
+                <a:pos x="connsiteX36" y="connsiteY36"/>
+              </a:cxn>
+              <a:cxn ang="0">
+                <a:pos x="connsiteX37" y="connsiteY37"/>
+              </a:cxn>
+              <a:cxn ang="0">
+                <a:pos x="connsiteX38" y="connsiteY38"/>
+              </a:cxn>
+              <a:cxn ang="0">
+                <a:pos x="connsiteX39" y="connsiteY39"/>
+              </a:cxn>
+              <a:cxn ang="0">
+                <a:pos x="connsiteX40" y="connsiteY40"/>
+              </a:cxn>
+              <a:cxn ang="0">
+                <a:pos x="connsiteX41" y="connsiteY41"/>
+              </a:cxn>
+              <a:cxn ang="0">
+                <a:pos x="connsiteX42" y="connsiteY42"/>
+              </a:cxn>
+              <a:cxn ang="0">
+                <a:pos x="connsiteX43" y="connsiteY43"/>
+              </a:cxn>
+              <a:cxn ang="0">
+                <a:pos x="connsiteX44" y="connsiteY44"/>
+              </a:cxn>
+              <a:cxn ang="0">
+                <a:pos x="connsiteX45" y="connsiteY45"/>
+              </a:cxn>
+              <a:cxn ang="0">
+                <a:pos x="connsiteX46" y="connsiteY46"/>
+              </a:cxn>
+              <a:cxn ang="0">
+                <a:pos x="connsiteX47" y="connsiteY47"/>
+              </a:cxn>
+              <a:cxn ang="0">
+                <a:pos x="connsiteX48" y="connsiteY48"/>
+              </a:cxn>
+              <a:cxn ang="0">
+                <a:pos x="connsiteX49" y="connsiteY49"/>
+              </a:cxn>
+              <a:cxn ang="0">
+                <a:pos x="connsiteX50" y="connsiteY50"/>
+              </a:cxn>
+              <a:cxn ang="0">
+                <a:pos x="connsiteX51" y="connsiteY51"/>
+              </a:cxn>
+              <a:cxn ang="0">
+                <a:pos x="connsiteX52" y="connsiteY52"/>
+              </a:cxn>
+              <a:cxn ang="0">
+                <a:pos x="connsiteX53" y="connsiteY53"/>
+              </a:cxn>
+              <a:cxn ang="0">
+                <a:pos x="connsiteX54" y="connsiteY54"/>
+              </a:cxn>
+              <a:cxn ang="0">
+                <a:pos x="connsiteX55" y="connsiteY55"/>
+              </a:cxn>
+              <a:cxn ang="0">
+                <a:pos x="connsiteX56" y="connsiteY56"/>
+              </a:cxn>
+              <a:cxn ang="0">
+                <a:pos x="connsiteX57" y="connsiteY57"/>
+              </a:cxn>
+              <a:cxn ang="0">
+                <a:pos x="connsiteX58" y="connsiteY58"/>
+              </a:cxn>
+              <a:cxn ang="0">
+                <a:pos x="connsiteX59" y="connsiteY59"/>
+              </a:cxn>
+              <a:cxn ang="0">
+                <a:pos x="connsiteX60" y="connsiteY60"/>
+              </a:cxn>
+              <a:cxn ang="0">
+                <a:pos x="connsiteX61" y="connsiteY61"/>
+              </a:cxn>
+              <a:cxn ang="0">
+                <a:pos x="connsiteX62" y="connsiteY62"/>
+              </a:cxn>
+              <a:cxn ang="0">
+                <a:pos x="connsiteX63" y="connsiteY63"/>
+              </a:cxn>
+              <a:cxn ang="0">
+                <a:pos x="connsiteX64" y="connsiteY64"/>
+              </a:cxn>
+              <a:cxn ang="0">
+                <a:pos x="connsiteX65" y="connsiteY65"/>
+              </a:cxn>
+              <a:cxn ang="0">
+                <a:pos x="connsiteX66" y="connsiteY66"/>
+              </a:cxn>
+              <a:cxn ang="0">
+                <a:pos x="connsiteX67" y="connsiteY67"/>
+              </a:cxn>
+              <a:cxn ang="0">
+                <a:pos x="connsiteX68" y="connsiteY68"/>
+              </a:cxn>
+              <a:cxn ang="0">
+                <a:pos x="connsiteX69" y="connsiteY69"/>
+              </a:cxn>
+              <a:cxn ang="0">
+                <a:pos x="connsiteX70" y="connsiteY70"/>
+              </a:cxn>
+              <a:cxn ang="0">
+                <a:pos x="connsiteX71" y="connsiteY71"/>
+              </a:cxn>
+              <a:cxn ang="0">
+                <a:pos x="connsiteX72" y="connsiteY72"/>
+              </a:cxn>
+              <a:cxn ang="0">
+                <a:pos x="connsiteX73" y="connsiteY73"/>
+              </a:cxn>
+              <a:cxn ang="0">
+                <a:pos x="connsiteX74" y="connsiteY74"/>
+              </a:cxn>
+              <a:cxn ang="0">
+                <a:pos x="connsiteX75" y="connsiteY75"/>
+              </a:cxn>
+              <a:cxn ang="0">
+                <a:pos x="connsiteX76" y="connsiteY76"/>
+              </a:cxn>
+              <a:cxn ang="0">
+                <a:pos x="connsiteX77" y="connsiteY77"/>
+              </a:cxn>
+              <a:cxn ang="0">
+                <a:pos x="connsiteX78" y="connsiteY78"/>
+              </a:cxn>
+              <a:cxn ang="0">
+                <a:pos x="connsiteX79" y="connsiteY79"/>
+              </a:cxn>
+              <a:cxn ang="0">
+                <a:pos x="connsiteX80" y="connsiteY80"/>
+              </a:cxn>
+              <a:cxn ang="0">
+                <a:pos x="connsiteX81" y="connsiteY81"/>
+              </a:cxn>
+              <a:cxn ang="0">
+                <a:pos x="connsiteX82" y="connsiteY82"/>
+              </a:cxn>
+              <a:cxn ang="0">
+                <a:pos x="connsiteX83" y="connsiteY83"/>
+              </a:cxn>
+              <a:cxn ang="0">
+                <a:pos x="connsiteX84" y="connsiteY84"/>
+              </a:cxn>
+              <a:cxn ang="0">
+                <a:pos x="connsiteX85" y="connsiteY85"/>
+              </a:cxn>
+              <a:cxn ang="0">
+                <a:pos x="connsiteX86" y="connsiteY86"/>
+              </a:cxn>
+              <a:cxn ang="0">
+                <a:pos x="connsiteX87" y="connsiteY87"/>
+              </a:cxn>
+              <a:cxn ang="0">
+                <a:pos x="connsiteX88" y="connsiteY88"/>
+              </a:cxn>
+              <a:cxn ang="0">
+                <a:pos x="connsiteX89" y="connsiteY89"/>
+              </a:cxn>
+              <a:cxn ang="0">
+                <a:pos x="connsiteX90" y="connsiteY90"/>
+              </a:cxn>
+              <a:cxn ang="0">
+                <a:pos x="connsiteX91" y="connsiteY91"/>
+              </a:cxn>
+              <a:cxn ang="0">
+                <a:pos x="connsiteX92" y="connsiteY92"/>
+              </a:cxn>
+              <a:cxn ang="0">
+                <a:pos x="connsiteX93" y="connsiteY93"/>
+              </a:cxn>
+              <a:cxn ang="0">
+                <a:pos x="connsiteX94" y="connsiteY94"/>
+              </a:cxn>
+              <a:cxn ang="0">
+                <a:pos x="connsiteX95" y="connsiteY95"/>
+              </a:cxn>
+              <a:cxn ang="0">
+                <a:pos x="connsiteX96" y="connsiteY96"/>
+              </a:cxn>
+              <a:cxn ang="0">
+                <a:pos x="connsiteX97" y="connsiteY97"/>
+              </a:cxn>
+              <a:cxn ang="0">
+                <a:pos x="connsiteX98" y="connsiteY98"/>
+              </a:cxn>
+              <a:cxn ang="0">
+                <a:pos x="connsiteX99" y="connsiteY99"/>
+              </a:cxn>
+              <a:cxn ang="0">
+                <a:pos x="connsiteX100" y="connsiteY100"/>
+              </a:cxn>
+              <a:cxn ang="0">
+                <a:pos x="connsiteX101" y="connsiteY101"/>
+              </a:cxn>
+              <a:cxn ang="0">
+                <a:pos x="connsiteX102" y="connsiteY102"/>
+              </a:cxn>
+              <a:cxn ang="0">
+                <a:pos x="connsiteX103" y="connsiteY103"/>
+              </a:cxn>
+              <a:cxn ang="0">
+                <a:pos x="connsiteX104" y="connsiteY104"/>
+              </a:cxn>
+              <a:cxn ang="0">
+                <a:pos x="connsiteX105" y="connsiteY105"/>
+              </a:cxn>
+              <a:cxn ang="0">
+                <a:pos x="connsiteX106" y="connsiteY106"/>
+              </a:cxn>
+              <a:cxn ang="0">
+                <a:pos x="connsiteX107" y="connsiteY107"/>
+              </a:cxn>
+              <a:cxn ang="0">
+                <a:pos x="connsiteX108" y="connsiteY108"/>
+              </a:cxn>
+              <a:cxn ang="0">
+                <a:pos x="connsiteX109" y="connsiteY109"/>
+              </a:cxn>
+              <a:cxn ang="0">
+                <a:pos x="connsiteX110" y="connsiteY110"/>
+              </a:cxn>
+              <a:cxn ang="0">
+                <a:pos x="connsiteX111" y="connsiteY111"/>
+              </a:cxn>
+              <a:cxn ang="0">
+                <a:pos x="connsiteX112" y="connsiteY112"/>
+              </a:cxn>
+              <a:cxn ang="0">
+                <a:pos x="connsiteX113" y="connsiteY113"/>
+              </a:cxn>
+              <a:cxn ang="0">
+                <a:pos x="connsiteX114" y="connsiteY114"/>
+              </a:cxn>
+              <a:cxn ang="0">
+                <a:pos x="connsiteX115" y="connsiteY115"/>
+              </a:cxn>
+              <a:cxn ang="0">
+                <a:pos x="connsiteX116" y="connsiteY116"/>
+              </a:cxn>
+              <a:cxn ang="0">
+                <a:pos x="connsiteX117" y="connsiteY117"/>
+              </a:cxn>
+            </a:cxnLst>
+            <a:rect l="l" t="t" r="r" b="b"/>
+            <a:pathLst>
+              <a:path w="12192000" h="6858000">
+                <a:moveTo>
+                  <a:pt x="6724001" y="434021"/>
+                </a:moveTo>
+                <a:cubicBezTo>
+                  <a:pt x="6639882" y="433113"/>
+                  <a:pt x="6555627" y="433147"/>
+                  <a:pt x="6471155" y="434599"/>
+                </a:cubicBezTo>
+                <a:cubicBezTo>
+                  <a:pt x="6109461" y="440937"/>
+                  <a:pt x="5748349" y="439351"/>
+                  <a:pt x="5384913" y="497971"/>
+                </a:cubicBezTo>
+                <a:cubicBezTo>
+                  <a:pt x="5199132" y="528072"/>
+                  <a:pt x="5005803" y="518038"/>
+                  <a:pt x="4818280" y="541802"/>
+                </a:cubicBezTo>
+                <a:cubicBezTo>
+                  <a:pt x="4532641" y="578242"/>
+                  <a:pt x="4247003" y="621019"/>
+                  <a:pt x="3965428" y="675942"/>
+                </a:cubicBezTo>
+                <a:cubicBezTo>
+                  <a:pt x="3877181" y="693369"/>
+                  <a:pt x="3768034" y="703930"/>
+                  <a:pt x="3699528" y="770472"/>
+                </a:cubicBezTo>
+                <a:cubicBezTo>
+                  <a:pt x="3590961" y="728224"/>
+                  <a:pt x="3523617" y="807966"/>
+                  <a:pt x="3438854" y="834899"/>
+                </a:cubicBezTo>
+                <a:cubicBezTo>
+                  <a:pt x="3405761" y="845462"/>
+                  <a:pt x="3362218" y="860248"/>
+                  <a:pt x="3367443" y="893518"/>
+                </a:cubicBezTo>
+                <a:cubicBezTo>
+                  <a:pt x="3372089" y="935238"/>
+                  <a:pt x="3420855" y="962172"/>
+                  <a:pt x="3467301" y="953722"/>
+                </a:cubicBezTo>
+                <a:cubicBezTo>
+                  <a:pt x="3611863" y="927317"/>
+                  <a:pt x="3741328" y="986464"/>
+                  <a:pt x="3889955" y="977486"/>
+                </a:cubicBezTo>
+                <a:cubicBezTo>
+                  <a:pt x="3760488" y="1002836"/>
+                  <a:pt x="3631601" y="1028713"/>
+                  <a:pt x="3502135" y="1054062"/>
+                </a:cubicBezTo>
+                <a:cubicBezTo>
+                  <a:pt x="3694303" y="1074129"/>
+                  <a:pt x="3883568" y="1038218"/>
+                  <a:pt x="4072832" y="1017622"/>
+                </a:cubicBezTo>
+                <a:cubicBezTo>
+                  <a:pt x="4133792" y="1011285"/>
+                  <a:pt x="4228424" y="962699"/>
+                  <a:pt x="4244099" y="1030825"/>
+                </a:cubicBezTo>
+                <a:cubicBezTo>
+                  <a:pt x="4254550" y="1076242"/>
+                  <a:pt x="4152951" y="1079410"/>
+                  <a:pt x="4095475" y="1092084"/>
+                </a:cubicBezTo>
+                <a:cubicBezTo>
+                  <a:pt x="3841766" y="1146479"/>
+                  <a:pt x="3583994" y="1178165"/>
+                  <a:pt x="3327386" y="1215660"/>
+                </a:cubicBezTo>
+                <a:cubicBezTo>
+                  <a:pt x="3303001" y="1219357"/>
+                  <a:pt x="3271070" y="1216188"/>
+                  <a:pt x="3254813" y="1226749"/>
+                </a:cubicBezTo>
+                <a:cubicBezTo>
+                  <a:pt x="3123605" y="1311774"/>
+                  <a:pt x="2957563" y="1339765"/>
+                  <a:pt x="2776427" y="1401552"/>
+                </a:cubicBezTo>
+                <a:cubicBezTo>
+                  <a:pt x="2890798" y="1430598"/>
+                  <a:pt x="2968012" y="1370921"/>
+                  <a:pt x="3063226" y="1384124"/>
+                </a:cubicBezTo>
+                <a:cubicBezTo>
+                  <a:pt x="2966272" y="1448024"/>
+                  <a:pt x="2853641" y="1460171"/>
+                  <a:pt x="2754945" y="1495025"/>
+                </a:cubicBezTo>
+                <a:cubicBezTo>
+                  <a:pt x="2684117" y="1519846"/>
+                  <a:pt x="2421119" y="1597477"/>
+                  <a:pt x="2381061" y="1619658"/>
+                </a:cubicBezTo>
+                <a:cubicBezTo>
+                  <a:pt x="2260302" y="1688311"/>
+                  <a:pt x="2107033" y="1720525"/>
+                  <a:pt x="2008336" y="1814527"/>
+                </a:cubicBezTo>
+                <a:cubicBezTo>
+                  <a:pt x="1938668" y="1880540"/>
+                  <a:pt x="1822554" y="1868393"/>
+                  <a:pt x="1740695" y="1914337"/>
+                </a:cubicBezTo>
+                <a:cubicBezTo>
+                  <a:pt x="1711667" y="1957642"/>
+                  <a:pt x="1767982" y="1968733"/>
+                  <a:pt x="1787720" y="1991970"/>
+                </a:cubicBezTo>
+                <a:cubicBezTo>
+                  <a:pt x="1813846" y="2023126"/>
+                  <a:pt x="1767401" y="2040555"/>
+                  <a:pt x="1754048" y="2078049"/>
+                </a:cubicBezTo>
+                <a:cubicBezTo>
+                  <a:pt x="1907898" y="2035802"/>
+                  <a:pt x="2054781" y="2010981"/>
+                  <a:pt x="2228951" y="1996721"/>
+                </a:cubicBezTo>
+                <a:cubicBezTo>
+                  <a:pt x="2171475" y="2057452"/>
+                  <a:pt x="2101807" y="2031048"/>
+                  <a:pt x="2054781" y="2053228"/>
+                </a:cubicBezTo>
+                <a:cubicBezTo>
+                  <a:pt x="2024011" y="2067487"/>
+                  <a:pt x="1976984" y="2073824"/>
+                  <a:pt x="1985693" y="2109207"/>
+                </a:cubicBezTo>
+                <a:cubicBezTo>
+                  <a:pt x="1992660" y="2137196"/>
+                  <a:pt x="2032140" y="2133500"/>
+                  <a:pt x="2061168" y="2130859"/>
+                </a:cubicBezTo>
+                <a:cubicBezTo>
+                  <a:pt x="2172636" y="2120825"/>
+                  <a:pt x="2281202" y="2117656"/>
+                  <a:pt x="2388026" y="2184726"/>
+                </a:cubicBezTo>
+                <a:cubicBezTo>
+                  <a:pt x="2116321" y="2282425"/>
+                  <a:pt x="1803977" y="2241233"/>
+                  <a:pt x="1560719" y="2384876"/>
+                </a:cubicBezTo>
+                <a:cubicBezTo>
+                  <a:pt x="1594973" y="2429237"/>
+                  <a:pt x="1643739" y="2405472"/>
+                  <a:pt x="1679734" y="2400191"/>
+                </a:cubicBezTo>
+                <a:cubicBezTo>
+                  <a:pt x="1916026" y="2364279"/>
+                  <a:pt x="2760170" y="2428180"/>
+                  <a:pt x="2882089" y="2383292"/>
+                </a:cubicBezTo>
+                <a:cubicBezTo>
+                  <a:pt x="2956983" y="2355830"/>
+                  <a:pt x="3035941" y="2342628"/>
+                  <a:pt x="3116638" y="2359528"/>
+                </a:cubicBezTo>
+                <a:cubicBezTo>
+                  <a:pt x="3194434" y="2375898"/>
+                  <a:pt x="3174696" y="2605622"/>
+                  <a:pt x="2897765" y="2758243"/>
+                </a:cubicBezTo>
+                <a:cubicBezTo>
+                  <a:pt x="2858286" y="2779895"/>
+                  <a:pt x="3034779" y="2811053"/>
+                  <a:pt x="2981367" y="2829008"/>
+                </a:cubicBezTo>
+                <a:cubicBezTo>
+                  <a:pt x="2939566" y="2843267"/>
+                  <a:pt x="2734626" y="2835346"/>
+                  <a:pt x="2682955" y="2846436"/>
+                </a:cubicBezTo>
+                <a:cubicBezTo>
+                  <a:pt x="2662635" y="2851188"/>
+                  <a:pt x="2040267" y="3029159"/>
+                  <a:pt x="2099485" y="3066653"/>
+                </a:cubicBezTo>
+                <a:cubicBezTo>
+                  <a:pt x="2276558" y="3179139"/>
+                  <a:pt x="2869897" y="3385098"/>
+                  <a:pt x="1807460" y="3454808"/>
+                </a:cubicBezTo>
+                <a:cubicBezTo>
+                  <a:pt x="1841132" y="3495472"/>
+                  <a:pt x="1934024" y="3469596"/>
+                  <a:pt x="1921251" y="3540889"/>
+                </a:cubicBezTo>
+                <a:cubicBezTo>
+                  <a:pt x="1780173" y="3579440"/>
+                  <a:pt x="1617035" y="3577328"/>
+                  <a:pt x="1453313" y="3637002"/>
+                </a:cubicBezTo>
+                <a:cubicBezTo>
+                  <a:pt x="1527047" y="3680307"/>
+                  <a:pt x="1611808" y="3653902"/>
+                  <a:pt x="1686122" y="3667634"/>
+                </a:cubicBezTo>
+                <a:cubicBezTo>
+                  <a:pt x="1644320" y="3722027"/>
+                  <a:pt x="1572330" y="3713578"/>
+                  <a:pt x="1513692" y="3725196"/>
+                </a:cubicBezTo>
+                <a:cubicBezTo>
+                  <a:pt x="1459700" y="3736286"/>
+                  <a:pt x="1345329" y="3830816"/>
+                  <a:pt x="1369711" y="3826063"/>
+                </a:cubicBezTo>
+                <a:cubicBezTo>
+                  <a:pt x="1595553" y="3783815"/>
+                  <a:pt x="1824877" y="3795434"/>
+                  <a:pt x="2051298" y="3754242"/>
+                </a:cubicBezTo>
+                <a:cubicBezTo>
+                  <a:pt x="2126192" y="3740511"/>
+                  <a:pt x="2210955" y="3714106"/>
+                  <a:pt x="2245207" y="3797018"/>
+                </a:cubicBezTo>
+                <a:cubicBezTo>
+                  <a:pt x="2255659" y="3821310"/>
+                  <a:pt x="2248109" y="3829232"/>
+                  <a:pt x="2353192" y="3796489"/>
+                </a:cubicBezTo>
+                <a:cubicBezTo>
+                  <a:pt x="2394414" y="3783815"/>
+                  <a:pt x="2448988" y="3770085"/>
+                  <a:pt x="2490207" y="3801242"/>
+                </a:cubicBezTo>
+                <a:cubicBezTo>
+                  <a:pt x="2464082" y="3840321"/>
+                  <a:pt x="2413572" y="3828703"/>
+                  <a:pt x="2375835" y="3839794"/>
+                </a:cubicBezTo>
+                <a:cubicBezTo>
+                  <a:pt x="2275978" y="3868311"/>
+                  <a:pt x="2619094" y="3977100"/>
+                  <a:pt x="2522138" y="4009841"/>
+                </a:cubicBezTo>
+                <a:cubicBezTo>
+                  <a:pt x="2323584" y="4076912"/>
+                  <a:pt x="2199343" y="4057372"/>
+                  <a:pt x="1998466" y="4130778"/>
+                </a:cubicBezTo>
+                <a:cubicBezTo>
+                  <a:pt x="2066973" y="4129192"/>
+                  <a:pt x="2046072" y="4154543"/>
+                  <a:pt x="2114580" y="4154543"/>
+                </a:cubicBezTo>
+                <a:cubicBezTo>
+                  <a:pt x="2145350" y="4154543"/>
+                  <a:pt x="2177862" y="4160878"/>
+                  <a:pt x="2177862" y="4189925"/>
+                </a:cubicBezTo>
+                <a:cubicBezTo>
+                  <a:pt x="2177862" y="4217385"/>
+                  <a:pt x="1817330" y="4367895"/>
+                  <a:pt x="1868419" y="4382153"/>
+                </a:cubicBezTo>
+                <a:cubicBezTo>
+                  <a:pt x="2007755" y="4420704"/>
+                  <a:pt x="2365385" y="4302410"/>
+                  <a:pt x="2279460" y="4356805"/>
+                </a:cubicBezTo>
+                <a:cubicBezTo>
+                  <a:pt x="2148834" y="4439716"/>
+                  <a:pt x="2129094" y="4456088"/>
+                  <a:pt x="2029817" y="4468235"/>
+                </a:cubicBezTo>
+                <a:cubicBezTo>
+                  <a:pt x="1944474" y="4478796"/>
+                  <a:pt x="1644320" y="4710633"/>
+                  <a:pt x="1560137" y="4730172"/>
+                </a:cubicBezTo>
+                <a:cubicBezTo>
+                  <a:pt x="1485825" y="4747072"/>
+                  <a:pt x="1774947" y="4800410"/>
+                  <a:pt x="1956664" y="4820477"/>
+                </a:cubicBezTo>
+                <a:cubicBezTo>
+                  <a:pt x="2130256" y="4840017"/>
+                  <a:pt x="3101544" y="4789319"/>
+                  <a:pt x="3268168" y="4852692"/>
+                </a:cubicBezTo>
+                <a:cubicBezTo>
+                  <a:pt x="3111993" y="4878041"/>
+                  <a:pt x="2970336" y="4953030"/>
+                  <a:pt x="2807197" y="4939300"/>
+                </a:cubicBezTo>
+                <a:cubicBezTo>
+                  <a:pt x="2773524" y="4936660"/>
+                  <a:pt x="2724756" y="4930323"/>
+                  <a:pt x="2721272" y="4970458"/>
+                </a:cubicBezTo>
+                <a:cubicBezTo>
+                  <a:pt x="2718369" y="5005313"/>
+                  <a:pt x="2788038" y="4981548"/>
+                  <a:pt x="2802552" y="5014291"/>
+                </a:cubicBezTo>
+                <a:cubicBezTo>
+                  <a:pt x="2719531" y="5060235"/>
+                  <a:pt x="2621415" y="5018515"/>
+                  <a:pt x="2537812" y="5053898"/>
+                </a:cubicBezTo>
+                <a:cubicBezTo>
+                  <a:pt x="2491948" y="5099314"/>
+                  <a:pt x="2589483" y="5107236"/>
+                  <a:pt x="2569744" y="5153182"/>
+                </a:cubicBezTo>
+                <a:cubicBezTo>
+                  <a:pt x="2301522" y="5193845"/>
+                  <a:pt x="2252174" y="5268836"/>
+                  <a:pt x="1987436" y="5334320"/>
+                </a:cubicBezTo>
+                <a:cubicBezTo>
+                  <a:pt x="1971179" y="5338545"/>
+                  <a:pt x="1958407" y="5352274"/>
+                  <a:pt x="1972921" y="5382376"/>
+                </a:cubicBezTo>
+                <a:cubicBezTo>
+                  <a:pt x="2087874" y="5396107"/>
+                  <a:pt x="2215599" y="5373399"/>
+                  <a:pt x="2341001" y="5360725"/>
+                </a:cubicBezTo>
+                <a:cubicBezTo>
+                  <a:pt x="2537812" y="5340129"/>
+                  <a:pt x="2533748" y="5339072"/>
+                  <a:pt x="2710822" y="5418816"/>
+                </a:cubicBezTo>
+                <a:cubicBezTo>
+                  <a:pt x="2743914" y="5433602"/>
+                  <a:pt x="2801390" y="5438355"/>
+                  <a:pt x="2833903" y="5413007"/>
+                </a:cubicBezTo>
+                <a:cubicBezTo>
+                  <a:pt x="2896604" y="5364422"/>
+                  <a:pt x="2950016" y="5368646"/>
+                  <a:pt x="3011556" y="5399276"/>
+                </a:cubicBezTo>
+                <a:cubicBezTo>
+                  <a:pt x="3077160" y="5432547"/>
+                  <a:pt x="3171793" y="5391882"/>
+                  <a:pt x="3254233" y="5439412"/>
+                </a:cubicBezTo>
+                <a:cubicBezTo>
+                  <a:pt x="3099802" y="5473739"/>
+                  <a:pt x="2957563" y="5473739"/>
+                  <a:pt x="2792101" y="5471625"/>
+                </a:cubicBezTo>
+                <a:cubicBezTo>
+                  <a:pt x="2846095" y="5537639"/>
+                  <a:pt x="2914601" y="5536582"/>
+                  <a:pt x="2977303" y="5539751"/>
+                </a:cubicBezTo>
+                <a:cubicBezTo>
+                  <a:pt x="3214174" y="5551898"/>
+                  <a:pt x="3601411" y="5660686"/>
+                  <a:pt x="3656566" y="5678642"/>
+                </a:cubicBezTo>
+                <a:cubicBezTo>
+                  <a:pt x="4280675" y="5879847"/>
+                  <a:pt x="4178497" y="5898332"/>
+                  <a:pt x="4858340" y="5969625"/>
+                </a:cubicBezTo>
+                <a:cubicBezTo>
+                  <a:pt x="5261253" y="6011873"/>
+                  <a:pt x="4887368" y="6032469"/>
+                  <a:pt x="5296668" y="6043559"/>
+                </a:cubicBezTo>
+                <a:cubicBezTo>
+                  <a:pt x="5349500" y="6045143"/>
+                  <a:pt x="5402911" y="6044087"/>
+                  <a:pt x="5456323" y="6042502"/>
+                </a:cubicBezTo>
+                <a:cubicBezTo>
+                  <a:pt x="5368077" y="6073134"/>
+                  <a:pt x="5267058" y="6100066"/>
+                  <a:pt x="5267058" y="6100066"/>
+                </a:cubicBezTo>
+                <a:cubicBezTo>
+                  <a:pt x="5267058" y="6100066"/>
+                  <a:pt x="5318728" y="6208854"/>
+                  <a:pt x="7095266" y="6287541"/>
+                </a:cubicBezTo>
+                <a:cubicBezTo>
+                  <a:pt x="7422124" y="6302329"/>
+                  <a:pt x="9563254" y="6024548"/>
+                  <a:pt x="9707235" y="5994446"/>
+                </a:cubicBezTo>
+                <a:cubicBezTo>
+                  <a:pt x="9844249" y="5966984"/>
+                  <a:pt x="10002164" y="5671247"/>
+                  <a:pt x="10083442" y="5678642"/>
+                </a:cubicBezTo>
+                <a:cubicBezTo>
+                  <a:pt x="10103183" y="5653293"/>
+                  <a:pt x="10283158" y="5139979"/>
+                  <a:pt x="10338892" y="4650957"/>
+                </a:cubicBezTo>
+                <a:cubicBezTo>
+                  <a:pt x="10448618" y="4580718"/>
+                  <a:pt x="10551960" y="4503088"/>
+                  <a:pt x="10628013" y="4411198"/>
+                </a:cubicBezTo>
+                <a:cubicBezTo>
+                  <a:pt x="10675040" y="4354692"/>
+                  <a:pt x="10718003" y="4298185"/>
+                  <a:pt x="10802766" y="4258050"/>
+                </a:cubicBezTo>
+                <a:cubicBezTo>
+                  <a:pt x="10755739" y="4203128"/>
+                  <a:pt x="10675040" y="4190453"/>
+                  <a:pt x="10614662" y="4150318"/>
+                </a:cubicBezTo>
+                <a:cubicBezTo>
+                  <a:pt x="10610017" y="4117046"/>
+                  <a:pt x="10705811" y="4127081"/>
+                  <a:pt x="10681427" y="4054203"/>
+                </a:cubicBezTo>
+                <a:cubicBezTo>
+                  <a:pt x="10648335" y="3957032"/>
+                  <a:pt x="10684328" y="3846131"/>
+                  <a:pt x="10520029" y="3804411"/>
+                </a:cubicBezTo>
+                <a:cubicBezTo>
+                  <a:pt x="10476485" y="3709881"/>
+                  <a:pt x="10464294" y="3558845"/>
+                  <a:pt x="10568798" y="3466426"/>
+                </a:cubicBezTo>
+                <a:cubicBezTo>
+                  <a:pt x="10724388" y="3328592"/>
+                  <a:pt x="10699424" y="3240927"/>
+                  <a:pt x="10499709" y="3166465"/>
+                </a:cubicBezTo>
+                <a:cubicBezTo>
+                  <a:pt x="10474164" y="3156958"/>
+                  <a:pt x="10501452" y="2570768"/>
+                  <a:pt x="10489840" y="2546475"/>
+                </a:cubicBezTo>
+                <a:cubicBezTo>
+                  <a:pt x="10508418" y="2513205"/>
+                  <a:pt x="10551960" y="2521126"/>
+                  <a:pt x="10584471" y="2512148"/>
+                </a:cubicBezTo>
+                <a:cubicBezTo>
+                  <a:pt x="10726711" y="2474125"/>
+                  <a:pt x="10731357" y="2474125"/>
+                  <a:pt x="10695942" y="2358471"/>
+                </a:cubicBezTo>
+                <a:cubicBezTo>
+                  <a:pt x="10685490" y="2323616"/>
+                  <a:pt x="10709874" y="2309357"/>
+                  <a:pt x="10732516" y="2287706"/>
+                </a:cubicBezTo>
+                <a:cubicBezTo>
+                  <a:pt x="10817280" y="2206905"/>
+                  <a:pt x="10817860" y="2205850"/>
+                  <a:pt x="10731357" y="2137725"/>
+                </a:cubicBezTo>
+                <a:cubicBezTo>
+                  <a:pt x="10706391" y="2118185"/>
+                  <a:pt x="10689555" y="2097061"/>
+                  <a:pt x="10678525" y="2070656"/>
+                </a:cubicBezTo>
+                <a:cubicBezTo>
+                  <a:pt x="10658203" y="2022599"/>
+                  <a:pt x="10658784" y="1982463"/>
+                  <a:pt x="10735999" y="1956587"/>
+                </a:cubicBezTo>
+                <a:cubicBezTo>
+                  <a:pt x="10789993" y="1938104"/>
+                  <a:pt x="10820762" y="1916978"/>
+                  <a:pt x="10824246" y="1862584"/>
+                </a:cubicBezTo>
+                <a:cubicBezTo>
+                  <a:pt x="10826570" y="1817166"/>
+                  <a:pt x="10832955" y="1787594"/>
+                  <a:pt x="10773156" y="1768054"/>
+                </a:cubicBezTo>
+                <a:cubicBezTo>
+                  <a:pt x="10724969" y="1752211"/>
+                  <a:pt x="10711036" y="1718412"/>
+                  <a:pt x="10716261" y="1678278"/>
+                </a:cubicBezTo>
+                <a:cubicBezTo>
+                  <a:pt x="10728452" y="1580050"/>
+                  <a:pt x="10662849" y="1522487"/>
+                  <a:pt x="10554864" y="1477599"/>
+                </a:cubicBezTo>
+                <a:cubicBezTo>
+                  <a:pt x="10452101" y="1434822"/>
+                  <a:pt x="10362116" y="1377259"/>
+                  <a:pt x="10267483" y="1324977"/>
+                </a:cubicBezTo>
+                <a:cubicBezTo>
+                  <a:pt x="10162399" y="1266887"/>
+                  <a:pt x="10040481" y="1232031"/>
+                  <a:pt x="9913337" y="1202458"/>
+                </a:cubicBezTo>
+                <a:cubicBezTo>
+                  <a:pt x="9936561" y="1160210"/>
+                  <a:pt x="10016678" y="1183974"/>
+                  <a:pt x="10024805" y="1124827"/>
+                </a:cubicBezTo>
+                <a:cubicBezTo>
+                  <a:pt x="9826251" y="1074658"/>
+                  <a:pt x="9636408" y="999139"/>
+                  <a:pt x="9411726" y="980655"/>
+                </a:cubicBezTo>
+                <a:cubicBezTo>
+                  <a:pt x="9593444" y="990161"/>
+                  <a:pt x="9758326" y="922036"/>
+                  <a:pt x="9930753" y="901968"/>
+                </a:cubicBezTo>
+                <a:cubicBezTo>
+                  <a:pt x="9947008" y="868698"/>
+                  <a:pt x="9909273" y="877147"/>
+                  <a:pt x="9894178" y="871339"/>
+                </a:cubicBezTo>
+                <a:cubicBezTo>
+                  <a:pt x="9879083" y="865001"/>
+                  <a:pt x="9860506" y="862889"/>
+                  <a:pt x="9858182" y="839125"/>
+                </a:cubicBezTo>
+                <a:cubicBezTo>
+                  <a:pt x="9941205" y="804798"/>
+                  <a:pt x="10045126" y="827506"/>
+                  <a:pt x="10131050" y="792652"/>
+                </a:cubicBezTo>
+                <a:cubicBezTo>
+                  <a:pt x="10111891" y="741954"/>
+                  <a:pt x="10037578" y="772583"/>
+                  <a:pt x="10006808" y="731920"/>
+                </a:cubicBezTo>
+                <a:cubicBezTo>
+                  <a:pt x="10086927" y="724526"/>
+                  <a:pt x="10161239" y="721357"/>
+                  <a:pt x="10233809" y="710268"/>
+                </a:cubicBezTo>
+                <a:cubicBezTo>
+                  <a:pt x="10290705" y="701818"/>
+                  <a:pt x="10306380" y="658513"/>
+                  <a:pt x="10267483" y="628940"/>
+                </a:cubicBezTo>
+                <a:cubicBezTo>
+                  <a:pt x="10232648" y="602536"/>
+                  <a:pt x="10181559" y="600422"/>
+                  <a:pt x="10136275" y="589333"/>
+                </a:cubicBezTo>
+                <a:cubicBezTo>
+                  <a:pt x="9813479" y="512230"/>
+                  <a:pt x="9474428" y="487409"/>
+                  <a:pt x="9131312" y="480544"/>
+                </a:cubicBezTo>
+                <a:cubicBezTo>
+                  <a:pt x="8580936" y="469453"/>
+                  <a:pt x="8028817" y="469982"/>
+                  <a:pt x="7479600" y="454667"/>
+                </a:cubicBezTo>
+                <a:cubicBezTo>
+                  <a:pt x="7227489" y="447934"/>
+                  <a:pt x="6976357" y="436744"/>
+                  <a:pt x="6724001" y="434021"/>
+                </a:cubicBezTo>
+                <a:close/>
+                <a:moveTo>
+                  <a:pt x="0" y="0"/>
+                </a:moveTo>
+                <a:lnTo>
+                  <a:pt x="12192000" y="0"/>
+                </a:lnTo>
+                <a:lnTo>
+                  <a:pt x="12192000" y="6858000"/>
+                </a:lnTo>
+                <a:lnTo>
+                  <a:pt x="0" y="6858000"/>
+                </a:lnTo>
+                <a:close/>
+              </a:path>
+            </a:pathLst>
+          </a:custGeom>
+          <a:solidFill>
+            <a:schemeClr val="bg2">
+              <a:alpha val="50000"/>
+            </a:schemeClr>
+          </a:solidFill>
+          <a:ln w="32707" cap="flat">
+            <a:noFill/>
+            <a:prstDash val="solid"/>
+            <a:miter/>
+          </a:ln>
+        </p:spPr>
+        <p:txBody>
+          <a:bodyPr wrap="square" rtlCol="0" anchor="ctr">
+            <a:noAutofit/>
+          </a:bodyPr>
+          <a:lstStyle/>
+          <a:p>
+            <a:pPr algn="ctr"/>
+            <a:endParaRPr lang="en-US"/>
+          </a:p>
+        </p:txBody>
+      </p:sp>
       <mc:AlternateContent xmlns:mc="http://schemas.openxmlformats.org/markup-compatibility/2006">
         <mc:Choice xmlns:p14="http://schemas.microsoft.com/office/powerpoint/2010/main" Requires="p14">
           <p:contentPart p14:bwMode="auto" r:id="rId3">
@@ -13030,10 +19196,10 @@
       </p:sp>
       <p:sp>
         <p:nvSpPr>
-          <p:cNvPr id="10" name="TextBox 9">
+          <p:cNvPr id="4" name="TextBox 3">
             <a:extLst>
               <a:ext uri="{FF2B5EF4-FFF2-40B4-BE49-F238E27FC236}">
-                <a16:creationId xmlns:a16="http://schemas.microsoft.com/office/drawing/2014/main" id="{0D2F4D0D-036B-E583-8CA9-D2714B6761EF}"/>
+                <a16:creationId xmlns:a16="http://schemas.microsoft.com/office/drawing/2014/main" id="{1B79DB45-DAD1-43D7-8495-CDDA1293365E}"/>
               </a:ext>
             </a:extLst>
           </p:cNvPr>
@@ -13042,8 +19208,8 @@
         </p:nvSpPr>
         <p:spPr>
           <a:xfrm>
-            <a:off x="6284319" y="702387"/>
-            <a:ext cx="5907681" cy="4993931"/>
+            <a:off x="6167063" y="568745"/>
+            <a:ext cx="5892279" cy="880369"/>
           </a:xfrm>
           <a:prstGeom prst="rect">
             <a:avLst/>
@@ -13058,37 +19224,62 @@
           <a:p>
             <a:pPr>
               <a:lnSpc>
-                <a:spcPct val="200000"/>
+                <a:spcPct val="150000"/>
               </a:lnSpc>
             </a:pPr>
             <a:r>
-              <a:rPr lang="en-CA" dirty="0">
-                <a:latin typeface="Times New Roman" panose="02020603050405020304" pitchFamily="18" charset="0"/>
-                <a:cs typeface="Times New Roman" panose="02020603050405020304" pitchFamily="18" charset="0"/>
-              </a:rPr>
-              <a:t>	Like many civilizations in Mesoamerica, the Mayans had a monarchy system to hierarchically organize society into six distinct groups: Kings and queens, council members and priests, nobles and elite warriors, merchants and craftsmen, commoners and workers, and lastly, slaves. </a:t>
+              <a:rPr lang="en-US" dirty="0"/>
+              <a:t>	Over time, the Toltecs battled their way into the heart of the Maya civilization, in </a:t>
             </a:r>
-          </a:p>
-          <a:p>
-            <a:pPr>
-              <a:lnSpc>
-                <a:spcPct val="200000"/>
-              </a:lnSpc>
-            </a:pPr>
             <a:r>
-              <a:rPr lang="en-CA" dirty="0">
-                <a:latin typeface="Times New Roman" panose="02020603050405020304" pitchFamily="18" charset="0"/>
-                <a:cs typeface="Times New Roman" panose="02020603050405020304" pitchFamily="18" charset="0"/>
-              </a:rPr>
-              <a:t>	For our purposes, our discussion will mainly include only the highest and lowest levels of the monarchy. Specifically, only kings and queens, council members, and commoners are relevant for our discussion. </a:t>
+              <a:rPr lang="en-US" dirty="0" err="1"/>
+              <a:t>Yucat</a:t>
+            </a:r>
+            <a:r>
+              <a:rPr lang="en-CA" dirty="0"/>
+              <a:t>á</a:t>
+            </a:r>
+            <a:r>
+              <a:rPr lang="en-US" dirty="0"/>
+              <a:t>n. </a:t>
             </a:r>
           </a:p>
         </p:txBody>
       </p:sp>
+      <p:pic>
+        <p:nvPicPr>
+          <p:cNvPr id="5" name="Picture 4">
+            <a:extLst>
+              <a:ext uri="{FF2B5EF4-FFF2-40B4-BE49-F238E27FC236}">
+                <a16:creationId xmlns:a16="http://schemas.microsoft.com/office/drawing/2014/main" id="{EC0F3BDA-03B8-0973-5E31-998E6959AE51}"/>
+              </a:ext>
+            </a:extLst>
+          </p:cNvPr>
+          <p:cNvPicPr>
+            <a:picLocks noChangeAspect="1"/>
+          </p:cNvPicPr>
+          <p:nvPr/>
+        </p:nvPicPr>
+        <p:blipFill>
+          <a:blip r:embed="rId5"/>
+          <a:stretch>
+            <a:fillRect/>
+          </a:stretch>
+        </p:blipFill>
+        <p:spPr>
+          <a:xfrm>
+            <a:off x="0" y="1046437"/>
+            <a:ext cx="5591175" cy="4533900"/>
+          </a:xfrm>
+          <a:prstGeom prst="rect">
+            <a:avLst/>
+          </a:prstGeom>
+        </p:spPr>
+      </p:pic>
     </p:spTree>
     <p:extLst>
       <p:ext uri="{BB962C8B-B14F-4D97-AF65-F5344CB8AC3E}">
-        <p14:creationId xmlns:p14="http://schemas.microsoft.com/office/powerpoint/2010/main" val="2343951715"/>
+        <p14:creationId xmlns:p14="http://schemas.microsoft.com/office/powerpoint/2010/main" val="798813789"/>
       </p:ext>
     </p:extLst>
   </p:cSld>
@@ -13252,7 +19443,7 @@
           </p:nvPr>
         </p:nvPicPr>
         <p:blipFill>
-          <a:blip r:embed="rId2">
+          <a:blip r:embed="rId3">
             <a:extLst>
               <a:ext uri="{28A0092B-C50C-407E-A947-70E740481C1C}">
                 <a14:useLocalDpi xmlns:a14="http://schemas.microsoft.com/office/drawing/2010/main" val="0"/>
@@ -13322,7 +19513,7 @@
       </p:sp>
       <mc:AlternateContent xmlns:mc="http://schemas.openxmlformats.org/markup-compatibility/2006" xmlns:p14="http://schemas.microsoft.com/office/powerpoint/2010/main">
         <mc:Choice Requires="p14">
-          <p:contentPart p14:bwMode="auto" r:id="rId3">
+          <p:contentPart p14:bwMode="auto" r:id="rId4">
             <p14:nvContentPartPr>
               <p14:cNvPr id="2" name="Ink 1">
                 <a:extLst>
@@ -13354,7 +19545,7 @@
               <p:nvPr/>
             </p:nvPicPr>
             <p:blipFill>
-              <a:blip r:embed="rId4"/>
+              <a:blip r:embed="rId5"/>
               <a:stretch>
                 <a:fillRect/>
               </a:stretch>
@@ -13474,7 +19665,7 @@
           </p:nvPr>
         </p:nvPicPr>
         <p:blipFill>
-          <a:blip r:embed="rId2">
+          <a:blip r:embed="rId3">
             <a:extLst>
               <a:ext uri="{28A0092B-C50C-407E-A947-70E740481C1C}">
                 <a14:useLocalDpi xmlns:a14="http://schemas.microsoft.com/office/drawing/2010/main" val="0"/>
@@ -13544,7 +19735,7 @@
       </p:sp>
       <mc:AlternateContent xmlns:mc="http://schemas.openxmlformats.org/markup-compatibility/2006" xmlns:p14="http://schemas.microsoft.com/office/powerpoint/2010/main">
         <mc:Choice Requires="p14">
-          <p:contentPart p14:bwMode="auto" r:id="rId3">
+          <p:contentPart p14:bwMode="auto" r:id="rId4">
             <p14:nvContentPartPr>
               <p14:cNvPr id="2" name="Ink 1">
                 <a:extLst>
@@ -13576,7 +19767,7 @@
               <p:nvPr/>
             </p:nvPicPr>
             <p:blipFill>
-              <a:blip r:embed="rId4"/>
+              <a:blip r:embed="rId5"/>
               <a:stretch>
                 <a:fillRect/>
               </a:stretch>
@@ -13736,7 +19927,7 @@
           </p:nvPr>
         </p:nvPicPr>
         <p:blipFill>
-          <a:blip r:embed="rId2">
+          <a:blip r:embed="rId3">
             <a:extLst>
               <a:ext uri="{28A0092B-C50C-407E-A947-70E740481C1C}">
                 <a14:useLocalDpi xmlns:a14="http://schemas.microsoft.com/office/drawing/2010/main" val="0"/>
@@ -13806,7 +19997,7 @@
       </p:sp>
       <mc:AlternateContent xmlns:mc="http://schemas.openxmlformats.org/markup-compatibility/2006" xmlns:p14="http://schemas.microsoft.com/office/powerpoint/2010/main">
         <mc:Choice Requires="p14">
-          <p:contentPart p14:bwMode="auto" r:id="rId3">
+          <p:contentPart p14:bwMode="auto" r:id="rId4">
             <p14:nvContentPartPr>
               <p14:cNvPr id="2" name="Ink 1">
                 <a:extLst>
@@ -13838,7 +20029,7 @@
               <p:nvPr/>
             </p:nvPicPr>
             <p:blipFill>
-              <a:blip r:embed="rId4"/>
+              <a:blip r:embed="rId5"/>
               <a:stretch>
                 <a:fillRect/>
               </a:stretch>
@@ -13939,7 +20130,7 @@
       </p:grpSpPr>
       <mc:AlternateContent xmlns:mc="http://schemas.openxmlformats.org/markup-compatibility/2006" xmlns:p14="http://schemas.microsoft.com/office/powerpoint/2010/main">
         <mc:Choice Requires="p14">
-          <p:contentPart p14:bwMode="auto" r:id="rId2">
+          <p:contentPart p14:bwMode="auto" r:id="rId3">
             <p14:nvContentPartPr>
               <p14:cNvPr id="2" name="Ink 1">
                 <a:extLst>
@@ -13971,7 +20162,7 @@
               <p:nvPr/>
             </p:nvPicPr>
             <p:blipFill>
-              <a:blip r:embed="rId3"/>
+              <a:blip r:embed="rId4"/>
               <a:stretch>
                 <a:fillRect/>
               </a:stretch>
@@ -14155,7 +20346,7 @@
       </p:grpSpPr>
       <mc:AlternateContent xmlns:mc="http://schemas.openxmlformats.org/markup-compatibility/2006" xmlns:p14="http://schemas.microsoft.com/office/powerpoint/2010/main">
         <mc:Choice Requires="p14">
-          <p:contentPart p14:bwMode="auto" r:id="rId2">
+          <p:contentPart p14:bwMode="auto" r:id="rId3">
             <p14:nvContentPartPr>
               <p14:cNvPr id="2" name="Ink 1">
                 <a:extLst>
@@ -14187,7 +20378,7 @@
               <p:nvPr/>
             </p:nvPicPr>
             <p:blipFill>
-              <a:blip r:embed="rId3"/>
+              <a:blip r:embed="rId4"/>
               <a:stretch>
                 <a:fillRect/>
               </a:stretch>
@@ -14385,7 +20576,7 @@
       </p:grpSpPr>
       <mc:AlternateContent xmlns:mc="http://schemas.openxmlformats.org/markup-compatibility/2006" xmlns:p14="http://schemas.microsoft.com/office/powerpoint/2010/main">
         <mc:Choice Requires="p14">
-          <p:contentPart p14:bwMode="auto" r:id="rId2">
+          <p:contentPart p14:bwMode="auto" r:id="rId3">
             <p14:nvContentPartPr>
               <p14:cNvPr id="2" name="Ink 1">
                 <a:extLst>
@@ -14417,7 +20608,7 @@
               <p:nvPr/>
             </p:nvPicPr>
             <p:blipFill>
-              <a:blip r:embed="rId3"/>
+              <a:blip r:embed="rId4"/>
               <a:stretch>
                 <a:fillRect/>
               </a:stretch>
@@ -14699,130 +20890,6 @@
   <p:clrMapOvr>
     <a:masterClrMapping/>
   </p:clrMapOvr>
-  <p:timing>
-    <p:tnLst>
-      <p:par>
-        <p:cTn id="1" dur="indefinite" restart="never" nodeType="tmRoot">
-          <p:childTnLst>
-            <p:seq concurrent="1" nextAc="seek">
-              <p:cTn id="2" dur="indefinite" nodeType="mainSeq">
-                <p:childTnLst>
-                  <p:par>
-                    <p:cTn id="3" fill="hold">
-                      <p:stCondLst>
-                        <p:cond delay="indefinite"/>
-                      </p:stCondLst>
-                      <p:childTnLst>
-                        <p:par>
-                          <p:cTn id="4" fill="hold">
-                            <p:stCondLst>
-                              <p:cond delay="0"/>
-                            </p:stCondLst>
-                            <p:childTnLst>
-                              <p:par>
-                                <p:cTn id="5" presetID="2" presetClass="entr" presetSubtype="4" fill="hold" grpId="0" nodeType="clickEffect">
-                                  <p:stCondLst>
-                                    <p:cond delay="0"/>
-                                  </p:stCondLst>
-                                  <p:childTnLst>
-                                    <p:set>
-                                      <p:cBhvr>
-                                        <p:cTn id="6" dur="1" fill="hold">
-                                          <p:stCondLst>
-                                            <p:cond delay="0"/>
-                                          </p:stCondLst>
-                                        </p:cTn>
-                                        <p:tgtEl>
-                                          <p:spTgt spid="4"/>
-                                        </p:tgtEl>
-                                        <p:attrNameLst>
-                                          <p:attrName>style.visibility</p:attrName>
-                                        </p:attrNameLst>
-                                      </p:cBhvr>
-                                      <p:to>
-                                        <p:strVal val="visible"/>
-                                      </p:to>
-                                    </p:set>
-                                    <p:anim calcmode="lin" valueType="num">
-                                      <p:cBhvr additive="base">
-                                        <p:cTn id="7" dur="500" fill="hold"/>
-                                        <p:tgtEl>
-                                          <p:spTgt spid="4"/>
-                                        </p:tgtEl>
-                                        <p:attrNameLst>
-                                          <p:attrName>ppt_x</p:attrName>
-                                        </p:attrNameLst>
-                                      </p:cBhvr>
-                                      <p:tavLst>
-                                        <p:tav tm="0">
-                                          <p:val>
-                                            <p:strVal val="#ppt_x"/>
-                                          </p:val>
-                                        </p:tav>
-                                        <p:tav tm="100000">
-                                          <p:val>
-                                            <p:strVal val="#ppt_x"/>
-                                          </p:val>
-                                        </p:tav>
-                                      </p:tavLst>
-                                    </p:anim>
-                                    <p:anim calcmode="lin" valueType="num">
-                                      <p:cBhvr additive="base">
-                                        <p:cTn id="8" dur="500" fill="hold"/>
-                                        <p:tgtEl>
-                                          <p:spTgt spid="4"/>
-                                        </p:tgtEl>
-                                        <p:attrNameLst>
-                                          <p:attrName>ppt_y</p:attrName>
-                                        </p:attrNameLst>
-                                      </p:cBhvr>
-                                      <p:tavLst>
-                                        <p:tav tm="0">
-                                          <p:val>
-                                            <p:strVal val="1+#ppt_h/2"/>
-                                          </p:val>
-                                        </p:tav>
-                                        <p:tav tm="100000">
-                                          <p:val>
-                                            <p:strVal val="#ppt_y"/>
-                                          </p:val>
-                                        </p:tav>
-                                      </p:tavLst>
-                                    </p:anim>
-                                  </p:childTnLst>
-                                </p:cTn>
-                              </p:par>
-                            </p:childTnLst>
-                          </p:cTn>
-                        </p:par>
-                      </p:childTnLst>
-                    </p:cTn>
-                  </p:par>
-                </p:childTnLst>
-              </p:cTn>
-              <p:prevCondLst>
-                <p:cond evt="onPrev" delay="0">
-                  <p:tgtEl>
-                    <p:sldTgt/>
-                  </p:tgtEl>
-                </p:cond>
-              </p:prevCondLst>
-              <p:nextCondLst>
-                <p:cond evt="onNext" delay="0">
-                  <p:tgtEl>
-                    <p:sldTgt/>
-                  </p:tgtEl>
-                </p:cond>
-              </p:nextCondLst>
-            </p:seq>
-          </p:childTnLst>
-        </p:cTn>
-      </p:par>
-    </p:tnLst>
-    <p:bldLst>
-      <p:bldP spid="4" grpId="0" animBg="1"/>
-    </p:bldLst>
-  </p:timing>
 </p:sld>
 </file>
 
@@ -14845,7 +20912,7 @@
       </p:grpSpPr>
       <mc:AlternateContent xmlns:mc="http://schemas.openxmlformats.org/markup-compatibility/2006" xmlns:p14="http://schemas.microsoft.com/office/powerpoint/2010/main">
         <mc:Choice Requires="p14">
-          <p:contentPart p14:bwMode="auto" r:id="rId2">
+          <p:contentPart p14:bwMode="auto" r:id="rId3">
             <p14:nvContentPartPr>
               <p14:cNvPr id="2" name="Ink 1">
                 <a:extLst>
@@ -14877,7 +20944,7 @@
               <p:nvPr/>
             </p:nvPicPr>
             <p:blipFill>
-              <a:blip r:embed="rId3"/>
+              <a:blip r:embed="rId4"/>
               <a:stretch>
                 <a:fillRect/>
               </a:stretch>
@@ -14929,17 +20996,17 @@
             </a:pPr>
             <a:r>
               <a:rPr lang="en-US" dirty="0"/>
-              <a:t>	And lastly is the period on which this presentation will be mainly focusing: The Terminal Classic Period. Directly contrasting The Classic Period, The Terminal Classic Period was a period of sharp decline and eventual collapse of the Maya civilization. Many cities and sites were abandoned because of volcanic activity, poor climate conditions, military losses, or simple abandonment. Large-scale droughts devastated agriculture, local vegetation, and water reserves, and the loss of able workers strained the already waning available resources. </a:t>
+              <a:t>	And lastly is the period on which this documentary will be mainly focusing: The Terminal Classic Period. Directly contrasting The Classic Period, The Terminal Classic Period was a period of sharp decline and eventual collapse of the Maya civilization. Many cities and sites were abandoned because of volcanic activity, poor climate conditions, military losses, or simple abandonment. Large-scale droughts devastated agriculture, local vegetation, and water reserves, and the loss of able workers strained the already waning available resources. </a:t>
             </a:r>
           </a:p>
         </p:txBody>
       </p:sp>
       <p:sp>
         <p:nvSpPr>
-          <p:cNvPr id="6" name="Rectangle: Rounded Corners 5">
+          <p:cNvPr id="3" name="Rectangle: Rounded Corners 2">
             <a:extLst>
               <a:ext uri="{FF2B5EF4-FFF2-40B4-BE49-F238E27FC236}">
-                <a16:creationId xmlns:a16="http://schemas.microsoft.com/office/drawing/2014/main" id="{66FA4756-3AB1-ACE6-680A-396D41460F64}"/>
+                <a16:creationId xmlns:a16="http://schemas.microsoft.com/office/drawing/2014/main" id="{81EC9BA1-F0C7-2410-AC1A-A3846E6C04B1}"/>
               </a:ext>
             </a:extLst>
           </p:cNvPr>
@@ -14948,7 +21015,7 @@
         </p:nvSpPr>
         <p:spPr>
           <a:xfrm>
-            <a:off x="0" y="2639315"/>
+            <a:off x="75499" y="4257590"/>
             <a:ext cx="6744749" cy="1383195"/>
           </a:xfrm>
           <a:prstGeom prst="roundRect">
@@ -15010,130 +21077,6 @@
   <p:clrMapOvr>
     <a:masterClrMapping/>
   </p:clrMapOvr>
-  <p:timing>
-    <p:tnLst>
-      <p:par>
-        <p:cTn id="1" dur="indefinite" restart="never" nodeType="tmRoot">
-          <p:childTnLst>
-            <p:seq concurrent="1" nextAc="seek">
-              <p:cTn id="2" dur="indefinite" nodeType="mainSeq">
-                <p:childTnLst>
-                  <p:par>
-                    <p:cTn id="3" fill="hold">
-                      <p:stCondLst>
-                        <p:cond delay="indefinite"/>
-                      </p:stCondLst>
-                      <p:childTnLst>
-                        <p:par>
-                          <p:cTn id="4" fill="hold">
-                            <p:stCondLst>
-                              <p:cond delay="0"/>
-                            </p:stCondLst>
-                            <p:childTnLst>
-                              <p:par>
-                                <p:cTn id="5" presetID="2" presetClass="entr" presetSubtype="4" fill="hold" grpId="0" nodeType="clickEffect">
-                                  <p:stCondLst>
-                                    <p:cond delay="0"/>
-                                  </p:stCondLst>
-                                  <p:childTnLst>
-                                    <p:set>
-                                      <p:cBhvr>
-                                        <p:cTn id="6" dur="1" fill="hold">
-                                          <p:stCondLst>
-                                            <p:cond delay="0"/>
-                                          </p:stCondLst>
-                                        </p:cTn>
-                                        <p:tgtEl>
-                                          <p:spTgt spid="6"/>
-                                        </p:tgtEl>
-                                        <p:attrNameLst>
-                                          <p:attrName>style.visibility</p:attrName>
-                                        </p:attrNameLst>
-                                      </p:cBhvr>
-                                      <p:to>
-                                        <p:strVal val="visible"/>
-                                      </p:to>
-                                    </p:set>
-                                    <p:anim calcmode="lin" valueType="num">
-                                      <p:cBhvr additive="base">
-                                        <p:cTn id="7" dur="500" fill="hold"/>
-                                        <p:tgtEl>
-                                          <p:spTgt spid="6"/>
-                                        </p:tgtEl>
-                                        <p:attrNameLst>
-                                          <p:attrName>ppt_x</p:attrName>
-                                        </p:attrNameLst>
-                                      </p:cBhvr>
-                                      <p:tavLst>
-                                        <p:tav tm="0">
-                                          <p:val>
-                                            <p:strVal val="#ppt_x"/>
-                                          </p:val>
-                                        </p:tav>
-                                        <p:tav tm="100000">
-                                          <p:val>
-                                            <p:strVal val="#ppt_x"/>
-                                          </p:val>
-                                        </p:tav>
-                                      </p:tavLst>
-                                    </p:anim>
-                                    <p:anim calcmode="lin" valueType="num">
-                                      <p:cBhvr additive="base">
-                                        <p:cTn id="8" dur="500" fill="hold"/>
-                                        <p:tgtEl>
-                                          <p:spTgt spid="6"/>
-                                        </p:tgtEl>
-                                        <p:attrNameLst>
-                                          <p:attrName>ppt_y</p:attrName>
-                                        </p:attrNameLst>
-                                      </p:cBhvr>
-                                      <p:tavLst>
-                                        <p:tav tm="0">
-                                          <p:val>
-                                            <p:strVal val="1+#ppt_h/2"/>
-                                          </p:val>
-                                        </p:tav>
-                                        <p:tav tm="100000">
-                                          <p:val>
-                                            <p:strVal val="#ppt_y"/>
-                                          </p:val>
-                                        </p:tav>
-                                      </p:tavLst>
-                                    </p:anim>
-                                  </p:childTnLst>
-                                </p:cTn>
-                              </p:par>
-                            </p:childTnLst>
-                          </p:cTn>
-                        </p:par>
-                      </p:childTnLst>
-                    </p:cTn>
-                  </p:par>
-                </p:childTnLst>
-              </p:cTn>
-              <p:prevCondLst>
-                <p:cond evt="onPrev" delay="0">
-                  <p:tgtEl>
-                    <p:sldTgt/>
-                  </p:tgtEl>
-                </p:cond>
-              </p:prevCondLst>
-              <p:nextCondLst>
-                <p:cond evt="onNext" delay="0">
-                  <p:tgtEl>
-                    <p:sldTgt/>
-                  </p:tgtEl>
-                </p:cond>
-              </p:nextCondLst>
-            </p:seq>
-          </p:childTnLst>
-        </p:cTn>
-      </p:par>
-    </p:tnLst>
-    <p:bldLst>
-      <p:bldP spid="6" grpId="0" animBg="1"/>
-    </p:bldLst>
-  </p:timing>
 </p:sld>
 </file>
 

--- a/anth2151-ancientpeoplesandplaces/TheCollapseOfTheMayaCivilization.pptx
+++ b/anth2151-ancientpeoplesandplaces/TheCollapseOfTheMayaCivilization.pptx
@@ -5,7 +5,7 @@
     <p:sldMasterId id="2147483648" r:id="rId1"/>
   </p:sldMasterIdLst>
   <p:notesMasterIdLst>
-    <p:notesMasterId r:id="rId20"/>
+    <p:notesMasterId r:id="rId24"/>
   </p:notesMasterIdLst>
   <p:sldIdLst>
     <p:sldId id="256" r:id="rId2"/>
@@ -24,8 +24,12 @@
     <p:sldId id="269" r:id="rId15"/>
     <p:sldId id="270" r:id="rId16"/>
     <p:sldId id="271" r:id="rId17"/>
-    <p:sldId id="272" r:id="rId18"/>
-    <p:sldId id="273" r:id="rId19"/>
+    <p:sldId id="274" r:id="rId18"/>
+    <p:sldId id="275" r:id="rId19"/>
+    <p:sldId id="276" r:id="rId20"/>
+    <p:sldId id="277" r:id="rId21"/>
+    <p:sldId id="272" r:id="rId22"/>
+    <p:sldId id="273" r:id="rId23"/>
   </p:sldIdLst>
   <p:sldSz cx="12192000" cy="6858000"/>
   <p:notesSz cx="6858000" cy="9144000"/>
@@ -356,7 +360,119 @@
 </inkml:ink>
 </file>
 
+<file path=ppt/ink/ink17.xml><?xml version="1.0" encoding="utf-8"?>
+<inkml:ink xmlns:inkml="http://www.w3.org/2003/InkML">
+  <inkml:definitions>
+    <inkml:context xml:id="ctx0">
+      <inkml:inkSource xml:id="inkSrc0">
+        <inkml:traceFormat>
+          <inkml:channel name="X" type="integer" min="-2.14748E9" max="2.14748E9" units="cm"/>
+          <inkml:channel name="Y" type="integer" min="-2.14748E9" max="2.14748E9" units="cm"/>
+          <inkml:channel name="F" type="integer" max="32767" units="dev"/>
+        </inkml:traceFormat>
+        <inkml:channelProperties>
+          <inkml:channelProperty channel="X" name="resolution" value="1000" units="1/cm"/>
+          <inkml:channelProperty channel="Y" name="resolution" value="1000" units="1/cm"/>
+          <inkml:channelProperty channel="F" name="resolution" value="0" units="1/dev"/>
+        </inkml:channelProperties>
+      </inkml:inkSource>
+      <inkml:timestamp xml:id="ts0" timeString="2023-03-10T18:43:42.314"/>
+    </inkml:context>
+    <inkml:brush xml:id="br0">
+      <inkml:brushProperty name="width" value="0.05" units="cm"/>
+      <inkml:brushProperty name="height" value="0.05" units="cm"/>
+      <inkml:brushProperty name="color" value="#CC0066"/>
+    </inkml:brush>
+  </inkml:definitions>
+  <inkml:trace contextRef="#ctx0" brushRef="#br0">1 1 24575,'0'0'-8191</inkml:trace>
+</inkml:ink>
+</file>
+
+<file path=ppt/ink/ink18.xml><?xml version="1.0" encoding="utf-8"?>
+<inkml:ink xmlns:inkml="http://www.w3.org/2003/InkML">
+  <inkml:definitions>
+    <inkml:context xml:id="ctx0">
+      <inkml:inkSource xml:id="inkSrc0">
+        <inkml:traceFormat>
+          <inkml:channel name="X" type="integer" min="-2.14748E9" max="2.14748E9" units="cm"/>
+          <inkml:channel name="Y" type="integer" min="-2.14748E9" max="2.14748E9" units="cm"/>
+          <inkml:channel name="F" type="integer" max="32767" units="dev"/>
+        </inkml:traceFormat>
+        <inkml:channelProperties>
+          <inkml:channelProperty channel="X" name="resolution" value="1000" units="1/cm"/>
+          <inkml:channelProperty channel="Y" name="resolution" value="1000" units="1/cm"/>
+          <inkml:channelProperty channel="F" name="resolution" value="0" units="1/dev"/>
+        </inkml:channelProperties>
+      </inkml:inkSource>
+      <inkml:timestamp xml:id="ts0" timeString="2023-03-10T18:43:42.314"/>
+    </inkml:context>
+    <inkml:brush xml:id="br0">
+      <inkml:brushProperty name="width" value="0.05" units="cm"/>
+      <inkml:brushProperty name="height" value="0.05" units="cm"/>
+      <inkml:brushProperty name="color" value="#CC0066"/>
+    </inkml:brush>
+  </inkml:definitions>
+  <inkml:trace contextRef="#ctx0" brushRef="#br0">1 1 24575,'0'0'-8191</inkml:trace>
+</inkml:ink>
+</file>
+
+<file path=ppt/ink/ink19.xml><?xml version="1.0" encoding="utf-8"?>
+<inkml:ink xmlns:inkml="http://www.w3.org/2003/InkML">
+  <inkml:definitions>
+    <inkml:context xml:id="ctx0">
+      <inkml:inkSource xml:id="inkSrc0">
+        <inkml:traceFormat>
+          <inkml:channel name="X" type="integer" min="-2.14748E9" max="2.14748E9" units="cm"/>
+          <inkml:channel name="Y" type="integer" min="-2.14748E9" max="2.14748E9" units="cm"/>
+          <inkml:channel name="F" type="integer" max="32767" units="dev"/>
+        </inkml:traceFormat>
+        <inkml:channelProperties>
+          <inkml:channelProperty channel="X" name="resolution" value="1000" units="1/cm"/>
+          <inkml:channelProperty channel="Y" name="resolution" value="1000" units="1/cm"/>
+          <inkml:channelProperty channel="F" name="resolution" value="0" units="1/dev"/>
+        </inkml:channelProperties>
+      </inkml:inkSource>
+      <inkml:timestamp xml:id="ts0" timeString="2023-03-10T18:43:42.314"/>
+    </inkml:context>
+    <inkml:brush xml:id="br0">
+      <inkml:brushProperty name="width" value="0.05" units="cm"/>
+      <inkml:brushProperty name="height" value="0.05" units="cm"/>
+      <inkml:brushProperty name="color" value="#CC0066"/>
+    </inkml:brush>
+  </inkml:definitions>
+  <inkml:trace contextRef="#ctx0" brushRef="#br0">1 1 24575,'0'0'-8191</inkml:trace>
+</inkml:ink>
+</file>
+
 <file path=ppt/ink/ink2.xml><?xml version="1.0" encoding="utf-8"?>
+<inkml:ink xmlns:inkml="http://www.w3.org/2003/InkML">
+  <inkml:definitions>
+    <inkml:context xml:id="ctx0">
+      <inkml:inkSource xml:id="inkSrc0">
+        <inkml:traceFormat>
+          <inkml:channel name="X" type="integer" min="-2.14748E9" max="2.14748E9" units="cm"/>
+          <inkml:channel name="Y" type="integer" min="-2.14748E9" max="2.14748E9" units="cm"/>
+          <inkml:channel name="F" type="integer" max="32767" units="dev"/>
+        </inkml:traceFormat>
+        <inkml:channelProperties>
+          <inkml:channelProperty channel="X" name="resolution" value="1000" units="1/cm"/>
+          <inkml:channelProperty channel="Y" name="resolution" value="1000" units="1/cm"/>
+          <inkml:channelProperty channel="F" name="resolution" value="0" units="1/dev"/>
+        </inkml:channelProperties>
+      </inkml:inkSource>
+      <inkml:timestamp xml:id="ts0" timeString="2023-03-10T18:43:42.314"/>
+    </inkml:context>
+    <inkml:brush xml:id="br0">
+      <inkml:brushProperty name="width" value="0.05" units="cm"/>
+      <inkml:brushProperty name="height" value="0.05" units="cm"/>
+      <inkml:brushProperty name="color" value="#CC0066"/>
+    </inkml:brush>
+  </inkml:definitions>
+  <inkml:trace contextRef="#ctx0" brushRef="#br0">1 1 24575,'0'0'-8191</inkml:trace>
+</inkml:ink>
+</file>
+
+<file path=ppt/ink/ink20.xml><?xml version="1.0" encoding="utf-8"?>
 <inkml:ink xmlns:inkml="http://www.w3.org/2003/InkML">
   <inkml:definitions>
     <inkml:context xml:id="ctx0">
@@ -662,7 +778,7 @@
           <a:p>
             <a:fld id="{64A4FC2C-52CE-46E3-9ED6-C780E35FA722}" type="datetimeFigureOut">
               <a:rPr lang="en-CA" smtClean="0"/>
-              <a:t>2023-03-24</a:t>
+              <a:t>2023-03-28</a:t>
             </a:fld>
             <a:endParaRPr lang="en-CA"/>
           </a:p>
@@ -2314,7 +2430,7 @@
             </a:pPr>
             <a:r>
               <a:rPr lang="en-CA" dirty="0"/>
-              <a:t>Image source: Image source: Dry section of desert, digital image, accessed March 23, 2023 &lt;</a:t>
+              <a:t>Image source: Dry section of desert, digital image, accessed March 23, 2023 &lt;</a:t>
             </a:r>
             <a:r>
               <a:rPr lang="en-US" dirty="0"/>
@@ -2456,10 +2572,92 @@
             <a:endParaRPr lang="en-CA" dirty="0"/>
           </a:p>
           <a:p>
-            <a:endParaRPr lang="en-CA" dirty="0"/>
-          </a:p>
-          <a:p>
-            <a:endParaRPr lang="en-CA" dirty="0"/>
+            <a:r>
+              <a:rPr lang="en-CA" dirty="0"/>
+              <a:t>	</a:t>
+            </a:r>
+          </a:p>
+          <a:p>
+            <a:pPr>
+              <a:lnSpc>
+                <a:spcPct val="200000"/>
+              </a:lnSpc>
+            </a:pPr>
+            <a:r>
+              <a:rPr lang="en-CA" dirty="0"/>
+              <a:t>		</a:t>
+            </a:r>
+            <a:r>
+              <a:rPr lang="en-US" dirty="0">
+                <a:effectLst/>
+                <a:latin typeface="Arial" panose="020B0604020202020204" pitchFamily="34" charset="0"/>
+              </a:rPr>
+              <a:t>Zeitlin, R. N. (1984). Archeology and volcanism in Central America. Science, 226, 163+. https://link-gale-com.ezproxy.lakeheadu.ca/apps/doc/A3472821/AONE?u=ocul_lakehead&amp;sid=bookmark-	</a:t>
+            </a:r>
+            <a:r>
+              <a:rPr lang="en-US" dirty="0" err="1">
+                <a:effectLst/>
+                <a:latin typeface="Arial" panose="020B0604020202020204" pitchFamily="34" charset="0"/>
+              </a:rPr>
+              <a:t>AONE&amp;xid</a:t>
+            </a:r>
+            <a:r>
+              <a:rPr lang="en-US" dirty="0">
+                <a:effectLst/>
+                <a:latin typeface="Arial" panose="020B0604020202020204" pitchFamily="34" charset="0"/>
+              </a:rPr>
+              <a:t>=49347507</a:t>
+            </a:r>
+          </a:p>
+          <a:p>
+            <a:pPr>
+              <a:lnSpc>
+                <a:spcPct val="200000"/>
+              </a:lnSpc>
+            </a:pPr>
+            <a:endParaRPr lang="en-CA" dirty="0">
+              <a:effectLst/>
+              <a:latin typeface="Times New Roman" panose="02020603050405020304" pitchFamily="18" charset="0"/>
+            </a:endParaRPr>
+          </a:p>
+          <a:p>
+            <a:pPr>
+              <a:lnSpc>
+                <a:spcPct val="200000"/>
+              </a:lnSpc>
+            </a:pPr>
+            <a:r>
+              <a:rPr lang="en-CA" dirty="0">
+                <a:effectLst/>
+                <a:latin typeface="Times New Roman" panose="02020603050405020304" pitchFamily="18" charset="0"/>
+              </a:rPr>
+              <a:t>		Demarest, A. A,. (n.d.)  The Collapse of The Classic Maya Kingdoms of the Southwestern </a:t>
+            </a:r>
+            <a:r>
+              <a:rPr lang="en-US" dirty="0">
+                <a:effectLst/>
+                <a:latin typeface="Times New Roman" panose="02020603050405020304" pitchFamily="18" charset="0"/>
+              </a:rPr>
+              <a:t>Petén: Implications for the End of Classic Maya Civilization.</a:t>
+            </a:r>
+            <a:r>
+              <a:rPr lang="en-US" i="1" dirty="0">
+                <a:effectLst/>
+                <a:latin typeface="Times New Roman" panose="02020603050405020304" pitchFamily="18" charset="0"/>
+              </a:rPr>
+              <a:t> </a:t>
+            </a:r>
+            <a:r>
+              <a:rPr lang="en-US" i="0" dirty="0">
+                <a:effectLst/>
+                <a:latin typeface="Times New Roman" panose="02020603050405020304" pitchFamily="18" charset="0"/>
+              </a:rPr>
+              <a:t>Vanderbilt University. 	</a:t>
+            </a:r>
+            <a:r>
+              <a:rPr lang="en-CA" dirty="0"/>
+              <a:t>https://www.mesoweb.com/publications/MMS/2_Demarest.pdf</a:t>
+            </a:r>
           </a:p>
         </p:txBody>
       </p:sp>
@@ -2489,7 +2687,7 @@
     </p:spTree>
     <p:extLst>
       <p:ext uri="{BB962C8B-B14F-4D97-AF65-F5344CB8AC3E}">
-        <p14:creationId xmlns:p14="http://schemas.microsoft.com/office/powerpoint/2010/main" val="3319042363"/>
+        <p14:creationId xmlns:p14="http://schemas.microsoft.com/office/powerpoint/2010/main" val="1576102304"/>
       </p:ext>
     </p:extLst>
   </p:cSld>
@@ -2586,10 +2784,111 @@
             <a:endParaRPr lang="en-CA" dirty="0"/>
           </a:p>
           <a:p>
+            <a:r>
+              <a:rPr lang="en-CA" dirty="0"/>
+              <a:t>	</a:t>
+            </a:r>
+          </a:p>
+          <a:p>
+            <a:pPr>
+              <a:lnSpc>
+                <a:spcPct val="200000"/>
+              </a:lnSpc>
+            </a:pPr>
+            <a:r>
+              <a:rPr lang="en-CA" dirty="0"/>
+              <a:t>		</a:t>
+            </a:r>
+            <a:r>
+              <a:rPr lang="en-US" dirty="0">
+                <a:effectLst/>
+                <a:latin typeface="Arial" panose="020B0604020202020204" pitchFamily="34" charset="0"/>
+              </a:rPr>
+              <a:t>Zeitlin, R. N. (1984). Archeology and volcanism in Central America. Science, 226, 163+. https://link-gale-com.ezproxy.lakeheadu.ca/apps/doc/A3472821/AONE?u=ocul_lakehead&amp;sid=bookmark-	</a:t>
+            </a:r>
+            <a:r>
+              <a:rPr lang="en-US" dirty="0" err="1">
+                <a:effectLst/>
+                <a:latin typeface="Arial" panose="020B0604020202020204" pitchFamily="34" charset="0"/>
+              </a:rPr>
+              <a:t>AONE&amp;xid</a:t>
+            </a:r>
+            <a:r>
+              <a:rPr lang="en-US" dirty="0">
+                <a:effectLst/>
+                <a:latin typeface="Arial" panose="020B0604020202020204" pitchFamily="34" charset="0"/>
+              </a:rPr>
+              <a:t>=49347507</a:t>
+            </a:r>
+          </a:p>
+          <a:p>
+            <a:pPr>
+              <a:lnSpc>
+                <a:spcPct val="200000"/>
+              </a:lnSpc>
+            </a:pPr>
+            <a:endParaRPr lang="en-CA" dirty="0">
+              <a:effectLst/>
+              <a:latin typeface="Times New Roman" panose="02020603050405020304" pitchFamily="18" charset="0"/>
+            </a:endParaRPr>
+          </a:p>
+          <a:p>
+            <a:pPr>
+              <a:lnSpc>
+                <a:spcPct val="200000"/>
+              </a:lnSpc>
+            </a:pPr>
+            <a:r>
+              <a:rPr lang="en-CA" dirty="0">
+                <a:effectLst/>
+                <a:latin typeface="Times New Roman" panose="02020603050405020304" pitchFamily="18" charset="0"/>
+              </a:rPr>
+              <a:t>		Demarest, A. A,. (n.d.). The Collapse of The Classic Maya Kingdoms of the Southwestern </a:t>
+            </a:r>
+            <a:r>
+              <a:rPr lang="en-US" dirty="0">
+                <a:effectLst/>
+                <a:latin typeface="Times New Roman" panose="02020603050405020304" pitchFamily="18" charset="0"/>
+              </a:rPr>
+              <a:t>Petén: Implications for the End of Classic Maya Civilization.</a:t>
+            </a:r>
+            <a:r>
+              <a:rPr lang="en-US" i="1" dirty="0">
+                <a:effectLst/>
+                <a:latin typeface="Times New Roman" panose="02020603050405020304" pitchFamily="18" charset="0"/>
+              </a:rPr>
+              <a:t> </a:t>
+            </a:r>
+            <a:r>
+              <a:rPr lang="en-US" i="0" dirty="0">
+                <a:effectLst/>
+                <a:latin typeface="Times New Roman" panose="02020603050405020304" pitchFamily="18" charset="0"/>
+              </a:rPr>
+              <a:t>Vanderbilt University. 	</a:t>
+            </a:r>
+            <a:r>
+              <a:rPr lang="en-CA" dirty="0"/>
+              <a:t>https://www.mesoweb.com/publications/MMS/2_Demarest.pdf</a:t>
+            </a:r>
+          </a:p>
+          <a:p>
+            <a:pPr>
+              <a:lnSpc>
+                <a:spcPct val="200000"/>
+              </a:lnSpc>
+            </a:pPr>
             <a:endParaRPr lang="en-CA" dirty="0"/>
           </a:p>
           <a:p>
-            <a:endParaRPr lang="en-CA" dirty="0"/>
+            <a:pPr>
+              <a:lnSpc>
+                <a:spcPct val="200000"/>
+              </a:lnSpc>
+            </a:pPr>
+            <a:r>
+              <a:rPr lang="en-CA" dirty="0"/>
+              <a:t>		(2018, Jan 30). Shifting trade routes may have led to Maya decline. Belize Travel Blog. https://belize-travel-blog.chaacreek.com/2012/05/shifting-trade-routes-may-have-led-to-maya-decline/</a:t>
+            </a:r>
           </a:p>
         </p:txBody>
       </p:sp>
@@ -2619,7 +2918,238 @@
     </p:spTree>
     <p:extLst>
       <p:ext uri="{BB962C8B-B14F-4D97-AF65-F5344CB8AC3E}">
-        <p14:creationId xmlns:p14="http://schemas.microsoft.com/office/powerpoint/2010/main" val="2885337203"/>
+        <p14:creationId xmlns:p14="http://schemas.microsoft.com/office/powerpoint/2010/main" val="2992359309"/>
+      </p:ext>
+    </p:extLst>
+  </p:cSld>
+  <p:clrMapOvr>
+    <a:masterClrMapping/>
+  </p:clrMapOvr>
+</p:notes>
+</file>
+
+<file path=ppt/notesSlides/notesSlide19.xml><?xml version="1.0" encoding="utf-8"?>
+<p:notes xmlns:a="http://schemas.openxmlformats.org/drawingml/2006/main" xmlns:r="http://schemas.openxmlformats.org/officeDocument/2006/relationships" xmlns:p="http://schemas.openxmlformats.org/presentationml/2006/main">
+  <p:cSld>
+    <p:spTree>
+      <p:nvGrpSpPr>
+        <p:cNvPr id="1" name=""/>
+        <p:cNvGrpSpPr/>
+        <p:nvPr/>
+      </p:nvGrpSpPr>
+      <p:grpSpPr>
+        <a:xfrm>
+          <a:off x="0" y="0"/>
+          <a:ext cx="0" cy="0"/>
+          <a:chOff x="0" y="0"/>
+          <a:chExt cx="0" cy="0"/>
+        </a:xfrm>
+      </p:grpSpPr>
+      <p:sp>
+        <p:nvSpPr>
+          <p:cNvPr id="2" name="Slide Image Placeholder 1"/>
+          <p:cNvSpPr>
+            <a:spLocks noGrp="1" noRot="1" noChangeAspect="1"/>
+          </p:cNvSpPr>
+          <p:nvPr>
+            <p:ph type="sldImg"/>
+          </p:nvPr>
+        </p:nvSpPr>
+        <p:spPr/>
+      </p:sp>
+      <p:sp>
+        <p:nvSpPr>
+          <p:cNvPr id="3" name="Notes Placeholder 2"/>
+          <p:cNvSpPr>
+            <a:spLocks noGrp="1"/>
+          </p:cNvSpPr>
+          <p:nvPr>
+            <p:ph type="body" idx="1"/>
+          </p:nvPr>
+        </p:nvSpPr>
+        <p:spPr/>
+        <p:txBody>
+          <a:bodyPr/>
+          <a:lstStyle/>
+          <a:p>
+            <a:pPr marL="0" marR="0" lvl="0" indent="0" algn="l" defTabSz="914400" rtl="0" eaLnBrk="1" fontAlgn="auto" latinLnBrk="0" hangingPunct="1">
+              <a:lnSpc>
+                <a:spcPct val="100000"/>
+              </a:lnSpc>
+              <a:spcBef>
+                <a:spcPts val="0"/>
+              </a:spcBef>
+              <a:spcAft>
+                <a:spcPts val="0"/>
+              </a:spcAft>
+              <a:buClrTx/>
+              <a:buSzTx/>
+              <a:buFontTx/>
+              <a:buNone/>
+              <a:tabLst/>
+              <a:defRPr/>
+            </a:pPr>
+            <a:r>
+              <a:rPr lang="en-CA" dirty="0"/>
+              <a:t>References:</a:t>
+            </a:r>
+          </a:p>
+          <a:p>
+            <a:pPr marL="0" marR="0" lvl="0" indent="0" algn="l" defTabSz="914400" rtl="0" eaLnBrk="1" fontAlgn="auto" latinLnBrk="0" hangingPunct="1">
+              <a:lnSpc>
+                <a:spcPct val="100000"/>
+              </a:lnSpc>
+              <a:spcBef>
+                <a:spcPts val="0"/>
+              </a:spcBef>
+              <a:spcAft>
+                <a:spcPts val="0"/>
+              </a:spcAft>
+              <a:buClrTx/>
+              <a:buSzTx/>
+              <a:buFontTx/>
+              <a:buNone/>
+              <a:tabLst/>
+              <a:defRPr/>
+            </a:pPr>
+            <a:endParaRPr lang="en-CA" dirty="0"/>
+          </a:p>
+          <a:p>
+            <a:r>
+              <a:rPr lang="en-CA" dirty="0"/>
+              <a:t>	</a:t>
+            </a:r>
+          </a:p>
+          <a:p>
+            <a:pPr>
+              <a:lnSpc>
+                <a:spcPct val="200000"/>
+              </a:lnSpc>
+            </a:pPr>
+            <a:r>
+              <a:rPr lang="en-CA" dirty="0"/>
+              <a:t>		</a:t>
+            </a:r>
+            <a:r>
+              <a:rPr lang="en-US" dirty="0">
+                <a:effectLst/>
+                <a:latin typeface="Arial" panose="020B0604020202020204" pitchFamily="34" charset="0"/>
+              </a:rPr>
+              <a:t>Zeitlin, R. N. (1984). Archeology and volcanism in Central America. Science, 226, 163+. https://link-gale-com.ezproxy.lakeheadu.ca/apps/doc/A3472821/AONE?u=ocul_lakehead&amp;sid=bookmark-	</a:t>
+            </a:r>
+            <a:r>
+              <a:rPr lang="en-US" dirty="0" err="1">
+                <a:effectLst/>
+                <a:latin typeface="Arial" panose="020B0604020202020204" pitchFamily="34" charset="0"/>
+              </a:rPr>
+              <a:t>AONE&amp;xid</a:t>
+            </a:r>
+            <a:r>
+              <a:rPr lang="en-US" dirty="0">
+                <a:effectLst/>
+                <a:latin typeface="Arial" panose="020B0604020202020204" pitchFamily="34" charset="0"/>
+              </a:rPr>
+              <a:t>=49347507</a:t>
+            </a:r>
+          </a:p>
+          <a:p>
+            <a:pPr>
+              <a:lnSpc>
+                <a:spcPct val="200000"/>
+              </a:lnSpc>
+            </a:pPr>
+            <a:endParaRPr lang="en-CA" dirty="0">
+              <a:effectLst/>
+              <a:latin typeface="Times New Roman" panose="02020603050405020304" pitchFamily="18" charset="0"/>
+            </a:endParaRPr>
+          </a:p>
+          <a:p>
+            <a:pPr>
+              <a:lnSpc>
+                <a:spcPct val="200000"/>
+              </a:lnSpc>
+            </a:pPr>
+            <a:r>
+              <a:rPr lang="en-CA" dirty="0">
+                <a:effectLst/>
+                <a:latin typeface="Times New Roman" panose="02020603050405020304" pitchFamily="18" charset="0"/>
+              </a:rPr>
+              <a:t>		Demarest, A. A,. (n.d.). The Collapse of The Classic Maya Kingdoms of the Southwestern </a:t>
+            </a:r>
+            <a:r>
+              <a:rPr lang="en-US" dirty="0">
+                <a:effectLst/>
+                <a:latin typeface="Times New Roman" panose="02020603050405020304" pitchFamily="18" charset="0"/>
+              </a:rPr>
+              <a:t>Petén: Implications for the End of Classic Maya Civilization.</a:t>
+            </a:r>
+            <a:r>
+              <a:rPr lang="en-US" i="1" dirty="0">
+                <a:effectLst/>
+                <a:latin typeface="Times New Roman" panose="02020603050405020304" pitchFamily="18" charset="0"/>
+              </a:rPr>
+              <a:t> </a:t>
+            </a:r>
+            <a:r>
+              <a:rPr lang="en-US" i="0" dirty="0">
+                <a:effectLst/>
+                <a:latin typeface="Times New Roman" panose="02020603050405020304" pitchFamily="18" charset="0"/>
+              </a:rPr>
+              <a:t>Vanderbilt University. 	</a:t>
+            </a:r>
+            <a:r>
+              <a:rPr lang="en-CA" dirty="0"/>
+              <a:t>https://www.mesoweb.com/publications/MMS/2_Demarest.pdf</a:t>
+            </a:r>
+          </a:p>
+          <a:p>
+            <a:pPr>
+              <a:lnSpc>
+                <a:spcPct val="200000"/>
+              </a:lnSpc>
+            </a:pPr>
+            <a:endParaRPr lang="en-CA" dirty="0"/>
+          </a:p>
+          <a:p>
+            <a:pPr>
+              <a:lnSpc>
+                <a:spcPct val="200000"/>
+              </a:lnSpc>
+            </a:pPr>
+            <a:r>
+              <a:rPr lang="en-CA" dirty="0"/>
+              <a:t>		(2018, Jan 30). Shifting trade routes may have led to Maya decline. Belize Travel Blog. https://belize-travel-blog.chaacreek.com/2012/05/shifting-trade-routes-may-have-led-to-maya-decline/</a:t>
+            </a:r>
+          </a:p>
+        </p:txBody>
+      </p:sp>
+      <p:sp>
+        <p:nvSpPr>
+          <p:cNvPr id="4" name="Slide Number Placeholder 3"/>
+          <p:cNvSpPr>
+            <a:spLocks noGrp="1"/>
+          </p:cNvSpPr>
+          <p:nvPr>
+            <p:ph type="sldNum" sz="quarter" idx="5"/>
+          </p:nvPr>
+        </p:nvSpPr>
+        <p:spPr/>
+        <p:txBody>
+          <a:bodyPr/>
+          <a:lstStyle/>
+          <a:p>
+            <a:fld id="{17DECE01-BA26-4AB4-9BFD-0DED85B459F8}" type="slidenum">
+              <a:rPr lang="en-CA" smtClean="0"/>
+              <a:t>19</a:t>
+            </a:fld>
+            <a:endParaRPr lang="en-CA"/>
+          </a:p>
+        </p:txBody>
+      </p:sp>
+    </p:spTree>
+    <p:extLst>
+      <p:ext uri="{BB962C8B-B14F-4D97-AF65-F5344CB8AC3E}">
+        <p14:creationId xmlns:p14="http://schemas.microsoft.com/office/powerpoint/2010/main" val="1095087574"/>
       </p:ext>
     </p:extLst>
   </p:cSld>
@@ -2714,6 +3244,517 @@
     <p:extLst>
       <p:ext uri="{BB962C8B-B14F-4D97-AF65-F5344CB8AC3E}">
         <p14:creationId xmlns:p14="http://schemas.microsoft.com/office/powerpoint/2010/main" val="3460176410"/>
+      </p:ext>
+    </p:extLst>
+  </p:cSld>
+  <p:clrMapOvr>
+    <a:masterClrMapping/>
+  </p:clrMapOvr>
+</p:notes>
+</file>
+
+<file path=ppt/notesSlides/notesSlide20.xml><?xml version="1.0" encoding="utf-8"?>
+<p:notes xmlns:a="http://schemas.openxmlformats.org/drawingml/2006/main" xmlns:r="http://schemas.openxmlformats.org/officeDocument/2006/relationships" xmlns:p="http://schemas.openxmlformats.org/presentationml/2006/main">
+  <p:cSld>
+    <p:spTree>
+      <p:nvGrpSpPr>
+        <p:cNvPr id="1" name=""/>
+        <p:cNvGrpSpPr/>
+        <p:nvPr/>
+      </p:nvGrpSpPr>
+      <p:grpSpPr>
+        <a:xfrm>
+          <a:off x="0" y="0"/>
+          <a:ext cx="0" cy="0"/>
+          <a:chOff x="0" y="0"/>
+          <a:chExt cx="0" cy="0"/>
+        </a:xfrm>
+      </p:grpSpPr>
+      <p:sp>
+        <p:nvSpPr>
+          <p:cNvPr id="2" name="Slide Image Placeholder 1"/>
+          <p:cNvSpPr>
+            <a:spLocks noGrp="1" noRot="1" noChangeAspect="1"/>
+          </p:cNvSpPr>
+          <p:nvPr>
+            <p:ph type="sldImg"/>
+          </p:nvPr>
+        </p:nvSpPr>
+        <p:spPr/>
+      </p:sp>
+      <p:sp>
+        <p:nvSpPr>
+          <p:cNvPr id="3" name="Notes Placeholder 2"/>
+          <p:cNvSpPr>
+            <a:spLocks noGrp="1"/>
+          </p:cNvSpPr>
+          <p:nvPr>
+            <p:ph type="body" idx="1"/>
+          </p:nvPr>
+        </p:nvSpPr>
+        <p:spPr/>
+        <p:txBody>
+          <a:bodyPr/>
+          <a:lstStyle/>
+          <a:p>
+            <a:pPr marL="0" marR="0" lvl="0" indent="0" algn="l" defTabSz="914400" rtl="0" eaLnBrk="1" fontAlgn="auto" latinLnBrk="0" hangingPunct="1">
+              <a:lnSpc>
+                <a:spcPct val="100000"/>
+              </a:lnSpc>
+              <a:spcBef>
+                <a:spcPts val="0"/>
+              </a:spcBef>
+              <a:spcAft>
+                <a:spcPts val="0"/>
+              </a:spcAft>
+              <a:buClrTx/>
+              <a:buSzTx/>
+              <a:buFontTx/>
+              <a:buNone/>
+              <a:tabLst/>
+              <a:defRPr/>
+            </a:pPr>
+            <a:r>
+              <a:rPr lang="en-CA" dirty="0"/>
+              <a:t>References:</a:t>
+            </a:r>
+          </a:p>
+          <a:p>
+            <a:pPr marL="0" marR="0" lvl="0" indent="0" algn="l" defTabSz="914400" rtl="0" eaLnBrk="1" fontAlgn="auto" latinLnBrk="0" hangingPunct="1">
+              <a:lnSpc>
+                <a:spcPct val="100000"/>
+              </a:lnSpc>
+              <a:spcBef>
+                <a:spcPts val="0"/>
+              </a:spcBef>
+              <a:spcAft>
+                <a:spcPts val="0"/>
+              </a:spcAft>
+              <a:buClrTx/>
+              <a:buSzTx/>
+              <a:buFontTx/>
+              <a:buNone/>
+              <a:tabLst/>
+              <a:defRPr/>
+            </a:pPr>
+            <a:endParaRPr lang="en-CA" dirty="0"/>
+          </a:p>
+          <a:p>
+            <a:r>
+              <a:rPr lang="en-CA" dirty="0"/>
+              <a:t>	</a:t>
+            </a:r>
+          </a:p>
+          <a:p>
+            <a:pPr>
+              <a:lnSpc>
+                <a:spcPct val="200000"/>
+              </a:lnSpc>
+            </a:pPr>
+            <a:r>
+              <a:rPr lang="en-CA" dirty="0"/>
+              <a:t>		</a:t>
+            </a:r>
+            <a:r>
+              <a:rPr lang="en-US" dirty="0">
+                <a:effectLst/>
+                <a:latin typeface="Arial" panose="020B0604020202020204" pitchFamily="34" charset="0"/>
+              </a:rPr>
+              <a:t>Zeitlin, R. N. (1984). Archeology and volcanism in Central America. Science, 226, 163+. https://link-gale-com.ezproxy.lakeheadu.ca/apps/doc/A3472821/AONE?u=ocul_lakehead&amp;sid=bookmark-	</a:t>
+            </a:r>
+            <a:r>
+              <a:rPr lang="en-US" dirty="0" err="1">
+                <a:effectLst/>
+                <a:latin typeface="Arial" panose="020B0604020202020204" pitchFamily="34" charset="0"/>
+              </a:rPr>
+              <a:t>AONE&amp;xid</a:t>
+            </a:r>
+            <a:r>
+              <a:rPr lang="en-US" dirty="0">
+                <a:effectLst/>
+                <a:latin typeface="Arial" panose="020B0604020202020204" pitchFamily="34" charset="0"/>
+              </a:rPr>
+              <a:t>=49347507</a:t>
+            </a:r>
+          </a:p>
+          <a:p>
+            <a:pPr>
+              <a:lnSpc>
+                <a:spcPct val="200000"/>
+              </a:lnSpc>
+            </a:pPr>
+            <a:endParaRPr lang="en-CA" dirty="0">
+              <a:effectLst/>
+              <a:latin typeface="Times New Roman" panose="02020603050405020304" pitchFamily="18" charset="0"/>
+            </a:endParaRPr>
+          </a:p>
+          <a:p>
+            <a:pPr>
+              <a:lnSpc>
+                <a:spcPct val="200000"/>
+              </a:lnSpc>
+            </a:pPr>
+            <a:r>
+              <a:rPr lang="en-CA" dirty="0">
+                <a:effectLst/>
+                <a:latin typeface="Times New Roman" panose="02020603050405020304" pitchFamily="18" charset="0"/>
+              </a:rPr>
+              <a:t>		Demarest, A. A,. (n.d.). The Collapse of The Classic Maya Kingdoms of the Southwestern </a:t>
+            </a:r>
+            <a:r>
+              <a:rPr lang="en-US" dirty="0">
+                <a:effectLst/>
+                <a:latin typeface="Times New Roman" panose="02020603050405020304" pitchFamily="18" charset="0"/>
+              </a:rPr>
+              <a:t>Petén: Implications for the End of Classic Maya Civilization.</a:t>
+            </a:r>
+            <a:r>
+              <a:rPr lang="en-US" i="1" dirty="0">
+                <a:effectLst/>
+                <a:latin typeface="Times New Roman" panose="02020603050405020304" pitchFamily="18" charset="0"/>
+              </a:rPr>
+              <a:t> </a:t>
+            </a:r>
+            <a:r>
+              <a:rPr lang="en-US" i="0" dirty="0">
+                <a:effectLst/>
+                <a:latin typeface="Times New Roman" panose="02020603050405020304" pitchFamily="18" charset="0"/>
+              </a:rPr>
+              <a:t>Vanderbilt University. 	</a:t>
+            </a:r>
+            <a:r>
+              <a:rPr lang="en-CA" dirty="0"/>
+              <a:t>https://www.mesoweb.com/publications/MMS/2_Demarest.pdf</a:t>
+            </a:r>
+          </a:p>
+          <a:p>
+            <a:pPr>
+              <a:lnSpc>
+                <a:spcPct val="200000"/>
+              </a:lnSpc>
+            </a:pPr>
+            <a:endParaRPr lang="en-CA" dirty="0"/>
+          </a:p>
+          <a:p>
+            <a:pPr>
+              <a:lnSpc>
+                <a:spcPct val="200000"/>
+              </a:lnSpc>
+            </a:pPr>
+            <a:r>
+              <a:rPr lang="en-CA" dirty="0"/>
+              <a:t>		(2018, Jan 30). Shifting trade routes may have led to Maya decline. Belize Travel Blog. https://belize-travel-blog.chaacreek.com/2012/05/shifting-trade-routes-may-have-led-to-maya-decline/</a:t>
+            </a:r>
+          </a:p>
+        </p:txBody>
+      </p:sp>
+      <p:sp>
+        <p:nvSpPr>
+          <p:cNvPr id="4" name="Slide Number Placeholder 3"/>
+          <p:cNvSpPr>
+            <a:spLocks noGrp="1"/>
+          </p:cNvSpPr>
+          <p:nvPr>
+            <p:ph type="sldNum" sz="quarter" idx="5"/>
+          </p:nvPr>
+        </p:nvSpPr>
+        <p:spPr/>
+        <p:txBody>
+          <a:bodyPr/>
+          <a:lstStyle/>
+          <a:p>
+            <a:fld id="{17DECE01-BA26-4AB4-9BFD-0DED85B459F8}" type="slidenum">
+              <a:rPr lang="en-CA" smtClean="0"/>
+              <a:t>20</a:t>
+            </a:fld>
+            <a:endParaRPr lang="en-CA"/>
+          </a:p>
+        </p:txBody>
+      </p:sp>
+    </p:spTree>
+    <p:extLst>
+      <p:ext uri="{BB962C8B-B14F-4D97-AF65-F5344CB8AC3E}">
+        <p14:creationId xmlns:p14="http://schemas.microsoft.com/office/powerpoint/2010/main" val="4104692192"/>
+      </p:ext>
+    </p:extLst>
+  </p:cSld>
+  <p:clrMapOvr>
+    <a:masterClrMapping/>
+  </p:clrMapOvr>
+</p:notes>
+</file>
+
+<file path=ppt/notesSlides/notesSlide21.xml><?xml version="1.0" encoding="utf-8"?>
+<p:notes xmlns:a="http://schemas.openxmlformats.org/drawingml/2006/main" xmlns:r="http://schemas.openxmlformats.org/officeDocument/2006/relationships" xmlns:p="http://schemas.openxmlformats.org/presentationml/2006/main">
+  <p:cSld>
+    <p:spTree>
+      <p:nvGrpSpPr>
+        <p:cNvPr id="1" name=""/>
+        <p:cNvGrpSpPr/>
+        <p:nvPr/>
+      </p:nvGrpSpPr>
+      <p:grpSpPr>
+        <a:xfrm>
+          <a:off x="0" y="0"/>
+          <a:ext cx="0" cy="0"/>
+          <a:chOff x="0" y="0"/>
+          <a:chExt cx="0" cy="0"/>
+        </a:xfrm>
+      </p:grpSpPr>
+      <p:sp>
+        <p:nvSpPr>
+          <p:cNvPr id="2" name="Slide Image Placeholder 1"/>
+          <p:cNvSpPr>
+            <a:spLocks noGrp="1" noRot="1" noChangeAspect="1"/>
+          </p:cNvSpPr>
+          <p:nvPr>
+            <p:ph type="sldImg"/>
+          </p:nvPr>
+        </p:nvSpPr>
+        <p:spPr/>
+      </p:sp>
+      <p:sp>
+        <p:nvSpPr>
+          <p:cNvPr id="3" name="Notes Placeholder 2"/>
+          <p:cNvSpPr>
+            <a:spLocks noGrp="1"/>
+          </p:cNvSpPr>
+          <p:nvPr>
+            <p:ph type="body" idx="1"/>
+          </p:nvPr>
+        </p:nvSpPr>
+        <p:spPr/>
+        <p:txBody>
+          <a:bodyPr/>
+          <a:lstStyle/>
+          <a:p>
+            <a:pPr marL="0" marR="0" lvl="0" indent="0" algn="l" defTabSz="914400" rtl="0" eaLnBrk="1" fontAlgn="auto" latinLnBrk="0" hangingPunct="1">
+              <a:lnSpc>
+                <a:spcPct val="100000"/>
+              </a:lnSpc>
+              <a:spcBef>
+                <a:spcPts val="0"/>
+              </a:spcBef>
+              <a:spcAft>
+                <a:spcPts val="0"/>
+              </a:spcAft>
+              <a:buClrTx/>
+              <a:buSzTx/>
+              <a:buFontTx/>
+              <a:buNone/>
+              <a:tabLst/>
+              <a:defRPr/>
+            </a:pPr>
+            <a:r>
+              <a:rPr lang="en-CA" dirty="0"/>
+              <a:t>References:</a:t>
+            </a:r>
+          </a:p>
+          <a:p>
+            <a:pPr marL="0" marR="0" lvl="0" indent="0" algn="l" defTabSz="914400" rtl="0" eaLnBrk="1" fontAlgn="auto" latinLnBrk="0" hangingPunct="1">
+              <a:lnSpc>
+                <a:spcPct val="100000"/>
+              </a:lnSpc>
+              <a:spcBef>
+                <a:spcPts val="0"/>
+              </a:spcBef>
+              <a:spcAft>
+                <a:spcPts val="0"/>
+              </a:spcAft>
+              <a:buClrTx/>
+              <a:buSzTx/>
+              <a:buFontTx/>
+              <a:buNone/>
+              <a:tabLst/>
+              <a:defRPr/>
+            </a:pPr>
+            <a:r>
+              <a:rPr lang="en-CA" dirty="0"/>
+              <a:t>	</a:t>
+            </a:r>
+          </a:p>
+          <a:p>
+            <a:pPr marL="0" marR="0" lvl="0" indent="0" algn="l" defTabSz="914400" rtl="0" eaLnBrk="1" fontAlgn="auto" latinLnBrk="0" hangingPunct="1">
+              <a:lnSpc>
+                <a:spcPct val="100000"/>
+              </a:lnSpc>
+              <a:spcBef>
+                <a:spcPts val="0"/>
+              </a:spcBef>
+              <a:spcAft>
+                <a:spcPts val="0"/>
+              </a:spcAft>
+              <a:buClrTx/>
+              <a:buSzTx/>
+              <a:buFontTx/>
+              <a:buNone/>
+              <a:tabLst/>
+              <a:defRPr/>
+            </a:pPr>
+            <a:r>
+              <a:rPr lang="en-CA" dirty="0"/>
+              <a:t>	</a:t>
+            </a:r>
+          </a:p>
+        </p:txBody>
+      </p:sp>
+      <p:sp>
+        <p:nvSpPr>
+          <p:cNvPr id="4" name="Slide Number Placeholder 3"/>
+          <p:cNvSpPr>
+            <a:spLocks noGrp="1"/>
+          </p:cNvSpPr>
+          <p:nvPr>
+            <p:ph type="sldNum" sz="quarter" idx="5"/>
+          </p:nvPr>
+        </p:nvSpPr>
+        <p:spPr/>
+        <p:txBody>
+          <a:bodyPr/>
+          <a:lstStyle/>
+          <a:p>
+            <a:fld id="{17DECE01-BA26-4AB4-9BFD-0DED85B459F8}" type="slidenum">
+              <a:rPr lang="en-CA" smtClean="0"/>
+              <a:t>21</a:t>
+            </a:fld>
+            <a:endParaRPr lang="en-CA"/>
+          </a:p>
+        </p:txBody>
+      </p:sp>
+    </p:spTree>
+    <p:extLst>
+      <p:ext uri="{BB962C8B-B14F-4D97-AF65-F5344CB8AC3E}">
+        <p14:creationId xmlns:p14="http://schemas.microsoft.com/office/powerpoint/2010/main" val="3319042363"/>
+      </p:ext>
+    </p:extLst>
+  </p:cSld>
+  <p:clrMapOvr>
+    <a:masterClrMapping/>
+  </p:clrMapOvr>
+</p:notes>
+</file>
+
+<file path=ppt/notesSlides/notesSlide22.xml><?xml version="1.0" encoding="utf-8"?>
+<p:notes xmlns:a="http://schemas.openxmlformats.org/drawingml/2006/main" xmlns:r="http://schemas.openxmlformats.org/officeDocument/2006/relationships" xmlns:p="http://schemas.openxmlformats.org/presentationml/2006/main">
+  <p:cSld>
+    <p:spTree>
+      <p:nvGrpSpPr>
+        <p:cNvPr id="1" name=""/>
+        <p:cNvGrpSpPr/>
+        <p:nvPr/>
+      </p:nvGrpSpPr>
+      <p:grpSpPr>
+        <a:xfrm>
+          <a:off x="0" y="0"/>
+          <a:ext cx="0" cy="0"/>
+          <a:chOff x="0" y="0"/>
+          <a:chExt cx="0" cy="0"/>
+        </a:xfrm>
+      </p:grpSpPr>
+      <p:sp>
+        <p:nvSpPr>
+          <p:cNvPr id="2" name="Slide Image Placeholder 1"/>
+          <p:cNvSpPr>
+            <a:spLocks noGrp="1" noRot="1" noChangeAspect="1"/>
+          </p:cNvSpPr>
+          <p:nvPr>
+            <p:ph type="sldImg"/>
+          </p:nvPr>
+        </p:nvSpPr>
+        <p:spPr/>
+      </p:sp>
+      <p:sp>
+        <p:nvSpPr>
+          <p:cNvPr id="3" name="Notes Placeholder 2"/>
+          <p:cNvSpPr>
+            <a:spLocks noGrp="1"/>
+          </p:cNvSpPr>
+          <p:nvPr>
+            <p:ph type="body" idx="1"/>
+          </p:nvPr>
+        </p:nvSpPr>
+        <p:spPr/>
+        <p:txBody>
+          <a:bodyPr/>
+          <a:lstStyle/>
+          <a:p>
+            <a:pPr marL="0" marR="0" lvl="0" indent="0" algn="l" defTabSz="914400" rtl="0" eaLnBrk="1" fontAlgn="auto" latinLnBrk="0" hangingPunct="1">
+              <a:lnSpc>
+                <a:spcPct val="100000"/>
+              </a:lnSpc>
+              <a:spcBef>
+                <a:spcPts val="0"/>
+              </a:spcBef>
+              <a:spcAft>
+                <a:spcPts val="0"/>
+              </a:spcAft>
+              <a:buClrTx/>
+              <a:buSzTx/>
+              <a:buFontTx/>
+              <a:buNone/>
+              <a:tabLst/>
+              <a:defRPr/>
+            </a:pPr>
+            <a:r>
+              <a:rPr lang="en-CA" dirty="0"/>
+              <a:t>References:</a:t>
+            </a:r>
+          </a:p>
+          <a:p>
+            <a:pPr marL="0" marR="0" lvl="0" indent="0" algn="l" defTabSz="914400" rtl="0" eaLnBrk="1" fontAlgn="auto" latinLnBrk="0" hangingPunct="1">
+              <a:lnSpc>
+                <a:spcPct val="100000"/>
+              </a:lnSpc>
+              <a:spcBef>
+                <a:spcPts val="0"/>
+              </a:spcBef>
+              <a:spcAft>
+                <a:spcPts val="0"/>
+              </a:spcAft>
+              <a:buClrTx/>
+              <a:buSzTx/>
+              <a:buFontTx/>
+              <a:buNone/>
+              <a:tabLst/>
+              <a:defRPr/>
+            </a:pPr>
+            <a:endParaRPr lang="en-CA" dirty="0"/>
+          </a:p>
+          <a:p>
+            <a:endParaRPr lang="en-CA" dirty="0"/>
+          </a:p>
+          <a:p>
+            <a:endParaRPr lang="en-CA" dirty="0"/>
+          </a:p>
+        </p:txBody>
+      </p:sp>
+      <p:sp>
+        <p:nvSpPr>
+          <p:cNvPr id="4" name="Slide Number Placeholder 3"/>
+          <p:cNvSpPr>
+            <a:spLocks noGrp="1"/>
+          </p:cNvSpPr>
+          <p:nvPr>
+            <p:ph type="sldNum" sz="quarter" idx="5"/>
+          </p:nvPr>
+        </p:nvSpPr>
+        <p:spPr/>
+        <p:txBody>
+          <a:bodyPr/>
+          <a:lstStyle/>
+          <a:p>
+            <a:fld id="{17DECE01-BA26-4AB4-9BFD-0DED85B459F8}" type="slidenum">
+              <a:rPr lang="en-CA" smtClean="0"/>
+              <a:t>22</a:t>
+            </a:fld>
+            <a:endParaRPr lang="en-CA"/>
+          </a:p>
+        </p:txBody>
+      </p:sp>
+    </p:spTree>
+    <p:extLst>
+      <p:ext uri="{BB962C8B-B14F-4D97-AF65-F5344CB8AC3E}">
+        <p14:creationId xmlns:p14="http://schemas.microsoft.com/office/powerpoint/2010/main" val="2885337203"/>
       </p:ext>
     </p:extLst>
   </p:cSld>
@@ -3622,7 +4663,7 @@
           <a:p>
             <a:fld id="{E70B44F4-EB80-4661-B4DA-9317950D61AC}" type="datetimeFigureOut">
               <a:rPr lang="en-CA" smtClean="0"/>
-              <a:t>2023-03-24</a:t>
+              <a:t>2023-03-28</a:t>
             </a:fld>
             <a:endParaRPr lang="en-CA"/>
           </a:p>
@@ -3822,7 +4863,7 @@
           <a:p>
             <a:fld id="{E70B44F4-EB80-4661-B4DA-9317950D61AC}" type="datetimeFigureOut">
               <a:rPr lang="en-CA" smtClean="0"/>
-              <a:t>2023-03-24</a:t>
+              <a:t>2023-03-28</a:t>
             </a:fld>
             <a:endParaRPr lang="en-CA"/>
           </a:p>
@@ -4032,7 +5073,7 @@
           <a:p>
             <a:fld id="{E70B44F4-EB80-4661-B4DA-9317950D61AC}" type="datetimeFigureOut">
               <a:rPr lang="en-CA" smtClean="0"/>
-              <a:t>2023-03-24</a:t>
+              <a:t>2023-03-28</a:t>
             </a:fld>
             <a:endParaRPr lang="en-CA"/>
           </a:p>
@@ -4232,7 +5273,7 @@
           <a:p>
             <a:fld id="{E70B44F4-EB80-4661-B4DA-9317950D61AC}" type="datetimeFigureOut">
               <a:rPr lang="en-CA" smtClean="0"/>
-              <a:t>2023-03-24</a:t>
+              <a:t>2023-03-28</a:t>
             </a:fld>
             <a:endParaRPr lang="en-CA"/>
           </a:p>
@@ -4508,7 +5549,7 @@
           <a:p>
             <a:fld id="{E70B44F4-EB80-4661-B4DA-9317950D61AC}" type="datetimeFigureOut">
               <a:rPr lang="en-CA" smtClean="0"/>
-              <a:t>2023-03-24</a:t>
+              <a:t>2023-03-28</a:t>
             </a:fld>
             <a:endParaRPr lang="en-CA"/>
           </a:p>
@@ -4776,7 +5817,7 @@
           <a:p>
             <a:fld id="{E70B44F4-EB80-4661-B4DA-9317950D61AC}" type="datetimeFigureOut">
               <a:rPr lang="en-CA" smtClean="0"/>
-              <a:t>2023-03-24</a:t>
+              <a:t>2023-03-28</a:t>
             </a:fld>
             <a:endParaRPr lang="en-CA"/>
           </a:p>
@@ -5191,7 +6232,7 @@
           <a:p>
             <a:fld id="{E70B44F4-EB80-4661-B4DA-9317950D61AC}" type="datetimeFigureOut">
               <a:rPr lang="en-CA" smtClean="0"/>
-              <a:t>2023-03-24</a:t>
+              <a:t>2023-03-28</a:t>
             </a:fld>
             <a:endParaRPr lang="en-CA"/>
           </a:p>
@@ -5333,7 +6374,7 @@
           <a:p>
             <a:fld id="{E70B44F4-EB80-4661-B4DA-9317950D61AC}" type="datetimeFigureOut">
               <a:rPr lang="en-CA" smtClean="0"/>
-              <a:t>2023-03-24</a:t>
+              <a:t>2023-03-28</a:t>
             </a:fld>
             <a:endParaRPr lang="en-CA"/>
           </a:p>
@@ -5446,7 +6487,7 @@
           <a:p>
             <a:fld id="{E70B44F4-EB80-4661-B4DA-9317950D61AC}" type="datetimeFigureOut">
               <a:rPr lang="en-CA" smtClean="0"/>
-              <a:t>2023-03-24</a:t>
+              <a:t>2023-03-28</a:t>
             </a:fld>
             <a:endParaRPr lang="en-CA"/>
           </a:p>
@@ -5759,7 +6800,7 @@
           <a:p>
             <a:fld id="{E70B44F4-EB80-4661-B4DA-9317950D61AC}" type="datetimeFigureOut">
               <a:rPr lang="en-CA" smtClean="0"/>
-              <a:t>2023-03-24</a:t>
+              <a:t>2023-03-28</a:t>
             </a:fld>
             <a:endParaRPr lang="en-CA"/>
           </a:p>
@@ -6048,7 +7089,7 @@
           <a:p>
             <a:fld id="{E70B44F4-EB80-4661-B4DA-9317950D61AC}" type="datetimeFigureOut">
               <a:rPr lang="en-CA" smtClean="0"/>
-              <a:t>2023-03-24</a:t>
+              <a:t>2023-03-28</a:t>
             </a:fld>
             <a:endParaRPr lang="en-CA"/>
           </a:p>
@@ -6291,7 +7332,7 @@
           <a:p>
             <a:fld id="{E70B44F4-EB80-4661-B4DA-9317950D61AC}" type="datetimeFigureOut">
               <a:rPr lang="en-CA" smtClean="0"/>
-              <a:t>2023-03-24</a:t>
+              <a:t>2023-03-28</a:t>
             </a:fld>
             <a:endParaRPr lang="en-CA"/>
           </a:p>
@@ -16140,7 +17181,7 @@
         </p:nvSpPr>
         <p:spPr>
           <a:xfrm>
-            <a:off x="6228658" y="861848"/>
+            <a:off x="6228658" y="741326"/>
             <a:ext cx="5963342" cy="5547929"/>
           </a:xfrm>
           <a:prstGeom prst="rect">
@@ -16192,7 +17233,7 @@
                 <a:latin typeface="Times New Roman" panose="02020603050405020304" pitchFamily="18" charset="0"/>
                 <a:cs typeface="Times New Roman" panose="02020603050405020304" pitchFamily="18" charset="0"/>
               </a:rPr>
-              <a:t> centuries, as that is when the main contributing factor – long and intense droughts - occurred most often. Additionally, our discussion will involve the contributions of military losses, volcanic activity, and generally poor climate conditions. </a:t>
+              <a:t> centuries, as that is when the main contributing factor – long and intense droughts - occurred most often. Additionally, our discussion will involve the contributions of military losses, the collapse of trade routes and generally poor climate conditions. </a:t>
             </a:r>
             <a:endParaRPr lang="en-CA" dirty="0">
               <a:latin typeface="Times New Roman" panose="02020603050405020304" pitchFamily="18" charset="0"/>
@@ -17570,8 +18611,8 @@
           </a:p>
         </p:txBody>
       </p:sp>
-      <mc:AlternateContent xmlns:mc="http://schemas.openxmlformats.org/markup-compatibility/2006" xmlns:p14="http://schemas.microsoft.com/office/powerpoint/2010/main">
-        <mc:Choice Requires="p14">
+      <mc:AlternateContent xmlns:mc="http://schemas.openxmlformats.org/markup-compatibility/2006">
+        <mc:Choice xmlns:p14="http://schemas.microsoft.com/office/powerpoint/2010/main" Requires="p14">
           <p:contentPart p14:bwMode="auto" r:id="rId3">
             <p14:nvContentPartPr>
               <p14:cNvPr id="2" name="Ink 1">
@@ -17590,7 +18631,7 @@
             </p14:xfrm>
           </p:contentPart>
         </mc:Choice>
-        <mc:Fallback xmlns="">
+        <mc:Fallback>
           <p:pic>
             <p:nvPicPr>
               <p:cNvPr id="2" name="Ink 1">
@@ -17666,10 +18707,10 @@
       </p:sp>
       <p:sp>
         <p:nvSpPr>
-          <p:cNvPr id="4" name="TextBox 3">
+          <p:cNvPr id="10" name="TextBox 9">
             <a:extLst>
               <a:ext uri="{FF2B5EF4-FFF2-40B4-BE49-F238E27FC236}">
-                <a16:creationId xmlns:a16="http://schemas.microsoft.com/office/drawing/2014/main" id="{1B79DB45-DAD1-43D7-8495-CDDA1293365E}"/>
+                <a16:creationId xmlns:a16="http://schemas.microsoft.com/office/drawing/2014/main" id="{0D2F4D0D-036B-E583-8CA9-D2714B6761EF}"/>
               </a:ext>
             </a:extLst>
           </p:cNvPr>
@@ -17678,8 +18719,8 @@
         </p:nvSpPr>
         <p:spPr>
           <a:xfrm>
-            <a:off x="6167063" y="568745"/>
-            <a:ext cx="5892279" cy="3831818"/>
+            <a:off x="6326508" y="551006"/>
+            <a:ext cx="5865492" cy="6107249"/>
           </a:xfrm>
           <a:prstGeom prst="rect">
             <a:avLst/>
@@ -17692,57 +18733,59 @@
           </a:bodyPr>
           <a:lstStyle/>
           <a:p>
-            <a:pPr>
+            <a:pPr lvl="1">
               <a:lnSpc>
-                <a:spcPct val="150000"/>
+                <a:spcPct val="200000"/>
               </a:lnSpc>
             </a:pPr>
             <a:r>
-              <a:rPr lang="en-US" dirty="0"/>
-              <a:t>	As a starting point, the first factor we will consider is foreign invasions. Building on our earlier discussion about the southern Maya lowlands, archeological evidence in the 20</a:t>
+              <a:rPr lang="en-US" dirty="0">
+                <a:latin typeface="Times New Roman" panose="02020603050405020304" pitchFamily="18" charset="0"/>
+                <a:cs typeface="Times New Roman" panose="02020603050405020304" pitchFamily="18" charset="0"/>
+              </a:rPr>
+              <a:t>	 The first factor we will consider as a starting point is the collapse of trade routes. Building on our earlier discussion about the southern and northern Maya lowlands, archeological evidence in the 20</a:t>
             </a:r>
             <a:r>
-              <a:rPr lang="en-US" baseline="30000" dirty="0"/>
+              <a:rPr lang="en-US" baseline="30000" dirty="0">
+                <a:latin typeface="Times New Roman" panose="02020603050405020304" pitchFamily="18" charset="0"/>
+                <a:cs typeface="Times New Roman" panose="02020603050405020304" pitchFamily="18" charset="0"/>
+              </a:rPr>
               <a:t>th</a:t>
             </a:r>
             <a:r>
-              <a:rPr lang="en-US" dirty="0"/>
+              <a:rPr lang="en-US" dirty="0">
+                <a:latin typeface="Times New Roman" panose="02020603050405020304" pitchFamily="18" charset="0"/>
+                <a:cs typeface="Times New Roman" panose="02020603050405020304" pitchFamily="18" charset="0"/>
+              </a:rPr>
               <a:t> and 21</a:t>
             </a:r>
             <a:r>
-              <a:rPr lang="en-US" baseline="30000" dirty="0"/>
+              <a:rPr lang="en-US" baseline="30000" dirty="0">
+                <a:latin typeface="Times New Roman" panose="02020603050405020304" pitchFamily="18" charset="0"/>
+                <a:cs typeface="Times New Roman" panose="02020603050405020304" pitchFamily="18" charset="0"/>
+              </a:rPr>
               <a:t>st</a:t>
             </a:r>
             <a:r>
-              <a:rPr lang="en-US" dirty="0"/>
-              <a:t> centuries brought forth evidence of a new civilization, the Toltec, invading and conquering large amounts of territory starting in the 9</a:t>
+              <a:rPr lang="en-US" dirty="0">
+                <a:latin typeface="Times New Roman" panose="02020603050405020304" pitchFamily="18" charset="0"/>
+                <a:cs typeface="Times New Roman" panose="02020603050405020304" pitchFamily="18" charset="0"/>
+              </a:rPr>
+              <a:t> centuries uncovered sites of pottery and stone tools in the Maya lowlands, dating back to the Classic Period. Analysis of these tools and sediment revealed trade networks in these areas, where the Maya would exchange exotic goods and obsidian, their main tool material. As seen on the diagram, elaborate trade networks were established over inland water bodies. </a:t>
             </a:r>
-            <a:r>
-              <a:rPr lang="en-US" baseline="30000" dirty="0"/>
-              <a:t>th</a:t>
-            </a:r>
-            <a:r>
-              <a:rPr lang="en-US" dirty="0"/>
-              <a:t> century, when the Terminal Classic Period began. </a:t>
-            </a:r>
-          </a:p>
-          <a:p>
-            <a:endParaRPr lang="en-US" dirty="0"/>
-          </a:p>
-          <a:p>
-            <a:r>
-              <a:rPr lang="en-US" dirty="0"/>
-              <a:t>https://en.wikipedia.org/wiki/Classic_Maya_collapse#Foreign_invasion</a:t>
-            </a:r>
+            <a:endParaRPr lang="en-CA" dirty="0">
+              <a:latin typeface="Times New Roman" panose="02020603050405020304" pitchFamily="18" charset="0"/>
+              <a:cs typeface="Times New Roman" panose="02020603050405020304" pitchFamily="18" charset="0"/>
+            </a:endParaRPr>
           </a:p>
         </p:txBody>
       </p:sp>
       <p:pic>
         <p:nvPicPr>
-          <p:cNvPr id="9" name="Picture 8">
+          <p:cNvPr id="5" name="Picture 4">
             <a:extLst>
               <a:ext uri="{FF2B5EF4-FFF2-40B4-BE49-F238E27FC236}">
-                <a16:creationId xmlns:a16="http://schemas.microsoft.com/office/drawing/2014/main" id="{300CA3E3-4879-1F12-C149-6F69859A1113}"/>
+                <a16:creationId xmlns:a16="http://schemas.microsoft.com/office/drawing/2014/main" id="{1299ABAB-76D8-04D5-2C0C-B0D27FF5FA7D}"/>
               </a:ext>
             </a:extLst>
           </p:cNvPr>
@@ -17759,8 +18802,8 @@
         </p:blipFill>
         <p:spPr>
           <a:xfrm>
-            <a:off x="0" y="979597"/>
-            <a:ext cx="5610225" cy="4562475"/>
+            <a:off x="0" y="0"/>
+            <a:ext cx="6326508" cy="6858000"/>
           </a:xfrm>
           <a:prstGeom prst="rect">
             <a:avLst/>
@@ -17770,7 +18813,7 @@
     </p:spTree>
     <p:extLst>
       <p:ext uri="{BB962C8B-B14F-4D97-AF65-F5344CB8AC3E}">
-        <p14:creationId xmlns:p14="http://schemas.microsoft.com/office/powerpoint/2010/main" val="486354501"/>
+        <p14:creationId xmlns:p14="http://schemas.microsoft.com/office/powerpoint/2010/main" val="146353813"/>
       </p:ext>
     </p:extLst>
   </p:cSld>
@@ -19196,10 +20239,10 @@
       </p:sp>
       <p:sp>
         <p:nvSpPr>
-          <p:cNvPr id="4" name="TextBox 3">
+          <p:cNvPr id="10" name="TextBox 9">
             <a:extLst>
               <a:ext uri="{FF2B5EF4-FFF2-40B4-BE49-F238E27FC236}">
-                <a16:creationId xmlns:a16="http://schemas.microsoft.com/office/drawing/2014/main" id="{1B79DB45-DAD1-43D7-8495-CDDA1293365E}"/>
+                <a16:creationId xmlns:a16="http://schemas.microsoft.com/office/drawing/2014/main" id="{0D2F4D0D-036B-E583-8CA9-D2714B6761EF}"/>
               </a:ext>
             </a:extLst>
           </p:cNvPr>
@@ -19208,8 +20251,8 @@
         </p:nvSpPr>
         <p:spPr>
           <a:xfrm>
-            <a:off x="6167063" y="568745"/>
-            <a:ext cx="5892279" cy="880369"/>
+            <a:off x="6326508" y="487943"/>
+            <a:ext cx="5865492" cy="5547929"/>
           </a:xfrm>
           <a:prstGeom prst="rect">
             <a:avLst/>
@@ -19222,27 +20265,22 @@
           </a:bodyPr>
           <a:lstStyle/>
           <a:p>
-            <a:pPr>
+            <a:pPr lvl="1">
               <a:lnSpc>
-                <a:spcPct val="150000"/>
+                <a:spcPct val="200000"/>
               </a:lnSpc>
             </a:pPr>
             <a:r>
-              <a:rPr lang="en-US" dirty="0"/>
-              <a:t>	Over time, the Toltecs battled their way into the heart of the Maya civilization, in </a:t>
+              <a:rPr lang="en-US" dirty="0">
+                <a:latin typeface="Times New Roman" panose="02020603050405020304" pitchFamily="18" charset="0"/>
+                <a:cs typeface="Times New Roman" panose="02020603050405020304" pitchFamily="18" charset="0"/>
+              </a:rPr>
+              <a:t>	Because the main material resource used by the Maya for tools and power procurement by Maya elites, researchers at the University of Illinois traced the movement of obsidian through sediment analysis. They discovered the trade of obsidian and other materials declined as trade routes were shifted from inland river networks to coastal networks. As inland trade centers decreased, the reliance on coastal trade networks increased, depriving many key Maya inland cities and sites of needed resources. </a:t>
             </a:r>
-            <a:r>
-              <a:rPr lang="en-US" dirty="0" err="1"/>
-              <a:t>Yucat</a:t>
-            </a:r>
-            <a:r>
-              <a:rPr lang="en-CA" dirty="0"/>
-              <a:t>á</a:t>
-            </a:r>
-            <a:r>
-              <a:rPr lang="en-US" dirty="0"/>
-              <a:t>n. </a:t>
-            </a:r>
+            <a:endParaRPr lang="en-CA" dirty="0">
+              <a:latin typeface="Times New Roman" panose="02020603050405020304" pitchFamily="18" charset="0"/>
+              <a:cs typeface="Times New Roman" panose="02020603050405020304" pitchFamily="18" charset="0"/>
+            </a:endParaRPr>
           </a:p>
         </p:txBody>
       </p:sp>
@@ -19251,7 +20289,7 @@
           <p:cNvPr id="5" name="Picture 4">
             <a:extLst>
               <a:ext uri="{FF2B5EF4-FFF2-40B4-BE49-F238E27FC236}">
-                <a16:creationId xmlns:a16="http://schemas.microsoft.com/office/drawing/2014/main" id="{EC0F3BDA-03B8-0973-5E31-998E6959AE51}"/>
+                <a16:creationId xmlns:a16="http://schemas.microsoft.com/office/drawing/2014/main" id="{1299ABAB-76D8-04D5-2C0C-B0D27FF5FA7D}"/>
               </a:ext>
             </a:extLst>
           </p:cNvPr>
@@ -19268,8 +20306,8 @@
         </p:blipFill>
         <p:spPr>
           <a:xfrm>
-            <a:off x="0" y="1046437"/>
-            <a:ext cx="5591175" cy="4533900"/>
+            <a:off x="0" y="0"/>
+            <a:ext cx="6326508" cy="6858000"/>
           </a:xfrm>
           <a:prstGeom prst="rect">
             <a:avLst/>
@@ -19279,7 +20317,1518 @@
     </p:spTree>
     <p:extLst>
       <p:ext uri="{BB962C8B-B14F-4D97-AF65-F5344CB8AC3E}">
-        <p14:creationId xmlns:p14="http://schemas.microsoft.com/office/powerpoint/2010/main" val="798813789"/>
+        <p14:creationId xmlns:p14="http://schemas.microsoft.com/office/powerpoint/2010/main" val="1322803156"/>
+      </p:ext>
+    </p:extLst>
+  </p:cSld>
+  <p:clrMapOvr>
+    <a:masterClrMapping/>
+  </p:clrMapOvr>
+</p:sld>
+</file>
+
+<file path=ppt/slides/slide19.xml><?xml version="1.0" encoding="utf-8"?>
+<p:sld xmlns:a="http://schemas.openxmlformats.org/drawingml/2006/main" xmlns:r="http://schemas.openxmlformats.org/officeDocument/2006/relationships" xmlns:p="http://schemas.openxmlformats.org/presentationml/2006/main">
+  <p:cSld>
+    <p:bg>
+      <p:bgPr>
+        <a:solidFill>
+          <a:schemeClr val="bg1"/>
+        </a:solidFill>
+        <a:effectLst/>
+      </p:bgPr>
+    </p:bg>
+    <p:spTree>
+      <p:nvGrpSpPr>
+        <p:cNvPr id="1" name=""/>
+        <p:cNvGrpSpPr/>
+        <p:nvPr/>
+      </p:nvGrpSpPr>
+      <p:grpSpPr>
+        <a:xfrm>
+          <a:off x="0" y="0"/>
+          <a:ext cx="0" cy="0"/>
+          <a:chOff x="0" y="0"/>
+          <a:chExt cx="0" cy="0"/>
+        </a:xfrm>
+      </p:grpSpPr>
+      <p:sp useBgFill="1">
+        <p:nvSpPr>
+          <p:cNvPr id="32" name="Rectangle 28">
+            <a:extLst>
+              <a:ext uri="{FF2B5EF4-FFF2-40B4-BE49-F238E27FC236}">
+                <a16:creationId xmlns:a16="http://schemas.microsoft.com/office/drawing/2014/main" id="{C7F55EAC-550A-4BDD-9099-3F20B8FA0EBC}"/>
+              </a:ext>
+              <a:ext uri="{C183D7F6-B498-43B3-948B-1728B52AA6E4}">
+                <adec:decorative xmlns:adec="http://schemas.microsoft.com/office/drawing/2017/decorative" val="1"/>
+              </a:ext>
+            </a:extLst>
+          </p:cNvPr>
+          <p:cNvSpPr>
+            <a:spLocks noGrp="1" noRot="1" noChangeAspect="1" noMove="1" noResize="1" noEditPoints="1" noAdjustHandles="1" noChangeArrowheads="1" noChangeShapeType="1" noTextEdit="1"/>
+          </p:cNvSpPr>
+          <p:nvPr>
+            <p:extLst>
+              <p:ext uri="{386F3935-93C4-4BCD-93E2-E3B085C9AB24}">
+                <p16:designElem xmlns:p16="http://schemas.microsoft.com/office/powerpoint/2015/main" val="1"/>
+              </p:ext>
+            </p:extLst>
+          </p:nvPr>
+        </p:nvSpPr>
+        <p:spPr>
+          <a:xfrm>
+            <a:off x="0" y="0"/>
+            <a:ext cx="12192000" cy="6858000"/>
+          </a:xfrm>
+          <a:prstGeom prst="rect">
+            <a:avLst/>
+          </a:prstGeom>
+          <a:ln>
+            <a:noFill/>
+          </a:ln>
+        </p:spPr>
+        <p:style>
+          <a:lnRef idx="2">
+            <a:schemeClr val="accent1">
+              <a:shade val="50000"/>
+            </a:schemeClr>
+          </a:lnRef>
+          <a:fillRef idx="1">
+            <a:schemeClr val="accent1"/>
+          </a:fillRef>
+          <a:effectRef idx="0">
+            <a:schemeClr val="accent1"/>
+          </a:effectRef>
+          <a:fontRef idx="minor">
+            <a:schemeClr val="lt1"/>
+          </a:fontRef>
+        </p:style>
+        <p:txBody>
+          <a:bodyPr rtlCol="0" anchor="ctr"/>
+          <a:lstStyle/>
+          <a:p>
+            <a:pPr algn="ctr"/>
+            <a:endParaRPr lang="en-US"/>
+          </a:p>
+        </p:txBody>
+      </p:sp>
+      <p:sp>
+        <p:nvSpPr>
+          <p:cNvPr id="31" name="Freeform: Shape 30">
+            <a:extLst>
+              <a:ext uri="{FF2B5EF4-FFF2-40B4-BE49-F238E27FC236}">
+                <a16:creationId xmlns:a16="http://schemas.microsoft.com/office/drawing/2014/main" id="{DC4F5A5F-493F-49AE-89B6-D5AF5EBC8B0E}"/>
+              </a:ext>
+              <a:ext uri="{C183D7F6-B498-43B3-948B-1728B52AA6E4}">
+                <adec:decorative xmlns:adec="http://schemas.microsoft.com/office/drawing/2017/decorative" val="1"/>
+              </a:ext>
+            </a:extLst>
+          </p:cNvPr>
+          <p:cNvSpPr>
+            <a:spLocks noGrp="1" noRot="1" noChangeAspect="1" noMove="1" noResize="1" noEditPoints="1" noAdjustHandles="1" noChangeArrowheads="1" noChangeShapeType="1" noTextEdit="1"/>
+          </p:cNvSpPr>
+          <p:nvPr>
+            <p:extLst>
+              <p:ext uri="{386F3935-93C4-4BCD-93E2-E3B085C9AB24}">
+                <p16:designElem xmlns:p16="http://schemas.microsoft.com/office/powerpoint/2015/main" val="1"/>
+              </p:ext>
+            </p:extLst>
+          </p:nvPr>
+        </p:nvSpPr>
+        <p:spPr>
+          <a:xfrm>
+            <a:off x="0" y="0"/>
+            <a:ext cx="12192000" cy="6858000"/>
+          </a:xfrm>
+          <a:custGeom>
+            <a:avLst/>
+            <a:gdLst>
+              <a:gd name="connsiteX0" fmla="*/ 6724001 w 12192000"/>
+              <a:gd name="connsiteY0" fmla="*/ 434021 h 6858000"/>
+              <a:gd name="connsiteX1" fmla="*/ 6471155 w 12192000"/>
+              <a:gd name="connsiteY1" fmla="*/ 434599 h 6858000"/>
+              <a:gd name="connsiteX2" fmla="*/ 5384913 w 12192000"/>
+              <a:gd name="connsiteY2" fmla="*/ 497971 h 6858000"/>
+              <a:gd name="connsiteX3" fmla="*/ 4818280 w 12192000"/>
+              <a:gd name="connsiteY3" fmla="*/ 541802 h 6858000"/>
+              <a:gd name="connsiteX4" fmla="*/ 3965428 w 12192000"/>
+              <a:gd name="connsiteY4" fmla="*/ 675942 h 6858000"/>
+              <a:gd name="connsiteX5" fmla="*/ 3699528 w 12192000"/>
+              <a:gd name="connsiteY5" fmla="*/ 770472 h 6858000"/>
+              <a:gd name="connsiteX6" fmla="*/ 3438854 w 12192000"/>
+              <a:gd name="connsiteY6" fmla="*/ 834899 h 6858000"/>
+              <a:gd name="connsiteX7" fmla="*/ 3367443 w 12192000"/>
+              <a:gd name="connsiteY7" fmla="*/ 893518 h 6858000"/>
+              <a:gd name="connsiteX8" fmla="*/ 3467301 w 12192000"/>
+              <a:gd name="connsiteY8" fmla="*/ 953722 h 6858000"/>
+              <a:gd name="connsiteX9" fmla="*/ 3889955 w 12192000"/>
+              <a:gd name="connsiteY9" fmla="*/ 977486 h 6858000"/>
+              <a:gd name="connsiteX10" fmla="*/ 3502135 w 12192000"/>
+              <a:gd name="connsiteY10" fmla="*/ 1054062 h 6858000"/>
+              <a:gd name="connsiteX11" fmla="*/ 4072832 w 12192000"/>
+              <a:gd name="connsiteY11" fmla="*/ 1017622 h 6858000"/>
+              <a:gd name="connsiteX12" fmla="*/ 4244099 w 12192000"/>
+              <a:gd name="connsiteY12" fmla="*/ 1030825 h 6858000"/>
+              <a:gd name="connsiteX13" fmla="*/ 4095475 w 12192000"/>
+              <a:gd name="connsiteY13" fmla="*/ 1092084 h 6858000"/>
+              <a:gd name="connsiteX14" fmla="*/ 3327386 w 12192000"/>
+              <a:gd name="connsiteY14" fmla="*/ 1215660 h 6858000"/>
+              <a:gd name="connsiteX15" fmla="*/ 3254813 w 12192000"/>
+              <a:gd name="connsiteY15" fmla="*/ 1226749 h 6858000"/>
+              <a:gd name="connsiteX16" fmla="*/ 2776427 w 12192000"/>
+              <a:gd name="connsiteY16" fmla="*/ 1401552 h 6858000"/>
+              <a:gd name="connsiteX17" fmla="*/ 3063226 w 12192000"/>
+              <a:gd name="connsiteY17" fmla="*/ 1384124 h 6858000"/>
+              <a:gd name="connsiteX18" fmla="*/ 2754945 w 12192000"/>
+              <a:gd name="connsiteY18" fmla="*/ 1495025 h 6858000"/>
+              <a:gd name="connsiteX19" fmla="*/ 2381061 w 12192000"/>
+              <a:gd name="connsiteY19" fmla="*/ 1619658 h 6858000"/>
+              <a:gd name="connsiteX20" fmla="*/ 2008336 w 12192000"/>
+              <a:gd name="connsiteY20" fmla="*/ 1814527 h 6858000"/>
+              <a:gd name="connsiteX21" fmla="*/ 1740695 w 12192000"/>
+              <a:gd name="connsiteY21" fmla="*/ 1914337 h 6858000"/>
+              <a:gd name="connsiteX22" fmla="*/ 1787720 w 12192000"/>
+              <a:gd name="connsiteY22" fmla="*/ 1991970 h 6858000"/>
+              <a:gd name="connsiteX23" fmla="*/ 1754048 w 12192000"/>
+              <a:gd name="connsiteY23" fmla="*/ 2078049 h 6858000"/>
+              <a:gd name="connsiteX24" fmla="*/ 2228951 w 12192000"/>
+              <a:gd name="connsiteY24" fmla="*/ 1996721 h 6858000"/>
+              <a:gd name="connsiteX25" fmla="*/ 2054781 w 12192000"/>
+              <a:gd name="connsiteY25" fmla="*/ 2053228 h 6858000"/>
+              <a:gd name="connsiteX26" fmla="*/ 1985693 w 12192000"/>
+              <a:gd name="connsiteY26" fmla="*/ 2109207 h 6858000"/>
+              <a:gd name="connsiteX27" fmla="*/ 2061168 w 12192000"/>
+              <a:gd name="connsiteY27" fmla="*/ 2130859 h 6858000"/>
+              <a:gd name="connsiteX28" fmla="*/ 2388026 w 12192000"/>
+              <a:gd name="connsiteY28" fmla="*/ 2184726 h 6858000"/>
+              <a:gd name="connsiteX29" fmla="*/ 1560719 w 12192000"/>
+              <a:gd name="connsiteY29" fmla="*/ 2384876 h 6858000"/>
+              <a:gd name="connsiteX30" fmla="*/ 1679734 w 12192000"/>
+              <a:gd name="connsiteY30" fmla="*/ 2400191 h 6858000"/>
+              <a:gd name="connsiteX31" fmla="*/ 2882089 w 12192000"/>
+              <a:gd name="connsiteY31" fmla="*/ 2383292 h 6858000"/>
+              <a:gd name="connsiteX32" fmla="*/ 3116638 w 12192000"/>
+              <a:gd name="connsiteY32" fmla="*/ 2359528 h 6858000"/>
+              <a:gd name="connsiteX33" fmla="*/ 2897765 w 12192000"/>
+              <a:gd name="connsiteY33" fmla="*/ 2758243 h 6858000"/>
+              <a:gd name="connsiteX34" fmla="*/ 2981367 w 12192000"/>
+              <a:gd name="connsiteY34" fmla="*/ 2829008 h 6858000"/>
+              <a:gd name="connsiteX35" fmla="*/ 2682955 w 12192000"/>
+              <a:gd name="connsiteY35" fmla="*/ 2846436 h 6858000"/>
+              <a:gd name="connsiteX36" fmla="*/ 2099485 w 12192000"/>
+              <a:gd name="connsiteY36" fmla="*/ 3066653 h 6858000"/>
+              <a:gd name="connsiteX37" fmla="*/ 1807460 w 12192000"/>
+              <a:gd name="connsiteY37" fmla="*/ 3454808 h 6858000"/>
+              <a:gd name="connsiteX38" fmla="*/ 1921251 w 12192000"/>
+              <a:gd name="connsiteY38" fmla="*/ 3540889 h 6858000"/>
+              <a:gd name="connsiteX39" fmla="*/ 1453313 w 12192000"/>
+              <a:gd name="connsiteY39" fmla="*/ 3637002 h 6858000"/>
+              <a:gd name="connsiteX40" fmla="*/ 1686122 w 12192000"/>
+              <a:gd name="connsiteY40" fmla="*/ 3667634 h 6858000"/>
+              <a:gd name="connsiteX41" fmla="*/ 1513692 w 12192000"/>
+              <a:gd name="connsiteY41" fmla="*/ 3725196 h 6858000"/>
+              <a:gd name="connsiteX42" fmla="*/ 1369711 w 12192000"/>
+              <a:gd name="connsiteY42" fmla="*/ 3826063 h 6858000"/>
+              <a:gd name="connsiteX43" fmla="*/ 2051298 w 12192000"/>
+              <a:gd name="connsiteY43" fmla="*/ 3754242 h 6858000"/>
+              <a:gd name="connsiteX44" fmla="*/ 2245207 w 12192000"/>
+              <a:gd name="connsiteY44" fmla="*/ 3797018 h 6858000"/>
+              <a:gd name="connsiteX45" fmla="*/ 2353192 w 12192000"/>
+              <a:gd name="connsiteY45" fmla="*/ 3796489 h 6858000"/>
+              <a:gd name="connsiteX46" fmla="*/ 2490207 w 12192000"/>
+              <a:gd name="connsiteY46" fmla="*/ 3801242 h 6858000"/>
+              <a:gd name="connsiteX47" fmla="*/ 2375835 w 12192000"/>
+              <a:gd name="connsiteY47" fmla="*/ 3839794 h 6858000"/>
+              <a:gd name="connsiteX48" fmla="*/ 2522138 w 12192000"/>
+              <a:gd name="connsiteY48" fmla="*/ 4009841 h 6858000"/>
+              <a:gd name="connsiteX49" fmla="*/ 1998466 w 12192000"/>
+              <a:gd name="connsiteY49" fmla="*/ 4130778 h 6858000"/>
+              <a:gd name="connsiteX50" fmla="*/ 2114580 w 12192000"/>
+              <a:gd name="connsiteY50" fmla="*/ 4154543 h 6858000"/>
+              <a:gd name="connsiteX51" fmla="*/ 2177862 w 12192000"/>
+              <a:gd name="connsiteY51" fmla="*/ 4189925 h 6858000"/>
+              <a:gd name="connsiteX52" fmla="*/ 1868419 w 12192000"/>
+              <a:gd name="connsiteY52" fmla="*/ 4382153 h 6858000"/>
+              <a:gd name="connsiteX53" fmla="*/ 2279460 w 12192000"/>
+              <a:gd name="connsiteY53" fmla="*/ 4356805 h 6858000"/>
+              <a:gd name="connsiteX54" fmla="*/ 2029817 w 12192000"/>
+              <a:gd name="connsiteY54" fmla="*/ 4468235 h 6858000"/>
+              <a:gd name="connsiteX55" fmla="*/ 1560137 w 12192000"/>
+              <a:gd name="connsiteY55" fmla="*/ 4730172 h 6858000"/>
+              <a:gd name="connsiteX56" fmla="*/ 1956664 w 12192000"/>
+              <a:gd name="connsiteY56" fmla="*/ 4820477 h 6858000"/>
+              <a:gd name="connsiteX57" fmla="*/ 3268168 w 12192000"/>
+              <a:gd name="connsiteY57" fmla="*/ 4852692 h 6858000"/>
+              <a:gd name="connsiteX58" fmla="*/ 2807197 w 12192000"/>
+              <a:gd name="connsiteY58" fmla="*/ 4939300 h 6858000"/>
+              <a:gd name="connsiteX59" fmla="*/ 2721272 w 12192000"/>
+              <a:gd name="connsiteY59" fmla="*/ 4970458 h 6858000"/>
+              <a:gd name="connsiteX60" fmla="*/ 2802552 w 12192000"/>
+              <a:gd name="connsiteY60" fmla="*/ 5014291 h 6858000"/>
+              <a:gd name="connsiteX61" fmla="*/ 2537812 w 12192000"/>
+              <a:gd name="connsiteY61" fmla="*/ 5053898 h 6858000"/>
+              <a:gd name="connsiteX62" fmla="*/ 2569744 w 12192000"/>
+              <a:gd name="connsiteY62" fmla="*/ 5153182 h 6858000"/>
+              <a:gd name="connsiteX63" fmla="*/ 1987436 w 12192000"/>
+              <a:gd name="connsiteY63" fmla="*/ 5334320 h 6858000"/>
+              <a:gd name="connsiteX64" fmla="*/ 1972921 w 12192000"/>
+              <a:gd name="connsiteY64" fmla="*/ 5382376 h 6858000"/>
+              <a:gd name="connsiteX65" fmla="*/ 2341001 w 12192000"/>
+              <a:gd name="connsiteY65" fmla="*/ 5360725 h 6858000"/>
+              <a:gd name="connsiteX66" fmla="*/ 2710822 w 12192000"/>
+              <a:gd name="connsiteY66" fmla="*/ 5418816 h 6858000"/>
+              <a:gd name="connsiteX67" fmla="*/ 2833903 w 12192000"/>
+              <a:gd name="connsiteY67" fmla="*/ 5413007 h 6858000"/>
+              <a:gd name="connsiteX68" fmla="*/ 3011556 w 12192000"/>
+              <a:gd name="connsiteY68" fmla="*/ 5399276 h 6858000"/>
+              <a:gd name="connsiteX69" fmla="*/ 3254233 w 12192000"/>
+              <a:gd name="connsiteY69" fmla="*/ 5439412 h 6858000"/>
+              <a:gd name="connsiteX70" fmla="*/ 2792101 w 12192000"/>
+              <a:gd name="connsiteY70" fmla="*/ 5471625 h 6858000"/>
+              <a:gd name="connsiteX71" fmla="*/ 2977303 w 12192000"/>
+              <a:gd name="connsiteY71" fmla="*/ 5539751 h 6858000"/>
+              <a:gd name="connsiteX72" fmla="*/ 3656566 w 12192000"/>
+              <a:gd name="connsiteY72" fmla="*/ 5678642 h 6858000"/>
+              <a:gd name="connsiteX73" fmla="*/ 4858340 w 12192000"/>
+              <a:gd name="connsiteY73" fmla="*/ 5969625 h 6858000"/>
+              <a:gd name="connsiteX74" fmla="*/ 5296668 w 12192000"/>
+              <a:gd name="connsiteY74" fmla="*/ 6043559 h 6858000"/>
+              <a:gd name="connsiteX75" fmla="*/ 5456323 w 12192000"/>
+              <a:gd name="connsiteY75" fmla="*/ 6042502 h 6858000"/>
+              <a:gd name="connsiteX76" fmla="*/ 5267058 w 12192000"/>
+              <a:gd name="connsiteY76" fmla="*/ 6100066 h 6858000"/>
+              <a:gd name="connsiteX77" fmla="*/ 7095266 w 12192000"/>
+              <a:gd name="connsiteY77" fmla="*/ 6287541 h 6858000"/>
+              <a:gd name="connsiteX78" fmla="*/ 9707235 w 12192000"/>
+              <a:gd name="connsiteY78" fmla="*/ 5994446 h 6858000"/>
+              <a:gd name="connsiteX79" fmla="*/ 10083442 w 12192000"/>
+              <a:gd name="connsiteY79" fmla="*/ 5678642 h 6858000"/>
+              <a:gd name="connsiteX80" fmla="*/ 10338892 w 12192000"/>
+              <a:gd name="connsiteY80" fmla="*/ 4650957 h 6858000"/>
+              <a:gd name="connsiteX81" fmla="*/ 10628013 w 12192000"/>
+              <a:gd name="connsiteY81" fmla="*/ 4411198 h 6858000"/>
+              <a:gd name="connsiteX82" fmla="*/ 10802766 w 12192000"/>
+              <a:gd name="connsiteY82" fmla="*/ 4258050 h 6858000"/>
+              <a:gd name="connsiteX83" fmla="*/ 10614662 w 12192000"/>
+              <a:gd name="connsiteY83" fmla="*/ 4150318 h 6858000"/>
+              <a:gd name="connsiteX84" fmla="*/ 10681427 w 12192000"/>
+              <a:gd name="connsiteY84" fmla="*/ 4054203 h 6858000"/>
+              <a:gd name="connsiteX85" fmla="*/ 10520029 w 12192000"/>
+              <a:gd name="connsiteY85" fmla="*/ 3804411 h 6858000"/>
+              <a:gd name="connsiteX86" fmla="*/ 10568798 w 12192000"/>
+              <a:gd name="connsiteY86" fmla="*/ 3466426 h 6858000"/>
+              <a:gd name="connsiteX87" fmla="*/ 10499709 w 12192000"/>
+              <a:gd name="connsiteY87" fmla="*/ 3166465 h 6858000"/>
+              <a:gd name="connsiteX88" fmla="*/ 10489840 w 12192000"/>
+              <a:gd name="connsiteY88" fmla="*/ 2546475 h 6858000"/>
+              <a:gd name="connsiteX89" fmla="*/ 10584471 w 12192000"/>
+              <a:gd name="connsiteY89" fmla="*/ 2512148 h 6858000"/>
+              <a:gd name="connsiteX90" fmla="*/ 10695942 w 12192000"/>
+              <a:gd name="connsiteY90" fmla="*/ 2358471 h 6858000"/>
+              <a:gd name="connsiteX91" fmla="*/ 10732516 w 12192000"/>
+              <a:gd name="connsiteY91" fmla="*/ 2287706 h 6858000"/>
+              <a:gd name="connsiteX92" fmla="*/ 10731357 w 12192000"/>
+              <a:gd name="connsiteY92" fmla="*/ 2137725 h 6858000"/>
+              <a:gd name="connsiteX93" fmla="*/ 10678525 w 12192000"/>
+              <a:gd name="connsiteY93" fmla="*/ 2070656 h 6858000"/>
+              <a:gd name="connsiteX94" fmla="*/ 10735999 w 12192000"/>
+              <a:gd name="connsiteY94" fmla="*/ 1956587 h 6858000"/>
+              <a:gd name="connsiteX95" fmla="*/ 10824246 w 12192000"/>
+              <a:gd name="connsiteY95" fmla="*/ 1862584 h 6858000"/>
+              <a:gd name="connsiteX96" fmla="*/ 10773156 w 12192000"/>
+              <a:gd name="connsiteY96" fmla="*/ 1768054 h 6858000"/>
+              <a:gd name="connsiteX97" fmla="*/ 10716261 w 12192000"/>
+              <a:gd name="connsiteY97" fmla="*/ 1678278 h 6858000"/>
+              <a:gd name="connsiteX98" fmla="*/ 10554864 w 12192000"/>
+              <a:gd name="connsiteY98" fmla="*/ 1477599 h 6858000"/>
+              <a:gd name="connsiteX99" fmla="*/ 10267483 w 12192000"/>
+              <a:gd name="connsiteY99" fmla="*/ 1324977 h 6858000"/>
+              <a:gd name="connsiteX100" fmla="*/ 9913337 w 12192000"/>
+              <a:gd name="connsiteY100" fmla="*/ 1202458 h 6858000"/>
+              <a:gd name="connsiteX101" fmla="*/ 10024805 w 12192000"/>
+              <a:gd name="connsiteY101" fmla="*/ 1124827 h 6858000"/>
+              <a:gd name="connsiteX102" fmla="*/ 9411726 w 12192000"/>
+              <a:gd name="connsiteY102" fmla="*/ 980655 h 6858000"/>
+              <a:gd name="connsiteX103" fmla="*/ 9930753 w 12192000"/>
+              <a:gd name="connsiteY103" fmla="*/ 901968 h 6858000"/>
+              <a:gd name="connsiteX104" fmla="*/ 9894178 w 12192000"/>
+              <a:gd name="connsiteY104" fmla="*/ 871339 h 6858000"/>
+              <a:gd name="connsiteX105" fmla="*/ 9858182 w 12192000"/>
+              <a:gd name="connsiteY105" fmla="*/ 839125 h 6858000"/>
+              <a:gd name="connsiteX106" fmla="*/ 10131050 w 12192000"/>
+              <a:gd name="connsiteY106" fmla="*/ 792652 h 6858000"/>
+              <a:gd name="connsiteX107" fmla="*/ 10006808 w 12192000"/>
+              <a:gd name="connsiteY107" fmla="*/ 731920 h 6858000"/>
+              <a:gd name="connsiteX108" fmla="*/ 10233809 w 12192000"/>
+              <a:gd name="connsiteY108" fmla="*/ 710268 h 6858000"/>
+              <a:gd name="connsiteX109" fmla="*/ 10267483 w 12192000"/>
+              <a:gd name="connsiteY109" fmla="*/ 628940 h 6858000"/>
+              <a:gd name="connsiteX110" fmla="*/ 10136275 w 12192000"/>
+              <a:gd name="connsiteY110" fmla="*/ 589333 h 6858000"/>
+              <a:gd name="connsiteX111" fmla="*/ 9131312 w 12192000"/>
+              <a:gd name="connsiteY111" fmla="*/ 480544 h 6858000"/>
+              <a:gd name="connsiteX112" fmla="*/ 7479600 w 12192000"/>
+              <a:gd name="connsiteY112" fmla="*/ 454667 h 6858000"/>
+              <a:gd name="connsiteX113" fmla="*/ 6724001 w 12192000"/>
+              <a:gd name="connsiteY113" fmla="*/ 434021 h 6858000"/>
+              <a:gd name="connsiteX114" fmla="*/ 0 w 12192000"/>
+              <a:gd name="connsiteY114" fmla="*/ 0 h 6858000"/>
+              <a:gd name="connsiteX115" fmla="*/ 12192000 w 12192000"/>
+              <a:gd name="connsiteY115" fmla="*/ 0 h 6858000"/>
+              <a:gd name="connsiteX116" fmla="*/ 12192000 w 12192000"/>
+              <a:gd name="connsiteY116" fmla="*/ 6858000 h 6858000"/>
+              <a:gd name="connsiteX117" fmla="*/ 0 w 12192000"/>
+              <a:gd name="connsiteY117" fmla="*/ 6858000 h 6858000"/>
+            </a:gdLst>
+            <a:ahLst/>
+            <a:cxnLst>
+              <a:cxn ang="0">
+                <a:pos x="connsiteX0" y="connsiteY0"/>
+              </a:cxn>
+              <a:cxn ang="0">
+                <a:pos x="connsiteX1" y="connsiteY1"/>
+              </a:cxn>
+              <a:cxn ang="0">
+                <a:pos x="connsiteX2" y="connsiteY2"/>
+              </a:cxn>
+              <a:cxn ang="0">
+                <a:pos x="connsiteX3" y="connsiteY3"/>
+              </a:cxn>
+              <a:cxn ang="0">
+                <a:pos x="connsiteX4" y="connsiteY4"/>
+              </a:cxn>
+              <a:cxn ang="0">
+                <a:pos x="connsiteX5" y="connsiteY5"/>
+              </a:cxn>
+              <a:cxn ang="0">
+                <a:pos x="connsiteX6" y="connsiteY6"/>
+              </a:cxn>
+              <a:cxn ang="0">
+                <a:pos x="connsiteX7" y="connsiteY7"/>
+              </a:cxn>
+              <a:cxn ang="0">
+                <a:pos x="connsiteX8" y="connsiteY8"/>
+              </a:cxn>
+              <a:cxn ang="0">
+                <a:pos x="connsiteX9" y="connsiteY9"/>
+              </a:cxn>
+              <a:cxn ang="0">
+                <a:pos x="connsiteX10" y="connsiteY10"/>
+              </a:cxn>
+              <a:cxn ang="0">
+                <a:pos x="connsiteX11" y="connsiteY11"/>
+              </a:cxn>
+              <a:cxn ang="0">
+                <a:pos x="connsiteX12" y="connsiteY12"/>
+              </a:cxn>
+              <a:cxn ang="0">
+                <a:pos x="connsiteX13" y="connsiteY13"/>
+              </a:cxn>
+              <a:cxn ang="0">
+                <a:pos x="connsiteX14" y="connsiteY14"/>
+              </a:cxn>
+              <a:cxn ang="0">
+                <a:pos x="connsiteX15" y="connsiteY15"/>
+              </a:cxn>
+              <a:cxn ang="0">
+                <a:pos x="connsiteX16" y="connsiteY16"/>
+              </a:cxn>
+              <a:cxn ang="0">
+                <a:pos x="connsiteX17" y="connsiteY17"/>
+              </a:cxn>
+              <a:cxn ang="0">
+                <a:pos x="connsiteX18" y="connsiteY18"/>
+              </a:cxn>
+              <a:cxn ang="0">
+                <a:pos x="connsiteX19" y="connsiteY19"/>
+              </a:cxn>
+              <a:cxn ang="0">
+                <a:pos x="connsiteX20" y="connsiteY20"/>
+              </a:cxn>
+              <a:cxn ang="0">
+                <a:pos x="connsiteX21" y="connsiteY21"/>
+              </a:cxn>
+              <a:cxn ang="0">
+                <a:pos x="connsiteX22" y="connsiteY22"/>
+              </a:cxn>
+              <a:cxn ang="0">
+                <a:pos x="connsiteX23" y="connsiteY23"/>
+              </a:cxn>
+              <a:cxn ang="0">
+                <a:pos x="connsiteX24" y="connsiteY24"/>
+              </a:cxn>
+              <a:cxn ang="0">
+                <a:pos x="connsiteX25" y="connsiteY25"/>
+              </a:cxn>
+              <a:cxn ang="0">
+                <a:pos x="connsiteX26" y="connsiteY26"/>
+              </a:cxn>
+              <a:cxn ang="0">
+                <a:pos x="connsiteX27" y="connsiteY27"/>
+              </a:cxn>
+              <a:cxn ang="0">
+                <a:pos x="connsiteX28" y="connsiteY28"/>
+              </a:cxn>
+              <a:cxn ang="0">
+                <a:pos x="connsiteX29" y="connsiteY29"/>
+              </a:cxn>
+              <a:cxn ang="0">
+                <a:pos x="connsiteX30" y="connsiteY30"/>
+              </a:cxn>
+              <a:cxn ang="0">
+                <a:pos x="connsiteX31" y="connsiteY31"/>
+              </a:cxn>
+              <a:cxn ang="0">
+                <a:pos x="connsiteX32" y="connsiteY32"/>
+              </a:cxn>
+              <a:cxn ang="0">
+                <a:pos x="connsiteX33" y="connsiteY33"/>
+              </a:cxn>
+              <a:cxn ang="0">
+                <a:pos x="connsiteX34" y="connsiteY34"/>
+              </a:cxn>
+              <a:cxn ang="0">
+                <a:pos x="connsiteX35" y="connsiteY35"/>
+              </a:cxn>
+              <a:cxn ang="0">
+                <a:pos x="connsiteX36" y="connsiteY36"/>
+              </a:cxn>
+              <a:cxn ang="0">
+                <a:pos x="connsiteX37" y="connsiteY37"/>
+              </a:cxn>
+              <a:cxn ang="0">
+                <a:pos x="connsiteX38" y="connsiteY38"/>
+              </a:cxn>
+              <a:cxn ang="0">
+                <a:pos x="connsiteX39" y="connsiteY39"/>
+              </a:cxn>
+              <a:cxn ang="0">
+                <a:pos x="connsiteX40" y="connsiteY40"/>
+              </a:cxn>
+              <a:cxn ang="0">
+                <a:pos x="connsiteX41" y="connsiteY41"/>
+              </a:cxn>
+              <a:cxn ang="0">
+                <a:pos x="connsiteX42" y="connsiteY42"/>
+              </a:cxn>
+              <a:cxn ang="0">
+                <a:pos x="connsiteX43" y="connsiteY43"/>
+              </a:cxn>
+              <a:cxn ang="0">
+                <a:pos x="connsiteX44" y="connsiteY44"/>
+              </a:cxn>
+              <a:cxn ang="0">
+                <a:pos x="connsiteX45" y="connsiteY45"/>
+              </a:cxn>
+              <a:cxn ang="0">
+                <a:pos x="connsiteX46" y="connsiteY46"/>
+              </a:cxn>
+              <a:cxn ang="0">
+                <a:pos x="connsiteX47" y="connsiteY47"/>
+              </a:cxn>
+              <a:cxn ang="0">
+                <a:pos x="connsiteX48" y="connsiteY48"/>
+              </a:cxn>
+              <a:cxn ang="0">
+                <a:pos x="connsiteX49" y="connsiteY49"/>
+              </a:cxn>
+              <a:cxn ang="0">
+                <a:pos x="connsiteX50" y="connsiteY50"/>
+              </a:cxn>
+              <a:cxn ang="0">
+                <a:pos x="connsiteX51" y="connsiteY51"/>
+              </a:cxn>
+              <a:cxn ang="0">
+                <a:pos x="connsiteX52" y="connsiteY52"/>
+              </a:cxn>
+              <a:cxn ang="0">
+                <a:pos x="connsiteX53" y="connsiteY53"/>
+              </a:cxn>
+              <a:cxn ang="0">
+                <a:pos x="connsiteX54" y="connsiteY54"/>
+              </a:cxn>
+              <a:cxn ang="0">
+                <a:pos x="connsiteX55" y="connsiteY55"/>
+              </a:cxn>
+              <a:cxn ang="0">
+                <a:pos x="connsiteX56" y="connsiteY56"/>
+              </a:cxn>
+              <a:cxn ang="0">
+                <a:pos x="connsiteX57" y="connsiteY57"/>
+              </a:cxn>
+              <a:cxn ang="0">
+                <a:pos x="connsiteX58" y="connsiteY58"/>
+              </a:cxn>
+              <a:cxn ang="0">
+                <a:pos x="connsiteX59" y="connsiteY59"/>
+              </a:cxn>
+              <a:cxn ang="0">
+                <a:pos x="connsiteX60" y="connsiteY60"/>
+              </a:cxn>
+              <a:cxn ang="0">
+                <a:pos x="connsiteX61" y="connsiteY61"/>
+              </a:cxn>
+              <a:cxn ang="0">
+                <a:pos x="connsiteX62" y="connsiteY62"/>
+              </a:cxn>
+              <a:cxn ang="0">
+                <a:pos x="connsiteX63" y="connsiteY63"/>
+              </a:cxn>
+              <a:cxn ang="0">
+                <a:pos x="connsiteX64" y="connsiteY64"/>
+              </a:cxn>
+              <a:cxn ang="0">
+                <a:pos x="connsiteX65" y="connsiteY65"/>
+              </a:cxn>
+              <a:cxn ang="0">
+                <a:pos x="connsiteX66" y="connsiteY66"/>
+              </a:cxn>
+              <a:cxn ang="0">
+                <a:pos x="connsiteX67" y="connsiteY67"/>
+              </a:cxn>
+              <a:cxn ang="0">
+                <a:pos x="connsiteX68" y="connsiteY68"/>
+              </a:cxn>
+              <a:cxn ang="0">
+                <a:pos x="connsiteX69" y="connsiteY69"/>
+              </a:cxn>
+              <a:cxn ang="0">
+                <a:pos x="connsiteX70" y="connsiteY70"/>
+              </a:cxn>
+              <a:cxn ang="0">
+                <a:pos x="connsiteX71" y="connsiteY71"/>
+              </a:cxn>
+              <a:cxn ang="0">
+                <a:pos x="connsiteX72" y="connsiteY72"/>
+              </a:cxn>
+              <a:cxn ang="0">
+                <a:pos x="connsiteX73" y="connsiteY73"/>
+              </a:cxn>
+              <a:cxn ang="0">
+                <a:pos x="connsiteX74" y="connsiteY74"/>
+              </a:cxn>
+              <a:cxn ang="0">
+                <a:pos x="connsiteX75" y="connsiteY75"/>
+              </a:cxn>
+              <a:cxn ang="0">
+                <a:pos x="connsiteX76" y="connsiteY76"/>
+              </a:cxn>
+              <a:cxn ang="0">
+                <a:pos x="connsiteX77" y="connsiteY77"/>
+              </a:cxn>
+              <a:cxn ang="0">
+                <a:pos x="connsiteX78" y="connsiteY78"/>
+              </a:cxn>
+              <a:cxn ang="0">
+                <a:pos x="connsiteX79" y="connsiteY79"/>
+              </a:cxn>
+              <a:cxn ang="0">
+                <a:pos x="connsiteX80" y="connsiteY80"/>
+              </a:cxn>
+              <a:cxn ang="0">
+                <a:pos x="connsiteX81" y="connsiteY81"/>
+              </a:cxn>
+              <a:cxn ang="0">
+                <a:pos x="connsiteX82" y="connsiteY82"/>
+              </a:cxn>
+              <a:cxn ang="0">
+                <a:pos x="connsiteX83" y="connsiteY83"/>
+              </a:cxn>
+              <a:cxn ang="0">
+                <a:pos x="connsiteX84" y="connsiteY84"/>
+              </a:cxn>
+              <a:cxn ang="0">
+                <a:pos x="connsiteX85" y="connsiteY85"/>
+              </a:cxn>
+              <a:cxn ang="0">
+                <a:pos x="connsiteX86" y="connsiteY86"/>
+              </a:cxn>
+              <a:cxn ang="0">
+                <a:pos x="connsiteX87" y="connsiteY87"/>
+              </a:cxn>
+              <a:cxn ang="0">
+                <a:pos x="connsiteX88" y="connsiteY88"/>
+              </a:cxn>
+              <a:cxn ang="0">
+                <a:pos x="connsiteX89" y="connsiteY89"/>
+              </a:cxn>
+              <a:cxn ang="0">
+                <a:pos x="connsiteX90" y="connsiteY90"/>
+              </a:cxn>
+              <a:cxn ang="0">
+                <a:pos x="connsiteX91" y="connsiteY91"/>
+              </a:cxn>
+              <a:cxn ang="0">
+                <a:pos x="connsiteX92" y="connsiteY92"/>
+              </a:cxn>
+              <a:cxn ang="0">
+                <a:pos x="connsiteX93" y="connsiteY93"/>
+              </a:cxn>
+              <a:cxn ang="0">
+                <a:pos x="connsiteX94" y="connsiteY94"/>
+              </a:cxn>
+              <a:cxn ang="0">
+                <a:pos x="connsiteX95" y="connsiteY95"/>
+              </a:cxn>
+              <a:cxn ang="0">
+                <a:pos x="connsiteX96" y="connsiteY96"/>
+              </a:cxn>
+              <a:cxn ang="0">
+                <a:pos x="connsiteX97" y="connsiteY97"/>
+              </a:cxn>
+              <a:cxn ang="0">
+                <a:pos x="connsiteX98" y="connsiteY98"/>
+              </a:cxn>
+              <a:cxn ang="0">
+                <a:pos x="connsiteX99" y="connsiteY99"/>
+              </a:cxn>
+              <a:cxn ang="0">
+                <a:pos x="connsiteX100" y="connsiteY100"/>
+              </a:cxn>
+              <a:cxn ang="0">
+                <a:pos x="connsiteX101" y="connsiteY101"/>
+              </a:cxn>
+              <a:cxn ang="0">
+                <a:pos x="connsiteX102" y="connsiteY102"/>
+              </a:cxn>
+              <a:cxn ang="0">
+                <a:pos x="connsiteX103" y="connsiteY103"/>
+              </a:cxn>
+              <a:cxn ang="0">
+                <a:pos x="connsiteX104" y="connsiteY104"/>
+              </a:cxn>
+              <a:cxn ang="0">
+                <a:pos x="connsiteX105" y="connsiteY105"/>
+              </a:cxn>
+              <a:cxn ang="0">
+                <a:pos x="connsiteX106" y="connsiteY106"/>
+              </a:cxn>
+              <a:cxn ang="0">
+                <a:pos x="connsiteX107" y="connsiteY107"/>
+              </a:cxn>
+              <a:cxn ang="0">
+                <a:pos x="connsiteX108" y="connsiteY108"/>
+              </a:cxn>
+              <a:cxn ang="0">
+                <a:pos x="connsiteX109" y="connsiteY109"/>
+              </a:cxn>
+              <a:cxn ang="0">
+                <a:pos x="connsiteX110" y="connsiteY110"/>
+              </a:cxn>
+              <a:cxn ang="0">
+                <a:pos x="connsiteX111" y="connsiteY111"/>
+              </a:cxn>
+              <a:cxn ang="0">
+                <a:pos x="connsiteX112" y="connsiteY112"/>
+              </a:cxn>
+              <a:cxn ang="0">
+                <a:pos x="connsiteX113" y="connsiteY113"/>
+              </a:cxn>
+              <a:cxn ang="0">
+                <a:pos x="connsiteX114" y="connsiteY114"/>
+              </a:cxn>
+              <a:cxn ang="0">
+                <a:pos x="connsiteX115" y="connsiteY115"/>
+              </a:cxn>
+              <a:cxn ang="0">
+                <a:pos x="connsiteX116" y="connsiteY116"/>
+              </a:cxn>
+              <a:cxn ang="0">
+                <a:pos x="connsiteX117" y="connsiteY117"/>
+              </a:cxn>
+            </a:cxnLst>
+            <a:rect l="l" t="t" r="r" b="b"/>
+            <a:pathLst>
+              <a:path w="12192000" h="6858000">
+                <a:moveTo>
+                  <a:pt x="6724001" y="434021"/>
+                </a:moveTo>
+                <a:cubicBezTo>
+                  <a:pt x="6639882" y="433113"/>
+                  <a:pt x="6555627" y="433147"/>
+                  <a:pt x="6471155" y="434599"/>
+                </a:cubicBezTo>
+                <a:cubicBezTo>
+                  <a:pt x="6109461" y="440937"/>
+                  <a:pt x="5748349" y="439351"/>
+                  <a:pt x="5384913" y="497971"/>
+                </a:cubicBezTo>
+                <a:cubicBezTo>
+                  <a:pt x="5199132" y="528072"/>
+                  <a:pt x="5005803" y="518038"/>
+                  <a:pt x="4818280" y="541802"/>
+                </a:cubicBezTo>
+                <a:cubicBezTo>
+                  <a:pt x="4532641" y="578242"/>
+                  <a:pt x="4247003" y="621019"/>
+                  <a:pt x="3965428" y="675942"/>
+                </a:cubicBezTo>
+                <a:cubicBezTo>
+                  <a:pt x="3877181" y="693369"/>
+                  <a:pt x="3768034" y="703930"/>
+                  <a:pt x="3699528" y="770472"/>
+                </a:cubicBezTo>
+                <a:cubicBezTo>
+                  <a:pt x="3590961" y="728224"/>
+                  <a:pt x="3523617" y="807966"/>
+                  <a:pt x="3438854" y="834899"/>
+                </a:cubicBezTo>
+                <a:cubicBezTo>
+                  <a:pt x="3405761" y="845462"/>
+                  <a:pt x="3362218" y="860248"/>
+                  <a:pt x="3367443" y="893518"/>
+                </a:cubicBezTo>
+                <a:cubicBezTo>
+                  <a:pt x="3372089" y="935238"/>
+                  <a:pt x="3420855" y="962172"/>
+                  <a:pt x="3467301" y="953722"/>
+                </a:cubicBezTo>
+                <a:cubicBezTo>
+                  <a:pt x="3611863" y="927317"/>
+                  <a:pt x="3741328" y="986464"/>
+                  <a:pt x="3889955" y="977486"/>
+                </a:cubicBezTo>
+                <a:cubicBezTo>
+                  <a:pt x="3760488" y="1002836"/>
+                  <a:pt x="3631601" y="1028713"/>
+                  <a:pt x="3502135" y="1054062"/>
+                </a:cubicBezTo>
+                <a:cubicBezTo>
+                  <a:pt x="3694303" y="1074129"/>
+                  <a:pt x="3883568" y="1038218"/>
+                  <a:pt x="4072832" y="1017622"/>
+                </a:cubicBezTo>
+                <a:cubicBezTo>
+                  <a:pt x="4133792" y="1011285"/>
+                  <a:pt x="4228424" y="962699"/>
+                  <a:pt x="4244099" y="1030825"/>
+                </a:cubicBezTo>
+                <a:cubicBezTo>
+                  <a:pt x="4254550" y="1076242"/>
+                  <a:pt x="4152951" y="1079410"/>
+                  <a:pt x="4095475" y="1092084"/>
+                </a:cubicBezTo>
+                <a:cubicBezTo>
+                  <a:pt x="3841766" y="1146479"/>
+                  <a:pt x="3583994" y="1178165"/>
+                  <a:pt x="3327386" y="1215660"/>
+                </a:cubicBezTo>
+                <a:cubicBezTo>
+                  <a:pt x="3303001" y="1219357"/>
+                  <a:pt x="3271070" y="1216188"/>
+                  <a:pt x="3254813" y="1226749"/>
+                </a:cubicBezTo>
+                <a:cubicBezTo>
+                  <a:pt x="3123605" y="1311774"/>
+                  <a:pt x="2957563" y="1339765"/>
+                  <a:pt x="2776427" y="1401552"/>
+                </a:cubicBezTo>
+                <a:cubicBezTo>
+                  <a:pt x="2890798" y="1430598"/>
+                  <a:pt x="2968012" y="1370921"/>
+                  <a:pt x="3063226" y="1384124"/>
+                </a:cubicBezTo>
+                <a:cubicBezTo>
+                  <a:pt x="2966272" y="1448024"/>
+                  <a:pt x="2853641" y="1460171"/>
+                  <a:pt x="2754945" y="1495025"/>
+                </a:cubicBezTo>
+                <a:cubicBezTo>
+                  <a:pt x="2684117" y="1519846"/>
+                  <a:pt x="2421119" y="1597477"/>
+                  <a:pt x="2381061" y="1619658"/>
+                </a:cubicBezTo>
+                <a:cubicBezTo>
+                  <a:pt x="2260302" y="1688311"/>
+                  <a:pt x="2107033" y="1720525"/>
+                  <a:pt x="2008336" y="1814527"/>
+                </a:cubicBezTo>
+                <a:cubicBezTo>
+                  <a:pt x="1938668" y="1880540"/>
+                  <a:pt x="1822554" y="1868393"/>
+                  <a:pt x="1740695" y="1914337"/>
+                </a:cubicBezTo>
+                <a:cubicBezTo>
+                  <a:pt x="1711667" y="1957642"/>
+                  <a:pt x="1767982" y="1968733"/>
+                  <a:pt x="1787720" y="1991970"/>
+                </a:cubicBezTo>
+                <a:cubicBezTo>
+                  <a:pt x="1813846" y="2023126"/>
+                  <a:pt x="1767401" y="2040555"/>
+                  <a:pt x="1754048" y="2078049"/>
+                </a:cubicBezTo>
+                <a:cubicBezTo>
+                  <a:pt x="1907898" y="2035802"/>
+                  <a:pt x="2054781" y="2010981"/>
+                  <a:pt x="2228951" y="1996721"/>
+                </a:cubicBezTo>
+                <a:cubicBezTo>
+                  <a:pt x="2171475" y="2057452"/>
+                  <a:pt x="2101807" y="2031048"/>
+                  <a:pt x="2054781" y="2053228"/>
+                </a:cubicBezTo>
+                <a:cubicBezTo>
+                  <a:pt x="2024011" y="2067487"/>
+                  <a:pt x="1976984" y="2073824"/>
+                  <a:pt x="1985693" y="2109207"/>
+                </a:cubicBezTo>
+                <a:cubicBezTo>
+                  <a:pt x="1992660" y="2137196"/>
+                  <a:pt x="2032140" y="2133500"/>
+                  <a:pt x="2061168" y="2130859"/>
+                </a:cubicBezTo>
+                <a:cubicBezTo>
+                  <a:pt x="2172636" y="2120825"/>
+                  <a:pt x="2281202" y="2117656"/>
+                  <a:pt x="2388026" y="2184726"/>
+                </a:cubicBezTo>
+                <a:cubicBezTo>
+                  <a:pt x="2116321" y="2282425"/>
+                  <a:pt x="1803977" y="2241233"/>
+                  <a:pt x="1560719" y="2384876"/>
+                </a:cubicBezTo>
+                <a:cubicBezTo>
+                  <a:pt x="1594973" y="2429237"/>
+                  <a:pt x="1643739" y="2405472"/>
+                  <a:pt x="1679734" y="2400191"/>
+                </a:cubicBezTo>
+                <a:cubicBezTo>
+                  <a:pt x="1916026" y="2364279"/>
+                  <a:pt x="2760170" y="2428180"/>
+                  <a:pt x="2882089" y="2383292"/>
+                </a:cubicBezTo>
+                <a:cubicBezTo>
+                  <a:pt x="2956983" y="2355830"/>
+                  <a:pt x="3035941" y="2342628"/>
+                  <a:pt x="3116638" y="2359528"/>
+                </a:cubicBezTo>
+                <a:cubicBezTo>
+                  <a:pt x="3194434" y="2375898"/>
+                  <a:pt x="3174696" y="2605622"/>
+                  <a:pt x="2897765" y="2758243"/>
+                </a:cubicBezTo>
+                <a:cubicBezTo>
+                  <a:pt x="2858286" y="2779895"/>
+                  <a:pt x="3034779" y="2811053"/>
+                  <a:pt x="2981367" y="2829008"/>
+                </a:cubicBezTo>
+                <a:cubicBezTo>
+                  <a:pt x="2939566" y="2843267"/>
+                  <a:pt x="2734626" y="2835346"/>
+                  <a:pt x="2682955" y="2846436"/>
+                </a:cubicBezTo>
+                <a:cubicBezTo>
+                  <a:pt x="2662635" y="2851188"/>
+                  <a:pt x="2040267" y="3029159"/>
+                  <a:pt x="2099485" y="3066653"/>
+                </a:cubicBezTo>
+                <a:cubicBezTo>
+                  <a:pt x="2276558" y="3179139"/>
+                  <a:pt x="2869897" y="3385098"/>
+                  <a:pt x="1807460" y="3454808"/>
+                </a:cubicBezTo>
+                <a:cubicBezTo>
+                  <a:pt x="1841132" y="3495472"/>
+                  <a:pt x="1934024" y="3469596"/>
+                  <a:pt x="1921251" y="3540889"/>
+                </a:cubicBezTo>
+                <a:cubicBezTo>
+                  <a:pt x="1780173" y="3579440"/>
+                  <a:pt x="1617035" y="3577328"/>
+                  <a:pt x="1453313" y="3637002"/>
+                </a:cubicBezTo>
+                <a:cubicBezTo>
+                  <a:pt x="1527047" y="3680307"/>
+                  <a:pt x="1611808" y="3653902"/>
+                  <a:pt x="1686122" y="3667634"/>
+                </a:cubicBezTo>
+                <a:cubicBezTo>
+                  <a:pt x="1644320" y="3722027"/>
+                  <a:pt x="1572330" y="3713578"/>
+                  <a:pt x="1513692" y="3725196"/>
+                </a:cubicBezTo>
+                <a:cubicBezTo>
+                  <a:pt x="1459700" y="3736286"/>
+                  <a:pt x="1345329" y="3830816"/>
+                  <a:pt x="1369711" y="3826063"/>
+                </a:cubicBezTo>
+                <a:cubicBezTo>
+                  <a:pt x="1595553" y="3783815"/>
+                  <a:pt x="1824877" y="3795434"/>
+                  <a:pt x="2051298" y="3754242"/>
+                </a:cubicBezTo>
+                <a:cubicBezTo>
+                  <a:pt x="2126192" y="3740511"/>
+                  <a:pt x="2210955" y="3714106"/>
+                  <a:pt x="2245207" y="3797018"/>
+                </a:cubicBezTo>
+                <a:cubicBezTo>
+                  <a:pt x="2255659" y="3821310"/>
+                  <a:pt x="2248109" y="3829232"/>
+                  <a:pt x="2353192" y="3796489"/>
+                </a:cubicBezTo>
+                <a:cubicBezTo>
+                  <a:pt x="2394414" y="3783815"/>
+                  <a:pt x="2448988" y="3770085"/>
+                  <a:pt x="2490207" y="3801242"/>
+                </a:cubicBezTo>
+                <a:cubicBezTo>
+                  <a:pt x="2464082" y="3840321"/>
+                  <a:pt x="2413572" y="3828703"/>
+                  <a:pt x="2375835" y="3839794"/>
+                </a:cubicBezTo>
+                <a:cubicBezTo>
+                  <a:pt x="2275978" y="3868311"/>
+                  <a:pt x="2619094" y="3977100"/>
+                  <a:pt x="2522138" y="4009841"/>
+                </a:cubicBezTo>
+                <a:cubicBezTo>
+                  <a:pt x="2323584" y="4076912"/>
+                  <a:pt x="2199343" y="4057372"/>
+                  <a:pt x="1998466" y="4130778"/>
+                </a:cubicBezTo>
+                <a:cubicBezTo>
+                  <a:pt x="2066973" y="4129192"/>
+                  <a:pt x="2046072" y="4154543"/>
+                  <a:pt x="2114580" y="4154543"/>
+                </a:cubicBezTo>
+                <a:cubicBezTo>
+                  <a:pt x="2145350" y="4154543"/>
+                  <a:pt x="2177862" y="4160878"/>
+                  <a:pt x="2177862" y="4189925"/>
+                </a:cubicBezTo>
+                <a:cubicBezTo>
+                  <a:pt x="2177862" y="4217385"/>
+                  <a:pt x="1817330" y="4367895"/>
+                  <a:pt x="1868419" y="4382153"/>
+                </a:cubicBezTo>
+                <a:cubicBezTo>
+                  <a:pt x="2007755" y="4420704"/>
+                  <a:pt x="2365385" y="4302410"/>
+                  <a:pt x="2279460" y="4356805"/>
+                </a:cubicBezTo>
+                <a:cubicBezTo>
+                  <a:pt x="2148834" y="4439716"/>
+                  <a:pt x="2129094" y="4456088"/>
+                  <a:pt x="2029817" y="4468235"/>
+                </a:cubicBezTo>
+                <a:cubicBezTo>
+                  <a:pt x="1944474" y="4478796"/>
+                  <a:pt x="1644320" y="4710633"/>
+                  <a:pt x="1560137" y="4730172"/>
+                </a:cubicBezTo>
+                <a:cubicBezTo>
+                  <a:pt x="1485825" y="4747072"/>
+                  <a:pt x="1774947" y="4800410"/>
+                  <a:pt x="1956664" y="4820477"/>
+                </a:cubicBezTo>
+                <a:cubicBezTo>
+                  <a:pt x="2130256" y="4840017"/>
+                  <a:pt x="3101544" y="4789319"/>
+                  <a:pt x="3268168" y="4852692"/>
+                </a:cubicBezTo>
+                <a:cubicBezTo>
+                  <a:pt x="3111993" y="4878041"/>
+                  <a:pt x="2970336" y="4953030"/>
+                  <a:pt x="2807197" y="4939300"/>
+                </a:cubicBezTo>
+                <a:cubicBezTo>
+                  <a:pt x="2773524" y="4936660"/>
+                  <a:pt x="2724756" y="4930323"/>
+                  <a:pt x="2721272" y="4970458"/>
+                </a:cubicBezTo>
+                <a:cubicBezTo>
+                  <a:pt x="2718369" y="5005313"/>
+                  <a:pt x="2788038" y="4981548"/>
+                  <a:pt x="2802552" y="5014291"/>
+                </a:cubicBezTo>
+                <a:cubicBezTo>
+                  <a:pt x="2719531" y="5060235"/>
+                  <a:pt x="2621415" y="5018515"/>
+                  <a:pt x="2537812" y="5053898"/>
+                </a:cubicBezTo>
+                <a:cubicBezTo>
+                  <a:pt x="2491948" y="5099314"/>
+                  <a:pt x="2589483" y="5107236"/>
+                  <a:pt x="2569744" y="5153182"/>
+                </a:cubicBezTo>
+                <a:cubicBezTo>
+                  <a:pt x="2301522" y="5193845"/>
+                  <a:pt x="2252174" y="5268836"/>
+                  <a:pt x="1987436" y="5334320"/>
+                </a:cubicBezTo>
+                <a:cubicBezTo>
+                  <a:pt x="1971179" y="5338545"/>
+                  <a:pt x="1958407" y="5352274"/>
+                  <a:pt x="1972921" y="5382376"/>
+                </a:cubicBezTo>
+                <a:cubicBezTo>
+                  <a:pt x="2087874" y="5396107"/>
+                  <a:pt x="2215599" y="5373399"/>
+                  <a:pt x="2341001" y="5360725"/>
+                </a:cubicBezTo>
+                <a:cubicBezTo>
+                  <a:pt x="2537812" y="5340129"/>
+                  <a:pt x="2533748" y="5339072"/>
+                  <a:pt x="2710822" y="5418816"/>
+                </a:cubicBezTo>
+                <a:cubicBezTo>
+                  <a:pt x="2743914" y="5433602"/>
+                  <a:pt x="2801390" y="5438355"/>
+                  <a:pt x="2833903" y="5413007"/>
+                </a:cubicBezTo>
+                <a:cubicBezTo>
+                  <a:pt x="2896604" y="5364422"/>
+                  <a:pt x="2950016" y="5368646"/>
+                  <a:pt x="3011556" y="5399276"/>
+                </a:cubicBezTo>
+                <a:cubicBezTo>
+                  <a:pt x="3077160" y="5432547"/>
+                  <a:pt x="3171793" y="5391882"/>
+                  <a:pt x="3254233" y="5439412"/>
+                </a:cubicBezTo>
+                <a:cubicBezTo>
+                  <a:pt x="3099802" y="5473739"/>
+                  <a:pt x="2957563" y="5473739"/>
+                  <a:pt x="2792101" y="5471625"/>
+                </a:cubicBezTo>
+                <a:cubicBezTo>
+                  <a:pt x="2846095" y="5537639"/>
+                  <a:pt x="2914601" y="5536582"/>
+                  <a:pt x="2977303" y="5539751"/>
+                </a:cubicBezTo>
+                <a:cubicBezTo>
+                  <a:pt x="3214174" y="5551898"/>
+                  <a:pt x="3601411" y="5660686"/>
+                  <a:pt x="3656566" y="5678642"/>
+                </a:cubicBezTo>
+                <a:cubicBezTo>
+                  <a:pt x="4280675" y="5879847"/>
+                  <a:pt x="4178497" y="5898332"/>
+                  <a:pt x="4858340" y="5969625"/>
+                </a:cubicBezTo>
+                <a:cubicBezTo>
+                  <a:pt x="5261253" y="6011873"/>
+                  <a:pt x="4887368" y="6032469"/>
+                  <a:pt x="5296668" y="6043559"/>
+                </a:cubicBezTo>
+                <a:cubicBezTo>
+                  <a:pt x="5349500" y="6045143"/>
+                  <a:pt x="5402911" y="6044087"/>
+                  <a:pt x="5456323" y="6042502"/>
+                </a:cubicBezTo>
+                <a:cubicBezTo>
+                  <a:pt x="5368077" y="6073134"/>
+                  <a:pt x="5267058" y="6100066"/>
+                  <a:pt x="5267058" y="6100066"/>
+                </a:cubicBezTo>
+                <a:cubicBezTo>
+                  <a:pt x="5267058" y="6100066"/>
+                  <a:pt x="5318728" y="6208854"/>
+                  <a:pt x="7095266" y="6287541"/>
+                </a:cubicBezTo>
+                <a:cubicBezTo>
+                  <a:pt x="7422124" y="6302329"/>
+                  <a:pt x="9563254" y="6024548"/>
+                  <a:pt x="9707235" y="5994446"/>
+                </a:cubicBezTo>
+                <a:cubicBezTo>
+                  <a:pt x="9844249" y="5966984"/>
+                  <a:pt x="10002164" y="5671247"/>
+                  <a:pt x="10083442" y="5678642"/>
+                </a:cubicBezTo>
+                <a:cubicBezTo>
+                  <a:pt x="10103183" y="5653293"/>
+                  <a:pt x="10283158" y="5139979"/>
+                  <a:pt x="10338892" y="4650957"/>
+                </a:cubicBezTo>
+                <a:cubicBezTo>
+                  <a:pt x="10448618" y="4580718"/>
+                  <a:pt x="10551960" y="4503088"/>
+                  <a:pt x="10628013" y="4411198"/>
+                </a:cubicBezTo>
+                <a:cubicBezTo>
+                  <a:pt x="10675040" y="4354692"/>
+                  <a:pt x="10718003" y="4298185"/>
+                  <a:pt x="10802766" y="4258050"/>
+                </a:cubicBezTo>
+                <a:cubicBezTo>
+                  <a:pt x="10755739" y="4203128"/>
+                  <a:pt x="10675040" y="4190453"/>
+                  <a:pt x="10614662" y="4150318"/>
+                </a:cubicBezTo>
+                <a:cubicBezTo>
+                  <a:pt x="10610017" y="4117046"/>
+                  <a:pt x="10705811" y="4127081"/>
+                  <a:pt x="10681427" y="4054203"/>
+                </a:cubicBezTo>
+                <a:cubicBezTo>
+                  <a:pt x="10648335" y="3957032"/>
+                  <a:pt x="10684328" y="3846131"/>
+                  <a:pt x="10520029" y="3804411"/>
+                </a:cubicBezTo>
+                <a:cubicBezTo>
+                  <a:pt x="10476485" y="3709881"/>
+                  <a:pt x="10464294" y="3558845"/>
+                  <a:pt x="10568798" y="3466426"/>
+                </a:cubicBezTo>
+                <a:cubicBezTo>
+                  <a:pt x="10724388" y="3328592"/>
+                  <a:pt x="10699424" y="3240927"/>
+                  <a:pt x="10499709" y="3166465"/>
+                </a:cubicBezTo>
+                <a:cubicBezTo>
+                  <a:pt x="10474164" y="3156958"/>
+                  <a:pt x="10501452" y="2570768"/>
+                  <a:pt x="10489840" y="2546475"/>
+                </a:cubicBezTo>
+                <a:cubicBezTo>
+                  <a:pt x="10508418" y="2513205"/>
+                  <a:pt x="10551960" y="2521126"/>
+                  <a:pt x="10584471" y="2512148"/>
+                </a:cubicBezTo>
+                <a:cubicBezTo>
+                  <a:pt x="10726711" y="2474125"/>
+                  <a:pt x="10731357" y="2474125"/>
+                  <a:pt x="10695942" y="2358471"/>
+                </a:cubicBezTo>
+                <a:cubicBezTo>
+                  <a:pt x="10685490" y="2323616"/>
+                  <a:pt x="10709874" y="2309357"/>
+                  <a:pt x="10732516" y="2287706"/>
+                </a:cubicBezTo>
+                <a:cubicBezTo>
+                  <a:pt x="10817280" y="2206905"/>
+                  <a:pt x="10817860" y="2205850"/>
+                  <a:pt x="10731357" y="2137725"/>
+                </a:cubicBezTo>
+                <a:cubicBezTo>
+                  <a:pt x="10706391" y="2118185"/>
+                  <a:pt x="10689555" y="2097061"/>
+                  <a:pt x="10678525" y="2070656"/>
+                </a:cubicBezTo>
+                <a:cubicBezTo>
+                  <a:pt x="10658203" y="2022599"/>
+                  <a:pt x="10658784" y="1982463"/>
+                  <a:pt x="10735999" y="1956587"/>
+                </a:cubicBezTo>
+                <a:cubicBezTo>
+                  <a:pt x="10789993" y="1938104"/>
+                  <a:pt x="10820762" y="1916978"/>
+                  <a:pt x="10824246" y="1862584"/>
+                </a:cubicBezTo>
+                <a:cubicBezTo>
+                  <a:pt x="10826570" y="1817166"/>
+                  <a:pt x="10832955" y="1787594"/>
+                  <a:pt x="10773156" y="1768054"/>
+                </a:cubicBezTo>
+                <a:cubicBezTo>
+                  <a:pt x="10724969" y="1752211"/>
+                  <a:pt x="10711036" y="1718412"/>
+                  <a:pt x="10716261" y="1678278"/>
+                </a:cubicBezTo>
+                <a:cubicBezTo>
+                  <a:pt x="10728452" y="1580050"/>
+                  <a:pt x="10662849" y="1522487"/>
+                  <a:pt x="10554864" y="1477599"/>
+                </a:cubicBezTo>
+                <a:cubicBezTo>
+                  <a:pt x="10452101" y="1434822"/>
+                  <a:pt x="10362116" y="1377259"/>
+                  <a:pt x="10267483" y="1324977"/>
+                </a:cubicBezTo>
+                <a:cubicBezTo>
+                  <a:pt x="10162399" y="1266887"/>
+                  <a:pt x="10040481" y="1232031"/>
+                  <a:pt x="9913337" y="1202458"/>
+                </a:cubicBezTo>
+                <a:cubicBezTo>
+                  <a:pt x="9936561" y="1160210"/>
+                  <a:pt x="10016678" y="1183974"/>
+                  <a:pt x="10024805" y="1124827"/>
+                </a:cubicBezTo>
+                <a:cubicBezTo>
+                  <a:pt x="9826251" y="1074658"/>
+                  <a:pt x="9636408" y="999139"/>
+                  <a:pt x="9411726" y="980655"/>
+                </a:cubicBezTo>
+                <a:cubicBezTo>
+                  <a:pt x="9593444" y="990161"/>
+                  <a:pt x="9758326" y="922036"/>
+                  <a:pt x="9930753" y="901968"/>
+                </a:cubicBezTo>
+                <a:cubicBezTo>
+                  <a:pt x="9947008" y="868698"/>
+                  <a:pt x="9909273" y="877147"/>
+                  <a:pt x="9894178" y="871339"/>
+                </a:cubicBezTo>
+                <a:cubicBezTo>
+                  <a:pt x="9879083" y="865001"/>
+                  <a:pt x="9860506" y="862889"/>
+                  <a:pt x="9858182" y="839125"/>
+                </a:cubicBezTo>
+                <a:cubicBezTo>
+                  <a:pt x="9941205" y="804798"/>
+                  <a:pt x="10045126" y="827506"/>
+                  <a:pt x="10131050" y="792652"/>
+                </a:cubicBezTo>
+                <a:cubicBezTo>
+                  <a:pt x="10111891" y="741954"/>
+                  <a:pt x="10037578" y="772583"/>
+                  <a:pt x="10006808" y="731920"/>
+                </a:cubicBezTo>
+                <a:cubicBezTo>
+                  <a:pt x="10086927" y="724526"/>
+                  <a:pt x="10161239" y="721357"/>
+                  <a:pt x="10233809" y="710268"/>
+                </a:cubicBezTo>
+                <a:cubicBezTo>
+                  <a:pt x="10290705" y="701818"/>
+                  <a:pt x="10306380" y="658513"/>
+                  <a:pt x="10267483" y="628940"/>
+                </a:cubicBezTo>
+                <a:cubicBezTo>
+                  <a:pt x="10232648" y="602536"/>
+                  <a:pt x="10181559" y="600422"/>
+                  <a:pt x="10136275" y="589333"/>
+                </a:cubicBezTo>
+                <a:cubicBezTo>
+                  <a:pt x="9813479" y="512230"/>
+                  <a:pt x="9474428" y="487409"/>
+                  <a:pt x="9131312" y="480544"/>
+                </a:cubicBezTo>
+                <a:cubicBezTo>
+                  <a:pt x="8580936" y="469453"/>
+                  <a:pt x="8028817" y="469982"/>
+                  <a:pt x="7479600" y="454667"/>
+                </a:cubicBezTo>
+                <a:cubicBezTo>
+                  <a:pt x="7227489" y="447934"/>
+                  <a:pt x="6976357" y="436744"/>
+                  <a:pt x="6724001" y="434021"/>
+                </a:cubicBezTo>
+                <a:close/>
+                <a:moveTo>
+                  <a:pt x="0" y="0"/>
+                </a:moveTo>
+                <a:lnTo>
+                  <a:pt x="12192000" y="0"/>
+                </a:lnTo>
+                <a:lnTo>
+                  <a:pt x="12192000" y="6858000"/>
+                </a:lnTo>
+                <a:lnTo>
+                  <a:pt x="0" y="6858000"/>
+                </a:lnTo>
+                <a:close/>
+              </a:path>
+            </a:pathLst>
+          </a:custGeom>
+          <a:solidFill>
+            <a:schemeClr val="bg2">
+              <a:alpha val="50000"/>
+            </a:schemeClr>
+          </a:solidFill>
+          <a:ln w="32707" cap="flat">
+            <a:noFill/>
+            <a:prstDash val="solid"/>
+            <a:miter/>
+          </a:ln>
+        </p:spPr>
+        <p:txBody>
+          <a:bodyPr wrap="square" rtlCol="0" anchor="ctr">
+            <a:noAutofit/>
+          </a:bodyPr>
+          <a:lstStyle/>
+          <a:p>
+            <a:pPr algn="ctr"/>
+            <a:endParaRPr lang="en-US"/>
+          </a:p>
+        </p:txBody>
+      </p:sp>
+      <mc:AlternateContent xmlns:mc="http://schemas.openxmlformats.org/markup-compatibility/2006">
+        <mc:Choice xmlns:p14="http://schemas.microsoft.com/office/powerpoint/2010/main" Requires="p14">
+          <p:contentPart p14:bwMode="auto" r:id="rId3">
+            <p14:nvContentPartPr>
+              <p14:cNvPr id="2" name="Ink 1">
+                <a:extLst>
+                  <a:ext uri="{FF2B5EF4-FFF2-40B4-BE49-F238E27FC236}">
+                    <a16:creationId xmlns:a16="http://schemas.microsoft.com/office/drawing/2014/main" id="{DFA62668-2D1A-B432-CDA9-712BEDF34741}"/>
+                  </a:ext>
+                </a:extLst>
+              </p14:cNvPr>
+              <p14:cNvContentPartPr/>
+              <p14:nvPr/>
+            </p14:nvContentPartPr>
+            <p14:xfrm>
+              <a:off x="3388720" y="150427"/>
+              <a:ext cx="360" cy="360"/>
+            </p14:xfrm>
+          </p:contentPart>
+        </mc:Choice>
+        <mc:Fallback>
+          <p:pic>
+            <p:nvPicPr>
+              <p:cNvPr id="2" name="Ink 1">
+                <a:extLst>
+                  <a:ext uri="{FF2B5EF4-FFF2-40B4-BE49-F238E27FC236}">
+                    <a16:creationId xmlns:a16="http://schemas.microsoft.com/office/drawing/2014/main" id="{DFA62668-2D1A-B432-CDA9-712BEDF34741}"/>
+                  </a:ext>
+                </a:extLst>
+              </p:cNvPr>
+              <p:cNvPicPr/>
+              <p:nvPr/>
+            </p:nvPicPr>
+            <p:blipFill>
+              <a:blip r:embed="rId4"/>
+              <a:stretch>
+                <a:fillRect/>
+              </a:stretch>
+            </p:blipFill>
+            <p:spPr>
+              <a:xfrm>
+                <a:off x="3379720" y="141427"/>
+                <a:ext cx="18000" cy="18000"/>
+              </a:xfrm>
+              <a:prstGeom prst="rect">
+                <a:avLst/>
+              </a:prstGeom>
+            </p:spPr>
+          </p:pic>
+        </mc:Fallback>
+      </mc:AlternateContent>
+      <p:sp>
+        <p:nvSpPr>
+          <p:cNvPr id="24" name="TextBox 23">
+            <a:extLst>
+              <a:ext uri="{FF2B5EF4-FFF2-40B4-BE49-F238E27FC236}">
+                <a16:creationId xmlns:a16="http://schemas.microsoft.com/office/drawing/2014/main" id="{0A8E9643-E02A-7D89-F787-5A3FE84FA99A}"/>
+              </a:ext>
+            </a:extLst>
+          </p:cNvPr>
+          <p:cNvSpPr txBox="1"/>
+          <p:nvPr/>
+        </p:nvSpPr>
+        <p:spPr>
+          <a:xfrm>
+            <a:off x="6763091" y="0"/>
+            <a:ext cx="5296251" cy="568745"/>
+          </a:xfrm>
+          <a:prstGeom prst="rect">
+            <a:avLst/>
+          </a:prstGeom>
+          <a:noFill/>
+        </p:spPr>
+        <p:txBody>
+          <a:bodyPr wrap="square" rtlCol="0">
+            <a:spAutoFit/>
+          </a:bodyPr>
+          <a:lstStyle/>
+          <a:p>
+            <a:pPr>
+              <a:lnSpc>
+                <a:spcPct val="200000"/>
+              </a:lnSpc>
+              <a:spcAft>
+                <a:spcPts val="600"/>
+              </a:spcAft>
+            </a:pPr>
+            <a:r>
+              <a:rPr lang="en-US"/>
+              <a:t>	</a:t>
+            </a:r>
+          </a:p>
+        </p:txBody>
+      </p:sp>
+      <p:sp>
+        <p:nvSpPr>
+          <p:cNvPr id="10" name="TextBox 9">
+            <a:extLst>
+              <a:ext uri="{FF2B5EF4-FFF2-40B4-BE49-F238E27FC236}">
+                <a16:creationId xmlns:a16="http://schemas.microsoft.com/office/drawing/2014/main" id="{0D2F4D0D-036B-E583-8CA9-D2714B6761EF}"/>
+              </a:ext>
+            </a:extLst>
+          </p:cNvPr>
+          <p:cNvSpPr txBox="1"/>
+          <p:nvPr/>
+        </p:nvSpPr>
+        <p:spPr>
+          <a:xfrm>
+            <a:off x="6326508" y="487943"/>
+            <a:ext cx="5865492" cy="3885936"/>
+          </a:xfrm>
+          <a:prstGeom prst="rect">
+            <a:avLst/>
+          </a:prstGeom>
+          <a:noFill/>
+        </p:spPr>
+        <p:txBody>
+          <a:bodyPr wrap="square" rtlCol="0">
+            <a:spAutoFit/>
+          </a:bodyPr>
+          <a:lstStyle/>
+          <a:p>
+            <a:pPr lvl="1">
+              <a:lnSpc>
+                <a:spcPct val="200000"/>
+              </a:lnSpc>
+            </a:pPr>
+            <a:r>
+              <a:rPr lang="en-US" dirty="0">
+                <a:latin typeface="Times New Roman" panose="02020603050405020304" pitchFamily="18" charset="0"/>
+                <a:cs typeface="Times New Roman" panose="02020603050405020304" pitchFamily="18" charset="0"/>
+              </a:rPr>
+              <a:t>	When augmented by unfavourable climate conditions causing a linear decrease in both precipitation and available natural resources, inland cities and sites were starved of the materials they needed. Maya rulers and priests used obsidian to procure power and respect, often establishing relationships by sending gifts of obsidian </a:t>
+            </a:r>
+            <a:r>
+              <a:rPr lang="en-US">
+                <a:latin typeface="Times New Roman" panose="02020603050405020304" pitchFamily="18" charset="0"/>
+                <a:cs typeface="Times New Roman" panose="02020603050405020304" pitchFamily="18" charset="0"/>
+              </a:rPr>
+              <a:t>and believed by many to </a:t>
+            </a:r>
+            <a:endParaRPr lang="en-CA" dirty="0">
+              <a:latin typeface="Times New Roman" panose="02020603050405020304" pitchFamily="18" charset="0"/>
+              <a:cs typeface="Times New Roman" panose="02020603050405020304" pitchFamily="18" charset="0"/>
+            </a:endParaRPr>
+          </a:p>
+        </p:txBody>
+      </p:sp>
+      <p:pic>
+        <p:nvPicPr>
+          <p:cNvPr id="5" name="Picture 4">
+            <a:extLst>
+              <a:ext uri="{FF2B5EF4-FFF2-40B4-BE49-F238E27FC236}">
+                <a16:creationId xmlns:a16="http://schemas.microsoft.com/office/drawing/2014/main" id="{1299ABAB-76D8-04D5-2C0C-B0D27FF5FA7D}"/>
+              </a:ext>
+            </a:extLst>
+          </p:cNvPr>
+          <p:cNvPicPr>
+            <a:picLocks noChangeAspect="1"/>
+          </p:cNvPicPr>
+          <p:nvPr/>
+        </p:nvPicPr>
+        <p:blipFill>
+          <a:blip r:embed="rId5"/>
+          <a:stretch>
+            <a:fillRect/>
+          </a:stretch>
+        </p:blipFill>
+        <p:spPr>
+          <a:xfrm>
+            <a:off x="0" y="0"/>
+            <a:ext cx="6326508" cy="6858000"/>
+          </a:xfrm>
+          <a:prstGeom prst="rect">
+            <a:avLst/>
+          </a:prstGeom>
+        </p:spPr>
+      </p:pic>
+    </p:spTree>
+    <p:extLst>
+      <p:ext uri="{BB962C8B-B14F-4D97-AF65-F5344CB8AC3E}">
+        <p14:creationId xmlns:p14="http://schemas.microsoft.com/office/powerpoint/2010/main" val="140833760"/>
       </p:ext>
     </p:extLst>
   </p:cSld>
@@ -19400,6 +21949,4559 @@
     <p:extLst>
       <p:ext uri="{BB962C8B-B14F-4D97-AF65-F5344CB8AC3E}">
         <p14:creationId xmlns:p14="http://schemas.microsoft.com/office/powerpoint/2010/main" val="2492479861"/>
+      </p:ext>
+    </p:extLst>
+  </p:cSld>
+  <p:clrMapOvr>
+    <a:masterClrMapping/>
+  </p:clrMapOvr>
+</p:sld>
+</file>
+
+<file path=ppt/slides/slide20.xml><?xml version="1.0" encoding="utf-8"?>
+<p:sld xmlns:a="http://schemas.openxmlformats.org/drawingml/2006/main" xmlns:r="http://schemas.openxmlformats.org/officeDocument/2006/relationships" xmlns:p="http://schemas.openxmlformats.org/presentationml/2006/main">
+  <p:cSld>
+    <p:bg>
+      <p:bgPr>
+        <a:solidFill>
+          <a:schemeClr val="bg1"/>
+        </a:solidFill>
+        <a:effectLst/>
+      </p:bgPr>
+    </p:bg>
+    <p:spTree>
+      <p:nvGrpSpPr>
+        <p:cNvPr id="1" name=""/>
+        <p:cNvGrpSpPr/>
+        <p:nvPr/>
+      </p:nvGrpSpPr>
+      <p:grpSpPr>
+        <a:xfrm>
+          <a:off x="0" y="0"/>
+          <a:ext cx="0" cy="0"/>
+          <a:chOff x="0" y="0"/>
+          <a:chExt cx="0" cy="0"/>
+        </a:xfrm>
+      </p:grpSpPr>
+      <p:sp useBgFill="1">
+        <p:nvSpPr>
+          <p:cNvPr id="32" name="Rectangle 28">
+            <a:extLst>
+              <a:ext uri="{FF2B5EF4-FFF2-40B4-BE49-F238E27FC236}">
+                <a16:creationId xmlns:a16="http://schemas.microsoft.com/office/drawing/2014/main" id="{C7F55EAC-550A-4BDD-9099-3F20B8FA0EBC}"/>
+              </a:ext>
+              <a:ext uri="{C183D7F6-B498-43B3-948B-1728B52AA6E4}">
+                <adec:decorative xmlns:adec="http://schemas.microsoft.com/office/drawing/2017/decorative" val="1"/>
+              </a:ext>
+            </a:extLst>
+          </p:cNvPr>
+          <p:cNvSpPr>
+            <a:spLocks noGrp="1" noRot="1" noChangeAspect="1" noMove="1" noResize="1" noEditPoints="1" noAdjustHandles="1" noChangeArrowheads="1" noChangeShapeType="1" noTextEdit="1"/>
+          </p:cNvSpPr>
+          <p:nvPr>
+            <p:extLst>
+              <p:ext uri="{386F3935-93C4-4BCD-93E2-E3B085C9AB24}">
+                <p16:designElem xmlns:p16="http://schemas.microsoft.com/office/powerpoint/2015/main" val="1"/>
+              </p:ext>
+            </p:extLst>
+          </p:nvPr>
+        </p:nvSpPr>
+        <p:spPr>
+          <a:xfrm>
+            <a:off x="0" y="0"/>
+            <a:ext cx="12192000" cy="6858000"/>
+          </a:xfrm>
+          <a:prstGeom prst="rect">
+            <a:avLst/>
+          </a:prstGeom>
+          <a:ln>
+            <a:noFill/>
+          </a:ln>
+        </p:spPr>
+        <p:style>
+          <a:lnRef idx="2">
+            <a:schemeClr val="accent1">
+              <a:shade val="50000"/>
+            </a:schemeClr>
+          </a:lnRef>
+          <a:fillRef idx="1">
+            <a:schemeClr val="accent1"/>
+          </a:fillRef>
+          <a:effectRef idx="0">
+            <a:schemeClr val="accent1"/>
+          </a:effectRef>
+          <a:fontRef idx="minor">
+            <a:schemeClr val="lt1"/>
+          </a:fontRef>
+        </p:style>
+        <p:txBody>
+          <a:bodyPr rtlCol="0" anchor="ctr"/>
+          <a:lstStyle/>
+          <a:p>
+            <a:pPr algn="ctr"/>
+            <a:endParaRPr lang="en-US"/>
+          </a:p>
+        </p:txBody>
+      </p:sp>
+      <p:sp>
+        <p:nvSpPr>
+          <p:cNvPr id="31" name="Freeform: Shape 30">
+            <a:extLst>
+              <a:ext uri="{FF2B5EF4-FFF2-40B4-BE49-F238E27FC236}">
+                <a16:creationId xmlns:a16="http://schemas.microsoft.com/office/drawing/2014/main" id="{DC4F5A5F-493F-49AE-89B6-D5AF5EBC8B0E}"/>
+              </a:ext>
+              <a:ext uri="{C183D7F6-B498-43B3-948B-1728B52AA6E4}">
+                <adec:decorative xmlns:adec="http://schemas.microsoft.com/office/drawing/2017/decorative" val="1"/>
+              </a:ext>
+            </a:extLst>
+          </p:cNvPr>
+          <p:cNvSpPr>
+            <a:spLocks noGrp="1" noRot="1" noChangeAspect="1" noMove="1" noResize="1" noEditPoints="1" noAdjustHandles="1" noChangeArrowheads="1" noChangeShapeType="1" noTextEdit="1"/>
+          </p:cNvSpPr>
+          <p:nvPr>
+            <p:extLst>
+              <p:ext uri="{386F3935-93C4-4BCD-93E2-E3B085C9AB24}">
+                <p16:designElem xmlns:p16="http://schemas.microsoft.com/office/powerpoint/2015/main" val="1"/>
+              </p:ext>
+            </p:extLst>
+          </p:nvPr>
+        </p:nvSpPr>
+        <p:spPr>
+          <a:xfrm>
+            <a:off x="0" y="0"/>
+            <a:ext cx="12192000" cy="6858000"/>
+          </a:xfrm>
+          <a:custGeom>
+            <a:avLst/>
+            <a:gdLst>
+              <a:gd name="connsiteX0" fmla="*/ 6724001 w 12192000"/>
+              <a:gd name="connsiteY0" fmla="*/ 434021 h 6858000"/>
+              <a:gd name="connsiteX1" fmla="*/ 6471155 w 12192000"/>
+              <a:gd name="connsiteY1" fmla="*/ 434599 h 6858000"/>
+              <a:gd name="connsiteX2" fmla="*/ 5384913 w 12192000"/>
+              <a:gd name="connsiteY2" fmla="*/ 497971 h 6858000"/>
+              <a:gd name="connsiteX3" fmla="*/ 4818280 w 12192000"/>
+              <a:gd name="connsiteY3" fmla="*/ 541802 h 6858000"/>
+              <a:gd name="connsiteX4" fmla="*/ 3965428 w 12192000"/>
+              <a:gd name="connsiteY4" fmla="*/ 675942 h 6858000"/>
+              <a:gd name="connsiteX5" fmla="*/ 3699528 w 12192000"/>
+              <a:gd name="connsiteY5" fmla="*/ 770472 h 6858000"/>
+              <a:gd name="connsiteX6" fmla="*/ 3438854 w 12192000"/>
+              <a:gd name="connsiteY6" fmla="*/ 834899 h 6858000"/>
+              <a:gd name="connsiteX7" fmla="*/ 3367443 w 12192000"/>
+              <a:gd name="connsiteY7" fmla="*/ 893518 h 6858000"/>
+              <a:gd name="connsiteX8" fmla="*/ 3467301 w 12192000"/>
+              <a:gd name="connsiteY8" fmla="*/ 953722 h 6858000"/>
+              <a:gd name="connsiteX9" fmla="*/ 3889955 w 12192000"/>
+              <a:gd name="connsiteY9" fmla="*/ 977486 h 6858000"/>
+              <a:gd name="connsiteX10" fmla="*/ 3502135 w 12192000"/>
+              <a:gd name="connsiteY10" fmla="*/ 1054062 h 6858000"/>
+              <a:gd name="connsiteX11" fmla="*/ 4072832 w 12192000"/>
+              <a:gd name="connsiteY11" fmla="*/ 1017622 h 6858000"/>
+              <a:gd name="connsiteX12" fmla="*/ 4244099 w 12192000"/>
+              <a:gd name="connsiteY12" fmla="*/ 1030825 h 6858000"/>
+              <a:gd name="connsiteX13" fmla="*/ 4095475 w 12192000"/>
+              <a:gd name="connsiteY13" fmla="*/ 1092084 h 6858000"/>
+              <a:gd name="connsiteX14" fmla="*/ 3327386 w 12192000"/>
+              <a:gd name="connsiteY14" fmla="*/ 1215660 h 6858000"/>
+              <a:gd name="connsiteX15" fmla="*/ 3254813 w 12192000"/>
+              <a:gd name="connsiteY15" fmla="*/ 1226749 h 6858000"/>
+              <a:gd name="connsiteX16" fmla="*/ 2776427 w 12192000"/>
+              <a:gd name="connsiteY16" fmla="*/ 1401552 h 6858000"/>
+              <a:gd name="connsiteX17" fmla="*/ 3063226 w 12192000"/>
+              <a:gd name="connsiteY17" fmla="*/ 1384124 h 6858000"/>
+              <a:gd name="connsiteX18" fmla="*/ 2754945 w 12192000"/>
+              <a:gd name="connsiteY18" fmla="*/ 1495025 h 6858000"/>
+              <a:gd name="connsiteX19" fmla="*/ 2381061 w 12192000"/>
+              <a:gd name="connsiteY19" fmla="*/ 1619658 h 6858000"/>
+              <a:gd name="connsiteX20" fmla="*/ 2008336 w 12192000"/>
+              <a:gd name="connsiteY20" fmla="*/ 1814527 h 6858000"/>
+              <a:gd name="connsiteX21" fmla="*/ 1740695 w 12192000"/>
+              <a:gd name="connsiteY21" fmla="*/ 1914337 h 6858000"/>
+              <a:gd name="connsiteX22" fmla="*/ 1787720 w 12192000"/>
+              <a:gd name="connsiteY22" fmla="*/ 1991970 h 6858000"/>
+              <a:gd name="connsiteX23" fmla="*/ 1754048 w 12192000"/>
+              <a:gd name="connsiteY23" fmla="*/ 2078049 h 6858000"/>
+              <a:gd name="connsiteX24" fmla="*/ 2228951 w 12192000"/>
+              <a:gd name="connsiteY24" fmla="*/ 1996721 h 6858000"/>
+              <a:gd name="connsiteX25" fmla="*/ 2054781 w 12192000"/>
+              <a:gd name="connsiteY25" fmla="*/ 2053228 h 6858000"/>
+              <a:gd name="connsiteX26" fmla="*/ 1985693 w 12192000"/>
+              <a:gd name="connsiteY26" fmla="*/ 2109207 h 6858000"/>
+              <a:gd name="connsiteX27" fmla="*/ 2061168 w 12192000"/>
+              <a:gd name="connsiteY27" fmla="*/ 2130859 h 6858000"/>
+              <a:gd name="connsiteX28" fmla="*/ 2388026 w 12192000"/>
+              <a:gd name="connsiteY28" fmla="*/ 2184726 h 6858000"/>
+              <a:gd name="connsiteX29" fmla="*/ 1560719 w 12192000"/>
+              <a:gd name="connsiteY29" fmla="*/ 2384876 h 6858000"/>
+              <a:gd name="connsiteX30" fmla="*/ 1679734 w 12192000"/>
+              <a:gd name="connsiteY30" fmla="*/ 2400191 h 6858000"/>
+              <a:gd name="connsiteX31" fmla="*/ 2882089 w 12192000"/>
+              <a:gd name="connsiteY31" fmla="*/ 2383292 h 6858000"/>
+              <a:gd name="connsiteX32" fmla="*/ 3116638 w 12192000"/>
+              <a:gd name="connsiteY32" fmla="*/ 2359528 h 6858000"/>
+              <a:gd name="connsiteX33" fmla="*/ 2897765 w 12192000"/>
+              <a:gd name="connsiteY33" fmla="*/ 2758243 h 6858000"/>
+              <a:gd name="connsiteX34" fmla="*/ 2981367 w 12192000"/>
+              <a:gd name="connsiteY34" fmla="*/ 2829008 h 6858000"/>
+              <a:gd name="connsiteX35" fmla="*/ 2682955 w 12192000"/>
+              <a:gd name="connsiteY35" fmla="*/ 2846436 h 6858000"/>
+              <a:gd name="connsiteX36" fmla="*/ 2099485 w 12192000"/>
+              <a:gd name="connsiteY36" fmla="*/ 3066653 h 6858000"/>
+              <a:gd name="connsiteX37" fmla="*/ 1807460 w 12192000"/>
+              <a:gd name="connsiteY37" fmla="*/ 3454808 h 6858000"/>
+              <a:gd name="connsiteX38" fmla="*/ 1921251 w 12192000"/>
+              <a:gd name="connsiteY38" fmla="*/ 3540889 h 6858000"/>
+              <a:gd name="connsiteX39" fmla="*/ 1453313 w 12192000"/>
+              <a:gd name="connsiteY39" fmla="*/ 3637002 h 6858000"/>
+              <a:gd name="connsiteX40" fmla="*/ 1686122 w 12192000"/>
+              <a:gd name="connsiteY40" fmla="*/ 3667634 h 6858000"/>
+              <a:gd name="connsiteX41" fmla="*/ 1513692 w 12192000"/>
+              <a:gd name="connsiteY41" fmla="*/ 3725196 h 6858000"/>
+              <a:gd name="connsiteX42" fmla="*/ 1369711 w 12192000"/>
+              <a:gd name="connsiteY42" fmla="*/ 3826063 h 6858000"/>
+              <a:gd name="connsiteX43" fmla="*/ 2051298 w 12192000"/>
+              <a:gd name="connsiteY43" fmla="*/ 3754242 h 6858000"/>
+              <a:gd name="connsiteX44" fmla="*/ 2245207 w 12192000"/>
+              <a:gd name="connsiteY44" fmla="*/ 3797018 h 6858000"/>
+              <a:gd name="connsiteX45" fmla="*/ 2353192 w 12192000"/>
+              <a:gd name="connsiteY45" fmla="*/ 3796489 h 6858000"/>
+              <a:gd name="connsiteX46" fmla="*/ 2490207 w 12192000"/>
+              <a:gd name="connsiteY46" fmla="*/ 3801242 h 6858000"/>
+              <a:gd name="connsiteX47" fmla="*/ 2375835 w 12192000"/>
+              <a:gd name="connsiteY47" fmla="*/ 3839794 h 6858000"/>
+              <a:gd name="connsiteX48" fmla="*/ 2522138 w 12192000"/>
+              <a:gd name="connsiteY48" fmla="*/ 4009841 h 6858000"/>
+              <a:gd name="connsiteX49" fmla="*/ 1998466 w 12192000"/>
+              <a:gd name="connsiteY49" fmla="*/ 4130778 h 6858000"/>
+              <a:gd name="connsiteX50" fmla="*/ 2114580 w 12192000"/>
+              <a:gd name="connsiteY50" fmla="*/ 4154543 h 6858000"/>
+              <a:gd name="connsiteX51" fmla="*/ 2177862 w 12192000"/>
+              <a:gd name="connsiteY51" fmla="*/ 4189925 h 6858000"/>
+              <a:gd name="connsiteX52" fmla="*/ 1868419 w 12192000"/>
+              <a:gd name="connsiteY52" fmla="*/ 4382153 h 6858000"/>
+              <a:gd name="connsiteX53" fmla="*/ 2279460 w 12192000"/>
+              <a:gd name="connsiteY53" fmla="*/ 4356805 h 6858000"/>
+              <a:gd name="connsiteX54" fmla="*/ 2029817 w 12192000"/>
+              <a:gd name="connsiteY54" fmla="*/ 4468235 h 6858000"/>
+              <a:gd name="connsiteX55" fmla="*/ 1560137 w 12192000"/>
+              <a:gd name="connsiteY55" fmla="*/ 4730172 h 6858000"/>
+              <a:gd name="connsiteX56" fmla="*/ 1956664 w 12192000"/>
+              <a:gd name="connsiteY56" fmla="*/ 4820477 h 6858000"/>
+              <a:gd name="connsiteX57" fmla="*/ 3268168 w 12192000"/>
+              <a:gd name="connsiteY57" fmla="*/ 4852692 h 6858000"/>
+              <a:gd name="connsiteX58" fmla="*/ 2807197 w 12192000"/>
+              <a:gd name="connsiteY58" fmla="*/ 4939300 h 6858000"/>
+              <a:gd name="connsiteX59" fmla="*/ 2721272 w 12192000"/>
+              <a:gd name="connsiteY59" fmla="*/ 4970458 h 6858000"/>
+              <a:gd name="connsiteX60" fmla="*/ 2802552 w 12192000"/>
+              <a:gd name="connsiteY60" fmla="*/ 5014291 h 6858000"/>
+              <a:gd name="connsiteX61" fmla="*/ 2537812 w 12192000"/>
+              <a:gd name="connsiteY61" fmla="*/ 5053898 h 6858000"/>
+              <a:gd name="connsiteX62" fmla="*/ 2569744 w 12192000"/>
+              <a:gd name="connsiteY62" fmla="*/ 5153182 h 6858000"/>
+              <a:gd name="connsiteX63" fmla="*/ 1987436 w 12192000"/>
+              <a:gd name="connsiteY63" fmla="*/ 5334320 h 6858000"/>
+              <a:gd name="connsiteX64" fmla="*/ 1972921 w 12192000"/>
+              <a:gd name="connsiteY64" fmla="*/ 5382376 h 6858000"/>
+              <a:gd name="connsiteX65" fmla="*/ 2341001 w 12192000"/>
+              <a:gd name="connsiteY65" fmla="*/ 5360725 h 6858000"/>
+              <a:gd name="connsiteX66" fmla="*/ 2710822 w 12192000"/>
+              <a:gd name="connsiteY66" fmla="*/ 5418816 h 6858000"/>
+              <a:gd name="connsiteX67" fmla="*/ 2833903 w 12192000"/>
+              <a:gd name="connsiteY67" fmla="*/ 5413007 h 6858000"/>
+              <a:gd name="connsiteX68" fmla="*/ 3011556 w 12192000"/>
+              <a:gd name="connsiteY68" fmla="*/ 5399276 h 6858000"/>
+              <a:gd name="connsiteX69" fmla="*/ 3254233 w 12192000"/>
+              <a:gd name="connsiteY69" fmla="*/ 5439412 h 6858000"/>
+              <a:gd name="connsiteX70" fmla="*/ 2792101 w 12192000"/>
+              <a:gd name="connsiteY70" fmla="*/ 5471625 h 6858000"/>
+              <a:gd name="connsiteX71" fmla="*/ 2977303 w 12192000"/>
+              <a:gd name="connsiteY71" fmla="*/ 5539751 h 6858000"/>
+              <a:gd name="connsiteX72" fmla="*/ 3656566 w 12192000"/>
+              <a:gd name="connsiteY72" fmla="*/ 5678642 h 6858000"/>
+              <a:gd name="connsiteX73" fmla="*/ 4858340 w 12192000"/>
+              <a:gd name="connsiteY73" fmla="*/ 5969625 h 6858000"/>
+              <a:gd name="connsiteX74" fmla="*/ 5296668 w 12192000"/>
+              <a:gd name="connsiteY74" fmla="*/ 6043559 h 6858000"/>
+              <a:gd name="connsiteX75" fmla="*/ 5456323 w 12192000"/>
+              <a:gd name="connsiteY75" fmla="*/ 6042502 h 6858000"/>
+              <a:gd name="connsiteX76" fmla="*/ 5267058 w 12192000"/>
+              <a:gd name="connsiteY76" fmla="*/ 6100066 h 6858000"/>
+              <a:gd name="connsiteX77" fmla="*/ 7095266 w 12192000"/>
+              <a:gd name="connsiteY77" fmla="*/ 6287541 h 6858000"/>
+              <a:gd name="connsiteX78" fmla="*/ 9707235 w 12192000"/>
+              <a:gd name="connsiteY78" fmla="*/ 5994446 h 6858000"/>
+              <a:gd name="connsiteX79" fmla="*/ 10083442 w 12192000"/>
+              <a:gd name="connsiteY79" fmla="*/ 5678642 h 6858000"/>
+              <a:gd name="connsiteX80" fmla="*/ 10338892 w 12192000"/>
+              <a:gd name="connsiteY80" fmla="*/ 4650957 h 6858000"/>
+              <a:gd name="connsiteX81" fmla="*/ 10628013 w 12192000"/>
+              <a:gd name="connsiteY81" fmla="*/ 4411198 h 6858000"/>
+              <a:gd name="connsiteX82" fmla="*/ 10802766 w 12192000"/>
+              <a:gd name="connsiteY82" fmla="*/ 4258050 h 6858000"/>
+              <a:gd name="connsiteX83" fmla="*/ 10614662 w 12192000"/>
+              <a:gd name="connsiteY83" fmla="*/ 4150318 h 6858000"/>
+              <a:gd name="connsiteX84" fmla="*/ 10681427 w 12192000"/>
+              <a:gd name="connsiteY84" fmla="*/ 4054203 h 6858000"/>
+              <a:gd name="connsiteX85" fmla="*/ 10520029 w 12192000"/>
+              <a:gd name="connsiteY85" fmla="*/ 3804411 h 6858000"/>
+              <a:gd name="connsiteX86" fmla="*/ 10568798 w 12192000"/>
+              <a:gd name="connsiteY86" fmla="*/ 3466426 h 6858000"/>
+              <a:gd name="connsiteX87" fmla="*/ 10499709 w 12192000"/>
+              <a:gd name="connsiteY87" fmla="*/ 3166465 h 6858000"/>
+              <a:gd name="connsiteX88" fmla="*/ 10489840 w 12192000"/>
+              <a:gd name="connsiteY88" fmla="*/ 2546475 h 6858000"/>
+              <a:gd name="connsiteX89" fmla="*/ 10584471 w 12192000"/>
+              <a:gd name="connsiteY89" fmla="*/ 2512148 h 6858000"/>
+              <a:gd name="connsiteX90" fmla="*/ 10695942 w 12192000"/>
+              <a:gd name="connsiteY90" fmla="*/ 2358471 h 6858000"/>
+              <a:gd name="connsiteX91" fmla="*/ 10732516 w 12192000"/>
+              <a:gd name="connsiteY91" fmla="*/ 2287706 h 6858000"/>
+              <a:gd name="connsiteX92" fmla="*/ 10731357 w 12192000"/>
+              <a:gd name="connsiteY92" fmla="*/ 2137725 h 6858000"/>
+              <a:gd name="connsiteX93" fmla="*/ 10678525 w 12192000"/>
+              <a:gd name="connsiteY93" fmla="*/ 2070656 h 6858000"/>
+              <a:gd name="connsiteX94" fmla="*/ 10735999 w 12192000"/>
+              <a:gd name="connsiteY94" fmla="*/ 1956587 h 6858000"/>
+              <a:gd name="connsiteX95" fmla="*/ 10824246 w 12192000"/>
+              <a:gd name="connsiteY95" fmla="*/ 1862584 h 6858000"/>
+              <a:gd name="connsiteX96" fmla="*/ 10773156 w 12192000"/>
+              <a:gd name="connsiteY96" fmla="*/ 1768054 h 6858000"/>
+              <a:gd name="connsiteX97" fmla="*/ 10716261 w 12192000"/>
+              <a:gd name="connsiteY97" fmla="*/ 1678278 h 6858000"/>
+              <a:gd name="connsiteX98" fmla="*/ 10554864 w 12192000"/>
+              <a:gd name="connsiteY98" fmla="*/ 1477599 h 6858000"/>
+              <a:gd name="connsiteX99" fmla="*/ 10267483 w 12192000"/>
+              <a:gd name="connsiteY99" fmla="*/ 1324977 h 6858000"/>
+              <a:gd name="connsiteX100" fmla="*/ 9913337 w 12192000"/>
+              <a:gd name="connsiteY100" fmla="*/ 1202458 h 6858000"/>
+              <a:gd name="connsiteX101" fmla="*/ 10024805 w 12192000"/>
+              <a:gd name="connsiteY101" fmla="*/ 1124827 h 6858000"/>
+              <a:gd name="connsiteX102" fmla="*/ 9411726 w 12192000"/>
+              <a:gd name="connsiteY102" fmla="*/ 980655 h 6858000"/>
+              <a:gd name="connsiteX103" fmla="*/ 9930753 w 12192000"/>
+              <a:gd name="connsiteY103" fmla="*/ 901968 h 6858000"/>
+              <a:gd name="connsiteX104" fmla="*/ 9894178 w 12192000"/>
+              <a:gd name="connsiteY104" fmla="*/ 871339 h 6858000"/>
+              <a:gd name="connsiteX105" fmla="*/ 9858182 w 12192000"/>
+              <a:gd name="connsiteY105" fmla="*/ 839125 h 6858000"/>
+              <a:gd name="connsiteX106" fmla="*/ 10131050 w 12192000"/>
+              <a:gd name="connsiteY106" fmla="*/ 792652 h 6858000"/>
+              <a:gd name="connsiteX107" fmla="*/ 10006808 w 12192000"/>
+              <a:gd name="connsiteY107" fmla="*/ 731920 h 6858000"/>
+              <a:gd name="connsiteX108" fmla="*/ 10233809 w 12192000"/>
+              <a:gd name="connsiteY108" fmla="*/ 710268 h 6858000"/>
+              <a:gd name="connsiteX109" fmla="*/ 10267483 w 12192000"/>
+              <a:gd name="connsiteY109" fmla="*/ 628940 h 6858000"/>
+              <a:gd name="connsiteX110" fmla="*/ 10136275 w 12192000"/>
+              <a:gd name="connsiteY110" fmla="*/ 589333 h 6858000"/>
+              <a:gd name="connsiteX111" fmla="*/ 9131312 w 12192000"/>
+              <a:gd name="connsiteY111" fmla="*/ 480544 h 6858000"/>
+              <a:gd name="connsiteX112" fmla="*/ 7479600 w 12192000"/>
+              <a:gd name="connsiteY112" fmla="*/ 454667 h 6858000"/>
+              <a:gd name="connsiteX113" fmla="*/ 6724001 w 12192000"/>
+              <a:gd name="connsiteY113" fmla="*/ 434021 h 6858000"/>
+              <a:gd name="connsiteX114" fmla="*/ 0 w 12192000"/>
+              <a:gd name="connsiteY114" fmla="*/ 0 h 6858000"/>
+              <a:gd name="connsiteX115" fmla="*/ 12192000 w 12192000"/>
+              <a:gd name="connsiteY115" fmla="*/ 0 h 6858000"/>
+              <a:gd name="connsiteX116" fmla="*/ 12192000 w 12192000"/>
+              <a:gd name="connsiteY116" fmla="*/ 6858000 h 6858000"/>
+              <a:gd name="connsiteX117" fmla="*/ 0 w 12192000"/>
+              <a:gd name="connsiteY117" fmla="*/ 6858000 h 6858000"/>
+            </a:gdLst>
+            <a:ahLst/>
+            <a:cxnLst>
+              <a:cxn ang="0">
+                <a:pos x="connsiteX0" y="connsiteY0"/>
+              </a:cxn>
+              <a:cxn ang="0">
+                <a:pos x="connsiteX1" y="connsiteY1"/>
+              </a:cxn>
+              <a:cxn ang="0">
+                <a:pos x="connsiteX2" y="connsiteY2"/>
+              </a:cxn>
+              <a:cxn ang="0">
+                <a:pos x="connsiteX3" y="connsiteY3"/>
+              </a:cxn>
+              <a:cxn ang="0">
+                <a:pos x="connsiteX4" y="connsiteY4"/>
+              </a:cxn>
+              <a:cxn ang="0">
+                <a:pos x="connsiteX5" y="connsiteY5"/>
+              </a:cxn>
+              <a:cxn ang="0">
+                <a:pos x="connsiteX6" y="connsiteY6"/>
+              </a:cxn>
+              <a:cxn ang="0">
+                <a:pos x="connsiteX7" y="connsiteY7"/>
+              </a:cxn>
+              <a:cxn ang="0">
+                <a:pos x="connsiteX8" y="connsiteY8"/>
+              </a:cxn>
+              <a:cxn ang="0">
+                <a:pos x="connsiteX9" y="connsiteY9"/>
+              </a:cxn>
+              <a:cxn ang="0">
+                <a:pos x="connsiteX10" y="connsiteY10"/>
+              </a:cxn>
+              <a:cxn ang="0">
+                <a:pos x="connsiteX11" y="connsiteY11"/>
+              </a:cxn>
+              <a:cxn ang="0">
+                <a:pos x="connsiteX12" y="connsiteY12"/>
+              </a:cxn>
+              <a:cxn ang="0">
+                <a:pos x="connsiteX13" y="connsiteY13"/>
+              </a:cxn>
+              <a:cxn ang="0">
+                <a:pos x="connsiteX14" y="connsiteY14"/>
+              </a:cxn>
+              <a:cxn ang="0">
+                <a:pos x="connsiteX15" y="connsiteY15"/>
+              </a:cxn>
+              <a:cxn ang="0">
+                <a:pos x="connsiteX16" y="connsiteY16"/>
+              </a:cxn>
+              <a:cxn ang="0">
+                <a:pos x="connsiteX17" y="connsiteY17"/>
+              </a:cxn>
+              <a:cxn ang="0">
+                <a:pos x="connsiteX18" y="connsiteY18"/>
+              </a:cxn>
+              <a:cxn ang="0">
+                <a:pos x="connsiteX19" y="connsiteY19"/>
+              </a:cxn>
+              <a:cxn ang="0">
+                <a:pos x="connsiteX20" y="connsiteY20"/>
+              </a:cxn>
+              <a:cxn ang="0">
+                <a:pos x="connsiteX21" y="connsiteY21"/>
+              </a:cxn>
+              <a:cxn ang="0">
+                <a:pos x="connsiteX22" y="connsiteY22"/>
+              </a:cxn>
+              <a:cxn ang="0">
+                <a:pos x="connsiteX23" y="connsiteY23"/>
+              </a:cxn>
+              <a:cxn ang="0">
+                <a:pos x="connsiteX24" y="connsiteY24"/>
+              </a:cxn>
+              <a:cxn ang="0">
+                <a:pos x="connsiteX25" y="connsiteY25"/>
+              </a:cxn>
+              <a:cxn ang="0">
+                <a:pos x="connsiteX26" y="connsiteY26"/>
+              </a:cxn>
+              <a:cxn ang="0">
+                <a:pos x="connsiteX27" y="connsiteY27"/>
+              </a:cxn>
+              <a:cxn ang="0">
+                <a:pos x="connsiteX28" y="connsiteY28"/>
+              </a:cxn>
+              <a:cxn ang="0">
+                <a:pos x="connsiteX29" y="connsiteY29"/>
+              </a:cxn>
+              <a:cxn ang="0">
+                <a:pos x="connsiteX30" y="connsiteY30"/>
+              </a:cxn>
+              <a:cxn ang="0">
+                <a:pos x="connsiteX31" y="connsiteY31"/>
+              </a:cxn>
+              <a:cxn ang="0">
+                <a:pos x="connsiteX32" y="connsiteY32"/>
+              </a:cxn>
+              <a:cxn ang="0">
+                <a:pos x="connsiteX33" y="connsiteY33"/>
+              </a:cxn>
+              <a:cxn ang="0">
+                <a:pos x="connsiteX34" y="connsiteY34"/>
+              </a:cxn>
+              <a:cxn ang="0">
+                <a:pos x="connsiteX35" y="connsiteY35"/>
+              </a:cxn>
+              <a:cxn ang="0">
+                <a:pos x="connsiteX36" y="connsiteY36"/>
+              </a:cxn>
+              <a:cxn ang="0">
+                <a:pos x="connsiteX37" y="connsiteY37"/>
+              </a:cxn>
+              <a:cxn ang="0">
+                <a:pos x="connsiteX38" y="connsiteY38"/>
+              </a:cxn>
+              <a:cxn ang="0">
+                <a:pos x="connsiteX39" y="connsiteY39"/>
+              </a:cxn>
+              <a:cxn ang="0">
+                <a:pos x="connsiteX40" y="connsiteY40"/>
+              </a:cxn>
+              <a:cxn ang="0">
+                <a:pos x="connsiteX41" y="connsiteY41"/>
+              </a:cxn>
+              <a:cxn ang="0">
+                <a:pos x="connsiteX42" y="connsiteY42"/>
+              </a:cxn>
+              <a:cxn ang="0">
+                <a:pos x="connsiteX43" y="connsiteY43"/>
+              </a:cxn>
+              <a:cxn ang="0">
+                <a:pos x="connsiteX44" y="connsiteY44"/>
+              </a:cxn>
+              <a:cxn ang="0">
+                <a:pos x="connsiteX45" y="connsiteY45"/>
+              </a:cxn>
+              <a:cxn ang="0">
+                <a:pos x="connsiteX46" y="connsiteY46"/>
+              </a:cxn>
+              <a:cxn ang="0">
+                <a:pos x="connsiteX47" y="connsiteY47"/>
+              </a:cxn>
+              <a:cxn ang="0">
+                <a:pos x="connsiteX48" y="connsiteY48"/>
+              </a:cxn>
+              <a:cxn ang="0">
+                <a:pos x="connsiteX49" y="connsiteY49"/>
+              </a:cxn>
+              <a:cxn ang="0">
+                <a:pos x="connsiteX50" y="connsiteY50"/>
+              </a:cxn>
+              <a:cxn ang="0">
+                <a:pos x="connsiteX51" y="connsiteY51"/>
+              </a:cxn>
+              <a:cxn ang="0">
+                <a:pos x="connsiteX52" y="connsiteY52"/>
+              </a:cxn>
+              <a:cxn ang="0">
+                <a:pos x="connsiteX53" y="connsiteY53"/>
+              </a:cxn>
+              <a:cxn ang="0">
+                <a:pos x="connsiteX54" y="connsiteY54"/>
+              </a:cxn>
+              <a:cxn ang="0">
+                <a:pos x="connsiteX55" y="connsiteY55"/>
+              </a:cxn>
+              <a:cxn ang="0">
+                <a:pos x="connsiteX56" y="connsiteY56"/>
+              </a:cxn>
+              <a:cxn ang="0">
+                <a:pos x="connsiteX57" y="connsiteY57"/>
+              </a:cxn>
+              <a:cxn ang="0">
+                <a:pos x="connsiteX58" y="connsiteY58"/>
+              </a:cxn>
+              <a:cxn ang="0">
+                <a:pos x="connsiteX59" y="connsiteY59"/>
+              </a:cxn>
+              <a:cxn ang="0">
+                <a:pos x="connsiteX60" y="connsiteY60"/>
+              </a:cxn>
+              <a:cxn ang="0">
+                <a:pos x="connsiteX61" y="connsiteY61"/>
+              </a:cxn>
+              <a:cxn ang="0">
+                <a:pos x="connsiteX62" y="connsiteY62"/>
+              </a:cxn>
+              <a:cxn ang="0">
+                <a:pos x="connsiteX63" y="connsiteY63"/>
+              </a:cxn>
+              <a:cxn ang="0">
+                <a:pos x="connsiteX64" y="connsiteY64"/>
+              </a:cxn>
+              <a:cxn ang="0">
+                <a:pos x="connsiteX65" y="connsiteY65"/>
+              </a:cxn>
+              <a:cxn ang="0">
+                <a:pos x="connsiteX66" y="connsiteY66"/>
+              </a:cxn>
+              <a:cxn ang="0">
+                <a:pos x="connsiteX67" y="connsiteY67"/>
+              </a:cxn>
+              <a:cxn ang="0">
+                <a:pos x="connsiteX68" y="connsiteY68"/>
+              </a:cxn>
+              <a:cxn ang="0">
+                <a:pos x="connsiteX69" y="connsiteY69"/>
+              </a:cxn>
+              <a:cxn ang="0">
+                <a:pos x="connsiteX70" y="connsiteY70"/>
+              </a:cxn>
+              <a:cxn ang="0">
+                <a:pos x="connsiteX71" y="connsiteY71"/>
+              </a:cxn>
+              <a:cxn ang="0">
+                <a:pos x="connsiteX72" y="connsiteY72"/>
+              </a:cxn>
+              <a:cxn ang="0">
+                <a:pos x="connsiteX73" y="connsiteY73"/>
+              </a:cxn>
+              <a:cxn ang="0">
+                <a:pos x="connsiteX74" y="connsiteY74"/>
+              </a:cxn>
+              <a:cxn ang="0">
+                <a:pos x="connsiteX75" y="connsiteY75"/>
+              </a:cxn>
+              <a:cxn ang="0">
+                <a:pos x="connsiteX76" y="connsiteY76"/>
+              </a:cxn>
+              <a:cxn ang="0">
+                <a:pos x="connsiteX77" y="connsiteY77"/>
+              </a:cxn>
+              <a:cxn ang="0">
+                <a:pos x="connsiteX78" y="connsiteY78"/>
+              </a:cxn>
+              <a:cxn ang="0">
+                <a:pos x="connsiteX79" y="connsiteY79"/>
+              </a:cxn>
+              <a:cxn ang="0">
+                <a:pos x="connsiteX80" y="connsiteY80"/>
+              </a:cxn>
+              <a:cxn ang="0">
+                <a:pos x="connsiteX81" y="connsiteY81"/>
+              </a:cxn>
+              <a:cxn ang="0">
+                <a:pos x="connsiteX82" y="connsiteY82"/>
+              </a:cxn>
+              <a:cxn ang="0">
+                <a:pos x="connsiteX83" y="connsiteY83"/>
+              </a:cxn>
+              <a:cxn ang="0">
+                <a:pos x="connsiteX84" y="connsiteY84"/>
+              </a:cxn>
+              <a:cxn ang="0">
+                <a:pos x="connsiteX85" y="connsiteY85"/>
+              </a:cxn>
+              <a:cxn ang="0">
+                <a:pos x="connsiteX86" y="connsiteY86"/>
+              </a:cxn>
+              <a:cxn ang="0">
+                <a:pos x="connsiteX87" y="connsiteY87"/>
+              </a:cxn>
+              <a:cxn ang="0">
+                <a:pos x="connsiteX88" y="connsiteY88"/>
+              </a:cxn>
+              <a:cxn ang="0">
+                <a:pos x="connsiteX89" y="connsiteY89"/>
+              </a:cxn>
+              <a:cxn ang="0">
+                <a:pos x="connsiteX90" y="connsiteY90"/>
+              </a:cxn>
+              <a:cxn ang="0">
+                <a:pos x="connsiteX91" y="connsiteY91"/>
+              </a:cxn>
+              <a:cxn ang="0">
+                <a:pos x="connsiteX92" y="connsiteY92"/>
+              </a:cxn>
+              <a:cxn ang="0">
+                <a:pos x="connsiteX93" y="connsiteY93"/>
+              </a:cxn>
+              <a:cxn ang="0">
+                <a:pos x="connsiteX94" y="connsiteY94"/>
+              </a:cxn>
+              <a:cxn ang="0">
+                <a:pos x="connsiteX95" y="connsiteY95"/>
+              </a:cxn>
+              <a:cxn ang="0">
+                <a:pos x="connsiteX96" y="connsiteY96"/>
+              </a:cxn>
+              <a:cxn ang="0">
+                <a:pos x="connsiteX97" y="connsiteY97"/>
+              </a:cxn>
+              <a:cxn ang="0">
+                <a:pos x="connsiteX98" y="connsiteY98"/>
+              </a:cxn>
+              <a:cxn ang="0">
+                <a:pos x="connsiteX99" y="connsiteY99"/>
+              </a:cxn>
+              <a:cxn ang="0">
+                <a:pos x="connsiteX100" y="connsiteY100"/>
+              </a:cxn>
+              <a:cxn ang="0">
+                <a:pos x="connsiteX101" y="connsiteY101"/>
+              </a:cxn>
+              <a:cxn ang="0">
+                <a:pos x="connsiteX102" y="connsiteY102"/>
+              </a:cxn>
+              <a:cxn ang="0">
+                <a:pos x="connsiteX103" y="connsiteY103"/>
+              </a:cxn>
+              <a:cxn ang="0">
+                <a:pos x="connsiteX104" y="connsiteY104"/>
+              </a:cxn>
+              <a:cxn ang="0">
+                <a:pos x="connsiteX105" y="connsiteY105"/>
+              </a:cxn>
+              <a:cxn ang="0">
+                <a:pos x="connsiteX106" y="connsiteY106"/>
+              </a:cxn>
+              <a:cxn ang="0">
+                <a:pos x="connsiteX107" y="connsiteY107"/>
+              </a:cxn>
+              <a:cxn ang="0">
+                <a:pos x="connsiteX108" y="connsiteY108"/>
+              </a:cxn>
+              <a:cxn ang="0">
+                <a:pos x="connsiteX109" y="connsiteY109"/>
+              </a:cxn>
+              <a:cxn ang="0">
+                <a:pos x="connsiteX110" y="connsiteY110"/>
+              </a:cxn>
+              <a:cxn ang="0">
+                <a:pos x="connsiteX111" y="connsiteY111"/>
+              </a:cxn>
+              <a:cxn ang="0">
+                <a:pos x="connsiteX112" y="connsiteY112"/>
+              </a:cxn>
+              <a:cxn ang="0">
+                <a:pos x="connsiteX113" y="connsiteY113"/>
+              </a:cxn>
+              <a:cxn ang="0">
+                <a:pos x="connsiteX114" y="connsiteY114"/>
+              </a:cxn>
+              <a:cxn ang="0">
+                <a:pos x="connsiteX115" y="connsiteY115"/>
+              </a:cxn>
+              <a:cxn ang="0">
+                <a:pos x="connsiteX116" y="connsiteY116"/>
+              </a:cxn>
+              <a:cxn ang="0">
+                <a:pos x="connsiteX117" y="connsiteY117"/>
+              </a:cxn>
+            </a:cxnLst>
+            <a:rect l="l" t="t" r="r" b="b"/>
+            <a:pathLst>
+              <a:path w="12192000" h="6858000">
+                <a:moveTo>
+                  <a:pt x="6724001" y="434021"/>
+                </a:moveTo>
+                <a:cubicBezTo>
+                  <a:pt x="6639882" y="433113"/>
+                  <a:pt x="6555627" y="433147"/>
+                  <a:pt x="6471155" y="434599"/>
+                </a:cubicBezTo>
+                <a:cubicBezTo>
+                  <a:pt x="6109461" y="440937"/>
+                  <a:pt x="5748349" y="439351"/>
+                  <a:pt x="5384913" y="497971"/>
+                </a:cubicBezTo>
+                <a:cubicBezTo>
+                  <a:pt x="5199132" y="528072"/>
+                  <a:pt x="5005803" y="518038"/>
+                  <a:pt x="4818280" y="541802"/>
+                </a:cubicBezTo>
+                <a:cubicBezTo>
+                  <a:pt x="4532641" y="578242"/>
+                  <a:pt x="4247003" y="621019"/>
+                  <a:pt x="3965428" y="675942"/>
+                </a:cubicBezTo>
+                <a:cubicBezTo>
+                  <a:pt x="3877181" y="693369"/>
+                  <a:pt x="3768034" y="703930"/>
+                  <a:pt x="3699528" y="770472"/>
+                </a:cubicBezTo>
+                <a:cubicBezTo>
+                  <a:pt x="3590961" y="728224"/>
+                  <a:pt x="3523617" y="807966"/>
+                  <a:pt x="3438854" y="834899"/>
+                </a:cubicBezTo>
+                <a:cubicBezTo>
+                  <a:pt x="3405761" y="845462"/>
+                  <a:pt x="3362218" y="860248"/>
+                  <a:pt x="3367443" y="893518"/>
+                </a:cubicBezTo>
+                <a:cubicBezTo>
+                  <a:pt x="3372089" y="935238"/>
+                  <a:pt x="3420855" y="962172"/>
+                  <a:pt x="3467301" y="953722"/>
+                </a:cubicBezTo>
+                <a:cubicBezTo>
+                  <a:pt x="3611863" y="927317"/>
+                  <a:pt x="3741328" y="986464"/>
+                  <a:pt x="3889955" y="977486"/>
+                </a:cubicBezTo>
+                <a:cubicBezTo>
+                  <a:pt x="3760488" y="1002836"/>
+                  <a:pt x="3631601" y="1028713"/>
+                  <a:pt x="3502135" y="1054062"/>
+                </a:cubicBezTo>
+                <a:cubicBezTo>
+                  <a:pt x="3694303" y="1074129"/>
+                  <a:pt x="3883568" y="1038218"/>
+                  <a:pt x="4072832" y="1017622"/>
+                </a:cubicBezTo>
+                <a:cubicBezTo>
+                  <a:pt x="4133792" y="1011285"/>
+                  <a:pt x="4228424" y="962699"/>
+                  <a:pt x="4244099" y="1030825"/>
+                </a:cubicBezTo>
+                <a:cubicBezTo>
+                  <a:pt x="4254550" y="1076242"/>
+                  <a:pt x="4152951" y="1079410"/>
+                  <a:pt x="4095475" y="1092084"/>
+                </a:cubicBezTo>
+                <a:cubicBezTo>
+                  <a:pt x="3841766" y="1146479"/>
+                  <a:pt x="3583994" y="1178165"/>
+                  <a:pt x="3327386" y="1215660"/>
+                </a:cubicBezTo>
+                <a:cubicBezTo>
+                  <a:pt x="3303001" y="1219357"/>
+                  <a:pt x="3271070" y="1216188"/>
+                  <a:pt x="3254813" y="1226749"/>
+                </a:cubicBezTo>
+                <a:cubicBezTo>
+                  <a:pt x="3123605" y="1311774"/>
+                  <a:pt x="2957563" y="1339765"/>
+                  <a:pt x="2776427" y="1401552"/>
+                </a:cubicBezTo>
+                <a:cubicBezTo>
+                  <a:pt x="2890798" y="1430598"/>
+                  <a:pt x="2968012" y="1370921"/>
+                  <a:pt x="3063226" y="1384124"/>
+                </a:cubicBezTo>
+                <a:cubicBezTo>
+                  <a:pt x="2966272" y="1448024"/>
+                  <a:pt x="2853641" y="1460171"/>
+                  <a:pt x="2754945" y="1495025"/>
+                </a:cubicBezTo>
+                <a:cubicBezTo>
+                  <a:pt x="2684117" y="1519846"/>
+                  <a:pt x="2421119" y="1597477"/>
+                  <a:pt x="2381061" y="1619658"/>
+                </a:cubicBezTo>
+                <a:cubicBezTo>
+                  <a:pt x="2260302" y="1688311"/>
+                  <a:pt x="2107033" y="1720525"/>
+                  <a:pt x="2008336" y="1814527"/>
+                </a:cubicBezTo>
+                <a:cubicBezTo>
+                  <a:pt x="1938668" y="1880540"/>
+                  <a:pt x="1822554" y="1868393"/>
+                  <a:pt x="1740695" y="1914337"/>
+                </a:cubicBezTo>
+                <a:cubicBezTo>
+                  <a:pt x="1711667" y="1957642"/>
+                  <a:pt x="1767982" y="1968733"/>
+                  <a:pt x="1787720" y="1991970"/>
+                </a:cubicBezTo>
+                <a:cubicBezTo>
+                  <a:pt x="1813846" y="2023126"/>
+                  <a:pt x="1767401" y="2040555"/>
+                  <a:pt x="1754048" y="2078049"/>
+                </a:cubicBezTo>
+                <a:cubicBezTo>
+                  <a:pt x="1907898" y="2035802"/>
+                  <a:pt x="2054781" y="2010981"/>
+                  <a:pt x="2228951" y="1996721"/>
+                </a:cubicBezTo>
+                <a:cubicBezTo>
+                  <a:pt x="2171475" y="2057452"/>
+                  <a:pt x="2101807" y="2031048"/>
+                  <a:pt x="2054781" y="2053228"/>
+                </a:cubicBezTo>
+                <a:cubicBezTo>
+                  <a:pt x="2024011" y="2067487"/>
+                  <a:pt x="1976984" y="2073824"/>
+                  <a:pt x="1985693" y="2109207"/>
+                </a:cubicBezTo>
+                <a:cubicBezTo>
+                  <a:pt x="1992660" y="2137196"/>
+                  <a:pt x="2032140" y="2133500"/>
+                  <a:pt x="2061168" y="2130859"/>
+                </a:cubicBezTo>
+                <a:cubicBezTo>
+                  <a:pt x="2172636" y="2120825"/>
+                  <a:pt x="2281202" y="2117656"/>
+                  <a:pt x="2388026" y="2184726"/>
+                </a:cubicBezTo>
+                <a:cubicBezTo>
+                  <a:pt x="2116321" y="2282425"/>
+                  <a:pt x="1803977" y="2241233"/>
+                  <a:pt x="1560719" y="2384876"/>
+                </a:cubicBezTo>
+                <a:cubicBezTo>
+                  <a:pt x="1594973" y="2429237"/>
+                  <a:pt x="1643739" y="2405472"/>
+                  <a:pt x="1679734" y="2400191"/>
+                </a:cubicBezTo>
+                <a:cubicBezTo>
+                  <a:pt x="1916026" y="2364279"/>
+                  <a:pt x="2760170" y="2428180"/>
+                  <a:pt x="2882089" y="2383292"/>
+                </a:cubicBezTo>
+                <a:cubicBezTo>
+                  <a:pt x="2956983" y="2355830"/>
+                  <a:pt x="3035941" y="2342628"/>
+                  <a:pt x="3116638" y="2359528"/>
+                </a:cubicBezTo>
+                <a:cubicBezTo>
+                  <a:pt x="3194434" y="2375898"/>
+                  <a:pt x="3174696" y="2605622"/>
+                  <a:pt x="2897765" y="2758243"/>
+                </a:cubicBezTo>
+                <a:cubicBezTo>
+                  <a:pt x="2858286" y="2779895"/>
+                  <a:pt x="3034779" y="2811053"/>
+                  <a:pt x="2981367" y="2829008"/>
+                </a:cubicBezTo>
+                <a:cubicBezTo>
+                  <a:pt x="2939566" y="2843267"/>
+                  <a:pt x="2734626" y="2835346"/>
+                  <a:pt x="2682955" y="2846436"/>
+                </a:cubicBezTo>
+                <a:cubicBezTo>
+                  <a:pt x="2662635" y="2851188"/>
+                  <a:pt x="2040267" y="3029159"/>
+                  <a:pt x="2099485" y="3066653"/>
+                </a:cubicBezTo>
+                <a:cubicBezTo>
+                  <a:pt x="2276558" y="3179139"/>
+                  <a:pt x="2869897" y="3385098"/>
+                  <a:pt x="1807460" y="3454808"/>
+                </a:cubicBezTo>
+                <a:cubicBezTo>
+                  <a:pt x="1841132" y="3495472"/>
+                  <a:pt x="1934024" y="3469596"/>
+                  <a:pt x="1921251" y="3540889"/>
+                </a:cubicBezTo>
+                <a:cubicBezTo>
+                  <a:pt x="1780173" y="3579440"/>
+                  <a:pt x="1617035" y="3577328"/>
+                  <a:pt x="1453313" y="3637002"/>
+                </a:cubicBezTo>
+                <a:cubicBezTo>
+                  <a:pt x="1527047" y="3680307"/>
+                  <a:pt x="1611808" y="3653902"/>
+                  <a:pt x="1686122" y="3667634"/>
+                </a:cubicBezTo>
+                <a:cubicBezTo>
+                  <a:pt x="1644320" y="3722027"/>
+                  <a:pt x="1572330" y="3713578"/>
+                  <a:pt x="1513692" y="3725196"/>
+                </a:cubicBezTo>
+                <a:cubicBezTo>
+                  <a:pt x="1459700" y="3736286"/>
+                  <a:pt x="1345329" y="3830816"/>
+                  <a:pt x="1369711" y="3826063"/>
+                </a:cubicBezTo>
+                <a:cubicBezTo>
+                  <a:pt x="1595553" y="3783815"/>
+                  <a:pt x="1824877" y="3795434"/>
+                  <a:pt x="2051298" y="3754242"/>
+                </a:cubicBezTo>
+                <a:cubicBezTo>
+                  <a:pt x="2126192" y="3740511"/>
+                  <a:pt x="2210955" y="3714106"/>
+                  <a:pt x="2245207" y="3797018"/>
+                </a:cubicBezTo>
+                <a:cubicBezTo>
+                  <a:pt x="2255659" y="3821310"/>
+                  <a:pt x="2248109" y="3829232"/>
+                  <a:pt x="2353192" y="3796489"/>
+                </a:cubicBezTo>
+                <a:cubicBezTo>
+                  <a:pt x="2394414" y="3783815"/>
+                  <a:pt x="2448988" y="3770085"/>
+                  <a:pt x="2490207" y="3801242"/>
+                </a:cubicBezTo>
+                <a:cubicBezTo>
+                  <a:pt x="2464082" y="3840321"/>
+                  <a:pt x="2413572" y="3828703"/>
+                  <a:pt x="2375835" y="3839794"/>
+                </a:cubicBezTo>
+                <a:cubicBezTo>
+                  <a:pt x="2275978" y="3868311"/>
+                  <a:pt x="2619094" y="3977100"/>
+                  <a:pt x="2522138" y="4009841"/>
+                </a:cubicBezTo>
+                <a:cubicBezTo>
+                  <a:pt x="2323584" y="4076912"/>
+                  <a:pt x="2199343" y="4057372"/>
+                  <a:pt x="1998466" y="4130778"/>
+                </a:cubicBezTo>
+                <a:cubicBezTo>
+                  <a:pt x="2066973" y="4129192"/>
+                  <a:pt x="2046072" y="4154543"/>
+                  <a:pt x="2114580" y="4154543"/>
+                </a:cubicBezTo>
+                <a:cubicBezTo>
+                  <a:pt x="2145350" y="4154543"/>
+                  <a:pt x="2177862" y="4160878"/>
+                  <a:pt x="2177862" y="4189925"/>
+                </a:cubicBezTo>
+                <a:cubicBezTo>
+                  <a:pt x="2177862" y="4217385"/>
+                  <a:pt x="1817330" y="4367895"/>
+                  <a:pt x="1868419" y="4382153"/>
+                </a:cubicBezTo>
+                <a:cubicBezTo>
+                  <a:pt x="2007755" y="4420704"/>
+                  <a:pt x="2365385" y="4302410"/>
+                  <a:pt x="2279460" y="4356805"/>
+                </a:cubicBezTo>
+                <a:cubicBezTo>
+                  <a:pt x="2148834" y="4439716"/>
+                  <a:pt x="2129094" y="4456088"/>
+                  <a:pt x="2029817" y="4468235"/>
+                </a:cubicBezTo>
+                <a:cubicBezTo>
+                  <a:pt x="1944474" y="4478796"/>
+                  <a:pt x="1644320" y="4710633"/>
+                  <a:pt x="1560137" y="4730172"/>
+                </a:cubicBezTo>
+                <a:cubicBezTo>
+                  <a:pt x="1485825" y="4747072"/>
+                  <a:pt x="1774947" y="4800410"/>
+                  <a:pt x="1956664" y="4820477"/>
+                </a:cubicBezTo>
+                <a:cubicBezTo>
+                  <a:pt x="2130256" y="4840017"/>
+                  <a:pt x="3101544" y="4789319"/>
+                  <a:pt x="3268168" y="4852692"/>
+                </a:cubicBezTo>
+                <a:cubicBezTo>
+                  <a:pt x="3111993" y="4878041"/>
+                  <a:pt x="2970336" y="4953030"/>
+                  <a:pt x="2807197" y="4939300"/>
+                </a:cubicBezTo>
+                <a:cubicBezTo>
+                  <a:pt x="2773524" y="4936660"/>
+                  <a:pt x="2724756" y="4930323"/>
+                  <a:pt x="2721272" y="4970458"/>
+                </a:cubicBezTo>
+                <a:cubicBezTo>
+                  <a:pt x="2718369" y="5005313"/>
+                  <a:pt x="2788038" y="4981548"/>
+                  <a:pt x="2802552" y="5014291"/>
+                </a:cubicBezTo>
+                <a:cubicBezTo>
+                  <a:pt x="2719531" y="5060235"/>
+                  <a:pt x="2621415" y="5018515"/>
+                  <a:pt x="2537812" y="5053898"/>
+                </a:cubicBezTo>
+                <a:cubicBezTo>
+                  <a:pt x="2491948" y="5099314"/>
+                  <a:pt x="2589483" y="5107236"/>
+                  <a:pt x="2569744" y="5153182"/>
+                </a:cubicBezTo>
+                <a:cubicBezTo>
+                  <a:pt x="2301522" y="5193845"/>
+                  <a:pt x="2252174" y="5268836"/>
+                  <a:pt x="1987436" y="5334320"/>
+                </a:cubicBezTo>
+                <a:cubicBezTo>
+                  <a:pt x="1971179" y="5338545"/>
+                  <a:pt x="1958407" y="5352274"/>
+                  <a:pt x="1972921" y="5382376"/>
+                </a:cubicBezTo>
+                <a:cubicBezTo>
+                  <a:pt x="2087874" y="5396107"/>
+                  <a:pt x="2215599" y="5373399"/>
+                  <a:pt x="2341001" y="5360725"/>
+                </a:cubicBezTo>
+                <a:cubicBezTo>
+                  <a:pt x="2537812" y="5340129"/>
+                  <a:pt x="2533748" y="5339072"/>
+                  <a:pt x="2710822" y="5418816"/>
+                </a:cubicBezTo>
+                <a:cubicBezTo>
+                  <a:pt x="2743914" y="5433602"/>
+                  <a:pt x="2801390" y="5438355"/>
+                  <a:pt x="2833903" y="5413007"/>
+                </a:cubicBezTo>
+                <a:cubicBezTo>
+                  <a:pt x="2896604" y="5364422"/>
+                  <a:pt x="2950016" y="5368646"/>
+                  <a:pt x="3011556" y="5399276"/>
+                </a:cubicBezTo>
+                <a:cubicBezTo>
+                  <a:pt x="3077160" y="5432547"/>
+                  <a:pt x="3171793" y="5391882"/>
+                  <a:pt x="3254233" y="5439412"/>
+                </a:cubicBezTo>
+                <a:cubicBezTo>
+                  <a:pt x="3099802" y="5473739"/>
+                  <a:pt x="2957563" y="5473739"/>
+                  <a:pt x="2792101" y="5471625"/>
+                </a:cubicBezTo>
+                <a:cubicBezTo>
+                  <a:pt x="2846095" y="5537639"/>
+                  <a:pt x="2914601" y="5536582"/>
+                  <a:pt x="2977303" y="5539751"/>
+                </a:cubicBezTo>
+                <a:cubicBezTo>
+                  <a:pt x="3214174" y="5551898"/>
+                  <a:pt x="3601411" y="5660686"/>
+                  <a:pt x="3656566" y="5678642"/>
+                </a:cubicBezTo>
+                <a:cubicBezTo>
+                  <a:pt x="4280675" y="5879847"/>
+                  <a:pt x="4178497" y="5898332"/>
+                  <a:pt x="4858340" y="5969625"/>
+                </a:cubicBezTo>
+                <a:cubicBezTo>
+                  <a:pt x="5261253" y="6011873"/>
+                  <a:pt x="4887368" y="6032469"/>
+                  <a:pt x="5296668" y="6043559"/>
+                </a:cubicBezTo>
+                <a:cubicBezTo>
+                  <a:pt x="5349500" y="6045143"/>
+                  <a:pt x="5402911" y="6044087"/>
+                  <a:pt x="5456323" y="6042502"/>
+                </a:cubicBezTo>
+                <a:cubicBezTo>
+                  <a:pt x="5368077" y="6073134"/>
+                  <a:pt x="5267058" y="6100066"/>
+                  <a:pt x="5267058" y="6100066"/>
+                </a:cubicBezTo>
+                <a:cubicBezTo>
+                  <a:pt x="5267058" y="6100066"/>
+                  <a:pt x="5318728" y="6208854"/>
+                  <a:pt x="7095266" y="6287541"/>
+                </a:cubicBezTo>
+                <a:cubicBezTo>
+                  <a:pt x="7422124" y="6302329"/>
+                  <a:pt x="9563254" y="6024548"/>
+                  <a:pt x="9707235" y="5994446"/>
+                </a:cubicBezTo>
+                <a:cubicBezTo>
+                  <a:pt x="9844249" y="5966984"/>
+                  <a:pt x="10002164" y="5671247"/>
+                  <a:pt x="10083442" y="5678642"/>
+                </a:cubicBezTo>
+                <a:cubicBezTo>
+                  <a:pt x="10103183" y="5653293"/>
+                  <a:pt x="10283158" y="5139979"/>
+                  <a:pt x="10338892" y="4650957"/>
+                </a:cubicBezTo>
+                <a:cubicBezTo>
+                  <a:pt x="10448618" y="4580718"/>
+                  <a:pt x="10551960" y="4503088"/>
+                  <a:pt x="10628013" y="4411198"/>
+                </a:cubicBezTo>
+                <a:cubicBezTo>
+                  <a:pt x="10675040" y="4354692"/>
+                  <a:pt x="10718003" y="4298185"/>
+                  <a:pt x="10802766" y="4258050"/>
+                </a:cubicBezTo>
+                <a:cubicBezTo>
+                  <a:pt x="10755739" y="4203128"/>
+                  <a:pt x="10675040" y="4190453"/>
+                  <a:pt x="10614662" y="4150318"/>
+                </a:cubicBezTo>
+                <a:cubicBezTo>
+                  <a:pt x="10610017" y="4117046"/>
+                  <a:pt x="10705811" y="4127081"/>
+                  <a:pt x="10681427" y="4054203"/>
+                </a:cubicBezTo>
+                <a:cubicBezTo>
+                  <a:pt x="10648335" y="3957032"/>
+                  <a:pt x="10684328" y="3846131"/>
+                  <a:pt x="10520029" y="3804411"/>
+                </a:cubicBezTo>
+                <a:cubicBezTo>
+                  <a:pt x="10476485" y="3709881"/>
+                  <a:pt x="10464294" y="3558845"/>
+                  <a:pt x="10568798" y="3466426"/>
+                </a:cubicBezTo>
+                <a:cubicBezTo>
+                  <a:pt x="10724388" y="3328592"/>
+                  <a:pt x="10699424" y="3240927"/>
+                  <a:pt x="10499709" y="3166465"/>
+                </a:cubicBezTo>
+                <a:cubicBezTo>
+                  <a:pt x="10474164" y="3156958"/>
+                  <a:pt x="10501452" y="2570768"/>
+                  <a:pt x="10489840" y="2546475"/>
+                </a:cubicBezTo>
+                <a:cubicBezTo>
+                  <a:pt x="10508418" y="2513205"/>
+                  <a:pt x="10551960" y="2521126"/>
+                  <a:pt x="10584471" y="2512148"/>
+                </a:cubicBezTo>
+                <a:cubicBezTo>
+                  <a:pt x="10726711" y="2474125"/>
+                  <a:pt x="10731357" y="2474125"/>
+                  <a:pt x="10695942" y="2358471"/>
+                </a:cubicBezTo>
+                <a:cubicBezTo>
+                  <a:pt x="10685490" y="2323616"/>
+                  <a:pt x="10709874" y="2309357"/>
+                  <a:pt x="10732516" y="2287706"/>
+                </a:cubicBezTo>
+                <a:cubicBezTo>
+                  <a:pt x="10817280" y="2206905"/>
+                  <a:pt x="10817860" y="2205850"/>
+                  <a:pt x="10731357" y="2137725"/>
+                </a:cubicBezTo>
+                <a:cubicBezTo>
+                  <a:pt x="10706391" y="2118185"/>
+                  <a:pt x="10689555" y="2097061"/>
+                  <a:pt x="10678525" y="2070656"/>
+                </a:cubicBezTo>
+                <a:cubicBezTo>
+                  <a:pt x="10658203" y="2022599"/>
+                  <a:pt x="10658784" y="1982463"/>
+                  <a:pt x="10735999" y="1956587"/>
+                </a:cubicBezTo>
+                <a:cubicBezTo>
+                  <a:pt x="10789993" y="1938104"/>
+                  <a:pt x="10820762" y="1916978"/>
+                  <a:pt x="10824246" y="1862584"/>
+                </a:cubicBezTo>
+                <a:cubicBezTo>
+                  <a:pt x="10826570" y="1817166"/>
+                  <a:pt x="10832955" y="1787594"/>
+                  <a:pt x="10773156" y="1768054"/>
+                </a:cubicBezTo>
+                <a:cubicBezTo>
+                  <a:pt x="10724969" y="1752211"/>
+                  <a:pt x="10711036" y="1718412"/>
+                  <a:pt x="10716261" y="1678278"/>
+                </a:cubicBezTo>
+                <a:cubicBezTo>
+                  <a:pt x="10728452" y="1580050"/>
+                  <a:pt x="10662849" y="1522487"/>
+                  <a:pt x="10554864" y="1477599"/>
+                </a:cubicBezTo>
+                <a:cubicBezTo>
+                  <a:pt x="10452101" y="1434822"/>
+                  <a:pt x="10362116" y="1377259"/>
+                  <a:pt x="10267483" y="1324977"/>
+                </a:cubicBezTo>
+                <a:cubicBezTo>
+                  <a:pt x="10162399" y="1266887"/>
+                  <a:pt x="10040481" y="1232031"/>
+                  <a:pt x="9913337" y="1202458"/>
+                </a:cubicBezTo>
+                <a:cubicBezTo>
+                  <a:pt x="9936561" y="1160210"/>
+                  <a:pt x="10016678" y="1183974"/>
+                  <a:pt x="10024805" y="1124827"/>
+                </a:cubicBezTo>
+                <a:cubicBezTo>
+                  <a:pt x="9826251" y="1074658"/>
+                  <a:pt x="9636408" y="999139"/>
+                  <a:pt x="9411726" y="980655"/>
+                </a:cubicBezTo>
+                <a:cubicBezTo>
+                  <a:pt x="9593444" y="990161"/>
+                  <a:pt x="9758326" y="922036"/>
+                  <a:pt x="9930753" y="901968"/>
+                </a:cubicBezTo>
+                <a:cubicBezTo>
+                  <a:pt x="9947008" y="868698"/>
+                  <a:pt x="9909273" y="877147"/>
+                  <a:pt x="9894178" y="871339"/>
+                </a:cubicBezTo>
+                <a:cubicBezTo>
+                  <a:pt x="9879083" y="865001"/>
+                  <a:pt x="9860506" y="862889"/>
+                  <a:pt x="9858182" y="839125"/>
+                </a:cubicBezTo>
+                <a:cubicBezTo>
+                  <a:pt x="9941205" y="804798"/>
+                  <a:pt x="10045126" y="827506"/>
+                  <a:pt x="10131050" y="792652"/>
+                </a:cubicBezTo>
+                <a:cubicBezTo>
+                  <a:pt x="10111891" y="741954"/>
+                  <a:pt x="10037578" y="772583"/>
+                  <a:pt x="10006808" y="731920"/>
+                </a:cubicBezTo>
+                <a:cubicBezTo>
+                  <a:pt x="10086927" y="724526"/>
+                  <a:pt x="10161239" y="721357"/>
+                  <a:pt x="10233809" y="710268"/>
+                </a:cubicBezTo>
+                <a:cubicBezTo>
+                  <a:pt x="10290705" y="701818"/>
+                  <a:pt x="10306380" y="658513"/>
+                  <a:pt x="10267483" y="628940"/>
+                </a:cubicBezTo>
+                <a:cubicBezTo>
+                  <a:pt x="10232648" y="602536"/>
+                  <a:pt x="10181559" y="600422"/>
+                  <a:pt x="10136275" y="589333"/>
+                </a:cubicBezTo>
+                <a:cubicBezTo>
+                  <a:pt x="9813479" y="512230"/>
+                  <a:pt x="9474428" y="487409"/>
+                  <a:pt x="9131312" y="480544"/>
+                </a:cubicBezTo>
+                <a:cubicBezTo>
+                  <a:pt x="8580936" y="469453"/>
+                  <a:pt x="8028817" y="469982"/>
+                  <a:pt x="7479600" y="454667"/>
+                </a:cubicBezTo>
+                <a:cubicBezTo>
+                  <a:pt x="7227489" y="447934"/>
+                  <a:pt x="6976357" y="436744"/>
+                  <a:pt x="6724001" y="434021"/>
+                </a:cubicBezTo>
+                <a:close/>
+                <a:moveTo>
+                  <a:pt x="0" y="0"/>
+                </a:moveTo>
+                <a:lnTo>
+                  <a:pt x="12192000" y="0"/>
+                </a:lnTo>
+                <a:lnTo>
+                  <a:pt x="12192000" y="6858000"/>
+                </a:lnTo>
+                <a:lnTo>
+                  <a:pt x="0" y="6858000"/>
+                </a:lnTo>
+                <a:close/>
+              </a:path>
+            </a:pathLst>
+          </a:custGeom>
+          <a:solidFill>
+            <a:schemeClr val="bg2">
+              <a:alpha val="50000"/>
+            </a:schemeClr>
+          </a:solidFill>
+          <a:ln w="32707" cap="flat">
+            <a:noFill/>
+            <a:prstDash val="solid"/>
+            <a:miter/>
+          </a:ln>
+        </p:spPr>
+        <p:txBody>
+          <a:bodyPr wrap="square" rtlCol="0" anchor="ctr">
+            <a:noAutofit/>
+          </a:bodyPr>
+          <a:lstStyle/>
+          <a:p>
+            <a:pPr algn="ctr"/>
+            <a:endParaRPr lang="en-US"/>
+          </a:p>
+        </p:txBody>
+      </p:sp>
+      <mc:AlternateContent xmlns:mc="http://schemas.openxmlformats.org/markup-compatibility/2006">
+        <mc:Choice xmlns:p14="http://schemas.microsoft.com/office/powerpoint/2010/main" Requires="p14">
+          <p:contentPart p14:bwMode="auto" r:id="rId3">
+            <p14:nvContentPartPr>
+              <p14:cNvPr id="2" name="Ink 1">
+                <a:extLst>
+                  <a:ext uri="{FF2B5EF4-FFF2-40B4-BE49-F238E27FC236}">
+                    <a16:creationId xmlns:a16="http://schemas.microsoft.com/office/drawing/2014/main" id="{DFA62668-2D1A-B432-CDA9-712BEDF34741}"/>
+                  </a:ext>
+                </a:extLst>
+              </p14:cNvPr>
+              <p14:cNvContentPartPr/>
+              <p14:nvPr/>
+            </p14:nvContentPartPr>
+            <p14:xfrm>
+              <a:off x="3388720" y="150427"/>
+              <a:ext cx="360" cy="360"/>
+            </p14:xfrm>
+          </p:contentPart>
+        </mc:Choice>
+        <mc:Fallback>
+          <p:pic>
+            <p:nvPicPr>
+              <p:cNvPr id="2" name="Ink 1">
+                <a:extLst>
+                  <a:ext uri="{FF2B5EF4-FFF2-40B4-BE49-F238E27FC236}">
+                    <a16:creationId xmlns:a16="http://schemas.microsoft.com/office/drawing/2014/main" id="{DFA62668-2D1A-B432-CDA9-712BEDF34741}"/>
+                  </a:ext>
+                </a:extLst>
+              </p:cNvPr>
+              <p:cNvPicPr/>
+              <p:nvPr/>
+            </p:nvPicPr>
+            <p:blipFill>
+              <a:blip r:embed="rId4"/>
+              <a:stretch>
+                <a:fillRect/>
+              </a:stretch>
+            </p:blipFill>
+            <p:spPr>
+              <a:xfrm>
+                <a:off x="3379720" y="141427"/>
+                <a:ext cx="18000" cy="18000"/>
+              </a:xfrm>
+              <a:prstGeom prst="rect">
+                <a:avLst/>
+              </a:prstGeom>
+            </p:spPr>
+          </p:pic>
+        </mc:Fallback>
+      </mc:AlternateContent>
+      <p:sp>
+        <p:nvSpPr>
+          <p:cNvPr id="24" name="TextBox 23">
+            <a:extLst>
+              <a:ext uri="{FF2B5EF4-FFF2-40B4-BE49-F238E27FC236}">
+                <a16:creationId xmlns:a16="http://schemas.microsoft.com/office/drawing/2014/main" id="{0A8E9643-E02A-7D89-F787-5A3FE84FA99A}"/>
+              </a:ext>
+            </a:extLst>
+          </p:cNvPr>
+          <p:cNvSpPr txBox="1"/>
+          <p:nvPr/>
+        </p:nvSpPr>
+        <p:spPr>
+          <a:xfrm>
+            <a:off x="6763091" y="0"/>
+            <a:ext cx="5296251" cy="568745"/>
+          </a:xfrm>
+          <a:prstGeom prst="rect">
+            <a:avLst/>
+          </a:prstGeom>
+          <a:noFill/>
+        </p:spPr>
+        <p:txBody>
+          <a:bodyPr wrap="square" rtlCol="0">
+            <a:spAutoFit/>
+          </a:bodyPr>
+          <a:lstStyle/>
+          <a:p>
+            <a:pPr>
+              <a:lnSpc>
+                <a:spcPct val="200000"/>
+              </a:lnSpc>
+              <a:spcAft>
+                <a:spcPts val="600"/>
+              </a:spcAft>
+            </a:pPr>
+            <a:r>
+              <a:rPr lang="en-US"/>
+              <a:t>	</a:t>
+            </a:r>
+          </a:p>
+        </p:txBody>
+      </p:sp>
+      <p:sp>
+        <p:nvSpPr>
+          <p:cNvPr id="10" name="TextBox 9">
+            <a:extLst>
+              <a:ext uri="{FF2B5EF4-FFF2-40B4-BE49-F238E27FC236}">
+                <a16:creationId xmlns:a16="http://schemas.microsoft.com/office/drawing/2014/main" id="{0D2F4D0D-036B-E583-8CA9-D2714B6761EF}"/>
+              </a:ext>
+            </a:extLst>
+          </p:cNvPr>
+          <p:cNvSpPr txBox="1"/>
+          <p:nvPr/>
+        </p:nvSpPr>
+        <p:spPr>
+          <a:xfrm>
+            <a:off x="6326508" y="487943"/>
+            <a:ext cx="5865492" cy="5547929"/>
+          </a:xfrm>
+          <a:prstGeom prst="rect">
+            <a:avLst/>
+          </a:prstGeom>
+          <a:noFill/>
+        </p:spPr>
+        <p:txBody>
+          <a:bodyPr wrap="square" rtlCol="0">
+            <a:spAutoFit/>
+          </a:bodyPr>
+          <a:lstStyle/>
+          <a:p>
+            <a:pPr lvl="1">
+              <a:lnSpc>
+                <a:spcPct val="200000"/>
+              </a:lnSpc>
+            </a:pPr>
+            <a:r>
+              <a:rPr lang="en-US" dirty="0">
+                <a:latin typeface="Times New Roman" panose="02020603050405020304" pitchFamily="18" charset="0"/>
+                <a:cs typeface="Times New Roman" panose="02020603050405020304" pitchFamily="18" charset="0"/>
+              </a:rPr>
+              <a:t>	Because the main material resource used by the Maya for tools and power procurement by Maya elites, researchers at the University of Illinois traced the movement of obsidian through sediment analysis. They discovered the trade of obsidian and other materials declined as trade routes were shifted from inland river networks to coastal networks. As inland trade centers decreased, the reliance on coastal trade networks increased, depriving many key Maya inland cities and sites of needed resources. </a:t>
+            </a:r>
+            <a:endParaRPr lang="en-CA" dirty="0">
+              <a:latin typeface="Times New Roman" panose="02020603050405020304" pitchFamily="18" charset="0"/>
+              <a:cs typeface="Times New Roman" panose="02020603050405020304" pitchFamily="18" charset="0"/>
+            </a:endParaRPr>
+          </a:p>
+        </p:txBody>
+      </p:sp>
+      <p:pic>
+        <p:nvPicPr>
+          <p:cNvPr id="5" name="Picture 4">
+            <a:extLst>
+              <a:ext uri="{FF2B5EF4-FFF2-40B4-BE49-F238E27FC236}">
+                <a16:creationId xmlns:a16="http://schemas.microsoft.com/office/drawing/2014/main" id="{1299ABAB-76D8-04D5-2C0C-B0D27FF5FA7D}"/>
+              </a:ext>
+            </a:extLst>
+          </p:cNvPr>
+          <p:cNvPicPr>
+            <a:picLocks noChangeAspect="1"/>
+          </p:cNvPicPr>
+          <p:nvPr/>
+        </p:nvPicPr>
+        <p:blipFill>
+          <a:blip r:embed="rId5"/>
+          <a:stretch>
+            <a:fillRect/>
+          </a:stretch>
+        </p:blipFill>
+        <p:spPr>
+          <a:xfrm>
+            <a:off x="0" y="0"/>
+            <a:ext cx="6326508" cy="6858000"/>
+          </a:xfrm>
+          <a:prstGeom prst="rect">
+            <a:avLst/>
+          </a:prstGeom>
+        </p:spPr>
+      </p:pic>
+    </p:spTree>
+    <p:extLst>
+      <p:ext uri="{BB962C8B-B14F-4D97-AF65-F5344CB8AC3E}">
+        <p14:creationId xmlns:p14="http://schemas.microsoft.com/office/powerpoint/2010/main" val="2526716031"/>
+      </p:ext>
+    </p:extLst>
+  </p:cSld>
+  <p:clrMapOvr>
+    <a:masterClrMapping/>
+  </p:clrMapOvr>
+</p:sld>
+</file>
+
+<file path=ppt/slides/slide21.xml><?xml version="1.0" encoding="utf-8"?>
+<p:sld xmlns:a="http://schemas.openxmlformats.org/drawingml/2006/main" xmlns:r="http://schemas.openxmlformats.org/officeDocument/2006/relationships" xmlns:p="http://schemas.openxmlformats.org/presentationml/2006/main">
+  <p:cSld>
+    <p:bg>
+      <p:bgPr>
+        <a:solidFill>
+          <a:schemeClr val="bg1"/>
+        </a:solidFill>
+        <a:effectLst/>
+      </p:bgPr>
+    </p:bg>
+    <p:spTree>
+      <p:nvGrpSpPr>
+        <p:cNvPr id="1" name=""/>
+        <p:cNvGrpSpPr/>
+        <p:nvPr/>
+      </p:nvGrpSpPr>
+      <p:grpSpPr>
+        <a:xfrm>
+          <a:off x="0" y="0"/>
+          <a:ext cx="0" cy="0"/>
+          <a:chOff x="0" y="0"/>
+          <a:chExt cx="0" cy="0"/>
+        </a:xfrm>
+      </p:grpSpPr>
+      <p:sp useBgFill="1">
+        <p:nvSpPr>
+          <p:cNvPr id="32" name="Rectangle 28">
+            <a:extLst>
+              <a:ext uri="{FF2B5EF4-FFF2-40B4-BE49-F238E27FC236}">
+                <a16:creationId xmlns:a16="http://schemas.microsoft.com/office/drawing/2014/main" id="{C7F55EAC-550A-4BDD-9099-3F20B8FA0EBC}"/>
+              </a:ext>
+              <a:ext uri="{C183D7F6-B498-43B3-948B-1728B52AA6E4}">
+                <adec:decorative xmlns:adec="http://schemas.microsoft.com/office/drawing/2017/decorative" val="1"/>
+              </a:ext>
+            </a:extLst>
+          </p:cNvPr>
+          <p:cNvSpPr>
+            <a:spLocks noGrp="1" noRot="1" noChangeAspect="1" noMove="1" noResize="1" noEditPoints="1" noAdjustHandles="1" noChangeArrowheads="1" noChangeShapeType="1" noTextEdit="1"/>
+          </p:cNvSpPr>
+          <p:nvPr>
+            <p:extLst>
+              <p:ext uri="{386F3935-93C4-4BCD-93E2-E3B085C9AB24}">
+                <p16:designElem xmlns:p16="http://schemas.microsoft.com/office/powerpoint/2015/main" val="1"/>
+              </p:ext>
+            </p:extLst>
+          </p:nvPr>
+        </p:nvSpPr>
+        <p:spPr>
+          <a:xfrm>
+            <a:off x="0" y="0"/>
+            <a:ext cx="12192000" cy="6858000"/>
+          </a:xfrm>
+          <a:prstGeom prst="rect">
+            <a:avLst/>
+          </a:prstGeom>
+          <a:ln>
+            <a:noFill/>
+          </a:ln>
+        </p:spPr>
+        <p:style>
+          <a:lnRef idx="2">
+            <a:schemeClr val="accent1">
+              <a:shade val="50000"/>
+            </a:schemeClr>
+          </a:lnRef>
+          <a:fillRef idx="1">
+            <a:schemeClr val="accent1"/>
+          </a:fillRef>
+          <a:effectRef idx="0">
+            <a:schemeClr val="accent1"/>
+          </a:effectRef>
+          <a:fontRef idx="minor">
+            <a:schemeClr val="lt1"/>
+          </a:fontRef>
+        </p:style>
+        <p:txBody>
+          <a:bodyPr rtlCol="0" anchor="ctr"/>
+          <a:lstStyle/>
+          <a:p>
+            <a:pPr algn="ctr"/>
+            <a:endParaRPr lang="en-US"/>
+          </a:p>
+        </p:txBody>
+      </p:sp>
+      <p:sp>
+        <p:nvSpPr>
+          <p:cNvPr id="31" name="Freeform: Shape 30">
+            <a:extLst>
+              <a:ext uri="{FF2B5EF4-FFF2-40B4-BE49-F238E27FC236}">
+                <a16:creationId xmlns:a16="http://schemas.microsoft.com/office/drawing/2014/main" id="{DC4F5A5F-493F-49AE-89B6-D5AF5EBC8B0E}"/>
+              </a:ext>
+              <a:ext uri="{C183D7F6-B498-43B3-948B-1728B52AA6E4}">
+                <adec:decorative xmlns:adec="http://schemas.microsoft.com/office/drawing/2017/decorative" val="1"/>
+              </a:ext>
+            </a:extLst>
+          </p:cNvPr>
+          <p:cNvSpPr>
+            <a:spLocks noGrp="1" noRot="1" noChangeAspect="1" noMove="1" noResize="1" noEditPoints="1" noAdjustHandles="1" noChangeArrowheads="1" noChangeShapeType="1" noTextEdit="1"/>
+          </p:cNvSpPr>
+          <p:nvPr>
+            <p:extLst>
+              <p:ext uri="{386F3935-93C4-4BCD-93E2-E3B085C9AB24}">
+                <p16:designElem xmlns:p16="http://schemas.microsoft.com/office/powerpoint/2015/main" val="1"/>
+              </p:ext>
+            </p:extLst>
+          </p:nvPr>
+        </p:nvSpPr>
+        <p:spPr>
+          <a:xfrm>
+            <a:off x="0" y="0"/>
+            <a:ext cx="12192000" cy="6858000"/>
+          </a:xfrm>
+          <a:custGeom>
+            <a:avLst/>
+            <a:gdLst>
+              <a:gd name="connsiteX0" fmla="*/ 6724001 w 12192000"/>
+              <a:gd name="connsiteY0" fmla="*/ 434021 h 6858000"/>
+              <a:gd name="connsiteX1" fmla="*/ 6471155 w 12192000"/>
+              <a:gd name="connsiteY1" fmla="*/ 434599 h 6858000"/>
+              <a:gd name="connsiteX2" fmla="*/ 5384913 w 12192000"/>
+              <a:gd name="connsiteY2" fmla="*/ 497971 h 6858000"/>
+              <a:gd name="connsiteX3" fmla="*/ 4818280 w 12192000"/>
+              <a:gd name="connsiteY3" fmla="*/ 541802 h 6858000"/>
+              <a:gd name="connsiteX4" fmla="*/ 3965428 w 12192000"/>
+              <a:gd name="connsiteY4" fmla="*/ 675942 h 6858000"/>
+              <a:gd name="connsiteX5" fmla="*/ 3699528 w 12192000"/>
+              <a:gd name="connsiteY5" fmla="*/ 770472 h 6858000"/>
+              <a:gd name="connsiteX6" fmla="*/ 3438854 w 12192000"/>
+              <a:gd name="connsiteY6" fmla="*/ 834899 h 6858000"/>
+              <a:gd name="connsiteX7" fmla="*/ 3367443 w 12192000"/>
+              <a:gd name="connsiteY7" fmla="*/ 893518 h 6858000"/>
+              <a:gd name="connsiteX8" fmla="*/ 3467301 w 12192000"/>
+              <a:gd name="connsiteY8" fmla="*/ 953722 h 6858000"/>
+              <a:gd name="connsiteX9" fmla="*/ 3889955 w 12192000"/>
+              <a:gd name="connsiteY9" fmla="*/ 977486 h 6858000"/>
+              <a:gd name="connsiteX10" fmla="*/ 3502135 w 12192000"/>
+              <a:gd name="connsiteY10" fmla="*/ 1054062 h 6858000"/>
+              <a:gd name="connsiteX11" fmla="*/ 4072832 w 12192000"/>
+              <a:gd name="connsiteY11" fmla="*/ 1017622 h 6858000"/>
+              <a:gd name="connsiteX12" fmla="*/ 4244099 w 12192000"/>
+              <a:gd name="connsiteY12" fmla="*/ 1030825 h 6858000"/>
+              <a:gd name="connsiteX13" fmla="*/ 4095475 w 12192000"/>
+              <a:gd name="connsiteY13" fmla="*/ 1092084 h 6858000"/>
+              <a:gd name="connsiteX14" fmla="*/ 3327386 w 12192000"/>
+              <a:gd name="connsiteY14" fmla="*/ 1215660 h 6858000"/>
+              <a:gd name="connsiteX15" fmla="*/ 3254813 w 12192000"/>
+              <a:gd name="connsiteY15" fmla="*/ 1226749 h 6858000"/>
+              <a:gd name="connsiteX16" fmla="*/ 2776427 w 12192000"/>
+              <a:gd name="connsiteY16" fmla="*/ 1401552 h 6858000"/>
+              <a:gd name="connsiteX17" fmla="*/ 3063226 w 12192000"/>
+              <a:gd name="connsiteY17" fmla="*/ 1384124 h 6858000"/>
+              <a:gd name="connsiteX18" fmla="*/ 2754945 w 12192000"/>
+              <a:gd name="connsiteY18" fmla="*/ 1495025 h 6858000"/>
+              <a:gd name="connsiteX19" fmla="*/ 2381061 w 12192000"/>
+              <a:gd name="connsiteY19" fmla="*/ 1619658 h 6858000"/>
+              <a:gd name="connsiteX20" fmla="*/ 2008336 w 12192000"/>
+              <a:gd name="connsiteY20" fmla="*/ 1814527 h 6858000"/>
+              <a:gd name="connsiteX21" fmla="*/ 1740695 w 12192000"/>
+              <a:gd name="connsiteY21" fmla="*/ 1914337 h 6858000"/>
+              <a:gd name="connsiteX22" fmla="*/ 1787720 w 12192000"/>
+              <a:gd name="connsiteY22" fmla="*/ 1991970 h 6858000"/>
+              <a:gd name="connsiteX23" fmla="*/ 1754048 w 12192000"/>
+              <a:gd name="connsiteY23" fmla="*/ 2078049 h 6858000"/>
+              <a:gd name="connsiteX24" fmla="*/ 2228951 w 12192000"/>
+              <a:gd name="connsiteY24" fmla="*/ 1996721 h 6858000"/>
+              <a:gd name="connsiteX25" fmla="*/ 2054781 w 12192000"/>
+              <a:gd name="connsiteY25" fmla="*/ 2053228 h 6858000"/>
+              <a:gd name="connsiteX26" fmla="*/ 1985693 w 12192000"/>
+              <a:gd name="connsiteY26" fmla="*/ 2109207 h 6858000"/>
+              <a:gd name="connsiteX27" fmla="*/ 2061168 w 12192000"/>
+              <a:gd name="connsiteY27" fmla="*/ 2130859 h 6858000"/>
+              <a:gd name="connsiteX28" fmla="*/ 2388026 w 12192000"/>
+              <a:gd name="connsiteY28" fmla="*/ 2184726 h 6858000"/>
+              <a:gd name="connsiteX29" fmla="*/ 1560719 w 12192000"/>
+              <a:gd name="connsiteY29" fmla="*/ 2384876 h 6858000"/>
+              <a:gd name="connsiteX30" fmla="*/ 1679734 w 12192000"/>
+              <a:gd name="connsiteY30" fmla="*/ 2400191 h 6858000"/>
+              <a:gd name="connsiteX31" fmla="*/ 2882089 w 12192000"/>
+              <a:gd name="connsiteY31" fmla="*/ 2383292 h 6858000"/>
+              <a:gd name="connsiteX32" fmla="*/ 3116638 w 12192000"/>
+              <a:gd name="connsiteY32" fmla="*/ 2359528 h 6858000"/>
+              <a:gd name="connsiteX33" fmla="*/ 2897765 w 12192000"/>
+              <a:gd name="connsiteY33" fmla="*/ 2758243 h 6858000"/>
+              <a:gd name="connsiteX34" fmla="*/ 2981367 w 12192000"/>
+              <a:gd name="connsiteY34" fmla="*/ 2829008 h 6858000"/>
+              <a:gd name="connsiteX35" fmla="*/ 2682955 w 12192000"/>
+              <a:gd name="connsiteY35" fmla="*/ 2846436 h 6858000"/>
+              <a:gd name="connsiteX36" fmla="*/ 2099485 w 12192000"/>
+              <a:gd name="connsiteY36" fmla="*/ 3066653 h 6858000"/>
+              <a:gd name="connsiteX37" fmla="*/ 1807460 w 12192000"/>
+              <a:gd name="connsiteY37" fmla="*/ 3454808 h 6858000"/>
+              <a:gd name="connsiteX38" fmla="*/ 1921251 w 12192000"/>
+              <a:gd name="connsiteY38" fmla="*/ 3540889 h 6858000"/>
+              <a:gd name="connsiteX39" fmla="*/ 1453313 w 12192000"/>
+              <a:gd name="connsiteY39" fmla="*/ 3637002 h 6858000"/>
+              <a:gd name="connsiteX40" fmla="*/ 1686122 w 12192000"/>
+              <a:gd name="connsiteY40" fmla="*/ 3667634 h 6858000"/>
+              <a:gd name="connsiteX41" fmla="*/ 1513692 w 12192000"/>
+              <a:gd name="connsiteY41" fmla="*/ 3725196 h 6858000"/>
+              <a:gd name="connsiteX42" fmla="*/ 1369711 w 12192000"/>
+              <a:gd name="connsiteY42" fmla="*/ 3826063 h 6858000"/>
+              <a:gd name="connsiteX43" fmla="*/ 2051298 w 12192000"/>
+              <a:gd name="connsiteY43" fmla="*/ 3754242 h 6858000"/>
+              <a:gd name="connsiteX44" fmla="*/ 2245207 w 12192000"/>
+              <a:gd name="connsiteY44" fmla="*/ 3797018 h 6858000"/>
+              <a:gd name="connsiteX45" fmla="*/ 2353192 w 12192000"/>
+              <a:gd name="connsiteY45" fmla="*/ 3796489 h 6858000"/>
+              <a:gd name="connsiteX46" fmla="*/ 2490207 w 12192000"/>
+              <a:gd name="connsiteY46" fmla="*/ 3801242 h 6858000"/>
+              <a:gd name="connsiteX47" fmla="*/ 2375835 w 12192000"/>
+              <a:gd name="connsiteY47" fmla="*/ 3839794 h 6858000"/>
+              <a:gd name="connsiteX48" fmla="*/ 2522138 w 12192000"/>
+              <a:gd name="connsiteY48" fmla="*/ 4009841 h 6858000"/>
+              <a:gd name="connsiteX49" fmla="*/ 1998466 w 12192000"/>
+              <a:gd name="connsiteY49" fmla="*/ 4130778 h 6858000"/>
+              <a:gd name="connsiteX50" fmla="*/ 2114580 w 12192000"/>
+              <a:gd name="connsiteY50" fmla="*/ 4154543 h 6858000"/>
+              <a:gd name="connsiteX51" fmla="*/ 2177862 w 12192000"/>
+              <a:gd name="connsiteY51" fmla="*/ 4189925 h 6858000"/>
+              <a:gd name="connsiteX52" fmla="*/ 1868419 w 12192000"/>
+              <a:gd name="connsiteY52" fmla="*/ 4382153 h 6858000"/>
+              <a:gd name="connsiteX53" fmla="*/ 2279460 w 12192000"/>
+              <a:gd name="connsiteY53" fmla="*/ 4356805 h 6858000"/>
+              <a:gd name="connsiteX54" fmla="*/ 2029817 w 12192000"/>
+              <a:gd name="connsiteY54" fmla="*/ 4468235 h 6858000"/>
+              <a:gd name="connsiteX55" fmla="*/ 1560137 w 12192000"/>
+              <a:gd name="connsiteY55" fmla="*/ 4730172 h 6858000"/>
+              <a:gd name="connsiteX56" fmla="*/ 1956664 w 12192000"/>
+              <a:gd name="connsiteY56" fmla="*/ 4820477 h 6858000"/>
+              <a:gd name="connsiteX57" fmla="*/ 3268168 w 12192000"/>
+              <a:gd name="connsiteY57" fmla="*/ 4852692 h 6858000"/>
+              <a:gd name="connsiteX58" fmla="*/ 2807197 w 12192000"/>
+              <a:gd name="connsiteY58" fmla="*/ 4939300 h 6858000"/>
+              <a:gd name="connsiteX59" fmla="*/ 2721272 w 12192000"/>
+              <a:gd name="connsiteY59" fmla="*/ 4970458 h 6858000"/>
+              <a:gd name="connsiteX60" fmla="*/ 2802552 w 12192000"/>
+              <a:gd name="connsiteY60" fmla="*/ 5014291 h 6858000"/>
+              <a:gd name="connsiteX61" fmla="*/ 2537812 w 12192000"/>
+              <a:gd name="connsiteY61" fmla="*/ 5053898 h 6858000"/>
+              <a:gd name="connsiteX62" fmla="*/ 2569744 w 12192000"/>
+              <a:gd name="connsiteY62" fmla="*/ 5153182 h 6858000"/>
+              <a:gd name="connsiteX63" fmla="*/ 1987436 w 12192000"/>
+              <a:gd name="connsiteY63" fmla="*/ 5334320 h 6858000"/>
+              <a:gd name="connsiteX64" fmla="*/ 1972921 w 12192000"/>
+              <a:gd name="connsiteY64" fmla="*/ 5382376 h 6858000"/>
+              <a:gd name="connsiteX65" fmla="*/ 2341001 w 12192000"/>
+              <a:gd name="connsiteY65" fmla="*/ 5360725 h 6858000"/>
+              <a:gd name="connsiteX66" fmla="*/ 2710822 w 12192000"/>
+              <a:gd name="connsiteY66" fmla="*/ 5418816 h 6858000"/>
+              <a:gd name="connsiteX67" fmla="*/ 2833903 w 12192000"/>
+              <a:gd name="connsiteY67" fmla="*/ 5413007 h 6858000"/>
+              <a:gd name="connsiteX68" fmla="*/ 3011556 w 12192000"/>
+              <a:gd name="connsiteY68" fmla="*/ 5399276 h 6858000"/>
+              <a:gd name="connsiteX69" fmla="*/ 3254233 w 12192000"/>
+              <a:gd name="connsiteY69" fmla="*/ 5439412 h 6858000"/>
+              <a:gd name="connsiteX70" fmla="*/ 2792101 w 12192000"/>
+              <a:gd name="connsiteY70" fmla="*/ 5471625 h 6858000"/>
+              <a:gd name="connsiteX71" fmla="*/ 2977303 w 12192000"/>
+              <a:gd name="connsiteY71" fmla="*/ 5539751 h 6858000"/>
+              <a:gd name="connsiteX72" fmla="*/ 3656566 w 12192000"/>
+              <a:gd name="connsiteY72" fmla="*/ 5678642 h 6858000"/>
+              <a:gd name="connsiteX73" fmla="*/ 4858340 w 12192000"/>
+              <a:gd name="connsiteY73" fmla="*/ 5969625 h 6858000"/>
+              <a:gd name="connsiteX74" fmla="*/ 5296668 w 12192000"/>
+              <a:gd name="connsiteY74" fmla="*/ 6043559 h 6858000"/>
+              <a:gd name="connsiteX75" fmla="*/ 5456323 w 12192000"/>
+              <a:gd name="connsiteY75" fmla="*/ 6042502 h 6858000"/>
+              <a:gd name="connsiteX76" fmla="*/ 5267058 w 12192000"/>
+              <a:gd name="connsiteY76" fmla="*/ 6100066 h 6858000"/>
+              <a:gd name="connsiteX77" fmla="*/ 7095266 w 12192000"/>
+              <a:gd name="connsiteY77" fmla="*/ 6287541 h 6858000"/>
+              <a:gd name="connsiteX78" fmla="*/ 9707235 w 12192000"/>
+              <a:gd name="connsiteY78" fmla="*/ 5994446 h 6858000"/>
+              <a:gd name="connsiteX79" fmla="*/ 10083442 w 12192000"/>
+              <a:gd name="connsiteY79" fmla="*/ 5678642 h 6858000"/>
+              <a:gd name="connsiteX80" fmla="*/ 10338892 w 12192000"/>
+              <a:gd name="connsiteY80" fmla="*/ 4650957 h 6858000"/>
+              <a:gd name="connsiteX81" fmla="*/ 10628013 w 12192000"/>
+              <a:gd name="connsiteY81" fmla="*/ 4411198 h 6858000"/>
+              <a:gd name="connsiteX82" fmla="*/ 10802766 w 12192000"/>
+              <a:gd name="connsiteY82" fmla="*/ 4258050 h 6858000"/>
+              <a:gd name="connsiteX83" fmla="*/ 10614662 w 12192000"/>
+              <a:gd name="connsiteY83" fmla="*/ 4150318 h 6858000"/>
+              <a:gd name="connsiteX84" fmla="*/ 10681427 w 12192000"/>
+              <a:gd name="connsiteY84" fmla="*/ 4054203 h 6858000"/>
+              <a:gd name="connsiteX85" fmla="*/ 10520029 w 12192000"/>
+              <a:gd name="connsiteY85" fmla="*/ 3804411 h 6858000"/>
+              <a:gd name="connsiteX86" fmla="*/ 10568798 w 12192000"/>
+              <a:gd name="connsiteY86" fmla="*/ 3466426 h 6858000"/>
+              <a:gd name="connsiteX87" fmla="*/ 10499709 w 12192000"/>
+              <a:gd name="connsiteY87" fmla="*/ 3166465 h 6858000"/>
+              <a:gd name="connsiteX88" fmla="*/ 10489840 w 12192000"/>
+              <a:gd name="connsiteY88" fmla="*/ 2546475 h 6858000"/>
+              <a:gd name="connsiteX89" fmla="*/ 10584471 w 12192000"/>
+              <a:gd name="connsiteY89" fmla="*/ 2512148 h 6858000"/>
+              <a:gd name="connsiteX90" fmla="*/ 10695942 w 12192000"/>
+              <a:gd name="connsiteY90" fmla="*/ 2358471 h 6858000"/>
+              <a:gd name="connsiteX91" fmla="*/ 10732516 w 12192000"/>
+              <a:gd name="connsiteY91" fmla="*/ 2287706 h 6858000"/>
+              <a:gd name="connsiteX92" fmla="*/ 10731357 w 12192000"/>
+              <a:gd name="connsiteY92" fmla="*/ 2137725 h 6858000"/>
+              <a:gd name="connsiteX93" fmla="*/ 10678525 w 12192000"/>
+              <a:gd name="connsiteY93" fmla="*/ 2070656 h 6858000"/>
+              <a:gd name="connsiteX94" fmla="*/ 10735999 w 12192000"/>
+              <a:gd name="connsiteY94" fmla="*/ 1956587 h 6858000"/>
+              <a:gd name="connsiteX95" fmla="*/ 10824246 w 12192000"/>
+              <a:gd name="connsiteY95" fmla="*/ 1862584 h 6858000"/>
+              <a:gd name="connsiteX96" fmla="*/ 10773156 w 12192000"/>
+              <a:gd name="connsiteY96" fmla="*/ 1768054 h 6858000"/>
+              <a:gd name="connsiteX97" fmla="*/ 10716261 w 12192000"/>
+              <a:gd name="connsiteY97" fmla="*/ 1678278 h 6858000"/>
+              <a:gd name="connsiteX98" fmla="*/ 10554864 w 12192000"/>
+              <a:gd name="connsiteY98" fmla="*/ 1477599 h 6858000"/>
+              <a:gd name="connsiteX99" fmla="*/ 10267483 w 12192000"/>
+              <a:gd name="connsiteY99" fmla="*/ 1324977 h 6858000"/>
+              <a:gd name="connsiteX100" fmla="*/ 9913337 w 12192000"/>
+              <a:gd name="connsiteY100" fmla="*/ 1202458 h 6858000"/>
+              <a:gd name="connsiteX101" fmla="*/ 10024805 w 12192000"/>
+              <a:gd name="connsiteY101" fmla="*/ 1124827 h 6858000"/>
+              <a:gd name="connsiteX102" fmla="*/ 9411726 w 12192000"/>
+              <a:gd name="connsiteY102" fmla="*/ 980655 h 6858000"/>
+              <a:gd name="connsiteX103" fmla="*/ 9930753 w 12192000"/>
+              <a:gd name="connsiteY103" fmla="*/ 901968 h 6858000"/>
+              <a:gd name="connsiteX104" fmla="*/ 9894178 w 12192000"/>
+              <a:gd name="connsiteY104" fmla="*/ 871339 h 6858000"/>
+              <a:gd name="connsiteX105" fmla="*/ 9858182 w 12192000"/>
+              <a:gd name="connsiteY105" fmla="*/ 839125 h 6858000"/>
+              <a:gd name="connsiteX106" fmla="*/ 10131050 w 12192000"/>
+              <a:gd name="connsiteY106" fmla="*/ 792652 h 6858000"/>
+              <a:gd name="connsiteX107" fmla="*/ 10006808 w 12192000"/>
+              <a:gd name="connsiteY107" fmla="*/ 731920 h 6858000"/>
+              <a:gd name="connsiteX108" fmla="*/ 10233809 w 12192000"/>
+              <a:gd name="connsiteY108" fmla="*/ 710268 h 6858000"/>
+              <a:gd name="connsiteX109" fmla="*/ 10267483 w 12192000"/>
+              <a:gd name="connsiteY109" fmla="*/ 628940 h 6858000"/>
+              <a:gd name="connsiteX110" fmla="*/ 10136275 w 12192000"/>
+              <a:gd name="connsiteY110" fmla="*/ 589333 h 6858000"/>
+              <a:gd name="connsiteX111" fmla="*/ 9131312 w 12192000"/>
+              <a:gd name="connsiteY111" fmla="*/ 480544 h 6858000"/>
+              <a:gd name="connsiteX112" fmla="*/ 7479600 w 12192000"/>
+              <a:gd name="connsiteY112" fmla="*/ 454667 h 6858000"/>
+              <a:gd name="connsiteX113" fmla="*/ 6724001 w 12192000"/>
+              <a:gd name="connsiteY113" fmla="*/ 434021 h 6858000"/>
+              <a:gd name="connsiteX114" fmla="*/ 0 w 12192000"/>
+              <a:gd name="connsiteY114" fmla="*/ 0 h 6858000"/>
+              <a:gd name="connsiteX115" fmla="*/ 12192000 w 12192000"/>
+              <a:gd name="connsiteY115" fmla="*/ 0 h 6858000"/>
+              <a:gd name="connsiteX116" fmla="*/ 12192000 w 12192000"/>
+              <a:gd name="connsiteY116" fmla="*/ 6858000 h 6858000"/>
+              <a:gd name="connsiteX117" fmla="*/ 0 w 12192000"/>
+              <a:gd name="connsiteY117" fmla="*/ 6858000 h 6858000"/>
+            </a:gdLst>
+            <a:ahLst/>
+            <a:cxnLst>
+              <a:cxn ang="0">
+                <a:pos x="connsiteX0" y="connsiteY0"/>
+              </a:cxn>
+              <a:cxn ang="0">
+                <a:pos x="connsiteX1" y="connsiteY1"/>
+              </a:cxn>
+              <a:cxn ang="0">
+                <a:pos x="connsiteX2" y="connsiteY2"/>
+              </a:cxn>
+              <a:cxn ang="0">
+                <a:pos x="connsiteX3" y="connsiteY3"/>
+              </a:cxn>
+              <a:cxn ang="0">
+                <a:pos x="connsiteX4" y="connsiteY4"/>
+              </a:cxn>
+              <a:cxn ang="0">
+                <a:pos x="connsiteX5" y="connsiteY5"/>
+              </a:cxn>
+              <a:cxn ang="0">
+                <a:pos x="connsiteX6" y="connsiteY6"/>
+              </a:cxn>
+              <a:cxn ang="0">
+                <a:pos x="connsiteX7" y="connsiteY7"/>
+              </a:cxn>
+              <a:cxn ang="0">
+                <a:pos x="connsiteX8" y="connsiteY8"/>
+              </a:cxn>
+              <a:cxn ang="0">
+                <a:pos x="connsiteX9" y="connsiteY9"/>
+              </a:cxn>
+              <a:cxn ang="0">
+                <a:pos x="connsiteX10" y="connsiteY10"/>
+              </a:cxn>
+              <a:cxn ang="0">
+                <a:pos x="connsiteX11" y="connsiteY11"/>
+              </a:cxn>
+              <a:cxn ang="0">
+                <a:pos x="connsiteX12" y="connsiteY12"/>
+              </a:cxn>
+              <a:cxn ang="0">
+                <a:pos x="connsiteX13" y="connsiteY13"/>
+              </a:cxn>
+              <a:cxn ang="0">
+                <a:pos x="connsiteX14" y="connsiteY14"/>
+              </a:cxn>
+              <a:cxn ang="0">
+                <a:pos x="connsiteX15" y="connsiteY15"/>
+              </a:cxn>
+              <a:cxn ang="0">
+                <a:pos x="connsiteX16" y="connsiteY16"/>
+              </a:cxn>
+              <a:cxn ang="0">
+                <a:pos x="connsiteX17" y="connsiteY17"/>
+              </a:cxn>
+              <a:cxn ang="0">
+                <a:pos x="connsiteX18" y="connsiteY18"/>
+              </a:cxn>
+              <a:cxn ang="0">
+                <a:pos x="connsiteX19" y="connsiteY19"/>
+              </a:cxn>
+              <a:cxn ang="0">
+                <a:pos x="connsiteX20" y="connsiteY20"/>
+              </a:cxn>
+              <a:cxn ang="0">
+                <a:pos x="connsiteX21" y="connsiteY21"/>
+              </a:cxn>
+              <a:cxn ang="0">
+                <a:pos x="connsiteX22" y="connsiteY22"/>
+              </a:cxn>
+              <a:cxn ang="0">
+                <a:pos x="connsiteX23" y="connsiteY23"/>
+              </a:cxn>
+              <a:cxn ang="0">
+                <a:pos x="connsiteX24" y="connsiteY24"/>
+              </a:cxn>
+              <a:cxn ang="0">
+                <a:pos x="connsiteX25" y="connsiteY25"/>
+              </a:cxn>
+              <a:cxn ang="0">
+                <a:pos x="connsiteX26" y="connsiteY26"/>
+              </a:cxn>
+              <a:cxn ang="0">
+                <a:pos x="connsiteX27" y="connsiteY27"/>
+              </a:cxn>
+              <a:cxn ang="0">
+                <a:pos x="connsiteX28" y="connsiteY28"/>
+              </a:cxn>
+              <a:cxn ang="0">
+                <a:pos x="connsiteX29" y="connsiteY29"/>
+              </a:cxn>
+              <a:cxn ang="0">
+                <a:pos x="connsiteX30" y="connsiteY30"/>
+              </a:cxn>
+              <a:cxn ang="0">
+                <a:pos x="connsiteX31" y="connsiteY31"/>
+              </a:cxn>
+              <a:cxn ang="0">
+                <a:pos x="connsiteX32" y="connsiteY32"/>
+              </a:cxn>
+              <a:cxn ang="0">
+                <a:pos x="connsiteX33" y="connsiteY33"/>
+              </a:cxn>
+              <a:cxn ang="0">
+                <a:pos x="connsiteX34" y="connsiteY34"/>
+              </a:cxn>
+              <a:cxn ang="0">
+                <a:pos x="connsiteX35" y="connsiteY35"/>
+              </a:cxn>
+              <a:cxn ang="0">
+                <a:pos x="connsiteX36" y="connsiteY36"/>
+              </a:cxn>
+              <a:cxn ang="0">
+                <a:pos x="connsiteX37" y="connsiteY37"/>
+              </a:cxn>
+              <a:cxn ang="0">
+                <a:pos x="connsiteX38" y="connsiteY38"/>
+              </a:cxn>
+              <a:cxn ang="0">
+                <a:pos x="connsiteX39" y="connsiteY39"/>
+              </a:cxn>
+              <a:cxn ang="0">
+                <a:pos x="connsiteX40" y="connsiteY40"/>
+              </a:cxn>
+              <a:cxn ang="0">
+                <a:pos x="connsiteX41" y="connsiteY41"/>
+              </a:cxn>
+              <a:cxn ang="0">
+                <a:pos x="connsiteX42" y="connsiteY42"/>
+              </a:cxn>
+              <a:cxn ang="0">
+                <a:pos x="connsiteX43" y="connsiteY43"/>
+              </a:cxn>
+              <a:cxn ang="0">
+                <a:pos x="connsiteX44" y="connsiteY44"/>
+              </a:cxn>
+              <a:cxn ang="0">
+                <a:pos x="connsiteX45" y="connsiteY45"/>
+              </a:cxn>
+              <a:cxn ang="0">
+                <a:pos x="connsiteX46" y="connsiteY46"/>
+              </a:cxn>
+              <a:cxn ang="0">
+                <a:pos x="connsiteX47" y="connsiteY47"/>
+              </a:cxn>
+              <a:cxn ang="0">
+                <a:pos x="connsiteX48" y="connsiteY48"/>
+              </a:cxn>
+              <a:cxn ang="0">
+                <a:pos x="connsiteX49" y="connsiteY49"/>
+              </a:cxn>
+              <a:cxn ang="0">
+                <a:pos x="connsiteX50" y="connsiteY50"/>
+              </a:cxn>
+              <a:cxn ang="0">
+                <a:pos x="connsiteX51" y="connsiteY51"/>
+              </a:cxn>
+              <a:cxn ang="0">
+                <a:pos x="connsiteX52" y="connsiteY52"/>
+              </a:cxn>
+              <a:cxn ang="0">
+                <a:pos x="connsiteX53" y="connsiteY53"/>
+              </a:cxn>
+              <a:cxn ang="0">
+                <a:pos x="connsiteX54" y="connsiteY54"/>
+              </a:cxn>
+              <a:cxn ang="0">
+                <a:pos x="connsiteX55" y="connsiteY55"/>
+              </a:cxn>
+              <a:cxn ang="0">
+                <a:pos x="connsiteX56" y="connsiteY56"/>
+              </a:cxn>
+              <a:cxn ang="0">
+                <a:pos x="connsiteX57" y="connsiteY57"/>
+              </a:cxn>
+              <a:cxn ang="0">
+                <a:pos x="connsiteX58" y="connsiteY58"/>
+              </a:cxn>
+              <a:cxn ang="0">
+                <a:pos x="connsiteX59" y="connsiteY59"/>
+              </a:cxn>
+              <a:cxn ang="0">
+                <a:pos x="connsiteX60" y="connsiteY60"/>
+              </a:cxn>
+              <a:cxn ang="0">
+                <a:pos x="connsiteX61" y="connsiteY61"/>
+              </a:cxn>
+              <a:cxn ang="0">
+                <a:pos x="connsiteX62" y="connsiteY62"/>
+              </a:cxn>
+              <a:cxn ang="0">
+                <a:pos x="connsiteX63" y="connsiteY63"/>
+              </a:cxn>
+              <a:cxn ang="0">
+                <a:pos x="connsiteX64" y="connsiteY64"/>
+              </a:cxn>
+              <a:cxn ang="0">
+                <a:pos x="connsiteX65" y="connsiteY65"/>
+              </a:cxn>
+              <a:cxn ang="0">
+                <a:pos x="connsiteX66" y="connsiteY66"/>
+              </a:cxn>
+              <a:cxn ang="0">
+                <a:pos x="connsiteX67" y="connsiteY67"/>
+              </a:cxn>
+              <a:cxn ang="0">
+                <a:pos x="connsiteX68" y="connsiteY68"/>
+              </a:cxn>
+              <a:cxn ang="0">
+                <a:pos x="connsiteX69" y="connsiteY69"/>
+              </a:cxn>
+              <a:cxn ang="0">
+                <a:pos x="connsiteX70" y="connsiteY70"/>
+              </a:cxn>
+              <a:cxn ang="0">
+                <a:pos x="connsiteX71" y="connsiteY71"/>
+              </a:cxn>
+              <a:cxn ang="0">
+                <a:pos x="connsiteX72" y="connsiteY72"/>
+              </a:cxn>
+              <a:cxn ang="0">
+                <a:pos x="connsiteX73" y="connsiteY73"/>
+              </a:cxn>
+              <a:cxn ang="0">
+                <a:pos x="connsiteX74" y="connsiteY74"/>
+              </a:cxn>
+              <a:cxn ang="0">
+                <a:pos x="connsiteX75" y="connsiteY75"/>
+              </a:cxn>
+              <a:cxn ang="0">
+                <a:pos x="connsiteX76" y="connsiteY76"/>
+              </a:cxn>
+              <a:cxn ang="0">
+                <a:pos x="connsiteX77" y="connsiteY77"/>
+              </a:cxn>
+              <a:cxn ang="0">
+                <a:pos x="connsiteX78" y="connsiteY78"/>
+              </a:cxn>
+              <a:cxn ang="0">
+                <a:pos x="connsiteX79" y="connsiteY79"/>
+              </a:cxn>
+              <a:cxn ang="0">
+                <a:pos x="connsiteX80" y="connsiteY80"/>
+              </a:cxn>
+              <a:cxn ang="0">
+                <a:pos x="connsiteX81" y="connsiteY81"/>
+              </a:cxn>
+              <a:cxn ang="0">
+                <a:pos x="connsiteX82" y="connsiteY82"/>
+              </a:cxn>
+              <a:cxn ang="0">
+                <a:pos x="connsiteX83" y="connsiteY83"/>
+              </a:cxn>
+              <a:cxn ang="0">
+                <a:pos x="connsiteX84" y="connsiteY84"/>
+              </a:cxn>
+              <a:cxn ang="0">
+                <a:pos x="connsiteX85" y="connsiteY85"/>
+              </a:cxn>
+              <a:cxn ang="0">
+                <a:pos x="connsiteX86" y="connsiteY86"/>
+              </a:cxn>
+              <a:cxn ang="0">
+                <a:pos x="connsiteX87" y="connsiteY87"/>
+              </a:cxn>
+              <a:cxn ang="0">
+                <a:pos x="connsiteX88" y="connsiteY88"/>
+              </a:cxn>
+              <a:cxn ang="0">
+                <a:pos x="connsiteX89" y="connsiteY89"/>
+              </a:cxn>
+              <a:cxn ang="0">
+                <a:pos x="connsiteX90" y="connsiteY90"/>
+              </a:cxn>
+              <a:cxn ang="0">
+                <a:pos x="connsiteX91" y="connsiteY91"/>
+              </a:cxn>
+              <a:cxn ang="0">
+                <a:pos x="connsiteX92" y="connsiteY92"/>
+              </a:cxn>
+              <a:cxn ang="0">
+                <a:pos x="connsiteX93" y="connsiteY93"/>
+              </a:cxn>
+              <a:cxn ang="0">
+                <a:pos x="connsiteX94" y="connsiteY94"/>
+              </a:cxn>
+              <a:cxn ang="0">
+                <a:pos x="connsiteX95" y="connsiteY95"/>
+              </a:cxn>
+              <a:cxn ang="0">
+                <a:pos x="connsiteX96" y="connsiteY96"/>
+              </a:cxn>
+              <a:cxn ang="0">
+                <a:pos x="connsiteX97" y="connsiteY97"/>
+              </a:cxn>
+              <a:cxn ang="0">
+                <a:pos x="connsiteX98" y="connsiteY98"/>
+              </a:cxn>
+              <a:cxn ang="0">
+                <a:pos x="connsiteX99" y="connsiteY99"/>
+              </a:cxn>
+              <a:cxn ang="0">
+                <a:pos x="connsiteX100" y="connsiteY100"/>
+              </a:cxn>
+              <a:cxn ang="0">
+                <a:pos x="connsiteX101" y="connsiteY101"/>
+              </a:cxn>
+              <a:cxn ang="0">
+                <a:pos x="connsiteX102" y="connsiteY102"/>
+              </a:cxn>
+              <a:cxn ang="0">
+                <a:pos x="connsiteX103" y="connsiteY103"/>
+              </a:cxn>
+              <a:cxn ang="0">
+                <a:pos x="connsiteX104" y="connsiteY104"/>
+              </a:cxn>
+              <a:cxn ang="0">
+                <a:pos x="connsiteX105" y="connsiteY105"/>
+              </a:cxn>
+              <a:cxn ang="0">
+                <a:pos x="connsiteX106" y="connsiteY106"/>
+              </a:cxn>
+              <a:cxn ang="0">
+                <a:pos x="connsiteX107" y="connsiteY107"/>
+              </a:cxn>
+              <a:cxn ang="0">
+                <a:pos x="connsiteX108" y="connsiteY108"/>
+              </a:cxn>
+              <a:cxn ang="0">
+                <a:pos x="connsiteX109" y="connsiteY109"/>
+              </a:cxn>
+              <a:cxn ang="0">
+                <a:pos x="connsiteX110" y="connsiteY110"/>
+              </a:cxn>
+              <a:cxn ang="0">
+                <a:pos x="connsiteX111" y="connsiteY111"/>
+              </a:cxn>
+              <a:cxn ang="0">
+                <a:pos x="connsiteX112" y="connsiteY112"/>
+              </a:cxn>
+              <a:cxn ang="0">
+                <a:pos x="connsiteX113" y="connsiteY113"/>
+              </a:cxn>
+              <a:cxn ang="0">
+                <a:pos x="connsiteX114" y="connsiteY114"/>
+              </a:cxn>
+              <a:cxn ang="0">
+                <a:pos x="connsiteX115" y="connsiteY115"/>
+              </a:cxn>
+              <a:cxn ang="0">
+                <a:pos x="connsiteX116" y="connsiteY116"/>
+              </a:cxn>
+              <a:cxn ang="0">
+                <a:pos x="connsiteX117" y="connsiteY117"/>
+              </a:cxn>
+            </a:cxnLst>
+            <a:rect l="l" t="t" r="r" b="b"/>
+            <a:pathLst>
+              <a:path w="12192000" h="6858000">
+                <a:moveTo>
+                  <a:pt x="6724001" y="434021"/>
+                </a:moveTo>
+                <a:cubicBezTo>
+                  <a:pt x="6639882" y="433113"/>
+                  <a:pt x="6555627" y="433147"/>
+                  <a:pt x="6471155" y="434599"/>
+                </a:cubicBezTo>
+                <a:cubicBezTo>
+                  <a:pt x="6109461" y="440937"/>
+                  <a:pt x="5748349" y="439351"/>
+                  <a:pt x="5384913" y="497971"/>
+                </a:cubicBezTo>
+                <a:cubicBezTo>
+                  <a:pt x="5199132" y="528072"/>
+                  <a:pt x="5005803" y="518038"/>
+                  <a:pt x="4818280" y="541802"/>
+                </a:cubicBezTo>
+                <a:cubicBezTo>
+                  <a:pt x="4532641" y="578242"/>
+                  <a:pt x="4247003" y="621019"/>
+                  <a:pt x="3965428" y="675942"/>
+                </a:cubicBezTo>
+                <a:cubicBezTo>
+                  <a:pt x="3877181" y="693369"/>
+                  <a:pt x="3768034" y="703930"/>
+                  <a:pt x="3699528" y="770472"/>
+                </a:cubicBezTo>
+                <a:cubicBezTo>
+                  <a:pt x="3590961" y="728224"/>
+                  <a:pt x="3523617" y="807966"/>
+                  <a:pt x="3438854" y="834899"/>
+                </a:cubicBezTo>
+                <a:cubicBezTo>
+                  <a:pt x="3405761" y="845462"/>
+                  <a:pt x="3362218" y="860248"/>
+                  <a:pt x="3367443" y="893518"/>
+                </a:cubicBezTo>
+                <a:cubicBezTo>
+                  <a:pt x="3372089" y="935238"/>
+                  <a:pt x="3420855" y="962172"/>
+                  <a:pt x="3467301" y="953722"/>
+                </a:cubicBezTo>
+                <a:cubicBezTo>
+                  <a:pt x="3611863" y="927317"/>
+                  <a:pt x="3741328" y="986464"/>
+                  <a:pt x="3889955" y="977486"/>
+                </a:cubicBezTo>
+                <a:cubicBezTo>
+                  <a:pt x="3760488" y="1002836"/>
+                  <a:pt x="3631601" y="1028713"/>
+                  <a:pt x="3502135" y="1054062"/>
+                </a:cubicBezTo>
+                <a:cubicBezTo>
+                  <a:pt x="3694303" y="1074129"/>
+                  <a:pt x="3883568" y="1038218"/>
+                  <a:pt x="4072832" y="1017622"/>
+                </a:cubicBezTo>
+                <a:cubicBezTo>
+                  <a:pt x="4133792" y="1011285"/>
+                  <a:pt x="4228424" y="962699"/>
+                  <a:pt x="4244099" y="1030825"/>
+                </a:cubicBezTo>
+                <a:cubicBezTo>
+                  <a:pt x="4254550" y="1076242"/>
+                  <a:pt x="4152951" y="1079410"/>
+                  <a:pt x="4095475" y="1092084"/>
+                </a:cubicBezTo>
+                <a:cubicBezTo>
+                  <a:pt x="3841766" y="1146479"/>
+                  <a:pt x="3583994" y="1178165"/>
+                  <a:pt x="3327386" y="1215660"/>
+                </a:cubicBezTo>
+                <a:cubicBezTo>
+                  <a:pt x="3303001" y="1219357"/>
+                  <a:pt x="3271070" y="1216188"/>
+                  <a:pt x="3254813" y="1226749"/>
+                </a:cubicBezTo>
+                <a:cubicBezTo>
+                  <a:pt x="3123605" y="1311774"/>
+                  <a:pt x="2957563" y="1339765"/>
+                  <a:pt x="2776427" y="1401552"/>
+                </a:cubicBezTo>
+                <a:cubicBezTo>
+                  <a:pt x="2890798" y="1430598"/>
+                  <a:pt x="2968012" y="1370921"/>
+                  <a:pt x="3063226" y="1384124"/>
+                </a:cubicBezTo>
+                <a:cubicBezTo>
+                  <a:pt x="2966272" y="1448024"/>
+                  <a:pt x="2853641" y="1460171"/>
+                  <a:pt x="2754945" y="1495025"/>
+                </a:cubicBezTo>
+                <a:cubicBezTo>
+                  <a:pt x="2684117" y="1519846"/>
+                  <a:pt x="2421119" y="1597477"/>
+                  <a:pt x="2381061" y="1619658"/>
+                </a:cubicBezTo>
+                <a:cubicBezTo>
+                  <a:pt x="2260302" y="1688311"/>
+                  <a:pt x="2107033" y="1720525"/>
+                  <a:pt x="2008336" y="1814527"/>
+                </a:cubicBezTo>
+                <a:cubicBezTo>
+                  <a:pt x="1938668" y="1880540"/>
+                  <a:pt x="1822554" y="1868393"/>
+                  <a:pt x="1740695" y="1914337"/>
+                </a:cubicBezTo>
+                <a:cubicBezTo>
+                  <a:pt x="1711667" y="1957642"/>
+                  <a:pt x="1767982" y="1968733"/>
+                  <a:pt x="1787720" y="1991970"/>
+                </a:cubicBezTo>
+                <a:cubicBezTo>
+                  <a:pt x="1813846" y="2023126"/>
+                  <a:pt x="1767401" y="2040555"/>
+                  <a:pt x="1754048" y="2078049"/>
+                </a:cubicBezTo>
+                <a:cubicBezTo>
+                  <a:pt x="1907898" y="2035802"/>
+                  <a:pt x="2054781" y="2010981"/>
+                  <a:pt x="2228951" y="1996721"/>
+                </a:cubicBezTo>
+                <a:cubicBezTo>
+                  <a:pt x="2171475" y="2057452"/>
+                  <a:pt x="2101807" y="2031048"/>
+                  <a:pt x="2054781" y="2053228"/>
+                </a:cubicBezTo>
+                <a:cubicBezTo>
+                  <a:pt x="2024011" y="2067487"/>
+                  <a:pt x="1976984" y="2073824"/>
+                  <a:pt x="1985693" y="2109207"/>
+                </a:cubicBezTo>
+                <a:cubicBezTo>
+                  <a:pt x="1992660" y="2137196"/>
+                  <a:pt x="2032140" y="2133500"/>
+                  <a:pt x="2061168" y="2130859"/>
+                </a:cubicBezTo>
+                <a:cubicBezTo>
+                  <a:pt x="2172636" y="2120825"/>
+                  <a:pt x="2281202" y="2117656"/>
+                  <a:pt x="2388026" y="2184726"/>
+                </a:cubicBezTo>
+                <a:cubicBezTo>
+                  <a:pt x="2116321" y="2282425"/>
+                  <a:pt x="1803977" y="2241233"/>
+                  <a:pt x="1560719" y="2384876"/>
+                </a:cubicBezTo>
+                <a:cubicBezTo>
+                  <a:pt x="1594973" y="2429237"/>
+                  <a:pt x="1643739" y="2405472"/>
+                  <a:pt x="1679734" y="2400191"/>
+                </a:cubicBezTo>
+                <a:cubicBezTo>
+                  <a:pt x="1916026" y="2364279"/>
+                  <a:pt x="2760170" y="2428180"/>
+                  <a:pt x="2882089" y="2383292"/>
+                </a:cubicBezTo>
+                <a:cubicBezTo>
+                  <a:pt x="2956983" y="2355830"/>
+                  <a:pt x="3035941" y="2342628"/>
+                  <a:pt x="3116638" y="2359528"/>
+                </a:cubicBezTo>
+                <a:cubicBezTo>
+                  <a:pt x="3194434" y="2375898"/>
+                  <a:pt x="3174696" y="2605622"/>
+                  <a:pt x="2897765" y="2758243"/>
+                </a:cubicBezTo>
+                <a:cubicBezTo>
+                  <a:pt x="2858286" y="2779895"/>
+                  <a:pt x="3034779" y="2811053"/>
+                  <a:pt x="2981367" y="2829008"/>
+                </a:cubicBezTo>
+                <a:cubicBezTo>
+                  <a:pt x="2939566" y="2843267"/>
+                  <a:pt x="2734626" y="2835346"/>
+                  <a:pt x="2682955" y="2846436"/>
+                </a:cubicBezTo>
+                <a:cubicBezTo>
+                  <a:pt x="2662635" y="2851188"/>
+                  <a:pt x="2040267" y="3029159"/>
+                  <a:pt x="2099485" y="3066653"/>
+                </a:cubicBezTo>
+                <a:cubicBezTo>
+                  <a:pt x="2276558" y="3179139"/>
+                  <a:pt x="2869897" y="3385098"/>
+                  <a:pt x="1807460" y="3454808"/>
+                </a:cubicBezTo>
+                <a:cubicBezTo>
+                  <a:pt x="1841132" y="3495472"/>
+                  <a:pt x="1934024" y="3469596"/>
+                  <a:pt x="1921251" y="3540889"/>
+                </a:cubicBezTo>
+                <a:cubicBezTo>
+                  <a:pt x="1780173" y="3579440"/>
+                  <a:pt x="1617035" y="3577328"/>
+                  <a:pt x="1453313" y="3637002"/>
+                </a:cubicBezTo>
+                <a:cubicBezTo>
+                  <a:pt x="1527047" y="3680307"/>
+                  <a:pt x="1611808" y="3653902"/>
+                  <a:pt x="1686122" y="3667634"/>
+                </a:cubicBezTo>
+                <a:cubicBezTo>
+                  <a:pt x="1644320" y="3722027"/>
+                  <a:pt x="1572330" y="3713578"/>
+                  <a:pt x="1513692" y="3725196"/>
+                </a:cubicBezTo>
+                <a:cubicBezTo>
+                  <a:pt x="1459700" y="3736286"/>
+                  <a:pt x="1345329" y="3830816"/>
+                  <a:pt x="1369711" y="3826063"/>
+                </a:cubicBezTo>
+                <a:cubicBezTo>
+                  <a:pt x="1595553" y="3783815"/>
+                  <a:pt x="1824877" y="3795434"/>
+                  <a:pt x="2051298" y="3754242"/>
+                </a:cubicBezTo>
+                <a:cubicBezTo>
+                  <a:pt x="2126192" y="3740511"/>
+                  <a:pt x="2210955" y="3714106"/>
+                  <a:pt x="2245207" y="3797018"/>
+                </a:cubicBezTo>
+                <a:cubicBezTo>
+                  <a:pt x="2255659" y="3821310"/>
+                  <a:pt x="2248109" y="3829232"/>
+                  <a:pt x="2353192" y="3796489"/>
+                </a:cubicBezTo>
+                <a:cubicBezTo>
+                  <a:pt x="2394414" y="3783815"/>
+                  <a:pt x="2448988" y="3770085"/>
+                  <a:pt x="2490207" y="3801242"/>
+                </a:cubicBezTo>
+                <a:cubicBezTo>
+                  <a:pt x="2464082" y="3840321"/>
+                  <a:pt x="2413572" y="3828703"/>
+                  <a:pt x="2375835" y="3839794"/>
+                </a:cubicBezTo>
+                <a:cubicBezTo>
+                  <a:pt x="2275978" y="3868311"/>
+                  <a:pt x="2619094" y="3977100"/>
+                  <a:pt x="2522138" y="4009841"/>
+                </a:cubicBezTo>
+                <a:cubicBezTo>
+                  <a:pt x="2323584" y="4076912"/>
+                  <a:pt x="2199343" y="4057372"/>
+                  <a:pt x="1998466" y="4130778"/>
+                </a:cubicBezTo>
+                <a:cubicBezTo>
+                  <a:pt x="2066973" y="4129192"/>
+                  <a:pt x="2046072" y="4154543"/>
+                  <a:pt x="2114580" y="4154543"/>
+                </a:cubicBezTo>
+                <a:cubicBezTo>
+                  <a:pt x="2145350" y="4154543"/>
+                  <a:pt x="2177862" y="4160878"/>
+                  <a:pt x="2177862" y="4189925"/>
+                </a:cubicBezTo>
+                <a:cubicBezTo>
+                  <a:pt x="2177862" y="4217385"/>
+                  <a:pt x="1817330" y="4367895"/>
+                  <a:pt x="1868419" y="4382153"/>
+                </a:cubicBezTo>
+                <a:cubicBezTo>
+                  <a:pt x="2007755" y="4420704"/>
+                  <a:pt x="2365385" y="4302410"/>
+                  <a:pt x="2279460" y="4356805"/>
+                </a:cubicBezTo>
+                <a:cubicBezTo>
+                  <a:pt x="2148834" y="4439716"/>
+                  <a:pt x="2129094" y="4456088"/>
+                  <a:pt x="2029817" y="4468235"/>
+                </a:cubicBezTo>
+                <a:cubicBezTo>
+                  <a:pt x="1944474" y="4478796"/>
+                  <a:pt x="1644320" y="4710633"/>
+                  <a:pt x="1560137" y="4730172"/>
+                </a:cubicBezTo>
+                <a:cubicBezTo>
+                  <a:pt x="1485825" y="4747072"/>
+                  <a:pt x="1774947" y="4800410"/>
+                  <a:pt x="1956664" y="4820477"/>
+                </a:cubicBezTo>
+                <a:cubicBezTo>
+                  <a:pt x="2130256" y="4840017"/>
+                  <a:pt x="3101544" y="4789319"/>
+                  <a:pt x="3268168" y="4852692"/>
+                </a:cubicBezTo>
+                <a:cubicBezTo>
+                  <a:pt x="3111993" y="4878041"/>
+                  <a:pt x="2970336" y="4953030"/>
+                  <a:pt x="2807197" y="4939300"/>
+                </a:cubicBezTo>
+                <a:cubicBezTo>
+                  <a:pt x="2773524" y="4936660"/>
+                  <a:pt x="2724756" y="4930323"/>
+                  <a:pt x="2721272" y="4970458"/>
+                </a:cubicBezTo>
+                <a:cubicBezTo>
+                  <a:pt x="2718369" y="5005313"/>
+                  <a:pt x="2788038" y="4981548"/>
+                  <a:pt x="2802552" y="5014291"/>
+                </a:cubicBezTo>
+                <a:cubicBezTo>
+                  <a:pt x="2719531" y="5060235"/>
+                  <a:pt x="2621415" y="5018515"/>
+                  <a:pt x="2537812" y="5053898"/>
+                </a:cubicBezTo>
+                <a:cubicBezTo>
+                  <a:pt x="2491948" y="5099314"/>
+                  <a:pt x="2589483" y="5107236"/>
+                  <a:pt x="2569744" y="5153182"/>
+                </a:cubicBezTo>
+                <a:cubicBezTo>
+                  <a:pt x="2301522" y="5193845"/>
+                  <a:pt x="2252174" y="5268836"/>
+                  <a:pt x="1987436" y="5334320"/>
+                </a:cubicBezTo>
+                <a:cubicBezTo>
+                  <a:pt x="1971179" y="5338545"/>
+                  <a:pt x="1958407" y="5352274"/>
+                  <a:pt x="1972921" y="5382376"/>
+                </a:cubicBezTo>
+                <a:cubicBezTo>
+                  <a:pt x="2087874" y="5396107"/>
+                  <a:pt x="2215599" y="5373399"/>
+                  <a:pt x="2341001" y="5360725"/>
+                </a:cubicBezTo>
+                <a:cubicBezTo>
+                  <a:pt x="2537812" y="5340129"/>
+                  <a:pt x="2533748" y="5339072"/>
+                  <a:pt x="2710822" y="5418816"/>
+                </a:cubicBezTo>
+                <a:cubicBezTo>
+                  <a:pt x="2743914" y="5433602"/>
+                  <a:pt x="2801390" y="5438355"/>
+                  <a:pt x="2833903" y="5413007"/>
+                </a:cubicBezTo>
+                <a:cubicBezTo>
+                  <a:pt x="2896604" y="5364422"/>
+                  <a:pt x="2950016" y="5368646"/>
+                  <a:pt x="3011556" y="5399276"/>
+                </a:cubicBezTo>
+                <a:cubicBezTo>
+                  <a:pt x="3077160" y="5432547"/>
+                  <a:pt x="3171793" y="5391882"/>
+                  <a:pt x="3254233" y="5439412"/>
+                </a:cubicBezTo>
+                <a:cubicBezTo>
+                  <a:pt x="3099802" y="5473739"/>
+                  <a:pt x="2957563" y="5473739"/>
+                  <a:pt x="2792101" y="5471625"/>
+                </a:cubicBezTo>
+                <a:cubicBezTo>
+                  <a:pt x="2846095" y="5537639"/>
+                  <a:pt x="2914601" y="5536582"/>
+                  <a:pt x="2977303" y="5539751"/>
+                </a:cubicBezTo>
+                <a:cubicBezTo>
+                  <a:pt x="3214174" y="5551898"/>
+                  <a:pt x="3601411" y="5660686"/>
+                  <a:pt x="3656566" y="5678642"/>
+                </a:cubicBezTo>
+                <a:cubicBezTo>
+                  <a:pt x="4280675" y="5879847"/>
+                  <a:pt x="4178497" y="5898332"/>
+                  <a:pt x="4858340" y="5969625"/>
+                </a:cubicBezTo>
+                <a:cubicBezTo>
+                  <a:pt x="5261253" y="6011873"/>
+                  <a:pt x="4887368" y="6032469"/>
+                  <a:pt x="5296668" y="6043559"/>
+                </a:cubicBezTo>
+                <a:cubicBezTo>
+                  <a:pt x="5349500" y="6045143"/>
+                  <a:pt x="5402911" y="6044087"/>
+                  <a:pt x="5456323" y="6042502"/>
+                </a:cubicBezTo>
+                <a:cubicBezTo>
+                  <a:pt x="5368077" y="6073134"/>
+                  <a:pt x="5267058" y="6100066"/>
+                  <a:pt x="5267058" y="6100066"/>
+                </a:cubicBezTo>
+                <a:cubicBezTo>
+                  <a:pt x="5267058" y="6100066"/>
+                  <a:pt x="5318728" y="6208854"/>
+                  <a:pt x="7095266" y="6287541"/>
+                </a:cubicBezTo>
+                <a:cubicBezTo>
+                  <a:pt x="7422124" y="6302329"/>
+                  <a:pt x="9563254" y="6024548"/>
+                  <a:pt x="9707235" y="5994446"/>
+                </a:cubicBezTo>
+                <a:cubicBezTo>
+                  <a:pt x="9844249" y="5966984"/>
+                  <a:pt x="10002164" y="5671247"/>
+                  <a:pt x="10083442" y="5678642"/>
+                </a:cubicBezTo>
+                <a:cubicBezTo>
+                  <a:pt x="10103183" y="5653293"/>
+                  <a:pt x="10283158" y="5139979"/>
+                  <a:pt x="10338892" y="4650957"/>
+                </a:cubicBezTo>
+                <a:cubicBezTo>
+                  <a:pt x="10448618" y="4580718"/>
+                  <a:pt x="10551960" y="4503088"/>
+                  <a:pt x="10628013" y="4411198"/>
+                </a:cubicBezTo>
+                <a:cubicBezTo>
+                  <a:pt x="10675040" y="4354692"/>
+                  <a:pt x="10718003" y="4298185"/>
+                  <a:pt x="10802766" y="4258050"/>
+                </a:cubicBezTo>
+                <a:cubicBezTo>
+                  <a:pt x="10755739" y="4203128"/>
+                  <a:pt x="10675040" y="4190453"/>
+                  <a:pt x="10614662" y="4150318"/>
+                </a:cubicBezTo>
+                <a:cubicBezTo>
+                  <a:pt x="10610017" y="4117046"/>
+                  <a:pt x="10705811" y="4127081"/>
+                  <a:pt x="10681427" y="4054203"/>
+                </a:cubicBezTo>
+                <a:cubicBezTo>
+                  <a:pt x="10648335" y="3957032"/>
+                  <a:pt x="10684328" y="3846131"/>
+                  <a:pt x="10520029" y="3804411"/>
+                </a:cubicBezTo>
+                <a:cubicBezTo>
+                  <a:pt x="10476485" y="3709881"/>
+                  <a:pt x="10464294" y="3558845"/>
+                  <a:pt x="10568798" y="3466426"/>
+                </a:cubicBezTo>
+                <a:cubicBezTo>
+                  <a:pt x="10724388" y="3328592"/>
+                  <a:pt x="10699424" y="3240927"/>
+                  <a:pt x="10499709" y="3166465"/>
+                </a:cubicBezTo>
+                <a:cubicBezTo>
+                  <a:pt x="10474164" y="3156958"/>
+                  <a:pt x="10501452" y="2570768"/>
+                  <a:pt x="10489840" y="2546475"/>
+                </a:cubicBezTo>
+                <a:cubicBezTo>
+                  <a:pt x="10508418" y="2513205"/>
+                  <a:pt x="10551960" y="2521126"/>
+                  <a:pt x="10584471" y="2512148"/>
+                </a:cubicBezTo>
+                <a:cubicBezTo>
+                  <a:pt x="10726711" y="2474125"/>
+                  <a:pt x="10731357" y="2474125"/>
+                  <a:pt x="10695942" y="2358471"/>
+                </a:cubicBezTo>
+                <a:cubicBezTo>
+                  <a:pt x="10685490" y="2323616"/>
+                  <a:pt x="10709874" y="2309357"/>
+                  <a:pt x="10732516" y="2287706"/>
+                </a:cubicBezTo>
+                <a:cubicBezTo>
+                  <a:pt x="10817280" y="2206905"/>
+                  <a:pt x="10817860" y="2205850"/>
+                  <a:pt x="10731357" y="2137725"/>
+                </a:cubicBezTo>
+                <a:cubicBezTo>
+                  <a:pt x="10706391" y="2118185"/>
+                  <a:pt x="10689555" y="2097061"/>
+                  <a:pt x="10678525" y="2070656"/>
+                </a:cubicBezTo>
+                <a:cubicBezTo>
+                  <a:pt x="10658203" y="2022599"/>
+                  <a:pt x="10658784" y="1982463"/>
+                  <a:pt x="10735999" y="1956587"/>
+                </a:cubicBezTo>
+                <a:cubicBezTo>
+                  <a:pt x="10789993" y="1938104"/>
+                  <a:pt x="10820762" y="1916978"/>
+                  <a:pt x="10824246" y="1862584"/>
+                </a:cubicBezTo>
+                <a:cubicBezTo>
+                  <a:pt x="10826570" y="1817166"/>
+                  <a:pt x="10832955" y="1787594"/>
+                  <a:pt x="10773156" y="1768054"/>
+                </a:cubicBezTo>
+                <a:cubicBezTo>
+                  <a:pt x="10724969" y="1752211"/>
+                  <a:pt x="10711036" y="1718412"/>
+                  <a:pt x="10716261" y="1678278"/>
+                </a:cubicBezTo>
+                <a:cubicBezTo>
+                  <a:pt x="10728452" y="1580050"/>
+                  <a:pt x="10662849" y="1522487"/>
+                  <a:pt x="10554864" y="1477599"/>
+                </a:cubicBezTo>
+                <a:cubicBezTo>
+                  <a:pt x="10452101" y="1434822"/>
+                  <a:pt x="10362116" y="1377259"/>
+                  <a:pt x="10267483" y="1324977"/>
+                </a:cubicBezTo>
+                <a:cubicBezTo>
+                  <a:pt x="10162399" y="1266887"/>
+                  <a:pt x="10040481" y="1232031"/>
+                  <a:pt x="9913337" y="1202458"/>
+                </a:cubicBezTo>
+                <a:cubicBezTo>
+                  <a:pt x="9936561" y="1160210"/>
+                  <a:pt x="10016678" y="1183974"/>
+                  <a:pt x="10024805" y="1124827"/>
+                </a:cubicBezTo>
+                <a:cubicBezTo>
+                  <a:pt x="9826251" y="1074658"/>
+                  <a:pt x="9636408" y="999139"/>
+                  <a:pt x="9411726" y="980655"/>
+                </a:cubicBezTo>
+                <a:cubicBezTo>
+                  <a:pt x="9593444" y="990161"/>
+                  <a:pt x="9758326" y="922036"/>
+                  <a:pt x="9930753" y="901968"/>
+                </a:cubicBezTo>
+                <a:cubicBezTo>
+                  <a:pt x="9947008" y="868698"/>
+                  <a:pt x="9909273" y="877147"/>
+                  <a:pt x="9894178" y="871339"/>
+                </a:cubicBezTo>
+                <a:cubicBezTo>
+                  <a:pt x="9879083" y="865001"/>
+                  <a:pt x="9860506" y="862889"/>
+                  <a:pt x="9858182" y="839125"/>
+                </a:cubicBezTo>
+                <a:cubicBezTo>
+                  <a:pt x="9941205" y="804798"/>
+                  <a:pt x="10045126" y="827506"/>
+                  <a:pt x="10131050" y="792652"/>
+                </a:cubicBezTo>
+                <a:cubicBezTo>
+                  <a:pt x="10111891" y="741954"/>
+                  <a:pt x="10037578" y="772583"/>
+                  <a:pt x="10006808" y="731920"/>
+                </a:cubicBezTo>
+                <a:cubicBezTo>
+                  <a:pt x="10086927" y="724526"/>
+                  <a:pt x="10161239" y="721357"/>
+                  <a:pt x="10233809" y="710268"/>
+                </a:cubicBezTo>
+                <a:cubicBezTo>
+                  <a:pt x="10290705" y="701818"/>
+                  <a:pt x="10306380" y="658513"/>
+                  <a:pt x="10267483" y="628940"/>
+                </a:cubicBezTo>
+                <a:cubicBezTo>
+                  <a:pt x="10232648" y="602536"/>
+                  <a:pt x="10181559" y="600422"/>
+                  <a:pt x="10136275" y="589333"/>
+                </a:cubicBezTo>
+                <a:cubicBezTo>
+                  <a:pt x="9813479" y="512230"/>
+                  <a:pt x="9474428" y="487409"/>
+                  <a:pt x="9131312" y="480544"/>
+                </a:cubicBezTo>
+                <a:cubicBezTo>
+                  <a:pt x="8580936" y="469453"/>
+                  <a:pt x="8028817" y="469982"/>
+                  <a:pt x="7479600" y="454667"/>
+                </a:cubicBezTo>
+                <a:cubicBezTo>
+                  <a:pt x="7227489" y="447934"/>
+                  <a:pt x="6976357" y="436744"/>
+                  <a:pt x="6724001" y="434021"/>
+                </a:cubicBezTo>
+                <a:close/>
+                <a:moveTo>
+                  <a:pt x="0" y="0"/>
+                </a:moveTo>
+                <a:lnTo>
+                  <a:pt x="12192000" y="0"/>
+                </a:lnTo>
+                <a:lnTo>
+                  <a:pt x="12192000" y="6858000"/>
+                </a:lnTo>
+                <a:lnTo>
+                  <a:pt x="0" y="6858000"/>
+                </a:lnTo>
+                <a:close/>
+              </a:path>
+            </a:pathLst>
+          </a:custGeom>
+          <a:solidFill>
+            <a:schemeClr val="bg2">
+              <a:alpha val="50000"/>
+            </a:schemeClr>
+          </a:solidFill>
+          <a:ln w="32707" cap="flat">
+            <a:noFill/>
+            <a:prstDash val="solid"/>
+            <a:miter/>
+          </a:ln>
+        </p:spPr>
+        <p:txBody>
+          <a:bodyPr wrap="square" rtlCol="0" anchor="ctr">
+            <a:noAutofit/>
+          </a:bodyPr>
+          <a:lstStyle/>
+          <a:p>
+            <a:pPr algn="ctr"/>
+            <a:endParaRPr lang="en-US"/>
+          </a:p>
+        </p:txBody>
+      </p:sp>
+      <mc:AlternateContent xmlns:mc="http://schemas.openxmlformats.org/markup-compatibility/2006" xmlns:p14="http://schemas.microsoft.com/office/powerpoint/2010/main">
+        <mc:Choice Requires="p14">
+          <p:contentPart p14:bwMode="auto" r:id="rId3">
+            <p14:nvContentPartPr>
+              <p14:cNvPr id="2" name="Ink 1">
+                <a:extLst>
+                  <a:ext uri="{FF2B5EF4-FFF2-40B4-BE49-F238E27FC236}">
+                    <a16:creationId xmlns:a16="http://schemas.microsoft.com/office/drawing/2014/main" id="{DFA62668-2D1A-B432-CDA9-712BEDF34741}"/>
+                  </a:ext>
+                </a:extLst>
+              </p14:cNvPr>
+              <p14:cNvContentPartPr/>
+              <p14:nvPr/>
+            </p14:nvContentPartPr>
+            <p14:xfrm>
+              <a:off x="3388720" y="150427"/>
+              <a:ext cx="360" cy="360"/>
+            </p14:xfrm>
+          </p:contentPart>
+        </mc:Choice>
+        <mc:Fallback xmlns="">
+          <p:pic>
+            <p:nvPicPr>
+              <p:cNvPr id="2" name="Ink 1">
+                <a:extLst>
+                  <a:ext uri="{FF2B5EF4-FFF2-40B4-BE49-F238E27FC236}">
+                    <a16:creationId xmlns:a16="http://schemas.microsoft.com/office/drawing/2014/main" id="{DFA62668-2D1A-B432-CDA9-712BEDF34741}"/>
+                  </a:ext>
+                </a:extLst>
+              </p:cNvPr>
+              <p:cNvPicPr/>
+              <p:nvPr/>
+            </p:nvPicPr>
+            <p:blipFill>
+              <a:blip r:embed="rId4"/>
+              <a:stretch>
+                <a:fillRect/>
+              </a:stretch>
+            </p:blipFill>
+            <p:spPr>
+              <a:xfrm>
+                <a:off x="3379720" y="141427"/>
+                <a:ext cx="18000" cy="18000"/>
+              </a:xfrm>
+              <a:prstGeom prst="rect">
+                <a:avLst/>
+              </a:prstGeom>
+            </p:spPr>
+          </p:pic>
+        </mc:Fallback>
+      </mc:AlternateContent>
+      <p:sp>
+        <p:nvSpPr>
+          <p:cNvPr id="24" name="TextBox 23">
+            <a:extLst>
+              <a:ext uri="{FF2B5EF4-FFF2-40B4-BE49-F238E27FC236}">
+                <a16:creationId xmlns:a16="http://schemas.microsoft.com/office/drawing/2014/main" id="{0A8E9643-E02A-7D89-F787-5A3FE84FA99A}"/>
+              </a:ext>
+            </a:extLst>
+          </p:cNvPr>
+          <p:cNvSpPr txBox="1"/>
+          <p:nvPr/>
+        </p:nvSpPr>
+        <p:spPr>
+          <a:xfrm>
+            <a:off x="6763091" y="0"/>
+            <a:ext cx="5296251" cy="568745"/>
+          </a:xfrm>
+          <a:prstGeom prst="rect">
+            <a:avLst/>
+          </a:prstGeom>
+          <a:noFill/>
+        </p:spPr>
+        <p:txBody>
+          <a:bodyPr wrap="square" rtlCol="0">
+            <a:spAutoFit/>
+          </a:bodyPr>
+          <a:lstStyle/>
+          <a:p>
+            <a:pPr>
+              <a:lnSpc>
+                <a:spcPct val="200000"/>
+              </a:lnSpc>
+              <a:spcAft>
+                <a:spcPts val="600"/>
+              </a:spcAft>
+            </a:pPr>
+            <a:r>
+              <a:rPr lang="en-US"/>
+              <a:t>	</a:t>
+            </a:r>
+          </a:p>
+        </p:txBody>
+      </p:sp>
+      <p:sp>
+        <p:nvSpPr>
+          <p:cNvPr id="4" name="TextBox 3">
+            <a:extLst>
+              <a:ext uri="{FF2B5EF4-FFF2-40B4-BE49-F238E27FC236}">
+                <a16:creationId xmlns:a16="http://schemas.microsoft.com/office/drawing/2014/main" id="{1B79DB45-DAD1-43D7-8495-CDDA1293365E}"/>
+              </a:ext>
+            </a:extLst>
+          </p:cNvPr>
+          <p:cNvSpPr txBox="1"/>
+          <p:nvPr/>
+        </p:nvSpPr>
+        <p:spPr>
+          <a:xfrm>
+            <a:off x="6096000" y="568745"/>
+            <a:ext cx="5892279" cy="6108724"/>
+          </a:xfrm>
+          <a:prstGeom prst="rect">
+            <a:avLst/>
+          </a:prstGeom>
+          <a:noFill/>
+        </p:spPr>
+        <p:txBody>
+          <a:bodyPr wrap="square" rtlCol="0">
+            <a:spAutoFit/>
+          </a:bodyPr>
+          <a:lstStyle/>
+          <a:p>
+            <a:pPr>
+              <a:lnSpc>
+                <a:spcPct val="200000"/>
+              </a:lnSpc>
+            </a:pPr>
+            <a:r>
+              <a:rPr lang="en-US" dirty="0"/>
+              <a:t>	The first factor we will consider as a starting point is foreign invasions. Building on our earlier discussion about the southern Maya lowlands, archeological evidence in the 20</a:t>
+            </a:r>
+            <a:r>
+              <a:rPr lang="en-US" baseline="30000" dirty="0"/>
+              <a:t>th</a:t>
+            </a:r>
+            <a:r>
+              <a:rPr lang="en-US" dirty="0"/>
+              <a:t> and 21</a:t>
+            </a:r>
+            <a:r>
+              <a:rPr lang="en-US" baseline="30000" dirty="0"/>
+              <a:t>st</a:t>
+            </a:r>
+            <a:r>
+              <a:rPr lang="en-US" dirty="0"/>
+              <a:t> centuries brought forth evidence of various civilizations invading and conquering large amounts of territory starting in the 9</a:t>
+            </a:r>
+            <a:r>
+              <a:rPr lang="en-US" baseline="30000" dirty="0"/>
+              <a:t>th</a:t>
+            </a:r>
+            <a:r>
+              <a:rPr lang="en-US" dirty="0"/>
+              <a:t> century Terminal Classic Period. Specifically, invasions brought on significant losses in manpower, natural resources, territory, and symbolic architectural works. The Toltec invasion of Maya is just one example of this, which occurred in the Maya lowlands shown in the blue circles on the map. </a:t>
+            </a:r>
+          </a:p>
+        </p:txBody>
+      </p:sp>
+      <p:pic>
+        <p:nvPicPr>
+          <p:cNvPr id="9" name="Picture 8">
+            <a:extLst>
+              <a:ext uri="{FF2B5EF4-FFF2-40B4-BE49-F238E27FC236}">
+                <a16:creationId xmlns:a16="http://schemas.microsoft.com/office/drawing/2014/main" id="{300CA3E3-4879-1F12-C149-6F69859A1113}"/>
+              </a:ext>
+            </a:extLst>
+          </p:cNvPr>
+          <p:cNvPicPr>
+            <a:picLocks noChangeAspect="1"/>
+          </p:cNvPicPr>
+          <p:nvPr/>
+        </p:nvPicPr>
+        <p:blipFill>
+          <a:blip r:embed="rId5"/>
+          <a:stretch>
+            <a:fillRect/>
+          </a:stretch>
+        </p:blipFill>
+        <p:spPr>
+          <a:xfrm>
+            <a:off x="0" y="979597"/>
+            <a:ext cx="5610225" cy="4562475"/>
+          </a:xfrm>
+          <a:prstGeom prst="rect">
+            <a:avLst/>
+          </a:prstGeom>
+        </p:spPr>
+      </p:pic>
+    </p:spTree>
+    <p:extLst>
+      <p:ext uri="{BB962C8B-B14F-4D97-AF65-F5344CB8AC3E}">
+        <p14:creationId xmlns:p14="http://schemas.microsoft.com/office/powerpoint/2010/main" val="486354501"/>
+      </p:ext>
+    </p:extLst>
+  </p:cSld>
+  <p:clrMapOvr>
+    <a:masterClrMapping/>
+  </p:clrMapOvr>
+</p:sld>
+</file>
+
+<file path=ppt/slides/slide22.xml><?xml version="1.0" encoding="utf-8"?>
+<p:sld xmlns:a="http://schemas.openxmlformats.org/drawingml/2006/main" xmlns:r="http://schemas.openxmlformats.org/officeDocument/2006/relationships" xmlns:p="http://schemas.openxmlformats.org/presentationml/2006/main">
+  <p:cSld>
+    <p:bg>
+      <p:bgPr>
+        <a:solidFill>
+          <a:schemeClr val="bg1"/>
+        </a:solidFill>
+        <a:effectLst/>
+      </p:bgPr>
+    </p:bg>
+    <p:spTree>
+      <p:nvGrpSpPr>
+        <p:cNvPr id="1" name=""/>
+        <p:cNvGrpSpPr/>
+        <p:nvPr/>
+      </p:nvGrpSpPr>
+      <p:grpSpPr>
+        <a:xfrm>
+          <a:off x="0" y="0"/>
+          <a:ext cx="0" cy="0"/>
+          <a:chOff x="0" y="0"/>
+          <a:chExt cx="0" cy="0"/>
+        </a:xfrm>
+      </p:grpSpPr>
+      <p:sp useBgFill="1">
+        <p:nvSpPr>
+          <p:cNvPr id="32" name="Rectangle 28">
+            <a:extLst>
+              <a:ext uri="{FF2B5EF4-FFF2-40B4-BE49-F238E27FC236}">
+                <a16:creationId xmlns:a16="http://schemas.microsoft.com/office/drawing/2014/main" id="{C7F55EAC-550A-4BDD-9099-3F20B8FA0EBC}"/>
+              </a:ext>
+              <a:ext uri="{C183D7F6-B498-43B3-948B-1728B52AA6E4}">
+                <adec:decorative xmlns:adec="http://schemas.microsoft.com/office/drawing/2017/decorative" val="1"/>
+              </a:ext>
+            </a:extLst>
+          </p:cNvPr>
+          <p:cNvSpPr>
+            <a:spLocks noGrp="1" noRot="1" noChangeAspect="1" noMove="1" noResize="1" noEditPoints="1" noAdjustHandles="1" noChangeArrowheads="1" noChangeShapeType="1" noTextEdit="1"/>
+          </p:cNvSpPr>
+          <p:nvPr>
+            <p:extLst>
+              <p:ext uri="{386F3935-93C4-4BCD-93E2-E3B085C9AB24}">
+                <p16:designElem xmlns:p16="http://schemas.microsoft.com/office/powerpoint/2015/main" val="1"/>
+              </p:ext>
+            </p:extLst>
+          </p:nvPr>
+        </p:nvSpPr>
+        <p:spPr>
+          <a:xfrm>
+            <a:off x="0" y="0"/>
+            <a:ext cx="12192000" cy="6858000"/>
+          </a:xfrm>
+          <a:prstGeom prst="rect">
+            <a:avLst/>
+          </a:prstGeom>
+          <a:ln>
+            <a:noFill/>
+          </a:ln>
+        </p:spPr>
+        <p:style>
+          <a:lnRef idx="2">
+            <a:schemeClr val="accent1">
+              <a:shade val="50000"/>
+            </a:schemeClr>
+          </a:lnRef>
+          <a:fillRef idx="1">
+            <a:schemeClr val="accent1"/>
+          </a:fillRef>
+          <a:effectRef idx="0">
+            <a:schemeClr val="accent1"/>
+          </a:effectRef>
+          <a:fontRef idx="minor">
+            <a:schemeClr val="lt1"/>
+          </a:fontRef>
+        </p:style>
+        <p:txBody>
+          <a:bodyPr rtlCol="0" anchor="ctr"/>
+          <a:lstStyle/>
+          <a:p>
+            <a:pPr algn="ctr"/>
+            <a:endParaRPr lang="en-US"/>
+          </a:p>
+        </p:txBody>
+      </p:sp>
+      <p:sp>
+        <p:nvSpPr>
+          <p:cNvPr id="31" name="Freeform: Shape 30">
+            <a:extLst>
+              <a:ext uri="{FF2B5EF4-FFF2-40B4-BE49-F238E27FC236}">
+                <a16:creationId xmlns:a16="http://schemas.microsoft.com/office/drawing/2014/main" id="{DC4F5A5F-493F-49AE-89B6-D5AF5EBC8B0E}"/>
+              </a:ext>
+              <a:ext uri="{C183D7F6-B498-43B3-948B-1728B52AA6E4}">
+                <adec:decorative xmlns:adec="http://schemas.microsoft.com/office/drawing/2017/decorative" val="1"/>
+              </a:ext>
+            </a:extLst>
+          </p:cNvPr>
+          <p:cNvSpPr>
+            <a:spLocks noGrp="1" noRot="1" noChangeAspect="1" noMove="1" noResize="1" noEditPoints="1" noAdjustHandles="1" noChangeArrowheads="1" noChangeShapeType="1" noTextEdit="1"/>
+          </p:cNvSpPr>
+          <p:nvPr>
+            <p:extLst>
+              <p:ext uri="{386F3935-93C4-4BCD-93E2-E3B085C9AB24}">
+                <p16:designElem xmlns:p16="http://schemas.microsoft.com/office/powerpoint/2015/main" val="1"/>
+              </p:ext>
+            </p:extLst>
+          </p:nvPr>
+        </p:nvSpPr>
+        <p:spPr>
+          <a:xfrm>
+            <a:off x="0" y="0"/>
+            <a:ext cx="12192000" cy="6858000"/>
+          </a:xfrm>
+          <a:custGeom>
+            <a:avLst/>
+            <a:gdLst>
+              <a:gd name="connsiteX0" fmla="*/ 6724001 w 12192000"/>
+              <a:gd name="connsiteY0" fmla="*/ 434021 h 6858000"/>
+              <a:gd name="connsiteX1" fmla="*/ 6471155 w 12192000"/>
+              <a:gd name="connsiteY1" fmla="*/ 434599 h 6858000"/>
+              <a:gd name="connsiteX2" fmla="*/ 5384913 w 12192000"/>
+              <a:gd name="connsiteY2" fmla="*/ 497971 h 6858000"/>
+              <a:gd name="connsiteX3" fmla="*/ 4818280 w 12192000"/>
+              <a:gd name="connsiteY3" fmla="*/ 541802 h 6858000"/>
+              <a:gd name="connsiteX4" fmla="*/ 3965428 w 12192000"/>
+              <a:gd name="connsiteY4" fmla="*/ 675942 h 6858000"/>
+              <a:gd name="connsiteX5" fmla="*/ 3699528 w 12192000"/>
+              <a:gd name="connsiteY5" fmla="*/ 770472 h 6858000"/>
+              <a:gd name="connsiteX6" fmla="*/ 3438854 w 12192000"/>
+              <a:gd name="connsiteY6" fmla="*/ 834899 h 6858000"/>
+              <a:gd name="connsiteX7" fmla="*/ 3367443 w 12192000"/>
+              <a:gd name="connsiteY7" fmla="*/ 893518 h 6858000"/>
+              <a:gd name="connsiteX8" fmla="*/ 3467301 w 12192000"/>
+              <a:gd name="connsiteY8" fmla="*/ 953722 h 6858000"/>
+              <a:gd name="connsiteX9" fmla="*/ 3889955 w 12192000"/>
+              <a:gd name="connsiteY9" fmla="*/ 977486 h 6858000"/>
+              <a:gd name="connsiteX10" fmla="*/ 3502135 w 12192000"/>
+              <a:gd name="connsiteY10" fmla="*/ 1054062 h 6858000"/>
+              <a:gd name="connsiteX11" fmla="*/ 4072832 w 12192000"/>
+              <a:gd name="connsiteY11" fmla="*/ 1017622 h 6858000"/>
+              <a:gd name="connsiteX12" fmla="*/ 4244099 w 12192000"/>
+              <a:gd name="connsiteY12" fmla="*/ 1030825 h 6858000"/>
+              <a:gd name="connsiteX13" fmla="*/ 4095475 w 12192000"/>
+              <a:gd name="connsiteY13" fmla="*/ 1092084 h 6858000"/>
+              <a:gd name="connsiteX14" fmla="*/ 3327386 w 12192000"/>
+              <a:gd name="connsiteY14" fmla="*/ 1215660 h 6858000"/>
+              <a:gd name="connsiteX15" fmla="*/ 3254813 w 12192000"/>
+              <a:gd name="connsiteY15" fmla="*/ 1226749 h 6858000"/>
+              <a:gd name="connsiteX16" fmla="*/ 2776427 w 12192000"/>
+              <a:gd name="connsiteY16" fmla="*/ 1401552 h 6858000"/>
+              <a:gd name="connsiteX17" fmla="*/ 3063226 w 12192000"/>
+              <a:gd name="connsiteY17" fmla="*/ 1384124 h 6858000"/>
+              <a:gd name="connsiteX18" fmla="*/ 2754945 w 12192000"/>
+              <a:gd name="connsiteY18" fmla="*/ 1495025 h 6858000"/>
+              <a:gd name="connsiteX19" fmla="*/ 2381061 w 12192000"/>
+              <a:gd name="connsiteY19" fmla="*/ 1619658 h 6858000"/>
+              <a:gd name="connsiteX20" fmla="*/ 2008336 w 12192000"/>
+              <a:gd name="connsiteY20" fmla="*/ 1814527 h 6858000"/>
+              <a:gd name="connsiteX21" fmla="*/ 1740695 w 12192000"/>
+              <a:gd name="connsiteY21" fmla="*/ 1914337 h 6858000"/>
+              <a:gd name="connsiteX22" fmla="*/ 1787720 w 12192000"/>
+              <a:gd name="connsiteY22" fmla="*/ 1991970 h 6858000"/>
+              <a:gd name="connsiteX23" fmla="*/ 1754048 w 12192000"/>
+              <a:gd name="connsiteY23" fmla="*/ 2078049 h 6858000"/>
+              <a:gd name="connsiteX24" fmla="*/ 2228951 w 12192000"/>
+              <a:gd name="connsiteY24" fmla="*/ 1996721 h 6858000"/>
+              <a:gd name="connsiteX25" fmla="*/ 2054781 w 12192000"/>
+              <a:gd name="connsiteY25" fmla="*/ 2053228 h 6858000"/>
+              <a:gd name="connsiteX26" fmla="*/ 1985693 w 12192000"/>
+              <a:gd name="connsiteY26" fmla="*/ 2109207 h 6858000"/>
+              <a:gd name="connsiteX27" fmla="*/ 2061168 w 12192000"/>
+              <a:gd name="connsiteY27" fmla="*/ 2130859 h 6858000"/>
+              <a:gd name="connsiteX28" fmla="*/ 2388026 w 12192000"/>
+              <a:gd name="connsiteY28" fmla="*/ 2184726 h 6858000"/>
+              <a:gd name="connsiteX29" fmla="*/ 1560719 w 12192000"/>
+              <a:gd name="connsiteY29" fmla="*/ 2384876 h 6858000"/>
+              <a:gd name="connsiteX30" fmla="*/ 1679734 w 12192000"/>
+              <a:gd name="connsiteY30" fmla="*/ 2400191 h 6858000"/>
+              <a:gd name="connsiteX31" fmla="*/ 2882089 w 12192000"/>
+              <a:gd name="connsiteY31" fmla="*/ 2383292 h 6858000"/>
+              <a:gd name="connsiteX32" fmla="*/ 3116638 w 12192000"/>
+              <a:gd name="connsiteY32" fmla="*/ 2359528 h 6858000"/>
+              <a:gd name="connsiteX33" fmla="*/ 2897765 w 12192000"/>
+              <a:gd name="connsiteY33" fmla="*/ 2758243 h 6858000"/>
+              <a:gd name="connsiteX34" fmla="*/ 2981367 w 12192000"/>
+              <a:gd name="connsiteY34" fmla="*/ 2829008 h 6858000"/>
+              <a:gd name="connsiteX35" fmla="*/ 2682955 w 12192000"/>
+              <a:gd name="connsiteY35" fmla="*/ 2846436 h 6858000"/>
+              <a:gd name="connsiteX36" fmla="*/ 2099485 w 12192000"/>
+              <a:gd name="connsiteY36" fmla="*/ 3066653 h 6858000"/>
+              <a:gd name="connsiteX37" fmla="*/ 1807460 w 12192000"/>
+              <a:gd name="connsiteY37" fmla="*/ 3454808 h 6858000"/>
+              <a:gd name="connsiteX38" fmla="*/ 1921251 w 12192000"/>
+              <a:gd name="connsiteY38" fmla="*/ 3540889 h 6858000"/>
+              <a:gd name="connsiteX39" fmla="*/ 1453313 w 12192000"/>
+              <a:gd name="connsiteY39" fmla="*/ 3637002 h 6858000"/>
+              <a:gd name="connsiteX40" fmla="*/ 1686122 w 12192000"/>
+              <a:gd name="connsiteY40" fmla="*/ 3667634 h 6858000"/>
+              <a:gd name="connsiteX41" fmla="*/ 1513692 w 12192000"/>
+              <a:gd name="connsiteY41" fmla="*/ 3725196 h 6858000"/>
+              <a:gd name="connsiteX42" fmla="*/ 1369711 w 12192000"/>
+              <a:gd name="connsiteY42" fmla="*/ 3826063 h 6858000"/>
+              <a:gd name="connsiteX43" fmla="*/ 2051298 w 12192000"/>
+              <a:gd name="connsiteY43" fmla="*/ 3754242 h 6858000"/>
+              <a:gd name="connsiteX44" fmla="*/ 2245207 w 12192000"/>
+              <a:gd name="connsiteY44" fmla="*/ 3797018 h 6858000"/>
+              <a:gd name="connsiteX45" fmla="*/ 2353192 w 12192000"/>
+              <a:gd name="connsiteY45" fmla="*/ 3796489 h 6858000"/>
+              <a:gd name="connsiteX46" fmla="*/ 2490207 w 12192000"/>
+              <a:gd name="connsiteY46" fmla="*/ 3801242 h 6858000"/>
+              <a:gd name="connsiteX47" fmla="*/ 2375835 w 12192000"/>
+              <a:gd name="connsiteY47" fmla="*/ 3839794 h 6858000"/>
+              <a:gd name="connsiteX48" fmla="*/ 2522138 w 12192000"/>
+              <a:gd name="connsiteY48" fmla="*/ 4009841 h 6858000"/>
+              <a:gd name="connsiteX49" fmla="*/ 1998466 w 12192000"/>
+              <a:gd name="connsiteY49" fmla="*/ 4130778 h 6858000"/>
+              <a:gd name="connsiteX50" fmla="*/ 2114580 w 12192000"/>
+              <a:gd name="connsiteY50" fmla="*/ 4154543 h 6858000"/>
+              <a:gd name="connsiteX51" fmla="*/ 2177862 w 12192000"/>
+              <a:gd name="connsiteY51" fmla="*/ 4189925 h 6858000"/>
+              <a:gd name="connsiteX52" fmla="*/ 1868419 w 12192000"/>
+              <a:gd name="connsiteY52" fmla="*/ 4382153 h 6858000"/>
+              <a:gd name="connsiteX53" fmla="*/ 2279460 w 12192000"/>
+              <a:gd name="connsiteY53" fmla="*/ 4356805 h 6858000"/>
+              <a:gd name="connsiteX54" fmla="*/ 2029817 w 12192000"/>
+              <a:gd name="connsiteY54" fmla="*/ 4468235 h 6858000"/>
+              <a:gd name="connsiteX55" fmla="*/ 1560137 w 12192000"/>
+              <a:gd name="connsiteY55" fmla="*/ 4730172 h 6858000"/>
+              <a:gd name="connsiteX56" fmla="*/ 1956664 w 12192000"/>
+              <a:gd name="connsiteY56" fmla="*/ 4820477 h 6858000"/>
+              <a:gd name="connsiteX57" fmla="*/ 3268168 w 12192000"/>
+              <a:gd name="connsiteY57" fmla="*/ 4852692 h 6858000"/>
+              <a:gd name="connsiteX58" fmla="*/ 2807197 w 12192000"/>
+              <a:gd name="connsiteY58" fmla="*/ 4939300 h 6858000"/>
+              <a:gd name="connsiteX59" fmla="*/ 2721272 w 12192000"/>
+              <a:gd name="connsiteY59" fmla="*/ 4970458 h 6858000"/>
+              <a:gd name="connsiteX60" fmla="*/ 2802552 w 12192000"/>
+              <a:gd name="connsiteY60" fmla="*/ 5014291 h 6858000"/>
+              <a:gd name="connsiteX61" fmla="*/ 2537812 w 12192000"/>
+              <a:gd name="connsiteY61" fmla="*/ 5053898 h 6858000"/>
+              <a:gd name="connsiteX62" fmla="*/ 2569744 w 12192000"/>
+              <a:gd name="connsiteY62" fmla="*/ 5153182 h 6858000"/>
+              <a:gd name="connsiteX63" fmla="*/ 1987436 w 12192000"/>
+              <a:gd name="connsiteY63" fmla="*/ 5334320 h 6858000"/>
+              <a:gd name="connsiteX64" fmla="*/ 1972921 w 12192000"/>
+              <a:gd name="connsiteY64" fmla="*/ 5382376 h 6858000"/>
+              <a:gd name="connsiteX65" fmla="*/ 2341001 w 12192000"/>
+              <a:gd name="connsiteY65" fmla="*/ 5360725 h 6858000"/>
+              <a:gd name="connsiteX66" fmla="*/ 2710822 w 12192000"/>
+              <a:gd name="connsiteY66" fmla="*/ 5418816 h 6858000"/>
+              <a:gd name="connsiteX67" fmla="*/ 2833903 w 12192000"/>
+              <a:gd name="connsiteY67" fmla="*/ 5413007 h 6858000"/>
+              <a:gd name="connsiteX68" fmla="*/ 3011556 w 12192000"/>
+              <a:gd name="connsiteY68" fmla="*/ 5399276 h 6858000"/>
+              <a:gd name="connsiteX69" fmla="*/ 3254233 w 12192000"/>
+              <a:gd name="connsiteY69" fmla="*/ 5439412 h 6858000"/>
+              <a:gd name="connsiteX70" fmla="*/ 2792101 w 12192000"/>
+              <a:gd name="connsiteY70" fmla="*/ 5471625 h 6858000"/>
+              <a:gd name="connsiteX71" fmla="*/ 2977303 w 12192000"/>
+              <a:gd name="connsiteY71" fmla="*/ 5539751 h 6858000"/>
+              <a:gd name="connsiteX72" fmla="*/ 3656566 w 12192000"/>
+              <a:gd name="connsiteY72" fmla="*/ 5678642 h 6858000"/>
+              <a:gd name="connsiteX73" fmla="*/ 4858340 w 12192000"/>
+              <a:gd name="connsiteY73" fmla="*/ 5969625 h 6858000"/>
+              <a:gd name="connsiteX74" fmla="*/ 5296668 w 12192000"/>
+              <a:gd name="connsiteY74" fmla="*/ 6043559 h 6858000"/>
+              <a:gd name="connsiteX75" fmla="*/ 5456323 w 12192000"/>
+              <a:gd name="connsiteY75" fmla="*/ 6042502 h 6858000"/>
+              <a:gd name="connsiteX76" fmla="*/ 5267058 w 12192000"/>
+              <a:gd name="connsiteY76" fmla="*/ 6100066 h 6858000"/>
+              <a:gd name="connsiteX77" fmla="*/ 7095266 w 12192000"/>
+              <a:gd name="connsiteY77" fmla="*/ 6287541 h 6858000"/>
+              <a:gd name="connsiteX78" fmla="*/ 9707235 w 12192000"/>
+              <a:gd name="connsiteY78" fmla="*/ 5994446 h 6858000"/>
+              <a:gd name="connsiteX79" fmla="*/ 10083442 w 12192000"/>
+              <a:gd name="connsiteY79" fmla="*/ 5678642 h 6858000"/>
+              <a:gd name="connsiteX80" fmla="*/ 10338892 w 12192000"/>
+              <a:gd name="connsiteY80" fmla="*/ 4650957 h 6858000"/>
+              <a:gd name="connsiteX81" fmla="*/ 10628013 w 12192000"/>
+              <a:gd name="connsiteY81" fmla="*/ 4411198 h 6858000"/>
+              <a:gd name="connsiteX82" fmla="*/ 10802766 w 12192000"/>
+              <a:gd name="connsiteY82" fmla="*/ 4258050 h 6858000"/>
+              <a:gd name="connsiteX83" fmla="*/ 10614662 w 12192000"/>
+              <a:gd name="connsiteY83" fmla="*/ 4150318 h 6858000"/>
+              <a:gd name="connsiteX84" fmla="*/ 10681427 w 12192000"/>
+              <a:gd name="connsiteY84" fmla="*/ 4054203 h 6858000"/>
+              <a:gd name="connsiteX85" fmla="*/ 10520029 w 12192000"/>
+              <a:gd name="connsiteY85" fmla="*/ 3804411 h 6858000"/>
+              <a:gd name="connsiteX86" fmla="*/ 10568798 w 12192000"/>
+              <a:gd name="connsiteY86" fmla="*/ 3466426 h 6858000"/>
+              <a:gd name="connsiteX87" fmla="*/ 10499709 w 12192000"/>
+              <a:gd name="connsiteY87" fmla="*/ 3166465 h 6858000"/>
+              <a:gd name="connsiteX88" fmla="*/ 10489840 w 12192000"/>
+              <a:gd name="connsiteY88" fmla="*/ 2546475 h 6858000"/>
+              <a:gd name="connsiteX89" fmla="*/ 10584471 w 12192000"/>
+              <a:gd name="connsiteY89" fmla="*/ 2512148 h 6858000"/>
+              <a:gd name="connsiteX90" fmla="*/ 10695942 w 12192000"/>
+              <a:gd name="connsiteY90" fmla="*/ 2358471 h 6858000"/>
+              <a:gd name="connsiteX91" fmla="*/ 10732516 w 12192000"/>
+              <a:gd name="connsiteY91" fmla="*/ 2287706 h 6858000"/>
+              <a:gd name="connsiteX92" fmla="*/ 10731357 w 12192000"/>
+              <a:gd name="connsiteY92" fmla="*/ 2137725 h 6858000"/>
+              <a:gd name="connsiteX93" fmla="*/ 10678525 w 12192000"/>
+              <a:gd name="connsiteY93" fmla="*/ 2070656 h 6858000"/>
+              <a:gd name="connsiteX94" fmla="*/ 10735999 w 12192000"/>
+              <a:gd name="connsiteY94" fmla="*/ 1956587 h 6858000"/>
+              <a:gd name="connsiteX95" fmla="*/ 10824246 w 12192000"/>
+              <a:gd name="connsiteY95" fmla="*/ 1862584 h 6858000"/>
+              <a:gd name="connsiteX96" fmla="*/ 10773156 w 12192000"/>
+              <a:gd name="connsiteY96" fmla="*/ 1768054 h 6858000"/>
+              <a:gd name="connsiteX97" fmla="*/ 10716261 w 12192000"/>
+              <a:gd name="connsiteY97" fmla="*/ 1678278 h 6858000"/>
+              <a:gd name="connsiteX98" fmla="*/ 10554864 w 12192000"/>
+              <a:gd name="connsiteY98" fmla="*/ 1477599 h 6858000"/>
+              <a:gd name="connsiteX99" fmla="*/ 10267483 w 12192000"/>
+              <a:gd name="connsiteY99" fmla="*/ 1324977 h 6858000"/>
+              <a:gd name="connsiteX100" fmla="*/ 9913337 w 12192000"/>
+              <a:gd name="connsiteY100" fmla="*/ 1202458 h 6858000"/>
+              <a:gd name="connsiteX101" fmla="*/ 10024805 w 12192000"/>
+              <a:gd name="connsiteY101" fmla="*/ 1124827 h 6858000"/>
+              <a:gd name="connsiteX102" fmla="*/ 9411726 w 12192000"/>
+              <a:gd name="connsiteY102" fmla="*/ 980655 h 6858000"/>
+              <a:gd name="connsiteX103" fmla="*/ 9930753 w 12192000"/>
+              <a:gd name="connsiteY103" fmla="*/ 901968 h 6858000"/>
+              <a:gd name="connsiteX104" fmla="*/ 9894178 w 12192000"/>
+              <a:gd name="connsiteY104" fmla="*/ 871339 h 6858000"/>
+              <a:gd name="connsiteX105" fmla="*/ 9858182 w 12192000"/>
+              <a:gd name="connsiteY105" fmla="*/ 839125 h 6858000"/>
+              <a:gd name="connsiteX106" fmla="*/ 10131050 w 12192000"/>
+              <a:gd name="connsiteY106" fmla="*/ 792652 h 6858000"/>
+              <a:gd name="connsiteX107" fmla="*/ 10006808 w 12192000"/>
+              <a:gd name="connsiteY107" fmla="*/ 731920 h 6858000"/>
+              <a:gd name="connsiteX108" fmla="*/ 10233809 w 12192000"/>
+              <a:gd name="connsiteY108" fmla="*/ 710268 h 6858000"/>
+              <a:gd name="connsiteX109" fmla="*/ 10267483 w 12192000"/>
+              <a:gd name="connsiteY109" fmla="*/ 628940 h 6858000"/>
+              <a:gd name="connsiteX110" fmla="*/ 10136275 w 12192000"/>
+              <a:gd name="connsiteY110" fmla="*/ 589333 h 6858000"/>
+              <a:gd name="connsiteX111" fmla="*/ 9131312 w 12192000"/>
+              <a:gd name="connsiteY111" fmla="*/ 480544 h 6858000"/>
+              <a:gd name="connsiteX112" fmla="*/ 7479600 w 12192000"/>
+              <a:gd name="connsiteY112" fmla="*/ 454667 h 6858000"/>
+              <a:gd name="connsiteX113" fmla="*/ 6724001 w 12192000"/>
+              <a:gd name="connsiteY113" fmla="*/ 434021 h 6858000"/>
+              <a:gd name="connsiteX114" fmla="*/ 0 w 12192000"/>
+              <a:gd name="connsiteY114" fmla="*/ 0 h 6858000"/>
+              <a:gd name="connsiteX115" fmla="*/ 12192000 w 12192000"/>
+              <a:gd name="connsiteY115" fmla="*/ 0 h 6858000"/>
+              <a:gd name="connsiteX116" fmla="*/ 12192000 w 12192000"/>
+              <a:gd name="connsiteY116" fmla="*/ 6858000 h 6858000"/>
+              <a:gd name="connsiteX117" fmla="*/ 0 w 12192000"/>
+              <a:gd name="connsiteY117" fmla="*/ 6858000 h 6858000"/>
+            </a:gdLst>
+            <a:ahLst/>
+            <a:cxnLst>
+              <a:cxn ang="0">
+                <a:pos x="connsiteX0" y="connsiteY0"/>
+              </a:cxn>
+              <a:cxn ang="0">
+                <a:pos x="connsiteX1" y="connsiteY1"/>
+              </a:cxn>
+              <a:cxn ang="0">
+                <a:pos x="connsiteX2" y="connsiteY2"/>
+              </a:cxn>
+              <a:cxn ang="0">
+                <a:pos x="connsiteX3" y="connsiteY3"/>
+              </a:cxn>
+              <a:cxn ang="0">
+                <a:pos x="connsiteX4" y="connsiteY4"/>
+              </a:cxn>
+              <a:cxn ang="0">
+                <a:pos x="connsiteX5" y="connsiteY5"/>
+              </a:cxn>
+              <a:cxn ang="0">
+                <a:pos x="connsiteX6" y="connsiteY6"/>
+              </a:cxn>
+              <a:cxn ang="0">
+                <a:pos x="connsiteX7" y="connsiteY7"/>
+              </a:cxn>
+              <a:cxn ang="0">
+                <a:pos x="connsiteX8" y="connsiteY8"/>
+              </a:cxn>
+              <a:cxn ang="0">
+                <a:pos x="connsiteX9" y="connsiteY9"/>
+              </a:cxn>
+              <a:cxn ang="0">
+                <a:pos x="connsiteX10" y="connsiteY10"/>
+              </a:cxn>
+              <a:cxn ang="0">
+                <a:pos x="connsiteX11" y="connsiteY11"/>
+              </a:cxn>
+              <a:cxn ang="0">
+                <a:pos x="connsiteX12" y="connsiteY12"/>
+              </a:cxn>
+              <a:cxn ang="0">
+                <a:pos x="connsiteX13" y="connsiteY13"/>
+              </a:cxn>
+              <a:cxn ang="0">
+                <a:pos x="connsiteX14" y="connsiteY14"/>
+              </a:cxn>
+              <a:cxn ang="0">
+                <a:pos x="connsiteX15" y="connsiteY15"/>
+              </a:cxn>
+              <a:cxn ang="0">
+                <a:pos x="connsiteX16" y="connsiteY16"/>
+              </a:cxn>
+              <a:cxn ang="0">
+                <a:pos x="connsiteX17" y="connsiteY17"/>
+              </a:cxn>
+              <a:cxn ang="0">
+                <a:pos x="connsiteX18" y="connsiteY18"/>
+              </a:cxn>
+              <a:cxn ang="0">
+                <a:pos x="connsiteX19" y="connsiteY19"/>
+              </a:cxn>
+              <a:cxn ang="0">
+                <a:pos x="connsiteX20" y="connsiteY20"/>
+              </a:cxn>
+              <a:cxn ang="0">
+                <a:pos x="connsiteX21" y="connsiteY21"/>
+              </a:cxn>
+              <a:cxn ang="0">
+                <a:pos x="connsiteX22" y="connsiteY22"/>
+              </a:cxn>
+              <a:cxn ang="0">
+                <a:pos x="connsiteX23" y="connsiteY23"/>
+              </a:cxn>
+              <a:cxn ang="0">
+                <a:pos x="connsiteX24" y="connsiteY24"/>
+              </a:cxn>
+              <a:cxn ang="0">
+                <a:pos x="connsiteX25" y="connsiteY25"/>
+              </a:cxn>
+              <a:cxn ang="0">
+                <a:pos x="connsiteX26" y="connsiteY26"/>
+              </a:cxn>
+              <a:cxn ang="0">
+                <a:pos x="connsiteX27" y="connsiteY27"/>
+              </a:cxn>
+              <a:cxn ang="0">
+                <a:pos x="connsiteX28" y="connsiteY28"/>
+              </a:cxn>
+              <a:cxn ang="0">
+                <a:pos x="connsiteX29" y="connsiteY29"/>
+              </a:cxn>
+              <a:cxn ang="0">
+                <a:pos x="connsiteX30" y="connsiteY30"/>
+              </a:cxn>
+              <a:cxn ang="0">
+                <a:pos x="connsiteX31" y="connsiteY31"/>
+              </a:cxn>
+              <a:cxn ang="0">
+                <a:pos x="connsiteX32" y="connsiteY32"/>
+              </a:cxn>
+              <a:cxn ang="0">
+                <a:pos x="connsiteX33" y="connsiteY33"/>
+              </a:cxn>
+              <a:cxn ang="0">
+                <a:pos x="connsiteX34" y="connsiteY34"/>
+              </a:cxn>
+              <a:cxn ang="0">
+                <a:pos x="connsiteX35" y="connsiteY35"/>
+              </a:cxn>
+              <a:cxn ang="0">
+                <a:pos x="connsiteX36" y="connsiteY36"/>
+              </a:cxn>
+              <a:cxn ang="0">
+                <a:pos x="connsiteX37" y="connsiteY37"/>
+              </a:cxn>
+              <a:cxn ang="0">
+                <a:pos x="connsiteX38" y="connsiteY38"/>
+              </a:cxn>
+              <a:cxn ang="0">
+                <a:pos x="connsiteX39" y="connsiteY39"/>
+              </a:cxn>
+              <a:cxn ang="0">
+                <a:pos x="connsiteX40" y="connsiteY40"/>
+              </a:cxn>
+              <a:cxn ang="0">
+                <a:pos x="connsiteX41" y="connsiteY41"/>
+              </a:cxn>
+              <a:cxn ang="0">
+                <a:pos x="connsiteX42" y="connsiteY42"/>
+              </a:cxn>
+              <a:cxn ang="0">
+                <a:pos x="connsiteX43" y="connsiteY43"/>
+              </a:cxn>
+              <a:cxn ang="0">
+                <a:pos x="connsiteX44" y="connsiteY44"/>
+              </a:cxn>
+              <a:cxn ang="0">
+                <a:pos x="connsiteX45" y="connsiteY45"/>
+              </a:cxn>
+              <a:cxn ang="0">
+                <a:pos x="connsiteX46" y="connsiteY46"/>
+              </a:cxn>
+              <a:cxn ang="0">
+                <a:pos x="connsiteX47" y="connsiteY47"/>
+              </a:cxn>
+              <a:cxn ang="0">
+                <a:pos x="connsiteX48" y="connsiteY48"/>
+              </a:cxn>
+              <a:cxn ang="0">
+                <a:pos x="connsiteX49" y="connsiteY49"/>
+              </a:cxn>
+              <a:cxn ang="0">
+                <a:pos x="connsiteX50" y="connsiteY50"/>
+              </a:cxn>
+              <a:cxn ang="0">
+                <a:pos x="connsiteX51" y="connsiteY51"/>
+              </a:cxn>
+              <a:cxn ang="0">
+                <a:pos x="connsiteX52" y="connsiteY52"/>
+              </a:cxn>
+              <a:cxn ang="0">
+                <a:pos x="connsiteX53" y="connsiteY53"/>
+              </a:cxn>
+              <a:cxn ang="0">
+                <a:pos x="connsiteX54" y="connsiteY54"/>
+              </a:cxn>
+              <a:cxn ang="0">
+                <a:pos x="connsiteX55" y="connsiteY55"/>
+              </a:cxn>
+              <a:cxn ang="0">
+                <a:pos x="connsiteX56" y="connsiteY56"/>
+              </a:cxn>
+              <a:cxn ang="0">
+                <a:pos x="connsiteX57" y="connsiteY57"/>
+              </a:cxn>
+              <a:cxn ang="0">
+                <a:pos x="connsiteX58" y="connsiteY58"/>
+              </a:cxn>
+              <a:cxn ang="0">
+                <a:pos x="connsiteX59" y="connsiteY59"/>
+              </a:cxn>
+              <a:cxn ang="0">
+                <a:pos x="connsiteX60" y="connsiteY60"/>
+              </a:cxn>
+              <a:cxn ang="0">
+                <a:pos x="connsiteX61" y="connsiteY61"/>
+              </a:cxn>
+              <a:cxn ang="0">
+                <a:pos x="connsiteX62" y="connsiteY62"/>
+              </a:cxn>
+              <a:cxn ang="0">
+                <a:pos x="connsiteX63" y="connsiteY63"/>
+              </a:cxn>
+              <a:cxn ang="0">
+                <a:pos x="connsiteX64" y="connsiteY64"/>
+              </a:cxn>
+              <a:cxn ang="0">
+                <a:pos x="connsiteX65" y="connsiteY65"/>
+              </a:cxn>
+              <a:cxn ang="0">
+                <a:pos x="connsiteX66" y="connsiteY66"/>
+              </a:cxn>
+              <a:cxn ang="0">
+                <a:pos x="connsiteX67" y="connsiteY67"/>
+              </a:cxn>
+              <a:cxn ang="0">
+                <a:pos x="connsiteX68" y="connsiteY68"/>
+              </a:cxn>
+              <a:cxn ang="0">
+                <a:pos x="connsiteX69" y="connsiteY69"/>
+              </a:cxn>
+              <a:cxn ang="0">
+                <a:pos x="connsiteX70" y="connsiteY70"/>
+              </a:cxn>
+              <a:cxn ang="0">
+                <a:pos x="connsiteX71" y="connsiteY71"/>
+              </a:cxn>
+              <a:cxn ang="0">
+                <a:pos x="connsiteX72" y="connsiteY72"/>
+              </a:cxn>
+              <a:cxn ang="0">
+                <a:pos x="connsiteX73" y="connsiteY73"/>
+              </a:cxn>
+              <a:cxn ang="0">
+                <a:pos x="connsiteX74" y="connsiteY74"/>
+              </a:cxn>
+              <a:cxn ang="0">
+                <a:pos x="connsiteX75" y="connsiteY75"/>
+              </a:cxn>
+              <a:cxn ang="0">
+                <a:pos x="connsiteX76" y="connsiteY76"/>
+              </a:cxn>
+              <a:cxn ang="0">
+                <a:pos x="connsiteX77" y="connsiteY77"/>
+              </a:cxn>
+              <a:cxn ang="0">
+                <a:pos x="connsiteX78" y="connsiteY78"/>
+              </a:cxn>
+              <a:cxn ang="0">
+                <a:pos x="connsiteX79" y="connsiteY79"/>
+              </a:cxn>
+              <a:cxn ang="0">
+                <a:pos x="connsiteX80" y="connsiteY80"/>
+              </a:cxn>
+              <a:cxn ang="0">
+                <a:pos x="connsiteX81" y="connsiteY81"/>
+              </a:cxn>
+              <a:cxn ang="0">
+                <a:pos x="connsiteX82" y="connsiteY82"/>
+              </a:cxn>
+              <a:cxn ang="0">
+                <a:pos x="connsiteX83" y="connsiteY83"/>
+              </a:cxn>
+              <a:cxn ang="0">
+                <a:pos x="connsiteX84" y="connsiteY84"/>
+              </a:cxn>
+              <a:cxn ang="0">
+                <a:pos x="connsiteX85" y="connsiteY85"/>
+              </a:cxn>
+              <a:cxn ang="0">
+                <a:pos x="connsiteX86" y="connsiteY86"/>
+              </a:cxn>
+              <a:cxn ang="0">
+                <a:pos x="connsiteX87" y="connsiteY87"/>
+              </a:cxn>
+              <a:cxn ang="0">
+                <a:pos x="connsiteX88" y="connsiteY88"/>
+              </a:cxn>
+              <a:cxn ang="0">
+                <a:pos x="connsiteX89" y="connsiteY89"/>
+              </a:cxn>
+              <a:cxn ang="0">
+                <a:pos x="connsiteX90" y="connsiteY90"/>
+              </a:cxn>
+              <a:cxn ang="0">
+                <a:pos x="connsiteX91" y="connsiteY91"/>
+              </a:cxn>
+              <a:cxn ang="0">
+                <a:pos x="connsiteX92" y="connsiteY92"/>
+              </a:cxn>
+              <a:cxn ang="0">
+                <a:pos x="connsiteX93" y="connsiteY93"/>
+              </a:cxn>
+              <a:cxn ang="0">
+                <a:pos x="connsiteX94" y="connsiteY94"/>
+              </a:cxn>
+              <a:cxn ang="0">
+                <a:pos x="connsiteX95" y="connsiteY95"/>
+              </a:cxn>
+              <a:cxn ang="0">
+                <a:pos x="connsiteX96" y="connsiteY96"/>
+              </a:cxn>
+              <a:cxn ang="0">
+                <a:pos x="connsiteX97" y="connsiteY97"/>
+              </a:cxn>
+              <a:cxn ang="0">
+                <a:pos x="connsiteX98" y="connsiteY98"/>
+              </a:cxn>
+              <a:cxn ang="0">
+                <a:pos x="connsiteX99" y="connsiteY99"/>
+              </a:cxn>
+              <a:cxn ang="0">
+                <a:pos x="connsiteX100" y="connsiteY100"/>
+              </a:cxn>
+              <a:cxn ang="0">
+                <a:pos x="connsiteX101" y="connsiteY101"/>
+              </a:cxn>
+              <a:cxn ang="0">
+                <a:pos x="connsiteX102" y="connsiteY102"/>
+              </a:cxn>
+              <a:cxn ang="0">
+                <a:pos x="connsiteX103" y="connsiteY103"/>
+              </a:cxn>
+              <a:cxn ang="0">
+                <a:pos x="connsiteX104" y="connsiteY104"/>
+              </a:cxn>
+              <a:cxn ang="0">
+                <a:pos x="connsiteX105" y="connsiteY105"/>
+              </a:cxn>
+              <a:cxn ang="0">
+                <a:pos x="connsiteX106" y="connsiteY106"/>
+              </a:cxn>
+              <a:cxn ang="0">
+                <a:pos x="connsiteX107" y="connsiteY107"/>
+              </a:cxn>
+              <a:cxn ang="0">
+                <a:pos x="connsiteX108" y="connsiteY108"/>
+              </a:cxn>
+              <a:cxn ang="0">
+                <a:pos x="connsiteX109" y="connsiteY109"/>
+              </a:cxn>
+              <a:cxn ang="0">
+                <a:pos x="connsiteX110" y="connsiteY110"/>
+              </a:cxn>
+              <a:cxn ang="0">
+                <a:pos x="connsiteX111" y="connsiteY111"/>
+              </a:cxn>
+              <a:cxn ang="0">
+                <a:pos x="connsiteX112" y="connsiteY112"/>
+              </a:cxn>
+              <a:cxn ang="0">
+                <a:pos x="connsiteX113" y="connsiteY113"/>
+              </a:cxn>
+              <a:cxn ang="0">
+                <a:pos x="connsiteX114" y="connsiteY114"/>
+              </a:cxn>
+              <a:cxn ang="0">
+                <a:pos x="connsiteX115" y="connsiteY115"/>
+              </a:cxn>
+              <a:cxn ang="0">
+                <a:pos x="connsiteX116" y="connsiteY116"/>
+              </a:cxn>
+              <a:cxn ang="0">
+                <a:pos x="connsiteX117" y="connsiteY117"/>
+              </a:cxn>
+            </a:cxnLst>
+            <a:rect l="l" t="t" r="r" b="b"/>
+            <a:pathLst>
+              <a:path w="12192000" h="6858000">
+                <a:moveTo>
+                  <a:pt x="6724001" y="434021"/>
+                </a:moveTo>
+                <a:cubicBezTo>
+                  <a:pt x="6639882" y="433113"/>
+                  <a:pt x="6555627" y="433147"/>
+                  <a:pt x="6471155" y="434599"/>
+                </a:cubicBezTo>
+                <a:cubicBezTo>
+                  <a:pt x="6109461" y="440937"/>
+                  <a:pt x="5748349" y="439351"/>
+                  <a:pt x="5384913" y="497971"/>
+                </a:cubicBezTo>
+                <a:cubicBezTo>
+                  <a:pt x="5199132" y="528072"/>
+                  <a:pt x="5005803" y="518038"/>
+                  <a:pt x="4818280" y="541802"/>
+                </a:cubicBezTo>
+                <a:cubicBezTo>
+                  <a:pt x="4532641" y="578242"/>
+                  <a:pt x="4247003" y="621019"/>
+                  <a:pt x="3965428" y="675942"/>
+                </a:cubicBezTo>
+                <a:cubicBezTo>
+                  <a:pt x="3877181" y="693369"/>
+                  <a:pt x="3768034" y="703930"/>
+                  <a:pt x="3699528" y="770472"/>
+                </a:cubicBezTo>
+                <a:cubicBezTo>
+                  <a:pt x="3590961" y="728224"/>
+                  <a:pt x="3523617" y="807966"/>
+                  <a:pt x="3438854" y="834899"/>
+                </a:cubicBezTo>
+                <a:cubicBezTo>
+                  <a:pt x="3405761" y="845462"/>
+                  <a:pt x="3362218" y="860248"/>
+                  <a:pt x="3367443" y="893518"/>
+                </a:cubicBezTo>
+                <a:cubicBezTo>
+                  <a:pt x="3372089" y="935238"/>
+                  <a:pt x="3420855" y="962172"/>
+                  <a:pt x="3467301" y="953722"/>
+                </a:cubicBezTo>
+                <a:cubicBezTo>
+                  <a:pt x="3611863" y="927317"/>
+                  <a:pt x="3741328" y="986464"/>
+                  <a:pt x="3889955" y="977486"/>
+                </a:cubicBezTo>
+                <a:cubicBezTo>
+                  <a:pt x="3760488" y="1002836"/>
+                  <a:pt x="3631601" y="1028713"/>
+                  <a:pt x="3502135" y="1054062"/>
+                </a:cubicBezTo>
+                <a:cubicBezTo>
+                  <a:pt x="3694303" y="1074129"/>
+                  <a:pt x="3883568" y="1038218"/>
+                  <a:pt x="4072832" y="1017622"/>
+                </a:cubicBezTo>
+                <a:cubicBezTo>
+                  <a:pt x="4133792" y="1011285"/>
+                  <a:pt x="4228424" y="962699"/>
+                  <a:pt x="4244099" y="1030825"/>
+                </a:cubicBezTo>
+                <a:cubicBezTo>
+                  <a:pt x="4254550" y="1076242"/>
+                  <a:pt x="4152951" y="1079410"/>
+                  <a:pt x="4095475" y="1092084"/>
+                </a:cubicBezTo>
+                <a:cubicBezTo>
+                  <a:pt x="3841766" y="1146479"/>
+                  <a:pt x="3583994" y="1178165"/>
+                  <a:pt x="3327386" y="1215660"/>
+                </a:cubicBezTo>
+                <a:cubicBezTo>
+                  <a:pt x="3303001" y="1219357"/>
+                  <a:pt x="3271070" y="1216188"/>
+                  <a:pt x="3254813" y="1226749"/>
+                </a:cubicBezTo>
+                <a:cubicBezTo>
+                  <a:pt x="3123605" y="1311774"/>
+                  <a:pt x="2957563" y="1339765"/>
+                  <a:pt x="2776427" y="1401552"/>
+                </a:cubicBezTo>
+                <a:cubicBezTo>
+                  <a:pt x="2890798" y="1430598"/>
+                  <a:pt x="2968012" y="1370921"/>
+                  <a:pt x="3063226" y="1384124"/>
+                </a:cubicBezTo>
+                <a:cubicBezTo>
+                  <a:pt x="2966272" y="1448024"/>
+                  <a:pt x="2853641" y="1460171"/>
+                  <a:pt x="2754945" y="1495025"/>
+                </a:cubicBezTo>
+                <a:cubicBezTo>
+                  <a:pt x="2684117" y="1519846"/>
+                  <a:pt x="2421119" y="1597477"/>
+                  <a:pt x="2381061" y="1619658"/>
+                </a:cubicBezTo>
+                <a:cubicBezTo>
+                  <a:pt x="2260302" y="1688311"/>
+                  <a:pt x="2107033" y="1720525"/>
+                  <a:pt x="2008336" y="1814527"/>
+                </a:cubicBezTo>
+                <a:cubicBezTo>
+                  <a:pt x="1938668" y="1880540"/>
+                  <a:pt x="1822554" y="1868393"/>
+                  <a:pt x="1740695" y="1914337"/>
+                </a:cubicBezTo>
+                <a:cubicBezTo>
+                  <a:pt x="1711667" y="1957642"/>
+                  <a:pt x="1767982" y="1968733"/>
+                  <a:pt x="1787720" y="1991970"/>
+                </a:cubicBezTo>
+                <a:cubicBezTo>
+                  <a:pt x="1813846" y="2023126"/>
+                  <a:pt x="1767401" y="2040555"/>
+                  <a:pt x="1754048" y="2078049"/>
+                </a:cubicBezTo>
+                <a:cubicBezTo>
+                  <a:pt x="1907898" y="2035802"/>
+                  <a:pt x="2054781" y="2010981"/>
+                  <a:pt x="2228951" y="1996721"/>
+                </a:cubicBezTo>
+                <a:cubicBezTo>
+                  <a:pt x="2171475" y="2057452"/>
+                  <a:pt x="2101807" y="2031048"/>
+                  <a:pt x="2054781" y="2053228"/>
+                </a:cubicBezTo>
+                <a:cubicBezTo>
+                  <a:pt x="2024011" y="2067487"/>
+                  <a:pt x="1976984" y="2073824"/>
+                  <a:pt x="1985693" y="2109207"/>
+                </a:cubicBezTo>
+                <a:cubicBezTo>
+                  <a:pt x="1992660" y="2137196"/>
+                  <a:pt x="2032140" y="2133500"/>
+                  <a:pt x="2061168" y="2130859"/>
+                </a:cubicBezTo>
+                <a:cubicBezTo>
+                  <a:pt x="2172636" y="2120825"/>
+                  <a:pt x="2281202" y="2117656"/>
+                  <a:pt x="2388026" y="2184726"/>
+                </a:cubicBezTo>
+                <a:cubicBezTo>
+                  <a:pt x="2116321" y="2282425"/>
+                  <a:pt x="1803977" y="2241233"/>
+                  <a:pt x="1560719" y="2384876"/>
+                </a:cubicBezTo>
+                <a:cubicBezTo>
+                  <a:pt x="1594973" y="2429237"/>
+                  <a:pt x="1643739" y="2405472"/>
+                  <a:pt x="1679734" y="2400191"/>
+                </a:cubicBezTo>
+                <a:cubicBezTo>
+                  <a:pt x="1916026" y="2364279"/>
+                  <a:pt x="2760170" y="2428180"/>
+                  <a:pt x="2882089" y="2383292"/>
+                </a:cubicBezTo>
+                <a:cubicBezTo>
+                  <a:pt x="2956983" y="2355830"/>
+                  <a:pt x="3035941" y="2342628"/>
+                  <a:pt x="3116638" y="2359528"/>
+                </a:cubicBezTo>
+                <a:cubicBezTo>
+                  <a:pt x="3194434" y="2375898"/>
+                  <a:pt x="3174696" y="2605622"/>
+                  <a:pt x="2897765" y="2758243"/>
+                </a:cubicBezTo>
+                <a:cubicBezTo>
+                  <a:pt x="2858286" y="2779895"/>
+                  <a:pt x="3034779" y="2811053"/>
+                  <a:pt x="2981367" y="2829008"/>
+                </a:cubicBezTo>
+                <a:cubicBezTo>
+                  <a:pt x="2939566" y="2843267"/>
+                  <a:pt x="2734626" y="2835346"/>
+                  <a:pt x="2682955" y="2846436"/>
+                </a:cubicBezTo>
+                <a:cubicBezTo>
+                  <a:pt x="2662635" y="2851188"/>
+                  <a:pt x="2040267" y="3029159"/>
+                  <a:pt x="2099485" y="3066653"/>
+                </a:cubicBezTo>
+                <a:cubicBezTo>
+                  <a:pt x="2276558" y="3179139"/>
+                  <a:pt x="2869897" y="3385098"/>
+                  <a:pt x="1807460" y="3454808"/>
+                </a:cubicBezTo>
+                <a:cubicBezTo>
+                  <a:pt x="1841132" y="3495472"/>
+                  <a:pt x="1934024" y="3469596"/>
+                  <a:pt x="1921251" y="3540889"/>
+                </a:cubicBezTo>
+                <a:cubicBezTo>
+                  <a:pt x="1780173" y="3579440"/>
+                  <a:pt x="1617035" y="3577328"/>
+                  <a:pt x="1453313" y="3637002"/>
+                </a:cubicBezTo>
+                <a:cubicBezTo>
+                  <a:pt x="1527047" y="3680307"/>
+                  <a:pt x="1611808" y="3653902"/>
+                  <a:pt x="1686122" y="3667634"/>
+                </a:cubicBezTo>
+                <a:cubicBezTo>
+                  <a:pt x="1644320" y="3722027"/>
+                  <a:pt x="1572330" y="3713578"/>
+                  <a:pt x="1513692" y="3725196"/>
+                </a:cubicBezTo>
+                <a:cubicBezTo>
+                  <a:pt x="1459700" y="3736286"/>
+                  <a:pt x="1345329" y="3830816"/>
+                  <a:pt x="1369711" y="3826063"/>
+                </a:cubicBezTo>
+                <a:cubicBezTo>
+                  <a:pt x="1595553" y="3783815"/>
+                  <a:pt x="1824877" y="3795434"/>
+                  <a:pt x="2051298" y="3754242"/>
+                </a:cubicBezTo>
+                <a:cubicBezTo>
+                  <a:pt x="2126192" y="3740511"/>
+                  <a:pt x="2210955" y="3714106"/>
+                  <a:pt x="2245207" y="3797018"/>
+                </a:cubicBezTo>
+                <a:cubicBezTo>
+                  <a:pt x="2255659" y="3821310"/>
+                  <a:pt x="2248109" y="3829232"/>
+                  <a:pt x="2353192" y="3796489"/>
+                </a:cubicBezTo>
+                <a:cubicBezTo>
+                  <a:pt x="2394414" y="3783815"/>
+                  <a:pt x="2448988" y="3770085"/>
+                  <a:pt x="2490207" y="3801242"/>
+                </a:cubicBezTo>
+                <a:cubicBezTo>
+                  <a:pt x="2464082" y="3840321"/>
+                  <a:pt x="2413572" y="3828703"/>
+                  <a:pt x="2375835" y="3839794"/>
+                </a:cubicBezTo>
+                <a:cubicBezTo>
+                  <a:pt x="2275978" y="3868311"/>
+                  <a:pt x="2619094" y="3977100"/>
+                  <a:pt x="2522138" y="4009841"/>
+                </a:cubicBezTo>
+                <a:cubicBezTo>
+                  <a:pt x="2323584" y="4076912"/>
+                  <a:pt x="2199343" y="4057372"/>
+                  <a:pt x="1998466" y="4130778"/>
+                </a:cubicBezTo>
+                <a:cubicBezTo>
+                  <a:pt x="2066973" y="4129192"/>
+                  <a:pt x="2046072" y="4154543"/>
+                  <a:pt x="2114580" y="4154543"/>
+                </a:cubicBezTo>
+                <a:cubicBezTo>
+                  <a:pt x="2145350" y="4154543"/>
+                  <a:pt x="2177862" y="4160878"/>
+                  <a:pt x="2177862" y="4189925"/>
+                </a:cubicBezTo>
+                <a:cubicBezTo>
+                  <a:pt x="2177862" y="4217385"/>
+                  <a:pt x="1817330" y="4367895"/>
+                  <a:pt x="1868419" y="4382153"/>
+                </a:cubicBezTo>
+                <a:cubicBezTo>
+                  <a:pt x="2007755" y="4420704"/>
+                  <a:pt x="2365385" y="4302410"/>
+                  <a:pt x="2279460" y="4356805"/>
+                </a:cubicBezTo>
+                <a:cubicBezTo>
+                  <a:pt x="2148834" y="4439716"/>
+                  <a:pt x="2129094" y="4456088"/>
+                  <a:pt x="2029817" y="4468235"/>
+                </a:cubicBezTo>
+                <a:cubicBezTo>
+                  <a:pt x="1944474" y="4478796"/>
+                  <a:pt x="1644320" y="4710633"/>
+                  <a:pt x="1560137" y="4730172"/>
+                </a:cubicBezTo>
+                <a:cubicBezTo>
+                  <a:pt x="1485825" y="4747072"/>
+                  <a:pt x="1774947" y="4800410"/>
+                  <a:pt x="1956664" y="4820477"/>
+                </a:cubicBezTo>
+                <a:cubicBezTo>
+                  <a:pt x="2130256" y="4840017"/>
+                  <a:pt x="3101544" y="4789319"/>
+                  <a:pt x="3268168" y="4852692"/>
+                </a:cubicBezTo>
+                <a:cubicBezTo>
+                  <a:pt x="3111993" y="4878041"/>
+                  <a:pt x="2970336" y="4953030"/>
+                  <a:pt x="2807197" y="4939300"/>
+                </a:cubicBezTo>
+                <a:cubicBezTo>
+                  <a:pt x="2773524" y="4936660"/>
+                  <a:pt x="2724756" y="4930323"/>
+                  <a:pt x="2721272" y="4970458"/>
+                </a:cubicBezTo>
+                <a:cubicBezTo>
+                  <a:pt x="2718369" y="5005313"/>
+                  <a:pt x="2788038" y="4981548"/>
+                  <a:pt x="2802552" y="5014291"/>
+                </a:cubicBezTo>
+                <a:cubicBezTo>
+                  <a:pt x="2719531" y="5060235"/>
+                  <a:pt x="2621415" y="5018515"/>
+                  <a:pt x="2537812" y="5053898"/>
+                </a:cubicBezTo>
+                <a:cubicBezTo>
+                  <a:pt x="2491948" y="5099314"/>
+                  <a:pt x="2589483" y="5107236"/>
+                  <a:pt x="2569744" y="5153182"/>
+                </a:cubicBezTo>
+                <a:cubicBezTo>
+                  <a:pt x="2301522" y="5193845"/>
+                  <a:pt x="2252174" y="5268836"/>
+                  <a:pt x="1987436" y="5334320"/>
+                </a:cubicBezTo>
+                <a:cubicBezTo>
+                  <a:pt x="1971179" y="5338545"/>
+                  <a:pt x="1958407" y="5352274"/>
+                  <a:pt x="1972921" y="5382376"/>
+                </a:cubicBezTo>
+                <a:cubicBezTo>
+                  <a:pt x="2087874" y="5396107"/>
+                  <a:pt x="2215599" y="5373399"/>
+                  <a:pt x="2341001" y="5360725"/>
+                </a:cubicBezTo>
+                <a:cubicBezTo>
+                  <a:pt x="2537812" y="5340129"/>
+                  <a:pt x="2533748" y="5339072"/>
+                  <a:pt x="2710822" y="5418816"/>
+                </a:cubicBezTo>
+                <a:cubicBezTo>
+                  <a:pt x="2743914" y="5433602"/>
+                  <a:pt x="2801390" y="5438355"/>
+                  <a:pt x="2833903" y="5413007"/>
+                </a:cubicBezTo>
+                <a:cubicBezTo>
+                  <a:pt x="2896604" y="5364422"/>
+                  <a:pt x="2950016" y="5368646"/>
+                  <a:pt x="3011556" y="5399276"/>
+                </a:cubicBezTo>
+                <a:cubicBezTo>
+                  <a:pt x="3077160" y="5432547"/>
+                  <a:pt x="3171793" y="5391882"/>
+                  <a:pt x="3254233" y="5439412"/>
+                </a:cubicBezTo>
+                <a:cubicBezTo>
+                  <a:pt x="3099802" y="5473739"/>
+                  <a:pt x="2957563" y="5473739"/>
+                  <a:pt x="2792101" y="5471625"/>
+                </a:cubicBezTo>
+                <a:cubicBezTo>
+                  <a:pt x="2846095" y="5537639"/>
+                  <a:pt x="2914601" y="5536582"/>
+                  <a:pt x="2977303" y="5539751"/>
+                </a:cubicBezTo>
+                <a:cubicBezTo>
+                  <a:pt x="3214174" y="5551898"/>
+                  <a:pt x="3601411" y="5660686"/>
+                  <a:pt x="3656566" y="5678642"/>
+                </a:cubicBezTo>
+                <a:cubicBezTo>
+                  <a:pt x="4280675" y="5879847"/>
+                  <a:pt x="4178497" y="5898332"/>
+                  <a:pt x="4858340" y="5969625"/>
+                </a:cubicBezTo>
+                <a:cubicBezTo>
+                  <a:pt x="5261253" y="6011873"/>
+                  <a:pt x="4887368" y="6032469"/>
+                  <a:pt x="5296668" y="6043559"/>
+                </a:cubicBezTo>
+                <a:cubicBezTo>
+                  <a:pt x="5349500" y="6045143"/>
+                  <a:pt x="5402911" y="6044087"/>
+                  <a:pt x="5456323" y="6042502"/>
+                </a:cubicBezTo>
+                <a:cubicBezTo>
+                  <a:pt x="5368077" y="6073134"/>
+                  <a:pt x="5267058" y="6100066"/>
+                  <a:pt x="5267058" y="6100066"/>
+                </a:cubicBezTo>
+                <a:cubicBezTo>
+                  <a:pt x="5267058" y="6100066"/>
+                  <a:pt x="5318728" y="6208854"/>
+                  <a:pt x="7095266" y="6287541"/>
+                </a:cubicBezTo>
+                <a:cubicBezTo>
+                  <a:pt x="7422124" y="6302329"/>
+                  <a:pt x="9563254" y="6024548"/>
+                  <a:pt x="9707235" y="5994446"/>
+                </a:cubicBezTo>
+                <a:cubicBezTo>
+                  <a:pt x="9844249" y="5966984"/>
+                  <a:pt x="10002164" y="5671247"/>
+                  <a:pt x="10083442" y="5678642"/>
+                </a:cubicBezTo>
+                <a:cubicBezTo>
+                  <a:pt x="10103183" y="5653293"/>
+                  <a:pt x="10283158" y="5139979"/>
+                  <a:pt x="10338892" y="4650957"/>
+                </a:cubicBezTo>
+                <a:cubicBezTo>
+                  <a:pt x="10448618" y="4580718"/>
+                  <a:pt x="10551960" y="4503088"/>
+                  <a:pt x="10628013" y="4411198"/>
+                </a:cubicBezTo>
+                <a:cubicBezTo>
+                  <a:pt x="10675040" y="4354692"/>
+                  <a:pt x="10718003" y="4298185"/>
+                  <a:pt x="10802766" y="4258050"/>
+                </a:cubicBezTo>
+                <a:cubicBezTo>
+                  <a:pt x="10755739" y="4203128"/>
+                  <a:pt x="10675040" y="4190453"/>
+                  <a:pt x="10614662" y="4150318"/>
+                </a:cubicBezTo>
+                <a:cubicBezTo>
+                  <a:pt x="10610017" y="4117046"/>
+                  <a:pt x="10705811" y="4127081"/>
+                  <a:pt x="10681427" y="4054203"/>
+                </a:cubicBezTo>
+                <a:cubicBezTo>
+                  <a:pt x="10648335" y="3957032"/>
+                  <a:pt x="10684328" y="3846131"/>
+                  <a:pt x="10520029" y="3804411"/>
+                </a:cubicBezTo>
+                <a:cubicBezTo>
+                  <a:pt x="10476485" y="3709881"/>
+                  <a:pt x="10464294" y="3558845"/>
+                  <a:pt x="10568798" y="3466426"/>
+                </a:cubicBezTo>
+                <a:cubicBezTo>
+                  <a:pt x="10724388" y="3328592"/>
+                  <a:pt x="10699424" y="3240927"/>
+                  <a:pt x="10499709" y="3166465"/>
+                </a:cubicBezTo>
+                <a:cubicBezTo>
+                  <a:pt x="10474164" y="3156958"/>
+                  <a:pt x="10501452" y="2570768"/>
+                  <a:pt x="10489840" y="2546475"/>
+                </a:cubicBezTo>
+                <a:cubicBezTo>
+                  <a:pt x="10508418" y="2513205"/>
+                  <a:pt x="10551960" y="2521126"/>
+                  <a:pt x="10584471" y="2512148"/>
+                </a:cubicBezTo>
+                <a:cubicBezTo>
+                  <a:pt x="10726711" y="2474125"/>
+                  <a:pt x="10731357" y="2474125"/>
+                  <a:pt x="10695942" y="2358471"/>
+                </a:cubicBezTo>
+                <a:cubicBezTo>
+                  <a:pt x="10685490" y="2323616"/>
+                  <a:pt x="10709874" y="2309357"/>
+                  <a:pt x="10732516" y="2287706"/>
+                </a:cubicBezTo>
+                <a:cubicBezTo>
+                  <a:pt x="10817280" y="2206905"/>
+                  <a:pt x="10817860" y="2205850"/>
+                  <a:pt x="10731357" y="2137725"/>
+                </a:cubicBezTo>
+                <a:cubicBezTo>
+                  <a:pt x="10706391" y="2118185"/>
+                  <a:pt x="10689555" y="2097061"/>
+                  <a:pt x="10678525" y="2070656"/>
+                </a:cubicBezTo>
+                <a:cubicBezTo>
+                  <a:pt x="10658203" y="2022599"/>
+                  <a:pt x="10658784" y="1982463"/>
+                  <a:pt x="10735999" y="1956587"/>
+                </a:cubicBezTo>
+                <a:cubicBezTo>
+                  <a:pt x="10789993" y="1938104"/>
+                  <a:pt x="10820762" y="1916978"/>
+                  <a:pt x="10824246" y="1862584"/>
+                </a:cubicBezTo>
+                <a:cubicBezTo>
+                  <a:pt x="10826570" y="1817166"/>
+                  <a:pt x="10832955" y="1787594"/>
+                  <a:pt x="10773156" y="1768054"/>
+                </a:cubicBezTo>
+                <a:cubicBezTo>
+                  <a:pt x="10724969" y="1752211"/>
+                  <a:pt x="10711036" y="1718412"/>
+                  <a:pt x="10716261" y="1678278"/>
+                </a:cubicBezTo>
+                <a:cubicBezTo>
+                  <a:pt x="10728452" y="1580050"/>
+                  <a:pt x="10662849" y="1522487"/>
+                  <a:pt x="10554864" y="1477599"/>
+                </a:cubicBezTo>
+                <a:cubicBezTo>
+                  <a:pt x="10452101" y="1434822"/>
+                  <a:pt x="10362116" y="1377259"/>
+                  <a:pt x="10267483" y="1324977"/>
+                </a:cubicBezTo>
+                <a:cubicBezTo>
+                  <a:pt x="10162399" y="1266887"/>
+                  <a:pt x="10040481" y="1232031"/>
+                  <a:pt x="9913337" y="1202458"/>
+                </a:cubicBezTo>
+                <a:cubicBezTo>
+                  <a:pt x="9936561" y="1160210"/>
+                  <a:pt x="10016678" y="1183974"/>
+                  <a:pt x="10024805" y="1124827"/>
+                </a:cubicBezTo>
+                <a:cubicBezTo>
+                  <a:pt x="9826251" y="1074658"/>
+                  <a:pt x="9636408" y="999139"/>
+                  <a:pt x="9411726" y="980655"/>
+                </a:cubicBezTo>
+                <a:cubicBezTo>
+                  <a:pt x="9593444" y="990161"/>
+                  <a:pt x="9758326" y="922036"/>
+                  <a:pt x="9930753" y="901968"/>
+                </a:cubicBezTo>
+                <a:cubicBezTo>
+                  <a:pt x="9947008" y="868698"/>
+                  <a:pt x="9909273" y="877147"/>
+                  <a:pt x="9894178" y="871339"/>
+                </a:cubicBezTo>
+                <a:cubicBezTo>
+                  <a:pt x="9879083" y="865001"/>
+                  <a:pt x="9860506" y="862889"/>
+                  <a:pt x="9858182" y="839125"/>
+                </a:cubicBezTo>
+                <a:cubicBezTo>
+                  <a:pt x="9941205" y="804798"/>
+                  <a:pt x="10045126" y="827506"/>
+                  <a:pt x="10131050" y="792652"/>
+                </a:cubicBezTo>
+                <a:cubicBezTo>
+                  <a:pt x="10111891" y="741954"/>
+                  <a:pt x="10037578" y="772583"/>
+                  <a:pt x="10006808" y="731920"/>
+                </a:cubicBezTo>
+                <a:cubicBezTo>
+                  <a:pt x="10086927" y="724526"/>
+                  <a:pt x="10161239" y="721357"/>
+                  <a:pt x="10233809" y="710268"/>
+                </a:cubicBezTo>
+                <a:cubicBezTo>
+                  <a:pt x="10290705" y="701818"/>
+                  <a:pt x="10306380" y="658513"/>
+                  <a:pt x="10267483" y="628940"/>
+                </a:cubicBezTo>
+                <a:cubicBezTo>
+                  <a:pt x="10232648" y="602536"/>
+                  <a:pt x="10181559" y="600422"/>
+                  <a:pt x="10136275" y="589333"/>
+                </a:cubicBezTo>
+                <a:cubicBezTo>
+                  <a:pt x="9813479" y="512230"/>
+                  <a:pt x="9474428" y="487409"/>
+                  <a:pt x="9131312" y="480544"/>
+                </a:cubicBezTo>
+                <a:cubicBezTo>
+                  <a:pt x="8580936" y="469453"/>
+                  <a:pt x="8028817" y="469982"/>
+                  <a:pt x="7479600" y="454667"/>
+                </a:cubicBezTo>
+                <a:cubicBezTo>
+                  <a:pt x="7227489" y="447934"/>
+                  <a:pt x="6976357" y="436744"/>
+                  <a:pt x="6724001" y="434021"/>
+                </a:cubicBezTo>
+                <a:close/>
+                <a:moveTo>
+                  <a:pt x="0" y="0"/>
+                </a:moveTo>
+                <a:lnTo>
+                  <a:pt x="12192000" y="0"/>
+                </a:lnTo>
+                <a:lnTo>
+                  <a:pt x="12192000" y="6858000"/>
+                </a:lnTo>
+                <a:lnTo>
+                  <a:pt x="0" y="6858000"/>
+                </a:lnTo>
+                <a:close/>
+              </a:path>
+            </a:pathLst>
+          </a:custGeom>
+          <a:solidFill>
+            <a:schemeClr val="bg2">
+              <a:alpha val="50000"/>
+            </a:schemeClr>
+          </a:solidFill>
+          <a:ln w="32707" cap="flat">
+            <a:noFill/>
+            <a:prstDash val="solid"/>
+            <a:miter/>
+          </a:ln>
+        </p:spPr>
+        <p:txBody>
+          <a:bodyPr wrap="square" rtlCol="0" anchor="ctr">
+            <a:noAutofit/>
+          </a:bodyPr>
+          <a:lstStyle/>
+          <a:p>
+            <a:pPr algn="ctr"/>
+            <a:endParaRPr lang="en-US"/>
+          </a:p>
+        </p:txBody>
+      </p:sp>
+      <mc:AlternateContent xmlns:mc="http://schemas.openxmlformats.org/markup-compatibility/2006" xmlns:p14="http://schemas.microsoft.com/office/powerpoint/2010/main">
+        <mc:Choice Requires="p14">
+          <p:contentPart p14:bwMode="auto" r:id="rId3">
+            <p14:nvContentPartPr>
+              <p14:cNvPr id="2" name="Ink 1">
+                <a:extLst>
+                  <a:ext uri="{FF2B5EF4-FFF2-40B4-BE49-F238E27FC236}">
+                    <a16:creationId xmlns:a16="http://schemas.microsoft.com/office/drawing/2014/main" id="{DFA62668-2D1A-B432-CDA9-712BEDF34741}"/>
+                  </a:ext>
+                </a:extLst>
+              </p14:cNvPr>
+              <p14:cNvContentPartPr/>
+              <p14:nvPr/>
+            </p14:nvContentPartPr>
+            <p14:xfrm>
+              <a:off x="3388720" y="150427"/>
+              <a:ext cx="360" cy="360"/>
+            </p14:xfrm>
+          </p:contentPart>
+        </mc:Choice>
+        <mc:Fallback xmlns="">
+          <p:pic>
+            <p:nvPicPr>
+              <p:cNvPr id="2" name="Ink 1">
+                <a:extLst>
+                  <a:ext uri="{FF2B5EF4-FFF2-40B4-BE49-F238E27FC236}">
+                    <a16:creationId xmlns:a16="http://schemas.microsoft.com/office/drawing/2014/main" id="{DFA62668-2D1A-B432-CDA9-712BEDF34741}"/>
+                  </a:ext>
+                </a:extLst>
+              </p:cNvPr>
+              <p:cNvPicPr/>
+              <p:nvPr/>
+            </p:nvPicPr>
+            <p:blipFill>
+              <a:blip r:embed="rId4"/>
+              <a:stretch>
+                <a:fillRect/>
+              </a:stretch>
+            </p:blipFill>
+            <p:spPr>
+              <a:xfrm>
+                <a:off x="3379720" y="141427"/>
+                <a:ext cx="18000" cy="18000"/>
+              </a:xfrm>
+              <a:prstGeom prst="rect">
+                <a:avLst/>
+              </a:prstGeom>
+            </p:spPr>
+          </p:pic>
+        </mc:Fallback>
+      </mc:AlternateContent>
+      <p:sp>
+        <p:nvSpPr>
+          <p:cNvPr id="24" name="TextBox 23">
+            <a:extLst>
+              <a:ext uri="{FF2B5EF4-FFF2-40B4-BE49-F238E27FC236}">
+                <a16:creationId xmlns:a16="http://schemas.microsoft.com/office/drawing/2014/main" id="{0A8E9643-E02A-7D89-F787-5A3FE84FA99A}"/>
+              </a:ext>
+            </a:extLst>
+          </p:cNvPr>
+          <p:cNvSpPr txBox="1"/>
+          <p:nvPr/>
+        </p:nvSpPr>
+        <p:spPr>
+          <a:xfrm>
+            <a:off x="6763091" y="0"/>
+            <a:ext cx="5296251" cy="568745"/>
+          </a:xfrm>
+          <a:prstGeom prst="rect">
+            <a:avLst/>
+          </a:prstGeom>
+          <a:noFill/>
+        </p:spPr>
+        <p:txBody>
+          <a:bodyPr wrap="square" rtlCol="0">
+            <a:spAutoFit/>
+          </a:bodyPr>
+          <a:lstStyle/>
+          <a:p>
+            <a:pPr>
+              <a:lnSpc>
+                <a:spcPct val="200000"/>
+              </a:lnSpc>
+              <a:spcAft>
+                <a:spcPts val="600"/>
+              </a:spcAft>
+            </a:pPr>
+            <a:r>
+              <a:rPr lang="en-US"/>
+              <a:t>	</a:t>
+            </a:r>
+          </a:p>
+        </p:txBody>
+      </p:sp>
+      <p:sp>
+        <p:nvSpPr>
+          <p:cNvPr id="4" name="TextBox 3">
+            <a:extLst>
+              <a:ext uri="{FF2B5EF4-FFF2-40B4-BE49-F238E27FC236}">
+                <a16:creationId xmlns:a16="http://schemas.microsoft.com/office/drawing/2014/main" id="{1B79DB45-DAD1-43D7-8495-CDDA1293365E}"/>
+              </a:ext>
+            </a:extLst>
+          </p:cNvPr>
+          <p:cNvSpPr txBox="1"/>
+          <p:nvPr/>
+        </p:nvSpPr>
+        <p:spPr>
+          <a:xfrm>
+            <a:off x="6167063" y="568745"/>
+            <a:ext cx="5892279" cy="3788858"/>
+          </a:xfrm>
+          <a:prstGeom prst="rect">
+            <a:avLst/>
+          </a:prstGeom>
+          <a:noFill/>
+        </p:spPr>
+        <p:txBody>
+          <a:bodyPr wrap="square" rtlCol="0">
+            <a:spAutoFit/>
+          </a:bodyPr>
+          <a:lstStyle/>
+          <a:p>
+            <a:pPr>
+              <a:lnSpc>
+                <a:spcPct val="150000"/>
+              </a:lnSpc>
+            </a:pPr>
+            <a:r>
+              <a:rPr lang="en-US" dirty="0"/>
+              <a:t>	After the Maya lowlands, the Toltec Empire went on to conquer the </a:t>
+            </a:r>
+            <a:r>
+              <a:rPr lang="en-CA" dirty="0"/>
+              <a:t>Yucatán Peninsula and strike a fatal blow to the Maya, destroying </a:t>
+            </a:r>
+          </a:p>
+          <a:p>
+            <a:pPr>
+              <a:lnSpc>
+                <a:spcPct val="150000"/>
+              </a:lnSpc>
+            </a:pPr>
+            <a:endParaRPr lang="en-US" dirty="0"/>
+          </a:p>
+          <a:p>
+            <a:pPr>
+              <a:lnSpc>
+                <a:spcPct val="150000"/>
+              </a:lnSpc>
+            </a:pPr>
+            <a:endParaRPr lang="en-US" dirty="0"/>
+          </a:p>
+          <a:p>
+            <a:pPr>
+              <a:lnSpc>
+                <a:spcPct val="150000"/>
+              </a:lnSpc>
+            </a:pPr>
+            <a:r>
+              <a:rPr lang="en-US" dirty="0"/>
+              <a:t>The Toltec invasion brought with them a new ideology, militarism, which emphasized a strong and aggressive military presence to defend or promote their own interests geographically. </a:t>
+            </a:r>
+          </a:p>
+        </p:txBody>
+      </p:sp>
+      <p:pic>
+        <p:nvPicPr>
+          <p:cNvPr id="5" name="Picture 4">
+            <a:extLst>
+              <a:ext uri="{FF2B5EF4-FFF2-40B4-BE49-F238E27FC236}">
+                <a16:creationId xmlns:a16="http://schemas.microsoft.com/office/drawing/2014/main" id="{EC0F3BDA-03B8-0973-5E31-998E6959AE51}"/>
+              </a:ext>
+            </a:extLst>
+          </p:cNvPr>
+          <p:cNvPicPr>
+            <a:picLocks noChangeAspect="1"/>
+          </p:cNvPicPr>
+          <p:nvPr/>
+        </p:nvPicPr>
+        <p:blipFill>
+          <a:blip r:embed="rId5"/>
+          <a:stretch>
+            <a:fillRect/>
+          </a:stretch>
+        </p:blipFill>
+        <p:spPr>
+          <a:xfrm>
+            <a:off x="0" y="1046437"/>
+            <a:ext cx="5591175" cy="4533900"/>
+          </a:xfrm>
+          <a:prstGeom prst="rect">
+            <a:avLst/>
+          </a:prstGeom>
+        </p:spPr>
+      </p:pic>
+    </p:spTree>
+    <p:extLst>
+      <p:ext uri="{BB962C8B-B14F-4D97-AF65-F5344CB8AC3E}">
+        <p14:creationId xmlns:p14="http://schemas.microsoft.com/office/powerpoint/2010/main" val="798813789"/>
       </p:ext>
     </p:extLst>
   </p:cSld>

--- a/anth2151-ancientpeoplesandplaces/TheCollapseOfTheMayaCivilization.pptx
+++ b/anth2151-ancientpeoplesandplaces/TheCollapseOfTheMayaCivilization.pptx
@@ -778,7 +778,7 @@
           <a:p>
             <a:fld id="{64A4FC2C-52CE-46E3-9ED6-C780E35FA722}" type="datetimeFigureOut">
               <a:rPr lang="en-CA" smtClean="0"/>
-              <a:t>2023-03-28</a:t>
+              <a:t>2023-03-29</a:t>
             </a:fld>
             <a:endParaRPr lang="en-CA"/>
           </a:p>
@@ -4663,7 +4663,7 @@
           <a:p>
             <a:fld id="{E70B44F4-EB80-4661-B4DA-9317950D61AC}" type="datetimeFigureOut">
               <a:rPr lang="en-CA" smtClean="0"/>
-              <a:t>2023-03-28</a:t>
+              <a:t>2023-03-29</a:t>
             </a:fld>
             <a:endParaRPr lang="en-CA"/>
           </a:p>
@@ -4863,7 +4863,7 @@
           <a:p>
             <a:fld id="{E70B44F4-EB80-4661-B4DA-9317950D61AC}" type="datetimeFigureOut">
               <a:rPr lang="en-CA" smtClean="0"/>
-              <a:t>2023-03-28</a:t>
+              <a:t>2023-03-29</a:t>
             </a:fld>
             <a:endParaRPr lang="en-CA"/>
           </a:p>
@@ -5073,7 +5073,7 @@
           <a:p>
             <a:fld id="{E70B44F4-EB80-4661-B4DA-9317950D61AC}" type="datetimeFigureOut">
               <a:rPr lang="en-CA" smtClean="0"/>
-              <a:t>2023-03-28</a:t>
+              <a:t>2023-03-29</a:t>
             </a:fld>
             <a:endParaRPr lang="en-CA"/>
           </a:p>
@@ -5273,7 +5273,7 @@
           <a:p>
             <a:fld id="{E70B44F4-EB80-4661-B4DA-9317950D61AC}" type="datetimeFigureOut">
               <a:rPr lang="en-CA" smtClean="0"/>
-              <a:t>2023-03-28</a:t>
+              <a:t>2023-03-29</a:t>
             </a:fld>
             <a:endParaRPr lang="en-CA"/>
           </a:p>
@@ -5549,7 +5549,7 @@
           <a:p>
             <a:fld id="{E70B44F4-EB80-4661-B4DA-9317950D61AC}" type="datetimeFigureOut">
               <a:rPr lang="en-CA" smtClean="0"/>
-              <a:t>2023-03-28</a:t>
+              <a:t>2023-03-29</a:t>
             </a:fld>
             <a:endParaRPr lang="en-CA"/>
           </a:p>
@@ -5817,7 +5817,7 @@
           <a:p>
             <a:fld id="{E70B44F4-EB80-4661-B4DA-9317950D61AC}" type="datetimeFigureOut">
               <a:rPr lang="en-CA" smtClean="0"/>
-              <a:t>2023-03-28</a:t>
+              <a:t>2023-03-29</a:t>
             </a:fld>
             <a:endParaRPr lang="en-CA"/>
           </a:p>
@@ -6232,7 +6232,7 @@
           <a:p>
             <a:fld id="{E70B44F4-EB80-4661-B4DA-9317950D61AC}" type="datetimeFigureOut">
               <a:rPr lang="en-CA" smtClean="0"/>
-              <a:t>2023-03-28</a:t>
+              <a:t>2023-03-29</a:t>
             </a:fld>
             <a:endParaRPr lang="en-CA"/>
           </a:p>
@@ -6374,7 +6374,7 @@
           <a:p>
             <a:fld id="{E70B44F4-EB80-4661-B4DA-9317950D61AC}" type="datetimeFigureOut">
               <a:rPr lang="en-CA" smtClean="0"/>
-              <a:t>2023-03-28</a:t>
+              <a:t>2023-03-29</a:t>
             </a:fld>
             <a:endParaRPr lang="en-CA"/>
           </a:p>
@@ -6487,7 +6487,7 @@
           <a:p>
             <a:fld id="{E70B44F4-EB80-4661-B4DA-9317950D61AC}" type="datetimeFigureOut">
               <a:rPr lang="en-CA" smtClean="0"/>
-              <a:t>2023-03-28</a:t>
+              <a:t>2023-03-29</a:t>
             </a:fld>
             <a:endParaRPr lang="en-CA"/>
           </a:p>
@@ -6800,7 +6800,7 @@
           <a:p>
             <a:fld id="{E70B44F4-EB80-4661-B4DA-9317950D61AC}" type="datetimeFigureOut">
               <a:rPr lang="en-CA" smtClean="0"/>
-              <a:t>2023-03-28</a:t>
+              <a:t>2023-03-29</a:t>
             </a:fld>
             <a:endParaRPr lang="en-CA"/>
           </a:p>
@@ -7089,7 +7089,7 @@
           <a:p>
             <a:fld id="{E70B44F4-EB80-4661-B4DA-9317950D61AC}" type="datetimeFigureOut">
               <a:rPr lang="en-CA" smtClean="0"/>
-              <a:t>2023-03-28</a:t>
+              <a:t>2023-03-29</a:t>
             </a:fld>
             <a:endParaRPr lang="en-CA"/>
           </a:p>
@@ -7332,7 +7332,7 @@
           <a:p>
             <a:fld id="{E70B44F4-EB80-4661-B4DA-9317950D61AC}" type="datetimeFigureOut">
               <a:rPr lang="en-CA" smtClean="0"/>
-              <a:t>2023-03-28</a:t>
+              <a:t>2023-03-29</a:t>
             </a:fld>
             <a:endParaRPr lang="en-CA"/>
           </a:p>
@@ -17205,7 +17205,7 @@
                 <a:latin typeface="Times New Roman" panose="02020603050405020304" pitchFamily="18" charset="0"/>
                 <a:cs typeface="Times New Roman" panose="02020603050405020304" pitchFamily="18" charset="0"/>
               </a:rPr>
-              <a:t>	Now that we are finished with the relevant knowledge of the ancient Maya civilization, our focus will pivot back to The Terminal Classic Period. As mentioned earlier, a multitude of factors contributed to the downfall of the Maya civilization. Our focus will be on the 9</a:t>
+              <a:t>	Now that we are finished discussing some prerequisite knowledge of the ancient Maya civilization, our focus will pivot back to The Terminal Classic Period. As mentioned earlier, a multitude of factors contributed to the downfall of the Maya civilization. Our focus will be on the 9</a:t>
             </a:r>
             <a:r>
               <a:rPr lang="en-US" baseline="30000" dirty="0">
@@ -17233,7 +17233,7 @@
                 <a:latin typeface="Times New Roman" panose="02020603050405020304" pitchFamily="18" charset="0"/>
                 <a:cs typeface="Times New Roman" panose="02020603050405020304" pitchFamily="18" charset="0"/>
               </a:rPr>
-              <a:t> centuries, as that is when the main contributing factor – long and intense droughts - occurred most often. Additionally, our discussion will involve the contributions of military losses, the collapse of trade routes and generally poor climate conditions. </a:t>
+              <a:t> centuries, as that is when the Maya civilization experienced a significant decline. Our discussion will involve the contributions of military losses, the collapse of trade routes, poor climate conditions, and most notably, long and intense droughts. </a:t>
             </a:r>
             <a:endParaRPr lang="en-CA" dirty="0">
               <a:latin typeface="Times New Roman" panose="02020603050405020304" pitchFamily="18" charset="0"/>
@@ -18611,8 +18611,8 @@
           </a:p>
         </p:txBody>
       </p:sp>
-      <mc:AlternateContent xmlns:mc="http://schemas.openxmlformats.org/markup-compatibility/2006">
-        <mc:Choice xmlns:p14="http://schemas.microsoft.com/office/powerpoint/2010/main" Requires="p14">
+      <mc:AlternateContent xmlns:mc="http://schemas.openxmlformats.org/markup-compatibility/2006" xmlns:p14="http://schemas.microsoft.com/office/powerpoint/2010/main">
+        <mc:Choice Requires="p14">
           <p:contentPart p14:bwMode="auto" r:id="rId3">
             <p14:nvContentPartPr>
               <p14:cNvPr id="2" name="Ink 1">
@@ -18631,7 +18631,7 @@
             </p14:xfrm>
           </p:contentPart>
         </mc:Choice>
-        <mc:Fallback>
+        <mc:Fallback xmlns="">
           <p:pic>
             <p:nvPicPr>
               <p:cNvPr id="2" name="Ink 1">
@@ -18720,7 +18720,7 @@
         <p:spPr>
           <a:xfrm>
             <a:off x="6326508" y="551006"/>
-            <a:ext cx="5865492" cy="6107249"/>
+            <a:ext cx="5865492" cy="6101927"/>
           </a:xfrm>
           <a:prstGeom prst="rect">
             <a:avLst/>
@@ -18743,7 +18743,7 @@
                 <a:latin typeface="Times New Roman" panose="02020603050405020304" pitchFamily="18" charset="0"/>
                 <a:cs typeface="Times New Roman" panose="02020603050405020304" pitchFamily="18" charset="0"/>
               </a:rPr>
-              <a:t>	 The first factor we will consider as a starting point is the collapse of trade routes. Building on our earlier discussion about the southern and northern Maya lowlands, archeological evidence in the 20</a:t>
+              <a:t>	 As our first discussion point, we will consider the collapse of trade routes. Building on our earlier discussion about the southern and northern Maya lowlands, archeological evidence in the 20</a:t>
             </a:r>
             <a:r>
               <a:rPr lang="en-US" baseline="30000" dirty="0">
@@ -18771,7 +18771,7 @@
                 <a:latin typeface="Times New Roman" panose="02020603050405020304" pitchFamily="18" charset="0"/>
                 <a:cs typeface="Times New Roman" panose="02020603050405020304" pitchFamily="18" charset="0"/>
               </a:rPr>
-              <a:t> centuries uncovered sites of pottery and stone tools in the Maya lowlands, dating back to the Classic Period. Analysis of these tools and sediment revealed trade networks in these areas, where the Maya would exchange exotic goods and obsidian, their main tool material. As seen on the diagram, elaborate trade networks were established over inland water bodies. </a:t>
+              <a:t> centuries uncovered sites of pottery and stone tools in the Maya lowlands, dating back to the Classic Period. Analysis of these tools and sediment revealed trade networks in these areas, where the Maya would exchange exotic goods and obsidian, their main tool material. As seen in the diagram, elaborate trade networks were established over inland water bodies. </a:t>
             </a:r>
             <a:endParaRPr lang="en-CA" dirty="0">
               <a:latin typeface="Times New Roman" panose="02020603050405020304" pitchFamily="18" charset="0"/>
@@ -20143,8 +20143,8 @@
           </a:p>
         </p:txBody>
       </p:sp>
-      <mc:AlternateContent xmlns:mc="http://schemas.openxmlformats.org/markup-compatibility/2006">
-        <mc:Choice xmlns:p14="http://schemas.microsoft.com/office/powerpoint/2010/main" Requires="p14">
+      <mc:AlternateContent xmlns:mc="http://schemas.openxmlformats.org/markup-compatibility/2006" xmlns:p14="http://schemas.microsoft.com/office/powerpoint/2010/main">
+        <mc:Choice Requires="p14">
           <p:contentPart p14:bwMode="auto" r:id="rId3">
             <p14:nvContentPartPr>
               <p14:cNvPr id="2" name="Ink 1">
@@ -20163,7 +20163,7 @@
             </p14:xfrm>
           </p:contentPart>
         </mc:Choice>
-        <mc:Fallback>
+        <mc:Fallback xmlns="">
           <p:pic>
             <p:nvPicPr>
               <p:cNvPr id="2" name="Ink 1">
@@ -21647,8 +21647,8 @@
           </a:p>
         </p:txBody>
       </p:sp>
-      <mc:AlternateContent xmlns:mc="http://schemas.openxmlformats.org/markup-compatibility/2006">
-        <mc:Choice xmlns:p14="http://schemas.microsoft.com/office/powerpoint/2010/main" Requires="p14">
+      <mc:AlternateContent xmlns:mc="http://schemas.openxmlformats.org/markup-compatibility/2006" xmlns:p14="http://schemas.microsoft.com/office/powerpoint/2010/main">
+        <mc:Choice Requires="p14">
           <p:contentPart p14:bwMode="auto" r:id="rId3">
             <p14:nvContentPartPr>
               <p14:cNvPr id="2" name="Ink 1">
@@ -21667,7 +21667,7 @@
             </p14:xfrm>
           </p:contentPart>
         </mc:Choice>
-        <mc:Fallback>
+        <mc:Fallback xmlns="">
           <p:pic>
             <p:nvPicPr>
               <p:cNvPr id="2" name="Ink 1">
@@ -23278,8 +23278,8 @@
           </a:p>
         </p:txBody>
       </p:sp>
-      <mc:AlternateContent xmlns:mc="http://schemas.openxmlformats.org/markup-compatibility/2006">
-        <mc:Choice xmlns:p14="http://schemas.microsoft.com/office/powerpoint/2010/main" Requires="p14">
+      <mc:AlternateContent xmlns:mc="http://schemas.openxmlformats.org/markup-compatibility/2006" xmlns:p14="http://schemas.microsoft.com/office/powerpoint/2010/main">
+        <mc:Choice Requires="p14">
           <p:contentPart p14:bwMode="auto" r:id="rId3">
             <p14:nvContentPartPr>
               <p14:cNvPr id="2" name="Ink 1">
@@ -23298,7 +23298,7 @@
             </p14:xfrm>
           </p:contentPart>
         </mc:Choice>
-        <mc:Fallback>
+        <mc:Fallback xmlns="">
           <p:pic>
             <p:nvPicPr>
               <p:cNvPr id="2" name="Ink 1">
@@ -23410,7 +23410,49 @@
                 <a:latin typeface="Times New Roman" panose="02020603050405020304" pitchFamily="18" charset="0"/>
                 <a:cs typeface="Times New Roman" panose="02020603050405020304" pitchFamily="18" charset="0"/>
               </a:rPr>
-              <a:t>	Because the main material resource used by the Maya for tools and power procurement by Maya elites, researchers at the University of Illinois traced the movement of obsidian through sediment analysis. They discovered the trade of obsidian and other materials declined as trade routes were shifted from inland river networks to coastal networks. As inland trade centers decreased, the reliance on coastal trade networks increased, depriving many key Maya inland cities and sites of needed resources. </a:t>
+              <a:t>	Because the main material resource used by the Maya for tools and power procurement by Maya elites, researchers at the University of Illinois traced the movement of obsidian through Mesoamerica during the 8</a:t>
+            </a:r>
+            <a:r>
+              <a:rPr lang="en-US" baseline="30000" dirty="0">
+                <a:latin typeface="Times New Roman" panose="02020603050405020304" pitchFamily="18" charset="0"/>
+                <a:cs typeface="Times New Roman" panose="02020603050405020304" pitchFamily="18" charset="0"/>
+              </a:rPr>
+              <a:t>th</a:t>
+            </a:r>
+            <a:r>
+              <a:rPr lang="en-US" dirty="0">
+                <a:latin typeface="Times New Roman" panose="02020603050405020304" pitchFamily="18" charset="0"/>
+                <a:cs typeface="Times New Roman" panose="02020603050405020304" pitchFamily="18" charset="0"/>
+              </a:rPr>
+              <a:t>, 9</a:t>
+            </a:r>
+            <a:r>
+              <a:rPr lang="en-US" baseline="30000" dirty="0">
+                <a:latin typeface="Times New Roman" panose="02020603050405020304" pitchFamily="18" charset="0"/>
+                <a:cs typeface="Times New Roman" panose="02020603050405020304" pitchFamily="18" charset="0"/>
+              </a:rPr>
+              <a:t>th</a:t>
+            </a:r>
+            <a:r>
+              <a:rPr lang="en-US" dirty="0">
+                <a:latin typeface="Times New Roman" panose="02020603050405020304" pitchFamily="18" charset="0"/>
+                <a:cs typeface="Times New Roman" panose="02020603050405020304" pitchFamily="18" charset="0"/>
+              </a:rPr>
+              <a:t>, and 10</a:t>
+            </a:r>
+            <a:r>
+              <a:rPr lang="en-US" baseline="30000" dirty="0">
+                <a:latin typeface="Times New Roman" panose="02020603050405020304" pitchFamily="18" charset="0"/>
+                <a:cs typeface="Times New Roman" panose="02020603050405020304" pitchFamily="18" charset="0"/>
+              </a:rPr>
+              <a:t>th</a:t>
+            </a:r>
+            <a:r>
+              <a:rPr lang="en-US" dirty="0">
+                <a:latin typeface="Times New Roman" panose="02020603050405020304" pitchFamily="18" charset="0"/>
+                <a:cs typeface="Times New Roman" panose="02020603050405020304" pitchFamily="18" charset="0"/>
+              </a:rPr>
+              <a:t> centuries. They discovered the trade of obsidian and other materials declined as trade routes were shifted from inland river networks to coastal networks. As inland trade centers decreased, the reliance on coastal trade networks increased, depriving many key Maya inland cities and sites of resources. </a:t>
             </a:r>
             <a:endParaRPr lang="en-CA" dirty="0">
               <a:latin typeface="Times New Roman" panose="02020603050405020304" pitchFamily="18" charset="0"/>
@@ -24833,113 +24875,6 @@
           </p:pic>
         </mc:Fallback>
       </mc:AlternateContent>
-      <p:sp>
-        <p:nvSpPr>
-          <p:cNvPr id="24" name="TextBox 23">
-            <a:extLst>
-              <a:ext uri="{FF2B5EF4-FFF2-40B4-BE49-F238E27FC236}">
-                <a16:creationId xmlns:a16="http://schemas.microsoft.com/office/drawing/2014/main" id="{0A8E9643-E02A-7D89-F787-5A3FE84FA99A}"/>
-              </a:ext>
-            </a:extLst>
-          </p:cNvPr>
-          <p:cNvSpPr txBox="1"/>
-          <p:nvPr/>
-        </p:nvSpPr>
-        <p:spPr>
-          <a:xfrm>
-            <a:off x="6763091" y="0"/>
-            <a:ext cx="5296251" cy="568745"/>
-          </a:xfrm>
-          <a:prstGeom prst="rect">
-            <a:avLst/>
-          </a:prstGeom>
-          <a:noFill/>
-        </p:spPr>
-        <p:txBody>
-          <a:bodyPr wrap="square" rtlCol="0">
-            <a:spAutoFit/>
-          </a:bodyPr>
-          <a:lstStyle/>
-          <a:p>
-            <a:pPr>
-              <a:lnSpc>
-                <a:spcPct val="200000"/>
-              </a:lnSpc>
-              <a:spcAft>
-                <a:spcPts val="600"/>
-              </a:spcAft>
-            </a:pPr>
-            <a:r>
-              <a:rPr lang="en-US"/>
-              <a:t>	</a:t>
-            </a:r>
-          </a:p>
-        </p:txBody>
-      </p:sp>
-      <p:sp>
-        <p:nvSpPr>
-          <p:cNvPr id="4" name="TextBox 3">
-            <a:extLst>
-              <a:ext uri="{FF2B5EF4-FFF2-40B4-BE49-F238E27FC236}">
-                <a16:creationId xmlns:a16="http://schemas.microsoft.com/office/drawing/2014/main" id="{1B79DB45-DAD1-43D7-8495-CDDA1293365E}"/>
-              </a:ext>
-            </a:extLst>
-          </p:cNvPr>
-          <p:cNvSpPr txBox="1"/>
-          <p:nvPr/>
-        </p:nvSpPr>
-        <p:spPr>
-          <a:xfrm>
-            <a:off x="6096000" y="568745"/>
-            <a:ext cx="5892279" cy="6108724"/>
-          </a:xfrm>
-          <a:prstGeom prst="rect">
-            <a:avLst/>
-          </a:prstGeom>
-          <a:noFill/>
-        </p:spPr>
-        <p:txBody>
-          <a:bodyPr wrap="square" rtlCol="0">
-            <a:spAutoFit/>
-          </a:bodyPr>
-          <a:lstStyle/>
-          <a:p>
-            <a:pPr>
-              <a:lnSpc>
-                <a:spcPct val="200000"/>
-              </a:lnSpc>
-            </a:pPr>
-            <a:r>
-              <a:rPr lang="en-US" dirty="0"/>
-              <a:t>	The first factor we will consider as a starting point is foreign invasions. Building on our earlier discussion about the southern Maya lowlands, archeological evidence in the 20</a:t>
-            </a:r>
-            <a:r>
-              <a:rPr lang="en-US" baseline="30000" dirty="0"/>
-              <a:t>th</a:t>
-            </a:r>
-            <a:r>
-              <a:rPr lang="en-US" dirty="0"/>
-              <a:t> and 21</a:t>
-            </a:r>
-            <a:r>
-              <a:rPr lang="en-US" baseline="30000" dirty="0"/>
-              <a:t>st</a:t>
-            </a:r>
-            <a:r>
-              <a:rPr lang="en-US" dirty="0"/>
-              <a:t> centuries brought forth evidence of various civilizations invading and conquering large amounts of territory starting in the 9</a:t>
-            </a:r>
-            <a:r>
-              <a:rPr lang="en-US" baseline="30000" dirty="0"/>
-              <a:t>th</a:t>
-            </a:r>
-            <a:r>
-              <a:rPr lang="en-US" dirty="0"/>
-              <a:t> century Terminal Classic Period. Specifically, invasions brought on significant losses in manpower, natural resources, territory, and symbolic architectural works. The Toltec invasion of Maya is just one example of this, which occurred in the Maya lowlands shown in the blue circles on the map. </a:t>
-            </a:r>
-          </a:p>
-        </p:txBody>
-      </p:sp>
       <p:pic>
         <p:nvPicPr>
           <p:cNvPr id="9" name="Picture 8">
@@ -24970,6 +24905,53 @@
           </a:prstGeom>
         </p:spPr>
       </p:pic>
+      <p:sp>
+        <p:nvSpPr>
+          <p:cNvPr id="7" name="TextBox 6">
+            <a:extLst>
+              <a:ext uri="{FF2B5EF4-FFF2-40B4-BE49-F238E27FC236}">
+                <a16:creationId xmlns:a16="http://schemas.microsoft.com/office/drawing/2014/main" id="{1D2E7E87-1AFB-1E6E-A412-3940F3B6C13F}"/>
+              </a:ext>
+            </a:extLst>
+          </p:cNvPr>
+          <p:cNvSpPr txBox="1"/>
+          <p:nvPr/>
+        </p:nvSpPr>
+        <p:spPr>
+          <a:xfrm>
+            <a:off x="6326508" y="551006"/>
+            <a:ext cx="5865492" cy="1669944"/>
+          </a:xfrm>
+          <a:prstGeom prst="rect">
+            <a:avLst/>
+          </a:prstGeom>
+          <a:noFill/>
+        </p:spPr>
+        <p:txBody>
+          <a:bodyPr wrap="square" rtlCol="0">
+            <a:spAutoFit/>
+          </a:bodyPr>
+          <a:lstStyle/>
+          <a:p>
+            <a:pPr lvl="1">
+              <a:lnSpc>
+                <a:spcPct val="200000"/>
+              </a:lnSpc>
+            </a:pPr>
+            <a:r>
+              <a:rPr lang="en-US" dirty="0">
+                <a:latin typeface="Times New Roman" panose="02020603050405020304" pitchFamily="18" charset="0"/>
+                <a:cs typeface="Times New Roman" panose="02020603050405020304" pitchFamily="18" charset="0"/>
+              </a:rPr>
+              <a:t>	Continuing our discussion, we will cover the archaeological records which suggest warfare was a significant factor.   </a:t>
+            </a:r>
+            <a:endParaRPr lang="en-CA" dirty="0">
+              <a:latin typeface="Times New Roman" panose="02020603050405020304" pitchFamily="18" charset="0"/>
+              <a:cs typeface="Times New Roman" panose="02020603050405020304" pitchFamily="18" charset="0"/>
+            </a:endParaRPr>
+          </a:p>
+        </p:txBody>
+      </p:sp>
     </p:spTree>
     <p:extLst>
       <p:ext uri="{BB962C8B-B14F-4D97-AF65-F5344CB8AC3E}">
